--- a/TesisPaper/Defensa/Biased Random Key Genetic Algorithm.pptx
+++ b/TesisPaper/Defensa/Biased Random Key Genetic Algorithm.pptx
@@ -9,11 +9,18 @@
     <p:sldId id="257" r:id="rId3"/>
     <p:sldId id="258" r:id="rId4"/>
     <p:sldId id="259" r:id="rId5"/>
-    <p:sldId id="260" r:id="rId6"/>
-    <p:sldId id="261" r:id="rId7"/>
-    <p:sldId id="262" r:id="rId8"/>
-    <p:sldId id="263" r:id="rId9"/>
-    <p:sldId id="264" r:id="rId10"/>
+    <p:sldId id="271" r:id="rId6"/>
+    <p:sldId id="260" r:id="rId7"/>
+    <p:sldId id="261" r:id="rId8"/>
+    <p:sldId id="272" r:id="rId9"/>
+    <p:sldId id="262" r:id="rId10"/>
+    <p:sldId id="263" r:id="rId11"/>
+    <p:sldId id="265" r:id="rId12"/>
+    <p:sldId id="266" r:id="rId13"/>
+    <p:sldId id="267" r:id="rId14"/>
+    <p:sldId id="268" r:id="rId15"/>
+    <p:sldId id="269" r:id="rId16"/>
+    <p:sldId id="270" r:id="rId17"/>
   </p:sldIdLst>
   <p:sldSz cx="9144000" cy="6858000" type="screen4x3"/>
   <p:notesSz cx="6858000" cy="9144000"/>
@@ -296,7 +303,7 @@
           <a:p>
             <a:fld id="{187174D4-BBC9-49E1-BF8F-684BE480328B}" type="datetimeFigureOut">
               <a:rPr lang="es-AR" smtClean="0"/>
-              <a:t>15/4/2018</a:t>
+              <a:t>18/4/2018</a:t>
             </a:fld>
             <a:endParaRPr lang="es-AR"/>
           </a:p>
@@ -466,7 +473,7 @@
           <a:p>
             <a:fld id="{187174D4-BBC9-49E1-BF8F-684BE480328B}" type="datetimeFigureOut">
               <a:rPr lang="es-AR" smtClean="0"/>
-              <a:t>15/4/2018</a:t>
+              <a:t>18/4/2018</a:t>
             </a:fld>
             <a:endParaRPr lang="es-AR"/>
           </a:p>
@@ -646,7 +653,7 @@
           <a:p>
             <a:fld id="{187174D4-BBC9-49E1-BF8F-684BE480328B}" type="datetimeFigureOut">
               <a:rPr lang="es-AR" smtClean="0"/>
-              <a:t>15/4/2018</a:t>
+              <a:t>18/4/2018</a:t>
             </a:fld>
             <a:endParaRPr lang="es-AR"/>
           </a:p>
@@ -816,7 +823,7 @@
           <a:p>
             <a:fld id="{187174D4-BBC9-49E1-BF8F-684BE480328B}" type="datetimeFigureOut">
               <a:rPr lang="es-AR" smtClean="0"/>
-              <a:t>15/4/2018</a:t>
+              <a:t>18/4/2018</a:t>
             </a:fld>
             <a:endParaRPr lang="es-AR"/>
           </a:p>
@@ -1062,7 +1069,7 @@
           <a:p>
             <a:fld id="{187174D4-BBC9-49E1-BF8F-684BE480328B}" type="datetimeFigureOut">
               <a:rPr lang="es-AR" smtClean="0"/>
-              <a:t>15/4/2018</a:t>
+              <a:t>18/4/2018</a:t>
             </a:fld>
             <a:endParaRPr lang="es-AR"/>
           </a:p>
@@ -1350,7 +1357,7 @@
           <a:p>
             <a:fld id="{187174D4-BBC9-49E1-BF8F-684BE480328B}" type="datetimeFigureOut">
               <a:rPr lang="es-AR" smtClean="0"/>
-              <a:t>15/4/2018</a:t>
+              <a:t>18/4/2018</a:t>
             </a:fld>
             <a:endParaRPr lang="es-AR"/>
           </a:p>
@@ -1772,7 +1779,7 @@
           <a:p>
             <a:fld id="{187174D4-BBC9-49E1-BF8F-684BE480328B}" type="datetimeFigureOut">
               <a:rPr lang="es-AR" smtClean="0"/>
-              <a:t>15/4/2018</a:t>
+              <a:t>18/4/2018</a:t>
             </a:fld>
             <a:endParaRPr lang="es-AR"/>
           </a:p>
@@ -1890,7 +1897,7 @@
           <a:p>
             <a:fld id="{187174D4-BBC9-49E1-BF8F-684BE480328B}" type="datetimeFigureOut">
               <a:rPr lang="es-AR" smtClean="0"/>
-              <a:t>15/4/2018</a:t>
+              <a:t>18/4/2018</a:t>
             </a:fld>
             <a:endParaRPr lang="es-AR"/>
           </a:p>
@@ -1985,7 +1992,7 @@
           <a:p>
             <a:fld id="{187174D4-BBC9-49E1-BF8F-684BE480328B}" type="datetimeFigureOut">
               <a:rPr lang="es-AR" smtClean="0"/>
-              <a:t>15/4/2018</a:t>
+              <a:t>18/4/2018</a:t>
             </a:fld>
             <a:endParaRPr lang="es-AR"/>
           </a:p>
@@ -2262,7 +2269,7 @@
           <a:p>
             <a:fld id="{187174D4-BBC9-49E1-BF8F-684BE480328B}" type="datetimeFigureOut">
               <a:rPr lang="es-AR" smtClean="0"/>
-              <a:t>15/4/2018</a:t>
+              <a:t>18/4/2018</a:t>
             </a:fld>
             <a:endParaRPr lang="es-AR"/>
           </a:p>
@@ -2515,7 +2522,7 @@
           <a:p>
             <a:fld id="{187174D4-BBC9-49E1-BF8F-684BE480328B}" type="datetimeFigureOut">
               <a:rPr lang="es-AR" smtClean="0"/>
-              <a:t>15/4/2018</a:t>
+              <a:t>18/4/2018</a:t>
             </a:fld>
             <a:endParaRPr lang="es-AR"/>
           </a:p>
@@ -2728,7 +2735,7 @@
           <a:p>
             <a:fld id="{187174D4-BBC9-49E1-BF8F-684BE480328B}" type="datetimeFigureOut">
               <a:rPr lang="es-AR" smtClean="0"/>
-              <a:t>15/4/2018</a:t>
+              <a:t>18/4/2018</a:t>
             </a:fld>
             <a:endParaRPr lang="es-AR"/>
           </a:p>
@@ -3121,53 +3128,53 @@
         </p:spPr>
         <p:txBody>
           <a:bodyPr>
-            <a:normAutofit fontScale="90000"/>
+            <a:noAutofit/>
           </a:bodyPr>
           <a:lstStyle/>
           <a:p>
             <a:r>
-              <a:rPr lang="en-US" dirty="0"/>
+              <a:rPr lang="en-US" sz="3600" dirty="0"/>
               <a:t>Biased Random Key Genetic Algorithm</a:t>
             </a:r>
             <a:br>
-              <a:rPr lang="en-US" dirty="0"/>
+              <a:rPr lang="en-US" sz="3600" dirty="0"/>
             </a:br>
             <a:r>
-              <a:rPr lang="es-AR" dirty="0"/>
+              <a:rPr lang="es-AR" sz="3600" dirty="0"/>
               <a:t>con </a:t>
             </a:r>
             <a:r>
-              <a:rPr lang="es-AR" dirty="0" smtClean="0"/>
+              <a:rPr lang="es-AR" sz="3600" dirty="0" smtClean="0"/>
               <a:t>Búsqueda </a:t>
             </a:r>
             <a:r>
-              <a:rPr lang="es-AR" dirty="0"/>
+              <a:rPr lang="es-AR" sz="3600" dirty="0"/>
               <a:t>Local para el </a:t>
             </a:r>
             <a:r>
-              <a:rPr lang="es-AR" dirty="0" err="1"/>
+              <a:rPr lang="es-AR" sz="3600" dirty="0" err="1"/>
               <a:t>Team</a:t>
             </a:r>
             <a:r>
-              <a:rPr lang="es-AR" dirty="0"/>
+              <a:rPr lang="es-AR" sz="3600" dirty="0"/>
               <a:t/>
             </a:r>
             <a:br>
-              <a:rPr lang="es-AR" dirty="0"/>
+              <a:rPr lang="es-AR" sz="3600" dirty="0"/>
             </a:br>
             <a:r>
-              <a:rPr lang="es-AR" dirty="0" err="1"/>
+              <a:rPr lang="es-AR" sz="3600" dirty="0" err="1"/>
               <a:t>Orienteering</a:t>
             </a:r>
             <a:r>
-              <a:rPr lang="es-AR" dirty="0"/>
-              <a:t> </a:t>
-            </a:r>
-            <a:r>
-              <a:rPr lang="es-AR" dirty="0" err="1"/>
+              <a:rPr lang="es-AR" sz="3600" dirty="0"/>
+              <a:t> </a:t>
+            </a:r>
+            <a:r>
+              <a:rPr lang="es-AR" sz="3600" dirty="0" err="1"/>
               <a:t>Problem</a:t>
             </a:r>
-            <a:endParaRPr lang="es-AR" dirty="0"/>
+            <a:endParaRPr lang="es-AR" sz="3600" dirty="0"/>
           </a:p>
         </p:txBody>
       </p:sp>
@@ -3215,6 +3222,2251 @@
     <p:extLst>
       <p:ext uri="{BB962C8B-B14F-4D97-AF65-F5344CB8AC3E}">
         <p14:creationId xmlns:p14="http://schemas.microsoft.com/office/powerpoint/2010/main" val="338735492"/>
+      </p:ext>
+    </p:extLst>
+  </p:cSld>
+  <p:clrMapOvr>
+    <a:masterClrMapping/>
+  </p:clrMapOvr>
+</p:sld>
+</file>
+
+<file path=ppt/slides/slide10.xml><?xml version="1.0" encoding="utf-8"?>
+<p:sld xmlns:a="http://schemas.openxmlformats.org/drawingml/2006/main" xmlns:r="http://schemas.openxmlformats.org/officeDocument/2006/relationships" xmlns:p="http://schemas.openxmlformats.org/presentationml/2006/main">
+  <p:cSld>
+    <p:spTree>
+      <p:nvGrpSpPr>
+        <p:cNvPr id="1" name=""/>
+        <p:cNvGrpSpPr/>
+        <p:nvPr/>
+      </p:nvGrpSpPr>
+      <p:grpSpPr>
+        <a:xfrm>
+          <a:off x="0" y="0"/>
+          <a:ext cx="0" cy="0"/>
+          <a:chOff x="0" y="0"/>
+          <a:chExt cx="0" cy="0"/>
+        </a:xfrm>
+      </p:grpSpPr>
+      <p:sp>
+        <p:nvSpPr>
+          <p:cNvPr id="2" name="Title 1"/>
+          <p:cNvSpPr>
+            <a:spLocks noGrp="1"/>
+          </p:cNvSpPr>
+          <p:nvPr>
+            <p:ph type="title"/>
+          </p:nvPr>
+        </p:nvSpPr>
+        <p:spPr>
+          <a:xfrm>
+            <a:off x="457200" y="274638"/>
+            <a:ext cx="8229600" cy="418058"/>
+          </a:xfrm>
+        </p:spPr>
+        <p:txBody>
+          <a:bodyPr>
+            <a:normAutofit fontScale="90000"/>
+          </a:bodyPr>
+          <a:lstStyle/>
+          <a:p>
+            <a:pPr algn="r"/>
+            <a:r>
+              <a:rPr lang="en-US" sz="2400" dirty="0" err="1" smtClean="0"/>
+              <a:t>Algoritmo</a:t>
+            </a:r>
+            <a:r>
+              <a:rPr lang="en-US" sz="2400" dirty="0" smtClean="0"/>
+              <a:t> </a:t>
+            </a:r>
+            <a:r>
+              <a:rPr lang="en-US" sz="2400" dirty="0" err="1" smtClean="0"/>
+              <a:t>Propuesto</a:t>
+            </a:r>
+            <a:endParaRPr lang="en-US" sz="2400" dirty="0" smtClean="0"/>
+          </a:p>
+        </p:txBody>
+      </p:sp>
+      <p:sp>
+        <p:nvSpPr>
+          <p:cNvPr id="3" name="Content Placeholder 2"/>
+          <p:cNvSpPr>
+            <a:spLocks noGrp="1"/>
+          </p:cNvSpPr>
+          <p:nvPr>
+            <p:ph idx="1"/>
+          </p:nvPr>
+        </p:nvSpPr>
+        <p:spPr>
+          <a:xfrm>
+            <a:off x="457200" y="908720"/>
+            <a:ext cx="8229600" cy="5217443"/>
+          </a:xfrm>
+        </p:spPr>
+        <p:txBody>
+          <a:bodyPr>
+            <a:normAutofit/>
+          </a:bodyPr>
+          <a:lstStyle/>
+          <a:p>
+            <a:r>
+              <a:rPr lang="en-US" sz="2000" dirty="0" err="1" smtClean="0"/>
+              <a:t>Inicializacion</a:t>
+            </a:r>
+            <a:r>
+              <a:rPr lang="en-US" sz="2000" dirty="0" smtClean="0"/>
+              <a:t> de la </a:t>
+            </a:r>
+            <a:r>
+              <a:rPr lang="en-US" sz="2000" dirty="0" err="1" smtClean="0"/>
+              <a:t>Poblacion</a:t>
+            </a:r>
+            <a:endParaRPr lang="en-US" sz="2000" dirty="0" smtClean="0"/>
+          </a:p>
+          <a:p>
+            <a:pPr lvl="1"/>
+            <a:r>
+              <a:rPr lang="en-US" sz="1600" dirty="0" err="1" smtClean="0"/>
+              <a:t>Generacion</a:t>
+            </a:r>
+            <a:r>
+              <a:rPr lang="en-US" sz="1600" dirty="0" smtClean="0"/>
+              <a:t> de </a:t>
+            </a:r>
+            <a:r>
+              <a:rPr lang="en-US" sz="1600" dirty="0" err="1" smtClean="0"/>
+              <a:t>vectores</a:t>
+            </a:r>
+            <a:r>
+              <a:rPr lang="en-US" sz="1600" dirty="0" smtClean="0"/>
+              <a:t> de </a:t>
+            </a:r>
+            <a:r>
+              <a:rPr lang="en-US" sz="1600" dirty="0" err="1" smtClean="0"/>
+              <a:t>enteros</a:t>
+            </a:r>
+            <a:r>
+              <a:rPr lang="en-US" sz="1600" dirty="0" smtClean="0"/>
+              <a:t> </a:t>
+            </a:r>
+            <a:r>
+              <a:rPr lang="en-US" sz="1600" dirty="0" err="1" smtClean="0"/>
+              <a:t>aleatorios</a:t>
+            </a:r>
+            <a:endParaRPr lang="en-US" sz="1600" dirty="0" smtClean="0"/>
+          </a:p>
+          <a:p>
+            <a:r>
+              <a:rPr lang="en-US" sz="2000" dirty="0" err="1" smtClean="0"/>
+              <a:t>Decodificacion</a:t>
+            </a:r>
+            <a:r>
+              <a:rPr lang="en-US" sz="2000" dirty="0" smtClean="0"/>
+              <a:t> de la </a:t>
+            </a:r>
+            <a:r>
+              <a:rPr lang="en-US" sz="2000" dirty="0" err="1" smtClean="0"/>
+              <a:t>poblacion</a:t>
+            </a:r>
+            <a:endParaRPr lang="en-US" sz="2000" dirty="0" smtClean="0"/>
+          </a:p>
+          <a:p>
+            <a:pPr lvl="1"/>
+            <a:r>
+              <a:rPr lang="en-US" sz="1600" dirty="0" err="1" smtClean="0"/>
+              <a:t>Decodificacion</a:t>
+            </a:r>
+            <a:r>
+              <a:rPr lang="en-US" sz="1600" dirty="0" smtClean="0"/>
+              <a:t> de un vector de </a:t>
+            </a:r>
+            <a:r>
+              <a:rPr lang="en-US" sz="1600" dirty="0" err="1" smtClean="0"/>
+              <a:t>enteros</a:t>
+            </a:r>
+            <a:r>
+              <a:rPr lang="en-US" sz="1600" dirty="0" smtClean="0"/>
+              <a:t> en </a:t>
+            </a:r>
+            <a:r>
+              <a:rPr lang="en-US" sz="1600" dirty="0" err="1" smtClean="0"/>
+              <a:t>una</a:t>
+            </a:r>
+            <a:r>
+              <a:rPr lang="en-US" sz="1600" dirty="0" smtClean="0"/>
+              <a:t> </a:t>
+            </a:r>
+            <a:r>
+              <a:rPr lang="en-US" sz="1600" dirty="0" err="1" smtClean="0"/>
+              <a:t>solucion</a:t>
+            </a:r>
+            <a:r>
+              <a:rPr lang="en-US" sz="1600" dirty="0" smtClean="0"/>
+              <a:t> </a:t>
+            </a:r>
+            <a:r>
+              <a:rPr lang="en-US" sz="1600" dirty="0" err="1" smtClean="0"/>
+              <a:t>valida</a:t>
+            </a:r>
+            <a:r>
+              <a:rPr lang="en-US" sz="1600" dirty="0" smtClean="0"/>
+              <a:t> del </a:t>
+            </a:r>
+            <a:r>
+              <a:rPr lang="en-US" sz="1600" dirty="0" err="1" smtClean="0"/>
+              <a:t>problema</a:t>
+            </a:r>
+            <a:endParaRPr lang="en-US" sz="1600" dirty="0" smtClean="0"/>
+          </a:p>
+          <a:p>
+            <a:r>
+              <a:rPr lang="en-US" sz="2000" dirty="0" err="1" smtClean="0"/>
+              <a:t>Evolucion</a:t>
+            </a:r>
+            <a:r>
+              <a:rPr lang="en-US" sz="2000" dirty="0" smtClean="0"/>
+              <a:t> de </a:t>
+            </a:r>
+            <a:r>
+              <a:rPr lang="en-US" sz="2000" dirty="0" err="1" smtClean="0"/>
+              <a:t>poblacion</a:t>
+            </a:r>
+            <a:endParaRPr lang="en-US" sz="2000" dirty="0" smtClean="0"/>
+          </a:p>
+          <a:p>
+            <a:pPr lvl="1"/>
+            <a:r>
+              <a:rPr lang="en-US" sz="1600" dirty="0" err="1" smtClean="0"/>
+              <a:t>Ordenamiento</a:t>
+            </a:r>
+            <a:r>
+              <a:rPr lang="en-US" sz="1600" dirty="0" smtClean="0"/>
+              <a:t> </a:t>
+            </a:r>
+            <a:r>
+              <a:rPr lang="en-US" sz="1600" dirty="0" err="1" smtClean="0"/>
+              <a:t>por</a:t>
+            </a:r>
+            <a:r>
+              <a:rPr lang="en-US" sz="1600" dirty="0" smtClean="0"/>
+              <a:t> </a:t>
+            </a:r>
+            <a:r>
+              <a:rPr lang="en-US" sz="1600" dirty="0" err="1" smtClean="0"/>
+              <a:t>aptitud</a:t>
+            </a:r>
+            <a:r>
+              <a:rPr lang="en-US" sz="1600" dirty="0" smtClean="0"/>
+              <a:t> </a:t>
+            </a:r>
+            <a:r>
+              <a:rPr lang="en-US" sz="1600" dirty="0" err="1" smtClean="0"/>
+              <a:t>fisica</a:t>
+            </a:r>
+            <a:endParaRPr lang="en-US" sz="1600" dirty="0" smtClean="0"/>
+          </a:p>
+          <a:p>
+            <a:pPr lvl="1"/>
+            <a:r>
+              <a:rPr lang="en-US" sz="1600" dirty="0" smtClean="0"/>
+              <a:t>Elites </a:t>
+            </a:r>
+            <a:r>
+              <a:rPr lang="en-US" sz="1600" dirty="0" err="1" smtClean="0"/>
+              <a:t>pasan</a:t>
+            </a:r>
+            <a:r>
+              <a:rPr lang="en-US" sz="1600" dirty="0" smtClean="0"/>
+              <a:t> </a:t>
+            </a:r>
+            <a:r>
+              <a:rPr lang="en-US" sz="1600" dirty="0" err="1" smtClean="0"/>
+              <a:t>directo</a:t>
+            </a:r>
+            <a:r>
+              <a:rPr lang="en-US" sz="1600" dirty="0" smtClean="0"/>
+              <a:t> a la </a:t>
+            </a:r>
+            <a:r>
+              <a:rPr lang="en-US" sz="1600" dirty="0" err="1" smtClean="0"/>
+              <a:t>siguiente</a:t>
+            </a:r>
+            <a:r>
+              <a:rPr lang="en-US" sz="1600" dirty="0" smtClean="0"/>
+              <a:t> </a:t>
+            </a:r>
+            <a:r>
+              <a:rPr lang="en-US" sz="1600" dirty="0" err="1" smtClean="0"/>
+              <a:t>generacion</a:t>
+            </a:r>
+            <a:endParaRPr lang="en-US" sz="1600" dirty="0" smtClean="0"/>
+          </a:p>
+          <a:p>
+            <a:pPr lvl="1"/>
+            <a:r>
+              <a:rPr lang="en-US" sz="1600" dirty="0" smtClean="0"/>
+              <a:t>Crossover entre elites y no elites</a:t>
+            </a:r>
+          </a:p>
+          <a:p>
+            <a:pPr lvl="1"/>
+            <a:r>
+              <a:rPr lang="en-US" sz="1600" dirty="0" err="1" smtClean="0"/>
+              <a:t>Geneacion</a:t>
+            </a:r>
+            <a:r>
+              <a:rPr lang="en-US" sz="1600" dirty="0" smtClean="0"/>
+              <a:t> de </a:t>
+            </a:r>
+            <a:r>
+              <a:rPr lang="en-US" sz="1600" dirty="0" err="1" smtClean="0"/>
+              <a:t>mutantes</a:t>
+            </a:r>
+            <a:endParaRPr lang="en-US" sz="1600" dirty="0" smtClean="0"/>
+          </a:p>
+          <a:p>
+            <a:r>
+              <a:rPr lang="en-US" sz="2000" dirty="0" err="1" smtClean="0"/>
+              <a:t>Busquedas</a:t>
+            </a:r>
+            <a:r>
+              <a:rPr lang="en-US" sz="2000" dirty="0" smtClean="0"/>
+              <a:t> locales a </a:t>
+            </a:r>
+            <a:r>
+              <a:rPr lang="en-US" sz="2000" dirty="0" err="1" smtClean="0"/>
+              <a:t>mejor</a:t>
+            </a:r>
+            <a:r>
+              <a:rPr lang="en-US" sz="2000" dirty="0" smtClean="0"/>
+              <a:t> </a:t>
+            </a:r>
+            <a:r>
+              <a:rPr lang="en-US" sz="2000" dirty="0" err="1" smtClean="0"/>
+              <a:t>solucion</a:t>
+            </a:r>
+            <a:endParaRPr lang="en-US" sz="2000" dirty="0" smtClean="0"/>
+          </a:p>
+          <a:p>
+            <a:pPr lvl="1"/>
+            <a:r>
+              <a:rPr lang="en-US" sz="1600" dirty="0" smtClean="0"/>
+              <a:t>Insert, Replace Simple, Replace multiple, Swap, 2-opt</a:t>
+            </a:r>
+          </a:p>
+          <a:p>
+            <a:pPr lvl="1"/>
+            <a:r>
+              <a:rPr lang="en-US" sz="1600" dirty="0" err="1" smtClean="0"/>
+              <a:t>Actualizacion</a:t>
+            </a:r>
+            <a:r>
+              <a:rPr lang="en-US" sz="1600" dirty="0" smtClean="0"/>
+              <a:t> de </a:t>
+            </a:r>
+            <a:r>
+              <a:rPr lang="en-US" sz="1600" dirty="0" err="1" smtClean="0"/>
+              <a:t>su</a:t>
+            </a:r>
+            <a:r>
+              <a:rPr lang="en-US" sz="1600" dirty="0" smtClean="0"/>
+              <a:t> </a:t>
+            </a:r>
+            <a:r>
+              <a:rPr lang="en-US" sz="1600" dirty="0" err="1" smtClean="0"/>
+              <a:t>codigo</a:t>
+            </a:r>
+            <a:r>
+              <a:rPr lang="en-US" sz="1600" dirty="0" smtClean="0"/>
+              <a:t> </a:t>
+            </a:r>
+            <a:r>
+              <a:rPr lang="en-US" sz="1600" dirty="0" err="1" smtClean="0"/>
+              <a:t>genetico</a:t>
+            </a:r>
+            <a:endParaRPr lang="en-US" sz="1600" dirty="0" smtClean="0"/>
+          </a:p>
+          <a:p>
+            <a:r>
+              <a:rPr lang="en-US" sz="2000" dirty="0" err="1" smtClean="0"/>
+              <a:t>Evaluacion</a:t>
+            </a:r>
+            <a:r>
+              <a:rPr lang="en-US" sz="2000" dirty="0" smtClean="0"/>
+              <a:t> de </a:t>
+            </a:r>
+            <a:r>
+              <a:rPr lang="en-US" sz="2000" dirty="0" err="1" smtClean="0"/>
+              <a:t>condicion</a:t>
+            </a:r>
+            <a:r>
+              <a:rPr lang="en-US" sz="2000" dirty="0" smtClean="0"/>
+              <a:t> de </a:t>
+            </a:r>
+            <a:r>
+              <a:rPr lang="en-US" sz="2000" dirty="0" err="1" smtClean="0"/>
+              <a:t>corte</a:t>
+            </a:r>
+            <a:endParaRPr lang="en-US" sz="2000" dirty="0" smtClean="0"/>
+          </a:p>
+          <a:p>
+            <a:pPr lvl="1"/>
+            <a:r>
+              <a:rPr lang="en-US" sz="1600" dirty="0" smtClean="0"/>
+              <a:t>Si no se </a:t>
+            </a:r>
+            <a:r>
+              <a:rPr lang="en-US" sz="1600" dirty="0" err="1" smtClean="0"/>
+              <a:t>cumple</a:t>
+            </a:r>
+            <a:r>
+              <a:rPr lang="en-US" sz="1600" dirty="0" smtClean="0"/>
+              <a:t>,  </a:t>
+            </a:r>
+            <a:r>
+              <a:rPr lang="en-US" sz="1600" dirty="0" err="1" smtClean="0"/>
+              <a:t>vuelve</a:t>
+            </a:r>
+            <a:r>
+              <a:rPr lang="en-US" sz="1600" dirty="0" smtClean="0"/>
+              <a:t> al </a:t>
+            </a:r>
+            <a:r>
+              <a:rPr lang="en-US" sz="1600" dirty="0" err="1" smtClean="0"/>
+              <a:t>paso</a:t>
+            </a:r>
+            <a:r>
+              <a:rPr lang="en-US" sz="1600" dirty="0" smtClean="0"/>
+              <a:t> de </a:t>
+            </a:r>
+            <a:r>
+              <a:rPr lang="en-US" sz="1600" dirty="0" err="1" smtClean="0"/>
+              <a:t>decodificacion</a:t>
+            </a:r>
+            <a:endParaRPr lang="en-US" sz="1600" dirty="0" smtClean="0"/>
+          </a:p>
+          <a:p>
+            <a:r>
+              <a:rPr lang="en-US" sz="2000" dirty="0" err="1" smtClean="0"/>
+              <a:t>Retorno</a:t>
+            </a:r>
+            <a:r>
+              <a:rPr lang="en-US" sz="2000" dirty="0" smtClean="0"/>
+              <a:t> de la </a:t>
+            </a:r>
+            <a:r>
+              <a:rPr lang="en-US" sz="2000" dirty="0" err="1" smtClean="0"/>
+              <a:t>mejor</a:t>
+            </a:r>
+            <a:r>
+              <a:rPr lang="en-US" sz="2000" dirty="0" smtClean="0"/>
+              <a:t> </a:t>
+            </a:r>
+            <a:r>
+              <a:rPr lang="en-US" sz="2000" dirty="0" err="1" smtClean="0"/>
+              <a:t>solucion</a:t>
+            </a:r>
+            <a:endParaRPr lang="en-US" sz="2000" dirty="0" smtClean="0"/>
+          </a:p>
+          <a:p>
+            <a:pPr lvl="1"/>
+            <a:endParaRPr lang="es-AR" sz="1600" dirty="0"/>
+          </a:p>
+        </p:txBody>
+      </p:sp>
+    </p:spTree>
+    <p:extLst>
+      <p:ext uri="{BB962C8B-B14F-4D97-AF65-F5344CB8AC3E}">
+        <p14:creationId xmlns:p14="http://schemas.microsoft.com/office/powerpoint/2010/main" val="604376514"/>
+      </p:ext>
+    </p:extLst>
+  </p:cSld>
+  <p:clrMapOvr>
+    <a:masterClrMapping/>
+  </p:clrMapOvr>
+</p:sld>
+</file>
+
+<file path=ppt/slides/slide11.xml><?xml version="1.0" encoding="utf-8"?>
+<p:sld xmlns:a="http://schemas.openxmlformats.org/drawingml/2006/main" xmlns:r="http://schemas.openxmlformats.org/officeDocument/2006/relationships" xmlns:p="http://schemas.openxmlformats.org/presentationml/2006/main">
+  <p:cSld>
+    <p:spTree>
+      <p:nvGrpSpPr>
+        <p:cNvPr id="1" name=""/>
+        <p:cNvGrpSpPr/>
+        <p:nvPr/>
+      </p:nvGrpSpPr>
+      <p:grpSpPr>
+        <a:xfrm>
+          <a:off x="0" y="0"/>
+          <a:ext cx="0" cy="0"/>
+          <a:chOff x="0" y="0"/>
+          <a:chExt cx="0" cy="0"/>
+        </a:xfrm>
+      </p:grpSpPr>
+      <p:sp>
+        <p:nvSpPr>
+          <p:cNvPr id="2" name="Title 1"/>
+          <p:cNvSpPr>
+            <a:spLocks noGrp="1"/>
+          </p:cNvSpPr>
+          <p:nvPr>
+            <p:ph type="title"/>
+          </p:nvPr>
+        </p:nvSpPr>
+        <p:spPr>
+          <a:xfrm>
+            <a:off x="457200" y="274638"/>
+            <a:ext cx="8229600" cy="418058"/>
+          </a:xfrm>
+        </p:spPr>
+        <p:txBody>
+          <a:bodyPr>
+            <a:normAutofit fontScale="90000"/>
+          </a:bodyPr>
+          <a:lstStyle/>
+          <a:p>
+            <a:pPr algn="r"/>
+            <a:r>
+              <a:rPr lang="en-US" sz="2400" dirty="0" err="1" smtClean="0"/>
+              <a:t>Algoritmo</a:t>
+            </a:r>
+            <a:r>
+              <a:rPr lang="en-US" sz="2400" dirty="0" smtClean="0"/>
+              <a:t> </a:t>
+            </a:r>
+            <a:r>
+              <a:rPr lang="en-US" sz="2400" dirty="0" err="1" smtClean="0"/>
+              <a:t>Propuesto</a:t>
+            </a:r>
+            <a:endParaRPr lang="en-US" sz="2400" dirty="0" smtClean="0"/>
+          </a:p>
+        </p:txBody>
+      </p:sp>
+      <p:sp>
+        <p:nvSpPr>
+          <p:cNvPr id="3" name="Content Placeholder 2"/>
+          <p:cNvSpPr>
+            <a:spLocks noGrp="1"/>
+          </p:cNvSpPr>
+          <p:nvPr>
+            <p:ph idx="1"/>
+          </p:nvPr>
+        </p:nvSpPr>
+        <p:spPr>
+          <a:xfrm>
+            <a:off x="457200" y="908720"/>
+            <a:ext cx="8229600" cy="5217443"/>
+          </a:xfrm>
+        </p:spPr>
+        <p:txBody>
+          <a:bodyPr>
+            <a:normAutofit/>
+          </a:bodyPr>
+          <a:lstStyle/>
+          <a:p>
+            <a:r>
+              <a:rPr lang="en-US" sz="2000" dirty="0" err="1" smtClean="0"/>
+              <a:t>Decodificador</a:t>
+            </a:r>
+            <a:endParaRPr lang="en-US" sz="2000" dirty="0"/>
+          </a:p>
+          <a:p>
+            <a:pPr lvl="1"/>
+            <a:r>
+              <a:rPr lang="en-US" sz="1600" dirty="0" err="1" smtClean="0"/>
+              <a:t>Orden</a:t>
+            </a:r>
+            <a:r>
+              <a:rPr lang="en-US" sz="1600" dirty="0" smtClean="0"/>
+              <a:t> en </a:t>
+            </a:r>
+            <a:r>
+              <a:rPr lang="en-US" sz="1600" dirty="0" err="1" smtClean="0"/>
+              <a:t>que</a:t>
+            </a:r>
+            <a:r>
+              <a:rPr lang="en-US" sz="1600" dirty="0" smtClean="0"/>
+              <a:t> se </a:t>
+            </a:r>
+            <a:r>
+              <a:rPr lang="en-US" sz="1600" dirty="0" err="1" smtClean="0"/>
+              <a:t>seleccionan</a:t>
+            </a:r>
+            <a:r>
+              <a:rPr lang="en-US" sz="1600" dirty="0" smtClean="0"/>
+              <a:t> los </a:t>
+            </a:r>
+            <a:r>
+              <a:rPr lang="en-US" sz="1600" dirty="0" err="1" smtClean="0"/>
+              <a:t>clientes</a:t>
+            </a:r>
+            <a:endParaRPr lang="en-US" sz="1600" dirty="0" smtClean="0"/>
+          </a:p>
+          <a:p>
+            <a:r>
+              <a:rPr lang="en-US" sz="2000" dirty="0" err="1" smtClean="0"/>
+              <a:t>Decodificador</a:t>
+            </a:r>
+            <a:r>
+              <a:rPr lang="en-US" sz="2000" dirty="0" smtClean="0"/>
+              <a:t> </a:t>
+            </a:r>
+            <a:r>
+              <a:rPr lang="en-US" sz="2000" dirty="0" smtClean="0"/>
+              <a:t>Simple</a:t>
+            </a:r>
+          </a:p>
+          <a:p>
+            <a:pPr lvl="1"/>
+            <a:r>
+              <a:rPr lang="en-US" sz="1600" dirty="0" smtClean="0"/>
+              <a:t>Al </a:t>
+            </a:r>
+            <a:r>
+              <a:rPr lang="en-US" sz="1600" dirty="0" err="1" smtClean="0"/>
+              <a:t>encontrar</a:t>
+            </a:r>
+            <a:r>
+              <a:rPr lang="en-US" sz="1600" dirty="0" smtClean="0"/>
+              <a:t> un </a:t>
+            </a:r>
+            <a:r>
+              <a:rPr lang="en-US" sz="1600" dirty="0" err="1" smtClean="0"/>
+              <a:t>cliente</a:t>
+            </a:r>
+            <a:r>
+              <a:rPr lang="en-US" sz="1600" dirty="0" smtClean="0"/>
+              <a:t> </a:t>
+            </a:r>
+            <a:r>
+              <a:rPr lang="en-US" sz="1600" dirty="0" err="1" smtClean="0"/>
+              <a:t>que</a:t>
+            </a:r>
+            <a:r>
+              <a:rPr lang="en-US" sz="1600" dirty="0" smtClean="0"/>
+              <a:t> no </a:t>
+            </a:r>
+            <a:r>
+              <a:rPr lang="en-US" sz="1600" dirty="0" err="1" smtClean="0"/>
+              <a:t>puede</a:t>
+            </a:r>
+            <a:r>
+              <a:rPr lang="en-US" sz="1600" dirty="0" smtClean="0"/>
+              <a:t> </a:t>
+            </a:r>
+            <a:r>
+              <a:rPr lang="en-US" sz="1600" dirty="0" err="1" smtClean="0"/>
+              <a:t>ser</a:t>
+            </a:r>
+            <a:r>
+              <a:rPr lang="en-US" sz="1600" dirty="0" smtClean="0"/>
+              <a:t> </a:t>
+            </a:r>
+            <a:r>
+              <a:rPr lang="en-US" sz="1600" dirty="0" err="1" smtClean="0"/>
+              <a:t>asignado</a:t>
+            </a:r>
+            <a:r>
+              <a:rPr lang="en-US" sz="1600" dirty="0" smtClean="0"/>
+              <a:t>, </a:t>
+            </a:r>
+            <a:r>
+              <a:rPr lang="en-US" sz="1600" dirty="0" err="1" smtClean="0"/>
+              <a:t>cambiamos</a:t>
+            </a:r>
+            <a:r>
+              <a:rPr lang="en-US" sz="1600" dirty="0" smtClean="0"/>
+              <a:t> de </a:t>
+            </a:r>
+            <a:r>
+              <a:rPr lang="en-US" sz="1600" dirty="0" err="1" smtClean="0"/>
+              <a:t>vehículo</a:t>
+            </a:r>
+            <a:endParaRPr lang="en-US" sz="1600" dirty="0" smtClean="0"/>
+          </a:p>
+          <a:p>
+            <a:r>
+              <a:rPr lang="en-US" sz="2000" dirty="0" err="1" smtClean="0"/>
+              <a:t>Decodificador</a:t>
+            </a:r>
+            <a:r>
+              <a:rPr lang="en-US" sz="2000" dirty="0" smtClean="0"/>
+              <a:t> </a:t>
+            </a:r>
+            <a:r>
+              <a:rPr lang="en-US" sz="2000" dirty="0" err="1" smtClean="0"/>
+              <a:t>Goloso</a:t>
+            </a:r>
+            <a:endParaRPr lang="en-US" sz="2000" dirty="0" smtClean="0"/>
+          </a:p>
+          <a:p>
+            <a:pPr lvl="1"/>
+            <a:r>
+              <a:rPr lang="en-US" sz="1600" dirty="0" smtClean="0"/>
+              <a:t>Se </a:t>
+            </a:r>
+            <a:r>
+              <a:rPr lang="en-US" sz="1600" dirty="0" err="1" smtClean="0"/>
+              <a:t>prueban</a:t>
+            </a:r>
+            <a:r>
+              <a:rPr lang="en-US" sz="1600" dirty="0" smtClean="0"/>
+              <a:t> </a:t>
+            </a:r>
+            <a:r>
+              <a:rPr lang="en-US" sz="1600" dirty="0" err="1" smtClean="0"/>
+              <a:t>todos</a:t>
+            </a:r>
+            <a:r>
+              <a:rPr lang="en-US" sz="1600" dirty="0" smtClean="0"/>
+              <a:t> los </a:t>
+            </a:r>
+            <a:r>
+              <a:rPr lang="en-US" sz="1600" dirty="0" err="1" smtClean="0"/>
+              <a:t>clientes</a:t>
+            </a:r>
+            <a:r>
+              <a:rPr lang="en-US" sz="1600" dirty="0" smtClean="0"/>
+              <a:t> </a:t>
+            </a:r>
+            <a:r>
+              <a:rPr lang="en-US" sz="1600" dirty="0" err="1" smtClean="0"/>
+              <a:t>disponibleas</a:t>
+            </a:r>
+            <a:r>
+              <a:rPr lang="en-US" sz="1600" dirty="0" smtClean="0"/>
+              <a:t> </a:t>
+            </a:r>
+            <a:r>
+              <a:rPr lang="en-US" sz="1600" dirty="0" err="1" smtClean="0"/>
+              <a:t>para</a:t>
+            </a:r>
+            <a:r>
+              <a:rPr lang="en-US" sz="1600" dirty="0" smtClean="0"/>
+              <a:t> </a:t>
+            </a:r>
+            <a:r>
+              <a:rPr lang="en-US" sz="1600" dirty="0" err="1" smtClean="0"/>
+              <a:t>cada</a:t>
+            </a:r>
+            <a:r>
+              <a:rPr lang="en-US" sz="1600" dirty="0" smtClean="0"/>
+              <a:t> </a:t>
+            </a:r>
+            <a:r>
+              <a:rPr lang="en-US" sz="1600" dirty="0" err="1" smtClean="0"/>
+              <a:t>vehículo</a:t>
+            </a:r>
+            <a:r>
+              <a:rPr lang="en-US" sz="1600" dirty="0" smtClean="0"/>
+              <a:t> </a:t>
+            </a:r>
+            <a:r>
+              <a:rPr lang="en-US" sz="1600" dirty="0" err="1" smtClean="0"/>
+              <a:t>respetando</a:t>
+            </a:r>
+            <a:r>
+              <a:rPr lang="en-US" sz="1600" dirty="0" smtClean="0"/>
+              <a:t> </a:t>
+            </a:r>
+            <a:r>
+              <a:rPr lang="en-US" sz="1600" dirty="0" err="1" smtClean="0"/>
+              <a:t>orden</a:t>
+            </a:r>
+            <a:endParaRPr lang="en-US" sz="1600" dirty="0" smtClean="0"/>
+          </a:p>
+          <a:p>
+            <a:r>
+              <a:rPr lang="en-US" sz="2000" dirty="0" smtClean="0"/>
+              <a:t>TODO </a:t>
+            </a:r>
+            <a:r>
+              <a:rPr lang="en-US" sz="2000" dirty="0" err="1" smtClean="0"/>
+              <a:t>imagen</a:t>
+            </a:r>
+            <a:r>
+              <a:rPr lang="en-US" sz="2000" dirty="0" smtClean="0"/>
+              <a:t> con </a:t>
+            </a:r>
+            <a:r>
+              <a:rPr lang="en-US" sz="2000" dirty="0" err="1" smtClean="0"/>
+              <a:t>asignacion</a:t>
+            </a:r>
+            <a:r>
+              <a:rPr lang="en-US" sz="2000" dirty="0" smtClean="0"/>
+              <a:t> de </a:t>
+            </a:r>
+            <a:r>
+              <a:rPr lang="en-US" sz="2000" dirty="0" err="1" smtClean="0"/>
+              <a:t>clientes</a:t>
+            </a:r>
+            <a:r>
+              <a:rPr lang="en-US" sz="2000" dirty="0" smtClean="0"/>
+              <a:t> </a:t>
+            </a:r>
+            <a:r>
+              <a:rPr lang="en-US" sz="2000" dirty="0" err="1" smtClean="0"/>
+              <a:t>segun</a:t>
+            </a:r>
+            <a:r>
+              <a:rPr lang="en-US" sz="2000" dirty="0" smtClean="0"/>
+              <a:t> </a:t>
+            </a:r>
+            <a:r>
+              <a:rPr lang="en-US" sz="2000" dirty="0" err="1" smtClean="0"/>
+              <a:t>alguno</a:t>
+            </a:r>
+            <a:r>
+              <a:rPr lang="en-US" sz="2000" dirty="0" smtClean="0"/>
+              <a:t> de los </a:t>
+            </a:r>
+            <a:r>
+              <a:rPr lang="en-US" sz="2000" dirty="0" err="1" smtClean="0"/>
+              <a:t>decos</a:t>
+            </a:r>
+            <a:endParaRPr lang="en-US" sz="2000" dirty="0" smtClean="0"/>
+          </a:p>
+          <a:p>
+            <a:pPr lvl="1"/>
+            <a:endParaRPr lang="es-AR" sz="1600" dirty="0"/>
+          </a:p>
+        </p:txBody>
+      </p:sp>
+    </p:spTree>
+    <p:extLst>
+      <p:ext uri="{BB962C8B-B14F-4D97-AF65-F5344CB8AC3E}">
+        <p14:creationId xmlns:p14="http://schemas.microsoft.com/office/powerpoint/2010/main" val="2391434657"/>
+      </p:ext>
+    </p:extLst>
+  </p:cSld>
+  <p:clrMapOvr>
+    <a:masterClrMapping/>
+  </p:clrMapOvr>
+</p:sld>
+</file>
+
+<file path=ppt/slides/slide12.xml><?xml version="1.0" encoding="utf-8"?>
+<p:sld xmlns:a="http://schemas.openxmlformats.org/drawingml/2006/main" xmlns:r="http://schemas.openxmlformats.org/officeDocument/2006/relationships" xmlns:p="http://schemas.openxmlformats.org/presentationml/2006/main">
+  <p:cSld>
+    <p:spTree>
+      <p:nvGrpSpPr>
+        <p:cNvPr id="1" name=""/>
+        <p:cNvGrpSpPr/>
+        <p:nvPr/>
+      </p:nvGrpSpPr>
+      <p:grpSpPr>
+        <a:xfrm>
+          <a:off x="0" y="0"/>
+          <a:ext cx="0" cy="0"/>
+          <a:chOff x="0" y="0"/>
+          <a:chExt cx="0" cy="0"/>
+        </a:xfrm>
+      </p:grpSpPr>
+      <p:sp>
+        <p:nvSpPr>
+          <p:cNvPr id="2" name="Title 1"/>
+          <p:cNvSpPr>
+            <a:spLocks noGrp="1"/>
+          </p:cNvSpPr>
+          <p:nvPr>
+            <p:ph type="title"/>
+          </p:nvPr>
+        </p:nvSpPr>
+        <p:spPr>
+          <a:xfrm>
+            <a:off x="457200" y="274638"/>
+            <a:ext cx="8229600" cy="418058"/>
+          </a:xfrm>
+        </p:spPr>
+        <p:txBody>
+          <a:bodyPr>
+            <a:normAutofit fontScale="90000"/>
+          </a:bodyPr>
+          <a:lstStyle/>
+          <a:p>
+            <a:pPr algn="r"/>
+            <a:r>
+              <a:rPr lang="en-US" sz="2400" dirty="0" err="1" smtClean="0"/>
+              <a:t>Algoritmo</a:t>
+            </a:r>
+            <a:r>
+              <a:rPr lang="en-US" sz="2400" dirty="0" smtClean="0"/>
+              <a:t> </a:t>
+            </a:r>
+            <a:r>
+              <a:rPr lang="en-US" sz="2400" dirty="0" err="1" smtClean="0"/>
+              <a:t>Propuesto</a:t>
+            </a:r>
+            <a:endParaRPr lang="en-US" sz="2400" dirty="0" smtClean="0"/>
+          </a:p>
+        </p:txBody>
+      </p:sp>
+      <p:sp>
+        <p:nvSpPr>
+          <p:cNvPr id="3" name="Content Placeholder 2"/>
+          <p:cNvSpPr>
+            <a:spLocks noGrp="1"/>
+          </p:cNvSpPr>
+          <p:nvPr>
+            <p:ph idx="1"/>
+          </p:nvPr>
+        </p:nvSpPr>
+        <p:spPr>
+          <a:xfrm>
+            <a:off x="457200" y="908720"/>
+            <a:ext cx="8229600" cy="5217443"/>
+          </a:xfrm>
+        </p:spPr>
+        <p:txBody>
+          <a:bodyPr>
+            <a:normAutofit/>
+          </a:bodyPr>
+          <a:lstStyle/>
+          <a:p>
+            <a:r>
+              <a:rPr lang="en-US" sz="2000" dirty="0" smtClean="0"/>
+              <a:t>Centro de </a:t>
+            </a:r>
+            <a:r>
+              <a:rPr lang="en-US" sz="2000" dirty="0" err="1" smtClean="0"/>
+              <a:t>Gravedad</a:t>
+            </a:r>
+            <a:endParaRPr lang="en-US" sz="2000" dirty="0" smtClean="0"/>
+          </a:p>
+          <a:p>
+            <a:pPr lvl="1"/>
+            <a:r>
+              <a:rPr lang="en-US" sz="1600" dirty="0" err="1" smtClean="0"/>
+              <a:t>Orden</a:t>
+            </a:r>
+            <a:r>
+              <a:rPr lang="en-US" sz="1600" dirty="0" smtClean="0"/>
+              <a:t> en </a:t>
+            </a:r>
+            <a:r>
+              <a:rPr lang="en-US" sz="1600" dirty="0" err="1" smtClean="0"/>
+              <a:t>que</a:t>
+            </a:r>
+            <a:r>
+              <a:rPr lang="en-US" sz="1600" dirty="0" smtClean="0"/>
+              <a:t> se  </a:t>
+            </a:r>
+            <a:r>
+              <a:rPr lang="en-US" sz="1600" dirty="0" err="1" smtClean="0"/>
+              <a:t>seleccionan</a:t>
+            </a:r>
+            <a:r>
+              <a:rPr lang="en-US" sz="1600" dirty="0" smtClean="0"/>
+              <a:t> los </a:t>
+            </a:r>
+            <a:r>
+              <a:rPr lang="en-US" sz="1600" dirty="0" err="1" smtClean="0"/>
+              <a:t>clientes</a:t>
+            </a:r>
+            <a:r>
+              <a:rPr lang="en-US" sz="1600" dirty="0" smtClean="0"/>
+              <a:t> no </a:t>
+            </a:r>
+            <a:r>
+              <a:rPr lang="en-US" sz="1600" dirty="0" err="1" smtClean="0"/>
+              <a:t>visitados</a:t>
+            </a:r>
+            <a:endParaRPr lang="en-US" sz="1600" dirty="0" smtClean="0"/>
+          </a:p>
+          <a:p>
+            <a:r>
+              <a:rPr lang="en-US" sz="2000" dirty="0" err="1" smtClean="0"/>
+              <a:t>Busquedas</a:t>
+            </a:r>
+            <a:r>
+              <a:rPr lang="en-US" sz="2000" dirty="0" smtClean="0"/>
+              <a:t> Locales</a:t>
+            </a:r>
+          </a:p>
+          <a:p>
+            <a:pPr lvl="1"/>
+            <a:r>
+              <a:rPr lang="en-US" sz="1600" dirty="0" err="1" smtClean="0"/>
+              <a:t>Aplica</a:t>
+            </a:r>
+            <a:r>
+              <a:rPr lang="en-US" sz="1600" dirty="0" smtClean="0"/>
+              <a:t> </a:t>
+            </a:r>
+            <a:r>
+              <a:rPr lang="en-US" sz="1600" dirty="0" err="1" smtClean="0"/>
+              <a:t>una</a:t>
+            </a:r>
+            <a:r>
+              <a:rPr lang="en-US" sz="1600" dirty="0" smtClean="0"/>
+              <a:t> </a:t>
+            </a:r>
+            <a:r>
+              <a:rPr lang="en-US" sz="1600" dirty="0" err="1" smtClean="0"/>
+              <a:t>secuencia</a:t>
+            </a:r>
+            <a:r>
+              <a:rPr lang="en-US" sz="1600" dirty="0" smtClean="0"/>
+              <a:t> de BL a </a:t>
+            </a:r>
+            <a:r>
+              <a:rPr lang="en-US" sz="1600" dirty="0" err="1" smtClean="0"/>
+              <a:t>las</a:t>
+            </a:r>
+            <a:r>
+              <a:rPr lang="en-US" sz="1600" dirty="0" smtClean="0"/>
+              <a:t> </a:t>
+            </a:r>
+            <a:r>
+              <a:rPr lang="en-US" sz="1600" dirty="0" err="1" smtClean="0"/>
+              <a:t>mejores</a:t>
+            </a:r>
+            <a:r>
+              <a:rPr lang="en-US" sz="1600" dirty="0" smtClean="0"/>
+              <a:t> N </a:t>
+            </a:r>
+            <a:r>
+              <a:rPr lang="en-US" sz="1600" dirty="0" err="1" smtClean="0"/>
+              <a:t>soluciones</a:t>
+            </a:r>
+            <a:r>
+              <a:rPr lang="en-US" sz="1600" dirty="0" smtClean="0"/>
+              <a:t> en </a:t>
+            </a:r>
+            <a:r>
+              <a:rPr lang="en-US" sz="1600" dirty="0" err="1" smtClean="0"/>
+              <a:t>cada</a:t>
+            </a:r>
+            <a:r>
+              <a:rPr lang="en-US" sz="1600" dirty="0" smtClean="0"/>
+              <a:t> </a:t>
+            </a:r>
+            <a:r>
+              <a:rPr lang="en-US" sz="1600" dirty="0" err="1" smtClean="0"/>
+              <a:t>generacion</a:t>
+            </a:r>
+            <a:endParaRPr lang="en-US" sz="1600" dirty="0" smtClean="0"/>
+          </a:p>
+          <a:p>
+            <a:pPr lvl="1"/>
+            <a:r>
+              <a:rPr lang="en-US" sz="1600" dirty="0" smtClean="0"/>
+              <a:t>Swap: </a:t>
+            </a:r>
+            <a:r>
+              <a:rPr lang="en-US" sz="1600" dirty="0" err="1" smtClean="0"/>
+              <a:t>Intercambio</a:t>
+            </a:r>
+            <a:r>
+              <a:rPr lang="en-US" sz="1600" dirty="0" smtClean="0"/>
+              <a:t> de </a:t>
+            </a:r>
+            <a:r>
+              <a:rPr lang="en-US" sz="1600" dirty="0" err="1" smtClean="0"/>
+              <a:t>clientes</a:t>
+            </a:r>
+            <a:r>
+              <a:rPr lang="en-US" sz="1600" dirty="0" smtClean="0"/>
+              <a:t> entre </a:t>
+            </a:r>
+            <a:r>
+              <a:rPr lang="en-US" sz="1600" dirty="0" err="1" smtClean="0"/>
+              <a:t>distintos</a:t>
+            </a:r>
+            <a:r>
+              <a:rPr lang="en-US" sz="1600" dirty="0" smtClean="0"/>
+              <a:t> </a:t>
+            </a:r>
+            <a:r>
+              <a:rPr lang="en-US" sz="1600" dirty="0" err="1" smtClean="0"/>
+              <a:t>vehículos</a:t>
+            </a:r>
+            <a:endParaRPr lang="en-US" sz="1600" dirty="0" smtClean="0"/>
+          </a:p>
+          <a:p>
+            <a:pPr lvl="1"/>
+            <a:r>
+              <a:rPr lang="en-US" sz="1600" dirty="0" smtClean="0"/>
+              <a:t>2-Opt: </a:t>
+            </a:r>
+            <a:r>
+              <a:rPr lang="en-US" sz="1600" dirty="0" err="1" smtClean="0"/>
+              <a:t>Reordenamiento</a:t>
+            </a:r>
+            <a:r>
+              <a:rPr lang="en-US" sz="1600" dirty="0" smtClean="0"/>
+              <a:t> de </a:t>
+            </a:r>
+            <a:r>
+              <a:rPr lang="en-US" sz="1600" dirty="0" err="1" smtClean="0"/>
+              <a:t>clientes</a:t>
+            </a:r>
+            <a:r>
+              <a:rPr lang="en-US" sz="1600" dirty="0" smtClean="0"/>
+              <a:t> a </a:t>
+            </a:r>
+            <a:r>
+              <a:rPr lang="en-US" sz="1600" dirty="0" err="1" smtClean="0"/>
+              <a:t>visitar</a:t>
+            </a:r>
+            <a:r>
+              <a:rPr lang="en-US" sz="1600" dirty="0" smtClean="0"/>
+              <a:t> </a:t>
+            </a:r>
+            <a:r>
+              <a:rPr lang="en-US" sz="1600" dirty="0" err="1" smtClean="0"/>
+              <a:t>para</a:t>
+            </a:r>
+            <a:r>
+              <a:rPr lang="en-US" sz="1600" dirty="0" smtClean="0"/>
+              <a:t> un </a:t>
+            </a:r>
+            <a:r>
+              <a:rPr lang="en-US" sz="1600" dirty="0" err="1" smtClean="0"/>
+              <a:t>vehículo</a:t>
+            </a:r>
+            <a:endParaRPr lang="en-US" sz="1600" dirty="0" smtClean="0"/>
+          </a:p>
+          <a:p>
+            <a:pPr lvl="1"/>
+            <a:r>
+              <a:rPr lang="en-US" sz="1600" dirty="0" smtClean="0"/>
+              <a:t>Insert: </a:t>
+            </a:r>
+            <a:r>
+              <a:rPr lang="en-US" sz="1600" dirty="0" err="1" smtClean="0"/>
+              <a:t>Insertar</a:t>
+            </a:r>
+            <a:r>
+              <a:rPr lang="en-US" sz="1600" dirty="0" smtClean="0"/>
+              <a:t> </a:t>
+            </a:r>
+            <a:r>
+              <a:rPr lang="en-US" sz="1600" dirty="0" err="1" smtClean="0"/>
+              <a:t>cliente</a:t>
+            </a:r>
+            <a:r>
+              <a:rPr lang="en-US" sz="1600" dirty="0" smtClean="0"/>
+              <a:t> no </a:t>
+            </a:r>
+            <a:r>
+              <a:rPr lang="en-US" sz="1600" dirty="0" err="1" smtClean="0"/>
+              <a:t>visitado</a:t>
+            </a:r>
+            <a:r>
+              <a:rPr lang="en-US" sz="1600" dirty="0" smtClean="0"/>
+              <a:t> en </a:t>
+            </a:r>
+            <a:r>
+              <a:rPr lang="en-US" sz="1600" dirty="0" err="1" smtClean="0"/>
+              <a:t>alguna</a:t>
+            </a:r>
+            <a:r>
+              <a:rPr lang="en-US" sz="1600" dirty="0" smtClean="0"/>
+              <a:t> </a:t>
+            </a:r>
+            <a:r>
+              <a:rPr lang="en-US" sz="1600" dirty="0" err="1" smtClean="0"/>
+              <a:t>ruta</a:t>
+            </a:r>
+            <a:endParaRPr lang="en-US" sz="1600" dirty="0" smtClean="0"/>
+          </a:p>
+          <a:p>
+            <a:pPr lvl="1"/>
+            <a:r>
+              <a:rPr lang="en-US" sz="1600" dirty="0" smtClean="0"/>
+              <a:t>Replace Simple: </a:t>
+            </a:r>
+            <a:r>
+              <a:rPr lang="en-US" sz="1600" dirty="0" err="1" smtClean="0"/>
+              <a:t>Insertar</a:t>
+            </a:r>
+            <a:r>
+              <a:rPr lang="en-US" sz="1600" dirty="0" smtClean="0"/>
+              <a:t> un </a:t>
+            </a:r>
+            <a:r>
+              <a:rPr lang="en-US" sz="1600" dirty="0" err="1" smtClean="0"/>
+              <a:t>cliente</a:t>
+            </a:r>
+            <a:r>
+              <a:rPr lang="en-US" sz="1600" dirty="0" smtClean="0"/>
+              <a:t> no </a:t>
+            </a:r>
+            <a:r>
+              <a:rPr lang="en-US" sz="1600" dirty="0" err="1" smtClean="0"/>
+              <a:t>visitado</a:t>
+            </a:r>
+            <a:r>
+              <a:rPr lang="en-US" sz="1600" dirty="0" smtClean="0"/>
+              <a:t> </a:t>
+            </a:r>
+            <a:r>
+              <a:rPr lang="en-US" sz="1600" dirty="0" err="1" smtClean="0"/>
+              <a:t>por</a:t>
+            </a:r>
+            <a:r>
+              <a:rPr lang="en-US" sz="1600" dirty="0" smtClean="0"/>
+              <a:t> </a:t>
+            </a:r>
+            <a:r>
+              <a:rPr lang="en-US" sz="1600" dirty="0" err="1" smtClean="0"/>
+              <a:t>uno</a:t>
+            </a:r>
+            <a:r>
+              <a:rPr lang="en-US" sz="1600" dirty="0" smtClean="0"/>
+              <a:t> </a:t>
+            </a:r>
+            <a:r>
+              <a:rPr lang="en-US" sz="1600" dirty="0" err="1" smtClean="0"/>
+              <a:t>visitado</a:t>
+            </a:r>
+            <a:r>
+              <a:rPr lang="en-US" sz="1600" dirty="0" smtClean="0"/>
+              <a:t> en </a:t>
+            </a:r>
+            <a:r>
+              <a:rPr lang="en-US" sz="1600" dirty="0" err="1" smtClean="0"/>
+              <a:t>alguna</a:t>
+            </a:r>
+            <a:r>
+              <a:rPr lang="en-US" sz="1600" dirty="0" smtClean="0"/>
+              <a:t> </a:t>
+            </a:r>
+            <a:r>
+              <a:rPr lang="en-US" sz="1600" dirty="0" err="1" smtClean="0"/>
+              <a:t>ruta</a:t>
+            </a:r>
+            <a:endParaRPr lang="en-US" sz="1600" dirty="0" smtClean="0"/>
+          </a:p>
+          <a:p>
+            <a:pPr lvl="1"/>
+            <a:r>
+              <a:rPr lang="en-US" sz="1600" dirty="0" smtClean="0"/>
+              <a:t>Replace Multiple: </a:t>
+            </a:r>
+            <a:r>
+              <a:rPr lang="en-US" sz="1600" dirty="0" err="1" smtClean="0"/>
+              <a:t>Insertar</a:t>
+            </a:r>
+            <a:r>
+              <a:rPr lang="en-US" sz="1600" dirty="0" smtClean="0"/>
+              <a:t> un </a:t>
+            </a:r>
+            <a:r>
+              <a:rPr lang="en-US" sz="1600" dirty="0" err="1" smtClean="0"/>
+              <a:t>cliente</a:t>
+            </a:r>
+            <a:r>
+              <a:rPr lang="en-US" sz="1600" dirty="0" smtClean="0"/>
+              <a:t> no </a:t>
+            </a:r>
+            <a:r>
+              <a:rPr lang="en-US" sz="1600" dirty="0" err="1" smtClean="0"/>
+              <a:t>visitado</a:t>
+            </a:r>
+            <a:r>
+              <a:rPr lang="en-US" sz="1600" dirty="0" smtClean="0"/>
+              <a:t> </a:t>
+            </a:r>
+            <a:r>
+              <a:rPr lang="en-US" sz="1600" dirty="0" err="1" smtClean="0"/>
+              <a:t>por</a:t>
+            </a:r>
+            <a:r>
+              <a:rPr lang="en-US" sz="1600" dirty="0" smtClean="0"/>
+              <a:t> </a:t>
+            </a:r>
+            <a:r>
+              <a:rPr lang="en-US" sz="1600" dirty="0" err="1" smtClean="0"/>
+              <a:t>uno</a:t>
+            </a:r>
+            <a:r>
+              <a:rPr lang="en-US" sz="1600" dirty="0" smtClean="0"/>
+              <a:t> a </a:t>
+            </a:r>
+            <a:r>
+              <a:rPr lang="en-US" sz="1600" dirty="0" err="1" smtClean="0"/>
+              <a:t>varios</a:t>
+            </a:r>
+            <a:r>
+              <a:rPr lang="en-US" sz="1600" dirty="0" smtClean="0"/>
+              <a:t> en </a:t>
+            </a:r>
+            <a:r>
+              <a:rPr lang="en-US" sz="1600" dirty="0" err="1" smtClean="0"/>
+              <a:t>alguna</a:t>
+            </a:r>
+            <a:r>
+              <a:rPr lang="en-US" sz="1600" dirty="0" smtClean="0"/>
+              <a:t> </a:t>
+            </a:r>
+            <a:r>
+              <a:rPr lang="en-US" sz="1600" dirty="0" err="1" smtClean="0"/>
+              <a:t>ruta</a:t>
+            </a:r>
+            <a:endParaRPr lang="en-US" sz="1600" dirty="0" smtClean="0"/>
+          </a:p>
+          <a:p>
+            <a:r>
+              <a:rPr lang="es-ES" sz="2000" dirty="0" smtClean="0"/>
+              <a:t>TODO: Imagen centro de gravedad?</a:t>
+            </a:r>
+          </a:p>
+          <a:p>
+            <a:endParaRPr lang="es-ES" sz="2000" dirty="0" smtClean="0"/>
+          </a:p>
+        </p:txBody>
+      </p:sp>
+    </p:spTree>
+    <p:extLst>
+      <p:ext uri="{BB962C8B-B14F-4D97-AF65-F5344CB8AC3E}">
+        <p14:creationId xmlns:p14="http://schemas.microsoft.com/office/powerpoint/2010/main" val="4055364157"/>
+      </p:ext>
+    </p:extLst>
+  </p:cSld>
+  <p:clrMapOvr>
+    <a:masterClrMapping/>
+  </p:clrMapOvr>
+</p:sld>
+</file>
+
+<file path=ppt/slides/slide13.xml><?xml version="1.0" encoding="utf-8"?>
+<p:sld xmlns:a="http://schemas.openxmlformats.org/drawingml/2006/main" xmlns:r="http://schemas.openxmlformats.org/officeDocument/2006/relationships" xmlns:p="http://schemas.openxmlformats.org/presentationml/2006/main">
+  <p:cSld>
+    <p:spTree>
+      <p:nvGrpSpPr>
+        <p:cNvPr id="1" name=""/>
+        <p:cNvGrpSpPr/>
+        <p:nvPr/>
+      </p:nvGrpSpPr>
+      <p:grpSpPr>
+        <a:xfrm>
+          <a:off x="0" y="0"/>
+          <a:ext cx="0" cy="0"/>
+          <a:chOff x="0" y="0"/>
+          <a:chExt cx="0" cy="0"/>
+        </a:xfrm>
+      </p:grpSpPr>
+      <p:sp>
+        <p:nvSpPr>
+          <p:cNvPr id="2" name="Title 1"/>
+          <p:cNvSpPr>
+            <a:spLocks noGrp="1"/>
+          </p:cNvSpPr>
+          <p:nvPr>
+            <p:ph type="title"/>
+          </p:nvPr>
+        </p:nvSpPr>
+        <p:spPr>
+          <a:xfrm>
+            <a:off x="457200" y="274638"/>
+            <a:ext cx="8229600" cy="418058"/>
+          </a:xfrm>
+        </p:spPr>
+        <p:txBody>
+          <a:bodyPr>
+            <a:normAutofit fontScale="90000"/>
+          </a:bodyPr>
+          <a:lstStyle/>
+          <a:p>
+            <a:pPr algn="r"/>
+            <a:r>
+              <a:rPr lang="en-US" sz="2400" dirty="0" err="1" smtClean="0"/>
+              <a:t>Algoritmo</a:t>
+            </a:r>
+            <a:r>
+              <a:rPr lang="en-US" sz="2400" dirty="0" smtClean="0"/>
+              <a:t> </a:t>
+            </a:r>
+            <a:r>
+              <a:rPr lang="en-US" sz="2400" dirty="0" err="1" smtClean="0"/>
+              <a:t>Propuesto</a:t>
+            </a:r>
+            <a:endParaRPr lang="en-US" sz="2400" dirty="0" smtClean="0"/>
+          </a:p>
+        </p:txBody>
+      </p:sp>
+      <p:sp>
+        <p:nvSpPr>
+          <p:cNvPr id="3" name="Content Placeholder 2"/>
+          <p:cNvSpPr>
+            <a:spLocks noGrp="1"/>
+          </p:cNvSpPr>
+          <p:nvPr>
+            <p:ph idx="1"/>
+          </p:nvPr>
+        </p:nvSpPr>
+        <p:spPr>
+          <a:xfrm>
+            <a:off x="457200" y="908720"/>
+            <a:ext cx="8229600" cy="5217443"/>
+          </a:xfrm>
+        </p:spPr>
+        <p:txBody>
+          <a:bodyPr>
+            <a:normAutofit/>
+          </a:bodyPr>
+          <a:lstStyle/>
+          <a:p>
+            <a:r>
+              <a:rPr lang="en-US" sz="2000" dirty="0" err="1" smtClean="0"/>
+              <a:t>Codificador</a:t>
+            </a:r>
+            <a:endParaRPr lang="en-US" sz="2000" dirty="0" smtClean="0"/>
+          </a:p>
+          <a:p>
+            <a:pPr lvl="1"/>
+            <a:r>
+              <a:rPr lang="en-US" sz="1600" dirty="0" err="1" smtClean="0"/>
+              <a:t>Actualizacion</a:t>
+            </a:r>
+            <a:r>
+              <a:rPr lang="en-US" sz="1600" dirty="0" smtClean="0"/>
+              <a:t> del </a:t>
+            </a:r>
+            <a:r>
+              <a:rPr lang="en-US" sz="1600" dirty="0" err="1" smtClean="0"/>
+              <a:t>codigo</a:t>
+            </a:r>
+            <a:r>
+              <a:rPr lang="en-US" sz="1600" dirty="0" smtClean="0"/>
+              <a:t> </a:t>
+            </a:r>
+            <a:r>
+              <a:rPr lang="en-US" sz="1600" dirty="0" err="1" smtClean="0"/>
+              <a:t>genetico</a:t>
+            </a:r>
+            <a:r>
+              <a:rPr lang="en-US" sz="1600" dirty="0" smtClean="0"/>
+              <a:t> post </a:t>
+            </a:r>
+            <a:r>
+              <a:rPr lang="en-US" sz="1600" dirty="0" err="1" smtClean="0"/>
+              <a:t>busqueda</a:t>
+            </a:r>
+            <a:r>
+              <a:rPr lang="en-US" sz="1600" dirty="0" smtClean="0"/>
+              <a:t> local</a:t>
+            </a:r>
+          </a:p>
+          <a:p>
+            <a:r>
+              <a:rPr lang="en-US" sz="2000" dirty="0" err="1" smtClean="0"/>
+              <a:t>Condicion</a:t>
+            </a:r>
+            <a:r>
+              <a:rPr lang="en-US" sz="2000" dirty="0" smtClean="0"/>
+              <a:t> de Corte</a:t>
+            </a:r>
+          </a:p>
+          <a:p>
+            <a:pPr lvl="1"/>
+            <a:r>
+              <a:rPr lang="en-US" sz="1600" dirty="0" err="1" smtClean="0"/>
+              <a:t>Geneaciones</a:t>
+            </a:r>
+            <a:r>
+              <a:rPr lang="en-US" sz="1600" dirty="0" smtClean="0"/>
+              <a:t> </a:t>
+            </a:r>
+            <a:r>
+              <a:rPr lang="en-US" sz="1600" dirty="0" err="1" smtClean="0"/>
+              <a:t>Minimas</a:t>
+            </a:r>
+            <a:endParaRPr lang="en-US" sz="1600" dirty="0" smtClean="0"/>
+          </a:p>
+          <a:p>
+            <a:pPr lvl="1"/>
+            <a:r>
+              <a:rPr lang="en-US" sz="1600" dirty="0" err="1" smtClean="0"/>
+              <a:t>Generaciones</a:t>
+            </a:r>
+            <a:r>
+              <a:rPr lang="en-US" sz="1600" dirty="0" smtClean="0"/>
+              <a:t> sin </a:t>
+            </a:r>
+            <a:r>
+              <a:rPr lang="en-US" sz="1600" dirty="0" err="1" smtClean="0"/>
+              <a:t>mejoras</a:t>
+            </a:r>
+            <a:endParaRPr lang="en-US" sz="1600" dirty="0" smtClean="0"/>
+          </a:p>
+          <a:p>
+            <a:r>
+              <a:rPr lang="es-ES" sz="2000" dirty="0" smtClean="0"/>
+              <a:t>TODO: Imagen Codificador?</a:t>
+            </a:r>
+          </a:p>
+          <a:p>
+            <a:endParaRPr lang="es-ES" sz="2000" dirty="0" smtClean="0"/>
+          </a:p>
+        </p:txBody>
+      </p:sp>
+    </p:spTree>
+    <p:extLst>
+      <p:ext uri="{BB962C8B-B14F-4D97-AF65-F5344CB8AC3E}">
+        <p14:creationId xmlns:p14="http://schemas.microsoft.com/office/powerpoint/2010/main" val="2901096675"/>
+      </p:ext>
+    </p:extLst>
+  </p:cSld>
+  <p:clrMapOvr>
+    <a:masterClrMapping/>
+  </p:clrMapOvr>
+</p:sld>
+</file>
+
+<file path=ppt/slides/slide14.xml><?xml version="1.0" encoding="utf-8"?>
+<p:sld xmlns:a="http://schemas.openxmlformats.org/drawingml/2006/main" xmlns:r="http://schemas.openxmlformats.org/officeDocument/2006/relationships" xmlns:p="http://schemas.openxmlformats.org/presentationml/2006/main">
+  <p:cSld>
+    <p:spTree>
+      <p:nvGrpSpPr>
+        <p:cNvPr id="1" name=""/>
+        <p:cNvGrpSpPr/>
+        <p:nvPr/>
+      </p:nvGrpSpPr>
+      <p:grpSpPr>
+        <a:xfrm>
+          <a:off x="0" y="0"/>
+          <a:ext cx="0" cy="0"/>
+          <a:chOff x="0" y="0"/>
+          <a:chExt cx="0" cy="0"/>
+        </a:xfrm>
+      </p:grpSpPr>
+      <p:sp>
+        <p:nvSpPr>
+          <p:cNvPr id="2" name="Title 1"/>
+          <p:cNvSpPr>
+            <a:spLocks noGrp="1"/>
+          </p:cNvSpPr>
+          <p:nvPr>
+            <p:ph type="title"/>
+          </p:nvPr>
+        </p:nvSpPr>
+        <p:spPr>
+          <a:xfrm>
+            <a:off x="457200" y="274638"/>
+            <a:ext cx="8229600" cy="418058"/>
+          </a:xfrm>
+        </p:spPr>
+        <p:txBody>
+          <a:bodyPr>
+            <a:normAutofit fontScale="90000"/>
+          </a:bodyPr>
+          <a:lstStyle/>
+          <a:p>
+            <a:pPr algn="r"/>
+            <a:r>
+              <a:rPr lang="en-US" sz="2400" dirty="0" err="1" smtClean="0"/>
+              <a:t>Resultados</a:t>
+            </a:r>
+            <a:endParaRPr lang="en-US" sz="2400" dirty="0" smtClean="0"/>
+          </a:p>
+        </p:txBody>
+      </p:sp>
+      <p:sp>
+        <p:nvSpPr>
+          <p:cNvPr id="3" name="Content Placeholder 2"/>
+          <p:cNvSpPr>
+            <a:spLocks noGrp="1"/>
+          </p:cNvSpPr>
+          <p:nvPr>
+            <p:ph idx="1"/>
+          </p:nvPr>
+        </p:nvSpPr>
+        <p:spPr>
+          <a:xfrm>
+            <a:off x="457200" y="908720"/>
+            <a:ext cx="8229600" cy="5217443"/>
+          </a:xfrm>
+        </p:spPr>
+        <p:txBody>
+          <a:bodyPr>
+            <a:normAutofit/>
+          </a:bodyPr>
+          <a:lstStyle/>
+          <a:p>
+            <a:r>
+              <a:rPr lang="es-ES" sz="2000" dirty="0" smtClean="0"/>
+              <a:t>Trabajos previos</a:t>
+            </a:r>
+          </a:p>
+          <a:p>
+            <a:pPr lvl="1"/>
+            <a:r>
+              <a:rPr lang="es-ES" sz="1600" dirty="0" smtClean="0"/>
+              <a:t>Optimización multinivel de Chao </a:t>
+            </a:r>
+            <a:r>
+              <a:rPr lang="es-ES" sz="1600" dirty="0"/>
+              <a:t>et al</a:t>
+            </a:r>
+            <a:r>
+              <a:rPr lang="es-ES" sz="1600" dirty="0" smtClean="0"/>
+              <a:t>.  (CGW)</a:t>
+            </a:r>
+            <a:endParaRPr lang="es-ES" sz="1600" dirty="0" smtClean="0"/>
+          </a:p>
+          <a:p>
+            <a:pPr lvl="1"/>
+            <a:r>
+              <a:rPr lang="es-AR" sz="1600" dirty="0" err="1"/>
+              <a:t>Tabu</a:t>
+            </a:r>
+            <a:r>
+              <a:rPr lang="es-AR" sz="1600" dirty="0"/>
+              <a:t> </a:t>
+            </a:r>
+            <a:r>
+              <a:rPr lang="es-AR" sz="1600" dirty="0" err="1"/>
+              <a:t>Search</a:t>
+            </a:r>
+            <a:r>
+              <a:rPr lang="es-AR" sz="1600" dirty="0"/>
+              <a:t> de </a:t>
+            </a:r>
+            <a:r>
+              <a:rPr lang="es-AR" sz="1600" dirty="0" err="1"/>
+              <a:t>Tang</a:t>
+            </a:r>
+            <a:r>
+              <a:rPr lang="es-AR" sz="1600" dirty="0"/>
+              <a:t> y </a:t>
+            </a:r>
+            <a:r>
+              <a:rPr lang="es-AR" sz="1600" dirty="0" smtClean="0"/>
+              <a:t>Miller-</a:t>
+            </a:r>
+            <a:r>
+              <a:rPr lang="es-AR" sz="1600" dirty="0" err="1" smtClean="0"/>
+              <a:t>Hooks</a:t>
+            </a:r>
+            <a:r>
+              <a:rPr lang="es-AR" sz="1600" dirty="0" smtClean="0"/>
+              <a:t> (TMH)</a:t>
+            </a:r>
+            <a:endParaRPr lang="es-ES" sz="1600" dirty="0" smtClean="0"/>
+          </a:p>
+          <a:p>
+            <a:pPr lvl="1"/>
+            <a:r>
+              <a:rPr lang="fr-FR" sz="1600" dirty="0" err="1"/>
+              <a:t>Memetic</a:t>
+            </a:r>
+            <a:r>
+              <a:rPr lang="fr-FR" sz="1600" dirty="0"/>
+              <a:t> </a:t>
+            </a:r>
+            <a:r>
+              <a:rPr lang="fr-FR" sz="1600" dirty="0" err="1"/>
+              <a:t>Algorithm</a:t>
+            </a:r>
+            <a:r>
+              <a:rPr lang="fr-FR" sz="1600" dirty="0"/>
+              <a:t> (MA) de </a:t>
+            </a:r>
+            <a:r>
+              <a:rPr lang="fr-FR" sz="1600" dirty="0" err="1"/>
+              <a:t>Bouly</a:t>
+            </a:r>
+            <a:r>
+              <a:rPr lang="fr-FR" sz="1600" dirty="0"/>
+              <a:t> et al</a:t>
+            </a:r>
+            <a:r>
+              <a:rPr lang="fr-FR" sz="1600" dirty="0" smtClean="0"/>
+              <a:t>.</a:t>
+            </a:r>
+          </a:p>
+          <a:p>
+            <a:pPr lvl="1"/>
+            <a:r>
+              <a:rPr lang="fr-FR" sz="1600" dirty="0" err="1"/>
+              <a:t>Ant</a:t>
+            </a:r>
+            <a:r>
+              <a:rPr lang="fr-FR" sz="1600" dirty="0"/>
+              <a:t> </a:t>
+            </a:r>
+            <a:r>
+              <a:rPr lang="fr-FR" sz="1600" dirty="0" err="1"/>
+              <a:t>Colony</a:t>
+            </a:r>
+            <a:r>
+              <a:rPr lang="fr-FR" sz="1600" dirty="0"/>
+              <a:t> </a:t>
+            </a:r>
+            <a:r>
+              <a:rPr lang="fr-FR" sz="1600" dirty="0" err="1"/>
+              <a:t>Optimization</a:t>
+            </a:r>
+            <a:r>
+              <a:rPr lang="fr-FR" sz="1600" dirty="0"/>
+              <a:t> (</a:t>
+            </a:r>
+            <a:r>
+              <a:rPr lang="fr-FR" sz="1600" dirty="0" err="1"/>
+              <a:t>ACOseq</a:t>
+            </a:r>
+            <a:r>
+              <a:rPr lang="fr-FR" sz="1600" dirty="0"/>
+              <a:t>) de </a:t>
+            </a:r>
+            <a:r>
+              <a:rPr lang="fr-FR" sz="1600" dirty="0" err="1"/>
+              <a:t>Ke</a:t>
+            </a:r>
+            <a:r>
+              <a:rPr lang="fr-FR" sz="1600" dirty="0"/>
+              <a:t> et al</a:t>
+            </a:r>
+            <a:r>
+              <a:rPr lang="fr-FR" sz="1600" dirty="0" smtClean="0"/>
+              <a:t>.</a:t>
+            </a:r>
+          </a:p>
+          <a:p>
+            <a:pPr lvl="1"/>
+            <a:r>
+              <a:rPr lang="en-US" sz="1600" dirty="0"/>
+              <a:t>Variable Neighborhood Search (</a:t>
+            </a:r>
+            <a:r>
+              <a:rPr lang="en-US" sz="1600" dirty="0" err="1"/>
+              <a:t>VNSslow</a:t>
+            </a:r>
+            <a:r>
+              <a:rPr lang="en-US" sz="1600" dirty="0"/>
+              <a:t>) de </a:t>
+            </a:r>
+            <a:r>
+              <a:rPr lang="en-US" sz="1600" dirty="0" err="1"/>
+              <a:t>Archetti</a:t>
+            </a:r>
+            <a:r>
+              <a:rPr lang="en-US" sz="1600" dirty="0"/>
+              <a:t> et al</a:t>
+            </a:r>
+            <a:r>
+              <a:rPr lang="en-US" sz="1600" dirty="0" smtClean="0"/>
+              <a:t>.</a:t>
+            </a:r>
+            <a:endParaRPr lang="es-ES" sz="1600" dirty="0" smtClean="0"/>
+          </a:p>
+          <a:p>
+            <a:r>
+              <a:rPr lang="es-ES" sz="2000" dirty="0" smtClean="0"/>
+              <a:t>Por instancia</a:t>
+            </a:r>
+          </a:p>
+          <a:p>
+            <a:pPr lvl="1"/>
+            <a:r>
+              <a:rPr lang="es-ES" sz="1600" dirty="0" smtClean="0"/>
+              <a:t>TODO imagen de los resultados para 6 instancias en sol final</a:t>
+            </a:r>
+            <a:endParaRPr lang="es-ES" sz="1600" dirty="0" smtClean="0"/>
+          </a:p>
+          <a:p>
+            <a:r>
+              <a:rPr lang="es-ES" sz="2000" dirty="0" smtClean="0"/>
+              <a:t>Global</a:t>
+            </a:r>
+          </a:p>
+          <a:p>
+            <a:pPr lvl="1"/>
+            <a:r>
+              <a:rPr lang="es-ES" sz="1600" dirty="0" smtClean="0"/>
+              <a:t>TODO explicar columnas</a:t>
+            </a:r>
+          </a:p>
+          <a:p>
+            <a:pPr lvl="1"/>
+            <a:endParaRPr lang="es-ES" sz="1600" dirty="0" smtClean="0"/>
+          </a:p>
+          <a:p>
+            <a:pPr lvl="1"/>
+            <a:r>
+              <a:rPr lang="es-ES" sz="1600" dirty="0" smtClean="0"/>
+              <a:t>TODO imagen de la diferencias de sumas</a:t>
+            </a:r>
+          </a:p>
+          <a:p>
+            <a:endParaRPr lang="es-ES" sz="2000" dirty="0" smtClean="0"/>
+          </a:p>
+        </p:txBody>
+      </p:sp>
+      <p:graphicFrame>
+        <p:nvGraphicFramePr>
+          <p:cNvPr id="4" name="Object 3"/>
+          <p:cNvGraphicFramePr>
+            <a:graphicFrameLocks noChangeAspect="1"/>
+          </p:cNvGraphicFramePr>
+          <p:nvPr>
+            <p:extLst>
+              <p:ext uri="{D42A27DB-BD31-4B8C-83A1-F6EECF244321}">
+                <p14:modId xmlns:p14="http://schemas.microsoft.com/office/powerpoint/2010/main" val="2011832794"/>
+              </p:ext>
+            </p:extLst>
+          </p:nvPr>
+        </p:nvGraphicFramePr>
+        <p:xfrm>
+          <a:off x="4139952" y="3717032"/>
+          <a:ext cx="2960329" cy="720080"/>
+        </p:xfrm>
+        <a:graphic>
+          <a:graphicData uri="http://schemas.openxmlformats.org/presentationml/2006/ole">
+            <mc:AlternateContent xmlns:mc="http://schemas.openxmlformats.org/markup-compatibility/2006">
+              <mc:Choice xmlns:v="urn:schemas-microsoft-com:vml" Requires="v">
+                <p:oleObj spid="_x0000_s1032" name="Equation" r:id="rId3" imgW="1409400" imgH="342720" progId="Equation.3">
+                  <p:embed/>
+                </p:oleObj>
+              </mc:Choice>
+              <mc:Fallback>
+                <p:oleObj name="Equation" r:id="rId3" imgW="1409400" imgH="342720" progId="Equation.3">
+                  <p:embed/>
+                  <p:pic>
+                    <p:nvPicPr>
+                      <p:cNvPr id="0" name=""/>
+                      <p:cNvPicPr/>
+                      <p:nvPr/>
+                    </p:nvPicPr>
+                    <p:blipFill>
+                      <a:blip r:embed="rId4"/>
+                      <a:stretch>
+                        <a:fillRect/>
+                      </a:stretch>
+                    </p:blipFill>
+                    <p:spPr>
+                      <a:xfrm>
+                        <a:off x="4139952" y="3717032"/>
+                        <a:ext cx="2960329" cy="720080"/>
+                      </a:xfrm>
+                      <a:prstGeom prst="rect">
+                        <a:avLst/>
+                      </a:prstGeom>
+                    </p:spPr>
+                  </p:pic>
+                </p:oleObj>
+              </mc:Fallback>
+            </mc:AlternateContent>
+          </a:graphicData>
+        </a:graphic>
+      </p:graphicFrame>
+    </p:spTree>
+    <p:extLst>
+      <p:ext uri="{BB962C8B-B14F-4D97-AF65-F5344CB8AC3E}">
+        <p14:creationId xmlns:p14="http://schemas.microsoft.com/office/powerpoint/2010/main" val="512476657"/>
+      </p:ext>
+    </p:extLst>
+  </p:cSld>
+  <p:clrMapOvr>
+    <a:masterClrMapping/>
+  </p:clrMapOvr>
+</p:sld>
+</file>
+
+<file path=ppt/slides/slide15.xml><?xml version="1.0" encoding="utf-8"?>
+<p:sld xmlns:a="http://schemas.openxmlformats.org/drawingml/2006/main" xmlns:r="http://schemas.openxmlformats.org/officeDocument/2006/relationships" xmlns:p="http://schemas.openxmlformats.org/presentationml/2006/main">
+  <p:cSld>
+    <p:spTree>
+      <p:nvGrpSpPr>
+        <p:cNvPr id="1" name=""/>
+        <p:cNvGrpSpPr/>
+        <p:nvPr/>
+      </p:nvGrpSpPr>
+      <p:grpSpPr>
+        <a:xfrm>
+          <a:off x="0" y="0"/>
+          <a:ext cx="0" cy="0"/>
+          <a:chOff x="0" y="0"/>
+          <a:chExt cx="0" cy="0"/>
+        </a:xfrm>
+      </p:grpSpPr>
+      <p:sp>
+        <p:nvSpPr>
+          <p:cNvPr id="2" name="Title 1"/>
+          <p:cNvSpPr>
+            <a:spLocks noGrp="1"/>
+          </p:cNvSpPr>
+          <p:nvPr>
+            <p:ph type="title"/>
+          </p:nvPr>
+        </p:nvSpPr>
+        <p:spPr>
+          <a:xfrm>
+            <a:off x="457200" y="274638"/>
+            <a:ext cx="8229600" cy="418058"/>
+          </a:xfrm>
+        </p:spPr>
+        <p:txBody>
+          <a:bodyPr>
+            <a:normAutofit fontScale="90000"/>
+          </a:bodyPr>
+          <a:lstStyle/>
+          <a:p>
+            <a:pPr algn="r"/>
+            <a:r>
+              <a:rPr lang="en-US" sz="2400" dirty="0" err="1" smtClean="0"/>
+              <a:t>Conclusiones</a:t>
+            </a:r>
+            <a:endParaRPr lang="en-US" sz="2400" dirty="0" smtClean="0"/>
+          </a:p>
+        </p:txBody>
+      </p:sp>
+      <p:sp>
+        <p:nvSpPr>
+          <p:cNvPr id="3" name="Content Placeholder 2"/>
+          <p:cNvSpPr>
+            <a:spLocks noGrp="1"/>
+          </p:cNvSpPr>
+          <p:nvPr>
+            <p:ph idx="1"/>
+          </p:nvPr>
+        </p:nvSpPr>
+        <p:spPr>
+          <a:xfrm>
+            <a:off x="457200" y="908720"/>
+            <a:ext cx="8229600" cy="5217443"/>
+          </a:xfrm>
+        </p:spPr>
+        <p:txBody>
+          <a:bodyPr>
+            <a:normAutofit/>
+          </a:bodyPr>
+          <a:lstStyle/>
+          <a:p>
+            <a:r>
+              <a:rPr lang="es-ES" sz="2000" dirty="0" smtClean="0"/>
+              <a:t>Los resultados fueron muy buenos, </a:t>
+            </a:r>
+            <a:r>
+              <a:rPr lang="es-AR" sz="2000" dirty="0" smtClean="0"/>
+              <a:t>u</a:t>
+            </a:r>
+            <a:r>
+              <a:rPr lang="es-AR" sz="2000" dirty="0" smtClean="0"/>
+              <a:t>n </a:t>
+            </a:r>
+            <a:r>
+              <a:rPr lang="es-AR" sz="2000" dirty="0"/>
+              <a:t>70% de los resultados llegaron a la mejor solución conocida de la instancia </a:t>
+            </a:r>
+            <a:r>
+              <a:rPr lang="es-AR" sz="2000" dirty="0" smtClean="0"/>
+              <a:t>testeada.</a:t>
+            </a:r>
+          </a:p>
+          <a:p>
+            <a:r>
+              <a:rPr lang="en-US" sz="2000" dirty="0" smtClean="0"/>
+              <a:t>El restante 30% </a:t>
+            </a:r>
+            <a:r>
+              <a:rPr lang="en-US" sz="2000" dirty="0" err="1" smtClean="0"/>
+              <a:t>obtuvo</a:t>
+            </a:r>
+            <a:r>
+              <a:rPr lang="en-US" sz="2000" dirty="0" smtClean="0"/>
+              <a:t> </a:t>
+            </a:r>
+            <a:r>
+              <a:rPr lang="en-US" sz="2000" dirty="0" err="1" smtClean="0"/>
+              <a:t>valores</a:t>
+            </a:r>
+            <a:r>
+              <a:rPr lang="en-US" sz="2000" dirty="0" smtClean="0"/>
+              <a:t> </a:t>
+            </a:r>
+            <a:r>
+              <a:rPr lang="en-US" sz="2000" dirty="0" err="1" smtClean="0"/>
+              <a:t>muy</a:t>
+            </a:r>
+            <a:r>
+              <a:rPr lang="en-US" sz="2000" dirty="0" smtClean="0"/>
+              <a:t> </a:t>
+            </a:r>
+            <a:r>
+              <a:rPr lang="en-US" sz="2000" dirty="0" err="1" smtClean="0"/>
+              <a:t>competitivos</a:t>
+            </a:r>
+            <a:r>
+              <a:rPr lang="en-US" sz="2000" dirty="0" smtClean="0"/>
+              <a:t> con los </a:t>
+            </a:r>
+            <a:r>
+              <a:rPr lang="en-US" sz="2000" dirty="0" err="1" smtClean="0"/>
+              <a:t>mejores</a:t>
+            </a:r>
+            <a:r>
+              <a:rPr lang="en-US" sz="2000" dirty="0" smtClean="0"/>
+              <a:t> </a:t>
+            </a:r>
+            <a:r>
+              <a:rPr lang="en-US" sz="2000" dirty="0" err="1" smtClean="0"/>
+              <a:t>trabajos</a:t>
+            </a:r>
+            <a:r>
+              <a:rPr lang="en-US" sz="2000" dirty="0" smtClean="0"/>
+              <a:t> </a:t>
+            </a:r>
+            <a:r>
+              <a:rPr lang="en-US" sz="2000" dirty="0" err="1" smtClean="0"/>
+              <a:t>previos</a:t>
+            </a:r>
+            <a:r>
+              <a:rPr lang="en-US" sz="2000" dirty="0" smtClean="0"/>
+              <a:t>.</a:t>
+            </a:r>
+          </a:p>
+          <a:p>
+            <a:r>
+              <a:rPr lang="en-US" sz="2000" dirty="0" smtClean="0"/>
+              <a:t>El BRKGA </a:t>
+            </a:r>
+            <a:r>
+              <a:rPr lang="en-US" sz="2000" dirty="0" err="1" smtClean="0"/>
+              <a:t>puro</a:t>
+            </a:r>
+            <a:r>
+              <a:rPr lang="en-US" sz="2000" dirty="0" smtClean="0"/>
+              <a:t> no </a:t>
+            </a:r>
+            <a:r>
+              <a:rPr lang="en-US" sz="2000" dirty="0" err="1" smtClean="0"/>
+              <a:t>es</a:t>
+            </a:r>
+            <a:r>
+              <a:rPr lang="en-US" sz="2000" dirty="0" smtClean="0"/>
+              <a:t> </a:t>
+            </a:r>
+            <a:r>
+              <a:rPr lang="en-US" sz="2000" dirty="0" err="1" smtClean="0"/>
+              <a:t>bueno</a:t>
+            </a:r>
+            <a:r>
+              <a:rPr lang="en-US" sz="2000" dirty="0" smtClean="0"/>
+              <a:t> </a:t>
+            </a:r>
+            <a:r>
+              <a:rPr lang="en-US" sz="2000" dirty="0" err="1" smtClean="0"/>
+              <a:t>para</a:t>
+            </a:r>
+            <a:r>
+              <a:rPr lang="en-US" sz="2000" dirty="0" smtClean="0"/>
+              <a:t> </a:t>
+            </a:r>
+            <a:r>
+              <a:rPr lang="en-US" sz="2000" dirty="0" err="1" smtClean="0"/>
+              <a:t>instancias</a:t>
+            </a:r>
+            <a:r>
+              <a:rPr lang="en-US" sz="2000" dirty="0" smtClean="0"/>
+              <a:t> </a:t>
+            </a:r>
+            <a:r>
+              <a:rPr lang="en-US" sz="2000" dirty="0" err="1" smtClean="0"/>
+              <a:t>grandes</a:t>
+            </a:r>
+            <a:r>
+              <a:rPr lang="en-US" sz="2000" dirty="0" smtClean="0"/>
+              <a:t> del </a:t>
+            </a:r>
+            <a:r>
+              <a:rPr lang="en-US" sz="2000" dirty="0" err="1" smtClean="0"/>
+              <a:t>problema</a:t>
+            </a:r>
+            <a:r>
+              <a:rPr lang="en-US" sz="2000" dirty="0" smtClean="0"/>
+              <a:t>.</a:t>
+            </a:r>
+          </a:p>
+          <a:p>
+            <a:r>
+              <a:rPr lang="es-ES" sz="2000" dirty="0" smtClean="0"/>
+              <a:t>Seria útil una herramienta para visualizar los caminos generados.</a:t>
+            </a:r>
+          </a:p>
+          <a:p>
+            <a:r>
+              <a:rPr lang="es-ES" sz="2000" dirty="0" smtClean="0"/>
+              <a:t>Investigar otras variantes de decodificadores</a:t>
+            </a:r>
+          </a:p>
+          <a:p>
+            <a:pPr lvl="1"/>
+            <a:r>
+              <a:rPr lang="es-ES" sz="1600" dirty="0" err="1" smtClean="0"/>
+              <a:t>Particionar</a:t>
+            </a:r>
+            <a:r>
+              <a:rPr lang="es-ES" sz="1600" dirty="0" smtClean="0"/>
+              <a:t> los clientes según su centro de gravedad, asigna vehículo a cada centro y asignar desde ahí</a:t>
+            </a:r>
+            <a:endParaRPr lang="es-ES" sz="1600" dirty="0" smtClean="0"/>
+          </a:p>
+          <a:p>
+            <a:r>
+              <a:rPr lang="es-ES" sz="2000" dirty="0" smtClean="0"/>
+              <a:t>Investigar otros métodos de crossover</a:t>
+            </a:r>
+          </a:p>
+          <a:p>
+            <a:pPr lvl="1"/>
+            <a:r>
+              <a:rPr lang="es-ES" sz="1600" dirty="0" smtClean="0"/>
+              <a:t>Que cada alelo represente un vehículo con su ruta en vez de un cliente</a:t>
+            </a:r>
+          </a:p>
+          <a:p>
+            <a:pPr lvl="1"/>
+            <a:endParaRPr lang="es-ES" sz="1600" dirty="0" smtClean="0"/>
+          </a:p>
+        </p:txBody>
+      </p:sp>
+    </p:spTree>
+    <p:extLst>
+      <p:ext uri="{BB962C8B-B14F-4D97-AF65-F5344CB8AC3E}">
+        <p14:creationId xmlns:p14="http://schemas.microsoft.com/office/powerpoint/2010/main" val="962634165"/>
+      </p:ext>
+    </p:extLst>
+  </p:cSld>
+  <p:clrMapOvr>
+    <a:masterClrMapping/>
+  </p:clrMapOvr>
+</p:sld>
+</file>
+
+<file path=ppt/slides/slide16.xml><?xml version="1.0" encoding="utf-8"?>
+<p:sld xmlns:a="http://schemas.openxmlformats.org/drawingml/2006/main" xmlns:r="http://schemas.openxmlformats.org/officeDocument/2006/relationships" xmlns:p="http://schemas.openxmlformats.org/presentationml/2006/main">
+  <p:cSld>
+    <p:spTree>
+      <p:nvGrpSpPr>
+        <p:cNvPr id="1" name=""/>
+        <p:cNvGrpSpPr/>
+        <p:nvPr/>
+      </p:nvGrpSpPr>
+      <p:grpSpPr>
+        <a:xfrm>
+          <a:off x="0" y="0"/>
+          <a:ext cx="0" cy="0"/>
+          <a:chOff x="0" y="0"/>
+          <a:chExt cx="0" cy="0"/>
+        </a:xfrm>
+      </p:grpSpPr>
+      <p:sp>
+        <p:nvSpPr>
+          <p:cNvPr id="2" name="Title 1"/>
+          <p:cNvSpPr>
+            <a:spLocks noGrp="1"/>
+          </p:cNvSpPr>
+          <p:nvPr>
+            <p:ph type="title"/>
+          </p:nvPr>
+        </p:nvSpPr>
+        <p:spPr>
+          <a:xfrm>
+            <a:off x="457200" y="274638"/>
+            <a:ext cx="8229600" cy="418058"/>
+          </a:xfrm>
+        </p:spPr>
+        <p:txBody>
+          <a:bodyPr>
+            <a:normAutofit fontScale="90000"/>
+          </a:bodyPr>
+          <a:lstStyle/>
+          <a:p>
+            <a:pPr algn="r"/>
+            <a:endParaRPr lang="en-US" sz="2400" dirty="0" smtClean="0"/>
+          </a:p>
+        </p:txBody>
+      </p:sp>
+      <p:sp>
+        <p:nvSpPr>
+          <p:cNvPr id="3" name="Content Placeholder 2"/>
+          <p:cNvSpPr>
+            <a:spLocks noGrp="1"/>
+          </p:cNvSpPr>
+          <p:nvPr>
+            <p:ph idx="1"/>
+          </p:nvPr>
+        </p:nvSpPr>
+        <p:spPr>
+          <a:xfrm>
+            <a:off x="457200" y="908720"/>
+            <a:ext cx="8229600" cy="5217443"/>
+          </a:xfrm>
+        </p:spPr>
+        <p:txBody>
+          <a:bodyPr>
+            <a:normAutofit/>
+          </a:bodyPr>
+          <a:lstStyle/>
+          <a:p>
+            <a:pPr marL="0" indent="0" algn="ctr">
+              <a:buNone/>
+            </a:pPr>
+            <a:endParaRPr lang="es-ES" sz="1600" dirty="0" smtClean="0"/>
+          </a:p>
+          <a:p>
+            <a:pPr marL="0" indent="0" algn="ctr">
+              <a:buNone/>
+            </a:pPr>
+            <a:endParaRPr lang="es-ES" sz="1600" dirty="0"/>
+          </a:p>
+          <a:p>
+            <a:pPr marL="0" indent="0" algn="ctr">
+              <a:buNone/>
+            </a:pPr>
+            <a:endParaRPr lang="es-ES" sz="1600" dirty="0" smtClean="0"/>
+          </a:p>
+          <a:p>
+            <a:pPr marL="0" indent="0" algn="ctr">
+              <a:buNone/>
+            </a:pPr>
+            <a:endParaRPr lang="es-ES" sz="1600" dirty="0"/>
+          </a:p>
+          <a:p>
+            <a:pPr marL="0" indent="0" algn="ctr">
+              <a:buNone/>
+            </a:pPr>
+            <a:endParaRPr lang="es-ES" sz="1600" dirty="0" smtClean="0"/>
+          </a:p>
+          <a:p>
+            <a:pPr marL="0" indent="0" algn="ctr">
+              <a:buNone/>
+            </a:pPr>
+            <a:endParaRPr lang="es-ES" sz="1600" dirty="0"/>
+          </a:p>
+          <a:p>
+            <a:pPr marL="0" indent="0" algn="ctr">
+              <a:buNone/>
+            </a:pPr>
+            <a:endParaRPr lang="es-ES" sz="1600" dirty="0" smtClean="0"/>
+          </a:p>
+          <a:p>
+            <a:pPr marL="0" indent="0" algn="ctr">
+              <a:buNone/>
+            </a:pPr>
+            <a:endParaRPr lang="es-ES" sz="1600" dirty="0"/>
+          </a:p>
+          <a:p>
+            <a:pPr marL="0" indent="0" algn="ctr">
+              <a:buNone/>
+            </a:pPr>
+            <a:r>
+              <a:rPr lang="es-ES" sz="4000" dirty="0" smtClean="0"/>
+              <a:t>Gracias!</a:t>
+            </a:r>
+            <a:endParaRPr lang="en-US" sz="4000" dirty="0" smtClean="0"/>
+          </a:p>
+        </p:txBody>
+      </p:sp>
+    </p:spTree>
+    <p:extLst>
+      <p:ext uri="{BB962C8B-B14F-4D97-AF65-F5344CB8AC3E}">
+        <p14:creationId xmlns:p14="http://schemas.microsoft.com/office/powerpoint/2010/main" val="1529632411"/>
       </p:ext>
     </p:extLst>
   </p:cSld>
@@ -3667,791 +5919,429 @@
         </p:spPr>
         <p:txBody>
           <a:bodyPr>
-            <a:normAutofit lnSpcReduction="10000"/>
+            <a:normAutofit/>
           </a:bodyPr>
           <a:lstStyle/>
           <a:p>
             <a:r>
+              <a:rPr lang="es-AR" sz="2800" dirty="0" smtClean="0"/>
+              <a:t>Orientación, un </a:t>
+            </a:r>
+            <a:r>
+              <a:rPr lang="es-AR" sz="2800" dirty="0"/>
+              <a:t>deporte originario de </a:t>
+            </a:r>
+            <a:r>
+              <a:rPr lang="es-AR" sz="2800" dirty="0" smtClean="0"/>
+              <a:t>Escandinavia</a:t>
+            </a:r>
+          </a:p>
+          <a:p>
+            <a:pPr lvl="1">
+              <a:buFont typeface="Wingdings" pitchFamily="2" charset="2"/>
+              <a:buChar char="§"/>
+            </a:pPr>
+            <a:r>
+              <a:rPr lang="en-US" sz="2000" dirty="0" err="1" smtClean="0"/>
+              <a:t>Cada</a:t>
+            </a:r>
+            <a:r>
+              <a:rPr lang="en-US" sz="2000" dirty="0" smtClean="0"/>
+              <a:t> </a:t>
+            </a:r>
+            <a:r>
+              <a:rPr lang="en-US" sz="2000" dirty="0" err="1" smtClean="0"/>
+              <a:t>jugador</a:t>
+            </a:r>
+            <a:r>
+              <a:rPr lang="en-US" sz="2000" dirty="0" smtClean="0"/>
+              <a:t> </a:t>
+            </a:r>
+            <a:r>
+              <a:rPr lang="en-US" sz="2000" dirty="0" err="1" smtClean="0"/>
+              <a:t>comienza</a:t>
+            </a:r>
+            <a:r>
+              <a:rPr lang="en-US" sz="2000" dirty="0" smtClean="0"/>
+              <a:t> en un </a:t>
+            </a:r>
+            <a:r>
+              <a:rPr lang="en-US" sz="2000" dirty="0" err="1" smtClean="0"/>
+              <a:t>punto</a:t>
+            </a:r>
+            <a:r>
+              <a:rPr lang="en-US" sz="2000" dirty="0" smtClean="0"/>
+              <a:t> de control y </a:t>
+            </a:r>
+            <a:r>
+              <a:rPr lang="en-US" sz="2000" dirty="0" err="1" smtClean="0"/>
+              <a:t>debe</a:t>
+            </a:r>
+            <a:r>
+              <a:rPr lang="en-US" sz="2000" dirty="0" smtClean="0"/>
+              <a:t> </a:t>
+            </a:r>
+            <a:r>
+              <a:rPr lang="en-US" sz="2000" dirty="0" err="1" smtClean="0"/>
+              <a:t>visitar</a:t>
+            </a:r>
+            <a:r>
+              <a:rPr lang="en-US" sz="2000" dirty="0" smtClean="0"/>
+              <a:t> </a:t>
+            </a:r>
+            <a:r>
+              <a:rPr lang="en-US" sz="2000" dirty="0" err="1" smtClean="0"/>
+              <a:t>tantos</a:t>
+            </a:r>
+            <a:r>
+              <a:rPr lang="en-US" sz="2000" dirty="0" smtClean="0"/>
+              <a:t> </a:t>
+            </a:r>
+            <a:r>
+              <a:rPr lang="en-US" sz="2000" dirty="0" err="1" smtClean="0"/>
+              <a:t>otros</a:t>
+            </a:r>
+            <a:r>
+              <a:rPr lang="en-US" sz="2000" dirty="0" smtClean="0"/>
+              <a:t> </a:t>
+            </a:r>
+            <a:r>
+              <a:rPr lang="en-US" sz="2000" dirty="0" err="1" smtClean="0"/>
+              <a:t>puntos</a:t>
+            </a:r>
+            <a:r>
+              <a:rPr lang="en-US" sz="2000" dirty="0" smtClean="0"/>
+              <a:t> de control </a:t>
+            </a:r>
+            <a:r>
+              <a:rPr lang="en-US" sz="2000" dirty="0" err="1" smtClean="0"/>
+              <a:t>como</a:t>
+            </a:r>
+            <a:r>
+              <a:rPr lang="en-US" sz="2000" dirty="0" smtClean="0"/>
+              <a:t> le sea </a:t>
+            </a:r>
+            <a:r>
+              <a:rPr lang="en-US" sz="2000" dirty="0" err="1" smtClean="0"/>
+              <a:t>posible</a:t>
+            </a:r>
+            <a:r>
+              <a:rPr lang="en-US" sz="2000" dirty="0" smtClean="0"/>
+              <a:t> </a:t>
+            </a:r>
+            <a:r>
+              <a:rPr lang="en-US" sz="2000" dirty="0" err="1" smtClean="0"/>
+              <a:t>dentro</a:t>
+            </a:r>
+            <a:r>
+              <a:rPr lang="en-US" sz="2000" dirty="0" smtClean="0"/>
+              <a:t> de un </a:t>
+            </a:r>
+            <a:r>
+              <a:rPr lang="en-US" sz="2000" dirty="0" err="1" smtClean="0"/>
+              <a:t>tiempo</a:t>
+            </a:r>
+            <a:r>
+              <a:rPr lang="en-US" sz="2000" dirty="0" smtClean="0"/>
+              <a:t> </a:t>
+            </a:r>
+            <a:r>
+              <a:rPr lang="en-US" sz="2000" dirty="0" err="1" smtClean="0"/>
+              <a:t>limite</a:t>
+            </a:r>
+            <a:r>
+              <a:rPr lang="en-US" sz="2000" dirty="0" smtClean="0"/>
+              <a:t> </a:t>
+            </a:r>
+            <a:r>
+              <a:rPr lang="en-US" sz="2000" dirty="0" err="1" smtClean="0"/>
+              <a:t>preespecificado</a:t>
+            </a:r>
+            <a:r>
+              <a:rPr lang="en-US" sz="2000" dirty="0" smtClean="0"/>
+              <a:t>. </a:t>
+            </a:r>
+            <a:r>
+              <a:rPr lang="en-US" sz="2000" dirty="0" err="1" smtClean="0"/>
+              <a:t>Cada</a:t>
+            </a:r>
+            <a:r>
+              <a:rPr lang="en-US" sz="2000" dirty="0" smtClean="0"/>
+              <a:t> </a:t>
+            </a:r>
+            <a:r>
+              <a:rPr lang="en-US" sz="2000" dirty="0" err="1" smtClean="0"/>
+              <a:t>punto</a:t>
+            </a:r>
+            <a:r>
+              <a:rPr lang="en-US" sz="2000" dirty="0" smtClean="0"/>
+              <a:t> de control </a:t>
+            </a:r>
+            <a:r>
+              <a:rPr lang="en-US" sz="2000" dirty="0" err="1" smtClean="0"/>
+              <a:t>tiene</a:t>
+            </a:r>
+            <a:r>
+              <a:rPr lang="en-US" sz="2000" dirty="0" smtClean="0"/>
+              <a:t> un </a:t>
+            </a:r>
+            <a:r>
+              <a:rPr lang="en-US" sz="2000" dirty="0" err="1" smtClean="0"/>
+              <a:t>puntaje</a:t>
+            </a:r>
+            <a:r>
+              <a:rPr lang="en-US" sz="2000" dirty="0" smtClean="0"/>
+              <a:t>. El </a:t>
+            </a:r>
+            <a:r>
+              <a:rPr lang="en-US" sz="2000" dirty="0" err="1" smtClean="0"/>
+              <a:t>objetivo</a:t>
+            </a:r>
+            <a:r>
+              <a:rPr lang="en-US" sz="2000" dirty="0" smtClean="0"/>
+              <a:t> </a:t>
+            </a:r>
+            <a:r>
+              <a:rPr lang="en-US" sz="2000" dirty="0" err="1" smtClean="0"/>
+              <a:t>es</a:t>
+            </a:r>
+            <a:r>
+              <a:rPr lang="en-US" sz="2000" dirty="0" smtClean="0"/>
+              <a:t> </a:t>
+            </a:r>
+            <a:r>
+              <a:rPr lang="en-US" sz="2000" dirty="0" err="1" smtClean="0"/>
+              <a:t>maximizar</a:t>
+            </a:r>
+            <a:r>
+              <a:rPr lang="en-US" sz="2000" dirty="0" smtClean="0"/>
+              <a:t> el </a:t>
+            </a:r>
+            <a:r>
+              <a:rPr lang="en-US" sz="2000" dirty="0" err="1" smtClean="0"/>
+              <a:t>puntaje</a:t>
+            </a:r>
+            <a:r>
+              <a:rPr lang="en-US" sz="2000" dirty="0" smtClean="0"/>
+              <a:t> total.</a:t>
+            </a:r>
+          </a:p>
+          <a:p>
+            <a:pPr lvl="1">
+              <a:buFont typeface="Wingdings" pitchFamily="2" charset="2"/>
+              <a:buChar char="§"/>
+            </a:pPr>
+            <a:r>
               <a:rPr lang="es-AR" sz="2000" dirty="0" smtClean="0"/>
-              <a:t>Orientación, un </a:t>
+              <a:t>Este problema se conoce como </a:t>
+            </a:r>
+            <a:r>
+              <a:rPr lang="es-AR" sz="2000" dirty="0" err="1" smtClean="0"/>
+              <a:t>Orienteering</a:t>
+            </a:r>
+            <a:r>
+              <a:rPr lang="es-AR" sz="2000" dirty="0" smtClean="0"/>
+              <a:t> </a:t>
+            </a:r>
+            <a:r>
+              <a:rPr lang="es-AR" sz="2000" dirty="0" err="1" smtClean="0"/>
+              <a:t>Problem</a:t>
+            </a:r>
+            <a:r>
+              <a:rPr lang="es-AR" sz="2000" dirty="0" smtClean="0"/>
+              <a:t> (OP). El </a:t>
             </a:r>
             <a:r>
               <a:rPr lang="es-AR" sz="2000" dirty="0"/>
-              <a:t>deporte originario de </a:t>
+              <a:t>OP es NP-Completo como demostraron Golden, </a:t>
             </a:r>
             <a:r>
               <a:rPr lang="es-AR" sz="2000" dirty="0" smtClean="0"/>
-              <a:t>Escandinavia</a:t>
+              <a:t>Levy </a:t>
+            </a:r>
+            <a:r>
+              <a:rPr lang="es-AR" sz="2000" dirty="0"/>
+              <a:t>y </a:t>
+            </a:r>
+            <a:r>
+              <a:rPr lang="es-AR" sz="2000" dirty="0" err="1" smtClean="0"/>
+              <a:t>Vohra</a:t>
+            </a:r>
+            <a:r>
+              <a:rPr lang="es-AR" sz="2000" dirty="0" smtClean="0"/>
+              <a:t>.</a:t>
+            </a:r>
+            <a:endParaRPr lang="en-US" sz="2000" dirty="0" smtClean="0"/>
+          </a:p>
+          <a:p>
+            <a:r>
+              <a:rPr lang="en-US" sz="2800" dirty="0" smtClean="0"/>
+              <a:t>Team Orienteering Problem (TOP)</a:t>
             </a:r>
           </a:p>
           <a:p>
             <a:pPr lvl="1"/>
             <a:r>
-              <a:rPr lang="en-US" sz="1600" dirty="0" err="1" smtClean="0"/>
-              <a:t>Cada</a:t>
-            </a:r>
-            <a:r>
-              <a:rPr lang="en-US" sz="1600" dirty="0" smtClean="0"/>
-              <a:t> </a:t>
-            </a:r>
-            <a:r>
-              <a:rPr lang="en-US" sz="1600" dirty="0" err="1" smtClean="0"/>
-              <a:t>jugador</a:t>
-            </a:r>
-            <a:r>
-              <a:rPr lang="en-US" sz="1600" dirty="0" smtClean="0"/>
-              <a:t> </a:t>
-            </a:r>
-            <a:r>
-              <a:rPr lang="en-US" sz="1600" dirty="0" err="1" smtClean="0"/>
-              <a:t>comienza</a:t>
-            </a:r>
-            <a:r>
-              <a:rPr lang="en-US" sz="1600" dirty="0" smtClean="0"/>
-              <a:t> en un </a:t>
-            </a:r>
-            <a:r>
-              <a:rPr lang="en-US" sz="1600" dirty="0" err="1" smtClean="0"/>
-              <a:t>punto</a:t>
-            </a:r>
-            <a:r>
-              <a:rPr lang="en-US" sz="1600" dirty="0" smtClean="0"/>
-              <a:t> de control y </a:t>
-            </a:r>
-            <a:r>
-              <a:rPr lang="en-US" sz="1600" dirty="0" err="1" smtClean="0"/>
-              <a:t>debe</a:t>
-            </a:r>
-            <a:r>
-              <a:rPr lang="en-US" sz="1600" dirty="0" smtClean="0"/>
-              <a:t> </a:t>
-            </a:r>
-            <a:r>
-              <a:rPr lang="en-US" sz="1600" dirty="0" err="1" smtClean="0"/>
+              <a:rPr lang="en-US" sz="2000" dirty="0" err="1" smtClean="0"/>
+              <a:t>Extiende</a:t>
+            </a:r>
+            <a:r>
+              <a:rPr lang="en-US" sz="2000" dirty="0" smtClean="0"/>
+              <a:t> a OP, </a:t>
+            </a:r>
+            <a:r>
+              <a:rPr lang="en-US" sz="2000" dirty="0" err="1" smtClean="0"/>
+              <a:t>como</a:t>
+            </a:r>
+            <a:r>
+              <a:rPr lang="en-US" sz="2000" dirty="0" smtClean="0"/>
+              <a:t> lo </a:t>
+            </a:r>
+            <a:r>
+              <a:rPr lang="en-US" sz="2000" dirty="0" err="1" smtClean="0"/>
+              <a:t>contiene</a:t>
+            </a:r>
+            <a:r>
+              <a:rPr lang="en-US" sz="2000" dirty="0" smtClean="0"/>
+              <a:t>, </a:t>
+            </a:r>
+            <a:r>
+              <a:rPr lang="en-US" sz="2000" dirty="0" err="1" smtClean="0"/>
+              <a:t>es</a:t>
+            </a:r>
+            <a:r>
+              <a:rPr lang="en-US" sz="2000" dirty="0" smtClean="0"/>
+              <a:t> al </a:t>
+            </a:r>
+            <a:r>
+              <a:rPr lang="en-US" sz="2000" dirty="0" err="1" smtClean="0"/>
+              <a:t>menos</a:t>
+            </a:r>
+            <a:r>
+              <a:rPr lang="en-US" sz="2000" dirty="0" smtClean="0"/>
+              <a:t> tan </a:t>
+            </a:r>
+            <a:r>
+              <a:rPr lang="en-US" sz="2000" dirty="0" err="1" smtClean="0"/>
+              <a:t>dificil</a:t>
+            </a:r>
+            <a:r>
+              <a:rPr lang="en-US" sz="2000" dirty="0" smtClean="0"/>
+              <a:t>. Hay multiples </a:t>
+            </a:r>
+            <a:r>
+              <a:rPr lang="en-US" sz="2000" dirty="0" err="1" smtClean="0"/>
+              <a:t>vehiculos</a:t>
+            </a:r>
+            <a:r>
+              <a:rPr lang="en-US" sz="2000" dirty="0" smtClean="0"/>
+              <a:t> y no </a:t>
+            </a:r>
+            <a:r>
+              <a:rPr lang="en-US" sz="2000" dirty="0" err="1" smtClean="0"/>
+              <a:t>deben</a:t>
+            </a:r>
+            <a:r>
+              <a:rPr lang="en-US" sz="2000" dirty="0" smtClean="0"/>
+              <a:t> </a:t>
+            </a:r>
+            <a:r>
+              <a:rPr lang="en-US" sz="2000" dirty="0" err="1" smtClean="0"/>
               <a:t>visitar</a:t>
             </a:r>
             <a:r>
-              <a:rPr lang="en-US" sz="1600" dirty="0" smtClean="0"/>
-              <a:t> </a:t>
-            </a:r>
-            <a:r>
-              <a:rPr lang="en-US" sz="1600" dirty="0" err="1" smtClean="0"/>
-              <a:t>tantos</a:t>
-            </a:r>
-            <a:r>
-              <a:rPr lang="en-US" sz="1600" dirty="0" smtClean="0"/>
-              <a:t> </a:t>
-            </a:r>
-            <a:r>
-              <a:rPr lang="en-US" sz="1600" dirty="0" err="1" smtClean="0"/>
-              <a:t>otros</a:t>
-            </a:r>
-            <a:r>
-              <a:rPr lang="en-US" sz="1600" dirty="0" smtClean="0"/>
-              <a:t> </a:t>
-            </a:r>
-            <a:r>
-              <a:rPr lang="en-US" sz="1600" dirty="0" err="1" smtClean="0"/>
-              <a:t>puntos</a:t>
-            </a:r>
-            <a:r>
-              <a:rPr lang="en-US" sz="1600" dirty="0" smtClean="0"/>
-              <a:t> de control </a:t>
-            </a:r>
-            <a:r>
-              <a:rPr lang="en-US" sz="1600" dirty="0" err="1" smtClean="0"/>
-              <a:t>como</a:t>
-            </a:r>
-            <a:r>
-              <a:rPr lang="en-US" sz="1600" dirty="0" smtClean="0"/>
-              <a:t> le sea </a:t>
-            </a:r>
-            <a:r>
-              <a:rPr lang="en-US" sz="1600" dirty="0" err="1" smtClean="0"/>
-              <a:t>posible</a:t>
-            </a:r>
-            <a:r>
-              <a:rPr lang="en-US" sz="1600" dirty="0" smtClean="0"/>
-              <a:t> </a:t>
-            </a:r>
-            <a:r>
-              <a:rPr lang="en-US" sz="1600" dirty="0" err="1" smtClean="0"/>
-              <a:t>dentro</a:t>
-            </a:r>
-            <a:r>
-              <a:rPr lang="en-US" sz="1600" dirty="0" smtClean="0"/>
-              <a:t> de un </a:t>
-            </a:r>
-            <a:r>
-              <a:rPr lang="en-US" sz="1600" dirty="0" err="1" smtClean="0"/>
-              <a:t>tiempo</a:t>
-            </a:r>
-            <a:r>
-              <a:rPr lang="en-US" sz="1600" dirty="0" smtClean="0"/>
-              <a:t> </a:t>
-            </a:r>
-            <a:r>
-              <a:rPr lang="en-US" sz="1600" dirty="0" err="1" smtClean="0"/>
-              <a:t>limite</a:t>
-            </a:r>
-            <a:r>
-              <a:rPr lang="en-US" sz="1600" dirty="0" smtClean="0"/>
-              <a:t> </a:t>
-            </a:r>
-            <a:r>
-              <a:rPr lang="en-US" sz="1600" dirty="0" err="1" smtClean="0"/>
-              <a:t>preespecificado</a:t>
-            </a:r>
-            <a:r>
-              <a:rPr lang="en-US" sz="1600" dirty="0" smtClean="0"/>
-              <a:t>. </a:t>
-            </a:r>
-            <a:r>
-              <a:rPr lang="en-US" sz="1600" dirty="0" err="1" smtClean="0"/>
-              <a:t>Cada</a:t>
-            </a:r>
-            <a:r>
-              <a:rPr lang="en-US" sz="1600" dirty="0" smtClean="0"/>
-              <a:t> </a:t>
-            </a:r>
-            <a:r>
-              <a:rPr lang="en-US" sz="1600" dirty="0" err="1" smtClean="0"/>
-              <a:t>punto</a:t>
-            </a:r>
-            <a:r>
-              <a:rPr lang="en-US" sz="1600" dirty="0" smtClean="0"/>
-              <a:t> de control </a:t>
-            </a:r>
-            <a:r>
-              <a:rPr lang="en-US" sz="1600" dirty="0" err="1" smtClean="0"/>
-              <a:t>tiene</a:t>
-            </a:r>
-            <a:r>
-              <a:rPr lang="en-US" sz="1600" dirty="0" smtClean="0"/>
-              <a:t> un </a:t>
-            </a:r>
-            <a:r>
-              <a:rPr lang="en-US" sz="1600" dirty="0" err="1" smtClean="0"/>
-              <a:t>puntaje</a:t>
-            </a:r>
-            <a:r>
-              <a:rPr lang="en-US" sz="1600" dirty="0" smtClean="0"/>
-              <a:t>. El </a:t>
-            </a:r>
-            <a:r>
-              <a:rPr lang="en-US" sz="1600" dirty="0" err="1" smtClean="0"/>
-              <a:t>objetivo</a:t>
-            </a:r>
-            <a:r>
-              <a:rPr lang="en-US" sz="1600" dirty="0" smtClean="0"/>
-              <a:t> </a:t>
-            </a:r>
-            <a:r>
-              <a:rPr lang="en-US" sz="1600" dirty="0" err="1" smtClean="0"/>
-              <a:t>es</a:t>
-            </a:r>
-            <a:r>
-              <a:rPr lang="en-US" sz="1600" dirty="0" smtClean="0"/>
-              <a:t> </a:t>
-            </a:r>
-            <a:r>
-              <a:rPr lang="en-US" sz="1600" dirty="0" err="1" smtClean="0"/>
-              <a:t>maximizar</a:t>
-            </a:r>
-            <a:r>
-              <a:rPr lang="en-US" sz="1600" dirty="0" smtClean="0"/>
-              <a:t> el </a:t>
-            </a:r>
-            <a:r>
-              <a:rPr lang="en-US" sz="1600" dirty="0" err="1" smtClean="0"/>
-              <a:t>puntaje</a:t>
-            </a:r>
-            <a:r>
-              <a:rPr lang="en-US" sz="1600" dirty="0" smtClean="0"/>
-              <a:t> total.</a:t>
-            </a:r>
-          </a:p>
-          <a:p>
-            <a:pPr lvl="1"/>
-            <a:r>
-              <a:rPr lang="es-AR" sz="1600" dirty="0" smtClean="0"/>
-              <a:t>Este problema se conoce como </a:t>
-            </a:r>
-            <a:r>
-              <a:rPr lang="es-AR" sz="1600" dirty="0" err="1" smtClean="0"/>
-              <a:t>Orienteering</a:t>
-            </a:r>
-            <a:r>
-              <a:rPr lang="es-AR" sz="1600" dirty="0" smtClean="0"/>
-              <a:t> </a:t>
-            </a:r>
-            <a:r>
-              <a:rPr lang="es-AR" sz="1600" dirty="0" err="1" smtClean="0"/>
-              <a:t>Problem</a:t>
-            </a:r>
-            <a:r>
-              <a:rPr lang="es-AR" sz="1600" dirty="0" smtClean="0"/>
-              <a:t> (OP). El </a:t>
-            </a:r>
-            <a:r>
-              <a:rPr lang="es-AR" sz="1600" dirty="0"/>
-              <a:t>OP es NP-Completo como demostraron Golden, </a:t>
-            </a:r>
-            <a:r>
-              <a:rPr lang="es-AR" sz="1600" dirty="0" smtClean="0"/>
-              <a:t>Levy </a:t>
-            </a:r>
-            <a:r>
-              <a:rPr lang="es-AR" sz="1600" dirty="0"/>
-              <a:t>y </a:t>
-            </a:r>
-            <a:r>
-              <a:rPr lang="es-AR" sz="1600" dirty="0" err="1" smtClean="0"/>
-              <a:t>Vohra</a:t>
-            </a:r>
-            <a:r>
-              <a:rPr lang="es-AR" sz="1600" dirty="0" smtClean="0"/>
+              <a:rPr lang="en-US" sz="2000" dirty="0" smtClean="0"/>
+              <a:t> los </a:t>
+            </a:r>
+            <a:r>
+              <a:rPr lang="en-US" sz="2000" dirty="0" err="1" smtClean="0"/>
+              <a:t>mismos</a:t>
+            </a:r>
+            <a:r>
+              <a:rPr lang="en-US" sz="2000" dirty="0" smtClean="0"/>
+              <a:t> </a:t>
+            </a:r>
+            <a:r>
+              <a:rPr lang="en-US" sz="2000" dirty="0" err="1" smtClean="0"/>
+              <a:t>clientes</a:t>
+            </a:r>
+            <a:r>
+              <a:rPr lang="en-US" sz="2000" dirty="0" smtClean="0"/>
+              <a:t> </a:t>
+            </a:r>
+            <a:r>
+              <a:rPr lang="en-US" sz="2000" dirty="0" err="1" smtClean="0"/>
+              <a:t>ya</a:t>
+            </a:r>
+            <a:r>
+              <a:rPr lang="en-US" sz="2000" dirty="0" smtClean="0"/>
+              <a:t> </a:t>
+            </a:r>
+            <a:r>
+              <a:rPr lang="en-US" sz="2000" dirty="0" err="1" smtClean="0"/>
+              <a:t>que</a:t>
+            </a:r>
+            <a:r>
+              <a:rPr lang="en-US" sz="2000" dirty="0" smtClean="0"/>
+              <a:t> </a:t>
+            </a:r>
+            <a:r>
+              <a:rPr lang="en-US" sz="2000" dirty="0" err="1" smtClean="0"/>
+              <a:t>su</a:t>
+            </a:r>
+            <a:r>
+              <a:rPr lang="en-US" sz="2000" dirty="0" smtClean="0"/>
+              <a:t> </a:t>
+            </a:r>
+            <a:r>
+              <a:rPr lang="en-US" sz="2000" dirty="0" err="1" smtClean="0"/>
+              <a:t>beneficio</a:t>
+            </a:r>
+            <a:r>
+              <a:rPr lang="en-US" sz="2000" dirty="0" smtClean="0"/>
+              <a:t> solo </a:t>
+            </a:r>
+            <a:r>
+              <a:rPr lang="en-US" sz="2000" dirty="0" err="1" smtClean="0"/>
+              <a:t>puede</a:t>
+            </a:r>
+            <a:r>
+              <a:rPr lang="en-US" sz="2000" dirty="0" smtClean="0"/>
+              <a:t> </a:t>
+            </a:r>
+            <a:r>
+              <a:rPr lang="en-US" sz="2000" dirty="0" err="1" smtClean="0"/>
+              <a:t>ser</a:t>
+            </a:r>
+            <a:r>
+              <a:rPr lang="en-US" sz="2000" dirty="0" smtClean="0"/>
+              <a:t> </a:t>
+            </a:r>
+            <a:r>
+              <a:rPr lang="en-US" sz="2000" dirty="0" err="1" smtClean="0"/>
+              <a:t>recolectado</a:t>
+            </a:r>
+            <a:r>
+              <a:rPr lang="en-US" sz="2000" dirty="0" smtClean="0"/>
+              <a:t> </a:t>
+            </a:r>
+            <a:r>
+              <a:rPr lang="en-US" sz="2000" dirty="0" err="1" smtClean="0"/>
+              <a:t>una</a:t>
+            </a:r>
+            <a:r>
+              <a:rPr lang="en-US" sz="2000" dirty="0" smtClean="0"/>
+              <a:t> sola </a:t>
+            </a:r>
+            <a:r>
+              <a:rPr lang="en-US" sz="2000" dirty="0" err="1" smtClean="0"/>
+              <a:t>vez</a:t>
+            </a:r>
+            <a:r>
+              <a:rPr lang="en-US" sz="2000" dirty="0" smtClean="0"/>
               <a:t>.</a:t>
             </a:r>
-            <a:endParaRPr lang="en-US" sz="1600" dirty="0" smtClean="0"/>
-          </a:p>
-          <a:p>
-            <a:r>
-              <a:rPr lang="en-US" sz="2000" dirty="0" smtClean="0"/>
-              <a:t>Team Orienteering Problem (TOP)</a:t>
-            </a:r>
-          </a:p>
-          <a:p>
-            <a:pPr lvl="1"/>
-            <a:r>
-              <a:rPr lang="en-US" sz="1600" dirty="0" err="1" smtClean="0"/>
-              <a:t>Extiende</a:t>
-            </a:r>
-            <a:r>
-              <a:rPr lang="en-US" sz="1600" dirty="0" smtClean="0"/>
-              <a:t> a OP, </a:t>
-            </a:r>
-            <a:r>
-              <a:rPr lang="en-US" sz="1600" dirty="0" err="1" smtClean="0"/>
-              <a:t>como</a:t>
-            </a:r>
-            <a:r>
-              <a:rPr lang="en-US" sz="1600" dirty="0" smtClean="0"/>
-              <a:t> lo </a:t>
-            </a:r>
-            <a:r>
-              <a:rPr lang="en-US" sz="1600" dirty="0" err="1" smtClean="0"/>
-              <a:t>contiene</a:t>
-            </a:r>
-            <a:r>
-              <a:rPr lang="en-US" sz="1600" dirty="0" smtClean="0"/>
-              <a:t>, </a:t>
-            </a:r>
-            <a:r>
-              <a:rPr lang="en-US" sz="1600" dirty="0" err="1" smtClean="0"/>
-              <a:t>es</a:t>
-            </a:r>
-            <a:r>
-              <a:rPr lang="en-US" sz="1600" dirty="0" smtClean="0"/>
-              <a:t> al </a:t>
-            </a:r>
-            <a:r>
-              <a:rPr lang="en-US" sz="1600" dirty="0" err="1" smtClean="0"/>
-              <a:t>menos</a:t>
-            </a:r>
-            <a:r>
-              <a:rPr lang="en-US" sz="1600" dirty="0" smtClean="0"/>
-              <a:t> tan </a:t>
-            </a:r>
-            <a:r>
-              <a:rPr lang="en-US" sz="1600" dirty="0" err="1" smtClean="0"/>
-              <a:t>dificil</a:t>
-            </a:r>
-            <a:r>
-              <a:rPr lang="en-US" sz="1600" dirty="0" smtClean="0"/>
-              <a:t>. Hay multiples </a:t>
-            </a:r>
-            <a:r>
-              <a:rPr lang="en-US" sz="1600" dirty="0" err="1" smtClean="0"/>
-              <a:t>vehiculos</a:t>
-            </a:r>
-            <a:r>
-              <a:rPr lang="en-US" sz="1600" dirty="0" smtClean="0"/>
-              <a:t> y no </a:t>
-            </a:r>
-            <a:r>
-              <a:rPr lang="en-US" sz="1600" dirty="0" err="1" smtClean="0"/>
-              <a:t>deben</a:t>
-            </a:r>
-            <a:r>
-              <a:rPr lang="en-US" sz="1600" dirty="0" smtClean="0"/>
-              <a:t> </a:t>
-            </a:r>
-            <a:r>
-              <a:rPr lang="en-US" sz="1600" dirty="0" err="1" smtClean="0"/>
-              <a:t>visitar</a:t>
-            </a:r>
-            <a:r>
-              <a:rPr lang="en-US" sz="1600" dirty="0" smtClean="0"/>
-              <a:t> los </a:t>
-            </a:r>
-            <a:r>
-              <a:rPr lang="en-US" sz="1600" dirty="0" err="1" smtClean="0"/>
-              <a:t>mismos</a:t>
-            </a:r>
-            <a:r>
-              <a:rPr lang="en-US" sz="1600" dirty="0" smtClean="0"/>
-              <a:t> </a:t>
-            </a:r>
-            <a:r>
-              <a:rPr lang="en-US" sz="1600" dirty="0" err="1" smtClean="0"/>
-              <a:t>clientes</a:t>
-            </a:r>
-            <a:r>
-              <a:rPr lang="en-US" sz="1600" dirty="0" smtClean="0"/>
-              <a:t> </a:t>
-            </a:r>
-            <a:r>
-              <a:rPr lang="en-US" sz="1600" dirty="0" err="1" smtClean="0"/>
-              <a:t>ya</a:t>
-            </a:r>
-            <a:r>
-              <a:rPr lang="en-US" sz="1600" dirty="0" smtClean="0"/>
-              <a:t> </a:t>
-            </a:r>
-            <a:r>
-              <a:rPr lang="en-US" sz="1600" dirty="0" err="1" smtClean="0"/>
-              <a:t>que</a:t>
-            </a:r>
-            <a:r>
-              <a:rPr lang="en-US" sz="1600" dirty="0" smtClean="0"/>
-              <a:t> </a:t>
-            </a:r>
-            <a:r>
-              <a:rPr lang="en-US" sz="1600" dirty="0" err="1" smtClean="0"/>
-              <a:t>su</a:t>
-            </a:r>
-            <a:r>
-              <a:rPr lang="en-US" sz="1600" dirty="0" smtClean="0"/>
-              <a:t> </a:t>
-            </a:r>
-            <a:r>
-              <a:rPr lang="en-US" sz="1600" dirty="0" err="1" smtClean="0"/>
-              <a:t>beneficio</a:t>
-            </a:r>
-            <a:r>
-              <a:rPr lang="en-US" sz="1600" dirty="0" smtClean="0"/>
-              <a:t> solo </a:t>
-            </a:r>
-            <a:r>
-              <a:rPr lang="en-US" sz="1600" dirty="0" err="1" smtClean="0"/>
-              <a:t>puede</a:t>
-            </a:r>
-            <a:r>
-              <a:rPr lang="en-US" sz="1600" dirty="0" smtClean="0"/>
-              <a:t> </a:t>
-            </a:r>
-            <a:r>
-              <a:rPr lang="en-US" sz="1600" dirty="0" err="1" smtClean="0"/>
-              <a:t>ser</a:t>
-            </a:r>
-            <a:r>
-              <a:rPr lang="en-US" sz="1600" dirty="0" smtClean="0"/>
-              <a:t> </a:t>
-            </a:r>
-            <a:r>
-              <a:rPr lang="en-US" sz="1600" dirty="0" err="1" smtClean="0"/>
-              <a:t>recolectado</a:t>
-            </a:r>
-            <a:r>
-              <a:rPr lang="en-US" sz="1600" dirty="0" smtClean="0"/>
-              <a:t> </a:t>
-            </a:r>
-            <a:r>
-              <a:rPr lang="en-US" sz="1600" dirty="0" err="1" smtClean="0"/>
-              <a:t>una</a:t>
-            </a:r>
-            <a:r>
-              <a:rPr lang="en-US" sz="1600" dirty="0" smtClean="0"/>
-              <a:t> sola </a:t>
-            </a:r>
-            <a:r>
-              <a:rPr lang="en-US" sz="1600" dirty="0" err="1" smtClean="0"/>
-              <a:t>vez</a:t>
-            </a:r>
-            <a:r>
-              <a:rPr lang="en-US" sz="1600" dirty="0" smtClean="0"/>
-              <a:t>.</a:t>
-            </a:r>
-          </a:p>
-          <a:p>
-            <a:r>
-              <a:rPr lang="en-US" sz="2000" dirty="0" err="1" smtClean="0"/>
-              <a:t>Definición</a:t>
-            </a:r>
-            <a:r>
-              <a:rPr lang="en-US" sz="2000" dirty="0" smtClean="0"/>
-              <a:t> informal:</a:t>
-            </a:r>
-          </a:p>
-          <a:p>
-            <a:pPr lvl="1"/>
-            <a:r>
-              <a:rPr lang="en-US" sz="1600" dirty="0" err="1" smtClean="0"/>
-              <a:t>Existen</a:t>
-            </a:r>
-            <a:r>
-              <a:rPr lang="en-US" sz="1600" dirty="0" smtClean="0"/>
-              <a:t> N </a:t>
-            </a:r>
-            <a:r>
-              <a:rPr lang="en-US" sz="1600" dirty="0" err="1" smtClean="0"/>
-              <a:t>vehículos</a:t>
-            </a:r>
-            <a:endParaRPr lang="en-US" sz="1600" dirty="0" smtClean="0"/>
-          </a:p>
-          <a:p>
-            <a:pPr lvl="1"/>
-            <a:r>
-              <a:rPr lang="en-US" sz="1600" dirty="0" err="1" smtClean="0"/>
-              <a:t>Todos</a:t>
-            </a:r>
-            <a:r>
-              <a:rPr lang="en-US" sz="1600" dirty="0" smtClean="0"/>
-              <a:t> los </a:t>
-            </a:r>
-            <a:r>
-              <a:rPr lang="en-US" sz="1600" dirty="0" err="1" smtClean="0"/>
-              <a:t>vehículos</a:t>
-            </a:r>
-            <a:r>
-              <a:rPr lang="en-US" sz="1600" dirty="0" smtClean="0"/>
-              <a:t> </a:t>
-            </a:r>
-            <a:r>
-              <a:rPr lang="en-US" sz="1600" dirty="0" err="1" smtClean="0"/>
-              <a:t>salen</a:t>
-            </a:r>
-            <a:r>
-              <a:rPr lang="en-US" sz="1600" dirty="0" smtClean="0"/>
-              <a:t> de un </a:t>
-            </a:r>
-            <a:r>
-              <a:rPr lang="en-US" sz="1600" dirty="0" err="1" smtClean="0"/>
-              <a:t>punto</a:t>
-            </a:r>
-            <a:r>
-              <a:rPr lang="en-US" sz="1600" dirty="0" smtClean="0"/>
-              <a:t> de </a:t>
-            </a:r>
-            <a:r>
-              <a:rPr lang="en-US" sz="1600" dirty="0" err="1" smtClean="0"/>
-              <a:t>salida</a:t>
-            </a:r>
-            <a:r>
-              <a:rPr lang="en-US" sz="1600" dirty="0" smtClean="0"/>
-              <a:t> y </a:t>
-            </a:r>
-            <a:r>
-              <a:rPr lang="en-US" sz="1600" dirty="0" err="1" smtClean="0"/>
-              <a:t>deben</a:t>
-            </a:r>
-            <a:r>
-              <a:rPr lang="en-US" sz="1600" dirty="0" smtClean="0"/>
-              <a:t> </a:t>
-            </a:r>
-            <a:r>
-              <a:rPr lang="en-US" sz="1600" dirty="0" err="1" smtClean="0"/>
-              <a:t>llegar</a:t>
-            </a:r>
-            <a:r>
-              <a:rPr lang="en-US" sz="1600" dirty="0" smtClean="0"/>
-              <a:t> al </a:t>
-            </a:r>
-            <a:r>
-              <a:rPr lang="en-US" sz="1600" dirty="0" err="1" smtClean="0"/>
-              <a:t>punto</a:t>
-            </a:r>
-            <a:r>
-              <a:rPr lang="en-US" sz="1600" dirty="0" smtClean="0"/>
-              <a:t> de </a:t>
-            </a:r>
-            <a:r>
-              <a:rPr lang="en-US" sz="1600" dirty="0" err="1" smtClean="0"/>
-              <a:t>llegada</a:t>
-            </a:r>
-            <a:r>
-              <a:rPr lang="en-US" sz="1600" dirty="0" smtClean="0"/>
-              <a:t> </a:t>
-            </a:r>
-            <a:r>
-              <a:rPr lang="en-US" sz="1600" dirty="0" err="1" smtClean="0"/>
-              <a:t>habiendo</a:t>
-            </a:r>
-            <a:r>
-              <a:rPr lang="en-US" sz="1600" dirty="0" smtClean="0"/>
-              <a:t> </a:t>
-            </a:r>
-            <a:r>
-              <a:rPr lang="en-US" sz="1600" dirty="0" err="1" smtClean="0"/>
-              <a:t>recorrido</a:t>
-            </a:r>
-            <a:r>
-              <a:rPr lang="en-US" sz="1600" dirty="0" smtClean="0"/>
-              <a:t> </a:t>
-            </a:r>
-            <a:r>
-              <a:rPr lang="en-US" sz="1600" dirty="0" err="1" smtClean="0"/>
-              <a:t>una</a:t>
-            </a:r>
-            <a:r>
-              <a:rPr lang="en-US" sz="1600" dirty="0" smtClean="0"/>
-              <a:t> </a:t>
-            </a:r>
-            <a:r>
-              <a:rPr lang="en-US" sz="1600" dirty="0" err="1" smtClean="0"/>
-              <a:t>distancia</a:t>
-            </a:r>
-            <a:r>
-              <a:rPr lang="en-US" sz="1600" dirty="0" smtClean="0"/>
-              <a:t> </a:t>
-            </a:r>
-            <a:r>
-              <a:rPr lang="en-US" sz="1600" dirty="0" err="1" smtClean="0"/>
-              <a:t>menor</a:t>
-            </a:r>
-            <a:r>
-              <a:rPr lang="en-US" sz="1600" dirty="0" smtClean="0"/>
-              <a:t> a </a:t>
-            </a:r>
-            <a:r>
-              <a:rPr lang="en-US" sz="1600" dirty="0" err="1" smtClean="0"/>
-              <a:t>d</a:t>
-            </a:r>
-            <a:r>
-              <a:rPr lang="en-US" sz="1200" dirty="0" err="1" smtClean="0"/>
-              <a:t>max</a:t>
-            </a:r>
-            <a:endParaRPr lang="en-US" sz="1600" dirty="0" smtClean="0"/>
-          </a:p>
-          <a:p>
-            <a:pPr lvl="1"/>
-            <a:r>
-              <a:rPr lang="en-US" sz="1600" dirty="0" err="1" smtClean="0"/>
-              <a:t>Existen</a:t>
-            </a:r>
-            <a:r>
-              <a:rPr lang="en-US" sz="1600" dirty="0" smtClean="0"/>
-              <a:t> M </a:t>
-            </a:r>
-            <a:r>
-              <a:rPr lang="en-US" sz="1600" dirty="0" err="1" smtClean="0"/>
-              <a:t>clientes</a:t>
-            </a:r>
-            <a:r>
-              <a:rPr lang="en-US" sz="1600" dirty="0" smtClean="0"/>
-              <a:t>, </a:t>
-            </a:r>
-            <a:r>
-              <a:rPr lang="en-US" sz="1600" dirty="0" err="1" smtClean="0"/>
-              <a:t>cada</a:t>
-            </a:r>
-            <a:r>
-              <a:rPr lang="en-US" sz="1600" dirty="0" smtClean="0"/>
-              <a:t> </a:t>
-            </a:r>
-            <a:r>
-              <a:rPr lang="en-US" sz="1600" dirty="0" err="1" smtClean="0"/>
-              <a:t>uno</a:t>
-            </a:r>
-            <a:r>
-              <a:rPr lang="en-US" sz="1600" dirty="0" smtClean="0"/>
-              <a:t> </a:t>
-            </a:r>
-            <a:r>
-              <a:rPr lang="en-US" sz="1600" dirty="0" err="1" smtClean="0"/>
-              <a:t>tiene</a:t>
-            </a:r>
-            <a:r>
-              <a:rPr lang="en-US" sz="1600" dirty="0" smtClean="0"/>
-              <a:t> un </a:t>
-            </a:r>
-            <a:r>
-              <a:rPr lang="en-US" sz="1600" dirty="0" err="1" smtClean="0"/>
-              <a:t>beneficio</a:t>
-            </a:r>
-            <a:r>
-              <a:rPr lang="en-US" sz="1600" dirty="0" smtClean="0"/>
-              <a:t> b</a:t>
-            </a:r>
-            <a:r>
-              <a:rPr lang="en-US" sz="1200" dirty="0" smtClean="0"/>
-              <a:t>i</a:t>
-            </a:r>
-            <a:r>
-              <a:rPr lang="en-US" sz="1600" dirty="0" smtClean="0"/>
-              <a:t> y </a:t>
-            </a:r>
-            <a:r>
-              <a:rPr lang="en-US" sz="1600" dirty="0" err="1" smtClean="0"/>
-              <a:t>una</a:t>
-            </a:r>
-            <a:r>
-              <a:rPr lang="en-US" sz="1600" dirty="0" smtClean="0"/>
-              <a:t> </a:t>
-            </a:r>
-            <a:r>
-              <a:rPr lang="en-US" sz="1600" dirty="0" err="1" smtClean="0"/>
-              <a:t>coordena</a:t>
-            </a:r>
-            <a:r>
-              <a:rPr lang="en-US" sz="1600" dirty="0" smtClean="0"/>
-              <a:t> de dos </a:t>
-            </a:r>
-            <a:r>
-              <a:rPr lang="en-US" sz="1600" dirty="0" err="1" smtClean="0"/>
-              <a:t>dimenciones</a:t>
-            </a:r>
-            <a:endParaRPr lang="en-US" sz="1600" dirty="0" smtClean="0"/>
-          </a:p>
-          <a:p>
-            <a:pPr lvl="1"/>
-            <a:r>
-              <a:rPr lang="en-US" sz="1600" dirty="0" smtClean="0"/>
-              <a:t>Los </a:t>
-            </a:r>
-            <a:r>
-              <a:rPr lang="en-US" sz="1600" dirty="0" err="1" smtClean="0"/>
-              <a:t>puntos</a:t>
-            </a:r>
-            <a:r>
-              <a:rPr lang="en-US" sz="1600" dirty="0" smtClean="0"/>
-              <a:t> de </a:t>
-            </a:r>
-            <a:r>
-              <a:rPr lang="en-US" sz="1600" dirty="0" err="1" smtClean="0"/>
-              <a:t>salida</a:t>
-            </a:r>
-            <a:r>
-              <a:rPr lang="en-US" sz="1600" dirty="0" smtClean="0"/>
-              <a:t> y </a:t>
-            </a:r>
-            <a:r>
-              <a:rPr lang="en-US" sz="1600" dirty="0" err="1" smtClean="0"/>
-              <a:t>llegada</a:t>
-            </a:r>
-            <a:r>
-              <a:rPr lang="en-US" sz="1600" dirty="0" smtClean="0"/>
-              <a:t> </a:t>
-            </a:r>
-            <a:r>
-              <a:rPr lang="en-US" sz="1600" dirty="0" err="1" smtClean="0"/>
-              <a:t>tienen</a:t>
-            </a:r>
-            <a:r>
-              <a:rPr lang="en-US" sz="1600" dirty="0" smtClean="0"/>
-              <a:t> un </a:t>
-            </a:r>
-            <a:r>
-              <a:rPr lang="en-US" sz="1600" dirty="0" err="1" smtClean="0"/>
-              <a:t>beneficio</a:t>
-            </a:r>
-            <a:r>
-              <a:rPr lang="en-US" sz="1600" dirty="0" smtClean="0"/>
-              <a:t> de cero</a:t>
-            </a:r>
-          </a:p>
-          <a:p>
-            <a:pPr lvl="1"/>
-            <a:r>
-              <a:rPr lang="en-US" sz="1600" dirty="0" smtClean="0"/>
-              <a:t>El </a:t>
-            </a:r>
-            <a:r>
-              <a:rPr lang="en-US" sz="1600" dirty="0" err="1" smtClean="0"/>
-              <a:t>beneficio</a:t>
-            </a:r>
-            <a:r>
-              <a:rPr lang="en-US" sz="1600" dirty="0" smtClean="0"/>
-              <a:t> de los </a:t>
-            </a:r>
-            <a:r>
-              <a:rPr lang="en-US" sz="1600" dirty="0" err="1" smtClean="0"/>
-              <a:t>clientes</a:t>
-            </a:r>
-            <a:r>
-              <a:rPr lang="en-US" sz="1600" dirty="0" smtClean="0"/>
-              <a:t> solo </a:t>
-            </a:r>
-            <a:r>
-              <a:rPr lang="en-US" sz="1600" dirty="0" err="1" smtClean="0"/>
-              <a:t>puede</a:t>
-            </a:r>
-            <a:r>
-              <a:rPr lang="en-US" sz="1600" dirty="0" smtClean="0"/>
-              <a:t> </a:t>
-            </a:r>
-            <a:r>
-              <a:rPr lang="en-US" sz="1600" dirty="0" err="1" smtClean="0"/>
-              <a:t>ser</a:t>
-            </a:r>
-            <a:r>
-              <a:rPr lang="en-US" sz="1600" dirty="0" smtClean="0"/>
-              <a:t> </a:t>
-            </a:r>
-            <a:r>
-              <a:rPr lang="en-US" sz="1600" dirty="0" err="1" smtClean="0"/>
-              <a:t>recolectado</a:t>
-            </a:r>
-            <a:r>
-              <a:rPr lang="en-US" sz="1600" dirty="0" smtClean="0"/>
-              <a:t> </a:t>
-            </a:r>
-            <a:r>
-              <a:rPr lang="en-US" sz="1600" dirty="0" err="1" smtClean="0"/>
-              <a:t>una</a:t>
-            </a:r>
-            <a:r>
-              <a:rPr lang="en-US" sz="1600" dirty="0" smtClean="0"/>
-              <a:t> </a:t>
-            </a:r>
-            <a:r>
-              <a:rPr lang="en-US" sz="1600" dirty="0" err="1" smtClean="0"/>
-              <a:t>vez</a:t>
-            </a:r>
-            <a:endParaRPr lang="en-US" sz="1600" dirty="0" smtClean="0"/>
-          </a:p>
-          <a:p>
-            <a:pPr lvl="1"/>
-            <a:r>
-              <a:rPr lang="en-US" sz="1600" dirty="0" smtClean="0"/>
-              <a:t>Se </a:t>
-            </a:r>
-            <a:r>
-              <a:rPr lang="en-US" sz="1600" dirty="0" err="1" smtClean="0"/>
-              <a:t>utiliza</a:t>
-            </a:r>
-            <a:r>
-              <a:rPr lang="en-US" sz="1600" dirty="0" smtClean="0"/>
-              <a:t> la </a:t>
-            </a:r>
-            <a:r>
-              <a:rPr lang="en-US" sz="1600" dirty="0" err="1" smtClean="0"/>
-              <a:t>distancia</a:t>
-            </a:r>
-            <a:r>
-              <a:rPr lang="en-US" sz="1600" dirty="0" smtClean="0"/>
-              <a:t> </a:t>
-            </a:r>
-            <a:r>
-              <a:rPr lang="en-US" sz="1600" dirty="0" err="1" smtClean="0"/>
-              <a:t>euclidiana</a:t>
-            </a:r>
-            <a:endParaRPr lang="en-US" sz="1600" dirty="0"/>
-          </a:p>
-          <a:p>
-            <a:pPr lvl="1"/>
-            <a:endParaRPr lang="es-AR" sz="1600" dirty="0"/>
+            <a:endParaRPr lang="en-US" sz="2000" dirty="0" smtClean="0"/>
           </a:p>
         </p:txBody>
       </p:sp>
@@ -4555,111 +6445,442 @@
           <a:lstStyle/>
           <a:p>
             <a:r>
-              <a:rPr lang="en-US" sz="2000" dirty="0" err="1" smtClean="0"/>
+              <a:rPr lang="en-US" sz="2800" dirty="0" err="1"/>
+              <a:t>Definición</a:t>
+            </a:r>
+            <a:r>
+              <a:rPr lang="en-US" sz="2800" dirty="0"/>
+              <a:t> informal:</a:t>
+            </a:r>
+          </a:p>
+          <a:p>
+            <a:pPr lvl="1">
+              <a:buFont typeface="Wingdings" pitchFamily="2" charset="2"/>
+              <a:buChar char="§"/>
+            </a:pPr>
+            <a:r>
+              <a:rPr lang="en-US" sz="2000" dirty="0" err="1"/>
+              <a:t>Existen</a:t>
+            </a:r>
+            <a:r>
+              <a:rPr lang="en-US" sz="2000" dirty="0"/>
+              <a:t> N </a:t>
+            </a:r>
+            <a:r>
+              <a:rPr lang="en-US" sz="2000" dirty="0" err="1"/>
+              <a:t>vehículos</a:t>
+            </a:r>
+            <a:endParaRPr lang="en-US" sz="2000" dirty="0"/>
+          </a:p>
+          <a:p>
+            <a:pPr lvl="1">
+              <a:buFont typeface="Wingdings" pitchFamily="2" charset="2"/>
+              <a:buChar char="§"/>
+            </a:pPr>
+            <a:r>
+              <a:rPr lang="en-US" sz="2000" dirty="0" err="1"/>
+              <a:t>Todos</a:t>
+            </a:r>
+            <a:r>
+              <a:rPr lang="en-US" sz="2000" dirty="0"/>
+              <a:t> los </a:t>
+            </a:r>
+            <a:r>
+              <a:rPr lang="en-US" sz="2000" dirty="0" err="1"/>
+              <a:t>vehículos</a:t>
+            </a:r>
+            <a:r>
+              <a:rPr lang="en-US" sz="2000" dirty="0"/>
+              <a:t> </a:t>
+            </a:r>
+            <a:r>
+              <a:rPr lang="en-US" sz="2000" dirty="0" err="1"/>
+              <a:t>salen</a:t>
+            </a:r>
+            <a:r>
+              <a:rPr lang="en-US" sz="2000" dirty="0"/>
+              <a:t> de un </a:t>
+            </a:r>
+            <a:r>
+              <a:rPr lang="en-US" sz="2000" dirty="0" err="1"/>
+              <a:t>punto</a:t>
+            </a:r>
+            <a:r>
+              <a:rPr lang="en-US" sz="2000" dirty="0"/>
+              <a:t> de </a:t>
+            </a:r>
+            <a:r>
+              <a:rPr lang="en-US" sz="2000" dirty="0" err="1"/>
+              <a:t>salida</a:t>
+            </a:r>
+            <a:r>
+              <a:rPr lang="en-US" sz="2000" dirty="0"/>
+              <a:t> y </a:t>
+            </a:r>
+            <a:r>
+              <a:rPr lang="en-US" sz="2000" dirty="0" err="1"/>
+              <a:t>deben</a:t>
+            </a:r>
+            <a:r>
+              <a:rPr lang="en-US" sz="2000" dirty="0"/>
+              <a:t> </a:t>
+            </a:r>
+            <a:r>
+              <a:rPr lang="en-US" sz="2000" dirty="0" err="1"/>
+              <a:t>llegar</a:t>
+            </a:r>
+            <a:r>
+              <a:rPr lang="en-US" sz="2000" dirty="0"/>
+              <a:t> al </a:t>
+            </a:r>
+            <a:r>
+              <a:rPr lang="en-US" sz="2000" dirty="0" err="1"/>
+              <a:t>punto</a:t>
+            </a:r>
+            <a:r>
+              <a:rPr lang="en-US" sz="2000" dirty="0"/>
+              <a:t> de </a:t>
+            </a:r>
+            <a:r>
+              <a:rPr lang="en-US" sz="2000" dirty="0" err="1"/>
+              <a:t>llegada</a:t>
+            </a:r>
+            <a:r>
+              <a:rPr lang="en-US" sz="2000" dirty="0"/>
+              <a:t> </a:t>
+            </a:r>
+            <a:r>
+              <a:rPr lang="en-US" sz="2000" dirty="0" err="1"/>
+              <a:t>habiendo</a:t>
+            </a:r>
+            <a:r>
+              <a:rPr lang="en-US" sz="2000" dirty="0"/>
+              <a:t> </a:t>
+            </a:r>
+            <a:r>
+              <a:rPr lang="en-US" sz="2000" dirty="0" err="1"/>
+              <a:t>recorrido</a:t>
+            </a:r>
+            <a:r>
+              <a:rPr lang="en-US" sz="2000" dirty="0"/>
+              <a:t> </a:t>
+            </a:r>
+            <a:r>
+              <a:rPr lang="en-US" sz="2000" dirty="0" err="1"/>
+              <a:t>una</a:t>
+            </a:r>
+            <a:r>
+              <a:rPr lang="en-US" sz="2000" dirty="0"/>
+              <a:t> </a:t>
+            </a:r>
+            <a:r>
+              <a:rPr lang="en-US" sz="2000" dirty="0" err="1"/>
+              <a:t>distancia</a:t>
+            </a:r>
+            <a:r>
+              <a:rPr lang="en-US" sz="2000" dirty="0"/>
+              <a:t> </a:t>
+            </a:r>
+            <a:r>
+              <a:rPr lang="en-US" sz="2000" dirty="0" err="1"/>
+              <a:t>menor</a:t>
+            </a:r>
+            <a:r>
+              <a:rPr lang="en-US" sz="2000" dirty="0"/>
+              <a:t> a </a:t>
+            </a:r>
+            <a:r>
+              <a:rPr lang="en-US" sz="2000" dirty="0" err="1"/>
+              <a:t>dmax</a:t>
+            </a:r>
+            <a:endParaRPr lang="en-US" sz="2000" dirty="0"/>
+          </a:p>
+          <a:p>
+            <a:pPr lvl="1">
+              <a:buFont typeface="Wingdings" pitchFamily="2" charset="2"/>
+              <a:buChar char="§"/>
+            </a:pPr>
+            <a:r>
+              <a:rPr lang="en-US" sz="2000" dirty="0" err="1"/>
+              <a:t>Existen</a:t>
+            </a:r>
+            <a:r>
+              <a:rPr lang="en-US" sz="2000" dirty="0"/>
+              <a:t> M </a:t>
+            </a:r>
+            <a:r>
+              <a:rPr lang="en-US" sz="2000" dirty="0" err="1"/>
+              <a:t>clientes</a:t>
+            </a:r>
+            <a:r>
+              <a:rPr lang="en-US" sz="2000" dirty="0"/>
+              <a:t>, </a:t>
+            </a:r>
+            <a:r>
+              <a:rPr lang="en-US" sz="2000" dirty="0" err="1"/>
+              <a:t>cada</a:t>
+            </a:r>
+            <a:r>
+              <a:rPr lang="en-US" sz="2000" dirty="0"/>
+              <a:t> </a:t>
+            </a:r>
+            <a:r>
+              <a:rPr lang="en-US" sz="2000" dirty="0" err="1"/>
+              <a:t>uno</a:t>
+            </a:r>
+            <a:r>
+              <a:rPr lang="en-US" sz="2000" dirty="0"/>
+              <a:t> </a:t>
+            </a:r>
+            <a:r>
+              <a:rPr lang="en-US" sz="2000" dirty="0" err="1"/>
+              <a:t>tiene</a:t>
+            </a:r>
+            <a:r>
+              <a:rPr lang="en-US" sz="2000" dirty="0"/>
+              <a:t> un </a:t>
+            </a:r>
+            <a:r>
+              <a:rPr lang="en-US" sz="2000" dirty="0" err="1"/>
+              <a:t>beneficio</a:t>
+            </a:r>
+            <a:r>
+              <a:rPr lang="en-US" sz="2000" dirty="0"/>
+              <a:t> bi y </a:t>
+            </a:r>
+            <a:r>
+              <a:rPr lang="en-US" sz="2000" dirty="0" err="1"/>
+              <a:t>una</a:t>
+            </a:r>
+            <a:r>
+              <a:rPr lang="en-US" sz="2000" dirty="0"/>
+              <a:t> </a:t>
+            </a:r>
+            <a:r>
+              <a:rPr lang="en-US" sz="2000" dirty="0" err="1"/>
+              <a:t>coordena</a:t>
+            </a:r>
+            <a:r>
+              <a:rPr lang="en-US" sz="2000" dirty="0"/>
+              <a:t> en el </a:t>
+            </a:r>
+            <a:r>
+              <a:rPr lang="en-US" sz="2000" dirty="0" err="1"/>
+              <a:t>plano</a:t>
+            </a:r>
+            <a:endParaRPr lang="en-US" sz="2000" dirty="0"/>
+          </a:p>
+          <a:p>
+            <a:pPr lvl="1">
+              <a:buFont typeface="Wingdings" pitchFamily="2" charset="2"/>
+              <a:buChar char="§"/>
+            </a:pPr>
+            <a:r>
+              <a:rPr lang="en-US" sz="2000" dirty="0"/>
+              <a:t>Los </a:t>
+            </a:r>
+            <a:r>
+              <a:rPr lang="en-US" sz="2000" dirty="0" err="1"/>
+              <a:t>puntos</a:t>
+            </a:r>
+            <a:r>
+              <a:rPr lang="en-US" sz="2000" dirty="0"/>
+              <a:t> de </a:t>
+            </a:r>
+            <a:r>
+              <a:rPr lang="en-US" sz="2000" dirty="0" err="1"/>
+              <a:t>salida</a:t>
+            </a:r>
+            <a:r>
+              <a:rPr lang="en-US" sz="2000" dirty="0"/>
+              <a:t> y </a:t>
+            </a:r>
+            <a:r>
+              <a:rPr lang="en-US" sz="2000" dirty="0" err="1"/>
+              <a:t>llegada</a:t>
+            </a:r>
+            <a:r>
+              <a:rPr lang="en-US" sz="2000" dirty="0"/>
+              <a:t> </a:t>
+            </a:r>
+            <a:r>
+              <a:rPr lang="en-US" sz="2000" dirty="0" err="1"/>
+              <a:t>tienen</a:t>
+            </a:r>
+            <a:r>
+              <a:rPr lang="en-US" sz="2000" dirty="0"/>
+              <a:t> un </a:t>
+            </a:r>
+            <a:r>
+              <a:rPr lang="en-US" sz="2000" dirty="0" err="1"/>
+              <a:t>beneficio</a:t>
+            </a:r>
+            <a:r>
+              <a:rPr lang="en-US" sz="2000" dirty="0"/>
+              <a:t> de cero</a:t>
+            </a:r>
+          </a:p>
+          <a:p>
+            <a:pPr lvl="1">
+              <a:buFont typeface="Wingdings" pitchFamily="2" charset="2"/>
+              <a:buChar char="§"/>
+            </a:pPr>
+            <a:r>
+              <a:rPr lang="en-US" sz="2000" dirty="0"/>
+              <a:t>El </a:t>
+            </a:r>
+            <a:r>
+              <a:rPr lang="en-US" sz="2000" dirty="0" err="1"/>
+              <a:t>beneficio</a:t>
+            </a:r>
+            <a:r>
+              <a:rPr lang="en-US" sz="2000" dirty="0"/>
+              <a:t> de los </a:t>
+            </a:r>
+            <a:r>
+              <a:rPr lang="en-US" sz="2000" dirty="0" err="1"/>
+              <a:t>clientes</a:t>
+            </a:r>
+            <a:r>
+              <a:rPr lang="en-US" sz="2000" dirty="0"/>
+              <a:t> solo </a:t>
+            </a:r>
+            <a:r>
+              <a:rPr lang="en-US" sz="2000" dirty="0" err="1"/>
+              <a:t>puede</a:t>
+            </a:r>
+            <a:r>
+              <a:rPr lang="en-US" sz="2000" dirty="0"/>
+              <a:t> </a:t>
+            </a:r>
+            <a:r>
+              <a:rPr lang="en-US" sz="2000" dirty="0" err="1"/>
+              <a:t>ser</a:t>
+            </a:r>
+            <a:r>
+              <a:rPr lang="en-US" sz="2000" dirty="0"/>
+              <a:t> </a:t>
+            </a:r>
+            <a:r>
+              <a:rPr lang="en-US" sz="2000" dirty="0" err="1"/>
+              <a:t>recolectado</a:t>
+            </a:r>
+            <a:r>
+              <a:rPr lang="en-US" sz="2000" dirty="0"/>
+              <a:t> </a:t>
+            </a:r>
+            <a:r>
+              <a:rPr lang="en-US" sz="2000" dirty="0" err="1"/>
+              <a:t>una</a:t>
+            </a:r>
+            <a:r>
+              <a:rPr lang="en-US" sz="2000" dirty="0"/>
+              <a:t> </a:t>
+            </a:r>
+            <a:r>
+              <a:rPr lang="en-US" sz="2000" dirty="0" err="1"/>
+              <a:t>vez</a:t>
+            </a:r>
+            <a:endParaRPr lang="en-US" sz="2000" dirty="0"/>
+          </a:p>
+          <a:p>
+            <a:pPr lvl="1">
+              <a:buFont typeface="Wingdings" pitchFamily="2" charset="2"/>
+              <a:buChar char="§"/>
+            </a:pPr>
+            <a:r>
+              <a:rPr lang="en-US" sz="2000" dirty="0"/>
+              <a:t>Se </a:t>
+            </a:r>
+            <a:r>
+              <a:rPr lang="en-US" sz="2000" dirty="0" err="1"/>
+              <a:t>utiliza</a:t>
+            </a:r>
+            <a:r>
+              <a:rPr lang="en-US" sz="2000" dirty="0"/>
+              <a:t> la </a:t>
+            </a:r>
+            <a:r>
+              <a:rPr lang="en-US" sz="2000" dirty="0" err="1"/>
+              <a:t>distancia</a:t>
+            </a:r>
+            <a:r>
+              <a:rPr lang="en-US" sz="2000" dirty="0"/>
+              <a:t> </a:t>
+            </a:r>
+            <a:r>
+              <a:rPr lang="en-US" sz="2000" dirty="0" err="1" smtClean="0"/>
+              <a:t>euclidiana</a:t>
+            </a:r>
+            <a:endParaRPr lang="en-US" sz="2000" dirty="0" smtClean="0"/>
+          </a:p>
+          <a:p>
+            <a:r>
+              <a:rPr lang="en-US" sz="2800" dirty="0" err="1" smtClean="0"/>
               <a:t>Función</a:t>
             </a:r>
             <a:r>
-              <a:rPr lang="en-US" sz="2000" dirty="0" smtClean="0"/>
-              <a:t> </a:t>
-            </a:r>
-            <a:r>
-              <a:rPr lang="en-US" sz="2000" dirty="0" err="1" smtClean="0"/>
+              <a:rPr lang="en-US" sz="2800" dirty="0" smtClean="0"/>
+              <a:t> </a:t>
+            </a:r>
+            <a:r>
+              <a:rPr lang="en-US" sz="2800" dirty="0" err="1" smtClean="0"/>
               <a:t>Objetivo</a:t>
             </a:r>
-            <a:endParaRPr lang="en-US" sz="1600" dirty="0"/>
-          </a:p>
-          <a:p>
-            <a:pPr lvl="1"/>
-            <a:r>
-              <a:rPr lang="en-US" sz="1600" dirty="0" err="1" smtClean="0"/>
+            <a:endParaRPr lang="en-US" sz="2800" dirty="0"/>
+          </a:p>
+          <a:p>
+            <a:pPr lvl="1">
+              <a:buFont typeface="Wingdings" pitchFamily="2" charset="2"/>
+              <a:buChar char="§"/>
+            </a:pPr>
+            <a:r>
+              <a:rPr lang="en-US" sz="2000" dirty="0" err="1" smtClean="0"/>
               <a:t>Maximizar</a:t>
             </a:r>
             <a:r>
-              <a:rPr lang="en-US" sz="1600" dirty="0" smtClean="0"/>
+              <a:rPr lang="en-US" sz="2000" dirty="0" smtClean="0"/>
               <a:t> la </a:t>
             </a:r>
             <a:r>
-              <a:rPr lang="en-US" sz="1600" dirty="0" err="1" smtClean="0"/>
+              <a:rPr lang="en-US" sz="2000" dirty="0" err="1" smtClean="0"/>
               <a:t>sumatoria</a:t>
             </a:r>
             <a:r>
-              <a:rPr lang="en-US" sz="1600" dirty="0" smtClean="0"/>
+              <a:rPr lang="en-US" sz="2000" dirty="0" smtClean="0"/>
+              <a:t> </a:t>
+            </a:r>
+            <a:r>
+              <a:rPr lang="en-US" sz="2000" dirty="0" smtClean="0"/>
+              <a:t>de los </a:t>
+            </a:r>
+            <a:r>
+              <a:rPr lang="en-US" sz="2000" dirty="0" err="1" smtClean="0"/>
+              <a:t>beneficios</a:t>
+            </a:r>
+            <a:r>
+              <a:rPr lang="en-US" sz="2000" dirty="0" smtClean="0"/>
+              <a:t> </a:t>
+            </a:r>
+            <a:r>
+              <a:rPr lang="en-US" sz="2000" dirty="0" err="1" smtClean="0"/>
+              <a:t>recolectados</a:t>
+            </a:r>
+            <a:r>
+              <a:rPr lang="en-US" sz="2000" dirty="0" smtClean="0"/>
               <a:t> de </a:t>
             </a:r>
             <a:r>
-              <a:rPr lang="en-US" sz="1600" dirty="0" err="1" smtClean="0"/>
-              <a:t>beneficios</a:t>
-            </a:r>
-            <a:r>
-              <a:rPr lang="en-US" sz="1600" dirty="0" smtClean="0"/>
-              <a:t> </a:t>
-            </a:r>
-            <a:r>
-              <a:rPr lang="en-US" sz="1600" dirty="0" err="1" smtClean="0"/>
-              <a:t>recolectados</a:t>
-            </a:r>
-            <a:r>
-              <a:rPr lang="en-US" sz="1600" dirty="0" smtClean="0"/>
-              <a:t> de </a:t>
-            </a:r>
-            <a:r>
-              <a:rPr lang="en-US" sz="1600" dirty="0" err="1" smtClean="0"/>
+              <a:rPr lang="en-US" sz="2000" dirty="0" err="1" smtClean="0"/>
               <a:t>todos</a:t>
             </a:r>
             <a:r>
-              <a:rPr lang="en-US" sz="1600" dirty="0" smtClean="0"/>
+              <a:rPr lang="en-US" sz="2000" dirty="0" smtClean="0"/>
               <a:t> los </a:t>
             </a:r>
             <a:r>
-              <a:rPr lang="en-US" sz="1600" dirty="0" err="1" smtClean="0"/>
+              <a:rPr lang="en-US" sz="2000" dirty="0" err="1" smtClean="0"/>
               <a:t>vehículos</a:t>
-            </a:r>
-            <a:endParaRPr lang="en-US" sz="1600" dirty="0" smtClean="0"/>
-          </a:p>
-          <a:p>
-            <a:r>
-              <a:rPr lang="en-US" sz="2000" dirty="0" smtClean="0"/>
-              <a:t>TODO: </a:t>
-            </a:r>
-            <a:r>
-              <a:rPr lang="en-US" sz="2000" dirty="0" err="1" smtClean="0"/>
-              <a:t>Imagen</a:t>
-            </a:r>
-            <a:r>
-              <a:rPr lang="en-US" sz="2000" dirty="0" smtClean="0"/>
-              <a:t> de </a:t>
-            </a:r>
-            <a:r>
-              <a:rPr lang="en-US" sz="2000" dirty="0" err="1" smtClean="0"/>
-              <a:t>una</a:t>
-            </a:r>
-            <a:r>
-              <a:rPr lang="en-US" sz="2000" dirty="0" smtClean="0"/>
-              <a:t> </a:t>
-            </a:r>
-            <a:r>
-              <a:rPr lang="en-US" sz="2000" dirty="0" err="1" smtClean="0"/>
-              <a:t>solucion</a:t>
-            </a:r>
-            <a:r>
-              <a:rPr lang="en-US" sz="2000" dirty="0" smtClean="0"/>
-              <a:t> (</a:t>
-            </a:r>
-            <a:r>
-              <a:rPr lang="en-US" sz="2000" dirty="0" err="1" smtClean="0"/>
-              <a:t>mapita</a:t>
-            </a:r>
-            <a:r>
-              <a:rPr lang="en-US" sz="2000" dirty="0" smtClean="0"/>
-              <a:t> </a:t>
-            </a:r>
-            <a:r>
-              <a:rPr lang="en-US" sz="2000" dirty="0" err="1" smtClean="0"/>
-              <a:t>lindo</a:t>
-            </a:r>
-            <a:r>
-              <a:rPr lang="en-US" sz="2000" dirty="0" smtClean="0"/>
-              <a:t>)</a:t>
             </a:r>
             <a:endParaRPr lang="es-AR" sz="2000" dirty="0"/>
           </a:p>
@@ -4719,427 +6940,176 @@
           <a:p>
             <a:pPr algn="r"/>
             <a:r>
-              <a:rPr lang="en-US" sz="2400" dirty="0" smtClean="0"/>
-              <a:t>Biased Random Key Genetic Algorithm</a:t>
-            </a:r>
-            <a:endParaRPr lang="en-US" sz="2400" dirty="0" smtClean="0"/>
-          </a:p>
-        </p:txBody>
-      </p:sp>
-      <p:sp>
-        <p:nvSpPr>
-          <p:cNvPr id="3" name="Content Placeholder 2"/>
-          <p:cNvSpPr>
-            <a:spLocks noGrp="1"/>
-          </p:cNvSpPr>
+              <a:rPr lang="es-AR" sz="2400" dirty="0" err="1" smtClean="0"/>
+              <a:t>Team</a:t>
+            </a:r>
+            <a:r>
+              <a:rPr lang="es-AR" sz="2400" dirty="0" smtClean="0"/>
+              <a:t> </a:t>
+            </a:r>
+            <a:r>
+              <a:rPr lang="es-AR" sz="2400" dirty="0" err="1" smtClean="0"/>
+              <a:t>Orienteering</a:t>
+            </a:r>
+            <a:r>
+              <a:rPr lang="es-AR" sz="2400" dirty="0" smtClean="0"/>
+              <a:t> </a:t>
+            </a:r>
+            <a:r>
+              <a:rPr lang="es-AR" sz="2400" dirty="0" err="1" smtClean="0"/>
+              <a:t>Problem</a:t>
+            </a:r>
+            <a:endParaRPr lang="es-AR" sz="2400" dirty="0"/>
+          </a:p>
+        </p:txBody>
+      </p:sp>
+      <p:pic>
+        <p:nvPicPr>
+          <p:cNvPr id="4" name="Content Placeholder 3"/>
+          <p:cNvPicPr>
+            <a:picLocks noGrp="1" noChangeAspect="1"/>
+          </p:cNvPicPr>
           <p:nvPr>
             <p:ph idx="1"/>
           </p:nvPr>
-        </p:nvSpPr>
+        </p:nvPicPr>
+        <p:blipFill>
+          <a:blip r:embed="rId2">
+            <a:extLst>
+              <a:ext uri="{28A0092B-C50C-407E-A947-70E740481C1C}">
+                <a14:useLocalDpi xmlns:a14="http://schemas.microsoft.com/office/drawing/2010/main" val="0"/>
+              </a:ext>
+            </a:extLst>
+          </a:blip>
+          <a:stretch>
+            <a:fillRect/>
+          </a:stretch>
+        </p:blipFill>
         <p:spPr>
           <a:xfrm>
-            <a:off x="457200" y="908720"/>
-            <a:ext cx="8229600" cy="5217443"/>
+            <a:off x="2627784" y="1628800"/>
+            <a:ext cx="5472608" cy="4806174"/>
           </a:xfrm>
         </p:spPr>
-        <p:txBody>
-          <a:bodyPr>
-            <a:normAutofit lnSpcReduction="10000"/>
+      </p:pic>
+      <p:sp>
+        <p:nvSpPr>
+          <p:cNvPr id="5" name="TextBox 4"/>
+          <p:cNvSpPr txBox="1"/>
+          <p:nvPr/>
+        </p:nvSpPr>
+        <p:spPr>
+          <a:xfrm>
+            <a:off x="1115616" y="836712"/>
+            <a:ext cx="7128792" cy="1015663"/>
+          </a:xfrm>
+          <a:prstGeom prst="rect">
+            <a:avLst/>
+          </a:prstGeom>
+          <a:noFill/>
+        </p:spPr>
+        <p:txBody>
+          <a:bodyPr wrap="square" rtlCol="0">
+            <a:spAutoFit/>
           </a:bodyPr>
           <a:lstStyle/>
           <a:p>
             <a:r>
               <a:rPr lang="en-US" sz="2000" dirty="0" err="1" smtClean="0"/>
-              <a:t>Algoritmos</a:t>
-            </a:r>
-            <a:r>
-              <a:rPr lang="en-US" sz="2000" dirty="0" smtClean="0"/>
-              <a:t> </a:t>
-            </a:r>
-            <a:r>
-              <a:rPr lang="en-US" sz="2000" dirty="0" err="1" smtClean="0"/>
-              <a:t>Genéticos</a:t>
-            </a:r>
-            <a:r>
-              <a:rPr lang="en-US" sz="2000" dirty="0" smtClean="0"/>
-              <a:t> (GA)</a:t>
-            </a:r>
-          </a:p>
-          <a:p>
-            <a:pPr lvl="1"/>
-            <a:r>
-              <a:rPr lang="es-AR" sz="1600" dirty="0" smtClean="0"/>
-              <a:t>Motivados en el concepto de supervivencia del más apto</a:t>
-            </a:r>
-          </a:p>
-          <a:p>
-            <a:pPr lvl="1"/>
-            <a:r>
-              <a:rPr lang="es-AR" sz="1600" dirty="0" smtClean="0"/>
-              <a:t>Los algoritmos genéticos manejan un conjunto de individuos</a:t>
-            </a:r>
-          </a:p>
-          <a:p>
-            <a:pPr lvl="1"/>
-            <a:r>
-              <a:rPr lang="es-AR" sz="1600" dirty="0" smtClean="0"/>
-              <a:t>Cada individuo es un cromosoma que codifica una solución</a:t>
-            </a:r>
-          </a:p>
-          <a:p>
-            <a:pPr lvl="1"/>
-            <a:r>
-              <a:rPr lang="es-AR" sz="1600" dirty="0" smtClean="0"/>
-              <a:t>Cada cromosoma tienen asociado un nivel de condición física que está correlacionado con el correspondiente valor de la función objetivo de la solución que codifica</a:t>
-            </a:r>
-          </a:p>
-          <a:p>
-            <a:pPr lvl="1"/>
-            <a:r>
-              <a:rPr lang="es-AR" sz="1600" dirty="0" smtClean="0"/>
-              <a:t>En cada generación se crea una nueva población con individuos provenientes de tres fuentes distintas: crossover, elites y mutantes.</a:t>
-            </a:r>
-          </a:p>
-          <a:p>
-            <a:r>
-              <a:rPr lang="es-AR" sz="2000" dirty="0" err="1" smtClean="0"/>
-              <a:t>Random</a:t>
-            </a:r>
-            <a:r>
-              <a:rPr lang="es-AR" sz="2000" dirty="0" smtClean="0"/>
-              <a:t> Key </a:t>
-            </a:r>
-            <a:r>
-              <a:rPr lang="es-AR" sz="2000" dirty="0" err="1" smtClean="0"/>
-              <a:t>Genetic</a:t>
-            </a:r>
-            <a:r>
-              <a:rPr lang="es-AR" sz="2000" dirty="0" smtClean="0"/>
-              <a:t> </a:t>
-            </a:r>
-            <a:r>
-              <a:rPr lang="es-AR" sz="2000" dirty="0" err="1" smtClean="0"/>
-              <a:t>Algorithm</a:t>
-            </a:r>
-            <a:r>
-              <a:rPr lang="es-AR" sz="2000" dirty="0" smtClean="0"/>
-              <a:t> (RKGA)</a:t>
-            </a:r>
-          </a:p>
-          <a:p>
-            <a:pPr lvl="1"/>
-            <a:r>
-              <a:rPr lang="es-AR" sz="1600" dirty="0" smtClean="0"/>
-              <a:t>Los individuos son representados por un vector de números reales en el intervalo [0, 1]</a:t>
-            </a:r>
-          </a:p>
-          <a:p>
-            <a:pPr lvl="1"/>
-            <a:r>
-              <a:rPr lang="en-US" sz="1600" dirty="0" smtClean="0"/>
-              <a:t>La </a:t>
-            </a:r>
-            <a:r>
-              <a:rPr lang="en-US" sz="1600" dirty="0" err="1" smtClean="0"/>
-              <a:t>poblacion</a:t>
-            </a:r>
-            <a:r>
-              <a:rPr lang="en-US" sz="1600" dirty="0" smtClean="0"/>
-              <a:t> </a:t>
-            </a:r>
-            <a:r>
-              <a:rPr lang="en-US" sz="1600" dirty="0" err="1" smtClean="0"/>
-              <a:t>inicial</a:t>
-            </a:r>
-            <a:r>
-              <a:rPr lang="en-US" sz="1600" dirty="0" smtClean="0"/>
-              <a:t> </a:t>
-            </a:r>
-            <a:r>
-              <a:rPr lang="en-US" sz="1600" dirty="0" err="1" smtClean="0"/>
-              <a:t>es</a:t>
-            </a:r>
-            <a:r>
-              <a:rPr lang="en-US" sz="1600" dirty="0" smtClean="0"/>
-              <a:t> </a:t>
-            </a:r>
-            <a:r>
-              <a:rPr lang="en-US" sz="1600" dirty="0" err="1" smtClean="0"/>
-              <a:t>generada</a:t>
-            </a:r>
-            <a:r>
-              <a:rPr lang="en-US" sz="1600" dirty="0" smtClean="0"/>
-              <a:t> al </a:t>
-            </a:r>
-            <a:r>
-              <a:rPr lang="en-US" sz="1600" dirty="0" err="1" smtClean="0"/>
-              <a:t>azar</a:t>
-            </a:r>
-            <a:endParaRPr lang="es-AR" sz="1600" dirty="0" smtClean="0"/>
-          </a:p>
-          <a:p>
-            <a:pPr lvl="1"/>
-            <a:r>
-              <a:rPr lang="es-AR" sz="1600" dirty="0" smtClean="0"/>
-              <a:t>El decodificador es el responsable de convertir un cromosoma en una solución válida del problema</a:t>
-            </a:r>
-          </a:p>
-          <a:p>
-            <a:pPr lvl="1"/>
-            <a:r>
-              <a:rPr lang="en-US" sz="1600" dirty="0" smtClean="0"/>
-              <a:t>En </a:t>
-            </a:r>
-            <a:r>
-              <a:rPr lang="en-US" sz="1600" dirty="0" err="1" smtClean="0"/>
-              <a:t>cada</a:t>
-            </a:r>
-            <a:r>
-              <a:rPr lang="en-US" sz="1600" dirty="0" smtClean="0"/>
-              <a:t> </a:t>
-            </a:r>
-            <a:r>
-              <a:rPr lang="en-US" sz="1600" dirty="0" err="1" smtClean="0"/>
-              <a:t>iteración</a:t>
-            </a:r>
-            <a:r>
-              <a:rPr lang="en-US" sz="1600" dirty="0" smtClean="0"/>
-              <a:t> se </a:t>
-            </a:r>
-            <a:r>
-              <a:rPr lang="en-US" sz="1600" dirty="0" err="1" smtClean="0"/>
-              <a:t>toman</a:t>
-            </a:r>
-            <a:r>
-              <a:rPr lang="en-US" sz="1600" dirty="0" smtClean="0"/>
-              <a:t> los </a:t>
-            </a:r>
-            <a:r>
-              <a:rPr lang="en-US" sz="1600" dirty="0" err="1" smtClean="0"/>
-              <a:t>mejores</a:t>
-            </a:r>
-            <a:r>
-              <a:rPr lang="en-US" sz="1600" dirty="0" smtClean="0"/>
-              <a:t> </a:t>
-            </a:r>
-            <a:r>
-              <a:rPr lang="en-US" sz="1600" dirty="0" err="1" smtClean="0"/>
-              <a:t>individuos</a:t>
-            </a:r>
-            <a:r>
-              <a:rPr lang="en-US" sz="1600" dirty="0" smtClean="0"/>
-              <a:t> y </a:t>
-            </a:r>
-            <a:r>
-              <a:rPr lang="en-US" sz="1600" dirty="0" err="1" smtClean="0"/>
-              <a:t>pasan</a:t>
-            </a:r>
-            <a:r>
-              <a:rPr lang="en-US" sz="1600" dirty="0" smtClean="0"/>
-              <a:t> </a:t>
-            </a:r>
-            <a:r>
-              <a:rPr lang="en-US" sz="1600" dirty="0" err="1" smtClean="0"/>
-              <a:t>directamente</a:t>
-            </a:r>
-            <a:r>
-              <a:rPr lang="en-US" sz="1600" dirty="0" smtClean="0"/>
-              <a:t> a la </a:t>
-            </a:r>
-            <a:r>
-              <a:rPr lang="en-US" sz="1600" dirty="0" err="1" smtClean="0"/>
-              <a:t>siguiente</a:t>
-            </a:r>
-            <a:r>
-              <a:rPr lang="en-US" sz="1600" dirty="0" smtClean="0"/>
-              <a:t> </a:t>
-            </a:r>
-            <a:r>
-              <a:rPr lang="en-US" sz="1600" dirty="0" err="1" smtClean="0"/>
-              <a:t>generación</a:t>
-            </a:r>
-            <a:r>
-              <a:rPr lang="en-US" sz="1600" dirty="0"/>
-              <a:t> </a:t>
-            </a:r>
-            <a:r>
-              <a:rPr lang="en-US" sz="1600" dirty="0" smtClean="0"/>
-              <a:t>(elites)</a:t>
-            </a:r>
-          </a:p>
-          <a:p>
-            <a:pPr lvl="1"/>
-            <a:r>
-              <a:rPr lang="en-US" sz="1600" dirty="0" smtClean="0"/>
-              <a:t>La </a:t>
-            </a:r>
-            <a:r>
-              <a:rPr lang="en-US" sz="1600" dirty="0" err="1" smtClean="0"/>
-              <a:t>mayoria</a:t>
-            </a:r>
-            <a:r>
-              <a:rPr lang="en-US" sz="1600" dirty="0" smtClean="0"/>
-              <a:t> de los </a:t>
-            </a:r>
-            <a:r>
-              <a:rPr lang="en-US" sz="1600" dirty="0" err="1" smtClean="0"/>
-              <a:t>individuos</a:t>
-            </a:r>
-            <a:r>
-              <a:rPr lang="en-US" sz="1600" dirty="0" smtClean="0"/>
-              <a:t> de la </a:t>
-            </a:r>
-            <a:r>
-              <a:rPr lang="en-US" sz="1600" dirty="0" err="1" smtClean="0"/>
-              <a:t>nueva</a:t>
-            </a:r>
-            <a:r>
-              <a:rPr lang="en-US" sz="1600" dirty="0" smtClean="0"/>
-              <a:t> </a:t>
-            </a:r>
-            <a:r>
-              <a:rPr lang="en-US" sz="1600" dirty="0" err="1" smtClean="0"/>
-              <a:t>generacion</a:t>
-            </a:r>
-            <a:r>
-              <a:rPr lang="en-US" sz="1600" dirty="0" smtClean="0"/>
-              <a:t> se </a:t>
-            </a:r>
-            <a:r>
-              <a:rPr lang="en-US" sz="1600" dirty="0" err="1" smtClean="0"/>
-              <a:t>generan</a:t>
-            </a:r>
-            <a:r>
-              <a:rPr lang="en-US" sz="1600" dirty="0" smtClean="0"/>
-              <a:t> </a:t>
-            </a:r>
-            <a:r>
-              <a:rPr lang="en-US" sz="1600" dirty="0" err="1" smtClean="0"/>
-              <a:t>crusando</a:t>
-            </a:r>
-            <a:r>
-              <a:rPr lang="en-US" sz="1600" dirty="0" smtClean="0"/>
+              <a:t>Instancia</a:t>
+            </a:r>
+            <a:r>
+              <a:rPr lang="en-US" sz="2000" dirty="0"/>
+              <a:t> </a:t>
+            </a:r>
+            <a:r>
+              <a:rPr lang="en-US" sz="2000" dirty="0" smtClean="0"/>
+              <a:t>p2.2.k del benchmark, author </a:t>
+            </a:r>
+            <a:r>
+              <a:rPr lang="en-US" sz="2000" dirty="0" err="1" smtClean="0"/>
+              <a:t>Tsiligirides</a:t>
+            </a:r>
+            <a:r>
+              <a:rPr lang="en-US" sz="2000" dirty="0" smtClean="0"/>
+              <a:t>. </a:t>
+            </a:r>
+            <a:r>
+              <a:rPr lang="en-US" sz="2000" dirty="0" err="1" smtClean="0"/>
+              <a:t>Tiene</a:t>
+            </a:r>
+            <a:r>
+              <a:rPr lang="en-US" sz="2000" dirty="0" smtClean="0"/>
               <a:t> dos </a:t>
             </a:r>
             <a:r>
-              <a:rPr lang="en-US" sz="1600" dirty="0" err="1" smtClean="0"/>
-              <a:t>individuos</a:t>
-            </a:r>
-            <a:r>
-              <a:rPr lang="en-US" sz="1600" dirty="0" smtClean="0"/>
-              <a:t> de la </a:t>
-            </a:r>
-            <a:r>
-              <a:rPr lang="en-US" sz="1600" dirty="0" err="1" smtClean="0"/>
-              <a:t>generacion</a:t>
-            </a:r>
-            <a:r>
-              <a:rPr lang="en-US" sz="1600" dirty="0" smtClean="0"/>
-              <a:t> actual (crossover)</a:t>
-            </a:r>
-          </a:p>
-          <a:p>
-            <a:pPr lvl="1"/>
-            <a:r>
-              <a:rPr lang="en-US" sz="1600" dirty="0" err="1" smtClean="0"/>
-              <a:t>Por</a:t>
-            </a:r>
-            <a:r>
-              <a:rPr lang="en-US" sz="1600" dirty="0" smtClean="0"/>
-              <a:t> </a:t>
-            </a:r>
-            <a:r>
-              <a:rPr lang="en-US" sz="1600" dirty="0" err="1" smtClean="0"/>
-              <a:t>último</a:t>
-            </a:r>
-            <a:r>
-              <a:rPr lang="en-US" sz="1600" dirty="0" smtClean="0"/>
-              <a:t> un </a:t>
-            </a:r>
-            <a:r>
-              <a:rPr lang="en-US" sz="1600" dirty="0" err="1" smtClean="0"/>
-              <a:t>porcentaje</a:t>
-            </a:r>
-            <a:r>
-              <a:rPr lang="en-US" sz="1600" dirty="0" smtClean="0"/>
-              <a:t> </a:t>
-            </a:r>
-            <a:r>
-              <a:rPr lang="en-US" sz="1600" dirty="0" err="1" smtClean="0"/>
-              <a:t>muy</a:t>
-            </a:r>
-            <a:r>
-              <a:rPr lang="en-US" sz="1600" dirty="0" smtClean="0"/>
-              <a:t> </a:t>
-            </a:r>
-            <a:r>
-              <a:rPr lang="en-US" sz="1600" dirty="0" err="1" smtClean="0"/>
-              <a:t>bajo</a:t>
-            </a:r>
-            <a:r>
-              <a:rPr lang="en-US" sz="1600" dirty="0" smtClean="0"/>
-              <a:t> son </a:t>
-            </a:r>
-            <a:r>
-              <a:rPr lang="en-US" sz="1600" dirty="0" err="1" smtClean="0"/>
-              <a:t>generados</a:t>
-            </a:r>
-            <a:r>
-              <a:rPr lang="en-US" sz="1600" dirty="0" smtClean="0"/>
-              <a:t> al </a:t>
-            </a:r>
-            <a:r>
-              <a:rPr lang="en-US" sz="1600" dirty="0" err="1" smtClean="0"/>
-              <a:t>azar</a:t>
-            </a:r>
-            <a:r>
-              <a:rPr lang="en-US" sz="1600" dirty="0" smtClean="0"/>
-              <a:t>, </a:t>
-            </a:r>
-            <a:r>
-              <a:rPr lang="en-US" sz="1600" dirty="0" err="1" smtClean="0"/>
+              <a:rPr lang="en-US" sz="2000" dirty="0" err="1" smtClean="0"/>
+              <a:t>vehículos</a:t>
+            </a:r>
+            <a:r>
+              <a:rPr lang="en-US" sz="2000" dirty="0" smtClean="0"/>
+              <a:t> con un </a:t>
+            </a:r>
+            <a:r>
+              <a:rPr lang="en-US" sz="2000" dirty="0" err="1" smtClean="0"/>
+              <a:t>dmax</a:t>
+            </a:r>
+            <a:r>
+              <a:rPr lang="en-US" sz="2000" dirty="0"/>
+              <a:t> = </a:t>
+            </a:r>
+            <a:r>
+              <a:rPr lang="en-US" sz="2000" dirty="0" smtClean="0"/>
+              <a:t>22,50. </a:t>
+            </a:r>
+            <a:r>
+              <a:rPr lang="en-US" sz="2000" dirty="0" err="1" smtClean="0"/>
+              <a:t>Una</a:t>
+            </a:r>
+            <a:r>
+              <a:rPr lang="en-US" sz="2000" dirty="0" smtClean="0"/>
+              <a:t> </a:t>
+            </a:r>
+            <a:r>
+              <a:rPr lang="en-US" sz="2000" dirty="0" err="1" smtClean="0"/>
+              <a:t>posible</a:t>
+            </a:r>
+            <a:r>
+              <a:rPr lang="en-US" sz="2000" dirty="0" smtClean="0"/>
+              <a:t> </a:t>
+            </a:r>
+            <a:r>
+              <a:rPr lang="en-US" sz="2000" dirty="0" err="1" smtClean="0"/>
+              <a:t>solución</a:t>
+            </a:r>
+            <a:r>
+              <a:rPr lang="en-US" sz="2000" dirty="0" smtClean="0"/>
+              <a:t> optima </a:t>
+            </a:r>
+            <a:r>
+              <a:rPr lang="en-US" sz="2000" dirty="0" err="1" smtClean="0"/>
               <a:t>para</a:t>
             </a:r>
             <a:r>
-              <a:rPr lang="en-US" sz="1600" dirty="0" smtClean="0"/>
-              <a:t> </a:t>
-            </a:r>
-            <a:r>
-              <a:rPr lang="en-US" sz="1600" dirty="0" err="1" smtClean="0"/>
-              <a:t>escapar</a:t>
-            </a:r>
-            <a:r>
-              <a:rPr lang="en-US" sz="1600" dirty="0" smtClean="0"/>
-              <a:t> de </a:t>
-            </a:r>
-            <a:r>
-              <a:rPr lang="en-US" sz="1600" dirty="0" err="1" smtClean="0"/>
-              <a:t>mínimos</a:t>
-            </a:r>
-            <a:r>
-              <a:rPr lang="en-US" sz="1600" dirty="0" smtClean="0"/>
-              <a:t> locales (</a:t>
-            </a:r>
-            <a:r>
-              <a:rPr lang="en-US" sz="1600" dirty="0" err="1" smtClean="0"/>
-              <a:t>mutantes</a:t>
-            </a:r>
-            <a:r>
-              <a:rPr lang="en-US" sz="1600" dirty="0" smtClean="0"/>
-              <a:t>)</a:t>
-            </a:r>
-            <a:endParaRPr lang="es-AR" sz="1600" dirty="0" smtClean="0"/>
-          </a:p>
-          <a:p>
-            <a:pPr lvl="1"/>
-            <a:endParaRPr lang="es-AR" sz="1600" dirty="0"/>
+              <a:rPr lang="en-US" sz="2000" dirty="0" smtClean="0"/>
+              <a:t> el </a:t>
+            </a:r>
+            <a:r>
+              <a:rPr lang="en-US" sz="2000" dirty="0" err="1" smtClean="0"/>
+              <a:t>problema</a:t>
+            </a:r>
+            <a:r>
+              <a:rPr lang="en-US" sz="2000" dirty="0" smtClean="0"/>
+              <a:t>:</a:t>
+            </a:r>
+            <a:endParaRPr lang="es-AR" sz="2000" dirty="0"/>
           </a:p>
         </p:txBody>
       </p:sp>
     </p:spTree>
     <p:extLst>
       <p:ext uri="{BB962C8B-B14F-4D97-AF65-F5344CB8AC3E}">
-        <p14:creationId xmlns:p14="http://schemas.microsoft.com/office/powerpoint/2010/main" val="4175451358"/>
+        <p14:creationId xmlns:p14="http://schemas.microsoft.com/office/powerpoint/2010/main" val="286827332"/>
       </p:ext>
     </p:extLst>
   </p:cSld>
@@ -5193,7 +7163,6 @@
               <a:rPr lang="en-US" sz="2400" dirty="0" smtClean="0"/>
               <a:t>Biased Random Key Genetic Algorithm</a:t>
             </a:r>
-            <a:endParaRPr lang="en-US" sz="2400" dirty="0" smtClean="0"/>
           </a:p>
         </p:txBody>
       </p:sp>
@@ -5220,119 +7189,71 @@
           <a:lstStyle/>
           <a:p>
             <a:r>
-              <a:rPr lang="es-AR" sz="2000" dirty="0" err="1" smtClean="0"/>
-              <a:t>Biased</a:t>
-            </a:r>
+              <a:rPr lang="en-US" sz="2800" dirty="0" err="1" smtClean="0"/>
+              <a:t>Algoritmos</a:t>
+            </a:r>
+            <a:r>
+              <a:rPr lang="en-US" sz="2800" dirty="0" smtClean="0"/>
+              <a:t> </a:t>
+            </a:r>
+            <a:r>
+              <a:rPr lang="en-US" sz="2800" dirty="0" err="1" smtClean="0"/>
+              <a:t>Genéticos</a:t>
+            </a:r>
+            <a:r>
+              <a:rPr lang="en-US" sz="2800" dirty="0" smtClean="0"/>
+              <a:t> (GA)</a:t>
+            </a:r>
+          </a:p>
+          <a:p>
+            <a:pPr lvl="1">
+              <a:buFont typeface="Wingdings" pitchFamily="2" charset="2"/>
+              <a:buChar char="§"/>
+            </a:pPr>
             <a:r>
               <a:rPr lang="es-AR" sz="2000" dirty="0" smtClean="0"/>
-              <a:t> </a:t>
-            </a:r>
-            <a:r>
-              <a:rPr lang="es-AR" sz="2000" dirty="0" err="1" smtClean="0"/>
-              <a:t>Random</a:t>
-            </a:r>
+              <a:t>Motivados en el concepto de supervivencia del más apto</a:t>
+            </a:r>
+          </a:p>
+          <a:p>
+            <a:pPr lvl="1">
+              <a:buFont typeface="Wingdings" pitchFamily="2" charset="2"/>
+              <a:buChar char="§"/>
+            </a:pPr>
             <a:r>
               <a:rPr lang="es-AR" sz="2000" dirty="0" smtClean="0"/>
-              <a:t> Key </a:t>
-            </a:r>
-            <a:r>
-              <a:rPr lang="es-AR" sz="2000" dirty="0" err="1" smtClean="0"/>
-              <a:t>Genetic</a:t>
-            </a:r>
+              <a:t>Los algoritmos genéticos manejan un conjunto de individuos</a:t>
+            </a:r>
+          </a:p>
+          <a:p>
+            <a:pPr lvl="1">
+              <a:buFont typeface="Wingdings" pitchFamily="2" charset="2"/>
+              <a:buChar char="§"/>
+            </a:pPr>
             <a:r>
               <a:rPr lang="es-AR" sz="2000" dirty="0" smtClean="0"/>
-              <a:t> </a:t>
-            </a:r>
-            <a:r>
-              <a:rPr lang="es-AR" sz="2000" dirty="0" err="1" smtClean="0"/>
-              <a:t>Algorithm</a:t>
-            </a:r>
+              <a:t>Cada individuo es un cromosoma que codifica una solución</a:t>
+            </a:r>
+          </a:p>
+          <a:p>
+            <a:pPr lvl="1">
+              <a:buFont typeface="Wingdings" pitchFamily="2" charset="2"/>
+              <a:buChar char="§"/>
+            </a:pPr>
             <a:r>
               <a:rPr lang="es-AR" sz="2000" dirty="0" smtClean="0"/>
-              <a:t> (BRKGA)</a:t>
-            </a:r>
-          </a:p>
-          <a:p>
-            <a:pPr lvl="1"/>
-            <a:r>
-              <a:rPr lang="en-US" sz="1600" dirty="0" err="1" smtClean="0"/>
-              <a:t>Cada</a:t>
-            </a:r>
-            <a:r>
-              <a:rPr lang="en-US" sz="1600" dirty="0" smtClean="0"/>
-              <a:t> </a:t>
-            </a:r>
-            <a:r>
-              <a:rPr lang="en-US" sz="1600" dirty="0" err="1" smtClean="0"/>
-              <a:t>individuo</a:t>
-            </a:r>
-            <a:r>
-              <a:rPr lang="en-US" sz="1600" dirty="0"/>
-              <a:t> </a:t>
-            </a:r>
-            <a:r>
-              <a:rPr lang="es-AR" sz="1600" dirty="0" smtClean="0"/>
-              <a:t>se genera combinando un elemento seleccionado al azar del conjunto de elite y el otro de la </a:t>
-            </a:r>
-            <a:r>
-              <a:rPr lang="es-AR" sz="1600" dirty="0" smtClean="0"/>
-              <a:t>conjunto </a:t>
-            </a:r>
-            <a:r>
-              <a:rPr lang="es-AR" sz="1600" dirty="0" smtClean="0"/>
-              <a:t>no-elite.</a:t>
-            </a:r>
-          </a:p>
-          <a:p>
-            <a:pPr lvl="1"/>
-            <a:r>
-              <a:rPr lang="es-AR" sz="1600" dirty="0" err="1"/>
-              <a:t>P</a:t>
-            </a:r>
-            <a:r>
-              <a:rPr lang="es-AR" sz="1600" dirty="0" err="1" smtClean="0"/>
-              <a:t>arameterized</a:t>
-            </a:r>
-            <a:r>
-              <a:rPr lang="es-AR" sz="1600" dirty="0" smtClean="0"/>
-              <a:t> </a:t>
-            </a:r>
-            <a:r>
-              <a:rPr lang="es-AR" sz="1600" dirty="0" err="1" smtClean="0"/>
-              <a:t>Uniform</a:t>
-            </a:r>
-            <a:r>
-              <a:rPr lang="es-AR" sz="1600" dirty="0" smtClean="0"/>
-              <a:t> Crossover. La probabilidad de que se trasmita el alelo del padre de elite es mayor que la del padre de no-</a:t>
-            </a:r>
-            <a:r>
-              <a:rPr lang="es-AR" sz="1600" dirty="0" err="1" smtClean="0"/>
-              <a:t>elte</a:t>
-            </a:r>
-            <a:r>
-              <a:rPr lang="es-AR" sz="1600" dirty="0" smtClean="0"/>
-              <a:t>.</a:t>
-            </a:r>
-          </a:p>
-          <a:p>
-            <a:pPr lvl="1"/>
-            <a:r>
-              <a:rPr lang="en-US" sz="1600" dirty="0" smtClean="0"/>
-              <a:t>TODO: </a:t>
-            </a:r>
-            <a:r>
-              <a:rPr lang="en-US" sz="1600" dirty="0" err="1" smtClean="0"/>
-              <a:t>Imagen</a:t>
-            </a:r>
-            <a:r>
-              <a:rPr lang="en-US" sz="1600" dirty="0" smtClean="0"/>
-              <a:t> Bias Crossover de la </a:t>
-            </a:r>
-            <a:r>
-              <a:rPr lang="en-US" sz="1600" dirty="0" err="1" smtClean="0"/>
-              <a:t>tesis</a:t>
-            </a:r>
-            <a:endParaRPr lang="es-AR" sz="1600" dirty="0" smtClean="0"/>
+              <a:t>Cada cromosoma tienen asociado un nivel de condición física que está correlacionado con el correspondiente valor de la función objetivo de la solución que codifica</a:t>
+            </a:r>
+          </a:p>
+          <a:p>
+            <a:pPr lvl="1">
+              <a:buFont typeface="Wingdings" pitchFamily="2" charset="2"/>
+              <a:buChar char="§"/>
+            </a:pPr>
+            <a:r>
+              <a:rPr lang="es-AR" sz="2000" dirty="0" smtClean="0"/>
+              <a:t>En cada generación se crea una nueva población con individuos provenientes de tres fuentes distintas: crossover, elites y mutantes.</a:t>
+            </a:r>
           </a:p>
           <a:p>
             <a:pPr lvl="1"/>
@@ -5343,7 +7264,7 @@
     </p:spTree>
     <p:extLst>
       <p:ext uri="{BB962C8B-B14F-4D97-AF65-F5344CB8AC3E}">
-        <p14:creationId xmlns:p14="http://schemas.microsoft.com/office/powerpoint/2010/main" val="2522726087"/>
+        <p14:creationId xmlns:p14="http://schemas.microsoft.com/office/powerpoint/2010/main" val="4175451358"/>
       </p:ext>
     </p:extLst>
   </p:cSld>
@@ -5394,18 +7315,9 @@
           <a:p>
             <a:pPr algn="r"/>
             <a:r>
-              <a:rPr lang="en-US" sz="2400" dirty="0" err="1" smtClean="0"/>
-              <a:t>Algoritmo</a:t>
-            </a:r>
-            <a:r>
               <a:rPr lang="en-US" sz="2400" dirty="0" smtClean="0"/>
-              <a:t> </a:t>
-            </a:r>
-            <a:r>
-              <a:rPr lang="en-US" sz="2400" dirty="0" err="1" smtClean="0"/>
-              <a:t>Propuesto</a:t>
-            </a:r>
-            <a:endParaRPr lang="en-US" sz="2400" dirty="0" smtClean="0"/>
+              <a:t>Biased Random Key Genetic Algorithm</a:t>
+            </a:r>
           </a:p>
         </p:txBody>
       </p:sp>
@@ -5432,151 +7344,358 @@
           <a:lstStyle/>
           <a:p>
             <a:r>
-              <a:rPr lang="en-US" sz="2000" dirty="0" smtClean="0"/>
-              <a:t>TODO: </a:t>
-            </a:r>
-            <a:r>
-              <a:rPr lang="en-US" sz="2000" dirty="0" err="1" smtClean="0"/>
-              <a:t>Imagen</a:t>
-            </a:r>
-            <a:r>
-              <a:rPr lang="en-US" sz="2000" dirty="0" smtClean="0"/>
-              <a:t> </a:t>
-            </a:r>
-            <a:r>
-              <a:rPr lang="en-US" sz="2000" dirty="0" err="1" smtClean="0"/>
-              <a:t>cuadrados</a:t>
-            </a:r>
-            <a:r>
-              <a:rPr lang="en-US" sz="2000" dirty="0" smtClean="0"/>
+              <a:rPr lang="es-AR" sz="2800" dirty="0" err="1"/>
+              <a:t>Random</a:t>
+            </a:r>
+            <a:r>
+              <a:rPr lang="es-AR" sz="2800" dirty="0"/>
+              <a:t> Key </a:t>
+            </a:r>
+            <a:r>
+              <a:rPr lang="es-AR" sz="2800" dirty="0" err="1"/>
+              <a:t>Genetic</a:t>
+            </a:r>
+            <a:r>
+              <a:rPr lang="es-AR" sz="2800" dirty="0"/>
+              <a:t> </a:t>
+            </a:r>
+            <a:r>
+              <a:rPr lang="es-AR" sz="2800" dirty="0" err="1"/>
+              <a:t>Algorithm</a:t>
+            </a:r>
+            <a:r>
+              <a:rPr lang="es-AR" sz="2800" dirty="0"/>
+              <a:t> (RKGA)</a:t>
+            </a:r>
+          </a:p>
+          <a:p>
+            <a:pPr lvl="1">
+              <a:buFont typeface="Wingdings" pitchFamily="2" charset="2"/>
+              <a:buChar char="§"/>
+            </a:pPr>
+            <a:r>
+              <a:rPr lang="es-AR" sz="2000" dirty="0"/>
+              <a:t>Los individuos son representados por un vector de números reales en el intervalo [0, 1]</a:t>
+            </a:r>
+          </a:p>
+          <a:p>
+            <a:pPr lvl="1">
+              <a:buFont typeface="Wingdings" pitchFamily="2" charset="2"/>
+              <a:buChar char="§"/>
+            </a:pPr>
+            <a:r>
+              <a:rPr lang="en-US" sz="2000" dirty="0"/>
+              <a:t>La </a:t>
+            </a:r>
+            <a:r>
+              <a:rPr lang="en-US" sz="2000" dirty="0" err="1"/>
+              <a:t>poblacion</a:t>
+            </a:r>
+            <a:r>
+              <a:rPr lang="en-US" sz="2000" dirty="0"/>
+              <a:t> </a:t>
+            </a:r>
+            <a:r>
+              <a:rPr lang="en-US" sz="2000" dirty="0" err="1"/>
+              <a:t>inicial</a:t>
+            </a:r>
+            <a:r>
+              <a:rPr lang="en-US" sz="2000" dirty="0"/>
+              <a:t> </a:t>
+            </a:r>
+            <a:r>
+              <a:rPr lang="en-US" sz="2000" dirty="0" err="1"/>
+              <a:t>es</a:t>
+            </a:r>
+            <a:r>
+              <a:rPr lang="en-US" sz="2000" dirty="0"/>
+              <a:t> </a:t>
+            </a:r>
+            <a:r>
+              <a:rPr lang="en-US" sz="2000" dirty="0" err="1"/>
+              <a:t>generada</a:t>
+            </a:r>
+            <a:r>
+              <a:rPr lang="en-US" sz="2000" dirty="0"/>
+              <a:t> al </a:t>
+            </a:r>
+            <a:r>
+              <a:rPr lang="en-US" sz="2000" dirty="0" err="1"/>
+              <a:t>azar</a:t>
+            </a:r>
+            <a:endParaRPr lang="es-AR" sz="2000" dirty="0"/>
+          </a:p>
+          <a:p>
+            <a:pPr lvl="1">
+              <a:buFont typeface="Wingdings" pitchFamily="2" charset="2"/>
+              <a:buChar char="§"/>
+            </a:pPr>
+            <a:r>
+              <a:rPr lang="es-AR" sz="2000" dirty="0"/>
+              <a:t>El decodificador es el responsable de convertir un cromosoma en una solución válida del problema</a:t>
+            </a:r>
+          </a:p>
+          <a:p>
+            <a:pPr lvl="1">
+              <a:buFont typeface="Wingdings" pitchFamily="2" charset="2"/>
+              <a:buChar char="§"/>
+            </a:pPr>
+            <a:r>
+              <a:rPr lang="en-US" sz="2000" dirty="0"/>
+              <a:t>En </a:t>
+            </a:r>
+            <a:r>
+              <a:rPr lang="en-US" sz="2000" dirty="0" err="1"/>
+              <a:t>cada</a:t>
+            </a:r>
+            <a:r>
+              <a:rPr lang="en-US" sz="2000" dirty="0"/>
+              <a:t> </a:t>
+            </a:r>
+            <a:r>
+              <a:rPr lang="en-US" sz="2000" dirty="0" err="1"/>
+              <a:t>iteración</a:t>
+            </a:r>
+            <a:r>
+              <a:rPr lang="en-US" sz="2000" dirty="0"/>
+              <a:t> se </a:t>
+            </a:r>
+            <a:r>
+              <a:rPr lang="en-US" sz="2000" dirty="0" err="1"/>
+              <a:t>toman</a:t>
+            </a:r>
+            <a:r>
+              <a:rPr lang="en-US" sz="2000" dirty="0"/>
+              <a:t> los </a:t>
+            </a:r>
+            <a:r>
+              <a:rPr lang="en-US" sz="2000" dirty="0" err="1"/>
+              <a:t>mejores</a:t>
+            </a:r>
+            <a:r>
+              <a:rPr lang="en-US" sz="2000" dirty="0"/>
+              <a:t> </a:t>
+            </a:r>
+            <a:r>
+              <a:rPr lang="en-US" sz="2000" dirty="0" err="1"/>
+              <a:t>individuos</a:t>
+            </a:r>
+            <a:r>
+              <a:rPr lang="en-US" sz="2000" dirty="0"/>
               <a:t> y </a:t>
             </a:r>
             <a:r>
-              <a:rPr lang="en-US" sz="2000" dirty="0" err="1" smtClean="0"/>
-              <a:t>flujo</a:t>
-            </a:r>
-            <a:r>
-              <a:rPr lang="en-US" sz="2000" dirty="0" smtClean="0"/>
-              <a:t> Global</a:t>
-            </a:r>
-          </a:p>
-          <a:p>
-            <a:r>
-              <a:rPr lang="en-US" sz="2000" dirty="0" smtClean="0"/>
-              <a:t>Se </a:t>
-            </a:r>
-            <a:r>
-              <a:rPr lang="en-US" sz="2000" dirty="0" err="1" smtClean="0"/>
-              <a:t>tiene</a:t>
-            </a:r>
-            <a:r>
-              <a:rPr lang="en-US" sz="2000" dirty="0" smtClean="0"/>
-              <a:t> </a:t>
-            </a:r>
-            <a:r>
-              <a:rPr lang="en-US" sz="2000" dirty="0" err="1" smtClean="0"/>
-              <a:t>que</a:t>
-            </a:r>
-            <a:r>
-              <a:rPr lang="en-US" sz="2000" dirty="0" smtClean="0"/>
-              <a:t> </a:t>
-            </a:r>
-            <a:r>
-              <a:rPr lang="en-US" sz="2000" dirty="0" err="1" smtClean="0"/>
-              <a:t>ver</a:t>
-            </a:r>
-            <a:r>
-              <a:rPr lang="en-US" sz="2000" dirty="0" smtClean="0"/>
-              <a:t> </a:t>
-            </a:r>
-            <a:r>
-              <a:rPr lang="en-US" sz="2000" dirty="0" err="1" smtClean="0"/>
-              <a:t>Decodificador</a:t>
-            </a:r>
-            <a:r>
-              <a:rPr lang="en-US" sz="2000" dirty="0" smtClean="0"/>
-              <a:t>, Crossover, BL, </a:t>
-            </a:r>
-            <a:r>
-              <a:rPr lang="en-US" sz="2000" dirty="0" err="1" smtClean="0"/>
-              <a:t>condicion</a:t>
-            </a:r>
-            <a:r>
-              <a:rPr lang="en-US" sz="2000" dirty="0" smtClean="0"/>
+              <a:rPr lang="en-US" sz="2000" dirty="0" err="1"/>
+              <a:t>pasan</a:t>
+            </a:r>
+            <a:r>
+              <a:rPr lang="en-US" sz="2000" dirty="0"/>
+              <a:t> </a:t>
+            </a:r>
+            <a:r>
+              <a:rPr lang="en-US" sz="2000" dirty="0" err="1"/>
+              <a:t>directamente</a:t>
+            </a:r>
+            <a:r>
+              <a:rPr lang="en-US" sz="2000" dirty="0"/>
+              <a:t> a la </a:t>
+            </a:r>
+            <a:r>
+              <a:rPr lang="en-US" sz="2000" dirty="0" err="1"/>
+              <a:t>siguiente</a:t>
+            </a:r>
+            <a:r>
+              <a:rPr lang="en-US" sz="2000" dirty="0"/>
+              <a:t> </a:t>
+            </a:r>
+            <a:r>
+              <a:rPr lang="en-US" sz="2000" dirty="0" err="1"/>
+              <a:t>generación</a:t>
+            </a:r>
+            <a:r>
+              <a:rPr lang="en-US" sz="2000" dirty="0"/>
+              <a:t> (elites)</a:t>
+            </a:r>
+          </a:p>
+          <a:p>
+            <a:pPr lvl="1">
+              <a:buFont typeface="Wingdings" pitchFamily="2" charset="2"/>
+              <a:buChar char="§"/>
+            </a:pPr>
+            <a:r>
+              <a:rPr lang="en-US" sz="2000" dirty="0"/>
+              <a:t>La </a:t>
+            </a:r>
+            <a:r>
+              <a:rPr lang="en-US" sz="2000" dirty="0" err="1"/>
+              <a:t>mayoria</a:t>
+            </a:r>
+            <a:r>
+              <a:rPr lang="en-US" sz="2000" dirty="0"/>
+              <a:t> de los </a:t>
+            </a:r>
+            <a:r>
+              <a:rPr lang="en-US" sz="2000" dirty="0" err="1"/>
+              <a:t>individuos</a:t>
+            </a:r>
+            <a:r>
+              <a:rPr lang="en-US" sz="2000" dirty="0"/>
+              <a:t> de la </a:t>
+            </a:r>
+            <a:r>
+              <a:rPr lang="en-US" sz="2000" dirty="0" err="1"/>
+              <a:t>nueva</a:t>
+            </a:r>
+            <a:r>
+              <a:rPr lang="en-US" sz="2000" dirty="0"/>
+              <a:t> </a:t>
+            </a:r>
+            <a:r>
+              <a:rPr lang="en-US" sz="2000" dirty="0" err="1"/>
+              <a:t>generacion</a:t>
+            </a:r>
+            <a:r>
+              <a:rPr lang="en-US" sz="2000" dirty="0"/>
+              <a:t> se </a:t>
+            </a:r>
+            <a:r>
+              <a:rPr lang="en-US" sz="2000" dirty="0" err="1"/>
+              <a:t>generan</a:t>
+            </a:r>
+            <a:r>
+              <a:rPr lang="en-US" sz="2000" dirty="0"/>
+              <a:t> </a:t>
+            </a:r>
+            <a:r>
+              <a:rPr lang="en-US" sz="2000" dirty="0" err="1"/>
+              <a:t>crusando</a:t>
+            </a:r>
+            <a:r>
+              <a:rPr lang="en-US" sz="2000" dirty="0"/>
+              <a:t> dos </a:t>
+            </a:r>
+            <a:r>
+              <a:rPr lang="en-US" sz="2000" dirty="0" err="1"/>
+              <a:t>individuos</a:t>
+            </a:r>
+            <a:r>
+              <a:rPr lang="en-US" sz="2000" dirty="0"/>
+              <a:t> de la </a:t>
+            </a:r>
+            <a:r>
+              <a:rPr lang="en-US" sz="2000" dirty="0" err="1"/>
+              <a:t>generacion</a:t>
+            </a:r>
+            <a:r>
+              <a:rPr lang="en-US" sz="2000" dirty="0"/>
+              <a:t> actual (crossover)</a:t>
+            </a:r>
+          </a:p>
+          <a:p>
+            <a:pPr lvl="1">
+              <a:buFont typeface="Wingdings" pitchFamily="2" charset="2"/>
+              <a:buChar char="§"/>
+            </a:pPr>
+            <a:r>
+              <a:rPr lang="en-US" sz="2000" dirty="0" err="1"/>
+              <a:t>Por</a:t>
+            </a:r>
+            <a:r>
+              <a:rPr lang="en-US" sz="2000" dirty="0"/>
+              <a:t> </a:t>
+            </a:r>
+            <a:r>
+              <a:rPr lang="en-US" sz="2000" dirty="0" err="1"/>
+              <a:t>último</a:t>
+            </a:r>
+            <a:r>
+              <a:rPr lang="en-US" sz="2000" dirty="0"/>
+              <a:t> un </a:t>
+            </a:r>
+            <a:r>
+              <a:rPr lang="en-US" sz="2000" dirty="0" err="1"/>
+              <a:t>porcentaje</a:t>
+            </a:r>
+            <a:r>
+              <a:rPr lang="en-US" sz="2000" dirty="0"/>
+              <a:t> </a:t>
+            </a:r>
+            <a:r>
+              <a:rPr lang="en-US" sz="2000" dirty="0" err="1"/>
+              <a:t>muy</a:t>
+            </a:r>
+            <a:r>
+              <a:rPr lang="en-US" sz="2000" dirty="0"/>
+              <a:t> </a:t>
+            </a:r>
+            <a:r>
+              <a:rPr lang="en-US" sz="2000" dirty="0" err="1"/>
+              <a:t>bajo</a:t>
+            </a:r>
+            <a:r>
+              <a:rPr lang="en-US" sz="2000" dirty="0"/>
+              <a:t> son </a:t>
+            </a:r>
+            <a:r>
+              <a:rPr lang="en-US" sz="2000" dirty="0" err="1"/>
+              <a:t>generados</a:t>
+            </a:r>
+            <a:r>
+              <a:rPr lang="en-US" sz="2000" dirty="0"/>
+              <a:t> al </a:t>
+            </a:r>
+            <a:r>
+              <a:rPr lang="en-US" sz="2000" dirty="0" err="1"/>
+              <a:t>azar</a:t>
+            </a:r>
+            <a:r>
+              <a:rPr lang="en-US" sz="2000" dirty="0"/>
+              <a:t>, </a:t>
+            </a:r>
+            <a:r>
+              <a:rPr lang="en-US" sz="2000" dirty="0" err="1"/>
+              <a:t>para</a:t>
+            </a:r>
+            <a:r>
+              <a:rPr lang="en-US" sz="2000" dirty="0"/>
+              <a:t> </a:t>
+            </a:r>
+            <a:r>
+              <a:rPr lang="en-US" sz="2000" dirty="0" err="1"/>
+              <a:t>escapar</a:t>
+            </a:r>
+            <a:r>
+              <a:rPr lang="en-US" sz="2000" dirty="0"/>
               <a:t> de </a:t>
             </a:r>
             <a:r>
-              <a:rPr lang="en-US" sz="2000" dirty="0" err="1" smtClean="0"/>
-              <a:t>corte</a:t>
-            </a:r>
-            <a:r>
-              <a:rPr lang="en-US" sz="2000" dirty="0" smtClean="0"/>
-              <a:t> y </a:t>
-            </a:r>
-            <a:r>
-              <a:rPr lang="en-US" sz="2000" dirty="0" err="1" smtClean="0"/>
-              <a:t>codificador</a:t>
-            </a:r>
-            <a:r>
-              <a:rPr lang="en-US" sz="2000" dirty="0" smtClean="0"/>
-              <a:t> (</a:t>
-            </a:r>
-            <a:r>
-              <a:rPr lang="en-US" sz="2000" dirty="0" err="1" smtClean="0"/>
-              <a:t>buscar</a:t>
-            </a:r>
-            <a:r>
-              <a:rPr lang="en-US" sz="2000" dirty="0" smtClean="0"/>
-              <a:t> la </a:t>
-            </a:r>
-            <a:r>
-              <a:rPr lang="en-US" sz="2000" dirty="0" err="1" smtClean="0"/>
-              <a:t>que</a:t>
-            </a:r>
-            <a:r>
-              <a:rPr lang="en-US" sz="2000" dirty="0" smtClean="0"/>
-              <a:t> </a:t>
-            </a:r>
-            <a:r>
-              <a:rPr lang="en-US" sz="2000" dirty="0" err="1" smtClean="0"/>
-              <a:t>sabes</a:t>
-            </a:r>
-            <a:r>
-              <a:rPr lang="en-US" sz="2000" dirty="0" smtClean="0"/>
-              <a:t> y </a:t>
-            </a:r>
-            <a:r>
-              <a:rPr lang="en-US" sz="2000" dirty="0" err="1" smtClean="0"/>
-              <a:t>acomodarla</a:t>
-            </a:r>
-            <a:r>
-              <a:rPr lang="en-US" sz="2000" dirty="0" smtClean="0"/>
-              <a:t> a </a:t>
-            </a:r>
-            <a:r>
-              <a:rPr lang="en-US" sz="2000" dirty="0" err="1" smtClean="0"/>
-              <a:t>tu</a:t>
-            </a:r>
-            <a:r>
-              <a:rPr lang="en-US" sz="2000" dirty="0" smtClean="0"/>
-              <a:t> </a:t>
-            </a:r>
-            <a:r>
-              <a:rPr lang="en-US" sz="2000" dirty="0" err="1" smtClean="0"/>
-              <a:t>implementacion</a:t>
-            </a:r>
-            <a:r>
-              <a:rPr lang="en-US" sz="2000" dirty="0" smtClean="0"/>
+              <a:rPr lang="en-US" sz="2000" dirty="0" err="1"/>
+              <a:t>mínimos</a:t>
+            </a:r>
+            <a:r>
+              <a:rPr lang="en-US" sz="2000" dirty="0"/>
+              <a:t> locales (</a:t>
+            </a:r>
+            <a:r>
+              <a:rPr lang="en-US" sz="2000" dirty="0" err="1"/>
+              <a:t>mutantes</a:t>
+            </a:r>
+            <a:r>
+              <a:rPr lang="en-US" sz="2000" dirty="0"/>
               <a:t>)</a:t>
             </a:r>
             <a:endParaRPr lang="es-AR" sz="2000" dirty="0"/>
+          </a:p>
+          <a:p>
+            <a:pPr lvl="1"/>
+            <a:endParaRPr lang="es-AR" sz="1600" dirty="0"/>
           </a:p>
         </p:txBody>
       </p:sp>
     </p:spTree>
     <p:extLst>
       <p:ext uri="{BB962C8B-B14F-4D97-AF65-F5344CB8AC3E}">
-        <p14:creationId xmlns:p14="http://schemas.microsoft.com/office/powerpoint/2010/main" val="3139650440"/>
+        <p14:creationId xmlns:p14="http://schemas.microsoft.com/office/powerpoint/2010/main" val="2522726087"/>
       </p:ext>
     </p:extLst>
   </p:cSld>
@@ -5627,18 +7746,9 @@
           <a:p>
             <a:pPr algn="r"/>
             <a:r>
-              <a:rPr lang="en-US" sz="2400" dirty="0" err="1" smtClean="0"/>
-              <a:t>Algoritmo</a:t>
-            </a:r>
-            <a:r>
               <a:rPr lang="en-US" sz="2400" dirty="0" smtClean="0"/>
-              <a:t> </a:t>
-            </a:r>
-            <a:r>
-              <a:rPr lang="en-US" sz="2400" dirty="0" err="1" smtClean="0"/>
-              <a:t>Propuesto</a:t>
-            </a:r>
-            <a:endParaRPr lang="en-US" sz="2400" dirty="0" smtClean="0"/>
+              <a:t>Biased Random Key Genetic Algorithm</a:t>
+            </a:r>
           </a:p>
         </p:txBody>
       </p:sp>
@@ -5665,363 +7775,111 @@
           <a:lstStyle/>
           <a:p>
             <a:r>
-              <a:rPr lang="en-US" sz="2000" dirty="0" err="1" smtClean="0"/>
-              <a:t>Inicializacion</a:t>
-            </a:r>
-            <a:r>
-              <a:rPr lang="en-US" sz="2000" dirty="0" smtClean="0"/>
-              <a:t> de la </a:t>
-            </a:r>
-            <a:r>
-              <a:rPr lang="en-US" sz="2000" dirty="0" err="1" smtClean="0"/>
-              <a:t>Poblacion</a:t>
-            </a:r>
-            <a:endParaRPr lang="en-US" sz="2000" dirty="0" smtClean="0"/>
+              <a:rPr lang="es-AR" sz="2800" dirty="0" err="1" smtClean="0"/>
+              <a:t>Biased</a:t>
+            </a:r>
+            <a:r>
+              <a:rPr lang="es-AR" sz="2800" dirty="0" smtClean="0"/>
+              <a:t> </a:t>
+            </a:r>
+            <a:r>
+              <a:rPr lang="es-AR" sz="2800" dirty="0" err="1" smtClean="0"/>
+              <a:t>Random</a:t>
+            </a:r>
+            <a:r>
+              <a:rPr lang="es-AR" sz="2800" dirty="0" smtClean="0"/>
+              <a:t> Key </a:t>
+            </a:r>
+            <a:r>
+              <a:rPr lang="es-AR" sz="2800" dirty="0" err="1" smtClean="0"/>
+              <a:t>Genetic</a:t>
+            </a:r>
+            <a:r>
+              <a:rPr lang="es-AR" sz="2800" dirty="0" smtClean="0"/>
+              <a:t> </a:t>
+            </a:r>
+            <a:r>
+              <a:rPr lang="es-AR" sz="2800" dirty="0" err="1" smtClean="0"/>
+              <a:t>Algorithm</a:t>
+            </a:r>
+            <a:r>
+              <a:rPr lang="es-AR" sz="2800" dirty="0" smtClean="0"/>
+              <a:t> (BRKGA)</a:t>
+            </a:r>
           </a:p>
           <a:p>
             <a:pPr lvl="1"/>
             <a:r>
-              <a:rPr lang="en-US" sz="1600" dirty="0" err="1" smtClean="0"/>
-              <a:t>Generacion</a:t>
-            </a:r>
-            <a:r>
-              <a:rPr lang="en-US" sz="1600" dirty="0" smtClean="0"/>
-              <a:t> de </a:t>
-            </a:r>
-            <a:r>
-              <a:rPr lang="en-US" sz="1600" dirty="0" err="1" smtClean="0"/>
-              <a:t>vectores</a:t>
-            </a:r>
-            <a:r>
-              <a:rPr lang="en-US" sz="1600" dirty="0" smtClean="0"/>
-              <a:t> de </a:t>
-            </a:r>
-            <a:r>
-              <a:rPr lang="en-US" sz="1600" dirty="0" err="1" smtClean="0"/>
-              <a:t>enteros</a:t>
-            </a:r>
-            <a:r>
-              <a:rPr lang="en-US" sz="1600" dirty="0" smtClean="0"/>
-              <a:t> </a:t>
-            </a:r>
-            <a:r>
-              <a:rPr lang="en-US" sz="1600" dirty="0" err="1" smtClean="0"/>
-              <a:t>aleatorios</a:t>
-            </a:r>
-            <a:endParaRPr lang="en-US" sz="1600" dirty="0" smtClean="0"/>
-          </a:p>
-          <a:p>
-            <a:r>
-              <a:rPr lang="en-US" sz="2000" dirty="0" err="1" smtClean="0"/>
-              <a:t>Decodificacion</a:t>
-            </a:r>
-            <a:r>
-              <a:rPr lang="en-US" sz="2000" dirty="0" smtClean="0"/>
-              <a:t> de la </a:t>
-            </a:r>
-            <a:r>
-              <a:rPr lang="en-US" sz="2000" dirty="0" err="1" smtClean="0"/>
-              <a:t>poblacion</a:t>
-            </a:r>
-            <a:endParaRPr lang="en-US" sz="2000" dirty="0" smtClean="0"/>
+              <a:rPr lang="en-US" sz="2000" dirty="0" err="1" smtClean="0"/>
+              <a:t>Cada</a:t>
+            </a:r>
+            <a:r>
+              <a:rPr lang="en-US" sz="2000" dirty="0" smtClean="0"/>
+              <a:t> </a:t>
+            </a:r>
+            <a:r>
+              <a:rPr lang="en-US" sz="2000" dirty="0" err="1" smtClean="0"/>
+              <a:t>individuo</a:t>
+            </a:r>
+            <a:r>
+              <a:rPr lang="en-US" sz="2000" dirty="0"/>
+              <a:t> </a:t>
+            </a:r>
+            <a:r>
+              <a:rPr lang="es-AR" sz="2000" dirty="0" smtClean="0"/>
+              <a:t>se genera combinando un elemento seleccionado al azar del conjunto de elite y el otro de la conjunto no-elite.</a:t>
+            </a:r>
           </a:p>
           <a:p>
             <a:pPr lvl="1"/>
             <a:r>
-              <a:rPr lang="en-US" sz="1600" dirty="0" err="1" smtClean="0"/>
-              <a:t>Decodificacion</a:t>
-            </a:r>
-            <a:r>
-              <a:rPr lang="en-US" sz="1600" dirty="0" smtClean="0"/>
-              <a:t> de un vector de </a:t>
-            </a:r>
-            <a:r>
-              <a:rPr lang="en-US" sz="1600" dirty="0" err="1" smtClean="0"/>
-              <a:t>enteros</a:t>
-            </a:r>
-            <a:r>
-              <a:rPr lang="en-US" sz="1600" dirty="0" smtClean="0"/>
-              <a:t> en </a:t>
-            </a:r>
-            <a:r>
-              <a:rPr lang="en-US" sz="1600" dirty="0" err="1" smtClean="0"/>
-              <a:t>una</a:t>
-            </a:r>
-            <a:r>
-              <a:rPr lang="en-US" sz="1600" dirty="0" smtClean="0"/>
-              <a:t> </a:t>
-            </a:r>
-            <a:r>
-              <a:rPr lang="en-US" sz="1600" dirty="0" err="1" smtClean="0"/>
-              <a:t>solucion</a:t>
-            </a:r>
-            <a:r>
-              <a:rPr lang="en-US" sz="1600" dirty="0" smtClean="0"/>
-              <a:t> </a:t>
-            </a:r>
-            <a:r>
-              <a:rPr lang="en-US" sz="1600" dirty="0" err="1" smtClean="0"/>
-              <a:t>valida</a:t>
-            </a:r>
-            <a:r>
-              <a:rPr lang="en-US" sz="1600" dirty="0" smtClean="0"/>
-              <a:t> del </a:t>
-            </a:r>
-            <a:r>
-              <a:rPr lang="en-US" sz="1600" dirty="0" err="1" smtClean="0"/>
-              <a:t>problema</a:t>
-            </a:r>
-            <a:endParaRPr lang="en-US" sz="1600" dirty="0" smtClean="0"/>
-          </a:p>
-          <a:p>
-            <a:r>
-              <a:rPr lang="en-US" sz="2000" dirty="0" err="1" smtClean="0"/>
-              <a:t>Evolucion</a:t>
-            </a:r>
-            <a:r>
-              <a:rPr lang="en-US" sz="2000" dirty="0" smtClean="0"/>
-              <a:t> de </a:t>
-            </a:r>
-            <a:r>
-              <a:rPr lang="en-US" sz="2000" dirty="0" err="1" smtClean="0"/>
-              <a:t>poblacion</a:t>
-            </a:r>
-            <a:endParaRPr lang="en-US" sz="2000" dirty="0" smtClean="0"/>
+              <a:rPr lang="es-AR" sz="2000" dirty="0" err="1"/>
+              <a:t>P</a:t>
+            </a:r>
+            <a:r>
+              <a:rPr lang="es-AR" sz="2000" dirty="0" err="1" smtClean="0"/>
+              <a:t>arameterized</a:t>
+            </a:r>
+            <a:r>
+              <a:rPr lang="es-AR" sz="2000" dirty="0" smtClean="0"/>
+              <a:t> </a:t>
+            </a:r>
+            <a:r>
+              <a:rPr lang="es-AR" sz="2000" dirty="0" err="1" smtClean="0"/>
+              <a:t>Uniform</a:t>
+            </a:r>
+            <a:r>
+              <a:rPr lang="es-AR" sz="2000" dirty="0" smtClean="0"/>
+              <a:t> Crossover. La probabilidad de que se trasmita el alelo del padre de elite es mayor que la del padre de no-</a:t>
+            </a:r>
+            <a:r>
+              <a:rPr lang="es-AR" sz="2000" dirty="0" err="1" smtClean="0"/>
+              <a:t>elte</a:t>
+            </a:r>
+            <a:r>
+              <a:rPr lang="es-AR" sz="2000" dirty="0" smtClean="0"/>
+              <a:t>.</a:t>
+            </a:r>
           </a:p>
           <a:p>
             <a:pPr lvl="1"/>
             <a:r>
-              <a:rPr lang="en-US" sz="1600" dirty="0" err="1" smtClean="0"/>
-              <a:t>Ordenamiento</a:t>
-            </a:r>
-            <a:r>
-              <a:rPr lang="en-US" sz="1600" dirty="0" smtClean="0"/>
-              <a:t> </a:t>
-            </a:r>
-            <a:r>
-              <a:rPr lang="en-US" sz="1600" dirty="0" err="1" smtClean="0"/>
-              <a:t>por</a:t>
-            </a:r>
-            <a:r>
-              <a:rPr lang="en-US" sz="1600" dirty="0" smtClean="0"/>
-              <a:t> </a:t>
-            </a:r>
-            <a:r>
-              <a:rPr lang="en-US" sz="1600" dirty="0" err="1" smtClean="0"/>
-              <a:t>aptitud</a:t>
-            </a:r>
-            <a:r>
-              <a:rPr lang="en-US" sz="1600" dirty="0" smtClean="0"/>
-              <a:t> </a:t>
-            </a:r>
-            <a:r>
-              <a:rPr lang="en-US" sz="1600" dirty="0" err="1" smtClean="0"/>
-              <a:t>fisica</a:t>
-            </a:r>
-            <a:endParaRPr lang="en-US" sz="1600" dirty="0" smtClean="0"/>
-          </a:p>
-          <a:p>
-            <a:pPr lvl="1"/>
-            <a:r>
-              <a:rPr lang="en-US" sz="1600" dirty="0" smtClean="0"/>
-              <a:t>Elites </a:t>
-            </a:r>
-            <a:r>
-              <a:rPr lang="en-US" sz="1600" dirty="0" err="1" smtClean="0"/>
-              <a:t>pasan</a:t>
-            </a:r>
-            <a:r>
-              <a:rPr lang="en-US" sz="1600" dirty="0" smtClean="0"/>
-              <a:t> </a:t>
-            </a:r>
-            <a:r>
-              <a:rPr lang="en-US" sz="1600" dirty="0" err="1" smtClean="0"/>
-              <a:t>directo</a:t>
-            </a:r>
-            <a:r>
-              <a:rPr lang="en-US" sz="1600" dirty="0" smtClean="0"/>
-              <a:t> a la </a:t>
-            </a:r>
-            <a:r>
-              <a:rPr lang="en-US" sz="1600" dirty="0" err="1" smtClean="0"/>
-              <a:t>siguiente</a:t>
-            </a:r>
-            <a:r>
-              <a:rPr lang="en-US" sz="1600" dirty="0" smtClean="0"/>
-              <a:t> </a:t>
-            </a:r>
-            <a:r>
-              <a:rPr lang="en-US" sz="1600" dirty="0" err="1" smtClean="0"/>
-              <a:t>generacion</a:t>
-            </a:r>
-            <a:endParaRPr lang="en-US" sz="1600" dirty="0" smtClean="0"/>
-          </a:p>
-          <a:p>
-            <a:pPr lvl="1"/>
-            <a:r>
-              <a:rPr lang="en-US" sz="1600" dirty="0" smtClean="0"/>
-              <a:t>Crossover entre elites y no elites</a:t>
-            </a:r>
-          </a:p>
-          <a:p>
-            <a:pPr lvl="1"/>
-            <a:r>
-              <a:rPr lang="en-US" sz="1600" dirty="0" err="1" smtClean="0"/>
-              <a:t>Geneacion</a:t>
-            </a:r>
-            <a:r>
-              <a:rPr lang="en-US" sz="1600" dirty="0" smtClean="0"/>
-              <a:t> de </a:t>
-            </a:r>
-            <a:r>
-              <a:rPr lang="en-US" sz="1600" dirty="0" err="1" smtClean="0"/>
-              <a:t>mutantes</a:t>
-            </a:r>
-            <a:endParaRPr lang="en-US" sz="1600" dirty="0" smtClean="0"/>
-          </a:p>
-          <a:p>
-            <a:r>
-              <a:rPr lang="en-US" sz="2000" dirty="0" err="1" smtClean="0"/>
-              <a:t>Busquedas</a:t>
-            </a:r>
-            <a:r>
-              <a:rPr lang="en-US" sz="2000" dirty="0" smtClean="0"/>
-              <a:t> locales a </a:t>
-            </a:r>
-            <a:r>
-              <a:rPr lang="en-US" sz="2000" dirty="0" err="1" smtClean="0"/>
-              <a:t>mejor</a:t>
-            </a:r>
-            <a:r>
-              <a:rPr lang="en-US" sz="2000" dirty="0" smtClean="0"/>
-              <a:t> </a:t>
-            </a:r>
-            <a:r>
-              <a:rPr lang="en-US" sz="2000" dirty="0" err="1" smtClean="0"/>
-              <a:t>solucion</a:t>
-            </a:r>
-            <a:endParaRPr lang="en-US" sz="2000" dirty="0" smtClean="0"/>
-          </a:p>
-          <a:p>
-            <a:pPr lvl="1"/>
-            <a:r>
-              <a:rPr lang="en-US" sz="1600" dirty="0" smtClean="0"/>
-              <a:t>Insert, Replace Simple, Replace multiple, Swap, 2-opt</a:t>
-            </a:r>
-          </a:p>
-          <a:p>
-            <a:pPr lvl="1"/>
-            <a:r>
-              <a:rPr lang="en-US" sz="1600" dirty="0" err="1" smtClean="0"/>
-              <a:t>Actualizacion</a:t>
-            </a:r>
-            <a:r>
-              <a:rPr lang="en-US" sz="1600" dirty="0" smtClean="0"/>
-              <a:t> de </a:t>
-            </a:r>
-            <a:r>
-              <a:rPr lang="en-US" sz="1600" dirty="0" err="1" smtClean="0"/>
-              <a:t>su</a:t>
-            </a:r>
-            <a:r>
-              <a:rPr lang="en-US" sz="1600" dirty="0" smtClean="0"/>
-              <a:t> </a:t>
-            </a:r>
-            <a:r>
-              <a:rPr lang="en-US" sz="1600" dirty="0" err="1" smtClean="0"/>
-              <a:t>codigo</a:t>
-            </a:r>
-            <a:r>
-              <a:rPr lang="en-US" sz="1600" dirty="0" smtClean="0"/>
-              <a:t> </a:t>
-            </a:r>
-            <a:r>
-              <a:rPr lang="en-US" sz="1600" dirty="0" err="1" smtClean="0"/>
-              <a:t>genetico</a:t>
-            </a:r>
-            <a:endParaRPr lang="en-US" sz="1600" dirty="0" smtClean="0"/>
-          </a:p>
-          <a:p>
-            <a:r>
-              <a:rPr lang="en-US" sz="2000" dirty="0" err="1" smtClean="0"/>
-              <a:t>Evaluacion</a:t>
-            </a:r>
-            <a:r>
-              <a:rPr lang="en-US" sz="2000" dirty="0" smtClean="0"/>
-              <a:t> de </a:t>
-            </a:r>
-            <a:r>
-              <a:rPr lang="en-US" sz="2000" dirty="0" err="1" smtClean="0"/>
-              <a:t>condicion</a:t>
-            </a:r>
-            <a:r>
-              <a:rPr lang="en-US" sz="2000" dirty="0" smtClean="0"/>
-              <a:t> de </a:t>
-            </a:r>
-            <a:r>
-              <a:rPr lang="en-US" sz="2000" dirty="0" err="1" smtClean="0"/>
-              <a:t>corte</a:t>
-            </a:r>
-            <a:endParaRPr lang="en-US" sz="2000" dirty="0" smtClean="0"/>
-          </a:p>
-          <a:p>
-            <a:pPr lvl="1"/>
-            <a:r>
-              <a:rPr lang="en-US" sz="1600" dirty="0" smtClean="0"/>
-              <a:t>Si no se </a:t>
-            </a:r>
-            <a:r>
-              <a:rPr lang="en-US" sz="1600" dirty="0" err="1" smtClean="0"/>
-              <a:t>cumple</a:t>
-            </a:r>
-            <a:r>
-              <a:rPr lang="en-US" sz="1600" dirty="0" smtClean="0"/>
-              <a:t>,  </a:t>
-            </a:r>
-            <a:r>
-              <a:rPr lang="en-US" sz="1600" dirty="0" err="1" smtClean="0"/>
-              <a:t>vuelve</a:t>
-            </a:r>
-            <a:r>
-              <a:rPr lang="en-US" sz="1600" dirty="0" smtClean="0"/>
-              <a:t> al </a:t>
-            </a:r>
-            <a:r>
-              <a:rPr lang="en-US" sz="1600" dirty="0" err="1" smtClean="0"/>
-              <a:t>paso</a:t>
-            </a:r>
-            <a:r>
-              <a:rPr lang="en-US" sz="1600" dirty="0" smtClean="0"/>
-              <a:t> de </a:t>
-            </a:r>
-            <a:r>
-              <a:rPr lang="en-US" sz="1600" dirty="0" err="1" smtClean="0"/>
-              <a:t>decodificacion</a:t>
-            </a:r>
-            <a:endParaRPr lang="en-US" sz="1600" dirty="0" smtClean="0"/>
-          </a:p>
-          <a:p>
-            <a:r>
-              <a:rPr lang="en-US" sz="2000" dirty="0" err="1" smtClean="0"/>
-              <a:t>Retorno</a:t>
-            </a:r>
-            <a:r>
-              <a:rPr lang="en-US" sz="2000" dirty="0" smtClean="0"/>
-              <a:t> de la </a:t>
-            </a:r>
-            <a:r>
-              <a:rPr lang="en-US" sz="2000" dirty="0" err="1" smtClean="0"/>
-              <a:t>mejor</a:t>
-            </a:r>
-            <a:r>
-              <a:rPr lang="en-US" sz="2000" dirty="0" smtClean="0"/>
-              <a:t> </a:t>
-            </a:r>
-            <a:r>
-              <a:rPr lang="en-US" sz="2000" dirty="0" err="1" smtClean="0"/>
-              <a:t>solucion</a:t>
-            </a:r>
-            <a:endParaRPr lang="en-US" sz="2000" dirty="0" smtClean="0"/>
+              <a:rPr lang="en-US" sz="2000" dirty="0" smtClean="0"/>
+              <a:t>TODO: </a:t>
+            </a:r>
+            <a:r>
+              <a:rPr lang="en-US" sz="2000" dirty="0" err="1" smtClean="0"/>
+              <a:t>Imagen</a:t>
+            </a:r>
+            <a:r>
+              <a:rPr lang="en-US" sz="2000" dirty="0" smtClean="0"/>
+              <a:t> Bias Crossover de la </a:t>
+            </a:r>
+            <a:r>
+              <a:rPr lang="en-US" sz="2000" dirty="0" err="1" smtClean="0"/>
+              <a:t>tesis</a:t>
+            </a:r>
+            <a:endParaRPr lang="es-AR" sz="2000" dirty="0" smtClean="0"/>
           </a:p>
           <a:p>
             <a:pPr lvl="1"/>
@@ -6032,7 +7890,7 @@
     </p:spTree>
     <p:extLst>
       <p:ext uri="{BB962C8B-B14F-4D97-AF65-F5344CB8AC3E}">
-        <p14:creationId xmlns:p14="http://schemas.microsoft.com/office/powerpoint/2010/main" val="604376514"/>
+        <p14:creationId xmlns:p14="http://schemas.microsoft.com/office/powerpoint/2010/main" val="1252345408"/>
       </p:ext>
     </p:extLst>
   </p:cSld>
@@ -6121,39 +7979,151 @@
           <a:lstStyle/>
           <a:p>
             <a:r>
+              <a:rPr lang="en-US" sz="2000" dirty="0" smtClean="0"/>
+              <a:t>TODO: </a:t>
+            </a:r>
+            <a:r>
+              <a:rPr lang="en-US" sz="2000" dirty="0" err="1" smtClean="0"/>
+              <a:t>Imagen</a:t>
+            </a:r>
+            <a:r>
+              <a:rPr lang="en-US" sz="2000" dirty="0" smtClean="0"/>
+              <a:t> </a:t>
+            </a:r>
+            <a:r>
+              <a:rPr lang="en-US" sz="2000" dirty="0" err="1" smtClean="0"/>
+              <a:t>cuadrados</a:t>
+            </a:r>
+            <a:r>
+              <a:rPr lang="en-US" sz="2000" dirty="0" smtClean="0"/>
+              <a:t> y </a:t>
+            </a:r>
+            <a:r>
+              <a:rPr lang="en-US" sz="2000" dirty="0" err="1" smtClean="0"/>
+              <a:t>flujo</a:t>
+            </a:r>
+            <a:r>
+              <a:rPr lang="en-US" sz="2000" dirty="0" smtClean="0"/>
+              <a:t> Global</a:t>
+            </a:r>
+          </a:p>
+          <a:p>
+            <a:r>
+              <a:rPr lang="en-US" sz="2000" dirty="0" smtClean="0"/>
+              <a:t>Se </a:t>
+            </a:r>
+            <a:r>
+              <a:rPr lang="en-US" sz="2000" dirty="0" err="1" smtClean="0"/>
+              <a:t>tiene</a:t>
+            </a:r>
+            <a:r>
+              <a:rPr lang="en-US" sz="2000" dirty="0" smtClean="0"/>
+              <a:t> </a:t>
+            </a:r>
+            <a:r>
+              <a:rPr lang="en-US" sz="2000" dirty="0" err="1" smtClean="0"/>
+              <a:t>que</a:t>
+            </a:r>
+            <a:r>
+              <a:rPr lang="en-US" sz="2000" dirty="0" smtClean="0"/>
+              <a:t> </a:t>
+            </a:r>
+            <a:r>
+              <a:rPr lang="en-US" sz="2000" dirty="0" err="1" smtClean="0"/>
+              <a:t>ver</a:t>
+            </a:r>
+            <a:r>
+              <a:rPr lang="en-US" sz="2000" dirty="0" smtClean="0"/>
+              <a:t> </a:t>
+            </a:r>
+            <a:r>
               <a:rPr lang="en-US" sz="2000" dirty="0" err="1" smtClean="0"/>
               <a:t>Decodificador</a:t>
             </a:r>
             <a:r>
               <a:rPr lang="en-US" sz="2000" dirty="0" smtClean="0"/>
-              <a:t> simple</a:t>
-            </a:r>
-          </a:p>
-          <a:p>
-            <a:r>
-              <a:rPr lang="en-US" sz="2000" dirty="0" err="1" smtClean="0"/>
-              <a:t>Decodificador</a:t>
-            </a:r>
-            <a:r>
-              <a:rPr lang="en-US" sz="2000" dirty="0" smtClean="0"/>
-              <a:t> </a:t>
-            </a:r>
-            <a:r>
-              <a:rPr lang="en-US" sz="2000" dirty="0" err="1" smtClean="0"/>
-              <a:t>goloso</a:t>
-            </a:r>
-            <a:endParaRPr lang="en-US" sz="2000" dirty="0" smtClean="0"/>
-          </a:p>
-          <a:p>
-            <a:pPr lvl="1"/>
-            <a:endParaRPr lang="es-AR" sz="1600" dirty="0"/>
+              <a:t>, Crossover, BL, </a:t>
+            </a:r>
+            <a:r>
+              <a:rPr lang="en-US" sz="2000" dirty="0" err="1" smtClean="0"/>
+              <a:t>condicion</a:t>
+            </a:r>
+            <a:r>
+              <a:rPr lang="en-US" sz="2000" dirty="0" smtClean="0"/>
+              <a:t> de </a:t>
+            </a:r>
+            <a:r>
+              <a:rPr lang="en-US" sz="2000" dirty="0" err="1" smtClean="0"/>
+              <a:t>corte</a:t>
+            </a:r>
+            <a:r>
+              <a:rPr lang="en-US" sz="2000" dirty="0" smtClean="0"/>
+              <a:t> y </a:t>
+            </a:r>
+            <a:r>
+              <a:rPr lang="en-US" sz="2000" dirty="0" err="1" smtClean="0"/>
+              <a:t>codificador</a:t>
+            </a:r>
+            <a:r>
+              <a:rPr lang="en-US" sz="2000" dirty="0" smtClean="0"/>
+              <a:t> (</a:t>
+            </a:r>
+            <a:r>
+              <a:rPr lang="en-US" sz="2000" dirty="0" err="1" smtClean="0"/>
+              <a:t>buscar</a:t>
+            </a:r>
+            <a:r>
+              <a:rPr lang="en-US" sz="2000" dirty="0" smtClean="0"/>
+              <a:t> la </a:t>
+            </a:r>
+            <a:r>
+              <a:rPr lang="en-US" sz="2000" dirty="0" err="1" smtClean="0"/>
+              <a:t>que</a:t>
+            </a:r>
+            <a:r>
+              <a:rPr lang="en-US" sz="2000" dirty="0" smtClean="0"/>
+              <a:t> </a:t>
+            </a:r>
+            <a:r>
+              <a:rPr lang="en-US" sz="2000" dirty="0" err="1" smtClean="0"/>
+              <a:t>sabes</a:t>
+            </a:r>
+            <a:r>
+              <a:rPr lang="en-US" sz="2000" dirty="0" smtClean="0"/>
+              <a:t> y </a:t>
+            </a:r>
+            <a:r>
+              <a:rPr lang="en-US" sz="2000" dirty="0" err="1" smtClean="0"/>
+              <a:t>acomodarla</a:t>
+            </a:r>
+            <a:r>
+              <a:rPr lang="en-US" sz="2000" dirty="0" smtClean="0"/>
+              <a:t> a </a:t>
+            </a:r>
+            <a:r>
+              <a:rPr lang="en-US" sz="2000" dirty="0" err="1" smtClean="0"/>
+              <a:t>tu</a:t>
+            </a:r>
+            <a:r>
+              <a:rPr lang="en-US" sz="2000" dirty="0" smtClean="0"/>
+              <a:t> </a:t>
+            </a:r>
+            <a:r>
+              <a:rPr lang="en-US" sz="2000" dirty="0" err="1" smtClean="0"/>
+              <a:t>implementacion</a:t>
+            </a:r>
+            <a:r>
+              <a:rPr lang="en-US" sz="2000" dirty="0" smtClean="0"/>
+              <a:t>)</a:t>
+            </a:r>
+            <a:endParaRPr lang="es-AR" sz="2000" dirty="0"/>
           </a:p>
         </p:txBody>
       </p:sp>
     </p:spTree>
     <p:extLst>
       <p:ext uri="{BB962C8B-B14F-4D97-AF65-F5344CB8AC3E}">
-        <p14:creationId xmlns:p14="http://schemas.microsoft.com/office/powerpoint/2010/main" val="3183546833"/>
+        <p14:creationId xmlns:p14="http://schemas.microsoft.com/office/powerpoint/2010/main" val="3139650440"/>
       </p:ext>
     </p:extLst>
   </p:cSld>

--- a/TesisPaper/Defensa/Biased Random Key Genetic Algorithm.pptx
+++ b/TesisPaper/Defensa/Biased Random Key Genetic Algorithm.pptx
@@ -14,13 +14,14 @@
     <p:sldId id="261" r:id="rId8"/>
     <p:sldId id="272" r:id="rId9"/>
     <p:sldId id="262" r:id="rId10"/>
-    <p:sldId id="263" r:id="rId11"/>
-    <p:sldId id="265" r:id="rId12"/>
-    <p:sldId id="266" r:id="rId13"/>
-    <p:sldId id="267" r:id="rId14"/>
-    <p:sldId id="268" r:id="rId15"/>
-    <p:sldId id="269" r:id="rId16"/>
-    <p:sldId id="270" r:id="rId17"/>
+    <p:sldId id="273" r:id="rId11"/>
+    <p:sldId id="263" r:id="rId12"/>
+    <p:sldId id="265" r:id="rId13"/>
+    <p:sldId id="274" r:id="rId14"/>
+    <p:sldId id="275" r:id="rId15"/>
+    <p:sldId id="268" r:id="rId16"/>
+    <p:sldId id="269" r:id="rId17"/>
+    <p:sldId id="270" r:id="rId18"/>
   </p:sldIdLst>
   <p:sldSz cx="9144000" cy="6858000" type="screen4x3"/>
   <p:notesSz cx="6858000" cy="9144000"/>
@@ -3287,397 +3288,39 @@
           </a:p>
         </p:txBody>
       </p:sp>
-      <p:sp>
-        <p:nvSpPr>
-          <p:cNvPr id="3" name="Content Placeholder 2"/>
-          <p:cNvSpPr>
-            <a:spLocks noGrp="1"/>
-          </p:cNvSpPr>
+      <p:pic>
+        <p:nvPicPr>
+          <p:cNvPr id="8" name="Content Placeholder 7"/>
+          <p:cNvPicPr>
+            <a:picLocks noGrp="1" noChangeAspect="1"/>
+          </p:cNvPicPr>
           <p:nvPr>
             <p:ph idx="1"/>
           </p:nvPr>
-        </p:nvSpPr>
+        </p:nvPicPr>
+        <p:blipFill>
+          <a:blip r:embed="rId2" cstate="print">
+            <a:extLst>
+              <a:ext uri="{28A0092B-C50C-407E-A947-70E740481C1C}">
+                <a14:useLocalDpi xmlns:a14="http://schemas.microsoft.com/office/drawing/2010/main" val="0"/>
+              </a:ext>
+            </a:extLst>
+          </a:blip>
+          <a:stretch>
+            <a:fillRect/>
+          </a:stretch>
+        </p:blipFill>
         <p:spPr>
           <a:xfrm>
-            <a:off x="457200" y="908720"/>
-            <a:ext cx="8229600" cy="5217443"/>
+            <a:off x="1331640" y="764704"/>
+            <a:ext cx="6662973" cy="5953253"/>
           </a:xfrm>
         </p:spPr>
-        <p:txBody>
-          <a:bodyPr>
-            <a:normAutofit/>
-          </a:bodyPr>
-          <a:lstStyle/>
-          <a:p>
-            <a:r>
-              <a:rPr lang="en-US" sz="2000" dirty="0" err="1" smtClean="0"/>
-              <a:t>Inicializacion</a:t>
-            </a:r>
-            <a:r>
-              <a:rPr lang="en-US" sz="2000" dirty="0" smtClean="0"/>
-              <a:t> de la </a:t>
-            </a:r>
-            <a:r>
-              <a:rPr lang="en-US" sz="2000" dirty="0" err="1" smtClean="0"/>
-              <a:t>Poblacion</a:t>
-            </a:r>
-            <a:endParaRPr lang="en-US" sz="2000" dirty="0" smtClean="0"/>
-          </a:p>
-          <a:p>
-            <a:pPr lvl="1"/>
-            <a:r>
-              <a:rPr lang="en-US" sz="1600" dirty="0" err="1" smtClean="0"/>
-              <a:t>Generacion</a:t>
-            </a:r>
-            <a:r>
-              <a:rPr lang="en-US" sz="1600" dirty="0" smtClean="0"/>
-              <a:t> de </a:t>
-            </a:r>
-            <a:r>
-              <a:rPr lang="en-US" sz="1600" dirty="0" err="1" smtClean="0"/>
-              <a:t>vectores</a:t>
-            </a:r>
-            <a:r>
-              <a:rPr lang="en-US" sz="1600" dirty="0" smtClean="0"/>
-              <a:t> de </a:t>
-            </a:r>
-            <a:r>
-              <a:rPr lang="en-US" sz="1600" dirty="0" err="1" smtClean="0"/>
-              <a:t>enteros</a:t>
-            </a:r>
-            <a:r>
-              <a:rPr lang="en-US" sz="1600" dirty="0" smtClean="0"/>
-              <a:t> </a:t>
-            </a:r>
-            <a:r>
-              <a:rPr lang="en-US" sz="1600" dirty="0" err="1" smtClean="0"/>
-              <a:t>aleatorios</a:t>
-            </a:r>
-            <a:endParaRPr lang="en-US" sz="1600" dirty="0" smtClean="0"/>
-          </a:p>
-          <a:p>
-            <a:r>
-              <a:rPr lang="en-US" sz="2000" dirty="0" err="1" smtClean="0"/>
-              <a:t>Decodificacion</a:t>
-            </a:r>
-            <a:r>
-              <a:rPr lang="en-US" sz="2000" dirty="0" smtClean="0"/>
-              <a:t> de la </a:t>
-            </a:r>
-            <a:r>
-              <a:rPr lang="en-US" sz="2000" dirty="0" err="1" smtClean="0"/>
-              <a:t>poblacion</a:t>
-            </a:r>
-            <a:endParaRPr lang="en-US" sz="2000" dirty="0" smtClean="0"/>
-          </a:p>
-          <a:p>
-            <a:pPr lvl="1"/>
-            <a:r>
-              <a:rPr lang="en-US" sz="1600" dirty="0" err="1" smtClean="0"/>
-              <a:t>Decodificacion</a:t>
-            </a:r>
-            <a:r>
-              <a:rPr lang="en-US" sz="1600" dirty="0" smtClean="0"/>
-              <a:t> de un vector de </a:t>
-            </a:r>
-            <a:r>
-              <a:rPr lang="en-US" sz="1600" dirty="0" err="1" smtClean="0"/>
-              <a:t>enteros</a:t>
-            </a:r>
-            <a:r>
-              <a:rPr lang="en-US" sz="1600" dirty="0" smtClean="0"/>
-              <a:t> en </a:t>
-            </a:r>
-            <a:r>
-              <a:rPr lang="en-US" sz="1600" dirty="0" err="1" smtClean="0"/>
-              <a:t>una</a:t>
-            </a:r>
-            <a:r>
-              <a:rPr lang="en-US" sz="1600" dirty="0" smtClean="0"/>
-              <a:t> </a:t>
-            </a:r>
-            <a:r>
-              <a:rPr lang="en-US" sz="1600" dirty="0" err="1" smtClean="0"/>
-              <a:t>solucion</a:t>
-            </a:r>
-            <a:r>
-              <a:rPr lang="en-US" sz="1600" dirty="0" smtClean="0"/>
-              <a:t> </a:t>
-            </a:r>
-            <a:r>
-              <a:rPr lang="en-US" sz="1600" dirty="0" err="1" smtClean="0"/>
-              <a:t>valida</a:t>
-            </a:r>
-            <a:r>
-              <a:rPr lang="en-US" sz="1600" dirty="0" smtClean="0"/>
-              <a:t> del </a:t>
-            </a:r>
-            <a:r>
-              <a:rPr lang="en-US" sz="1600" dirty="0" err="1" smtClean="0"/>
-              <a:t>problema</a:t>
-            </a:r>
-            <a:endParaRPr lang="en-US" sz="1600" dirty="0" smtClean="0"/>
-          </a:p>
-          <a:p>
-            <a:r>
-              <a:rPr lang="en-US" sz="2000" dirty="0" err="1" smtClean="0"/>
-              <a:t>Evolucion</a:t>
-            </a:r>
-            <a:r>
-              <a:rPr lang="en-US" sz="2000" dirty="0" smtClean="0"/>
-              <a:t> de </a:t>
-            </a:r>
-            <a:r>
-              <a:rPr lang="en-US" sz="2000" dirty="0" err="1" smtClean="0"/>
-              <a:t>poblacion</a:t>
-            </a:r>
-            <a:endParaRPr lang="en-US" sz="2000" dirty="0" smtClean="0"/>
-          </a:p>
-          <a:p>
-            <a:pPr lvl="1"/>
-            <a:r>
-              <a:rPr lang="en-US" sz="1600" dirty="0" err="1" smtClean="0"/>
-              <a:t>Ordenamiento</a:t>
-            </a:r>
-            <a:r>
-              <a:rPr lang="en-US" sz="1600" dirty="0" smtClean="0"/>
-              <a:t> </a:t>
-            </a:r>
-            <a:r>
-              <a:rPr lang="en-US" sz="1600" dirty="0" err="1" smtClean="0"/>
-              <a:t>por</a:t>
-            </a:r>
-            <a:r>
-              <a:rPr lang="en-US" sz="1600" dirty="0" smtClean="0"/>
-              <a:t> </a:t>
-            </a:r>
-            <a:r>
-              <a:rPr lang="en-US" sz="1600" dirty="0" err="1" smtClean="0"/>
-              <a:t>aptitud</a:t>
-            </a:r>
-            <a:r>
-              <a:rPr lang="en-US" sz="1600" dirty="0" smtClean="0"/>
-              <a:t> </a:t>
-            </a:r>
-            <a:r>
-              <a:rPr lang="en-US" sz="1600" dirty="0" err="1" smtClean="0"/>
-              <a:t>fisica</a:t>
-            </a:r>
-            <a:endParaRPr lang="en-US" sz="1600" dirty="0" smtClean="0"/>
-          </a:p>
-          <a:p>
-            <a:pPr lvl="1"/>
-            <a:r>
-              <a:rPr lang="en-US" sz="1600" dirty="0" smtClean="0"/>
-              <a:t>Elites </a:t>
-            </a:r>
-            <a:r>
-              <a:rPr lang="en-US" sz="1600" dirty="0" err="1" smtClean="0"/>
-              <a:t>pasan</a:t>
-            </a:r>
-            <a:r>
-              <a:rPr lang="en-US" sz="1600" dirty="0" smtClean="0"/>
-              <a:t> </a:t>
-            </a:r>
-            <a:r>
-              <a:rPr lang="en-US" sz="1600" dirty="0" err="1" smtClean="0"/>
-              <a:t>directo</a:t>
-            </a:r>
-            <a:r>
-              <a:rPr lang="en-US" sz="1600" dirty="0" smtClean="0"/>
-              <a:t> a la </a:t>
-            </a:r>
-            <a:r>
-              <a:rPr lang="en-US" sz="1600" dirty="0" err="1" smtClean="0"/>
-              <a:t>siguiente</a:t>
-            </a:r>
-            <a:r>
-              <a:rPr lang="en-US" sz="1600" dirty="0" smtClean="0"/>
-              <a:t> </a:t>
-            </a:r>
-            <a:r>
-              <a:rPr lang="en-US" sz="1600" dirty="0" err="1" smtClean="0"/>
-              <a:t>generacion</a:t>
-            </a:r>
-            <a:endParaRPr lang="en-US" sz="1600" dirty="0" smtClean="0"/>
-          </a:p>
-          <a:p>
-            <a:pPr lvl="1"/>
-            <a:r>
-              <a:rPr lang="en-US" sz="1600" dirty="0" smtClean="0"/>
-              <a:t>Crossover entre elites y no elites</a:t>
-            </a:r>
-          </a:p>
-          <a:p>
-            <a:pPr lvl="1"/>
-            <a:r>
-              <a:rPr lang="en-US" sz="1600" dirty="0" err="1" smtClean="0"/>
-              <a:t>Geneacion</a:t>
-            </a:r>
-            <a:r>
-              <a:rPr lang="en-US" sz="1600" dirty="0" smtClean="0"/>
-              <a:t> de </a:t>
-            </a:r>
-            <a:r>
-              <a:rPr lang="en-US" sz="1600" dirty="0" err="1" smtClean="0"/>
-              <a:t>mutantes</a:t>
-            </a:r>
-            <a:endParaRPr lang="en-US" sz="1600" dirty="0" smtClean="0"/>
-          </a:p>
-          <a:p>
-            <a:r>
-              <a:rPr lang="en-US" sz="2000" dirty="0" err="1" smtClean="0"/>
-              <a:t>Busquedas</a:t>
-            </a:r>
-            <a:r>
-              <a:rPr lang="en-US" sz="2000" dirty="0" smtClean="0"/>
-              <a:t> locales a </a:t>
-            </a:r>
-            <a:r>
-              <a:rPr lang="en-US" sz="2000" dirty="0" err="1" smtClean="0"/>
-              <a:t>mejor</a:t>
-            </a:r>
-            <a:r>
-              <a:rPr lang="en-US" sz="2000" dirty="0" smtClean="0"/>
-              <a:t> </a:t>
-            </a:r>
-            <a:r>
-              <a:rPr lang="en-US" sz="2000" dirty="0" err="1" smtClean="0"/>
-              <a:t>solucion</a:t>
-            </a:r>
-            <a:endParaRPr lang="en-US" sz="2000" dirty="0" smtClean="0"/>
-          </a:p>
-          <a:p>
-            <a:pPr lvl="1"/>
-            <a:r>
-              <a:rPr lang="en-US" sz="1600" dirty="0" smtClean="0"/>
-              <a:t>Insert, Replace Simple, Replace multiple, Swap, 2-opt</a:t>
-            </a:r>
-          </a:p>
-          <a:p>
-            <a:pPr lvl="1"/>
-            <a:r>
-              <a:rPr lang="en-US" sz="1600" dirty="0" err="1" smtClean="0"/>
-              <a:t>Actualizacion</a:t>
-            </a:r>
-            <a:r>
-              <a:rPr lang="en-US" sz="1600" dirty="0" smtClean="0"/>
-              <a:t> de </a:t>
-            </a:r>
-            <a:r>
-              <a:rPr lang="en-US" sz="1600" dirty="0" err="1" smtClean="0"/>
-              <a:t>su</a:t>
-            </a:r>
-            <a:r>
-              <a:rPr lang="en-US" sz="1600" dirty="0" smtClean="0"/>
-              <a:t> </a:t>
-            </a:r>
-            <a:r>
-              <a:rPr lang="en-US" sz="1600" dirty="0" err="1" smtClean="0"/>
-              <a:t>codigo</a:t>
-            </a:r>
-            <a:r>
-              <a:rPr lang="en-US" sz="1600" dirty="0" smtClean="0"/>
-              <a:t> </a:t>
-            </a:r>
-            <a:r>
-              <a:rPr lang="en-US" sz="1600" dirty="0" err="1" smtClean="0"/>
-              <a:t>genetico</a:t>
-            </a:r>
-            <a:endParaRPr lang="en-US" sz="1600" dirty="0" smtClean="0"/>
-          </a:p>
-          <a:p>
-            <a:r>
-              <a:rPr lang="en-US" sz="2000" dirty="0" err="1" smtClean="0"/>
-              <a:t>Evaluacion</a:t>
-            </a:r>
-            <a:r>
-              <a:rPr lang="en-US" sz="2000" dirty="0" smtClean="0"/>
-              <a:t> de </a:t>
-            </a:r>
-            <a:r>
-              <a:rPr lang="en-US" sz="2000" dirty="0" err="1" smtClean="0"/>
-              <a:t>condicion</a:t>
-            </a:r>
-            <a:r>
-              <a:rPr lang="en-US" sz="2000" dirty="0" smtClean="0"/>
-              <a:t> de </a:t>
-            </a:r>
-            <a:r>
-              <a:rPr lang="en-US" sz="2000" dirty="0" err="1" smtClean="0"/>
-              <a:t>corte</a:t>
-            </a:r>
-            <a:endParaRPr lang="en-US" sz="2000" dirty="0" smtClean="0"/>
-          </a:p>
-          <a:p>
-            <a:pPr lvl="1"/>
-            <a:r>
-              <a:rPr lang="en-US" sz="1600" dirty="0" smtClean="0"/>
-              <a:t>Si no se </a:t>
-            </a:r>
-            <a:r>
-              <a:rPr lang="en-US" sz="1600" dirty="0" err="1" smtClean="0"/>
-              <a:t>cumple</a:t>
-            </a:r>
-            <a:r>
-              <a:rPr lang="en-US" sz="1600" dirty="0" smtClean="0"/>
-              <a:t>,  </a:t>
-            </a:r>
-            <a:r>
-              <a:rPr lang="en-US" sz="1600" dirty="0" err="1" smtClean="0"/>
-              <a:t>vuelve</a:t>
-            </a:r>
-            <a:r>
-              <a:rPr lang="en-US" sz="1600" dirty="0" smtClean="0"/>
-              <a:t> al </a:t>
-            </a:r>
-            <a:r>
-              <a:rPr lang="en-US" sz="1600" dirty="0" err="1" smtClean="0"/>
-              <a:t>paso</a:t>
-            </a:r>
-            <a:r>
-              <a:rPr lang="en-US" sz="1600" dirty="0" smtClean="0"/>
-              <a:t> de </a:t>
-            </a:r>
-            <a:r>
-              <a:rPr lang="en-US" sz="1600" dirty="0" err="1" smtClean="0"/>
-              <a:t>decodificacion</a:t>
-            </a:r>
-            <a:endParaRPr lang="en-US" sz="1600" dirty="0" smtClean="0"/>
-          </a:p>
-          <a:p>
-            <a:r>
-              <a:rPr lang="en-US" sz="2000" dirty="0" err="1" smtClean="0"/>
-              <a:t>Retorno</a:t>
-            </a:r>
-            <a:r>
-              <a:rPr lang="en-US" sz="2000" dirty="0" smtClean="0"/>
-              <a:t> de la </a:t>
-            </a:r>
-            <a:r>
-              <a:rPr lang="en-US" sz="2000" dirty="0" err="1" smtClean="0"/>
-              <a:t>mejor</a:t>
-            </a:r>
-            <a:r>
-              <a:rPr lang="en-US" sz="2000" dirty="0" smtClean="0"/>
-              <a:t> </a:t>
-            </a:r>
-            <a:r>
-              <a:rPr lang="en-US" sz="2000" dirty="0" err="1" smtClean="0"/>
-              <a:t>solucion</a:t>
-            </a:r>
-            <a:endParaRPr lang="en-US" sz="2000" dirty="0" smtClean="0"/>
-          </a:p>
-          <a:p>
-            <a:pPr lvl="1"/>
-            <a:endParaRPr lang="es-AR" sz="1600" dirty="0"/>
-          </a:p>
-        </p:txBody>
-      </p:sp>
+      </p:pic>
     </p:spTree>
     <p:extLst>
       <p:ext uri="{BB962C8B-B14F-4D97-AF65-F5344CB8AC3E}">
-        <p14:creationId xmlns:p14="http://schemas.microsoft.com/office/powerpoint/2010/main" val="604376514"/>
+        <p14:creationId xmlns:p14="http://schemas.microsoft.com/office/powerpoint/2010/main" val="3867251395"/>
       </p:ext>
     </p:extLst>
   </p:cSld>
@@ -3766,44 +3409,211 @@
           <a:lstStyle/>
           <a:p>
             <a:r>
+              <a:rPr lang="en-US" sz="2800" dirty="0" err="1" smtClean="0"/>
+              <a:t>Generación</a:t>
+            </a:r>
+            <a:r>
+              <a:rPr lang="en-US" sz="2800" dirty="0" smtClean="0"/>
+              <a:t> de la </a:t>
+            </a:r>
+            <a:r>
+              <a:rPr lang="en-US" sz="2800" dirty="0" err="1" smtClean="0"/>
+              <a:t>población</a:t>
+            </a:r>
+            <a:r>
+              <a:rPr lang="en-US" sz="2800" dirty="0" smtClean="0"/>
+              <a:t> </a:t>
+            </a:r>
+            <a:r>
+              <a:rPr lang="en-US" sz="2800" dirty="0" err="1" smtClean="0"/>
+              <a:t>inicial</a:t>
+            </a:r>
+            <a:endParaRPr lang="en-US" sz="2800" dirty="0" smtClean="0"/>
+          </a:p>
+          <a:p>
+            <a:pPr lvl="1">
+              <a:buFont typeface="Wingdings" pitchFamily="2" charset="2"/>
+              <a:buChar char="§"/>
+            </a:pPr>
+            <a:r>
+              <a:rPr lang="en-US" sz="2000" dirty="0" smtClean="0"/>
+              <a:t>Se </a:t>
+            </a:r>
+            <a:r>
+              <a:rPr lang="en-US" sz="2000" dirty="0" err="1" smtClean="0"/>
+              <a:t>crea</a:t>
+            </a:r>
+            <a:r>
+              <a:rPr lang="en-US" sz="2000" dirty="0" smtClean="0"/>
+              <a:t> </a:t>
+            </a:r>
+            <a:r>
+              <a:rPr lang="en-US" sz="2000" dirty="0" err="1" smtClean="0"/>
+              <a:t>una</a:t>
+            </a:r>
+            <a:r>
+              <a:rPr lang="en-US" sz="2000" dirty="0" smtClean="0"/>
+              <a:t> </a:t>
+            </a:r>
+            <a:r>
+              <a:rPr lang="en-US" sz="2000" dirty="0" err="1" smtClean="0"/>
+              <a:t>cantidad</a:t>
+            </a:r>
+            <a:r>
+              <a:rPr lang="en-US" sz="2000" dirty="0" smtClean="0"/>
+              <a:t> de </a:t>
+            </a:r>
+            <a:r>
+              <a:rPr lang="en-US" sz="2000" dirty="0" err="1" smtClean="0"/>
+              <a:t>vectores</a:t>
+            </a:r>
+            <a:r>
+              <a:rPr lang="en-US" sz="2000" dirty="0" smtClean="0"/>
+              <a:t> de </a:t>
+            </a:r>
+            <a:r>
+              <a:rPr lang="en-US" sz="2000" dirty="0" err="1" smtClean="0"/>
+              <a:t>enteros</a:t>
+            </a:r>
+            <a:r>
+              <a:rPr lang="en-US" sz="2000" dirty="0" smtClean="0"/>
+              <a:t> </a:t>
+            </a:r>
+            <a:r>
+              <a:rPr lang="en-US" sz="2000" dirty="0" err="1" smtClean="0"/>
+              <a:t>aleatorios</a:t>
+            </a:r>
+            <a:r>
+              <a:rPr lang="en-US" sz="2000" dirty="0" smtClean="0"/>
+              <a:t> </a:t>
+            </a:r>
+            <a:r>
+              <a:rPr lang="en-US" sz="2000" dirty="0" err="1" smtClean="0"/>
+              <a:t>igual</a:t>
+            </a:r>
+            <a:r>
+              <a:rPr lang="en-US" sz="2000" dirty="0" smtClean="0"/>
+              <a:t> a la </a:t>
+            </a:r>
+            <a:r>
+              <a:rPr lang="en-US" sz="2000" dirty="0" err="1" smtClean="0"/>
+              <a:t>cantidad</a:t>
+            </a:r>
+            <a:r>
+              <a:rPr lang="en-US" sz="2000" dirty="0" smtClean="0"/>
+              <a:t> de  </a:t>
+            </a:r>
+            <a:r>
+              <a:rPr lang="en-US" sz="2000" dirty="0" err="1" smtClean="0"/>
+              <a:t>soluciones</a:t>
+            </a:r>
+            <a:r>
+              <a:rPr lang="en-US" sz="2000" dirty="0" smtClean="0"/>
+              <a:t> </a:t>
+            </a:r>
+            <a:r>
+              <a:rPr lang="en-US" sz="2000" dirty="0" err="1" smtClean="0"/>
+              <a:t>por</a:t>
+            </a:r>
+            <a:r>
+              <a:rPr lang="en-US" sz="2000" dirty="0" smtClean="0"/>
+              <a:t> </a:t>
+            </a:r>
+            <a:r>
+              <a:rPr lang="en-US" sz="2000" dirty="0" err="1" smtClean="0"/>
+              <a:t>generacion</a:t>
+            </a:r>
+            <a:r>
+              <a:rPr lang="en-US" sz="2000" dirty="0" smtClean="0"/>
+              <a:t> </a:t>
+            </a:r>
+            <a:r>
+              <a:rPr lang="en-US" sz="2000" dirty="0" err="1" smtClean="0"/>
+              <a:t>que</a:t>
+            </a:r>
+            <a:r>
+              <a:rPr lang="en-US" sz="2000" dirty="0" smtClean="0"/>
+              <a:t> se </a:t>
+            </a:r>
+            <a:r>
+              <a:rPr lang="en-US" sz="2000" dirty="0" err="1" smtClean="0"/>
+              <a:t>desea</a:t>
+            </a:r>
+            <a:endParaRPr lang="en-US" sz="2400" dirty="0" smtClean="0"/>
+          </a:p>
+          <a:p>
+            <a:r>
+              <a:rPr lang="en-US" sz="2800" dirty="0" err="1" smtClean="0"/>
+              <a:t>Decodificación</a:t>
+            </a:r>
+            <a:r>
+              <a:rPr lang="en-US" sz="2800" dirty="0" smtClean="0"/>
+              <a:t> </a:t>
+            </a:r>
+            <a:r>
+              <a:rPr lang="en-US" sz="2800" dirty="0" smtClean="0"/>
+              <a:t>de la </a:t>
+            </a:r>
+            <a:r>
+              <a:rPr lang="en-US" sz="2800" dirty="0" err="1" smtClean="0"/>
+              <a:t>población</a:t>
+            </a:r>
+            <a:endParaRPr lang="en-US" sz="2800" dirty="0" smtClean="0"/>
+          </a:p>
+          <a:p>
+            <a:pPr lvl="1">
+              <a:buFont typeface="Wingdings" pitchFamily="2" charset="2"/>
+              <a:buChar char="§"/>
+            </a:pPr>
+            <a:r>
+              <a:rPr lang="en-US" sz="2000" dirty="0" err="1" smtClean="0"/>
+              <a:t>Orden</a:t>
+            </a:r>
+            <a:r>
+              <a:rPr lang="en-US" sz="2000" dirty="0" smtClean="0"/>
+              <a:t> en </a:t>
+            </a:r>
+            <a:r>
+              <a:rPr lang="en-US" sz="2000" dirty="0" err="1" smtClean="0"/>
+              <a:t>que</a:t>
+            </a:r>
+            <a:r>
+              <a:rPr lang="en-US" sz="2000" dirty="0" smtClean="0"/>
+              <a:t> se </a:t>
+            </a:r>
+            <a:r>
+              <a:rPr lang="en-US" sz="2000" dirty="0" err="1" smtClean="0"/>
+              <a:t>seleccionan</a:t>
+            </a:r>
+            <a:r>
+              <a:rPr lang="en-US" sz="2000" dirty="0" smtClean="0"/>
+              <a:t> los </a:t>
+            </a:r>
+            <a:r>
+              <a:rPr lang="en-US" sz="2000" dirty="0" err="1" smtClean="0"/>
+              <a:t>clientes</a:t>
+            </a:r>
+            <a:endParaRPr lang="en-US" sz="2000" dirty="0" smtClean="0"/>
+          </a:p>
+          <a:p>
+            <a:pPr lvl="1">
+              <a:buFont typeface="Wingdings" pitchFamily="2" charset="2"/>
+              <a:buChar char="§"/>
+            </a:pPr>
+            <a:r>
               <a:rPr lang="en-US" sz="2000" dirty="0" err="1" smtClean="0"/>
               <a:t>Decodificador</a:t>
             </a:r>
-            <a:endParaRPr lang="en-US" sz="2000" dirty="0"/>
-          </a:p>
-          <a:p>
-            <a:pPr lvl="1"/>
-            <a:r>
-              <a:rPr lang="en-US" sz="1600" dirty="0" err="1" smtClean="0"/>
-              <a:t>Orden</a:t>
-            </a:r>
-            <a:r>
-              <a:rPr lang="en-US" sz="1600" dirty="0" smtClean="0"/>
-              <a:t> en </a:t>
-            </a:r>
-            <a:r>
-              <a:rPr lang="en-US" sz="1600" dirty="0" err="1" smtClean="0"/>
-              <a:t>que</a:t>
-            </a:r>
-            <a:r>
-              <a:rPr lang="en-US" sz="1600" dirty="0" smtClean="0"/>
-              <a:t> se </a:t>
-            </a:r>
-            <a:r>
-              <a:rPr lang="en-US" sz="1600" dirty="0" err="1" smtClean="0"/>
-              <a:t>seleccionan</a:t>
-            </a:r>
-            <a:r>
-              <a:rPr lang="en-US" sz="1600" dirty="0" smtClean="0"/>
-              <a:t> los </a:t>
-            </a:r>
-            <a:r>
-              <a:rPr lang="en-US" sz="1600" dirty="0" err="1" smtClean="0"/>
-              <a:t>clientes</a:t>
-            </a:r>
-            <a:endParaRPr lang="en-US" sz="1600" dirty="0" smtClean="0"/>
-          </a:p>
-          <a:p>
+            <a:r>
+              <a:rPr lang="en-US" sz="2000" dirty="0" smtClean="0"/>
+              <a:t> Simple</a:t>
+            </a:r>
+          </a:p>
+          <a:p>
+            <a:pPr lvl="1">
+              <a:buFont typeface="Wingdings" pitchFamily="2" charset="2"/>
+              <a:buChar char="§"/>
+            </a:pPr>
             <a:r>
               <a:rPr lang="en-US" sz="2000" dirty="0" err="1" smtClean="0"/>
               <a:t>Decodificador</a:t>
@@ -3813,230 +3623,122 @@
               <a:t> </a:t>
             </a:r>
             <a:r>
-              <a:rPr lang="en-US" sz="2000" dirty="0" smtClean="0"/>
-              <a:t>Simple</a:t>
-            </a:r>
-          </a:p>
-          <a:p>
-            <a:pPr lvl="1"/>
-            <a:r>
-              <a:rPr lang="en-US" sz="1600" dirty="0" smtClean="0"/>
-              <a:t>Al </a:t>
-            </a:r>
-            <a:r>
-              <a:rPr lang="en-US" sz="1600" dirty="0" err="1" smtClean="0"/>
-              <a:t>encontrar</a:t>
-            </a:r>
-            <a:r>
-              <a:rPr lang="en-US" sz="1600" dirty="0" smtClean="0"/>
-              <a:t> un </a:t>
-            </a:r>
-            <a:r>
-              <a:rPr lang="en-US" sz="1600" dirty="0" err="1" smtClean="0"/>
-              <a:t>cliente</a:t>
-            </a:r>
-            <a:r>
-              <a:rPr lang="en-US" sz="1600" dirty="0" smtClean="0"/>
-              <a:t> </a:t>
-            </a:r>
-            <a:r>
-              <a:rPr lang="en-US" sz="1600" dirty="0" err="1" smtClean="0"/>
-              <a:t>que</a:t>
-            </a:r>
-            <a:r>
-              <a:rPr lang="en-US" sz="1600" dirty="0" smtClean="0"/>
-              <a:t> no </a:t>
-            </a:r>
-            <a:r>
-              <a:rPr lang="en-US" sz="1600" dirty="0" err="1" smtClean="0"/>
-              <a:t>puede</a:t>
-            </a:r>
-            <a:r>
-              <a:rPr lang="en-US" sz="1600" dirty="0" smtClean="0"/>
-              <a:t> </a:t>
-            </a:r>
-            <a:r>
-              <a:rPr lang="en-US" sz="1600" dirty="0" err="1" smtClean="0"/>
-              <a:t>ser</a:t>
-            </a:r>
-            <a:r>
-              <a:rPr lang="en-US" sz="1600" dirty="0" smtClean="0"/>
-              <a:t> </a:t>
-            </a:r>
-            <a:r>
-              <a:rPr lang="en-US" sz="1600" dirty="0" err="1" smtClean="0"/>
-              <a:t>asignado</a:t>
-            </a:r>
-            <a:r>
-              <a:rPr lang="en-US" sz="1600" dirty="0" smtClean="0"/>
-              <a:t>, </a:t>
-            </a:r>
-            <a:r>
-              <a:rPr lang="en-US" sz="1600" dirty="0" err="1" smtClean="0"/>
-              <a:t>cambiamos</a:t>
-            </a:r>
-            <a:r>
-              <a:rPr lang="en-US" sz="1600" dirty="0" smtClean="0"/>
-              <a:t> de </a:t>
-            </a:r>
-            <a:r>
-              <a:rPr lang="en-US" sz="1600" dirty="0" err="1" smtClean="0"/>
-              <a:t>vehículo</a:t>
-            </a:r>
-            <a:endParaRPr lang="en-US" sz="1600" dirty="0" smtClean="0"/>
-          </a:p>
-          <a:p>
-            <a:r>
-              <a:rPr lang="en-US" sz="2000" dirty="0" err="1" smtClean="0"/>
-              <a:t>Decodificador</a:t>
-            </a:r>
-            <a:r>
-              <a:rPr lang="en-US" sz="2000" dirty="0" smtClean="0"/>
-              <a:t> </a:t>
-            </a:r>
-            <a:r>
               <a:rPr lang="en-US" sz="2000" dirty="0" err="1" smtClean="0"/>
               <a:t>Goloso</a:t>
             </a:r>
             <a:endParaRPr lang="en-US" sz="2000" dirty="0" smtClean="0"/>
           </a:p>
           <a:p>
-            <a:pPr lvl="1"/>
-            <a:r>
-              <a:rPr lang="en-US" sz="1600" dirty="0" smtClean="0"/>
-              <a:t>Se </a:t>
-            </a:r>
-            <a:r>
-              <a:rPr lang="en-US" sz="1600" dirty="0" err="1" smtClean="0"/>
-              <a:t>prueban</a:t>
-            </a:r>
-            <a:r>
-              <a:rPr lang="en-US" sz="1600" dirty="0" smtClean="0"/>
-              <a:t> </a:t>
-            </a:r>
-            <a:r>
-              <a:rPr lang="en-US" sz="1600" dirty="0" err="1" smtClean="0"/>
-              <a:t>todos</a:t>
-            </a:r>
-            <a:r>
-              <a:rPr lang="en-US" sz="1600" dirty="0" smtClean="0"/>
-              <a:t> los </a:t>
-            </a:r>
-            <a:r>
-              <a:rPr lang="en-US" sz="1600" dirty="0" err="1" smtClean="0"/>
-              <a:t>clientes</a:t>
-            </a:r>
-            <a:r>
-              <a:rPr lang="en-US" sz="1600" dirty="0" smtClean="0"/>
-              <a:t> </a:t>
-            </a:r>
-            <a:r>
-              <a:rPr lang="en-US" sz="1600" dirty="0" err="1" smtClean="0"/>
-              <a:t>disponibleas</a:t>
-            </a:r>
-            <a:r>
-              <a:rPr lang="en-US" sz="1600" dirty="0" smtClean="0"/>
-              <a:t> </a:t>
-            </a:r>
-            <a:r>
-              <a:rPr lang="en-US" sz="1600" dirty="0" err="1" smtClean="0"/>
-              <a:t>para</a:t>
-            </a:r>
-            <a:r>
-              <a:rPr lang="en-US" sz="1600" dirty="0" smtClean="0"/>
-              <a:t> </a:t>
-            </a:r>
-            <a:r>
-              <a:rPr lang="en-US" sz="1600" dirty="0" err="1" smtClean="0"/>
-              <a:t>cada</a:t>
-            </a:r>
-            <a:r>
-              <a:rPr lang="en-US" sz="1600" dirty="0" smtClean="0"/>
-              <a:t> </a:t>
-            </a:r>
-            <a:r>
-              <a:rPr lang="en-US" sz="1600" dirty="0" err="1" smtClean="0"/>
-              <a:t>vehículo</a:t>
-            </a:r>
-            <a:r>
-              <a:rPr lang="en-US" sz="1600" dirty="0" smtClean="0"/>
-              <a:t> </a:t>
-            </a:r>
-            <a:r>
-              <a:rPr lang="en-US" sz="1600" dirty="0" err="1" smtClean="0"/>
-              <a:t>respetando</a:t>
-            </a:r>
-            <a:r>
-              <a:rPr lang="en-US" sz="1600" dirty="0" smtClean="0"/>
-              <a:t> </a:t>
-            </a:r>
-            <a:r>
-              <a:rPr lang="en-US" sz="1600" dirty="0" err="1" smtClean="0"/>
-              <a:t>orden</a:t>
-            </a:r>
-            <a:endParaRPr lang="en-US" sz="1600" dirty="0" smtClean="0"/>
-          </a:p>
-          <a:p>
-            <a:r>
-              <a:rPr lang="en-US" sz="2000" dirty="0" smtClean="0"/>
-              <a:t>TODO </a:t>
-            </a:r>
-            <a:r>
-              <a:rPr lang="en-US" sz="2000" dirty="0" err="1" smtClean="0"/>
-              <a:t>imagen</a:t>
-            </a:r>
-            <a:r>
-              <a:rPr lang="en-US" sz="2000" dirty="0" smtClean="0"/>
-              <a:t> con </a:t>
-            </a:r>
-            <a:r>
-              <a:rPr lang="en-US" sz="2000" dirty="0" err="1" smtClean="0"/>
-              <a:t>asignacion</a:t>
-            </a:r>
-            <a:r>
-              <a:rPr lang="en-US" sz="2000" dirty="0" smtClean="0"/>
-              <a:t> de </a:t>
-            </a:r>
-            <a:r>
-              <a:rPr lang="en-US" sz="2000" dirty="0" err="1" smtClean="0"/>
-              <a:t>clientes</a:t>
-            </a:r>
-            <a:r>
-              <a:rPr lang="en-US" sz="2000" dirty="0" smtClean="0"/>
-              <a:t> </a:t>
-            </a:r>
-            <a:r>
-              <a:rPr lang="en-US" sz="2000" dirty="0" err="1" smtClean="0"/>
-              <a:t>segun</a:t>
-            </a:r>
-            <a:r>
-              <a:rPr lang="en-US" sz="2000" dirty="0" smtClean="0"/>
-              <a:t> </a:t>
-            </a:r>
-            <a:r>
-              <a:rPr lang="en-US" sz="2000" dirty="0" err="1" smtClean="0"/>
-              <a:t>alguno</a:t>
-            </a:r>
-            <a:r>
-              <a:rPr lang="en-US" sz="2000" dirty="0" smtClean="0"/>
-              <a:t> de los </a:t>
-            </a:r>
-            <a:r>
-              <a:rPr lang="en-US" sz="2000" dirty="0" err="1" smtClean="0"/>
-              <a:t>decos</a:t>
-            </a:r>
-            <a:endParaRPr lang="en-US" sz="2000" dirty="0" smtClean="0"/>
-          </a:p>
-          <a:p>
-            <a:pPr lvl="1"/>
-            <a:endParaRPr lang="es-AR" sz="1600" dirty="0"/>
-          </a:p>
-        </p:txBody>
-      </p:sp>
+            <a:pPr lvl="1">
+              <a:buFont typeface="Wingdings" pitchFamily="2" charset="2"/>
+              <a:buChar char="§"/>
+            </a:pPr>
+            <a:r>
+              <a:rPr lang="en-US" sz="2000" dirty="0" err="1" smtClean="0"/>
+              <a:t>Cada</a:t>
+            </a:r>
+            <a:r>
+              <a:rPr lang="en-US" sz="2000" dirty="0" smtClean="0"/>
+              <a:t> vector </a:t>
+            </a:r>
+            <a:r>
+              <a:rPr lang="en-US" sz="2000" dirty="0" smtClean="0"/>
+              <a:t>de </a:t>
+            </a:r>
+            <a:r>
+              <a:rPr lang="en-US" sz="2000" dirty="0" err="1" smtClean="0"/>
+              <a:t>enteros</a:t>
+            </a:r>
+            <a:r>
+              <a:rPr lang="en-US" sz="2000" dirty="0" smtClean="0"/>
+              <a:t> </a:t>
+            </a:r>
+            <a:r>
+              <a:rPr lang="en-US" sz="2000" dirty="0" smtClean="0"/>
+              <a:t>se </a:t>
+            </a:r>
+            <a:r>
+              <a:rPr lang="en-US" sz="2000" dirty="0" err="1" smtClean="0"/>
+              <a:t>decodifica</a:t>
+            </a:r>
+            <a:r>
+              <a:rPr lang="en-US" sz="2000" dirty="0" smtClean="0"/>
+              <a:t> </a:t>
+            </a:r>
+            <a:r>
+              <a:rPr lang="en-US" sz="2000" dirty="0" smtClean="0"/>
+              <a:t>en </a:t>
+            </a:r>
+            <a:r>
+              <a:rPr lang="en-US" sz="2000" dirty="0" err="1" smtClean="0"/>
+              <a:t>una</a:t>
+            </a:r>
+            <a:r>
+              <a:rPr lang="en-US" sz="2000" dirty="0" smtClean="0"/>
+              <a:t> </a:t>
+            </a:r>
+            <a:r>
+              <a:rPr lang="en-US" sz="2000" dirty="0" err="1" smtClean="0"/>
+              <a:t>solución</a:t>
+            </a:r>
+            <a:r>
+              <a:rPr lang="en-US" sz="2000" dirty="0" smtClean="0"/>
+              <a:t> </a:t>
+            </a:r>
+            <a:r>
+              <a:rPr lang="en-US" sz="2000" dirty="0" err="1" smtClean="0"/>
+              <a:t>válida</a:t>
+            </a:r>
+            <a:r>
+              <a:rPr lang="en-US" sz="2000" dirty="0" smtClean="0"/>
+              <a:t> </a:t>
+            </a:r>
+            <a:r>
+              <a:rPr lang="en-US" sz="2000" dirty="0" smtClean="0"/>
+              <a:t>del </a:t>
+            </a:r>
+            <a:r>
+              <a:rPr lang="en-US" sz="2000" dirty="0" err="1" smtClean="0"/>
+              <a:t>problema</a:t>
+            </a:r>
+            <a:endParaRPr lang="es-AR" sz="2000" dirty="0"/>
+          </a:p>
+        </p:txBody>
+      </p:sp>
+      <p:pic>
+        <p:nvPicPr>
+          <p:cNvPr id="5" name="Picture 4"/>
+          <p:cNvPicPr>
+            <a:picLocks noChangeAspect="1"/>
+          </p:cNvPicPr>
+          <p:nvPr/>
+        </p:nvPicPr>
+        <p:blipFill>
+          <a:blip r:embed="rId2">
+            <a:extLst>
+              <a:ext uri="{28A0092B-C50C-407E-A947-70E740481C1C}">
+                <a14:useLocalDpi xmlns:a14="http://schemas.microsoft.com/office/drawing/2010/main" val="0"/>
+              </a:ext>
+            </a:extLst>
+          </a:blip>
+          <a:stretch>
+            <a:fillRect/>
+          </a:stretch>
+        </p:blipFill>
+        <p:spPr>
+          <a:xfrm>
+            <a:off x="27353" y="4365104"/>
+            <a:ext cx="9144000" cy="2310938"/>
+          </a:xfrm>
+          <a:prstGeom prst="rect">
+            <a:avLst/>
+          </a:prstGeom>
+        </p:spPr>
+      </p:pic>
     </p:spTree>
     <p:extLst>
       <p:ext uri="{BB962C8B-B14F-4D97-AF65-F5344CB8AC3E}">
-        <p14:creationId xmlns:p14="http://schemas.microsoft.com/office/powerpoint/2010/main" val="2391434657"/>
+        <p14:creationId xmlns:p14="http://schemas.microsoft.com/office/powerpoint/2010/main" val="604376514"/>
       </p:ext>
     </p:extLst>
   </p:cSld>
@@ -4120,409 +3822,261 @@
         </p:spPr>
         <p:txBody>
           <a:bodyPr>
-            <a:normAutofit/>
+            <a:normAutofit lnSpcReduction="10000"/>
           </a:bodyPr>
           <a:lstStyle/>
           <a:p>
-            <a:r>
-              <a:rPr lang="en-US" sz="2000" dirty="0" smtClean="0"/>
-              <a:t>Centro de </a:t>
-            </a:r>
-            <a:r>
-              <a:rPr lang="en-US" sz="2000" dirty="0" err="1" smtClean="0"/>
-              <a:t>Gravedad</a:t>
-            </a:r>
-            <a:endParaRPr lang="en-US" sz="2000" dirty="0" smtClean="0"/>
-          </a:p>
-          <a:p>
-            <a:pPr lvl="1"/>
-            <a:r>
-              <a:rPr lang="en-US" sz="1600" dirty="0" err="1" smtClean="0"/>
-              <a:t>Orden</a:t>
-            </a:r>
-            <a:r>
-              <a:rPr lang="en-US" sz="1600" dirty="0" smtClean="0"/>
-              <a:t> en </a:t>
-            </a:r>
-            <a:r>
-              <a:rPr lang="en-US" sz="1600" dirty="0" err="1" smtClean="0"/>
-              <a:t>que</a:t>
-            </a:r>
-            <a:r>
-              <a:rPr lang="en-US" sz="1600" dirty="0" smtClean="0"/>
-              <a:t> se  </a:t>
-            </a:r>
-            <a:r>
-              <a:rPr lang="en-US" sz="1600" dirty="0" err="1" smtClean="0"/>
-              <a:t>seleccionan</a:t>
-            </a:r>
-            <a:r>
-              <a:rPr lang="en-US" sz="1600" dirty="0" smtClean="0"/>
-              <a:t> los </a:t>
-            </a:r>
-            <a:r>
-              <a:rPr lang="en-US" sz="1600" dirty="0" err="1" smtClean="0"/>
-              <a:t>clientes</a:t>
-            </a:r>
-            <a:r>
-              <a:rPr lang="en-US" sz="1600" dirty="0" smtClean="0"/>
-              <a:t> no </a:t>
-            </a:r>
-            <a:r>
-              <a:rPr lang="en-US" sz="1600" dirty="0" err="1" smtClean="0"/>
-              <a:t>visitados</a:t>
-            </a:r>
-            <a:endParaRPr lang="en-US" sz="1600" dirty="0" smtClean="0"/>
-          </a:p>
-          <a:p>
-            <a:r>
-              <a:rPr lang="en-US" sz="2000" dirty="0" err="1" smtClean="0"/>
-              <a:t>Busquedas</a:t>
-            </a:r>
-            <a:r>
-              <a:rPr lang="en-US" sz="2000" dirty="0" smtClean="0"/>
-              <a:t> Locales</a:t>
-            </a:r>
-          </a:p>
-          <a:p>
-            <a:pPr lvl="1"/>
-            <a:r>
-              <a:rPr lang="en-US" sz="1600" dirty="0" err="1" smtClean="0"/>
-              <a:t>Aplica</a:t>
-            </a:r>
-            <a:r>
-              <a:rPr lang="en-US" sz="1600" dirty="0" smtClean="0"/>
-              <a:t> </a:t>
-            </a:r>
-            <a:r>
-              <a:rPr lang="en-US" sz="1600" dirty="0" err="1" smtClean="0"/>
-              <a:t>una</a:t>
-            </a:r>
-            <a:r>
-              <a:rPr lang="en-US" sz="1600" dirty="0" smtClean="0"/>
-              <a:t> </a:t>
-            </a:r>
-            <a:r>
-              <a:rPr lang="en-US" sz="1600" dirty="0" err="1" smtClean="0"/>
-              <a:t>secuencia</a:t>
-            </a:r>
-            <a:r>
-              <a:rPr lang="en-US" sz="1600" dirty="0" smtClean="0"/>
-              <a:t> de BL a </a:t>
-            </a:r>
-            <a:r>
-              <a:rPr lang="en-US" sz="1600" dirty="0" err="1" smtClean="0"/>
+            <a:endParaRPr lang="en-US" sz="2800" dirty="0" smtClean="0"/>
+          </a:p>
+          <a:p>
+            <a:endParaRPr lang="en-US" sz="2800" dirty="0"/>
+          </a:p>
+          <a:p>
+            <a:endParaRPr lang="en-US" sz="2800" dirty="0" smtClean="0"/>
+          </a:p>
+          <a:p>
+            <a:endParaRPr lang="en-US" sz="2800" dirty="0"/>
+          </a:p>
+          <a:p>
+            <a:r>
+              <a:rPr lang="en-US" sz="2800" dirty="0" err="1" smtClean="0"/>
+              <a:t>Evolución</a:t>
+            </a:r>
+            <a:r>
+              <a:rPr lang="en-US" sz="2800" dirty="0" smtClean="0"/>
+              <a:t> </a:t>
+            </a:r>
+            <a:r>
+              <a:rPr lang="en-US" sz="2800" dirty="0"/>
+              <a:t>de </a:t>
+            </a:r>
+            <a:r>
+              <a:rPr lang="en-US" sz="2800" dirty="0" err="1"/>
+              <a:t>población</a:t>
+            </a:r>
+            <a:endParaRPr lang="en-US" sz="2800" dirty="0"/>
+          </a:p>
+          <a:p>
+            <a:pPr lvl="1">
+              <a:buFont typeface="Wingdings" pitchFamily="2" charset="2"/>
+              <a:buChar char="§"/>
+            </a:pPr>
+            <a:r>
+              <a:rPr lang="en-US" sz="2000" dirty="0" err="1"/>
+              <a:t>Ordenamiento</a:t>
+            </a:r>
+            <a:r>
+              <a:rPr lang="en-US" sz="2000" dirty="0"/>
+              <a:t> de </a:t>
+            </a:r>
+            <a:r>
+              <a:rPr lang="en-US" sz="2000" dirty="0" err="1"/>
               <a:t>las</a:t>
             </a:r>
             <a:r>
-              <a:rPr lang="en-US" sz="1600" dirty="0" smtClean="0"/>
-              <a:t> </a:t>
-            </a:r>
-            <a:r>
-              <a:rPr lang="en-US" sz="1600" dirty="0" err="1" smtClean="0"/>
-              <a:t>mejores</a:t>
-            </a:r>
-            <a:r>
-              <a:rPr lang="en-US" sz="1600" dirty="0" smtClean="0"/>
-              <a:t> N </a:t>
-            </a:r>
-            <a:r>
-              <a:rPr lang="en-US" sz="1600" dirty="0" err="1" smtClean="0"/>
+              <a:rPr lang="en-US" sz="2000" dirty="0"/>
+              <a:t> </a:t>
+            </a:r>
+            <a:r>
+              <a:rPr lang="en-US" sz="2000" dirty="0" err="1"/>
               <a:t>soluciones</a:t>
             </a:r>
             <a:r>
-              <a:rPr lang="en-US" sz="1600" dirty="0" smtClean="0"/>
-              <a:t> en </a:t>
-            </a:r>
-            <a:r>
-              <a:rPr lang="en-US" sz="1600" dirty="0" err="1" smtClean="0"/>
-              <a:t>cada</a:t>
-            </a:r>
-            <a:r>
-              <a:rPr lang="en-US" sz="1600" dirty="0" smtClean="0"/>
-              <a:t> </a:t>
-            </a:r>
-            <a:r>
-              <a:rPr lang="en-US" sz="1600" dirty="0" err="1" smtClean="0"/>
-              <a:t>generacion</a:t>
-            </a:r>
-            <a:endParaRPr lang="en-US" sz="1600" dirty="0" smtClean="0"/>
-          </a:p>
-          <a:p>
-            <a:pPr lvl="1"/>
-            <a:r>
-              <a:rPr lang="en-US" sz="1600" dirty="0" smtClean="0"/>
-              <a:t>Swap: </a:t>
-            </a:r>
-            <a:r>
-              <a:rPr lang="en-US" sz="1600" dirty="0" err="1" smtClean="0"/>
-              <a:t>Intercambio</a:t>
-            </a:r>
-            <a:r>
-              <a:rPr lang="en-US" sz="1600" dirty="0" smtClean="0"/>
-              <a:t> de </a:t>
-            </a:r>
-            <a:r>
-              <a:rPr lang="en-US" sz="1600" dirty="0" err="1" smtClean="0"/>
-              <a:t>clientes</a:t>
-            </a:r>
-            <a:r>
-              <a:rPr lang="en-US" sz="1600" dirty="0" smtClean="0"/>
-              <a:t> entre </a:t>
-            </a:r>
-            <a:r>
-              <a:rPr lang="en-US" sz="1600" dirty="0" err="1" smtClean="0"/>
-              <a:t>distintos</a:t>
-            </a:r>
-            <a:r>
-              <a:rPr lang="en-US" sz="1600" dirty="0" smtClean="0"/>
-              <a:t> </a:t>
-            </a:r>
-            <a:r>
-              <a:rPr lang="en-US" sz="1600" dirty="0" err="1" smtClean="0"/>
-              <a:t>vehículos</a:t>
-            </a:r>
-            <a:endParaRPr lang="en-US" sz="1600" dirty="0" smtClean="0"/>
-          </a:p>
-          <a:p>
-            <a:pPr lvl="1"/>
-            <a:r>
-              <a:rPr lang="en-US" sz="1600" dirty="0" smtClean="0"/>
-              <a:t>2-Opt: </a:t>
-            </a:r>
-            <a:r>
-              <a:rPr lang="en-US" sz="1600" dirty="0" err="1" smtClean="0"/>
-              <a:t>Reordenamiento</a:t>
-            </a:r>
-            <a:r>
-              <a:rPr lang="en-US" sz="1600" dirty="0" smtClean="0"/>
-              <a:t> de </a:t>
-            </a:r>
-            <a:r>
-              <a:rPr lang="en-US" sz="1600" dirty="0" err="1" smtClean="0"/>
-              <a:t>clientes</a:t>
-            </a:r>
-            <a:r>
-              <a:rPr lang="en-US" sz="1600" dirty="0" smtClean="0"/>
-              <a:t> a </a:t>
-            </a:r>
-            <a:r>
-              <a:rPr lang="en-US" sz="1600" dirty="0" err="1" smtClean="0"/>
-              <a:t>visitar</a:t>
-            </a:r>
-            <a:r>
-              <a:rPr lang="en-US" sz="1600" dirty="0" smtClean="0"/>
-              <a:t> </a:t>
-            </a:r>
-            <a:r>
-              <a:rPr lang="en-US" sz="1600" dirty="0" err="1" smtClean="0"/>
+              <a:rPr lang="en-US" sz="2000" dirty="0"/>
+              <a:t> </a:t>
+            </a:r>
+            <a:r>
+              <a:rPr lang="en-US" sz="2000" dirty="0" err="1"/>
+              <a:t>por</a:t>
+            </a:r>
+            <a:r>
+              <a:rPr lang="en-US" sz="2000" dirty="0"/>
+              <a:t> </a:t>
+            </a:r>
+            <a:r>
+              <a:rPr lang="en-US" sz="2000" dirty="0" err="1"/>
+              <a:t>aptitud</a:t>
+            </a:r>
+            <a:r>
+              <a:rPr lang="en-US" sz="2000" dirty="0"/>
+              <a:t> </a:t>
+            </a:r>
+            <a:r>
+              <a:rPr lang="en-US" sz="2000" dirty="0" err="1"/>
+              <a:t>física</a:t>
+            </a:r>
+            <a:endParaRPr lang="en-US" sz="2000" dirty="0"/>
+          </a:p>
+          <a:p>
+            <a:pPr lvl="1">
+              <a:buFont typeface="Wingdings" pitchFamily="2" charset="2"/>
+              <a:buChar char="§"/>
+            </a:pPr>
+            <a:r>
+              <a:rPr lang="es-AR" sz="2000" dirty="0"/>
+              <a:t>Clasificación de las soluciones en elite o no-elite</a:t>
+            </a:r>
+            <a:endParaRPr lang="en-US" sz="2000" dirty="0"/>
+          </a:p>
+          <a:p>
+            <a:pPr lvl="1">
+              <a:buFont typeface="Wingdings" pitchFamily="2" charset="2"/>
+              <a:buChar char="§"/>
+            </a:pPr>
+            <a:r>
+              <a:rPr lang="es-AR" sz="2000" dirty="0"/>
+              <a:t>Soluciones de elite pasan directamente a la siguiente generación</a:t>
+            </a:r>
+            <a:endParaRPr lang="en-US" sz="2000" dirty="0"/>
+          </a:p>
+          <a:p>
+            <a:pPr lvl="1">
+              <a:buFont typeface="Wingdings" pitchFamily="2" charset="2"/>
+              <a:buChar char="§"/>
+            </a:pPr>
+            <a:r>
+              <a:rPr lang="es-AR" sz="2000" dirty="0"/>
+              <a:t>Generación de soluciones hijos utilizando el método de </a:t>
+            </a:r>
+            <a:r>
+              <a:rPr lang="es-AR" sz="2000" i="1" dirty="0"/>
+              <a:t>crossover</a:t>
+            </a:r>
+          </a:p>
+          <a:p>
+            <a:pPr lvl="1">
+              <a:buFont typeface="Wingdings" pitchFamily="2" charset="2"/>
+              <a:buChar char="§"/>
+            </a:pPr>
+            <a:r>
+              <a:rPr lang="en-US" sz="2000" dirty="0" smtClean="0"/>
+              <a:t>No se </a:t>
+            </a:r>
+            <a:r>
+              <a:rPr lang="en-US" sz="2000" dirty="0" err="1" smtClean="0"/>
+              <a:t>permiten</a:t>
+            </a:r>
+            <a:r>
+              <a:rPr lang="en-US" sz="2000" dirty="0" smtClean="0"/>
+              <a:t> </a:t>
+            </a:r>
+            <a:r>
+              <a:rPr lang="en-US" sz="2000" dirty="0" err="1" smtClean="0"/>
+              <a:t>soluciones</a:t>
+            </a:r>
+            <a:r>
+              <a:rPr lang="en-US" sz="2000" dirty="0" smtClean="0"/>
+              <a:t> </a:t>
+            </a:r>
+            <a:r>
+              <a:rPr lang="en-US" sz="2000" dirty="0" err="1" smtClean="0"/>
+              <a:t>repetidas</a:t>
+            </a:r>
+            <a:r>
+              <a:rPr lang="en-US" sz="2000" dirty="0" smtClean="0"/>
+              <a:t>, se </a:t>
+            </a:r>
+            <a:r>
+              <a:rPr lang="en-US" sz="2000" dirty="0" err="1" smtClean="0"/>
+              <a:t>utiliza</a:t>
+            </a:r>
+            <a:r>
+              <a:rPr lang="en-US" sz="2000" dirty="0" smtClean="0"/>
+              <a:t> el hash </a:t>
+            </a:r>
+            <a:r>
+              <a:rPr lang="en-US" sz="2000" dirty="0" err="1" smtClean="0"/>
               <a:t>para</a:t>
             </a:r>
             <a:r>
-              <a:rPr lang="en-US" sz="1600" dirty="0" smtClean="0"/>
-              <a:t> un </a:t>
-            </a:r>
-            <a:r>
-              <a:rPr lang="en-US" sz="1600" dirty="0" err="1" smtClean="0"/>
-              <a:t>vehículo</a:t>
-            </a:r>
-            <a:endParaRPr lang="en-US" sz="1600" dirty="0" smtClean="0"/>
-          </a:p>
-          <a:p>
-            <a:pPr lvl="1"/>
-            <a:r>
-              <a:rPr lang="en-US" sz="1600" dirty="0" smtClean="0"/>
-              <a:t>Insert: </a:t>
-            </a:r>
-            <a:r>
-              <a:rPr lang="en-US" sz="1600" dirty="0" err="1" smtClean="0"/>
-              <a:t>Insertar</a:t>
-            </a:r>
-            <a:r>
-              <a:rPr lang="en-US" sz="1600" dirty="0" smtClean="0"/>
-              <a:t> </a:t>
-            </a:r>
-            <a:r>
-              <a:rPr lang="en-US" sz="1600" dirty="0" err="1" smtClean="0"/>
-              <a:t>cliente</a:t>
-            </a:r>
-            <a:r>
-              <a:rPr lang="en-US" sz="1600" dirty="0" smtClean="0"/>
-              <a:t> no </a:t>
-            </a:r>
-            <a:r>
-              <a:rPr lang="en-US" sz="1600" dirty="0" err="1" smtClean="0"/>
-              <a:t>visitado</a:t>
-            </a:r>
-            <a:r>
-              <a:rPr lang="en-US" sz="1600" dirty="0" smtClean="0"/>
-              <a:t> en </a:t>
-            </a:r>
-            <a:r>
-              <a:rPr lang="en-US" sz="1600" dirty="0" err="1" smtClean="0"/>
-              <a:t>alguna</a:t>
-            </a:r>
-            <a:r>
-              <a:rPr lang="en-US" sz="1600" dirty="0" smtClean="0"/>
-              <a:t> </a:t>
-            </a:r>
-            <a:r>
-              <a:rPr lang="en-US" sz="1600" dirty="0" err="1" smtClean="0"/>
-              <a:t>ruta</a:t>
-            </a:r>
-            <a:endParaRPr lang="en-US" sz="1600" dirty="0" smtClean="0"/>
-          </a:p>
-          <a:p>
-            <a:pPr lvl="1"/>
-            <a:r>
-              <a:rPr lang="en-US" sz="1600" dirty="0" smtClean="0"/>
-              <a:t>Replace Simple: </a:t>
-            </a:r>
-            <a:r>
-              <a:rPr lang="en-US" sz="1600" dirty="0" err="1" smtClean="0"/>
-              <a:t>Insertar</a:t>
-            </a:r>
-            <a:r>
-              <a:rPr lang="en-US" sz="1600" dirty="0" smtClean="0"/>
-              <a:t> un </a:t>
-            </a:r>
-            <a:r>
-              <a:rPr lang="en-US" sz="1600" dirty="0" err="1" smtClean="0"/>
-              <a:t>cliente</a:t>
-            </a:r>
-            <a:r>
-              <a:rPr lang="en-US" sz="1600" dirty="0" smtClean="0"/>
-              <a:t> no </a:t>
-            </a:r>
-            <a:r>
-              <a:rPr lang="en-US" sz="1600" dirty="0" err="1" smtClean="0"/>
-              <a:t>visitado</a:t>
-            </a:r>
-            <a:r>
-              <a:rPr lang="en-US" sz="1600" dirty="0" smtClean="0"/>
-              <a:t> </a:t>
-            </a:r>
-            <a:r>
-              <a:rPr lang="en-US" sz="1600" dirty="0" err="1" smtClean="0"/>
-              <a:t>por</a:t>
-            </a:r>
-            <a:r>
-              <a:rPr lang="en-US" sz="1600" dirty="0" smtClean="0"/>
-              <a:t> </a:t>
-            </a:r>
-            <a:r>
-              <a:rPr lang="en-US" sz="1600" dirty="0" err="1" smtClean="0"/>
-              <a:t>uno</a:t>
-            </a:r>
-            <a:r>
-              <a:rPr lang="en-US" sz="1600" dirty="0" smtClean="0"/>
-              <a:t> </a:t>
-            </a:r>
-            <a:r>
-              <a:rPr lang="en-US" sz="1600" dirty="0" err="1" smtClean="0"/>
-              <a:t>visitado</a:t>
-            </a:r>
-            <a:r>
-              <a:rPr lang="en-US" sz="1600" dirty="0" smtClean="0"/>
-              <a:t> en </a:t>
-            </a:r>
-            <a:r>
-              <a:rPr lang="en-US" sz="1600" dirty="0" err="1" smtClean="0"/>
-              <a:t>alguna</a:t>
-            </a:r>
-            <a:r>
-              <a:rPr lang="en-US" sz="1600" dirty="0" smtClean="0"/>
-              <a:t> </a:t>
-            </a:r>
-            <a:r>
-              <a:rPr lang="en-US" sz="1600" dirty="0" err="1" smtClean="0"/>
-              <a:t>ruta</a:t>
-            </a:r>
-            <a:endParaRPr lang="en-US" sz="1600" dirty="0" smtClean="0"/>
-          </a:p>
-          <a:p>
-            <a:pPr lvl="1"/>
-            <a:r>
-              <a:rPr lang="en-US" sz="1600" dirty="0" smtClean="0"/>
-              <a:t>Replace Multiple: </a:t>
-            </a:r>
-            <a:r>
-              <a:rPr lang="en-US" sz="1600" dirty="0" err="1" smtClean="0"/>
-              <a:t>Insertar</a:t>
-            </a:r>
-            <a:r>
-              <a:rPr lang="en-US" sz="1600" dirty="0" smtClean="0"/>
-              <a:t> un </a:t>
-            </a:r>
-            <a:r>
-              <a:rPr lang="en-US" sz="1600" dirty="0" err="1" smtClean="0"/>
-              <a:t>cliente</a:t>
-            </a:r>
-            <a:r>
-              <a:rPr lang="en-US" sz="1600" dirty="0" smtClean="0"/>
-              <a:t> no </a:t>
-            </a:r>
-            <a:r>
-              <a:rPr lang="en-US" sz="1600" dirty="0" err="1" smtClean="0"/>
-              <a:t>visitado</a:t>
-            </a:r>
-            <a:r>
-              <a:rPr lang="en-US" sz="1600" dirty="0" smtClean="0"/>
-              <a:t> </a:t>
-            </a:r>
-            <a:r>
-              <a:rPr lang="en-US" sz="1600" dirty="0" err="1" smtClean="0"/>
-              <a:t>por</a:t>
-            </a:r>
-            <a:r>
-              <a:rPr lang="en-US" sz="1600" dirty="0" smtClean="0"/>
-              <a:t> </a:t>
-            </a:r>
-            <a:r>
-              <a:rPr lang="en-US" sz="1600" dirty="0" err="1" smtClean="0"/>
-              <a:t>uno</a:t>
-            </a:r>
-            <a:r>
-              <a:rPr lang="en-US" sz="1600" dirty="0" smtClean="0"/>
-              <a:t> a </a:t>
-            </a:r>
-            <a:r>
-              <a:rPr lang="en-US" sz="1600" dirty="0" err="1" smtClean="0"/>
-              <a:t>varios</a:t>
-            </a:r>
-            <a:r>
-              <a:rPr lang="en-US" sz="1600" dirty="0" smtClean="0"/>
-              <a:t> en </a:t>
-            </a:r>
-            <a:r>
-              <a:rPr lang="en-US" sz="1600" dirty="0" err="1" smtClean="0"/>
-              <a:t>alguna</a:t>
-            </a:r>
-            <a:r>
-              <a:rPr lang="en-US" sz="1600" dirty="0" smtClean="0"/>
-              <a:t> </a:t>
-            </a:r>
-            <a:r>
-              <a:rPr lang="en-US" sz="1600" dirty="0" err="1" smtClean="0"/>
-              <a:t>ruta</a:t>
-            </a:r>
-            <a:endParaRPr lang="en-US" sz="1600" dirty="0" smtClean="0"/>
-          </a:p>
-          <a:p>
-            <a:r>
-              <a:rPr lang="es-ES" sz="2000" dirty="0" smtClean="0"/>
-              <a:t>TODO: Imagen centro de gravedad?</a:t>
-            </a:r>
-          </a:p>
-          <a:p>
-            <a:endParaRPr lang="es-ES" sz="2000" dirty="0" smtClean="0"/>
-          </a:p>
-        </p:txBody>
-      </p:sp>
+              <a:rPr lang="en-US" sz="2000" dirty="0" smtClean="0"/>
+              <a:t> </a:t>
+            </a:r>
+            <a:r>
+              <a:rPr lang="en-US" sz="2000" dirty="0" err="1" smtClean="0"/>
+              <a:t>determinar</a:t>
+            </a:r>
+            <a:r>
+              <a:rPr lang="en-US" sz="2000" dirty="0" smtClean="0"/>
+              <a:t> </a:t>
+            </a:r>
+            <a:r>
+              <a:rPr lang="en-US" sz="2000" dirty="0" err="1" smtClean="0"/>
+              <a:t>si</a:t>
+            </a:r>
+            <a:r>
+              <a:rPr lang="en-US" sz="2000" dirty="0" smtClean="0"/>
+              <a:t> dos </a:t>
+            </a:r>
+            <a:r>
+              <a:rPr lang="en-US" sz="2000" dirty="0" err="1" smtClean="0"/>
+              <a:t>soluciones</a:t>
+            </a:r>
+            <a:r>
+              <a:rPr lang="en-US" sz="2000" dirty="0" smtClean="0"/>
+              <a:t> son </a:t>
+            </a:r>
+            <a:r>
+              <a:rPr lang="en-US" sz="2000" dirty="0" err="1" smtClean="0"/>
+              <a:t>iguales</a:t>
+            </a:r>
+            <a:endParaRPr lang="es-AR" sz="2000" dirty="0" smtClean="0"/>
+          </a:p>
+          <a:p>
+            <a:pPr lvl="1">
+              <a:buFont typeface="Wingdings" pitchFamily="2" charset="2"/>
+              <a:buChar char="§"/>
+            </a:pPr>
+            <a:r>
+              <a:rPr lang="es-AR" sz="2000" dirty="0" smtClean="0"/>
+              <a:t>Se </a:t>
+            </a:r>
+            <a:r>
+              <a:rPr lang="es-AR" sz="2000" dirty="0"/>
+              <a:t>completa la nueva generación con soluciones mutantes, soluciones aleatorias para escapar de los mínimos </a:t>
+            </a:r>
+            <a:r>
+              <a:rPr lang="es-AR" sz="2000" dirty="0" smtClean="0"/>
+              <a:t>locales</a:t>
+            </a:r>
+            <a:endParaRPr lang="es-AR" sz="2000" dirty="0"/>
+          </a:p>
+        </p:txBody>
+      </p:sp>
+      <p:pic>
+        <p:nvPicPr>
+          <p:cNvPr id="4" name="Picture 3"/>
+          <p:cNvPicPr>
+            <a:picLocks noChangeAspect="1"/>
+          </p:cNvPicPr>
+          <p:nvPr/>
+        </p:nvPicPr>
+        <p:blipFill>
+          <a:blip r:embed="rId2">
+            <a:extLst>
+              <a:ext uri="{28A0092B-C50C-407E-A947-70E740481C1C}">
+                <a14:useLocalDpi xmlns:a14="http://schemas.microsoft.com/office/drawing/2010/main" val="0"/>
+              </a:ext>
+            </a:extLst>
+          </a:blip>
+          <a:stretch>
+            <a:fillRect/>
+          </a:stretch>
+        </p:blipFill>
+        <p:spPr>
+          <a:xfrm>
+            <a:off x="-2379" y="620688"/>
+            <a:ext cx="9144000" cy="2310938"/>
+          </a:xfrm>
+          <a:prstGeom prst="rect">
+            <a:avLst/>
+          </a:prstGeom>
+        </p:spPr>
+      </p:pic>
     </p:spTree>
     <p:extLst>
       <p:ext uri="{BB962C8B-B14F-4D97-AF65-F5344CB8AC3E}">
-        <p14:creationId xmlns:p14="http://schemas.microsoft.com/office/powerpoint/2010/main" val="4055364157"/>
+        <p14:creationId xmlns:p14="http://schemas.microsoft.com/office/powerpoint/2010/main" val="2391434657"/>
       </p:ext>
     </p:extLst>
   </p:cSld>
@@ -4611,103 +4165,486 @@
           <a:lstStyle/>
           <a:p>
             <a:r>
-              <a:rPr lang="en-US" sz="2000" dirty="0" err="1" smtClean="0"/>
-              <a:t>Codificador</a:t>
-            </a:r>
-            <a:endParaRPr lang="en-US" sz="2000" dirty="0" smtClean="0"/>
-          </a:p>
-          <a:p>
-            <a:pPr lvl="1"/>
-            <a:r>
-              <a:rPr lang="en-US" sz="1600" dirty="0" err="1" smtClean="0"/>
-              <a:t>Actualizacion</a:t>
-            </a:r>
-            <a:r>
-              <a:rPr lang="en-US" sz="1600" dirty="0" smtClean="0"/>
+              <a:rPr lang="en-US" sz="2800" dirty="0" err="1" smtClean="0"/>
+              <a:t>Búsquedas</a:t>
+            </a:r>
+            <a:r>
+              <a:rPr lang="en-US" sz="2800" dirty="0" smtClean="0"/>
+              <a:t> </a:t>
+            </a:r>
+            <a:r>
+              <a:rPr lang="en-US" sz="2800" dirty="0" smtClean="0"/>
+              <a:t>locales </a:t>
+            </a:r>
+            <a:r>
+              <a:rPr lang="en-US" sz="2800" dirty="0" smtClean="0"/>
+              <a:t>a </a:t>
+            </a:r>
+            <a:r>
+              <a:rPr lang="en-US" sz="2800" dirty="0" err="1" smtClean="0"/>
+              <a:t>las</a:t>
+            </a:r>
+            <a:r>
+              <a:rPr lang="en-US" sz="2800" dirty="0" smtClean="0"/>
+              <a:t> </a:t>
+            </a:r>
+            <a:r>
+              <a:rPr lang="en-US" sz="2800" dirty="0" err="1" smtClean="0"/>
+              <a:t>mejores</a:t>
+            </a:r>
+            <a:r>
+              <a:rPr lang="en-US" sz="2800" dirty="0" smtClean="0"/>
+              <a:t> N </a:t>
+            </a:r>
+            <a:r>
+              <a:rPr lang="en-US" sz="2800" dirty="0" err="1" smtClean="0"/>
+              <a:t>soluciones</a:t>
+            </a:r>
+            <a:endParaRPr lang="en-US" sz="2800" dirty="0" smtClean="0"/>
+          </a:p>
+          <a:p>
+            <a:pPr lvl="1">
+              <a:buFont typeface="Wingdings" pitchFamily="2" charset="2"/>
+              <a:buChar char="§"/>
+            </a:pPr>
+            <a:r>
+              <a:rPr lang="en-US" sz="2200" dirty="0" smtClean="0"/>
+              <a:t>Se </a:t>
+            </a:r>
+            <a:r>
+              <a:rPr lang="en-US" sz="2200" dirty="0" err="1" smtClean="0"/>
+              <a:t>aplica</a:t>
+            </a:r>
+            <a:r>
+              <a:rPr lang="en-US" sz="2200" dirty="0" smtClean="0"/>
+              <a:t> </a:t>
+            </a:r>
+            <a:r>
+              <a:rPr lang="en-US" sz="2200" dirty="0" err="1" smtClean="0"/>
+              <a:t>una</a:t>
+            </a:r>
+            <a:r>
+              <a:rPr lang="en-US" sz="2200" dirty="0" smtClean="0"/>
+              <a:t> </a:t>
+            </a:r>
+            <a:r>
+              <a:rPr lang="en-US" sz="2200" dirty="0" err="1" smtClean="0"/>
+              <a:t>secuencia</a:t>
+            </a:r>
+            <a:r>
+              <a:rPr lang="en-US" sz="2200" dirty="0" smtClean="0"/>
+              <a:t> de BL a </a:t>
+            </a:r>
+            <a:r>
+              <a:rPr lang="en-US" sz="2200" dirty="0" err="1" smtClean="0"/>
+              <a:t>las</a:t>
+            </a:r>
+            <a:r>
+              <a:rPr lang="en-US" sz="2200" dirty="0" smtClean="0"/>
+              <a:t> </a:t>
+            </a:r>
+            <a:r>
+              <a:rPr lang="en-US" sz="2200" dirty="0" err="1" smtClean="0"/>
+              <a:t>mejores</a:t>
+            </a:r>
+            <a:r>
+              <a:rPr lang="en-US" sz="2200" dirty="0" smtClean="0"/>
+              <a:t> N </a:t>
+            </a:r>
+            <a:r>
+              <a:rPr lang="en-US" sz="2200" dirty="0" err="1" smtClean="0"/>
+              <a:t>soluciones</a:t>
+            </a:r>
+            <a:r>
+              <a:rPr lang="en-US" sz="2200" dirty="0" smtClean="0"/>
+              <a:t> en </a:t>
+            </a:r>
+            <a:r>
+              <a:rPr lang="en-US" sz="2200" dirty="0" err="1" smtClean="0"/>
+              <a:t>cada</a:t>
+            </a:r>
+            <a:r>
+              <a:rPr lang="en-US" sz="2200" dirty="0" smtClean="0"/>
+              <a:t> </a:t>
+            </a:r>
+            <a:r>
+              <a:rPr lang="en-US" sz="2200" dirty="0" err="1" smtClean="0"/>
+              <a:t>generacion</a:t>
+            </a:r>
+            <a:endParaRPr lang="en-US" sz="2200" dirty="0" smtClean="0"/>
+          </a:p>
+          <a:p>
+            <a:pPr lvl="1">
+              <a:buFont typeface="Wingdings" pitchFamily="2" charset="2"/>
+              <a:buChar char="§"/>
+            </a:pPr>
+            <a:r>
+              <a:rPr lang="en-US" sz="2200" b="1" dirty="0" smtClean="0"/>
+              <a:t>Swap</a:t>
+            </a:r>
+            <a:r>
+              <a:rPr lang="en-US" sz="2200" dirty="0" smtClean="0"/>
+              <a:t>: </a:t>
+            </a:r>
+            <a:r>
+              <a:rPr lang="en-US" sz="2200" dirty="0" err="1" smtClean="0"/>
+              <a:t>Intercambio</a:t>
+            </a:r>
+            <a:r>
+              <a:rPr lang="en-US" sz="2200" dirty="0" smtClean="0"/>
+              <a:t> de </a:t>
+            </a:r>
+            <a:r>
+              <a:rPr lang="en-US" sz="2200" dirty="0" err="1" smtClean="0"/>
+              <a:t>clientes</a:t>
+            </a:r>
+            <a:r>
+              <a:rPr lang="en-US" sz="2200" dirty="0" smtClean="0"/>
+              <a:t> entre </a:t>
+            </a:r>
+            <a:r>
+              <a:rPr lang="en-US" sz="2200" dirty="0" err="1" smtClean="0"/>
+              <a:t>distintos</a:t>
+            </a:r>
+            <a:r>
+              <a:rPr lang="en-US" sz="2200" dirty="0" smtClean="0"/>
+              <a:t> </a:t>
+            </a:r>
+            <a:r>
+              <a:rPr lang="en-US" sz="2200" dirty="0" err="1" smtClean="0"/>
+              <a:t>vehículos</a:t>
+            </a:r>
+            <a:endParaRPr lang="en-US" sz="2200" dirty="0" smtClean="0"/>
+          </a:p>
+          <a:p>
+            <a:pPr lvl="1">
+              <a:buFont typeface="Wingdings" pitchFamily="2" charset="2"/>
+              <a:buChar char="§"/>
+            </a:pPr>
+            <a:r>
+              <a:rPr lang="en-US" sz="2200" b="1" dirty="0" smtClean="0"/>
+              <a:t>2-Opt</a:t>
+            </a:r>
+            <a:r>
+              <a:rPr lang="en-US" sz="2200" dirty="0"/>
+              <a:t>: </a:t>
+            </a:r>
+            <a:r>
+              <a:rPr lang="en-US" sz="2200" dirty="0" err="1"/>
+              <a:t>Reordenamiento</a:t>
+            </a:r>
+            <a:r>
+              <a:rPr lang="en-US" sz="2200" dirty="0"/>
+              <a:t> de </a:t>
+            </a:r>
+            <a:r>
+              <a:rPr lang="en-US" sz="2200" dirty="0" err="1"/>
+              <a:t>clientes</a:t>
+            </a:r>
+            <a:r>
+              <a:rPr lang="en-US" sz="2200" dirty="0"/>
+              <a:t> a </a:t>
+            </a:r>
+            <a:r>
+              <a:rPr lang="en-US" sz="2200" dirty="0" err="1"/>
+              <a:t>visitar</a:t>
+            </a:r>
+            <a:r>
+              <a:rPr lang="en-US" sz="2200" dirty="0"/>
+              <a:t> </a:t>
+            </a:r>
+            <a:r>
+              <a:rPr lang="en-US" sz="2200" dirty="0" err="1"/>
+              <a:t>para</a:t>
+            </a:r>
+            <a:r>
+              <a:rPr lang="en-US" sz="2200" dirty="0"/>
+              <a:t> un </a:t>
+            </a:r>
+            <a:r>
+              <a:rPr lang="en-US" sz="2200" dirty="0" err="1"/>
+              <a:t>vehículo</a:t>
+            </a:r>
+            <a:endParaRPr lang="en-US" sz="2200" dirty="0"/>
+          </a:p>
+          <a:p>
+            <a:pPr lvl="1">
+              <a:buFont typeface="Wingdings" pitchFamily="2" charset="2"/>
+              <a:buChar char="§"/>
+            </a:pPr>
+            <a:r>
+              <a:rPr lang="en-US" sz="2200" b="1" dirty="0"/>
+              <a:t>Insert</a:t>
+            </a:r>
+            <a:r>
+              <a:rPr lang="en-US" sz="2200" dirty="0"/>
+              <a:t>: </a:t>
+            </a:r>
+            <a:r>
+              <a:rPr lang="en-US" sz="2200" dirty="0" err="1"/>
+              <a:t>Insertar</a:t>
+            </a:r>
+            <a:r>
+              <a:rPr lang="en-US" sz="2200" dirty="0"/>
+              <a:t> </a:t>
+            </a:r>
+            <a:r>
+              <a:rPr lang="en-US" sz="2200" dirty="0" err="1"/>
+              <a:t>cliente</a:t>
+            </a:r>
+            <a:r>
+              <a:rPr lang="en-US" sz="2200" dirty="0"/>
+              <a:t> no </a:t>
+            </a:r>
+            <a:r>
+              <a:rPr lang="en-US" sz="2200" dirty="0" err="1"/>
+              <a:t>visitado</a:t>
+            </a:r>
+            <a:r>
+              <a:rPr lang="en-US" sz="2200" dirty="0"/>
+              <a:t> en </a:t>
+            </a:r>
+            <a:r>
+              <a:rPr lang="en-US" sz="2200" dirty="0" err="1"/>
+              <a:t>alguna</a:t>
+            </a:r>
+            <a:r>
+              <a:rPr lang="en-US" sz="2200" dirty="0"/>
+              <a:t> </a:t>
+            </a:r>
+            <a:r>
+              <a:rPr lang="en-US" sz="2200" dirty="0" err="1"/>
+              <a:t>ruta</a:t>
+            </a:r>
+            <a:endParaRPr lang="en-US" sz="2200" dirty="0"/>
+          </a:p>
+          <a:p>
+            <a:pPr lvl="1">
+              <a:buFont typeface="Wingdings" pitchFamily="2" charset="2"/>
+              <a:buChar char="§"/>
+            </a:pPr>
+            <a:r>
+              <a:rPr lang="en-US" sz="2200" b="1" dirty="0"/>
+              <a:t>Replace Simple</a:t>
+            </a:r>
+            <a:r>
+              <a:rPr lang="en-US" sz="2200" dirty="0"/>
+              <a:t>: </a:t>
+            </a:r>
+            <a:r>
+              <a:rPr lang="en-US" sz="2200" dirty="0" err="1"/>
+              <a:t>Insertar</a:t>
+            </a:r>
+            <a:r>
+              <a:rPr lang="en-US" sz="2200" dirty="0"/>
+              <a:t> un </a:t>
+            </a:r>
+            <a:r>
+              <a:rPr lang="en-US" sz="2200" dirty="0" err="1"/>
+              <a:t>cliente</a:t>
+            </a:r>
+            <a:r>
+              <a:rPr lang="en-US" sz="2200" dirty="0"/>
+              <a:t> no </a:t>
+            </a:r>
+            <a:r>
+              <a:rPr lang="en-US" sz="2200" dirty="0" err="1"/>
+              <a:t>visitado</a:t>
+            </a:r>
+            <a:r>
+              <a:rPr lang="en-US" sz="2200" dirty="0"/>
+              <a:t> </a:t>
+            </a:r>
+            <a:r>
+              <a:rPr lang="en-US" sz="2200" dirty="0" err="1"/>
+              <a:t>por</a:t>
+            </a:r>
+            <a:r>
+              <a:rPr lang="en-US" sz="2200" dirty="0"/>
+              <a:t> </a:t>
+            </a:r>
+            <a:r>
+              <a:rPr lang="en-US" sz="2200" dirty="0" err="1"/>
+              <a:t>uno</a:t>
+            </a:r>
+            <a:r>
+              <a:rPr lang="en-US" sz="2200" dirty="0"/>
+              <a:t> </a:t>
+            </a:r>
+            <a:r>
+              <a:rPr lang="en-US" sz="2200" dirty="0" err="1"/>
+              <a:t>visitado</a:t>
+            </a:r>
+            <a:r>
+              <a:rPr lang="en-US" sz="2200" dirty="0"/>
+              <a:t> en </a:t>
+            </a:r>
+            <a:r>
+              <a:rPr lang="en-US" sz="2200" dirty="0" err="1"/>
+              <a:t>alguna</a:t>
+            </a:r>
+            <a:r>
+              <a:rPr lang="en-US" sz="2200" dirty="0"/>
+              <a:t> </a:t>
+            </a:r>
+            <a:r>
+              <a:rPr lang="en-US" sz="2200" dirty="0" err="1"/>
+              <a:t>ruta</a:t>
+            </a:r>
+            <a:endParaRPr lang="en-US" sz="2200" dirty="0"/>
+          </a:p>
+          <a:p>
+            <a:pPr lvl="1">
+              <a:buFont typeface="Wingdings" pitchFamily="2" charset="2"/>
+              <a:buChar char="§"/>
+            </a:pPr>
+            <a:r>
+              <a:rPr lang="en-US" sz="2200" b="1" dirty="0"/>
+              <a:t>Replace Multiple</a:t>
+            </a:r>
+            <a:r>
+              <a:rPr lang="en-US" sz="2200" dirty="0"/>
+              <a:t>: </a:t>
+            </a:r>
+            <a:r>
+              <a:rPr lang="en-US" sz="2200" dirty="0" err="1"/>
+              <a:t>Insertar</a:t>
+            </a:r>
+            <a:r>
+              <a:rPr lang="en-US" sz="2200" dirty="0"/>
+              <a:t> un </a:t>
+            </a:r>
+            <a:r>
+              <a:rPr lang="en-US" sz="2200" dirty="0" err="1"/>
+              <a:t>cliente</a:t>
+            </a:r>
+            <a:r>
+              <a:rPr lang="en-US" sz="2200" dirty="0"/>
+              <a:t> no </a:t>
+            </a:r>
+            <a:r>
+              <a:rPr lang="en-US" sz="2200" dirty="0" err="1"/>
+              <a:t>visitado</a:t>
+            </a:r>
+            <a:r>
+              <a:rPr lang="en-US" sz="2200" dirty="0"/>
+              <a:t> </a:t>
+            </a:r>
+            <a:r>
+              <a:rPr lang="en-US" sz="2200" dirty="0" err="1"/>
+              <a:t>por</a:t>
+            </a:r>
+            <a:r>
+              <a:rPr lang="en-US" sz="2200" dirty="0"/>
+              <a:t> </a:t>
+            </a:r>
+            <a:r>
+              <a:rPr lang="en-US" sz="2200" dirty="0" err="1"/>
+              <a:t>uno</a:t>
+            </a:r>
+            <a:r>
+              <a:rPr lang="en-US" sz="2200" dirty="0"/>
+              <a:t> a </a:t>
+            </a:r>
+            <a:r>
+              <a:rPr lang="en-US" sz="2200" dirty="0" err="1"/>
+              <a:t>varios</a:t>
+            </a:r>
+            <a:r>
+              <a:rPr lang="en-US" sz="2200" dirty="0"/>
+              <a:t> en </a:t>
+            </a:r>
+            <a:r>
+              <a:rPr lang="en-US" sz="2200" dirty="0" err="1"/>
+              <a:t>alguna</a:t>
+            </a:r>
+            <a:r>
+              <a:rPr lang="en-US" sz="2200" dirty="0"/>
+              <a:t> </a:t>
+            </a:r>
+            <a:r>
+              <a:rPr lang="en-US" sz="2200" dirty="0" err="1" smtClean="0"/>
+              <a:t>ruta</a:t>
+            </a:r>
+            <a:endParaRPr lang="en-US" sz="2200" dirty="0" smtClean="0"/>
+          </a:p>
+          <a:p>
+            <a:pPr lvl="1">
+              <a:buFont typeface="Wingdings" pitchFamily="2" charset="2"/>
+              <a:buChar char="§"/>
+            </a:pPr>
+            <a:r>
+              <a:rPr lang="en-US" sz="2200" dirty="0"/>
+              <a:t>Se </a:t>
+            </a:r>
+            <a:r>
+              <a:rPr lang="en-US" sz="2200" dirty="0" err="1"/>
+              <a:t>activa</a:t>
+            </a:r>
+            <a:r>
+              <a:rPr lang="en-US" sz="2200" dirty="0"/>
+              <a:t> el </a:t>
+            </a:r>
+            <a:r>
+              <a:rPr lang="en-US" sz="2200" dirty="0" err="1"/>
+              <a:t>cálculo</a:t>
+            </a:r>
+            <a:r>
+              <a:rPr lang="en-US" sz="2200" dirty="0"/>
+              <a:t> del COG </a:t>
+            </a:r>
+            <a:r>
+              <a:rPr lang="en-US" sz="2200" dirty="0" err="1"/>
+              <a:t>para</a:t>
+            </a:r>
+            <a:r>
+              <a:rPr lang="en-US" sz="2200" dirty="0"/>
+              <a:t> Insert y Replace. A </a:t>
+            </a:r>
+            <a:r>
+              <a:rPr lang="en-US" sz="2200" dirty="0" err="1"/>
+              <a:t>cada</a:t>
+            </a:r>
+            <a:r>
+              <a:rPr lang="en-US" sz="2200" dirty="0"/>
+              <a:t> </a:t>
+            </a:r>
+            <a:r>
+              <a:rPr lang="en-US" sz="2200" dirty="0" err="1"/>
+              <a:t>cambio</a:t>
+            </a:r>
+            <a:r>
+              <a:rPr lang="en-US" sz="2200" dirty="0"/>
+              <a:t> en la </a:t>
+            </a:r>
+            <a:r>
+              <a:rPr lang="en-US" sz="2200" dirty="0" err="1"/>
+              <a:t>ruta</a:t>
+            </a:r>
+            <a:r>
+              <a:rPr lang="en-US" sz="2200" dirty="0"/>
               <a:t> del </a:t>
             </a:r>
             <a:r>
-              <a:rPr lang="en-US" sz="1600" dirty="0" err="1" smtClean="0"/>
-              <a:t>codigo</a:t>
-            </a:r>
-            <a:r>
-              <a:rPr lang="en-US" sz="1600" dirty="0" smtClean="0"/>
-              <a:t> </a:t>
-            </a:r>
-            <a:r>
-              <a:rPr lang="en-US" sz="1600" dirty="0" err="1" smtClean="0"/>
-              <a:t>genetico</a:t>
-            </a:r>
-            <a:r>
-              <a:rPr lang="en-US" sz="1600" dirty="0" smtClean="0"/>
-              <a:t> post </a:t>
-            </a:r>
-            <a:r>
-              <a:rPr lang="en-US" sz="1600" dirty="0" err="1" smtClean="0"/>
-              <a:t>busqueda</a:t>
-            </a:r>
-            <a:r>
-              <a:rPr lang="en-US" sz="1600" dirty="0" smtClean="0"/>
-              <a:t> local</a:t>
-            </a:r>
-          </a:p>
-          <a:p>
-            <a:r>
-              <a:rPr lang="en-US" sz="2000" dirty="0" err="1" smtClean="0"/>
-              <a:t>Condicion</a:t>
-            </a:r>
-            <a:r>
-              <a:rPr lang="en-US" sz="2000" dirty="0" smtClean="0"/>
-              <a:t> de Corte</a:t>
-            </a:r>
-          </a:p>
-          <a:p>
-            <a:pPr lvl="1"/>
-            <a:r>
-              <a:rPr lang="en-US" sz="1600" dirty="0" err="1" smtClean="0"/>
-              <a:t>Geneaciones</a:t>
-            </a:r>
-            <a:r>
-              <a:rPr lang="en-US" sz="1600" dirty="0" smtClean="0"/>
-              <a:t> </a:t>
-            </a:r>
-            <a:r>
-              <a:rPr lang="en-US" sz="1600" dirty="0" err="1" smtClean="0"/>
-              <a:t>Minimas</a:t>
-            </a:r>
-            <a:endParaRPr lang="en-US" sz="1600" dirty="0" smtClean="0"/>
-          </a:p>
-          <a:p>
-            <a:pPr lvl="1"/>
-            <a:r>
-              <a:rPr lang="en-US" sz="1600" dirty="0" err="1" smtClean="0"/>
-              <a:t>Generaciones</a:t>
-            </a:r>
-            <a:r>
-              <a:rPr lang="en-US" sz="1600" dirty="0" smtClean="0"/>
-              <a:t> sin </a:t>
-            </a:r>
-            <a:r>
-              <a:rPr lang="en-US" sz="1600" dirty="0" err="1" smtClean="0"/>
-              <a:t>mejoras</a:t>
-            </a:r>
-            <a:endParaRPr lang="en-US" sz="1600" dirty="0" smtClean="0"/>
-          </a:p>
-          <a:p>
-            <a:r>
-              <a:rPr lang="es-ES" sz="2000" dirty="0" smtClean="0"/>
-              <a:t>TODO: Imagen Codificador?</a:t>
-            </a:r>
-          </a:p>
-          <a:p>
-            <a:endParaRPr lang="es-ES" sz="2000" dirty="0" smtClean="0"/>
+              <a:rPr lang="en-US" sz="2200" dirty="0" err="1"/>
+              <a:t>vehículo</a:t>
+            </a:r>
+            <a:r>
+              <a:rPr lang="en-US" sz="2200" dirty="0"/>
+              <a:t> el COG se </a:t>
+            </a:r>
+            <a:r>
+              <a:rPr lang="en-US" sz="2200" dirty="0" err="1" smtClean="0"/>
+              <a:t>actualiza</a:t>
+            </a:r>
+            <a:endParaRPr lang="es-AR" sz="1600" dirty="0"/>
           </a:p>
         </p:txBody>
       </p:sp>
     </p:spTree>
     <p:extLst>
       <p:ext uri="{BB962C8B-B14F-4D97-AF65-F5344CB8AC3E}">
-        <p14:creationId xmlns:p14="http://schemas.microsoft.com/office/powerpoint/2010/main" val="2901096675"/>
+        <p14:creationId xmlns:p14="http://schemas.microsoft.com/office/powerpoint/2010/main" val="2038407458"/>
       </p:ext>
     </p:extLst>
   </p:cSld>
@@ -4759,6 +4696,469 @@
             <a:pPr algn="r"/>
             <a:r>
               <a:rPr lang="en-US" sz="2400" dirty="0" err="1" smtClean="0"/>
+              <a:t>Algoritmo</a:t>
+            </a:r>
+            <a:r>
+              <a:rPr lang="en-US" sz="2400" dirty="0" smtClean="0"/>
+              <a:t> </a:t>
+            </a:r>
+            <a:r>
+              <a:rPr lang="en-US" sz="2400" dirty="0" err="1" smtClean="0"/>
+              <a:t>Propuesto</a:t>
+            </a:r>
+            <a:endParaRPr lang="en-US" sz="2400" dirty="0" smtClean="0"/>
+          </a:p>
+        </p:txBody>
+      </p:sp>
+      <p:sp>
+        <p:nvSpPr>
+          <p:cNvPr id="3" name="Content Placeholder 2"/>
+          <p:cNvSpPr>
+            <a:spLocks noGrp="1"/>
+          </p:cNvSpPr>
+          <p:nvPr>
+            <p:ph idx="1"/>
+          </p:nvPr>
+        </p:nvSpPr>
+        <p:spPr>
+          <a:xfrm>
+            <a:off x="457200" y="908720"/>
+            <a:ext cx="8229600" cy="5217443"/>
+          </a:xfrm>
+        </p:spPr>
+        <p:txBody>
+          <a:bodyPr>
+            <a:normAutofit/>
+          </a:bodyPr>
+          <a:lstStyle/>
+          <a:p>
+            <a:r>
+              <a:rPr lang="en-US" sz="2800" dirty="0" smtClean="0"/>
+              <a:t>Centro de </a:t>
+            </a:r>
+            <a:r>
+              <a:rPr lang="en-US" sz="2800" dirty="0" err="1" smtClean="0"/>
+              <a:t>Gravedad</a:t>
+            </a:r>
+            <a:r>
+              <a:rPr lang="en-US" sz="2800" dirty="0" smtClean="0"/>
+              <a:t> (COG)</a:t>
+            </a:r>
+          </a:p>
+          <a:p>
+            <a:pPr lvl="1">
+              <a:buFont typeface="Wingdings" pitchFamily="2" charset="2"/>
+              <a:buChar char="§"/>
+            </a:pPr>
+            <a:r>
+              <a:rPr lang="en-US" sz="2000" dirty="0" err="1" smtClean="0"/>
+              <a:t>Todo</a:t>
+            </a:r>
+            <a:r>
+              <a:rPr lang="en-US" sz="2000" dirty="0" smtClean="0"/>
+              <a:t>: </a:t>
+            </a:r>
+            <a:r>
+              <a:rPr lang="en-US" sz="2000" dirty="0" err="1" smtClean="0"/>
+              <a:t>Imagen</a:t>
+            </a:r>
+            <a:r>
+              <a:rPr lang="en-US" sz="2000" dirty="0" smtClean="0"/>
+              <a:t> de </a:t>
+            </a:r>
+            <a:r>
+              <a:rPr lang="en-US" sz="2000" dirty="0" err="1" smtClean="0"/>
+              <a:t>ejemplo</a:t>
+            </a:r>
+            <a:endParaRPr lang="en-US" sz="2000" dirty="0" smtClean="0"/>
+          </a:p>
+          <a:p>
+            <a:r>
+              <a:rPr lang="en-US" sz="2800" dirty="0" err="1" smtClean="0"/>
+              <a:t>Codificación</a:t>
+            </a:r>
+            <a:r>
+              <a:rPr lang="en-US" sz="2800" dirty="0" smtClean="0"/>
+              <a:t> de </a:t>
+            </a:r>
+            <a:r>
+              <a:rPr lang="en-US" sz="2800" dirty="0" err="1" smtClean="0"/>
+              <a:t>las</a:t>
+            </a:r>
+            <a:r>
+              <a:rPr lang="en-US" sz="2800" dirty="0" smtClean="0"/>
+              <a:t> </a:t>
+            </a:r>
+            <a:r>
+              <a:rPr lang="en-US" sz="2800" dirty="0" err="1" smtClean="0"/>
+              <a:t>soluciones</a:t>
+            </a:r>
+            <a:r>
+              <a:rPr lang="en-US" sz="2800" dirty="0" smtClean="0"/>
+              <a:t> </a:t>
+            </a:r>
+            <a:r>
+              <a:rPr lang="en-US" sz="2800" dirty="0" err="1" smtClean="0"/>
+              <a:t>mejoradas</a:t>
+            </a:r>
+            <a:endParaRPr lang="en-US" sz="2800" dirty="0" smtClean="0"/>
+          </a:p>
+          <a:p>
+            <a:pPr lvl="1">
+              <a:buFont typeface="Wingdings" pitchFamily="2" charset="2"/>
+              <a:buChar char="§"/>
+            </a:pPr>
+            <a:r>
+              <a:rPr lang="en-US" sz="2000" dirty="0" err="1" smtClean="0"/>
+              <a:t>Actualización</a:t>
+            </a:r>
+            <a:r>
+              <a:rPr lang="en-US" sz="2000" dirty="0" smtClean="0"/>
+              <a:t> </a:t>
+            </a:r>
+            <a:r>
+              <a:rPr lang="en-US" sz="2000" dirty="0"/>
+              <a:t>del </a:t>
+            </a:r>
+            <a:r>
+              <a:rPr lang="en-US" sz="2000" dirty="0" err="1" smtClean="0"/>
+              <a:t>código</a:t>
+            </a:r>
+            <a:r>
+              <a:rPr lang="en-US" sz="2000" dirty="0" smtClean="0"/>
+              <a:t> </a:t>
+            </a:r>
+            <a:r>
+              <a:rPr lang="en-US" sz="2000" dirty="0" err="1" smtClean="0"/>
+              <a:t>genético</a:t>
+            </a:r>
+            <a:r>
+              <a:rPr lang="en-US" sz="2000" dirty="0" smtClean="0"/>
+              <a:t> </a:t>
+            </a:r>
+            <a:r>
+              <a:rPr lang="en-US" sz="2000" dirty="0"/>
+              <a:t>post </a:t>
+            </a:r>
+            <a:r>
+              <a:rPr lang="en-US" sz="2000" dirty="0" err="1" smtClean="0"/>
+              <a:t>búsqueda</a:t>
+            </a:r>
+            <a:r>
+              <a:rPr lang="en-US" sz="2000" dirty="0" smtClean="0"/>
+              <a:t> local</a:t>
+            </a:r>
+          </a:p>
+          <a:p>
+            <a:pPr lvl="1">
+              <a:buFont typeface="Wingdings" pitchFamily="2" charset="2"/>
+              <a:buChar char="§"/>
+            </a:pPr>
+            <a:r>
+              <a:rPr lang="en-US" sz="2000" dirty="0" err="1" smtClean="0"/>
+              <a:t>Todo</a:t>
+            </a:r>
+            <a:r>
+              <a:rPr lang="en-US" sz="2000" dirty="0" smtClean="0"/>
+              <a:t>: </a:t>
+            </a:r>
+            <a:r>
+              <a:rPr lang="en-US" sz="2000" dirty="0" err="1" smtClean="0"/>
+              <a:t>Imagen</a:t>
+            </a:r>
+            <a:r>
+              <a:rPr lang="en-US" sz="2000" dirty="0" smtClean="0"/>
+              <a:t> del </a:t>
+            </a:r>
+            <a:r>
+              <a:rPr lang="en-US" sz="2000" dirty="0" err="1" smtClean="0"/>
+              <a:t>codificador</a:t>
+            </a:r>
+            <a:r>
+              <a:rPr lang="en-US" sz="2000" dirty="0" smtClean="0"/>
+              <a:t> (</a:t>
+            </a:r>
+            <a:r>
+              <a:rPr lang="en-US" sz="2000" dirty="0" err="1" smtClean="0"/>
+              <a:t>reconstruccion</a:t>
+            </a:r>
+            <a:r>
+              <a:rPr lang="en-US" sz="2000" dirty="0" smtClean="0"/>
+              <a:t>) ?</a:t>
+            </a:r>
+          </a:p>
+          <a:p>
+            <a:r>
+              <a:rPr lang="en-US" sz="2800" dirty="0" err="1" smtClean="0"/>
+              <a:t>Evaluacion</a:t>
+            </a:r>
+            <a:r>
+              <a:rPr lang="en-US" sz="2800" dirty="0" smtClean="0"/>
+              <a:t> </a:t>
+            </a:r>
+            <a:r>
+              <a:rPr lang="en-US" sz="2800" dirty="0" smtClean="0"/>
+              <a:t>de </a:t>
+            </a:r>
+            <a:r>
+              <a:rPr lang="en-US" sz="2800" dirty="0" err="1" smtClean="0"/>
+              <a:t>condicion</a:t>
+            </a:r>
+            <a:r>
+              <a:rPr lang="en-US" sz="2800" dirty="0" smtClean="0"/>
+              <a:t> de </a:t>
+            </a:r>
+            <a:r>
+              <a:rPr lang="en-US" sz="2800" dirty="0" err="1" smtClean="0"/>
+              <a:t>corte</a:t>
+            </a:r>
+            <a:endParaRPr lang="en-US" sz="2800" dirty="0" smtClean="0"/>
+          </a:p>
+          <a:p>
+            <a:pPr lvl="1">
+              <a:buFont typeface="Wingdings" pitchFamily="2" charset="2"/>
+              <a:buChar char="§"/>
+            </a:pPr>
+            <a:r>
+              <a:rPr lang="en-US" sz="2000" dirty="0" err="1" smtClean="0"/>
+              <a:t>Mínima</a:t>
+            </a:r>
+            <a:r>
+              <a:rPr lang="en-US" sz="2000" dirty="0" smtClean="0"/>
+              <a:t> </a:t>
+            </a:r>
+            <a:r>
+              <a:rPr lang="en-US" sz="2000" dirty="0" err="1" smtClean="0"/>
+              <a:t>cantidad</a:t>
+            </a:r>
+            <a:r>
+              <a:rPr lang="en-US" sz="2000" dirty="0" smtClean="0"/>
+              <a:t> de </a:t>
+            </a:r>
+            <a:r>
+              <a:rPr lang="en-US" sz="2000" dirty="0" err="1" smtClean="0"/>
+              <a:t>generaciones</a:t>
+            </a:r>
+            <a:endParaRPr lang="en-US" sz="2000" dirty="0" smtClean="0"/>
+          </a:p>
+          <a:p>
+            <a:pPr lvl="1">
+              <a:buFont typeface="Wingdings" pitchFamily="2" charset="2"/>
+              <a:buChar char="§"/>
+            </a:pPr>
+            <a:r>
+              <a:rPr lang="en-US" sz="2000" dirty="0" err="1" smtClean="0"/>
+              <a:t>Ultimas</a:t>
+            </a:r>
+            <a:r>
+              <a:rPr lang="en-US" sz="2000" dirty="0" smtClean="0"/>
+              <a:t> X </a:t>
+            </a:r>
+            <a:r>
+              <a:rPr lang="en-US" sz="2000" dirty="0" err="1" smtClean="0"/>
+              <a:t>generaci</a:t>
+            </a:r>
+            <a:r>
+              <a:rPr lang="en-US" sz="2000" dirty="0" err="1" smtClean="0"/>
+              <a:t>ónes</a:t>
+            </a:r>
+            <a:r>
+              <a:rPr lang="en-US" sz="2000" dirty="0" smtClean="0"/>
+              <a:t> sin  </a:t>
+            </a:r>
+            <a:r>
+              <a:rPr lang="en-US" sz="2000" dirty="0" err="1" smtClean="0"/>
+              <a:t>que</a:t>
+            </a:r>
+            <a:r>
+              <a:rPr lang="en-US" sz="2000" dirty="0" smtClean="0"/>
+              <a:t> se </a:t>
+            </a:r>
+            <a:r>
+              <a:rPr lang="en-US" sz="2000" dirty="0" err="1" smtClean="0"/>
+              <a:t>haya</a:t>
+            </a:r>
+            <a:r>
+              <a:rPr lang="en-US" sz="2000" dirty="0" smtClean="0"/>
+              <a:t> </a:t>
+            </a:r>
+            <a:r>
+              <a:rPr lang="en-US" sz="2000" dirty="0" err="1" smtClean="0"/>
+              <a:t>modificado</a:t>
+            </a:r>
+            <a:r>
+              <a:rPr lang="en-US" sz="2000" dirty="0" smtClean="0"/>
+              <a:t> el </a:t>
+            </a:r>
+            <a:r>
+              <a:rPr lang="en-US" sz="2000" dirty="0" err="1" smtClean="0"/>
+              <a:t>mejor</a:t>
+            </a:r>
+            <a:r>
+              <a:rPr lang="en-US" sz="2000" dirty="0" smtClean="0"/>
+              <a:t> </a:t>
+            </a:r>
+            <a:r>
+              <a:rPr lang="en-US" sz="2000" dirty="0" err="1" smtClean="0"/>
+              <a:t>beneficio</a:t>
+            </a:r>
+            <a:r>
+              <a:rPr lang="en-US" sz="2000" dirty="0" smtClean="0"/>
+              <a:t> </a:t>
+            </a:r>
+            <a:r>
+              <a:rPr lang="en-US" sz="2000" dirty="0" err="1" smtClean="0"/>
+              <a:t>obtenido</a:t>
+            </a:r>
+            <a:endParaRPr lang="en-US" sz="2000" dirty="0" smtClean="0"/>
+          </a:p>
+          <a:p>
+            <a:pPr lvl="1">
+              <a:buFont typeface="Wingdings" pitchFamily="2" charset="2"/>
+              <a:buChar char="§"/>
+            </a:pPr>
+            <a:r>
+              <a:rPr lang="en-US" sz="2000" dirty="0" smtClean="0"/>
+              <a:t>Si no se </a:t>
+            </a:r>
+            <a:r>
+              <a:rPr lang="en-US" sz="2000" dirty="0" err="1" smtClean="0"/>
+              <a:t>cumple</a:t>
+            </a:r>
+            <a:r>
+              <a:rPr lang="en-US" sz="2000" dirty="0" err="1" smtClean="0"/>
+              <a:t>n</a:t>
+            </a:r>
+            <a:r>
+              <a:rPr lang="en-US" sz="2000" dirty="0" smtClean="0"/>
+              <a:t> </a:t>
+            </a:r>
+            <a:r>
+              <a:rPr lang="en-US" sz="2000" dirty="0" err="1" smtClean="0"/>
+              <a:t>las</a:t>
+            </a:r>
+            <a:r>
+              <a:rPr lang="en-US" sz="2000" dirty="0" smtClean="0"/>
+              <a:t> </a:t>
+            </a:r>
+            <a:r>
+              <a:rPr lang="en-US" sz="2000" dirty="0" err="1" smtClean="0"/>
+              <a:t>condiciones</a:t>
+            </a:r>
+            <a:r>
+              <a:rPr lang="en-US" sz="2000" dirty="0" smtClean="0"/>
+              <a:t>, </a:t>
+            </a:r>
+            <a:r>
+              <a:rPr lang="en-US" sz="2000" dirty="0" err="1" smtClean="0"/>
+              <a:t>vuelve</a:t>
+            </a:r>
+            <a:r>
+              <a:rPr lang="en-US" sz="2000" dirty="0" smtClean="0"/>
+              <a:t> a </a:t>
+            </a:r>
+            <a:r>
+              <a:rPr lang="en-US" sz="2000" dirty="0" err="1" smtClean="0"/>
+              <a:t>evolucionar</a:t>
+            </a:r>
+            <a:r>
+              <a:rPr lang="en-US" sz="2000" dirty="0" smtClean="0"/>
+              <a:t> la </a:t>
+            </a:r>
+            <a:r>
+              <a:rPr lang="en-US" sz="2000" dirty="0" err="1" smtClean="0"/>
+              <a:t>población</a:t>
+            </a:r>
+            <a:r>
+              <a:rPr lang="en-US" sz="2000" dirty="0" smtClean="0"/>
+              <a:t>  </a:t>
+            </a:r>
+            <a:endParaRPr lang="en-US" sz="2000" dirty="0" smtClean="0"/>
+          </a:p>
+          <a:p>
+            <a:r>
+              <a:rPr lang="en-US" sz="2800" dirty="0" err="1" smtClean="0"/>
+              <a:t>Retorno</a:t>
+            </a:r>
+            <a:r>
+              <a:rPr lang="en-US" sz="2800" dirty="0" smtClean="0"/>
+              <a:t> de la </a:t>
+            </a:r>
+            <a:r>
+              <a:rPr lang="en-US" sz="2800" dirty="0" err="1" smtClean="0"/>
+              <a:t>mejor</a:t>
+            </a:r>
+            <a:r>
+              <a:rPr lang="en-US" sz="2800" dirty="0" smtClean="0"/>
+              <a:t> </a:t>
+            </a:r>
+            <a:r>
+              <a:rPr lang="en-US" sz="2800" dirty="0" err="1" smtClean="0"/>
+              <a:t>solucion</a:t>
+            </a:r>
+            <a:endParaRPr lang="en-US" sz="2800" dirty="0" smtClean="0"/>
+          </a:p>
+          <a:p>
+            <a:pPr lvl="1"/>
+            <a:endParaRPr lang="es-AR" sz="1600" dirty="0"/>
+          </a:p>
+        </p:txBody>
+      </p:sp>
+    </p:spTree>
+    <p:extLst>
+      <p:ext uri="{BB962C8B-B14F-4D97-AF65-F5344CB8AC3E}">
+        <p14:creationId xmlns:p14="http://schemas.microsoft.com/office/powerpoint/2010/main" val="2330373657"/>
+      </p:ext>
+    </p:extLst>
+  </p:cSld>
+  <p:clrMapOvr>
+    <a:masterClrMapping/>
+  </p:clrMapOvr>
+</p:sld>
+</file>
+
+<file path=ppt/slides/slide15.xml><?xml version="1.0" encoding="utf-8"?>
+<p:sld xmlns:a="http://schemas.openxmlformats.org/drawingml/2006/main" xmlns:r="http://schemas.openxmlformats.org/officeDocument/2006/relationships" xmlns:p="http://schemas.openxmlformats.org/presentationml/2006/main">
+  <p:cSld>
+    <p:spTree>
+      <p:nvGrpSpPr>
+        <p:cNvPr id="1" name=""/>
+        <p:cNvGrpSpPr/>
+        <p:nvPr/>
+      </p:nvGrpSpPr>
+      <p:grpSpPr>
+        <a:xfrm>
+          <a:off x="0" y="0"/>
+          <a:ext cx="0" cy="0"/>
+          <a:chOff x="0" y="0"/>
+          <a:chExt cx="0" cy="0"/>
+        </a:xfrm>
+      </p:grpSpPr>
+      <p:sp>
+        <p:nvSpPr>
+          <p:cNvPr id="2" name="Title 1"/>
+          <p:cNvSpPr>
+            <a:spLocks noGrp="1"/>
+          </p:cNvSpPr>
+          <p:nvPr>
+            <p:ph type="title"/>
+          </p:nvPr>
+        </p:nvSpPr>
+        <p:spPr>
+          <a:xfrm>
+            <a:off x="457200" y="274638"/>
+            <a:ext cx="8229600" cy="418058"/>
+          </a:xfrm>
+        </p:spPr>
+        <p:txBody>
+          <a:bodyPr>
+            <a:normAutofit fontScale="90000"/>
+          </a:bodyPr>
+          <a:lstStyle/>
+          <a:p>
+            <a:pPr algn="r"/>
+            <a:r>
+              <a:rPr lang="en-US" sz="2400" dirty="0" err="1" smtClean="0"/>
               <a:t>Resultados</a:t>
             </a:r>
             <a:endParaRPr lang="en-US" sz="2400" dirty="0" smtClean="0"/>
@@ -5019,7 +5419,7 @@
           <a:graphicData uri="http://schemas.openxmlformats.org/presentationml/2006/ole">
             <mc:AlternateContent xmlns:mc="http://schemas.openxmlformats.org/markup-compatibility/2006">
               <mc:Choice xmlns:v="urn:schemas-microsoft-com:vml" Requires="v">
-                <p:oleObj spid="_x0000_s1032" name="Equation" r:id="rId3" imgW="1409400" imgH="342720" progId="Equation.3">
+                <p:oleObj spid="_x0000_s1047" name="Equation" r:id="rId3" imgW="1409400" imgH="342720" progId="Equation.3">
                   <p:embed/>
                 </p:oleObj>
               </mc:Choice>
@@ -5067,7 +5467,7 @@
 </p:sld>
 </file>
 
-<file path=ppt/slides/slide15.xml><?xml version="1.0" encoding="utf-8"?>
+<file path=ppt/slides/slide16.xml><?xml version="1.0" encoding="utf-8"?>
 <p:sld xmlns:a="http://schemas.openxmlformats.org/drawingml/2006/main" xmlns:r="http://schemas.openxmlformats.org/officeDocument/2006/relationships" xmlns:p="http://schemas.openxmlformats.org/presentationml/2006/main">
   <p:cSld>
     <p:spTree>
@@ -5338,7 +5738,7 @@
 </p:sld>
 </file>
 
-<file path=ppt/slides/slide16.xml><?xml version="1.0" encoding="utf-8"?>
+<file path=ppt/slides/slide17.xml><?xml version="1.0" encoding="utf-8"?>
 <p:sld xmlns:a="http://schemas.openxmlformats.org/drawingml/2006/main" xmlns:r="http://schemas.openxmlformats.org/officeDocument/2006/relationships" xmlns:p="http://schemas.openxmlformats.org/presentationml/2006/main">
   <p:cSld>
     <p:spTree>
@@ -6180,7 +6580,10 @@
             </a:r>
           </a:p>
           <a:p>
-            <a:pPr lvl="1"/>
+            <a:pPr lvl="1">
+              <a:buFont typeface="Wingdings" pitchFamily="2" charset="2"/>
+              <a:buChar char="§"/>
+            </a:pPr>
             <a:r>
               <a:rPr lang="en-US" sz="2000" dirty="0" err="1" smtClean="0"/>
               <a:t>Extiende</a:t>
@@ -7148,8 +7551,8 @@
         </p:nvSpPr>
         <p:spPr>
           <a:xfrm>
-            <a:off x="457200" y="274638"/>
-            <a:ext cx="8229600" cy="418058"/>
+            <a:off x="3995936" y="274638"/>
+            <a:ext cx="4690864" cy="418058"/>
           </a:xfrm>
         </p:spPr>
         <p:txBody>
@@ -7863,30 +8266,40 @@
           </a:p>
           <a:p>
             <a:pPr lvl="1"/>
-            <a:r>
-              <a:rPr lang="en-US" sz="2000" dirty="0" smtClean="0"/>
-              <a:t>TODO: </a:t>
-            </a:r>
-            <a:r>
-              <a:rPr lang="en-US" sz="2000" dirty="0" err="1" smtClean="0"/>
-              <a:t>Imagen</a:t>
-            </a:r>
-            <a:r>
-              <a:rPr lang="en-US" sz="2000" dirty="0" smtClean="0"/>
-              <a:t> Bias Crossover de la </a:t>
-            </a:r>
-            <a:r>
-              <a:rPr lang="en-US" sz="2000" dirty="0" err="1" smtClean="0"/>
-              <a:t>tesis</a:t>
-            </a:r>
-            <a:endParaRPr lang="es-AR" sz="2000" dirty="0" smtClean="0"/>
-          </a:p>
-          <a:p>
-            <a:pPr lvl="1"/>
             <a:endParaRPr lang="es-AR" sz="1600" dirty="0"/>
           </a:p>
         </p:txBody>
       </p:sp>
+      <p:pic>
+        <p:nvPicPr>
+          <p:cNvPr id="4" name="Picture 3"/>
+          <p:cNvPicPr>
+            <a:picLocks noChangeAspect="1"/>
+          </p:cNvPicPr>
+          <p:nvPr/>
+        </p:nvPicPr>
+        <p:blipFill>
+          <a:blip r:embed="rId2" cstate="print">
+            <a:extLst>
+              <a:ext uri="{28A0092B-C50C-407E-A947-70E740481C1C}">
+                <a14:useLocalDpi xmlns:a14="http://schemas.microsoft.com/office/drawing/2010/main" val="0"/>
+              </a:ext>
+            </a:extLst>
+          </a:blip>
+          <a:stretch>
+            <a:fillRect/>
+          </a:stretch>
+        </p:blipFill>
+        <p:spPr>
+          <a:xfrm>
+            <a:off x="1475656" y="2618050"/>
+            <a:ext cx="6090414" cy="4263290"/>
+          </a:xfrm>
+          <a:prstGeom prst="rect">
+            <a:avLst/>
+          </a:prstGeom>
+        </p:spPr>
+      </p:pic>
     </p:spTree>
     <p:extLst>
       <p:ext uri="{BB962C8B-B14F-4D97-AF65-F5344CB8AC3E}">
@@ -7941,185 +8354,42 @@
           <a:p>
             <a:pPr algn="r"/>
             <a:r>
-              <a:rPr lang="en-US" sz="2400" dirty="0" err="1" smtClean="0"/>
-              <a:t>Algoritmo</a:t>
-            </a:r>
-            <a:r>
-              <a:rPr lang="en-US" sz="2400" dirty="0" smtClean="0"/>
-              <a:t> </a:t>
-            </a:r>
-            <a:r>
-              <a:rPr lang="en-US" sz="2400" dirty="0" err="1" smtClean="0"/>
-              <a:t>Propuesto</a:t>
-            </a:r>
-            <a:endParaRPr lang="en-US" sz="2400" dirty="0" smtClean="0"/>
-          </a:p>
-        </p:txBody>
-      </p:sp>
-      <p:sp>
-        <p:nvSpPr>
-          <p:cNvPr id="3" name="Content Placeholder 2"/>
-          <p:cNvSpPr>
-            <a:spLocks noGrp="1"/>
-          </p:cNvSpPr>
+              <a:rPr lang="en-US" sz="2400" dirty="0"/>
+              <a:t>Biased Random Key Genetic Algorithm</a:t>
+            </a:r>
+            <a:endParaRPr lang="es-AR" sz="2400" dirty="0"/>
+          </a:p>
+        </p:txBody>
+      </p:sp>
+      <p:pic>
+        <p:nvPicPr>
+          <p:cNvPr id="7" name="Content Placeholder 6"/>
+          <p:cNvPicPr>
+            <a:picLocks noGrp="1" noChangeAspect="1"/>
+          </p:cNvPicPr>
           <p:nvPr>
             <p:ph idx="1"/>
           </p:nvPr>
-        </p:nvSpPr>
+        </p:nvPicPr>
+        <p:blipFill>
+          <a:blip r:embed="rId2">
+            <a:extLst>
+              <a:ext uri="{28A0092B-C50C-407E-A947-70E740481C1C}">
+                <a14:useLocalDpi xmlns:a14="http://schemas.microsoft.com/office/drawing/2010/main" val="0"/>
+              </a:ext>
+            </a:extLst>
+          </a:blip>
+          <a:stretch>
+            <a:fillRect/>
+          </a:stretch>
+        </p:blipFill>
         <p:spPr>
           <a:xfrm>
-            <a:off x="457200" y="908720"/>
-            <a:ext cx="8229600" cy="5217443"/>
+            <a:off x="395536" y="764704"/>
+            <a:ext cx="8443399" cy="5760293"/>
           </a:xfrm>
         </p:spPr>
-        <p:txBody>
-          <a:bodyPr>
-            <a:normAutofit/>
-          </a:bodyPr>
-          <a:lstStyle/>
-          <a:p>
-            <a:r>
-              <a:rPr lang="en-US" sz="2000" dirty="0" smtClean="0"/>
-              <a:t>TODO: </a:t>
-            </a:r>
-            <a:r>
-              <a:rPr lang="en-US" sz="2000" dirty="0" err="1" smtClean="0"/>
-              <a:t>Imagen</a:t>
-            </a:r>
-            <a:r>
-              <a:rPr lang="en-US" sz="2000" dirty="0" smtClean="0"/>
-              <a:t> </a:t>
-            </a:r>
-            <a:r>
-              <a:rPr lang="en-US" sz="2000" dirty="0" err="1" smtClean="0"/>
-              <a:t>cuadrados</a:t>
-            </a:r>
-            <a:r>
-              <a:rPr lang="en-US" sz="2000" dirty="0" smtClean="0"/>
-              <a:t> y </a:t>
-            </a:r>
-            <a:r>
-              <a:rPr lang="en-US" sz="2000" dirty="0" err="1" smtClean="0"/>
-              <a:t>flujo</a:t>
-            </a:r>
-            <a:r>
-              <a:rPr lang="en-US" sz="2000" dirty="0" smtClean="0"/>
-              <a:t> Global</a:t>
-            </a:r>
-          </a:p>
-          <a:p>
-            <a:r>
-              <a:rPr lang="en-US" sz="2000" dirty="0" smtClean="0"/>
-              <a:t>Se </a:t>
-            </a:r>
-            <a:r>
-              <a:rPr lang="en-US" sz="2000" dirty="0" err="1" smtClean="0"/>
-              <a:t>tiene</a:t>
-            </a:r>
-            <a:r>
-              <a:rPr lang="en-US" sz="2000" dirty="0" smtClean="0"/>
-              <a:t> </a:t>
-            </a:r>
-            <a:r>
-              <a:rPr lang="en-US" sz="2000" dirty="0" err="1" smtClean="0"/>
-              <a:t>que</a:t>
-            </a:r>
-            <a:r>
-              <a:rPr lang="en-US" sz="2000" dirty="0" smtClean="0"/>
-              <a:t> </a:t>
-            </a:r>
-            <a:r>
-              <a:rPr lang="en-US" sz="2000" dirty="0" err="1" smtClean="0"/>
-              <a:t>ver</a:t>
-            </a:r>
-            <a:r>
-              <a:rPr lang="en-US" sz="2000" dirty="0" smtClean="0"/>
-              <a:t> </a:t>
-            </a:r>
-            <a:r>
-              <a:rPr lang="en-US" sz="2000" dirty="0" err="1" smtClean="0"/>
-              <a:t>Decodificador</a:t>
-            </a:r>
-            <a:r>
-              <a:rPr lang="en-US" sz="2000" dirty="0" smtClean="0"/>
-              <a:t>, Crossover, BL, </a:t>
-            </a:r>
-            <a:r>
-              <a:rPr lang="en-US" sz="2000" dirty="0" err="1" smtClean="0"/>
-              <a:t>condicion</a:t>
-            </a:r>
-            <a:r>
-              <a:rPr lang="en-US" sz="2000" dirty="0" smtClean="0"/>
-              <a:t> de </a:t>
-            </a:r>
-            <a:r>
-              <a:rPr lang="en-US" sz="2000" dirty="0" err="1" smtClean="0"/>
-              <a:t>corte</a:t>
-            </a:r>
-            <a:r>
-              <a:rPr lang="en-US" sz="2000" dirty="0" smtClean="0"/>
-              <a:t> y </a:t>
-            </a:r>
-            <a:r>
-              <a:rPr lang="en-US" sz="2000" dirty="0" err="1" smtClean="0"/>
-              <a:t>codificador</a:t>
-            </a:r>
-            <a:r>
-              <a:rPr lang="en-US" sz="2000" dirty="0" smtClean="0"/>
-              <a:t> (</a:t>
-            </a:r>
-            <a:r>
-              <a:rPr lang="en-US" sz="2000" dirty="0" err="1" smtClean="0"/>
-              <a:t>buscar</a:t>
-            </a:r>
-            <a:r>
-              <a:rPr lang="en-US" sz="2000" dirty="0" smtClean="0"/>
-              <a:t> la </a:t>
-            </a:r>
-            <a:r>
-              <a:rPr lang="en-US" sz="2000" dirty="0" err="1" smtClean="0"/>
-              <a:t>que</a:t>
-            </a:r>
-            <a:r>
-              <a:rPr lang="en-US" sz="2000" dirty="0" smtClean="0"/>
-              <a:t> </a:t>
-            </a:r>
-            <a:r>
-              <a:rPr lang="en-US" sz="2000" dirty="0" err="1" smtClean="0"/>
-              <a:t>sabes</a:t>
-            </a:r>
-            <a:r>
-              <a:rPr lang="en-US" sz="2000" dirty="0" smtClean="0"/>
-              <a:t> y </a:t>
-            </a:r>
-            <a:r>
-              <a:rPr lang="en-US" sz="2000" dirty="0" err="1" smtClean="0"/>
-              <a:t>acomodarla</a:t>
-            </a:r>
-            <a:r>
-              <a:rPr lang="en-US" sz="2000" dirty="0" smtClean="0"/>
-              <a:t> a </a:t>
-            </a:r>
-            <a:r>
-              <a:rPr lang="en-US" sz="2000" dirty="0" err="1" smtClean="0"/>
-              <a:t>tu</a:t>
-            </a:r>
-            <a:r>
-              <a:rPr lang="en-US" sz="2000" dirty="0" smtClean="0"/>
-              <a:t> </a:t>
-            </a:r>
-            <a:r>
-              <a:rPr lang="en-US" sz="2000" dirty="0" err="1" smtClean="0"/>
-              <a:t>implementacion</a:t>
-            </a:r>
-            <a:r>
-              <a:rPr lang="en-US" sz="2000" dirty="0" smtClean="0"/>
-              <a:t>)</a:t>
-            </a:r>
-            <a:endParaRPr lang="es-AR" sz="2000" dirty="0"/>
-          </a:p>
-        </p:txBody>
-      </p:sp>
+      </p:pic>
     </p:spTree>
     <p:extLst>
       <p:ext uri="{BB962C8B-B14F-4D97-AF65-F5344CB8AC3E}">

--- a/TesisPaper/Defensa/Biased Random Key Genetic Algorithm.pptx
+++ b/TesisPaper/Defensa/Biased Random Key Genetic Algorithm.pptx
@@ -19,9 +19,13 @@
     <p:sldId id="265" r:id="rId13"/>
     <p:sldId id="274" r:id="rId14"/>
     <p:sldId id="275" r:id="rId15"/>
-    <p:sldId id="268" r:id="rId16"/>
-    <p:sldId id="269" r:id="rId17"/>
-    <p:sldId id="270" r:id="rId18"/>
+    <p:sldId id="276" r:id="rId16"/>
+    <p:sldId id="277" r:id="rId17"/>
+    <p:sldId id="278" r:id="rId18"/>
+    <p:sldId id="268" r:id="rId19"/>
+    <p:sldId id="269" r:id="rId20"/>
+    <p:sldId id="279" r:id="rId21"/>
+    <p:sldId id="270" r:id="rId22"/>
   </p:sldIdLst>
   <p:sldSz cx="9144000" cy="6858000" type="screen4x3"/>
   <p:notesSz cx="6858000" cy="9144000"/>
@@ -304,7 +308,7 @@
           <a:p>
             <a:fld id="{187174D4-BBC9-49E1-BF8F-684BE480328B}" type="datetimeFigureOut">
               <a:rPr lang="es-AR" smtClean="0"/>
-              <a:t>18/4/2018</a:t>
+              <a:t>26/4/2018</a:t>
             </a:fld>
             <a:endParaRPr lang="es-AR"/>
           </a:p>
@@ -474,7 +478,7 @@
           <a:p>
             <a:fld id="{187174D4-BBC9-49E1-BF8F-684BE480328B}" type="datetimeFigureOut">
               <a:rPr lang="es-AR" smtClean="0"/>
-              <a:t>18/4/2018</a:t>
+              <a:t>26/4/2018</a:t>
             </a:fld>
             <a:endParaRPr lang="es-AR"/>
           </a:p>
@@ -654,7 +658,7 @@
           <a:p>
             <a:fld id="{187174D4-BBC9-49E1-BF8F-684BE480328B}" type="datetimeFigureOut">
               <a:rPr lang="es-AR" smtClean="0"/>
-              <a:t>18/4/2018</a:t>
+              <a:t>26/4/2018</a:t>
             </a:fld>
             <a:endParaRPr lang="es-AR"/>
           </a:p>
@@ -824,7 +828,7 @@
           <a:p>
             <a:fld id="{187174D4-BBC9-49E1-BF8F-684BE480328B}" type="datetimeFigureOut">
               <a:rPr lang="es-AR" smtClean="0"/>
-              <a:t>18/4/2018</a:t>
+              <a:t>26/4/2018</a:t>
             </a:fld>
             <a:endParaRPr lang="es-AR"/>
           </a:p>
@@ -1070,7 +1074,7 @@
           <a:p>
             <a:fld id="{187174D4-BBC9-49E1-BF8F-684BE480328B}" type="datetimeFigureOut">
               <a:rPr lang="es-AR" smtClean="0"/>
-              <a:t>18/4/2018</a:t>
+              <a:t>26/4/2018</a:t>
             </a:fld>
             <a:endParaRPr lang="es-AR"/>
           </a:p>
@@ -1358,7 +1362,7 @@
           <a:p>
             <a:fld id="{187174D4-BBC9-49E1-BF8F-684BE480328B}" type="datetimeFigureOut">
               <a:rPr lang="es-AR" smtClean="0"/>
-              <a:t>18/4/2018</a:t>
+              <a:t>26/4/2018</a:t>
             </a:fld>
             <a:endParaRPr lang="es-AR"/>
           </a:p>
@@ -1780,7 +1784,7 @@
           <a:p>
             <a:fld id="{187174D4-BBC9-49E1-BF8F-684BE480328B}" type="datetimeFigureOut">
               <a:rPr lang="es-AR" smtClean="0"/>
-              <a:t>18/4/2018</a:t>
+              <a:t>26/4/2018</a:t>
             </a:fld>
             <a:endParaRPr lang="es-AR"/>
           </a:p>
@@ -1898,7 +1902,7 @@
           <a:p>
             <a:fld id="{187174D4-BBC9-49E1-BF8F-684BE480328B}" type="datetimeFigureOut">
               <a:rPr lang="es-AR" smtClean="0"/>
-              <a:t>18/4/2018</a:t>
+              <a:t>26/4/2018</a:t>
             </a:fld>
             <a:endParaRPr lang="es-AR"/>
           </a:p>
@@ -1993,7 +1997,7 @@
           <a:p>
             <a:fld id="{187174D4-BBC9-49E1-BF8F-684BE480328B}" type="datetimeFigureOut">
               <a:rPr lang="es-AR" smtClean="0"/>
-              <a:t>18/4/2018</a:t>
+              <a:t>26/4/2018</a:t>
             </a:fld>
             <a:endParaRPr lang="es-AR"/>
           </a:p>
@@ -2270,7 +2274,7 @@
           <a:p>
             <a:fld id="{187174D4-BBC9-49E1-BF8F-684BE480328B}" type="datetimeFigureOut">
               <a:rPr lang="es-AR" smtClean="0"/>
-              <a:t>18/4/2018</a:t>
+              <a:t>26/4/2018</a:t>
             </a:fld>
             <a:endParaRPr lang="es-AR"/>
           </a:p>
@@ -2523,7 +2527,7 @@
           <a:p>
             <a:fld id="{187174D4-BBC9-49E1-BF8F-684BE480328B}" type="datetimeFigureOut">
               <a:rPr lang="es-AR" smtClean="0"/>
-              <a:t>18/4/2018</a:t>
+              <a:t>26/4/2018</a:t>
             </a:fld>
             <a:endParaRPr lang="es-AR"/>
           </a:p>
@@ -2736,7 +2740,7 @@
           <a:p>
             <a:fld id="{187174D4-BBC9-49E1-BF8F-684BE480328B}" type="datetimeFigureOut">
               <a:rPr lang="es-AR" smtClean="0"/>
-              <a:t>18/4/2018</a:t>
+              <a:t>26/4/2018</a:t>
             </a:fld>
             <a:endParaRPr lang="es-AR"/>
           </a:p>
@@ -3548,11 +3552,7 @@
             </a:r>
             <a:r>
               <a:rPr lang="en-US" sz="2800" dirty="0" smtClean="0"/>
-              <a:t> </a:t>
-            </a:r>
-            <a:r>
-              <a:rPr lang="en-US" sz="2800" dirty="0" smtClean="0"/>
-              <a:t>de la </a:t>
+              <a:t> de la </a:t>
             </a:r>
             <a:r>
               <a:rPr lang="en-US" sz="2800" dirty="0" err="1" smtClean="0"/>
@@ -3639,11 +3639,7 @@
             </a:r>
             <a:r>
               <a:rPr lang="en-US" sz="2000" dirty="0" smtClean="0"/>
-              <a:t> vector </a:t>
-            </a:r>
-            <a:r>
-              <a:rPr lang="en-US" sz="2000" dirty="0" smtClean="0"/>
-              <a:t>de </a:t>
+              <a:t> vector de </a:t>
             </a:r>
             <a:r>
               <a:rPr lang="en-US" sz="2000" dirty="0" err="1" smtClean="0"/>
@@ -3651,11 +3647,7 @@
             </a:r>
             <a:r>
               <a:rPr lang="en-US" sz="2000" dirty="0" smtClean="0"/>
-              <a:t> </a:t>
-            </a:r>
-            <a:r>
-              <a:rPr lang="en-US" sz="2000" dirty="0" smtClean="0"/>
-              <a:t>se </a:t>
+              <a:t> se </a:t>
             </a:r>
             <a:r>
               <a:rPr lang="en-US" sz="2000" dirty="0" err="1" smtClean="0"/>
@@ -3663,11 +3655,7 @@
             </a:r>
             <a:r>
               <a:rPr lang="en-US" sz="2000" dirty="0" smtClean="0"/>
-              <a:t> </a:t>
-            </a:r>
-            <a:r>
-              <a:rPr lang="en-US" sz="2000" dirty="0" smtClean="0"/>
-              <a:t>en </a:t>
+              <a:t> en </a:t>
             </a:r>
             <a:r>
               <a:rPr lang="en-US" sz="2000" dirty="0" err="1" smtClean="0"/>
@@ -3691,11 +3679,7 @@
             </a:r>
             <a:r>
               <a:rPr lang="en-US" sz="2000" dirty="0" smtClean="0"/>
-              <a:t> </a:t>
-            </a:r>
-            <a:r>
-              <a:rPr lang="en-US" sz="2000" dirty="0" smtClean="0"/>
-              <a:t>del </a:t>
+              <a:t> del </a:t>
             </a:r>
             <a:r>
               <a:rPr lang="en-US" sz="2000" dirty="0" err="1" smtClean="0"/>
@@ -4170,15 +4154,7 @@
             </a:r>
             <a:r>
               <a:rPr lang="en-US" sz="2800" dirty="0" smtClean="0"/>
-              <a:t> </a:t>
-            </a:r>
-            <a:r>
-              <a:rPr lang="en-US" sz="2800" dirty="0" smtClean="0"/>
-              <a:t>locales </a:t>
-            </a:r>
-            <a:r>
-              <a:rPr lang="en-US" sz="2800" dirty="0" smtClean="0"/>
-              <a:t>a </a:t>
+              <a:t> locales a </a:t>
             </a:r>
             <a:r>
               <a:rPr lang="en-US" sz="2800" dirty="0" err="1" smtClean="0"/>
@@ -4752,358 +4728,54 @@
             </a:pPr>
             <a:r>
               <a:rPr lang="en-US" sz="2000" dirty="0" err="1" smtClean="0"/>
-              <a:t>Todo</a:t>
-            </a:r>
-            <a:r>
-              <a:rPr lang="en-US" sz="2000" dirty="0" smtClean="0"/>
-              <a:t>: </a:t>
-            </a:r>
-            <a:r>
-              <a:rPr lang="en-US" sz="2000" dirty="0" err="1" smtClean="0"/>
-              <a:t>Imagen</a:t>
-            </a:r>
-            <a:r>
-              <a:rPr lang="en-US" sz="2000" dirty="0" smtClean="0"/>
-              <a:t> de </a:t>
-            </a:r>
-            <a:r>
-              <a:rPr lang="en-US" sz="2000" dirty="0" err="1" smtClean="0"/>
-              <a:t>ejemplo</a:t>
-            </a:r>
-            <a:endParaRPr lang="en-US" sz="2000" dirty="0" smtClean="0"/>
-          </a:p>
-          <a:p>
-            <a:r>
-              <a:rPr lang="en-US" sz="2800" dirty="0" err="1" smtClean="0"/>
-              <a:t>Codificación</a:t>
-            </a:r>
-            <a:r>
-              <a:rPr lang="en-US" sz="2800" dirty="0" smtClean="0"/>
-              <a:t> de </a:t>
-            </a:r>
-            <a:r>
-              <a:rPr lang="en-US" sz="2800" dirty="0" err="1" smtClean="0"/>
-              <a:t>las</a:t>
-            </a:r>
-            <a:r>
-              <a:rPr lang="en-US" sz="2800" dirty="0" smtClean="0"/>
-              <a:t> </a:t>
-            </a:r>
-            <a:r>
-              <a:rPr lang="en-US" sz="2800" dirty="0" err="1" smtClean="0"/>
-              <a:t>soluciones</a:t>
-            </a:r>
-            <a:r>
-              <a:rPr lang="en-US" sz="2800" dirty="0" smtClean="0"/>
-              <a:t> </a:t>
-            </a:r>
-            <a:r>
-              <a:rPr lang="en-US" sz="2800" dirty="0" err="1" smtClean="0"/>
-              <a:t>mejoradas</a:t>
-            </a:r>
-            <a:endParaRPr lang="en-US" sz="2800" dirty="0" smtClean="0"/>
-          </a:p>
-          <a:p>
-            <a:pPr lvl="1">
-              <a:buFont typeface="Wingdings" pitchFamily="2" charset="2"/>
-              <a:buChar char="§"/>
-            </a:pPr>
-            <a:r>
-              <a:rPr lang="en-US" sz="2000" dirty="0" err="1" smtClean="0"/>
-              <a:t>Actualización</a:t>
-            </a:r>
-            <a:r>
-              <a:rPr lang="en-US" sz="2000" dirty="0" smtClean="0"/>
-              <a:t> </a:t>
-            </a:r>
-            <a:r>
-              <a:rPr lang="en-US" sz="2000" dirty="0"/>
-              <a:t>del </a:t>
-            </a:r>
-            <a:r>
-              <a:rPr lang="en-US" sz="2000" dirty="0" err="1" smtClean="0"/>
-              <a:t>código</a:t>
-            </a:r>
-            <a:r>
-              <a:rPr lang="en-US" sz="2000" dirty="0" smtClean="0"/>
-              <a:t> </a:t>
-            </a:r>
-            <a:r>
-              <a:rPr lang="en-US" sz="2000" dirty="0" err="1" smtClean="0"/>
-              <a:t>genético</a:t>
-            </a:r>
-            <a:r>
-              <a:rPr lang="en-US" sz="2000" dirty="0" smtClean="0"/>
-              <a:t> </a:t>
-            </a:r>
-            <a:r>
-              <a:rPr lang="en-US" sz="2000" dirty="0"/>
-              <a:t>post </a:t>
-            </a:r>
-            <a:r>
-              <a:rPr lang="en-US" sz="2000" dirty="0" err="1" smtClean="0"/>
-              <a:t>búsqueda</a:t>
-            </a:r>
-            <a:r>
-              <a:rPr lang="en-US" sz="2000" dirty="0" smtClean="0"/>
-              <a:t> local</a:t>
-            </a:r>
-          </a:p>
-          <a:p>
-            <a:pPr lvl="1">
-              <a:buFont typeface="Wingdings" pitchFamily="2" charset="2"/>
-              <a:buChar char="§"/>
-            </a:pPr>
-            <a:r>
-              <a:rPr lang="en-US" sz="2000" dirty="0" err="1" smtClean="0"/>
-              <a:t>Todo</a:t>
-            </a:r>
-            <a:r>
-              <a:rPr lang="en-US" sz="2000" dirty="0" smtClean="0"/>
-              <a:t>: </a:t>
-            </a:r>
-            <a:r>
-              <a:rPr lang="en-US" sz="2000" dirty="0" err="1" smtClean="0"/>
-              <a:t>Imagen</a:t>
-            </a:r>
-            <a:r>
-              <a:rPr lang="en-US" sz="2000" dirty="0" smtClean="0"/>
-              <a:t> del </a:t>
-            </a:r>
-            <a:r>
-              <a:rPr lang="en-US" sz="2000" dirty="0" err="1" smtClean="0"/>
-              <a:t>codificador</a:t>
-            </a:r>
-            <a:r>
-              <a:rPr lang="en-US" sz="2000" dirty="0" smtClean="0"/>
-              <a:t> (</a:t>
-            </a:r>
-            <a:r>
-              <a:rPr lang="en-US" sz="2000" dirty="0" err="1" smtClean="0"/>
-              <a:t>reconstruccion</a:t>
-            </a:r>
-            <a:r>
-              <a:rPr lang="en-US" sz="2000" dirty="0" smtClean="0"/>
-              <a:t>) ?</a:t>
-            </a:r>
-          </a:p>
-          <a:p>
-            <a:r>
-              <a:rPr lang="en-US" sz="2800" dirty="0" err="1" smtClean="0"/>
-              <a:t>Evaluacion</a:t>
-            </a:r>
-            <a:r>
-              <a:rPr lang="en-US" sz="2800" dirty="0" smtClean="0"/>
-              <a:t> </a:t>
-            </a:r>
-            <a:r>
-              <a:rPr lang="en-US" sz="2800" dirty="0" smtClean="0"/>
-              <a:t>de </a:t>
-            </a:r>
-            <a:r>
-              <a:rPr lang="en-US" sz="2800" dirty="0" err="1" smtClean="0"/>
-              <a:t>condicion</a:t>
-            </a:r>
-            <a:r>
-              <a:rPr lang="en-US" sz="2800" dirty="0" smtClean="0"/>
-              <a:t> de </a:t>
-            </a:r>
-            <a:r>
-              <a:rPr lang="en-US" sz="2800" dirty="0" err="1" smtClean="0"/>
-              <a:t>corte</a:t>
-            </a:r>
-            <a:endParaRPr lang="en-US" sz="2800" dirty="0" smtClean="0"/>
-          </a:p>
-          <a:p>
-            <a:pPr lvl="1">
-              <a:buFont typeface="Wingdings" pitchFamily="2" charset="2"/>
-              <a:buChar char="§"/>
-            </a:pPr>
-            <a:r>
-              <a:rPr lang="en-US" sz="2000" dirty="0" err="1" smtClean="0"/>
-              <a:t>Mínima</a:t>
-            </a:r>
-            <a:r>
-              <a:rPr lang="en-US" sz="2000" dirty="0" smtClean="0"/>
-              <a:t> </a:t>
-            </a:r>
-            <a:r>
-              <a:rPr lang="en-US" sz="2000" dirty="0" err="1" smtClean="0"/>
-              <a:t>cantidad</a:t>
-            </a:r>
-            <a:r>
-              <a:rPr lang="en-US" sz="2000" dirty="0" smtClean="0"/>
-              <a:t> de </a:t>
-            </a:r>
-            <a:r>
-              <a:rPr lang="en-US" sz="2000" dirty="0" err="1" smtClean="0"/>
-              <a:t>generaciones</a:t>
-            </a:r>
-            <a:endParaRPr lang="en-US" sz="2000" dirty="0" smtClean="0"/>
-          </a:p>
-          <a:p>
-            <a:pPr lvl="1">
-              <a:buFont typeface="Wingdings" pitchFamily="2" charset="2"/>
-              <a:buChar char="§"/>
-            </a:pPr>
-            <a:r>
-              <a:rPr lang="en-US" sz="2000" dirty="0" err="1" smtClean="0"/>
-              <a:t>Ultimas</a:t>
-            </a:r>
-            <a:r>
-              <a:rPr lang="en-US" sz="2000" dirty="0" smtClean="0"/>
-              <a:t> X </a:t>
-            </a:r>
-            <a:r>
-              <a:rPr lang="en-US" sz="2000" dirty="0" err="1" smtClean="0"/>
-              <a:t>generaci</a:t>
-            </a:r>
-            <a:r>
-              <a:rPr lang="en-US" sz="2000" dirty="0" err="1" smtClean="0"/>
-              <a:t>ónes</a:t>
-            </a:r>
-            <a:r>
-              <a:rPr lang="en-US" sz="2000" dirty="0" smtClean="0"/>
-              <a:t> sin  </a:t>
-            </a:r>
-            <a:r>
-              <a:rPr lang="en-US" sz="2000" dirty="0" err="1" smtClean="0"/>
-              <a:t>que</a:t>
-            </a:r>
-            <a:r>
-              <a:rPr lang="en-US" sz="2000" dirty="0" smtClean="0"/>
-              <a:t> se </a:t>
-            </a:r>
-            <a:r>
-              <a:rPr lang="en-US" sz="2000" dirty="0" err="1" smtClean="0"/>
-              <a:t>haya</a:t>
-            </a:r>
-            <a:r>
-              <a:rPr lang="en-US" sz="2000" dirty="0" smtClean="0"/>
-              <a:t> </a:t>
-            </a:r>
-            <a:r>
-              <a:rPr lang="en-US" sz="2000" dirty="0" err="1" smtClean="0"/>
-              <a:t>modificado</a:t>
-            </a:r>
-            <a:r>
-              <a:rPr lang="en-US" sz="2000" dirty="0" smtClean="0"/>
-              <a:t> el </a:t>
-            </a:r>
-            <a:r>
-              <a:rPr lang="en-US" sz="2000" dirty="0" err="1" smtClean="0"/>
-              <a:t>mejor</a:t>
-            </a:r>
-            <a:r>
-              <a:rPr lang="en-US" sz="2000" dirty="0" smtClean="0"/>
-              <a:t> </a:t>
-            </a:r>
-            <a:r>
-              <a:rPr lang="en-US" sz="2000" dirty="0" err="1" smtClean="0"/>
-              <a:t>beneficio</a:t>
-            </a:r>
-            <a:r>
-              <a:rPr lang="en-US" sz="2000" dirty="0" smtClean="0"/>
-              <a:t> </a:t>
-            </a:r>
-            <a:r>
-              <a:rPr lang="en-US" sz="2000" dirty="0" err="1" smtClean="0"/>
-              <a:t>obtenido</a:t>
-            </a:r>
-            <a:endParaRPr lang="en-US" sz="2000" dirty="0" smtClean="0"/>
-          </a:p>
-          <a:p>
-            <a:pPr lvl="1">
-              <a:buFont typeface="Wingdings" pitchFamily="2" charset="2"/>
-              <a:buChar char="§"/>
-            </a:pPr>
-            <a:r>
-              <a:rPr lang="en-US" sz="2000" dirty="0" smtClean="0"/>
-              <a:t>Si no se </a:t>
-            </a:r>
-            <a:r>
-              <a:rPr lang="en-US" sz="2000" dirty="0" err="1" smtClean="0"/>
-              <a:t>cumple</a:t>
-            </a:r>
-            <a:r>
-              <a:rPr lang="en-US" sz="2000" dirty="0" err="1" smtClean="0"/>
-              <a:t>n</a:t>
-            </a:r>
-            <a:r>
-              <a:rPr lang="en-US" sz="2000" dirty="0" smtClean="0"/>
-              <a:t> </a:t>
-            </a:r>
-            <a:r>
-              <a:rPr lang="en-US" sz="2000" dirty="0" err="1" smtClean="0"/>
-              <a:t>las</a:t>
-            </a:r>
-            <a:r>
-              <a:rPr lang="en-US" sz="2000" dirty="0" smtClean="0"/>
-              <a:t> </a:t>
-            </a:r>
-            <a:r>
-              <a:rPr lang="en-US" sz="2000" dirty="0" err="1" smtClean="0"/>
-              <a:t>condiciones</a:t>
-            </a:r>
-            <a:r>
-              <a:rPr lang="en-US" sz="2000" dirty="0" smtClean="0"/>
-              <a:t>, </a:t>
-            </a:r>
-            <a:r>
-              <a:rPr lang="en-US" sz="2000" dirty="0" err="1" smtClean="0"/>
-              <a:t>vuelve</a:t>
-            </a:r>
-            <a:r>
-              <a:rPr lang="en-US" sz="2000" dirty="0" smtClean="0"/>
-              <a:t> a </a:t>
-            </a:r>
-            <a:r>
-              <a:rPr lang="en-US" sz="2000" dirty="0" err="1" smtClean="0"/>
-              <a:t>evolucionar</a:t>
-            </a:r>
-            <a:r>
-              <a:rPr lang="en-US" sz="2000" dirty="0" smtClean="0"/>
-              <a:t> la </a:t>
-            </a:r>
-            <a:r>
-              <a:rPr lang="en-US" sz="2000" dirty="0" err="1" smtClean="0"/>
-              <a:t>población</a:t>
-            </a:r>
-            <a:r>
-              <a:rPr lang="en-US" sz="2000" dirty="0" smtClean="0"/>
-              <a:t>  </a:t>
-            </a:r>
-            <a:endParaRPr lang="en-US" sz="2000" dirty="0" smtClean="0"/>
-          </a:p>
-          <a:p>
-            <a:r>
-              <a:rPr lang="en-US" sz="2800" dirty="0" err="1" smtClean="0"/>
-              <a:t>Retorno</a:t>
-            </a:r>
-            <a:r>
-              <a:rPr lang="en-US" sz="2800" dirty="0" smtClean="0"/>
-              <a:t> de la </a:t>
-            </a:r>
-            <a:r>
-              <a:rPr lang="en-US" sz="2800" dirty="0" err="1" smtClean="0"/>
-              <a:t>mejor</a:t>
-            </a:r>
-            <a:r>
-              <a:rPr lang="en-US" sz="2800" dirty="0" smtClean="0"/>
-              <a:t> </a:t>
-            </a:r>
-            <a:r>
-              <a:rPr lang="en-US" sz="2800" dirty="0" err="1" smtClean="0"/>
-              <a:t>solucion</a:t>
-            </a:r>
-            <a:endParaRPr lang="en-US" sz="2800" dirty="0" smtClean="0"/>
-          </a:p>
-          <a:p>
-            <a:pPr lvl="1"/>
-            <a:endParaRPr lang="es-AR" sz="1600" dirty="0"/>
-          </a:p>
-        </p:txBody>
-      </p:sp>
+              <a:t>Orden</a:t>
+            </a:r>
+            <a:r>
+              <a:rPr lang="en-US" sz="2000" dirty="0" smtClean="0"/>
+              <a:t> </a:t>
+            </a:r>
+            <a:r>
+              <a:rPr lang="en-US" sz="2000" dirty="0" err="1" smtClean="0"/>
+              <a:t>respecto</a:t>
+            </a:r>
+            <a:r>
+              <a:rPr lang="en-US" sz="2000" dirty="0" smtClean="0"/>
+              <a:t> del COG: C7, C5, C8 y C6</a:t>
+            </a:r>
+            <a:endParaRPr lang="es-AR" sz="2000" dirty="0"/>
+          </a:p>
+        </p:txBody>
+      </p:sp>
+      <p:pic>
+        <p:nvPicPr>
+          <p:cNvPr id="4" name="Picture 3"/>
+          <p:cNvPicPr>
+            <a:picLocks noChangeAspect="1"/>
+          </p:cNvPicPr>
+          <p:nvPr/>
+        </p:nvPicPr>
+        <p:blipFill>
+          <a:blip r:embed="rId2">
+            <a:extLst>
+              <a:ext uri="{28A0092B-C50C-407E-A947-70E740481C1C}">
+                <a14:useLocalDpi xmlns:a14="http://schemas.microsoft.com/office/drawing/2010/main" val="0"/>
+              </a:ext>
+            </a:extLst>
+          </a:blip>
+          <a:stretch>
+            <a:fillRect/>
+          </a:stretch>
+        </p:blipFill>
+        <p:spPr>
+          <a:xfrm>
+            <a:off x="954297" y="1844824"/>
+            <a:ext cx="6984776" cy="4742431"/>
+          </a:xfrm>
+          <a:prstGeom prst="rect">
+            <a:avLst/>
+          </a:prstGeom>
+        </p:spPr>
+      </p:pic>
     </p:spTree>
     <p:extLst>
       <p:ext uri="{BB962C8B-B14F-4D97-AF65-F5344CB8AC3E}">
@@ -5159,7 +4831,15 @@
             <a:pPr algn="r"/>
             <a:r>
               <a:rPr lang="en-US" sz="2400" dirty="0" err="1" smtClean="0"/>
-              <a:t>Resultados</a:t>
+              <a:t>Algoritmo</a:t>
+            </a:r>
+            <a:r>
+              <a:rPr lang="en-US" sz="2400" dirty="0" smtClean="0"/>
+              <a:t> </a:t>
+            </a:r>
+            <a:r>
+              <a:rPr lang="en-US" sz="2400" dirty="0" err="1" smtClean="0"/>
+              <a:t>Propuesto</a:t>
             </a:r>
             <a:endParaRPr lang="en-US" sz="2400" dirty="0" smtClean="0"/>
           </a:p>
@@ -5188,6 +4868,635 @@
           <a:lstStyle/>
           <a:p>
             <a:r>
+              <a:rPr lang="en-US" sz="2800" dirty="0" err="1" smtClean="0"/>
+              <a:t>Codificación</a:t>
+            </a:r>
+            <a:r>
+              <a:rPr lang="en-US" sz="2800" dirty="0" smtClean="0"/>
+              <a:t> </a:t>
+            </a:r>
+            <a:r>
+              <a:rPr lang="en-US" sz="2800" dirty="0" smtClean="0"/>
+              <a:t>de </a:t>
+            </a:r>
+            <a:r>
+              <a:rPr lang="en-US" sz="2800" dirty="0" err="1" smtClean="0"/>
+              <a:t>las</a:t>
+            </a:r>
+            <a:r>
+              <a:rPr lang="en-US" sz="2800" dirty="0" smtClean="0"/>
+              <a:t> </a:t>
+            </a:r>
+            <a:r>
+              <a:rPr lang="en-US" sz="2800" dirty="0" err="1" smtClean="0"/>
+              <a:t>soluciones</a:t>
+            </a:r>
+            <a:r>
+              <a:rPr lang="en-US" sz="2800" dirty="0" smtClean="0"/>
+              <a:t> </a:t>
+            </a:r>
+            <a:r>
+              <a:rPr lang="en-US" sz="2800" dirty="0" err="1" smtClean="0"/>
+              <a:t>mejoradas</a:t>
+            </a:r>
+            <a:endParaRPr lang="en-US" sz="2800" dirty="0" smtClean="0"/>
+          </a:p>
+          <a:p>
+            <a:pPr lvl="1">
+              <a:buFont typeface="Wingdings" pitchFamily="2" charset="2"/>
+              <a:buChar char="§"/>
+            </a:pPr>
+            <a:r>
+              <a:rPr lang="en-US" sz="2000" dirty="0" err="1" smtClean="0"/>
+              <a:t>Actualización</a:t>
+            </a:r>
+            <a:r>
+              <a:rPr lang="en-US" sz="2000" dirty="0" smtClean="0"/>
+              <a:t> </a:t>
+            </a:r>
+            <a:r>
+              <a:rPr lang="en-US" sz="2000" dirty="0"/>
+              <a:t>del </a:t>
+            </a:r>
+            <a:r>
+              <a:rPr lang="en-US" sz="2000" dirty="0" err="1" smtClean="0"/>
+              <a:t>código</a:t>
+            </a:r>
+            <a:r>
+              <a:rPr lang="en-US" sz="2000" dirty="0" smtClean="0"/>
+              <a:t> </a:t>
+            </a:r>
+            <a:r>
+              <a:rPr lang="en-US" sz="2000" dirty="0" err="1" smtClean="0"/>
+              <a:t>genético</a:t>
+            </a:r>
+            <a:r>
+              <a:rPr lang="en-US" sz="2000" dirty="0" smtClean="0"/>
+              <a:t> </a:t>
+            </a:r>
+            <a:r>
+              <a:rPr lang="en-US" sz="2000" dirty="0"/>
+              <a:t>post </a:t>
+            </a:r>
+            <a:r>
+              <a:rPr lang="en-US" sz="2000" dirty="0" err="1" smtClean="0"/>
+              <a:t>búsqueda</a:t>
+            </a:r>
+            <a:r>
+              <a:rPr lang="en-US" sz="2000" dirty="0" smtClean="0"/>
+              <a:t> </a:t>
+            </a:r>
+            <a:r>
+              <a:rPr lang="en-US" sz="2000" dirty="0" smtClean="0"/>
+              <a:t>local</a:t>
+            </a:r>
+            <a:endParaRPr lang="es-AR" sz="1600" dirty="0"/>
+          </a:p>
+        </p:txBody>
+      </p:sp>
+      <p:pic>
+        <p:nvPicPr>
+          <p:cNvPr id="4" name="Picture 3"/>
+          <p:cNvPicPr>
+            <a:picLocks noChangeAspect="1"/>
+          </p:cNvPicPr>
+          <p:nvPr/>
+        </p:nvPicPr>
+        <p:blipFill>
+          <a:blip r:embed="rId2">
+            <a:extLst>
+              <a:ext uri="{28A0092B-C50C-407E-A947-70E740481C1C}">
+                <a14:useLocalDpi xmlns:a14="http://schemas.microsoft.com/office/drawing/2010/main" val="0"/>
+              </a:ext>
+            </a:extLst>
+          </a:blip>
+          <a:stretch>
+            <a:fillRect/>
+          </a:stretch>
+        </p:blipFill>
+        <p:spPr>
+          <a:xfrm>
+            <a:off x="395535" y="1844824"/>
+            <a:ext cx="8385571" cy="4752528"/>
+          </a:xfrm>
+          <a:prstGeom prst="rect">
+            <a:avLst/>
+          </a:prstGeom>
+        </p:spPr>
+      </p:pic>
+    </p:spTree>
+    <p:extLst>
+      <p:ext uri="{BB962C8B-B14F-4D97-AF65-F5344CB8AC3E}">
+        <p14:creationId xmlns:p14="http://schemas.microsoft.com/office/powerpoint/2010/main" val="3984026809"/>
+      </p:ext>
+    </p:extLst>
+  </p:cSld>
+  <p:clrMapOvr>
+    <a:masterClrMapping/>
+  </p:clrMapOvr>
+</p:sld>
+</file>
+
+<file path=ppt/slides/slide16.xml><?xml version="1.0" encoding="utf-8"?>
+<p:sld xmlns:a="http://schemas.openxmlformats.org/drawingml/2006/main" xmlns:r="http://schemas.openxmlformats.org/officeDocument/2006/relationships" xmlns:p="http://schemas.openxmlformats.org/presentationml/2006/main">
+  <p:cSld>
+    <p:spTree>
+      <p:nvGrpSpPr>
+        <p:cNvPr id="1" name=""/>
+        <p:cNvGrpSpPr/>
+        <p:nvPr/>
+      </p:nvGrpSpPr>
+      <p:grpSpPr>
+        <a:xfrm>
+          <a:off x="0" y="0"/>
+          <a:ext cx="0" cy="0"/>
+          <a:chOff x="0" y="0"/>
+          <a:chExt cx="0" cy="0"/>
+        </a:xfrm>
+      </p:grpSpPr>
+      <p:sp>
+        <p:nvSpPr>
+          <p:cNvPr id="2" name="Title 1"/>
+          <p:cNvSpPr>
+            <a:spLocks noGrp="1"/>
+          </p:cNvSpPr>
+          <p:nvPr>
+            <p:ph type="title"/>
+          </p:nvPr>
+        </p:nvSpPr>
+        <p:spPr>
+          <a:xfrm>
+            <a:off x="457200" y="274638"/>
+            <a:ext cx="8229600" cy="418058"/>
+          </a:xfrm>
+        </p:spPr>
+        <p:txBody>
+          <a:bodyPr>
+            <a:normAutofit fontScale="90000"/>
+          </a:bodyPr>
+          <a:lstStyle/>
+          <a:p>
+            <a:pPr algn="r"/>
+            <a:r>
+              <a:rPr lang="en-US" sz="2400" dirty="0" err="1" smtClean="0"/>
+              <a:t>Algoritmo</a:t>
+            </a:r>
+            <a:r>
+              <a:rPr lang="en-US" sz="2400" dirty="0" smtClean="0"/>
+              <a:t> </a:t>
+            </a:r>
+            <a:r>
+              <a:rPr lang="en-US" sz="2400" dirty="0" err="1" smtClean="0"/>
+              <a:t>Propuesto</a:t>
+            </a:r>
+            <a:endParaRPr lang="en-US" sz="2400" dirty="0" smtClean="0"/>
+          </a:p>
+        </p:txBody>
+      </p:sp>
+      <p:pic>
+        <p:nvPicPr>
+          <p:cNvPr id="4" name="Content Placeholder 3"/>
+          <p:cNvPicPr>
+            <a:picLocks noGrp="1" noChangeAspect="1"/>
+          </p:cNvPicPr>
+          <p:nvPr>
+            <p:ph idx="1"/>
+          </p:nvPr>
+        </p:nvPicPr>
+        <p:blipFill>
+          <a:blip r:embed="rId2">
+            <a:extLst>
+              <a:ext uri="{28A0092B-C50C-407E-A947-70E740481C1C}">
+                <a14:useLocalDpi xmlns:a14="http://schemas.microsoft.com/office/drawing/2010/main" val="0"/>
+              </a:ext>
+            </a:extLst>
+          </a:blip>
+          <a:stretch>
+            <a:fillRect/>
+          </a:stretch>
+        </p:blipFill>
+        <p:spPr>
+          <a:xfrm>
+            <a:off x="457200" y="1032161"/>
+            <a:ext cx="8229600" cy="4969890"/>
+          </a:xfrm>
+        </p:spPr>
+      </p:pic>
+    </p:spTree>
+    <p:extLst>
+      <p:ext uri="{BB962C8B-B14F-4D97-AF65-F5344CB8AC3E}">
+        <p14:creationId xmlns:p14="http://schemas.microsoft.com/office/powerpoint/2010/main" val="2559275626"/>
+      </p:ext>
+    </p:extLst>
+  </p:cSld>
+  <p:clrMapOvr>
+    <a:masterClrMapping/>
+  </p:clrMapOvr>
+</p:sld>
+</file>
+
+<file path=ppt/slides/slide17.xml><?xml version="1.0" encoding="utf-8"?>
+<p:sld xmlns:a="http://schemas.openxmlformats.org/drawingml/2006/main" xmlns:r="http://schemas.openxmlformats.org/officeDocument/2006/relationships" xmlns:p="http://schemas.openxmlformats.org/presentationml/2006/main">
+  <p:cSld>
+    <p:spTree>
+      <p:nvGrpSpPr>
+        <p:cNvPr id="1" name=""/>
+        <p:cNvGrpSpPr/>
+        <p:nvPr/>
+      </p:nvGrpSpPr>
+      <p:grpSpPr>
+        <a:xfrm>
+          <a:off x="0" y="0"/>
+          <a:ext cx="0" cy="0"/>
+          <a:chOff x="0" y="0"/>
+          <a:chExt cx="0" cy="0"/>
+        </a:xfrm>
+      </p:grpSpPr>
+      <p:sp>
+        <p:nvSpPr>
+          <p:cNvPr id="2" name="Title 1"/>
+          <p:cNvSpPr>
+            <a:spLocks noGrp="1"/>
+          </p:cNvSpPr>
+          <p:nvPr>
+            <p:ph type="title"/>
+          </p:nvPr>
+        </p:nvSpPr>
+        <p:spPr>
+          <a:xfrm>
+            <a:off x="457200" y="274638"/>
+            <a:ext cx="8229600" cy="418058"/>
+          </a:xfrm>
+        </p:spPr>
+        <p:txBody>
+          <a:bodyPr>
+            <a:normAutofit fontScale="90000"/>
+          </a:bodyPr>
+          <a:lstStyle/>
+          <a:p>
+            <a:pPr algn="r"/>
+            <a:r>
+              <a:rPr lang="en-US" sz="2400" dirty="0" err="1" smtClean="0"/>
+              <a:t>Algoritmo</a:t>
+            </a:r>
+            <a:r>
+              <a:rPr lang="en-US" sz="2400" dirty="0" smtClean="0"/>
+              <a:t> </a:t>
+            </a:r>
+            <a:r>
+              <a:rPr lang="en-US" sz="2400" dirty="0" err="1" smtClean="0"/>
+              <a:t>Propuesto</a:t>
+            </a:r>
+            <a:endParaRPr lang="en-US" sz="2400" dirty="0" smtClean="0"/>
+          </a:p>
+        </p:txBody>
+      </p:sp>
+      <p:sp>
+        <p:nvSpPr>
+          <p:cNvPr id="3" name="Content Placeholder 2"/>
+          <p:cNvSpPr>
+            <a:spLocks noGrp="1"/>
+          </p:cNvSpPr>
+          <p:nvPr>
+            <p:ph idx="1"/>
+          </p:nvPr>
+        </p:nvSpPr>
+        <p:spPr>
+          <a:xfrm>
+            <a:off x="457200" y="908720"/>
+            <a:ext cx="8229600" cy="5217443"/>
+          </a:xfrm>
+        </p:spPr>
+        <p:txBody>
+          <a:bodyPr>
+            <a:normAutofit/>
+          </a:bodyPr>
+          <a:lstStyle/>
+          <a:p>
+            <a:r>
+              <a:rPr lang="en-US" sz="2800" dirty="0" err="1" smtClean="0"/>
+              <a:t>Evaluación</a:t>
+            </a:r>
+            <a:r>
+              <a:rPr lang="en-US" sz="2800" dirty="0" smtClean="0"/>
+              <a:t> de la </a:t>
+            </a:r>
+            <a:r>
+              <a:rPr lang="en-US" sz="2800" dirty="0" err="1" smtClean="0"/>
+              <a:t>condición</a:t>
+            </a:r>
+            <a:r>
+              <a:rPr lang="en-US" sz="2800" dirty="0" smtClean="0"/>
+              <a:t> </a:t>
+            </a:r>
+            <a:r>
+              <a:rPr lang="en-US" sz="2800" dirty="0" smtClean="0"/>
+              <a:t>de </a:t>
+            </a:r>
+            <a:r>
+              <a:rPr lang="en-US" sz="2800" dirty="0" err="1" smtClean="0"/>
+              <a:t>parada</a:t>
+            </a:r>
+            <a:endParaRPr lang="en-US" sz="2800" dirty="0" smtClean="0"/>
+          </a:p>
+          <a:p>
+            <a:pPr lvl="1">
+              <a:buFont typeface="Wingdings" pitchFamily="2" charset="2"/>
+              <a:buChar char="§"/>
+            </a:pPr>
+            <a:r>
+              <a:rPr lang="en-US" sz="2000" dirty="0" err="1" smtClean="0"/>
+              <a:t>Mínima</a:t>
+            </a:r>
+            <a:r>
+              <a:rPr lang="en-US" sz="2000" dirty="0" smtClean="0"/>
+              <a:t> </a:t>
+            </a:r>
+            <a:r>
+              <a:rPr lang="en-US" sz="2000" dirty="0" err="1" smtClean="0"/>
+              <a:t>cantidad</a:t>
+            </a:r>
+            <a:r>
+              <a:rPr lang="en-US" sz="2000" dirty="0" smtClean="0"/>
+              <a:t> de </a:t>
+            </a:r>
+            <a:r>
+              <a:rPr lang="en-US" sz="2000" dirty="0" err="1" smtClean="0"/>
+              <a:t>generaciones</a:t>
+            </a:r>
+            <a:endParaRPr lang="en-US" sz="2000" dirty="0" smtClean="0"/>
+          </a:p>
+          <a:p>
+            <a:pPr lvl="1">
+              <a:buFont typeface="Wingdings" pitchFamily="2" charset="2"/>
+              <a:buChar char="§"/>
+            </a:pPr>
+            <a:r>
+              <a:rPr lang="en-US" sz="2000" dirty="0" err="1" smtClean="0"/>
+              <a:t>Ultimas</a:t>
+            </a:r>
+            <a:r>
+              <a:rPr lang="en-US" sz="2000" dirty="0" smtClean="0"/>
+              <a:t> X </a:t>
+            </a:r>
+            <a:r>
+              <a:rPr lang="en-US" sz="2000" dirty="0" err="1" smtClean="0"/>
+              <a:t>generaciónes</a:t>
+            </a:r>
+            <a:r>
+              <a:rPr lang="en-US" sz="2000" dirty="0" smtClean="0"/>
+              <a:t> </a:t>
+            </a:r>
+            <a:r>
+              <a:rPr lang="en-US" sz="2000" dirty="0" smtClean="0"/>
+              <a:t>sin </a:t>
+            </a:r>
+            <a:r>
+              <a:rPr lang="en-US" sz="2000" dirty="0" err="1" smtClean="0"/>
+              <a:t>que</a:t>
+            </a:r>
+            <a:r>
+              <a:rPr lang="en-US" sz="2000" dirty="0" smtClean="0"/>
+              <a:t> </a:t>
+            </a:r>
+            <a:r>
+              <a:rPr lang="en-US" sz="2000" dirty="0" err="1" smtClean="0"/>
+              <a:t>haya</a:t>
+            </a:r>
+            <a:r>
+              <a:rPr lang="en-US" sz="2000" dirty="0" smtClean="0"/>
+              <a:t> </a:t>
+            </a:r>
+            <a:r>
+              <a:rPr lang="en-US" sz="2000" dirty="0" err="1" smtClean="0"/>
+              <a:t>mejorado</a:t>
+            </a:r>
+            <a:r>
+              <a:rPr lang="en-US" sz="2000" dirty="0" smtClean="0"/>
+              <a:t> el </a:t>
+            </a:r>
+            <a:r>
+              <a:rPr lang="en-US" sz="2000" dirty="0" err="1" smtClean="0"/>
+              <a:t>beneficio</a:t>
+            </a:r>
+            <a:r>
+              <a:rPr lang="en-US" sz="2000" dirty="0" smtClean="0"/>
+              <a:t> de la </a:t>
+            </a:r>
+            <a:r>
+              <a:rPr lang="en-US" sz="2000" dirty="0" err="1" smtClean="0"/>
+              <a:t>mejor</a:t>
+            </a:r>
+            <a:r>
+              <a:rPr lang="en-US" sz="2000" dirty="0" smtClean="0"/>
+              <a:t> </a:t>
+            </a:r>
+            <a:r>
+              <a:rPr lang="en-US" sz="2000" dirty="0" err="1" smtClean="0"/>
+              <a:t>solución</a:t>
+            </a:r>
+            <a:endParaRPr lang="en-US" sz="2000" dirty="0" smtClean="0"/>
+          </a:p>
+          <a:p>
+            <a:pPr lvl="1">
+              <a:buFont typeface="Wingdings" pitchFamily="2" charset="2"/>
+              <a:buChar char="§"/>
+            </a:pPr>
+            <a:r>
+              <a:rPr lang="en-US" sz="2000" dirty="0" smtClean="0"/>
+              <a:t>Si no se </a:t>
+            </a:r>
+            <a:r>
+              <a:rPr lang="en-US" sz="2000" dirty="0" err="1" smtClean="0"/>
+              <a:t>cumplen</a:t>
+            </a:r>
+            <a:r>
+              <a:rPr lang="en-US" sz="2000" dirty="0" smtClean="0"/>
+              <a:t> </a:t>
+            </a:r>
+            <a:r>
+              <a:rPr lang="en-US" sz="2000" dirty="0" err="1" smtClean="0"/>
+              <a:t>las</a:t>
+            </a:r>
+            <a:r>
+              <a:rPr lang="en-US" sz="2000" dirty="0" smtClean="0"/>
+              <a:t> </a:t>
+            </a:r>
+            <a:r>
+              <a:rPr lang="en-US" sz="2000" dirty="0" err="1" smtClean="0"/>
+              <a:t>condiciones</a:t>
+            </a:r>
+            <a:r>
+              <a:rPr lang="en-US" sz="2000" dirty="0" smtClean="0"/>
+              <a:t>, </a:t>
+            </a:r>
+            <a:r>
+              <a:rPr lang="en-US" sz="2000" dirty="0" err="1" smtClean="0"/>
+              <a:t>comienza</a:t>
+            </a:r>
+            <a:r>
+              <a:rPr lang="en-US" sz="2000" dirty="0" smtClean="0"/>
+              <a:t> un </a:t>
+            </a:r>
+            <a:r>
+              <a:rPr lang="en-US" sz="2000" dirty="0" err="1" smtClean="0"/>
+              <a:t>nuevo</a:t>
+            </a:r>
+            <a:r>
+              <a:rPr lang="en-US" sz="2000" dirty="0" smtClean="0"/>
+              <a:t> </a:t>
+            </a:r>
+            <a:r>
+              <a:rPr lang="en-US" sz="2000" dirty="0" err="1" smtClean="0"/>
+              <a:t>ciclo</a:t>
+            </a:r>
+            <a:r>
+              <a:rPr lang="en-US" sz="2000" dirty="0" smtClean="0"/>
+              <a:t> </a:t>
+            </a:r>
+            <a:r>
+              <a:rPr lang="en-US" sz="2000" dirty="0" err="1" smtClean="0"/>
+              <a:t>evolucionando</a:t>
+            </a:r>
+            <a:r>
+              <a:rPr lang="en-US" sz="2000" dirty="0" smtClean="0"/>
+              <a:t> la </a:t>
+            </a:r>
+            <a:r>
+              <a:rPr lang="en-US" sz="2000" dirty="0" err="1" smtClean="0"/>
+              <a:t>población</a:t>
+            </a:r>
+            <a:endParaRPr lang="en-US" sz="2000" dirty="0" smtClean="0"/>
+          </a:p>
+          <a:p>
+            <a:pPr lvl="1">
+              <a:buFont typeface="Wingdings" pitchFamily="2" charset="2"/>
+              <a:buChar char="§"/>
+            </a:pPr>
+            <a:r>
+              <a:rPr lang="en-US" sz="2000" dirty="0" smtClean="0"/>
+              <a:t>Si se </a:t>
+            </a:r>
+            <a:r>
+              <a:rPr lang="en-US" sz="2000" dirty="0" err="1" smtClean="0"/>
+              <a:t>cumplen</a:t>
+            </a:r>
+            <a:r>
+              <a:rPr lang="en-US" sz="2000" dirty="0" smtClean="0"/>
+              <a:t>, </a:t>
+            </a:r>
+            <a:r>
+              <a:rPr lang="en-US" sz="2000" dirty="0" err="1" smtClean="0"/>
+              <a:t>r</a:t>
+            </a:r>
+            <a:r>
+              <a:rPr lang="en-US" sz="2000" dirty="0" err="1" smtClean="0"/>
+              <a:t>etorna</a:t>
+            </a:r>
+            <a:r>
+              <a:rPr lang="en-US" sz="2000" dirty="0" smtClean="0"/>
+              <a:t> la </a:t>
+            </a:r>
+            <a:r>
+              <a:rPr lang="en-US" sz="2000" dirty="0" err="1" smtClean="0"/>
+              <a:t>mejor</a:t>
+            </a:r>
+            <a:r>
+              <a:rPr lang="en-US" sz="2000" dirty="0" smtClean="0"/>
+              <a:t> </a:t>
+            </a:r>
+            <a:r>
+              <a:rPr lang="en-US" sz="2000" dirty="0" err="1" smtClean="0"/>
+              <a:t>solución</a:t>
+            </a:r>
+            <a:endParaRPr lang="es-AR" sz="2000" dirty="0"/>
+          </a:p>
+        </p:txBody>
+      </p:sp>
+    </p:spTree>
+    <p:extLst>
+      <p:ext uri="{BB962C8B-B14F-4D97-AF65-F5344CB8AC3E}">
+        <p14:creationId xmlns:p14="http://schemas.microsoft.com/office/powerpoint/2010/main" val="2559275626"/>
+      </p:ext>
+    </p:extLst>
+  </p:cSld>
+  <p:clrMapOvr>
+    <a:masterClrMapping/>
+  </p:clrMapOvr>
+</p:sld>
+</file>
+
+<file path=ppt/slides/slide18.xml><?xml version="1.0" encoding="utf-8"?>
+<p:sld xmlns:a="http://schemas.openxmlformats.org/drawingml/2006/main" xmlns:r="http://schemas.openxmlformats.org/officeDocument/2006/relationships" xmlns:p="http://schemas.openxmlformats.org/presentationml/2006/main">
+  <p:cSld>
+    <p:spTree>
+      <p:nvGrpSpPr>
+        <p:cNvPr id="1" name=""/>
+        <p:cNvGrpSpPr/>
+        <p:nvPr/>
+      </p:nvGrpSpPr>
+      <p:grpSpPr>
+        <a:xfrm>
+          <a:off x="0" y="0"/>
+          <a:ext cx="0" cy="0"/>
+          <a:chOff x="0" y="0"/>
+          <a:chExt cx="0" cy="0"/>
+        </a:xfrm>
+      </p:grpSpPr>
+      <p:sp>
+        <p:nvSpPr>
+          <p:cNvPr id="2" name="Title 1"/>
+          <p:cNvSpPr>
+            <a:spLocks noGrp="1"/>
+          </p:cNvSpPr>
+          <p:nvPr>
+            <p:ph type="title"/>
+          </p:nvPr>
+        </p:nvSpPr>
+        <p:spPr>
+          <a:xfrm>
+            <a:off x="457200" y="274638"/>
+            <a:ext cx="8229600" cy="418058"/>
+          </a:xfrm>
+        </p:spPr>
+        <p:txBody>
+          <a:bodyPr>
+            <a:normAutofit fontScale="90000"/>
+          </a:bodyPr>
+          <a:lstStyle/>
+          <a:p>
+            <a:pPr algn="r"/>
+            <a:r>
+              <a:rPr lang="en-US" sz="2400" dirty="0" err="1" smtClean="0"/>
+              <a:t>Resultados</a:t>
+            </a:r>
+            <a:endParaRPr lang="en-US" sz="2400" dirty="0" smtClean="0"/>
+          </a:p>
+        </p:txBody>
+      </p:sp>
+      <p:sp>
+        <p:nvSpPr>
+          <p:cNvPr id="3" name="Content Placeholder 2"/>
+          <p:cNvSpPr>
+            <a:spLocks noGrp="1"/>
+          </p:cNvSpPr>
+          <p:nvPr>
+            <p:ph idx="1"/>
+          </p:nvPr>
+        </p:nvSpPr>
+        <p:spPr>
+          <a:xfrm>
+            <a:off x="457200" y="908720"/>
+            <a:ext cx="8229600" cy="5217443"/>
+          </a:xfrm>
+        </p:spPr>
+        <p:txBody>
+          <a:bodyPr>
+            <a:normAutofit/>
+          </a:bodyPr>
+          <a:lstStyle/>
+          <a:p>
+            <a:r>
               <a:rPr lang="es-ES" sz="2000" dirty="0" smtClean="0"/>
               <a:t>Trabajos previos</a:t>
             </a:r>
@@ -5206,7 +5515,6 @@
               <a:rPr lang="es-ES" sz="1600" dirty="0" smtClean="0"/>
               <a:t>.  (CGW)</a:t>
             </a:r>
-            <a:endParaRPr lang="es-ES" sz="1600" dirty="0" smtClean="0"/>
           </a:p>
           <a:p>
             <a:pPr lvl="1"/>
@@ -5366,7 +5674,6 @@
               <a:rPr lang="es-ES" sz="1600" dirty="0" smtClean="0"/>
               <a:t>TODO imagen de los resultados para 6 instancias en sol final</a:t>
             </a:r>
-            <a:endParaRPr lang="es-ES" sz="1600" dirty="0" smtClean="0"/>
           </a:p>
           <a:p>
             <a:r>
@@ -5419,7 +5726,7 @@
           <a:graphicData uri="http://schemas.openxmlformats.org/presentationml/2006/ole">
             <mc:AlternateContent xmlns:mc="http://schemas.openxmlformats.org/markup-compatibility/2006">
               <mc:Choice xmlns:v="urn:schemas-microsoft-com:vml" Requires="v">
-                <p:oleObj spid="_x0000_s1047" name="Equation" r:id="rId3" imgW="1409400" imgH="342720" progId="Equation.3">
+                <p:oleObj spid="_x0000_s1053" name="Equation" r:id="rId3" imgW="1409400" imgH="342720" progId="Equation.3">
                   <p:embed/>
                 </p:oleObj>
               </mc:Choice>
@@ -5467,7 +5774,7 @@
 </p:sld>
 </file>
 
-<file path=ppt/slides/slide16.xml><?xml version="1.0" encoding="utf-8"?>
+<file path=ppt/slides/slide19.xml><?xml version="1.0" encoding="utf-8"?>
 <p:sld xmlns:a="http://schemas.openxmlformats.org/drawingml/2006/main" xmlns:r="http://schemas.openxmlformats.org/officeDocument/2006/relationships" xmlns:p="http://schemas.openxmlformats.org/presentationml/2006/main">
   <p:cSld>
     <p:spTree>
@@ -5538,190 +5845,146 @@
           <a:lstStyle/>
           <a:p>
             <a:r>
-              <a:rPr lang="es-ES" sz="2000" dirty="0" smtClean="0"/>
+              <a:rPr lang="es-ES" sz="2800" dirty="0" smtClean="0"/>
               <a:t>Los resultados fueron muy buenos, </a:t>
             </a:r>
             <a:r>
-              <a:rPr lang="es-AR" sz="2000" dirty="0" smtClean="0"/>
-              <a:t>u</a:t>
-            </a:r>
-            <a:r>
-              <a:rPr lang="es-AR" sz="2000" dirty="0" smtClean="0"/>
-              <a:t>n </a:t>
-            </a:r>
-            <a:r>
-              <a:rPr lang="es-AR" sz="2000" dirty="0"/>
+              <a:rPr lang="es-AR" sz="2800" dirty="0" smtClean="0"/>
+              <a:t>un </a:t>
+            </a:r>
+            <a:r>
+              <a:rPr lang="es-AR" sz="2800" dirty="0"/>
               <a:t>70% de los resultados llegaron a la mejor solución conocida de la instancia </a:t>
             </a:r>
             <a:r>
-              <a:rPr lang="es-AR" sz="2000" dirty="0" smtClean="0"/>
+              <a:rPr lang="es-AR" sz="2800" dirty="0" smtClean="0"/>
               <a:t>testeada.</a:t>
             </a:r>
           </a:p>
           <a:p>
             <a:r>
-              <a:rPr lang="en-US" sz="2000" dirty="0" smtClean="0"/>
+              <a:rPr lang="en-US" sz="2800" dirty="0" smtClean="0"/>
               <a:t>El restante 30% </a:t>
             </a:r>
             <a:r>
-              <a:rPr lang="en-US" sz="2000" dirty="0" err="1" smtClean="0"/>
+              <a:rPr lang="en-US" sz="2800" dirty="0" err="1" smtClean="0"/>
               <a:t>obtuvo</a:t>
             </a:r>
             <a:r>
-              <a:rPr lang="en-US" sz="2000" dirty="0" smtClean="0"/>
-              <a:t> </a:t>
-            </a:r>
-            <a:r>
-              <a:rPr lang="en-US" sz="2000" dirty="0" err="1" smtClean="0"/>
+              <a:rPr lang="en-US" sz="2800" dirty="0" smtClean="0"/>
+              <a:t> </a:t>
+            </a:r>
+            <a:r>
+              <a:rPr lang="en-US" sz="2800" dirty="0" err="1" smtClean="0"/>
               <a:t>valores</a:t>
             </a:r>
             <a:r>
-              <a:rPr lang="en-US" sz="2000" dirty="0" smtClean="0"/>
-              <a:t> </a:t>
-            </a:r>
-            <a:r>
-              <a:rPr lang="en-US" sz="2000" dirty="0" err="1" smtClean="0"/>
+              <a:rPr lang="en-US" sz="2800" dirty="0" smtClean="0"/>
+              <a:t> </a:t>
+            </a:r>
+            <a:r>
+              <a:rPr lang="en-US" sz="2800" dirty="0" err="1" smtClean="0"/>
               <a:t>muy</a:t>
             </a:r>
             <a:r>
-              <a:rPr lang="en-US" sz="2000" dirty="0" smtClean="0"/>
-              <a:t> </a:t>
-            </a:r>
-            <a:r>
-              <a:rPr lang="en-US" sz="2000" dirty="0" err="1" smtClean="0"/>
+              <a:rPr lang="en-US" sz="2800" dirty="0" smtClean="0"/>
+              <a:t> </a:t>
+            </a:r>
+            <a:r>
+              <a:rPr lang="en-US" sz="2800" dirty="0" err="1" smtClean="0"/>
               <a:t>competitivos</a:t>
             </a:r>
             <a:r>
-              <a:rPr lang="en-US" sz="2000" dirty="0" smtClean="0"/>
+              <a:rPr lang="en-US" sz="2800" dirty="0" smtClean="0"/>
               <a:t> con los </a:t>
             </a:r>
             <a:r>
-              <a:rPr lang="en-US" sz="2000" dirty="0" err="1" smtClean="0"/>
+              <a:rPr lang="en-US" sz="2800" dirty="0" err="1" smtClean="0"/>
               <a:t>mejores</a:t>
             </a:r>
             <a:r>
-              <a:rPr lang="en-US" sz="2000" dirty="0" smtClean="0"/>
-              <a:t> </a:t>
-            </a:r>
-            <a:r>
-              <a:rPr lang="en-US" sz="2000" dirty="0" err="1" smtClean="0"/>
+              <a:rPr lang="en-US" sz="2800" dirty="0" smtClean="0"/>
+              <a:t> </a:t>
+            </a:r>
+            <a:r>
+              <a:rPr lang="en-US" sz="2800" dirty="0" err="1" smtClean="0"/>
               <a:t>trabajos</a:t>
             </a:r>
             <a:r>
-              <a:rPr lang="en-US" sz="2000" dirty="0" smtClean="0"/>
-              <a:t> </a:t>
-            </a:r>
-            <a:r>
-              <a:rPr lang="en-US" sz="2000" dirty="0" err="1" smtClean="0"/>
+              <a:rPr lang="en-US" sz="2800" dirty="0" smtClean="0"/>
+              <a:t> </a:t>
+            </a:r>
+            <a:r>
+              <a:rPr lang="en-US" sz="2800" dirty="0" err="1" smtClean="0"/>
               <a:t>previos</a:t>
             </a:r>
             <a:r>
-              <a:rPr lang="en-US" sz="2000" dirty="0" smtClean="0"/>
+              <a:rPr lang="en-US" sz="2800" dirty="0" smtClean="0"/>
               <a:t>.</a:t>
             </a:r>
           </a:p>
           <a:p>
             <a:r>
-              <a:rPr lang="en-US" sz="2000" dirty="0" smtClean="0"/>
+              <a:rPr lang="en-US" sz="2800" dirty="0" smtClean="0"/>
               <a:t>El BRKGA </a:t>
             </a:r>
             <a:r>
-              <a:rPr lang="en-US" sz="2000" dirty="0" err="1" smtClean="0"/>
+              <a:rPr lang="en-US" sz="2800" dirty="0" err="1" smtClean="0"/>
               <a:t>puro</a:t>
             </a:r>
             <a:r>
-              <a:rPr lang="en-US" sz="2000" dirty="0" smtClean="0"/>
+              <a:rPr lang="en-US" sz="2800" dirty="0" smtClean="0"/>
               <a:t> no </a:t>
             </a:r>
             <a:r>
-              <a:rPr lang="en-US" sz="2000" dirty="0" err="1" smtClean="0"/>
+              <a:rPr lang="en-US" sz="2800" dirty="0" err="1" smtClean="0"/>
               <a:t>es</a:t>
             </a:r>
             <a:r>
-              <a:rPr lang="en-US" sz="2000" dirty="0" smtClean="0"/>
-              <a:t> </a:t>
-            </a:r>
-            <a:r>
-              <a:rPr lang="en-US" sz="2000" dirty="0" err="1" smtClean="0"/>
+              <a:rPr lang="en-US" sz="2800" dirty="0" smtClean="0"/>
+              <a:t> </a:t>
+            </a:r>
+            <a:r>
+              <a:rPr lang="en-US" sz="2800" dirty="0" err="1" smtClean="0"/>
               <a:t>bueno</a:t>
             </a:r>
             <a:r>
-              <a:rPr lang="en-US" sz="2000" dirty="0" smtClean="0"/>
-              <a:t> </a:t>
-            </a:r>
-            <a:r>
-              <a:rPr lang="en-US" sz="2000" dirty="0" err="1" smtClean="0"/>
+              <a:rPr lang="en-US" sz="2800" dirty="0" smtClean="0"/>
+              <a:t> </a:t>
+            </a:r>
+            <a:r>
+              <a:rPr lang="en-US" sz="2800" dirty="0" err="1" smtClean="0"/>
               <a:t>para</a:t>
             </a:r>
             <a:r>
-              <a:rPr lang="en-US" sz="2000" dirty="0" smtClean="0"/>
-              <a:t> </a:t>
-            </a:r>
-            <a:r>
-              <a:rPr lang="en-US" sz="2000" dirty="0" err="1" smtClean="0"/>
+              <a:rPr lang="en-US" sz="2800" dirty="0" smtClean="0"/>
+              <a:t> </a:t>
+            </a:r>
+            <a:r>
+              <a:rPr lang="en-US" sz="2800" dirty="0" err="1" smtClean="0"/>
               <a:t>instancias</a:t>
             </a:r>
             <a:r>
-              <a:rPr lang="en-US" sz="2000" dirty="0" smtClean="0"/>
-              <a:t> </a:t>
-            </a:r>
-            <a:r>
-              <a:rPr lang="en-US" sz="2000" dirty="0" err="1" smtClean="0"/>
+              <a:rPr lang="en-US" sz="2800" dirty="0" smtClean="0"/>
+              <a:t> </a:t>
+            </a:r>
+            <a:r>
+              <a:rPr lang="en-US" sz="2800" dirty="0" err="1" smtClean="0"/>
               <a:t>grandes</a:t>
             </a:r>
             <a:r>
-              <a:rPr lang="en-US" sz="2000" dirty="0" smtClean="0"/>
+              <a:rPr lang="en-US" sz="2800" dirty="0" smtClean="0"/>
               <a:t> del </a:t>
             </a:r>
             <a:r>
-              <a:rPr lang="en-US" sz="2000" dirty="0" err="1" smtClean="0"/>
+              <a:rPr lang="en-US" sz="2800" dirty="0" err="1" smtClean="0"/>
               <a:t>problema</a:t>
             </a:r>
             <a:r>
-              <a:rPr lang="en-US" sz="2000" dirty="0" smtClean="0"/>
+              <a:rPr lang="en-US" sz="2800" dirty="0" smtClean="0"/>
               <a:t>.</a:t>
             </a:r>
-          </a:p>
-          <a:p>
-            <a:r>
-              <a:rPr lang="es-ES" sz="2000" dirty="0" smtClean="0"/>
-              <a:t>Seria útil una herramienta para visualizar los caminos generados.</a:t>
-            </a:r>
-          </a:p>
-          <a:p>
-            <a:r>
-              <a:rPr lang="es-ES" sz="2000" dirty="0" smtClean="0"/>
-              <a:t>Investigar otras variantes de decodificadores</a:t>
-            </a:r>
-          </a:p>
-          <a:p>
-            <a:pPr lvl="1"/>
-            <a:r>
-              <a:rPr lang="es-ES" sz="1600" dirty="0" err="1" smtClean="0"/>
-              <a:t>Particionar</a:t>
-            </a:r>
-            <a:r>
-              <a:rPr lang="es-ES" sz="1600" dirty="0" smtClean="0"/>
-              <a:t> los clientes según su centro de gravedad, asigna vehículo a cada centro y asignar desde ahí</a:t>
-            </a:r>
-            <a:endParaRPr lang="es-ES" sz="1600" dirty="0" smtClean="0"/>
-          </a:p>
-          <a:p>
-            <a:r>
-              <a:rPr lang="es-ES" sz="2000" dirty="0" smtClean="0"/>
-              <a:t>Investigar otros métodos de crossover</a:t>
-            </a:r>
-          </a:p>
-          <a:p>
-            <a:pPr lvl="1"/>
-            <a:r>
-              <a:rPr lang="es-ES" sz="1600" dirty="0" smtClean="0"/>
-              <a:t>Que cada alelo represente un vehículo con su ruta en vez de un cliente</a:t>
-            </a:r>
-          </a:p>
-          <a:p>
-            <a:pPr lvl="1"/>
-            <a:endParaRPr lang="es-ES" sz="1600" dirty="0" smtClean="0"/>
+            <a:endParaRPr lang="es-ES" sz="2800" dirty="0" smtClean="0"/>
           </a:p>
         </p:txBody>
       </p:sp>
@@ -5729,144 +5992,6 @@
     <p:extLst>
       <p:ext uri="{BB962C8B-B14F-4D97-AF65-F5344CB8AC3E}">
         <p14:creationId xmlns:p14="http://schemas.microsoft.com/office/powerpoint/2010/main" val="962634165"/>
-      </p:ext>
-    </p:extLst>
-  </p:cSld>
-  <p:clrMapOvr>
-    <a:masterClrMapping/>
-  </p:clrMapOvr>
-</p:sld>
-</file>
-
-<file path=ppt/slides/slide17.xml><?xml version="1.0" encoding="utf-8"?>
-<p:sld xmlns:a="http://schemas.openxmlformats.org/drawingml/2006/main" xmlns:r="http://schemas.openxmlformats.org/officeDocument/2006/relationships" xmlns:p="http://schemas.openxmlformats.org/presentationml/2006/main">
-  <p:cSld>
-    <p:spTree>
-      <p:nvGrpSpPr>
-        <p:cNvPr id="1" name=""/>
-        <p:cNvGrpSpPr/>
-        <p:nvPr/>
-      </p:nvGrpSpPr>
-      <p:grpSpPr>
-        <a:xfrm>
-          <a:off x="0" y="0"/>
-          <a:ext cx="0" cy="0"/>
-          <a:chOff x="0" y="0"/>
-          <a:chExt cx="0" cy="0"/>
-        </a:xfrm>
-      </p:grpSpPr>
-      <p:sp>
-        <p:nvSpPr>
-          <p:cNvPr id="2" name="Title 1"/>
-          <p:cNvSpPr>
-            <a:spLocks noGrp="1"/>
-          </p:cNvSpPr>
-          <p:nvPr>
-            <p:ph type="title"/>
-          </p:nvPr>
-        </p:nvSpPr>
-        <p:spPr>
-          <a:xfrm>
-            <a:off x="457200" y="274638"/>
-            <a:ext cx="8229600" cy="418058"/>
-          </a:xfrm>
-        </p:spPr>
-        <p:txBody>
-          <a:bodyPr>
-            <a:normAutofit fontScale="90000"/>
-          </a:bodyPr>
-          <a:lstStyle/>
-          <a:p>
-            <a:pPr algn="r"/>
-            <a:endParaRPr lang="en-US" sz="2400" dirty="0" smtClean="0"/>
-          </a:p>
-        </p:txBody>
-      </p:sp>
-      <p:sp>
-        <p:nvSpPr>
-          <p:cNvPr id="3" name="Content Placeholder 2"/>
-          <p:cNvSpPr>
-            <a:spLocks noGrp="1"/>
-          </p:cNvSpPr>
-          <p:nvPr>
-            <p:ph idx="1"/>
-          </p:nvPr>
-        </p:nvSpPr>
-        <p:spPr>
-          <a:xfrm>
-            <a:off x="457200" y="908720"/>
-            <a:ext cx="8229600" cy="5217443"/>
-          </a:xfrm>
-        </p:spPr>
-        <p:txBody>
-          <a:bodyPr>
-            <a:normAutofit/>
-          </a:bodyPr>
-          <a:lstStyle/>
-          <a:p>
-            <a:pPr marL="0" indent="0" algn="ctr">
-              <a:buNone/>
-            </a:pPr>
-            <a:endParaRPr lang="es-ES" sz="1600" dirty="0" smtClean="0"/>
-          </a:p>
-          <a:p>
-            <a:pPr marL="0" indent="0" algn="ctr">
-              <a:buNone/>
-            </a:pPr>
-            <a:endParaRPr lang="es-ES" sz="1600" dirty="0"/>
-          </a:p>
-          <a:p>
-            <a:pPr marL="0" indent="0" algn="ctr">
-              <a:buNone/>
-            </a:pPr>
-            <a:endParaRPr lang="es-ES" sz="1600" dirty="0" smtClean="0"/>
-          </a:p>
-          <a:p>
-            <a:pPr marL="0" indent="0" algn="ctr">
-              <a:buNone/>
-            </a:pPr>
-            <a:endParaRPr lang="es-ES" sz="1600" dirty="0"/>
-          </a:p>
-          <a:p>
-            <a:pPr marL="0" indent="0" algn="ctr">
-              <a:buNone/>
-            </a:pPr>
-            <a:endParaRPr lang="es-ES" sz="1600" dirty="0" smtClean="0"/>
-          </a:p>
-          <a:p>
-            <a:pPr marL="0" indent="0" algn="ctr">
-              <a:buNone/>
-            </a:pPr>
-            <a:endParaRPr lang="es-ES" sz="1600" dirty="0"/>
-          </a:p>
-          <a:p>
-            <a:pPr marL="0" indent="0" algn="ctr">
-              <a:buNone/>
-            </a:pPr>
-            <a:endParaRPr lang="es-ES" sz="1600" dirty="0" smtClean="0"/>
-          </a:p>
-          <a:p>
-            <a:pPr marL="0" indent="0" algn="ctr">
-              <a:buNone/>
-            </a:pPr>
-            <a:endParaRPr lang="es-ES" sz="1600" dirty="0"/>
-          </a:p>
-          <a:p>
-            <a:pPr marL="0" indent="0" algn="ctr">
-              <a:buNone/>
-            </a:pPr>
-            <a:r>
-              <a:rPr lang="es-ES" sz="4000" dirty="0" smtClean="0"/>
-              <a:t>Gracias!</a:t>
-            </a:r>
-            <a:endParaRPr lang="en-US" sz="4000" dirty="0" smtClean="0"/>
-          </a:p>
-        </p:txBody>
-      </p:sp>
-    </p:spTree>
-    <p:extLst>
-      <p:ext uri="{BB962C8B-B14F-4D97-AF65-F5344CB8AC3E}">
-        <p14:creationId xmlns:p14="http://schemas.microsoft.com/office/powerpoint/2010/main" val="1529632411"/>
       </p:ext>
     </p:extLst>
   </p:cSld>
@@ -6060,7 +6185,7 @@
             <a:pPr marL="0" indent="0">
               <a:buNone/>
             </a:pPr>
-            <a:endParaRPr lang="en-US" sz="2400" dirty="0"/>
+            <a:endParaRPr lang="en-US" sz="2400" dirty="0" smtClean="0"/>
           </a:p>
           <a:p>
             <a:pPr marL="0" indent="0">
@@ -6220,6 +6345,21 @@
               <a:rPr lang="en-US" sz="2400" dirty="0" err="1" smtClean="0"/>
               <a:t>Concluciones</a:t>
             </a:r>
+            <a:endParaRPr lang="en-US" sz="2400" dirty="0" smtClean="0"/>
+          </a:p>
+          <a:p>
+            <a:r>
+              <a:rPr lang="en-US" sz="2400" dirty="0" err="1" smtClean="0"/>
+              <a:t>Trabajos</a:t>
+            </a:r>
+            <a:r>
+              <a:rPr lang="en-US" sz="2400" dirty="0" smtClean="0"/>
+              <a:t> </a:t>
+            </a:r>
+            <a:r>
+              <a:rPr lang="en-US" sz="2400" dirty="0" err="1" smtClean="0"/>
+              <a:t>Futuros</a:t>
+            </a:r>
             <a:endParaRPr lang="es-AR" sz="2400" dirty="0"/>
           </a:p>
         </p:txBody>
@@ -6228,6 +6368,259 @@
     <p:extLst>
       <p:ext uri="{BB962C8B-B14F-4D97-AF65-F5344CB8AC3E}">
         <p14:creationId xmlns:p14="http://schemas.microsoft.com/office/powerpoint/2010/main" val="2182434005"/>
+      </p:ext>
+    </p:extLst>
+  </p:cSld>
+  <p:clrMapOvr>
+    <a:masterClrMapping/>
+  </p:clrMapOvr>
+</p:sld>
+</file>
+
+<file path=ppt/slides/slide20.xml><?xml version="1.0" encoding="utf-8"?>
+<p:sld xmlns:a="http://schemas.openxmlformats.org/drawingml/2006/main" xmlns:r="http://schemas.openxmlformats.org/officeDocument/2006/relationships" xmlns:p="http://schemas.openxmlformats.org/presentationml/2006/main">
+  <p:cSld>
+    <p:spTree>
+      <p:nvGrpSpPr>
+        <p:cNvPr id="1" name=""/>
+        <p:cNvGrpSpPr/>
+        <p:nvPr/>
+      </p:nvGrpSpPr>
+      <p:grpSpPr>
+        <a:xfrm>
+          <a:off x="0" y="0"/>
+          <a:ext cx="0" cy="0"/>
+          <a:chOff x="0" y="0"/>
+          <a:chExt cx="0" cy="0"/>
+        </a:xfrm>
+      </p:grpSpPr>
+      <p:sp>
+        <p:nvSpPr>
+          <p:cNvPr id="2" name="Title 1"/>
+          <p:cNvSpPr>
+            <a:spLocks noGrp="1"/>
+          </p:cNvSpPr>
+          <p:nvPr>
+            <p:ph type="title"/>
+          </p:nvPr>
+        </p:nvSpPr>
+        <p:spPr>
+          <a:xfrm>
+            <a:off x="457200" y="274638"/>
+            <a:ext cx="8229600" cy="418058"/>
+          </a:xfrm>
+        </p:spPr>
+        <p:txBody>
+          <a:bodyPr>
+            <a:normAutofit fontScale="90000"/>
+          </a:bodyPr>
+          <a:lstStyle/>
+          <a:p>
+            <a:pPr algn="r"/>
+            <a:r>
+              <a:rPr lang="en-US" sz="2400" dirty="0" err="1" smtClean="0"/>
+              <a:t>Trabajos</a:t>
+            </a:r>
+            <a:r>
+              <a:rPr lang="en-US" sz="2400" dirty="0" smtClean="0"/>
+              <a:t> </a:t>
+            </a:r>
+            <a:r>
+              <a:rPr lang="en-US" sz="2400" dirty="0" err="1" smtClean="0"/>
+              <a:t>futuros</a:t>
+            </a:r>
+            <a:endParaRPr lang="en-US" sz="2400" dirty="0" smtClean="0"/>
+          </a:p>
+        </p:txBody>
+      </p:sp>
+      <p:sp>
+        <p:nvSpPr>
+          <p:cNvPr id="3" name="Content Placeholder 2"/>
+          <p:cNvSpPr>
+            <a:spLocks noGrp="1"/>
+          </p:cNvSpPr>
+          <p:nvPr>
+            <p:ph idx="1"/>
+          </p:nvPr>
+        </p:nvSpPr>
+        <p:spPr>
+          <a:xfrm>
+            <a:off x="457200" y="908720"/>
+            <a:ext cx="8229600" cy="5217443"/>
+          </a:xfrm>
+        </p:spPr>
+        <p:txBody>
+          <a:bodyPr>
+            <a:normAutofit/>
+          </a:bodyPr>
+          <a:lstStyle/>
+          <a:p>
+            <a:r>
+              <a:rPr lang="es-ES" sz="2800" dirty="0" smtClean="0"/>
+              <a:t>Seria </a:t>
+            </a:r>
+            <a:r>
+              <a:rPr lang="es-ES" sz="2800" dirty="0" smtClean="0"/>
+              <a:t>útil una herramienta para visualizar los caminos generados.</a:t>
+            </a:r>
+          </a:p>
+          <a:p>
+            <a:r>
+              <a:rPr lang="es-ES" sz="2800" dirty="0" smtClean="0"/>
+              <a:t>Investigar otras variantes de decodificadores</a:t>
+            </a:r>
+          </a:p>
+          <a:p>
+            <a:pPr lvl="1">
+              <a:buFont typeface="Wingdings" pitchFamily="2" charset="2"/>
+              <a:buChar char="§"/>
+            </a:pPr>
+            <a:r>
+              <a:rPr lang="es-ES" sz="2000" dirty="0" err="1" smtClean="0"/>
+              <a:t>Particionar</a:t>
+            </a:r>
+            <a:r>
+              <a:rPr lang="es-ES" sz="2000" dirty="0" smtClean="0"/>
+              <a:t> los clientes según su centro de gravedad, asigna vehículo a cada centro y asignar desde ahí</a:t>
+            </a:r>
+          </a:p>
+          <a:p>
+            <a:r>
+              <a:rPr lang="es-ES" sz="2800" dirty="0" smtClean="0"/>
+              <a:t>Investigar otros métodos de crossover</a:t>
+            </a:r>
+          </a:p>
+          <a:p>
+            <a:pPr lvl="1">
+              <a:buFont typeface="Wingdings" pitchFamily="2" charset="2"/>
+              <a:buChar char="§"/>
+            </a:pPr>
+            <a:r>
+              <a:rPr lang="es-ES" sz="2000" dirty="0" smtClean="0"/>
+              <a:t>Que cada alelo represente un vehículo con su ruta en vez de un cliente</a:t>
+            </a:r>
+          </a:p>
+          <a:p>
+            <a:pPr lvl="1"/>
+            <a:endParaRPr lang="es-ES" sz="1600" dirty="0" smtClean="0"/>
+          </a:p>
+        </p:txBody>
+      </p:sp>
+    </p:spTree>
+    <p:extLst>
+      <p:ext uri="{BB962C8B-B14F-4D97-AF65-F5344CB8AC3E}">
+        <p14:creationId xmlns:p14="http://schemas.microsoft.com/office/powerpoint/2010/main" val="635685772"/>
+      </p:ext>
+    </p:extLst>
+  </p:cSld>
+  <p:clrMapOvr>
+    <a:masterClrMapping/>
+  </p:clrMapOvr>
+</p:sld>
+</file>
+
+<file path=ppt/slides/slide21.xml><?xml version="1.0" encoding="utf-8"?>
+<p:sld xmlns:a="http://schemas.openxmlformats.org/drawingml/2006/main" xmlns:r="http://schemas.openxmlformats.org/officeDocument/2006/relationships" xmlns:p="http://schemas.openxmlformats.org/presentationml/2006/main">
+  <p:cSld>
+    <p:spTree>
+      <p:nvGrpSpPr>
+        <p:cNvPr id="1" name=""/>
+        <p:cNvGrpSpPr/>
+        <p:nvPr/>
+      </p:nvGrpSpPr>
+      <p:grpSpPr>
+        <a:xfrm>
+          <a:off x="0" y="0"/>
+          <a:ext cx="0" cy="0"/>
+          <a:chOff x="0" y="0"/>
+          <a:chExt cx="0" cy="0"/>
+        </a:xfrm>
+      </p:grpSpPr>
+      <p:sp>
+        <p:nvSpPr>
+          <p:cNvPr id="3" name="Content Placeholder 2"/>
+          <p:cNvSpPr>
+            <a:spLocks noGrp="1"/>
+          </p:cNvSpPr>
+          <p:nvPr>
+            <p:ph idx="1"/>
+          </p:nvPr>
+        </p:nvSpPr>
+        <p:spPr>
+          <a:xfrm>
+            <a:off x="457200" y="908720"/>
+            <a:ext cx="8229600" cy="5217443"/>
+          </a:xfrm>
+        </p:spPr>
+        <p:txBody>
+          <a:bodyPr>
+            <a:normAutofit/>
+          </a:bodyPr>
+          <a:lstStyle/>
+          <a:p>
+            <a:pPr marL="0" indent="0" algn="ctr">
+              <a:buNone/>
+            </a:pPr>
+            <a:endParaRPr lang="es-ES" sz="1600" dirty="0" smtClean="0"/>
+          </a:p>
+          <a:p>
+            <a:pPr marL="0" indent="0" algn="ctr">
+              <a:buNone/>
+            </a:pPr>
+            <a:endParaRPr lang="es-ES" sz="1600" dirty="0"/>
+          </a:p>
+          <a:p>
+            <a:pPr marL="0" indent="0" algn="ctr">
+              <a:buNone/>
+            </a:pPr>
+            <a:endParaRPr lang="es-ES" sz="1600" dirty="0" smtClean="0"/>
+          </a:p>
+          <a:p>
+            <a:pPr marL="0" indent="0" algn="ctr">
+              <a:buNone/>
+            </a:pPr>
+            <a:endParaRPr lang="es-ES" sz="1600" dirty="0"/>
+          </a:p>
+          <a:p>
+            <a:pPr marL="0" indent="0" algn="ctr">
+              <a:buNone/>
+            </a:pPr>
+            <a:endParaRPr lang="es-ES" sz="1600" dirty="0" smtClean="0"/>
+          </a:p>
+          <a:p>
+            <a:pPr marL="0" indent="0" algn="ctr">
+              <a:buNone/>
+            </a:pPr>
+            <a:endParaRPr lang="es-ES" sz="1600" dirty="0"/>
+          </a:p>
+          <a:p>
+            <a:pPr marL="0" indent="0" algn="ctr">
+              <a:buNone/>
+            </a:pPr>
+            <a:endParaRPr lang="es-ES" sz="1600" dirty="0" smtClean="0"/>
+          </a:p>
+          <a:p>
+            <a:pPr marL="0" indent="0" algn="ctr">
+              <a:buNone/>
+            </a:pPr>
+            <a:endParaRPr lang="es-ES" sz="1600" dirty="0"/>
+          </a:p>
+          <a:p>
+            <a:pPr marL="0" indent="0" algn="ctr">
+              <a:buNone/>
+            </a:pPr>
+            <a:r>
+              <a:rPr lang="es-ES" sz="4000" dirty="0" smtClean="0"/>
+              <a:t>Gracias!</a:t>
+            </a:r>
+            <a:endParaRPr lang="en-US" sz="4000" dirty="0" smtClean="0"/>
+          </a:p>
+        </p:txBody>
+      </p:sp>
+    </p:spTree>
+    <p:extLst>
+      <p:ext uri="{BB962C8B-B14F-4D97-AF65-F5344CB8AC3E}">
+        <p14:creationId xmlns:p14="http://schemas.microsoft.com/office/powerpoint/2010/main" val="1529632411"/>
       </p:ext>
     </p:extLst>
   </p:cSld>
@@ -6744,7 +7137,6 @@
               <a:rPr lang="en-US" sz="2000" dirty="0" smtClean="0"/>
               <a:t>.</a:t>
             </a:r>
-            <a:endParaRPr lang="en-US" sz="2000" dirty="0" smtClean="0"/>
           </a:p>
         </p:txBody>
       </p:sp>
@@ -7251,11 +7643,7 @@
             </a:r>
             <a:r>
               <a:rPr lang="en-US" sz="2000" dirty="0" smtClean="0"/>
-              <a:t> </a:t>
-            </a:r>
-            <a:r>
-              <a:rPr lang="en-US" sz="2000" dirty="0" smtClean="0"/>
-              <a:t>de los </a:t>
+              <a:t> de los </a:t>
             </a:r>
             <a:r>
               <a:rPr lang="en-US" sz="2000" dirty="0" err="1" smtClean="0"/>

--- a/TesisPaper/Defensa/Biased Random Key Genetic Algorithm.pptx
+++ b/TesisPaper/Defensa/Biased Random Key Genetic Algorithm.pptx
@@ -17,15 +17,20 @@
     <p:sldId id="273" r:id="rId11"/>
     <p:sldId id="263" r:id="rId12"/>
     <p:sldId id="265" r:id="rId13"/>
-    <p:sldId id="274" r:id="rId14"/>
-    <p:sldId id="275" r:id="rId15"/>
-    <p:sldId id="276" r:id="rId16"/>
-    <p:sldId id="277" r:id="rId17"/>
-    <p:sldId id="278" r:id="rId18"/>
-    <p:sldId id="268" r:id="rId19"/>
-    <p:sldId id="269" r:id="rId20"/>
-    <p:sldId id="279" r:id="rId21"/>
-    <p:sldId id="270" r:id="rId22"/>
+    <p:sldId id="278" r:id="rId14"/>
+    <p:sldId id="283" r:id="rId15"/>
+    <p:sldId id="274" r:id="rId16"/>
+    <p:sldId id="275" r:id="rId17"/>
+    <p:sldId id="276" r:id="rId18"/>
+    <p:sldId id="277" r:id="rId19"/>
+    <p:sldId id="280" r:id="rId20"/>
+    <p:sldId id="268" r:id="rId21"/>
+    <p:sldId id="282" r:id="rId22"/>
+    <p:sldId id="281" r:id="rId23"/>
+    <p:sldId id="269" r:id="rId24"/>
+    <p:sldId id="284" r:id="rId25"/>
+    <p:sldId id="279" r:id="rId26"/>
+    <p:sldId id="270" r:id="rId27"/>
   </p:sldIdLst>
   <p:sldSz cx="9144000" cy="6858000" type="screen4x3"/>
   <p:notesSz cx="6858000" cy="9144000"/>
@@ -308,7 +313,7 @@
           <a:p>
             <a:fld id="{187174D4-BBC9-49E1-BF8F-684BE480328B}" type="datetimeFigureOut">
               <a:rPr lang="es-AR" smtClean="0"/>
-              <a:t>26/4/2018</a:t>
+              <a:t>24/5/2018</a:t>
             </a:fld>
             <a:endParaRPr lang="es-AR"/>
           </a:p>
@@ -478,7 +483,7 @@
           <a:p>
             <a:fld id="{187174D4-BBC9-49E1-BF8F-684BE480328B}" type="datetimeFigureOut">
               <a:rPr lang="es-AR" smtClean="0"/>
-              <a:t>26/4/2018</a:t>
+              <a:t>24/5/2018</a:t>
             </a:fld>
             <a:endParaRPr lang="es-AR"/>
           </a:p>
@@ -658,7 +663,7 @@
           <a:p>
             <a:fld id="{187174D4-BBC9-49E1-BF8F-684BE480328B}" type="datetimeFigureOut">
               <a:rPr lang="es-AR" smtClean="0"/>
-              <a:t>26/4/2018</a:t>
+              <a:t>24/5/2018</a:t>
             </a:fld>
             <a:endParaRPr lang="es-AR"/>
           </a:p>
@@ -828,7 +833,7 @@
           <a:p>
             <a:fld id="{187174D4-BBC9-49E1-BF8F-684BE480328B}" type="datetimeFigureOut">
               <a:rPr lang="es-AR" smtClean="0"/>
-              <a:t>26/4/2018</a:t>
+              <a:t>24/5/2018</a:t>
             </a:fld>
             <a:endParaRPr lang="es-AR"/>
           </a:p>
@@ -1074,7 +1079,7 @@
           <a:p>
             <a:fld id="{187174D4-BBC9-49E1-BF8F-684BE480328B}" type="datetimeFigureOut">
               <a:rPr lang="es-AR" smtClean="0"/>
-              <a:t>26/4/2018</a:t>
+              <a:t>24/5/2018</a:t>
             </a:fld>
             <a:endParaRPr lang="es-AR"/>
           </a:p>
@@ -1362,7 +1367,7 @@
           <a:p>
             <a:fld id="{187174D4-BBC9-49E1-BF8F-684BE480328B}" type="datetimeFigureOut">
               <a:rPr lang="es-AR" smtClean="0"/>
-              <a:t>26/4/2018</a:t>
+              <a:t>24/5/2018</a:t>
             </a:fld>
             <a:endParaRPr lang="es-AR"/>
           </a:p>
@@ -1784,7 +1789,7 @@
           <a:p>
             <a:fld id="{187174D4-BBC9-49E1-BF8F-684BE480328B}" type="datetimeFigureOut">
               <a:rPr lang="es-AR" smtClean="0"/>
-              <a:t>26/4/2018</a:t>
+              <a:t>24/5/2018</a:t>
             </a:fld>
             <a:endParaRPr lang="es-AR"/>
           </a:p>
@@ -1902,7 +1907,7 @@
           <a:p>
             <a:fld id="{187174D4-BBC9-49E1-BF8F-684BE480328B}" type="datetimeFigureOut">
               <a:rPr lang="es-AR" smtClean="0"/>
-              <a:t>26/4/2018</a:t>
+              <a:t>24/5/2018</a:t>
             </a:fld>
             <a:endParaRPr lang="es-AR"/>
           </a:p>
@@ -1997,7 +2002,7 @@
           <a:p>
             <a:fld id="{187174D4-BBC9-49E1-BF8F-684BE480328B}" type="datetimeFigureOut">
               <a:rPr lang="es-AR" smtClean="0"/>
-              <a:t>26/4/2018</a:t>
+              <a:t>24/5/2018</a:t>
             </a:fld>
             <a:endParaRPr lang="es-AR"/>
           </a:p>
@@ -2274,7 +2279,7 @@
           <a:p>
             <a:fld id="{187174D4-BBC9-49E1-BF8F-684BE480328B}" type="datetimeFigureOut">
               <a:rPr lang="es-AR" smtClean="0"/>
-              <a:t>26/4/2018</a:t>
+              <a:t>24/5/2018</a:t>
             </a:fld>
             <a:endParaRPr lang="es-AR"/>
           </a:p>
@@ -2527,7 +2532,7 @@
           <a:p>
             <a:fld id="{187174D4-BBC9-49E1-BF8F-684BE480328B}" type="datetimeFigureOut">
               <a:rPr lang="es-AR" smtClean="0"/>
-              <a:t>26/4/2018</a:t>
+              <a:t>24/5/2018</a:t>
             </a:fld>
             <a:endParaRPr lang="es-AR"/>
           </a:p>
@@ -2740,7 +2745,7 @@
           <a:p>
             <a:fld id="{187174D4-BBC9-49E1-BF8F-684BE480328B}" type="datetimeFigureOut">
               <a:rPr lang="es-AR" smtClean="0"/>
-              <a:t>26/4/2018</a:t>
+              <a:t>24/5/2018</a:t>
             </a:fld>
             <a:endParaRPr lang="es-AR"/>
           </a:p>
@@ -3691,7 +3696,7 @@
       </p:sp>
       <p:pic>
         <p:nvPicPr>
-          <p:cNvPr id="5" name="Picture 4"/>
+          <p:cNvPr id="4" name="Picture 3"/>
           <p:cNvPicPr>
             <a:picLocks noChangeAspect="1"/>
           </p:cNvPicPr>
@@ -3711,7 +3716,7 @@
         </p:blipFill>
         <p:spPr>
           <a:xfrm>
-            <a:off x="27353" y="4365104"/>
+            <a:off x="0" y="4293096"/>
             <a:ext cx="9144000" cy="2310938"/>
           </a:xfrm>
           <a:prstGeom prst="rect">
@@ -4029,7 +4034,7 @@
       </p:sp>
       <p:pic>
         <p:nvPicPr>
-          <p:cNvPr id="4" name="Picture 3"/>
+          <p:cNvPr id="5" name="Picture 4"/>
           <p:cNvPicPr>
             <a:picLocks noChangeAspect="1"/>
           </p:cNvPicPr>
@@ -4049,7 +4054,7 @@
         </p:blipFill>
         <p:spPr>
           <a:xfrm>
-            <a:off x="-2379" y="620688"/>
+            <a:off x="0" y="548680"/>
             <a:ext cx="9144000" cy="2310938"/>
           </a:xfrm>
           <a:prstGeom prst="rect">
@@ -4150,6 +4155,510 @@
           <a:p>
             <a:r>
               <a:rPr lang="en-US" sz="2800" dirty="0" err="1" smtClean="0"/>
+              <a:t>Evaluación</a:t>
+            </a:r>
+            <a:r>
+              <a:rPr lang="en-US" sz="2800" dirty="0" smtClean="0"/>
+              <a:t> de la </a:t>
+            </a:r>
+            <a:r>
+              <a:rPr lang="en-US" sz="2800" dirty="0" err="1" smtClean="0"/>
+              <a:t>condición</a:t>
+            </a:r>
+            <a:r>
+              <a:rPr lang="en-US" sz="2800" dirty="0" smtClean="0"/>
+              <a:t> de </a:t>
+            </a:r>
+            <a:r>
+              <a:rPr lang="en-US" sz="2800" dirty="0" err="1" smtClean="0"/>
+              <a:t>parada</a:t>
+            </a:r>
+            <a:endParaRPr lang="en-US" sz="2800" dirty="0" smtClean="0"/>
+          </a:p>
+          <a:p>
+            <a:pPr lvl="1">
+              <a:buFont typeface="Wingdings" pitchFamily="2" charset="2"/>
+              <a:buChar char="§"/>
+            </a:pPr>
+            <a:r>
+              <a:rPr lang="en-US" sz="2000" dirty="0" err="1" smtClean="0"/>
+              <a:t>Mínima</a:t>
+            </a:r>
+            <a:r>
+              <a:rPr lang="en-US" sz="2000" dirty="0" smtClean="0"/>
+              <a:t> </a:t>
+            </a:r>
+            <a:r>
+              <a:rPr lang="en-US" sz="2000" dirty="0" err="1" smtClean="0"/>
+              <a:t>cantidad</a:t>
+            </a:r>
+            <a:r>
+              <a:rPr lang="en-US" sz="2000" dirty="0" smtClean="0"/>
+              <a:t> de </a:t>
+            </a:r>
+            <a:r>
+              <a:rPr lang="en-US" sz="2000" dirty="0" err="1" smtClean="0"/>
+              <a:t>generaciones</a:t>
+            </a:r>
+            <a:endParaRPr lang="en-US" sz="2000" dirty="0" smtClean="0"/>
+          </a:p>
+          <a:p>
+            <a:pPr lvl="1">
+              <a:buFont typeface="Wingdings" pitchFamily="2" charset="2"/>
+              <a:buChar char="§"/>
+            </a:pPr>
+            <a:r>
+              <a:rPr lang="en-US" sz="2000" dirty="0" err="1" smtClean="0"/>
+              <a:t>Ultimas</a:t>
+            </a:r>
+            <a:r>
+              <a:rPr lang="en-US" sz="2000" dirty="0" smtClean="0"/>
+              <a:t> X </a:t>
+            </a:r>
+            <a:r>
+              <a:rPr lang="en-US" sz="2000" dirty="0" err="1" smtClean="0"/>
+              <a:t>generaciónes</a:t>
+            </a:r>
+            <a:r>
+              <a:rPr lang="en-US" sz="2000" dirty="0" smtClean="0"/>
+              <a:t> sin </a:t>
+            </a:r>
+            <a:r>
+              <a:rPr lang="en-US" sz="2000" dirty="0" err="1" smtClean="0"/>
+              <a:t>que</a:t>
+            </a:r>
+            <a:r>
+              <a:rPr lang="en-US" sz="2000" dirty="0" smtClean="0"/>
+              <a:t> </a:t>
+            </a:r>
+            <a:r>
+              <a:rPr lang="en-US" sz="2000" dirty="0" err="1" smtClean="0"/>
+              <a:t>haya</a:t>
+            </a:r>
+            <a:r>
+              <a:rPr lang="en-US" sz="2000" dirty="0" smtClean="0"/>
+              <a:t> </a:t>
+            </a:r>
+            <a:r>
+              <a:rPr lang="en-US" sz="2000" dirty="0" err="1" smtClean="0"/>
+              <a:t>mejorado</a:t>
+            </a:r>
+            <a:r>
+              <a:rPr lang="en-US" sz="2000" dirty="0" smtClean="0"/>
+              <a:t> el </a:t>
+            </a:r>
+            <a:r>
+              <a:rPr lang="en-US" sz="2000" dirty="0" err="1" smtClean="0"/>
+              <a:t>beneficio</a:t>
+            </a:r>
+            <a:r>
+              <a:rPr lang="en-US" sz="2000" dirty="0" smtClean="0"/>
+              <a:t> de la </a:t>
+            </a:r>
+            <a:r>
+              <a:rPr lang="en-US" sz="2000" dirty="0" err="1" smtClean="0"/>
+              <a:t>mejor</a:t>
+            </a:r>
+            <a:r>
+              <a:rPr lang="en-US" sz="2000" dirty="0" smtClean="0"/>
+              <a:t> </a:t>
+            </a:r>
+            <a:r>
+              <a:rPr lang="en-US" sz="2000" dirty="0" err="1" smtClean="0"/>
+              <a:t>solución</a:t>
+            </a:r>
+            <a:endParaRPr lang="en-US" sz="2000" dirty="0" smtClean="0"/>
+          </a:p>
+          <a:p>
+            <a:pPr lvl="1">
+              <a:buFont typeface="Wingdings" pitchFamily="2" charset="2"/>
+              <a:buChar char="§"/>
+            </a:pPr>
+            <a:r>
+              <a:rPr lang="en-US" sz="2000" dirty="0" smtClean="0"/>
+              <a:t>Si no se </a:t>
+            </a:r>
+            <a:r>
+              <a:rPr lang="en-US" sz="2000" dirty="0" err="1" smtClean="0"/>
+              <a:t>cumplen</a:t>
+            </a:r>
+            <a:r>
+              <a:rPr lang="en-US" sz="2000" dirty="0" smtClean="0"/>
+              <a:t> </a:t>
+            </a:r>
+            <a:r>
+              <a:rPr lang="en-US" sz="2000" dirty="0" err="1" smtClean="0"/>
+              <a:t>las</a:t>
+            </a:r>
+            <a:r>
+              <a:rPr lang="en-US" sz="2000" dirty="0" smtClean="0"/>
+              <a:t> </a:t>
+            </a:r>
+            <a:r>
+              <a:rPr lang="en-US" sz="2000" dirty="0" err="1" smtClean="0"/>
+              <a:t>condiciones</a:t>
+            </a:r>
+            <a:r>
+              <a:rPr lang="en-US" sz="2000" dirty="0" smtClean="0"/>
+              <a:t>, </a:t>
+            </a:r>
+            <a:r>
+              <a:rPr lang="en-US" sz="2000" dirty="0" err="1" smtClean="0"/>
+              <a:t>comienza</a:t>
+            </a:r>
+            <a:r>
+              <a:rPr lang="en-US" sz="2000" dirty="0" smtClean="0"/>
+              <a:t> un </a:t>
+            </a:r>
+            <a:r>
+              <a:rPr lang="en-US" sz="2000" dirty="0" err="1" smtClean="0"/>
+              <a:t>nuevo</a:t>
+            </a:r>
+            <a:r>
+              <a:rPr lang="en-US" sz="2000" dirty="0" smtClean="0"/>
+              <a:t> </a:t>
+            </a:r>
+            <a:r>
+              <a:rPr lang="en-US" sz="2000" dirty="0" err="1" smtClean="0"/>
+              <a:t>ciclo</a:t>
+            </a:r>
+            <a:r>
+              <a:rPr lang="en-US" sz="2000" dirty="0" smtClean="0"/>
+              <a:t> </a:t>
+            </a:r>
+            <a:r>
+              <a:rPr lang="en-US" sz="2000" dirty="0" err="1" smtClean="0"/>
+              <a:t>evolucionando</a:t>
+            </a:r>
+            <a:r>
+              <a:rPr lang="en-US" sz="2000" dirty="0" smtClean="0"/>
+              <a:t> la </a:t>
+            </a:r>
+            <a:r>
+              <a:rPr lang="en-US" sz="2000" dirty="0" err="1" smtClean="0"/>
+              <a:t>población</a:t>
+            </a:r>
+            <a:endParaRPr lang="en-US" sz="2000" dirty="0" smtClean="0"/>
+          </a:p>
+          <a:p>
+            <a:pPr lvl="1">
+              <a:buFont typeface="Wingdings" pitchFamily="2" charset="2"/>
+              <a:buChar char="§"/>
+            </a:pPr>
+            <a:r>
+              <a:rPr lang="en-US" sz="2000" dirty="0" smtClean="0"/>
+              <a:t>Si se </a:t>
+            </a:r>
+            <a:r>
+              <a:rPr lang="en-US" sz="2000" dirty="0" err="1" smtClean="0"/>
+              <a:t>cumplen</a:t>
+            </a:r>
+            <a:r>
+              <a:rPr lang="en-US" sz="2000" dirty="0" smtClean="0"/>
+              <a:t>, </a:t>
+            </a:r>
+            <a:r>
+              <a:rPr lang="en-US" sz="2000" dirty="0" err="1" smtClean="0"/>
+              <a:t>retorna</a:t>
+            </a:r>
+            <a:r>
+              <a:rPr lang="en-US" sz="2000" dirty="0" smtClean="0"/>
+              <a:t> la </a:t>
+            </a:r>
+            <a:r>
+              <a:rPr lang="en-US" sz="2000" dirty="0" err="1" smtClean="0"/>
+              <a:t>mejor</a:t>
+            </a:r>
+            <a:r>
+              <a:rPr lang="en-US" sz="2000" dirty="0" smtClean="0"/>
+              <a:t> </a:t>
+            </a:r>
+            <a:r>
+              <a:rPr lang="en-US" sz="2000" dirty="0" err="1" smtClean="0"/>
+              <a:t>solución</a:t>
+            </a:r>
+            <a:endParaRPr lang="es-AR" sz="2000" dirty="0"/>
+          </a:p>
+        </p:txBody>
+      </p:sp>
+    </p:spTree>
+    <p:extLst>
+      <p:ext uri="{BB962C8B-B14F-4D97-AF65-F5344CB8AC3E}">
+        <p14:creationId xmlns:p14="http://schemas.microsoft.com/office/powerpoint/2010/main" val="2559275626"/>
+      </p:ext>
+    </p:extLst>
+  </p:cSld>
+  <p:clrMapOvr>
+    <a:masterClrMapping/>
+  </p:clrMapOvr>
+</p:sld>
+</file>
+
+<file path=ppt/slides/slide14.xml><?xml version="1.0" encoding="utf-8"?>
+<p:sld xmlns:a="http://schemas.openxmlformats.org/drawingml/2006/main" xmlns:r="http://schemas.openxmlformats.org/officeDocument/2006/relationships" xmlns:p="http://schemas.openxmlformats.org/presentationml/2006/main">
+  <p:cSld>
+    <p:spTree>
+      <p:nvGrpSpPr>
+        <p:cNvPr id="1" name=""/>
+        <p:cNvGrpSpPr/>
+        <p:nvPr/>
+      </p:nvGrpSpPr>
+      <p:grpSpPr>
+        <a:xfrm>
+          <a:off x="0" y="0"/>
+          <a:ext cx="0" cy="0"/>
+          <a:chOff x="0" y="0"/>
+          <a:chExt cx="0" cy="0"/>
+        </a:xfrm>
+      </p:grpSpPr>
+      <p:sp>
+        <p:nvSpPr>
+          <p:cNvPr id="2" name="Title 1"/>
+          <p:cNvSpPr>
+            <a:spLocks noGrp="1"/>
+          </p:cNvSpPr>
+          <p:nvPr>
+            <p:ph type="title"/>
+          </p:nvPr>
+        </p:nvSpPr>
+        <p:spPr>
+          <a:xfrm>
+            <a:off x="457200" y="274638"/>
+            <a:ext cx="8229600" cy="418058"/>
+          </a:xfrm>
+        </p:spPr>
+        <p:txBody>
+          <a:bodyPr>
+            <a:normAutofit fontScale="90000"/>
+          </a:bodyPr>
+          <a:lstStyle/>
+          <a:p>
+            <a:pPr algn="r"/>
+            <a:r>
+              <a:rPr lang="en-US" sz="2400" dirty="0" err="1" smtClean="0"/>
+              <a:t>Algoritmo</a:t>
+            </a:r>
+            <a:r>
+              <a:rPr lang="en-US" sz="2400" dirty="0" smtClean="0"/>
+              <a:t> </a:t>
+            </a:r>
+            <a:r>
+              <a:rPr lang="en-US" sz="2400" dirty="0" err="1" smtClean="0"/>
+              <a:t>Propuesto</a:t>
+            </a:r>
+            <a:endParaRPr lang="en-US" sz="2400" dirty="0" smtClean="0"/>
+          </a:p>
+        </p:txBody>
+      </p:sp>
+      <p:sp>
+        <p:nvSpPr>
+          <p:cNvPr id="3" name="Content Placeholder 2"/>
+          <p:cNvSpPr>
+            <a:spLocks noGrp="1"/>
+          </p:cNvSpPr>
+          <p:nvPr>
+            <p:ph idx="1"/>
+          </p:nvPr>
+        </p:nvSpPr>
+        <p:spPr>
+          <a:xfrm>
+            <a:off x="457200" y="908720"/>
+            <a:ext cx="8229600" cy="5217443"/>
+          </a:xfrm>
+        </p:spPr>
+        <p:txBody>
+          <a:bodyPr>
+            <a:normAutofit/>
+          </a:bodyPr>
+          <a:lstStyle/>
+          <a:p>
+            <a:r>
+              <a:rPr lang="en-US" sz="2800" dirty="0" smtClean="0"/>
+              <a:t>Hash de un </a:t>
+            </a:r>
+            <a:r>
+              <a:rPr lang="en-US" sz="2800" dirty="0" err="1" smtClean="0"/>
+              <a:t>individuo</a:t>
+            </a:r>
+            <a:endParaRPr lang="en-US" sz="2800" dirty="0" smtClean="0"/>
+          </a:p>
+          <a:p>
+            <a:pPr lvl="1">
+              <a:buFont typeface="Wingdings" pitchFamily="2" charset="2"/>
+              <a:buChar char="§"/>
+            </a:pPr>
+            <a:r>
+              <a:rPr lang="en-US" sz="2000" dirty="0" smtClean="0"/>
+              <a:t>Se </a:t>
+            </a:r>
+            <a:r>
+              <a:rPr lang="en-US" sz="2000" dirty="0" err="1" smtClean="0"/>
+              <a:t>evaluaron</a:t>
+            </a:r>
+            <a:r>
+              <a:rPr lang="en-US" sz="2000" dirty="0" smtClean="0"/>
+              <a:t> dos </a:t>
+            </a:r>
+            <a:r>
+              <a:rPr lang="en-US" sz="2000" dirty="0" err="1" smtClean="0"/>
+              <a:t>opciones</a:t>
+            </a:r>
+            <a:endParaRPr lang="en-US" sz="2000" dirty="0" smtClean="0"/>
+          </a:p>
+          <a:p>
+            <a:pPr lvl="1">
+              <a:buFont typeface="Wingdings" pitchFamily="2" charset="2"/>
+              <a:buChar char="§"/>
+            </a:pPr>
+            <a:r>
+              <a:rPr lang="en-US" sz="2000" dirty="0" err="1" smtClean="0"/>
+              <a:t>Opción</a:t>
+            </a:r>
+            <a:r>
+              <a:rPr lang="en-US" sz="2000" dirty="0" smtClean="0"/>
+              <a:t> 1: 6@2@5@1@4@8@3@7</a:t>
+            </a:r>
+          </a:p>
+          <a:p>
+            <a:pPr lvl="1">
+              <a:buFont typeface="Wingdings" pitchFamily="2" charset="2"/>
+              <a:buChar char="§"/>
+            </a:pPr>
+            <a:r>
+              <a:rPr lang="en-US" sz="2000" dirty="0" err="1" smtClean="0"/>
+              <a:t>Opción</a:t>
+            </a:r>
+            <a:r>
+              <a:rPr lang="en-US" sz="2000" dirty="0" smtClean="0"/>
+              <a:t> 2: 5@1@3#6@2@8@</a:t>
+            </a:r>
+            <a:endParaRPr lang="es-AR" sz="2000" dirty="0"/>
+          </a:p>
+        </p:txBody>
+      </p:sp>
+      <p:pic>
+        <p:nvPicPr>
+          <p:cNvPr id="4" name="Picture 3"/>
+          <p:cNvPicPr>
+            <a:picLocks noChangeAspect="1"/>
+          </p:cNvPicPr>
+          <p:nvPr/>
+        </p:nvPicPr>
+        <p:blipFill>
+          <a:blip r:embed="rId2">
+            <a:extLst>
+              <a:ext uri="{28A0092B-C50C-407E-A947-70E740481C1C}">
+                <a14:useLocalDpi xmlns:a14="http://schemas.microsoft.com/office/drawing/2010/main" val="0"/>
+              </a:ext>
+            </a:extLst>
+          </a:blip>
+          <a:stretch>
+            <a:fillRect/>
+          </a:stretch>
+        </p:blipFill>
+        <p:spPr>
+          <a:xfrm>
+            <a:off x="0" y="3212976"/>
+            <a:ext cx="9144000" cy="2310938"/>
+          </a:xfrm>
+          <a:prstGeom prst="rect">
+            <a:avLst/>
+          </a:prstGeom>
+        </p:spPr>
+      </p:pic>
+    </p:spTree>
+    <p:extLst>
+      <p:ext uri="{BB962C8B-B14F-4D97-AF65-F5344CB8AC3E}">
+        <p14:creationId xmlns:p14="http://schemas.microsoft.com/office/powerpoint/2010/main" val="3410467042"/>
+      </p:ext>
+    </p:extLst>
+  </p:cSld>
+  <p:clrMapOvr>
+    <a:masterClrMapping/>
+  </p:clrMapOvr>
+</p:sld>
+</file>
+
+<file path=ppt/slides/slide15.xml><?xml version="1.0" encoding="utf-8"?>
+<p:sld xmlns:a="http://schemas.openxmlformats.org/drawingml/2006/main" xmlns:r="http://schemas.openxmlformats.org/officeDocument/2006/relationships" xmlns:p="http://schemas.openxmlformats.org/presentationml/2006/main">
+  <p:cSld>
+    <p:spTree>
+      <p:nvGrpSpPr>
+        <p:cNvPr id="1" name=""/>
+        <p:cNvGrpSpPr/>
+        <p:nvPr/>
+      </p:nvGrpSpPr>
+      <p:grpSpPr>
+        <a:xfrm>
+          <a:off x="0" y="0"/>
+          <a:ext cx="0" cy="0"/>
+          <a:chOff x="0" y="0"/>
+          <a:chExt cx="0" cy="0"/>
+        </a:xfrm>
+      </p:grpSpPr>
+      <p:sp>
+        <p:nvSpPr>
+          <p:cNvPr id="2" name="Title 1"/>
+          <p:cNvSpPr>
+            <a:spLocks noGrp="1"/>
+          </p:cNvSpPr>
+          <p:nvPr>
+            <p:ph type="title"/>
+          </p:nvPr>
+        </p:nvSpPr>
+        <p:spPr>
+          <a:xfrm>
+            <a:off x="457200" y="274638"/>
+            <a:ext cx="8229600" cy="418058"/>
+          </a:xfrm>
+        </p:spPr>
+        <p:txBody>
+          <a:bodyPr>
+            <a:normAutofit fontScale="90000"/>
+          </a:bodyPr>
+          <a:lstStyle/>
+          <a:p>
+            <a:pPr algn="r"/>
+            <a:r>
+              <a:rPr lang="en-US" sz="2400" dirty="0" err="1" smtClean="0"/>
+              <a:t>Algoritmo</a:t>
+            </a:r>
+            <a:r>
+              <a:rPr lang="en-US" sz="2400" dirty="0" smtClean="0"/>
+              <a:t> </a:t>
+            </a:r>
+            <a:r>
+              <a:rPr lang="en-US" sz="2400" dirty="0" err="1" smtClean="0"/>
+              <a:t>Propuesto</a:t>
+            </a:r>
+            <a:endParaRPr lang="en-US" sz="2400" dirty="0" smtClean="0"/>
+          </a:p>
+        </p:txBody>
+      </p:sp>
+      <p:sp>
+        <p:nvSpPr>
+          <p:cNvPr id="3" name="Content Placeholder 2"/>
+          <p:cNvSpPr>
+            <a:spLocks noGrp="1"/>
+          </p:cNvSpPr>
+          <p:nvPr>
+            <p:ph idx="1"/>
+          </p:nvPr>
+        </p:nvSpPr>
+        <p:spPr>
+          <a:xfrm>
+            <a:off x="457200" y="908720"/>
+            <a:ext cx="8229600" cy="5217443"/>
+          </a:xfrm>
+        </p:spPr>
+        <p:txBody>
+          <a:bodyPr>
+            <a:normAutofit/>
+          </a:bodyPr>
+          <a:lstStyle/>
+          <a:p>
+            <a:r>
+              <a:rPr lang="en-US" sz="2800" dirty="0" err="1" smtClean="0"/>
               <a:t>Búsquedas</a:t>
             </a:r>
             <a:r>
@@ -4630,7 +5139,7 @@
 </p:sld>
 </file>
 
-<file path=ppt/slides/slide14.xml><?xml version="1.0" encoding="utf-8"?>
+<file path=ppt/slides/slide16.xml><?xml version="1.0" encoding="utf-8"?>
 <p:sld xmlns:a="http://schemas.openxmlformats.org/drawingml/2006/main" xmlns:r="http://schemas.openxmlformats.org/officeDocument/2006/relationships" xmlns:p="http://schemas.openxmlformats.org/presentationml/2006/main">
   <p:cSld>
     <p:spTree>
@@ -4789,7 +5298,7 @@
 </p:sld>
 </file>
 
-<file path=ppt/slides/slide15.xml><?xml version="1.0" encoding="utf-8"?>
+<file path=ppt/slides/slide17.xml><?xml version="1.0" encoding="utf-8"?>
 <p:sld xmlns:a="http://schemas.openxmlformats.org/drawingml/2006/main" xmlns:r="http://schemas.openxmlformats.org/officeDocument/2006/relationships" xmlns:p="http://schemas.openxmlformats.org/presentationml/2006/main">
   <p:cSld>
     <p:spTree>
@@ -4873,11 +5382,7 @@
             </a:r>
             <a:r>
               <a:rPr lang="en-US" sz="2800" dirty="0" smtClean="0"/>
-              <a:t> </a:t>
-            </a:r>
-            <a:r>
-              <a:rPr lang="en-US" sz="2800" dirty="0" smtClean="0"/>
-              <a:t>de </a:t>
+              <a:t> de </a:t>
             </a:r>
             <a:r>
               <a:rPr lang="en-US" sz="2800" dirty="0" err="1" smtClean="0"/>
@@ -4944,11 +5449,7 @@
             </a:r>
             <a:r>
               <a:rPr lang="en-US" sz="2000" dirty="0" smtClean="0"/>
-              <a:t> </a:t>
-            </a:r>
-            <a:r>
-              <a:rPr lang="en-US" sz="2000" dirty="0" smtClean="0"/>
-              <a:t>local</a:t>
+              <a:t> local</a:t>
             </a:r>
             <a:endParaRPr lang="es-AR" sz="1600" dirty="0"/>
           </a:p>
@@ -4956,7 +5457,7 @@
       </p:sp>
       <p:pic>
         <p:nvPicPr>
-          <p:cNvPr id="4" name="Picture 3"/>
+          <p:cNvPr id="5" name="Picture 4"/>
           <p:cNvPicPr>
             <a:picLocks noChangeAspect="1"/>
           </p:cNvPicPr>
@@ -4976,8 +5477,8 @@
         </p:blipFill>
         <p:spPr>
           <a:xfrm>
-            <a:off x="395535" y="1844824"/>
-            <a:ext cx="8385571" cy="4752528"/>
+            <a:off x="235287" y="1771349"/>
+            <a:ext cx="8657193" cy="4906470"/>
           </a:xfrm>
           <a:prstGeom prst="rect">
             <a:avLst/>
@@ -4988,435 +5489,6 @@
     <p:extLst>
       <p:ext uri="{BB962C8B-B14F-4D97-AF65-F5344CB8AC3E}">
         <p14:creationId xmlns:p14="http://schemas.microsoft.com/office/powerpoint/2010/main" val="3984026809"/>
-      </p:ext>
-    </p:extLst>
-  </p:cSld>
-  <p:clrMapOvr>
-    <a:masterClrMapping/>
-  </p:clrMapOvr>
-</p:sld>
-</file>
-
-<file path=ppt/slides/slide16.xml><?xml version="1.0" encoding="utf-8"?>
-<p:sld xmlns:a="http://schemas.openxmlformats.org/drawingml/2006/main" xmlns:r="http://schemas.openxmlformats.org/officeDocument/2006/relationships" xmlns:p="http://schemas.openxmlformats.org/presentationml/2006/main">
-  <p:cSld>
-    <p:spTree>
-      <p:nvGrpSpPr>
-        <p:cNvPr id="1" name=""/>
-        <p:cNvGrpSpPr/>
-        <p:nvPr/>
-      </p:nvGrpSpPr>
-      <p:grpSpPr>
-        <a:xfrm>
-          <a:off x="0" y="0"/>
-          <a:ext cx="0" cy="0"/>
-          <a:chOff x="0" y="0"/>
-          <a:chExt cx="0" cy="0"/>
-        </a:xfrm>
-      </p:grpSpPr>
-      <p:sp>
-        <p:nvSpPr>
-          <p:cNvPr id="2" name="Title 1"/>
-          <p:cNvSpPr>
-            <a:spLocks noGrp="1"/>
-          </p:cNvSpPr>
-          <p:nvPr>
-            <p:ph type="title"/>
-          </p:nvPr>
-        </p:nvSpPr>
-        <p:spPr>
-          <a:xfrm>
-            <a:off x="457200" y="274638"/>
-            <a:ext cx="8229600" cy="418058"/>
-          </a:xfrm>
-        </p:spPr>
-        <p:txBody>
-          <a:bodyPr>
-            <a:normAutofit fontScale="90000"/>
-          </a:bodyPr>
-          <a:lstStyle/>
-          <a:p>
-            <a:pPr algn="r"/>
-            <a:r>
-              <a:rPr lang="en-US" sz="2400" dirty="0" err="1" smtClean="0"/>
-              <a:t>Algoritmo</a:t>
-            </a:r>
-            <a:r>
-              <a:rPr lang="en-US" sz="2400" dirty="0" smtClean="0"/>
-              <a:t> </a:t>
-            </a:r>
-            <a:r>
-              <a:rPr lang="en-US" sz="2400" dirty="0" err="1" smtClean="0"/>
-              <a:t>Propuesto</a:t>
-            </a:r>
-            <a:endParaRPr lang="en-US" sz="2400" dirty="0" smtClean="0"/>
-          </a:p>
-        </p:txBody>
-      </p:sp>
-      <p:pic>
-        <p:nvPicPr>
-          <p:cNvPr id="4" name="Content Placeholder 3"/>
-          <p:cNvPicPr>
-            <a:picLocks noGrp="1" noChangeAspect="1"/>
-          </p:cNvPicPr>
-          <p:nvPr>
-            <p:ph idx="1"/>
-          </p:nvPr>
-        </p:nvPicPr>
-        <p:blipFill>
-          <a:blip r:embed="rId2">
-            <a:extLst>
-              <a:ext uri="{28A0092B-C50C-407E-A947-70E740481C1C}">
-                <a14:useLocalDpi xmlns:a14="http://schemas.microsoft.com/office/drawing/2010/main" val="0"/>
-              </a:ext>
-            </a:extLst>
-          </a:blip>
-          <a:stretch>
-            <a:fillRect/>
-          </a:stretch>
-        </p:blipFill>
-        <p:spPr>
-          <a:xfrm>
-            <a:off x="457200" y="1032161"/>
-            <a:ext cx="8229600" cy="4969890"/>
-          </a:xfrm>
-        </p:spPr>
-      </p:pic>
-    </p:spTree>
-    <p:extLst>
-      <p:ext uri="{BB962C8B-B14F-4D97-AF65-F5344CB8AC3E}">
-        <p14:creationId xmlns:p14="http://schemas.microsoft.com/office/powerpoint/2010/main" val="2559275626"/>
-      </p:ext>
-    </p:extLst>
-  </p:cSld>
-  <p:clrMapOvr>
-    <a:masterClrMapping/>
-  </p:clrMapOvr>
-</p:sld>
-</file>
-
-<file path=ppt/slides/slide17.xml><?xml version="1.0" encoding="utf-8"?>
-<p:sld xmlns:a="http://schemas.openxmlformats.org/drawingml/2006/main" xmlns:r="http://schemas.openxmlformats.org/officeDocument/2006/relationships" xmlns:p="http://schemas.openxmlformats.org/presentationml/2006/main">
-  <p:cSld>
-    <p:spTree>
-      <p:nvGrpSpPr>
-        <p:cNvPr id="1" name=""/>
-        <p:cNvGrpSpPr/>
-        <p:nvPr/>
-      </p:nvGrpSpPr>
-      <p:grpSpPr>
-        <a:xfrm>
-          <a:off x="0" y="0"/>
-          <a:ext cx="0" cy="0"/>
-          <a:chOff x="0" y="0"/>
-          <a:chExt cx="0" cy="0"/>
-        </a:xfrm>
-      </p:grpSpPr>
-      <p:sp>
-        <p:nvSpPr>
-          <p:cNvPr id="2" name="Title 1"/>
-          <p:cNvSpPr>
-            <a:spLocks noGrp="1"/>
-          </p:cNvSpPr>
-          <p:nvPr>
-            <p:ph type="title"/>
-          </p:nvPr>
-        </p:nvSpPr>
-        <p:spPr>
-          <a:xfrm>
-            <a:off x="457200" y="274638"/>
-            <a:ext cx="8229600" cy="418058"/>
-          </a:xfrm>
-        </p:spPr>
-        <p:txBody>
-          <a:bodyPr>
-            <a:normAutofit fontScale="90000"/>
-          </a:bodyPr>
-          <a:lstStyle/>
-          <a:p>
-            <a:pPr algn="r"/>
-            <a:r>
-              <a:rPr lang="en-US" sz="2400" dirty="0" err="1" smtClean="0"/>
-              <a:t>Algoritmo</a:t>
-            </a:r>
-            <a:r>
-              <a:rPr lang="en-US" sz="2400" dirty="0" smtClean="0"/>
-              <a:t> </a:t>
-            </a:r>
-            <a:r>
-              <a:rPr lang="en-US" sz="2400" dirty="0" err="1" smtClean="0"/>
-              <a:t>Propuesto</a:t>
-            </a:r>
-            <a:endParaRPr lang="en-US" sz="2400" dirty="0" smtClean="0"/>
-          </a:p>
-        </p:txBody>
-      </p:sp>
-      <p:sp>
-        <p:nvSpPr>
-          <p:cNvPr id="3" name="Content Placeholder 2"/>
-          <p:cNvSpPr>
-            <a:spLocks noGrp="1"/>
-          </p:cNvSpPr>
-          <p:nvPr>
-            <p:ph idx="1"/>
-          </p:nvPr>
-        </p:nvSpPr>
-        <p:spPr>
-          <a:xfrm>
-            <a:off x="457200" y="908720"/>
-            <a:ext cx="8229600" cy="5217443"/>
-          </a:xfrm>
-        </p:spPr>
-        <p:txBody>
-          <a:bodyPr>
-            <a:normAutofit/>
-          </a:bodyPr>
-          <a:lstStyle/>
-          <a:p>
-            <a:r>
-              <a:rPr lang="en-US" sz="2800" dirty="0" err="1" smtClean="0"/>
-              <a:t>Evaluación</a:t>
-            </a:r>
-            <a:r>
-              <a:rPr lang="en-US" sz="2800" dirty="0" smtClean="0"/>
-              <a:t> de la </a:t>
-            </a:r>
-            <a:r>
-              <a:rPr lang="en-US" sz="2800" dirty="0" err="1" smtClean="0"/>
-              <a:t>condición</a:t>
-            </a:r>
-            <a:r>
-              <a:rPr lang="en-US" sz="2800" dirty="0" smtClean="0"/>
-              <a:t> </a:t>
-            </a:r>
-            <a:r>
-              <a:rPr lang="en-US" sz="2800" dirty="0" smtClean="0"/>
-              <a:t>de </a:t>
-            </a:r>
-            <a:r>
-              <a:rPr lang="en-US" sz="2800" dirty="0" err="1" smtClean="0"/>
-              <a:t>parada</a:t>
-            </a:r>
-            <a:endParaRPr lang="en-US" sz="2800" dirty="0" smtClean="0"/>
-          </a:p>
-          <a:p>
-            <a:pPr lvl="1">
-              <a:buFont typeface="Wingdings" pitchFamily="2" charset="2"/>
-              <a:buChar char="§"/>
-            </a:pPr>
-            <a:r>
-              <a:rPr lang="en-US" sz="2000" dirty="0" err="1" smtClean="0"/>
-              <a:t>Mínima</a:t>
-            </a:r>
-            <a:r>
-              <a:rPr lang="en-US" sz="2000" dirty="0" smtClean="0"/>
-              <a:t> </a:t>
-            </a:r>
-            <a:r>
-              <a:rPr lang="en-US" sz="2000" dirty="0" err="1" smtClean="0"/>
-              <a:t>cantidad</a:t>
-            </a:r>
-            <a:r>
-              <a:rPr lang="en-US" sz="2000" dirty="0" smtClean="0"/>
-              <a:t> de </a:t>
-            </a:r>
-            <a:r>
-              <a:rPr lang="en-US" sz="2000" dirty="0" err="1" smtClean="0"/>
-              <a:t>generaciones</a:t>
-            </a:r>
-            <a:endParaRPr lang="en-US" sz="2000" dirty="0" smtClean="0"/>
-          </a:p>
-          <a:p>
-            <a:pPr lvl="1">
-              <a:buFont typeface="Wingdings" pitchFamily="2" charset="2"/>
-              <a:buChar char="§"/>
-            </a:pPr>
-            <a:r>
-              <a:rPr lang="en-US" sz="2000" dirty="0" err="1" smtClean="0"/>
-              <a:t>Ultimas</a:t>
-            </a:r>
-            <a:r>
-              <a:rPr lang="en-US" sz="2000" dirty="0" smtClean="0"/>
-              <a:t> X </a:t>
-            </a:r>
-            <a:r>
-              <a:rPr lang="en-US" sz="2000" dirty="0" err="1" smtClean="0"/>
-              <a:t>generaciónes</a:t>
-            </a:r>
-            <a:r>
-              <a:rPr lang="en-US" sz="2000" dirty="0" smtClean="0"/>
-              <a:t> </a:t>
-            </a:r>
-            <a:r>
-              <a:rPr lang="en-US" sz="2000" dirty="0" smtClean="0"/>
-              <a:t>sin </a:t>
-            </a:r>
-            <a:r>
-              <a:rPr lang="en-US" sz="2000" dirty="0" err="1" smtClean="0"/>
-              <a:t>que</a:t>
-            </a:r>
-            <a:r>
-              <a:rPr lang="en-US" sz="2000" dirty="0" smtClean="0"/>
-              <a:t> </a:t>
-            </a:r>
-            <a:r>
-              <a:rPr lang="en-US" sz="2000" dirty="0" err="1" smtClean="0"/>
-              <a:t>haya</a:t>
-            </a:r>
-            <a:r>
-              <a:rPr lang="en-US" sz="2000" dirty="0" smtClean="0"/>
-              <a:t> </a:t>
-            </a:r>
-            <a:r>
-              <a:rPr lang="en-US" sz="2000" dirty="0" err="1" smtClean="0"/>
-              <a:t>mejorado</a:t>
-            </a:r>
-            <a:r>
-              <a:rPr lang="en-US" sz="2000" dirty="0" smtClean="0"/>
-              <a:t> el </a:t>
-            </a:r>
-            <a:r>
-              <a:rPr lang="en-US" sz="2000" dirty="0" err="1" smtClean="0"/>
-              <a:t>beneficio</a:t>
-            </a:r>
-            <a:r>
-              <a:rPr lang="en-US" sz="2000" dirty="0" smtClean="0"/>
-              <a:t> de la </a:t>
-            </a:r>
-            <a:r>
-              <a:rPr lang="en-US" sz="2000" dirty="0" err="1" smtClean="0"/>
-              <a:t>mejor</a:t>
-            </a:r>
-            <a:r>
-              <a:rPr lang="en-US" sz="2000" dirty="0" smtClean="0"/>
-              <a:t> </a:t>
-            </a:r>
-            <a:r>
-              <a:rPr lang="en-US" sz="2000" dirty="0" err="1" smtClean="0"/>
-              <a:t>solución</a:t>
-            </a:r>
-            <a:endParaRPr lang="en-US" sz="2000" dirty="0" smtClean="0"/>
-          </a:p>
-          <a:p>
-            <a:pPr lvl="1">
-              <a:buFont typeface="Wingdings" pitchFamily="2" charset="2"/>
-              <a:buChar char="§"/>
-            </a:pPr>
-            <a:r>
-              <a:rPr lang="en-US" sz="2000" dirty="0" smtClean="0"/>
-              <a:t>Si no se </a:t>
-            </a:r>
-            <a:r>
-              <a:rPr lang="en-US" sz="2000" dirty="0" err="1" smtClean="0"/>
-              <a:t>cumplen</a:t>
-            </a:r>
-            <a:r>
-              <a:rPr lang="en-US" sz="2000" dirty="0" smtClean="0"/>
-              <a:t> </a:t>
-            </a:r>
-            <a:r>
-              <a:rPr lang="en-US" sz="2000" dirty="0" err="1" smtClean="0"/>
-              <a:t>las</a:t>
-            </a:r>
-            <a:r>
-              <a:rPr lang="en-US" sz="2000" dirty="0" smtClean="0"/>
-              <a:t> </a:t>
-            </a:r>
-            <a:r>
-              <a:rPr lang="en-US" sz="2000" dirty="0" err="1" smtClean="0"/>
-              <a:t>condiciones</a:t>
-            </a:r>
-            <a:r>
-              <a:rPr lang="en-US" sz="2000" dirty="0" smtClean="0"/>
-              <a:t>, </a:t>
-            </a:r>
-            <a:r>
-              <a:rPr lang="en-US" sz="2000" dirty="0" err="1" smtClean="0"/>
-              <a:t>comienza</a:t>
-            </a:r>
-            <a:r>
-              <a:rPr lang="en-US" sz="2000" dirty="0" smtClean="0"/>
-              <a:t> un </a:t>
-            </a:r>
-            <a:r>
-              <a:rPr lang="en-US" sz="2000" dirty="0" err="1" smtClean="0"/>
-              <a:t>nuevo</a:t>
-            </a:r>
-            <a:r>
-              <a:rPr lang="en-US" sz="2000" dirty="0" smtClean="0"/>
-              <a:t> </a:t>
-            </a:r>
-            <a:r>
-              <a:rPr lang="en-US" sz="2000" dirty="0" err="1" smtClean="0"/>
-              <a:t>ciclo</a:t>
-            </a:r>
-            <a:r>
-              <a:rPr lang="en-US" sz="2000" dirty="0" smtClean="0"/>
-              <a:t> </a:t>
-            </a:r>
-            <a:r>
-              <a:rPr lang="en-US" sz="2000" dirty="0" err="1" smtClean="0"/>
-              <a:t>evolucionando</a:t>
-            </a:r>
-            <a:r>
-              <a:rPr lang="en-US" sz="2000" dirty="0" smtClean="0"/>
-              <a:t> la </a:t>
-            </a:r>
-            <a:r>
-              <a:rPr lang="en-US" sz="2000" dirty="0" err="1" smtClean="0"/>
-              <a:t>población</a:t>
-            </a:r>
-            <a:endParaRPr lang="en-US" sz="2000" dirty="0" smtClean="0"/>
-          </a:p>
-          <a:p>
-            <a:pPr lvl="1">
-              <a:buFont typeface="Wingdings" pitchFamily="2" charset="2"/>
-              <a:buChar char="§"/>
-            </a:pPr>
-            <a:r>
-              <a:rPr lang="en-US" sz="2000" dirty="0" smtClean="0"/>
-              <a:t>Si se </a:t>
-            </a:r>
-            <a:r>
-              <a:rPr lang="en-US" sz="2000" dirty="0" err="1" smtClean="0"/>
-              <a:t>cumplen</a:t>
-            </a:r>
-            <a:r>
-              <a:rPr lang="en-US" sz="2000" dirty="0" smtClean="0"/>
-              <a:t>, </a:t>
-            </a:r>
-            <a:r>
-              <a:rPr lang="en-US" sz="2000" dirty="0" err="1" smtClean="0"/>
-              <a:t>r</a:t>
-            </a:r>
-            <a:r>
-              <a:rPr lang="en-US" sz="2000" dirty="0" err="1" smtClean="0"/>
-              <a:t>etorna</a:t>
-            </a:r>
-            <a:r>
-              <a:rPr lang="en-US" sz="2000" dirty="0" smtClean="0"/>
-              <a:t> la </a:t>
-            </a:r>
-            <a:r>
-              <a:rPr lang="en-US" sz="2000" dirty="0" err="1" smtClean="0"/>
-              <a:t>mejor</a:t>
-            </a:r>
-            <a:r>
-              <a:rPr lang="en-US" sz="2000" dirty="0" smtClean="0"/>
-              <a:t> </a:t>
-            </a:r>
-            <a:r>
-              <a:rPr lang="en-US" sz="2000" dirty="0" err="1" smtClean="0"/>
-              <a:t>solución</a:t>
-            </a:r>
-            <a:endParaRPr lang="es-AR" sz="2000" dirty="0"/>
-          </a:p>
-        </p:txBody>
-      </p:sp>
-    </p:spTree>
-    <p:extLst>
-      <p:ext uri="{BB962C8B-B14F-4D97-AF65-F5344CB8AC3E}">
-        <p14:creationId xmlns:p14="http://schemas.microsoft.com/office/powerpoint/2010/main" val="2559275626"/>
       </p:ext>
     </p:extLst>
   </p:cSld>
@@ -5468,303 +5540,53 @@
             <a:pPr algn="r"/>
             <a:r>
               <a:rPr lang="en-US" sz="2400" dirty="0" err="1" smtClean="0"/>
-              <a:t>Resultados</a:t>
+              <a:t>Algoritmo</a:t>
+            </a:r>
+            <a:r>
+              <a:rPr lang="en-US" sz="2400" dirty="0" smtClean="0"/>
+              <a:t> </a:t>
+            </a:r>
+            <a:r>
+              <a:rPr lang="en-US" sz="2400" dirty="0" err="1" smtClean="0"/>
+              <a:t>Propuesto</a:t>
             </a:r>
             <a:endParaRPr lang="en-US" sz="2400" dirty="0" smtClean="0"/>
           </a:p>
         </p:txBody>
       </p:sp>
-      <p:sp>
-        <p:nvSpPr>
-          <p:cNvPr id="3" name="Content Placeholder 2"/>
-          <p:cNvSpPr>
-            <a:spLocks noGrp="1"/>
-          </p:cNvSpPr>
+      <p:pic>
+        <p:nvPicPr>
+          <p:cNvPr id="5" name="Content Placeholder 4"/>
+          <p:cNvPicPr>
+            <a:picLocks noGrp="1" noChangeAspect="1"/>
+          </p:cNvPicPr>
           <p:nvPr>
             <p:ph idx="1"/>
           </p:nvPr>
-        </p:nvSpPr>
+        </p:nvPicPr>
+        <p:blipFill>
+          <a:blip r:embed="rId2">
+            <a:extLst>
+              <a:ext uri="{28A0092B-C50C-407E-A947-70E740481C1C}">
+                <a14:useLocalDpi xmlns:a14="http://schemas.microsoft.com/office/drawing/2010/main" val="0"/>
+              </a:ext>
+            </a:extLst>
+          </a:blip>
+          <a:stretch>
+            <a:fillRect/>
+          </a:stretch>
+        </p:blipFill>
         <p:spPr>
           <a:xfrm>
-            <a:off x="457200" y="908720"/>
-            <a:ext cx="8229600" cy="5217443"/>
+            <a:off x="539552" y="1124744"/>
+            <a:ext cx="8346619" cy="5040560"/>
           </a:xfrm>
         </p:spPr>
-        <p:txBody>
-          <a:bodyPr>
-            <a:normAutofit/>
-          </a:bodyPr>
-          <a:lstStyle/>
-          <a:p>
-            <a:r>
-              <a:rPr lang="es-ES" sz="2000" dirty="0" smtClean="0"/>
-              <a:t>Trabajos previos</a:t>
-            </a:r>
-          </a:p>
-          <a:p>
-            <a:pPr lvl="1"/>
-            <a:r>
-              <a:rPr lang="es-ES" sz="1600" dirty="0" smtClean="0"/>
-              <a:t>Optimización multinivel de Chao </a:t>
-            </a:r>
-            <a:r>
-              <a:rPr lang="es-ES" sz="1600" dirty="0"/>
-              <a:t>et al</a:t>
-            </a:r>
-            <a:r>
-              <a:rPr lang="es-ES" sz="1600" dirty="0" smtClean="0"/>
-              <a:t>.  (CGW)</a:t>
-            </a:r>
-          </a:p>
-          <a:p>
-            <a:pPr lvl="1"/>
-            <a:r>
-              <a:rPr lang="es-AR" sz="1600" dirty="0" err="1"/>
-              <a:t>Tabu</a:t>
-            </a:r>
-            <a:r>
-              <a:rPr lang="es-AR" sz="1600" dirty="0"/>
-              <a:t> </a:t>
-            </a:r>
-            <a:r>
-              <a:rPr lang="es-AR" sz="1600" dirty="0" err="1"/>
-              <a:t>Search</a:t>
-            </a:r>
-            <a:r>
-              <a:rPr lang="es-AR" sz="1600" dirty="0"/>
-              <a:t> de </a:t>
-            </a:r>
-            <a:r>
-              <a:rPr lang="es-AR" sz="1600" dirty="0" err="1"/>
-              <a:t>Tang</a:t>
-            </a:r>
-            <a:r>
-              <a:rPr lang="es-AR" sz="1600" dirty="0"/>
-              <a:t> y </a:t>
-            </a:r>
-            <a:r>
-              <a:rPr lang="es-AR" sz="1600" dirty="0" smtClean="0"/>
-              <a:t>Miller-</a:t>
-            </a:r>
-            <a:r>
-              <a:rPr lang="es-AR" sz="1600" dirty="0" err="1" smtClean="0"/>
-              <a:t>Hooks</a:t>
-            </a:r>
-            <a:r>
-              <a:rPr lang="es-AR" sz="1600" dirty="0" smtClean="0"/>
-              <a:t> (TMH)</a:t>
-            </a:r>
-            <a:endParaRPr lang="es-ES" sz="1600" dirty="0" smtClean="0"/>
-          </a:p>
-          <a:p>
-            <a:pPr lvl="1"/>
-            <a:r>
-              <a:rPr lang="fr-FR" sz="1600" dirty="0" err="1"/>
-              <a:t>Memetic</a:t>
-            </a:r>
-            <a:r>
-              <a:rPr lang="fr-FR" sz="1600" dirty="0"/>
-              <a:t> </a:t>
-            </a:r>
-            <a:r>
-              <a:rPr lang="fr-FR" sz="1600" dirty="0" err="1"/>
-              <a:t>Algorithm</a:t>
-            </a:r>
-            <a:r>
-              <a:rPr lang="fr-FR" sz="1600" dirty="0"/>
-              <a:t> (MA) de </a:t>
-            </a:r>
-            <a:r>
-              <a:rPr lang="fr-FR" sz="1600" dirty="0" err="1"/>
-              <a:t>Bouly</a:t>
-            </a:r>
-            <a:r>
-              <a:rPr lang="fr-FR" sz="1600" dirty="0"/>
-              <a:t> et al</a:t>
-            </a:r>
-            <a:r>
-              <a:rPr lang="fr-FR" sz="1600" dirty="0" smtClean="0"/>
-              <a:t>.</a:t>
-            </a:r>
-          </a:p>
-          <a:p>
-            <a:pPr lvl="1"/>
-            <a:r>
-              <a:rPr lang="fr-FR" sz="1600" dirty="0" err="1"/>
-              <a:t>Ant</a:t>
-            </a:r>
-            <a:r>
-              <a:rPr lang="fr-FR" sz="1600" dirty="0"/>
-              <a:t> </a:t>
-            </a:r>
-            <a:r>
-              <a:rPr lang="fr-FR" sz="1600" dirty="0" err="1"/>
-              <a:t>Colony</a:t>
-            </a:r>
-            <a:r>
-              <a:rPr lang="fr-FR" sz="1600" dirty="0"/>
-              <a:t> </a:t>
-            </a:r>
-            <a:r>
-              <a:rPr lang="fr-FR" sz="1600" dirty="0" err="1"/>
-              <a:t>Optimization</a:t>
-            </a:r>
-            <a:r>
-              <a:rPr lang="fr-FR" sz="1600" dirty="0"/>
-              <a:t> (</a:t>
-            </a:r>
-            <a:r>
-              <a:rPr lang="fr-FR" sz="1600" dirty="0" err="1"/>
-              <a:t>ACOseq</a:t>
-            </a:r>
-            <a:r>
-              <a:rPr lang="fr-FR" sz="1600" dirty="0"/>
-              <a:t>) de </a:t>
-            </a:r>
-            <a:r>
-              <a:rPr lang="fr-FR" sz="1600" dirty="0" err="1"/>
-              <a:t>Ke</a:t>
-            </a:r>
-            <a:r>
-              <a:rPr lang="fr-FR" sz="1600" dirty="0"/>
-              <a:t> et al</a:t>
-            </a:r>
-            <a:r>
-              <a:rPr lang="fr-FR" sz="1600" dirty="0" smtClean="0"/>
-              <a:t>.</a:t>
-            </a:r>
-          </a:p>
-          <a:p>
-            <a:pPr lvl="1"/>
-            <a:r>
-              <a:rPr lang="en-US" sz="1600" dirty="0"/>
-              <a:t>Variable Neighborhood Search (</a:t>
-            </a:r>
-            <a:r>
-              <a:rPr lang="en-US" sz="1600" dirty="0" err="1"/>
-              <a:t>VNSslow</a:t>
-            </a:r>
-            <a:r>
-              <a:rPr lang="en-US" sz="1600" dirty="0"/>
-              <a:t>) de </a:t>
-            </a:r>
-            <a:r>
-              <a:rPr lang="en-US" sz="1600" dirty="0" err="1"/>
-              <a:t>Archetti</a:t>
-            </a:r>
-            <a:r>
-              <a:rPr lang="en-US" sz="1600" dirty="0"/>
-              <a:t> et al</a:t>
-            </a:r>
-            <a:r>
-              <a:rPr lang="en-US" sz="1600" dirty="0" smtClean="0"/>
-              <a:t>.</a:t>
-            </a:r>
-            <a:endParaRPr lang="es-ES" sz="1600" dirty="0" smtClean="0"/>
-          </a:p>
-          <a:p>
-            <a:r>
-              <a:rPr lang="es-ES" sz="2000" dirty="0" smtClean="0"/>
-              <a:t>Por instancia</a:t>
-            </a:r>
-          </a:p>
-          <a:p>
-            <a:pPr lvl="1"/>
-            <a:r>
-              <a:rPr lang="es-ES" sz="1600" dirty="0" smtClean="0"/>
-              <a:t>TODO imagen de los resultados para 6 instancias en sol final</a:t>
-            </a:r>
-          </a:p>
-          <a:p>
-            <a:r>
-              <a:rPr lang="es-ES" sz="2000" dirty="0" smtClean="0"/>
-              <a:t>Global</a:t>
-            </a:r>
-          </a:p>
-          <a:p>
-            <a:pPr lvl="1"/>
-            <a:r>
-              <a:rPr lang="es-ES" sz="1600" dirty="0" smtClean="0"/>
-              <a:t>TODO explicar columnas</a:t>
-            </a:r>
-          </a:p>
-          <a:p>
-            <a:pPr lvl="1"/>
-            <a:endParaRPr lang="es-ES" sz="1600" dirty="0" smtClean="0"/>
-          </a:p>
-          <a:p>
-            <a:pPr lvl="1"/>
-            <a:r>
-              <a:rPr lang="es-ES" sz="1600" dirty="0" smtClean="0"/>
-              <a:t>TODO imagen de la diferencias de sumas</a:t>
-            </a:r>
-          </a:p>
-          <a:p>
-            <a:endParaRPr lang="es-ES" sz="2000" dirty="0" smtClean="0"/>
-          </a:p>
-        </p:txBody>
-      </p:sp>
-      <p:graphicFrame>
-        <p:nvGraphicFramePr>
-          <p:cNvPr id="4" name="Object 3"/>
-          <p:cNvGraphicFramePr>
-            <a:graphicFrameLocks noChangeAspect="1"/>
-          </p:cNvGraphicFramePr>
-          <p:nvPr>
-            <p:extLst>
-              <p:ext uri="{D42A27DB-BD31-4B8C-83A1-F6EECF244321}">
-                <p14:modId xmlns:p14="http://schemas.microsoft.com/office/powerpoint/2010/main" val="2011832794"/>
-              </p:ext>
-            </p:extLst>
-          </p:nvPr>
-        </p:nvGraphicFramePr>
-        <p:xfrm>
-          <a:off x="4139952" y="3717032"/>
-          <a:ext cx="2960329" cy="720080"/>
-        </p:xfrm>
-        <a:graphic>
-          <a:graphicData uri="http://schemas.openxmlformats.org/presentationml/2006/ole">
-            <mc:AlternateContent xmlns:mc="http://schemas.openxmlformats.org/markup-compatibility/2006">
-              <mc:Choice xmlns:v="urn:schemas-microsoft-com:vml" Requires="v">
-                <p:oleObj spid="_x0000_s1053" name="Equation" r:id="rId3" imgW="1409400" imgH="342720" progId="Equation.3">
-                  <p:embed/>
-                </p:oleObj>
-              </mc:Choice>
-              <mc:Fallback>
-                <p:oleObj name="Equation" r:id="rId3" imgW="1409400" imgH="342720" progId="Equation.3">
-                  <p:embed/>
-                  <p:pic>
-                    <p:nvPicPr>
-                      <p:cNvPr id="0" name=""/>
-                      <p:cNvPicPr/>
-                      <p:nvPr/>
-                    </p:nvPicPr>
-                    <p:blipFill>
-                      <a:blip r:embed="rId4"/>
-                      <a:stretch>
-                        <a:fillRect/>
-                      </a:stretch>
-                    </p:blipFill>
-                    <p:spPr>
-                      <a:xfrm>
-                        <a:off x="4139952" y="3717032"/>
-                        <a:ext cx="2960329" cy="720080"/>
-                      </a:xfrm>
-                      <a:prstGeom prst="rect">
-                        <a:avLst/>
-                      </a:prstGeom>
-                    </p:spPr>
-                  </p:pic>
-                </p:oleObj>
-              </mc:Fallback>
-            </mc:AlternateContent>
-          </a:graphicData>
-        </a:graphic>
-      </p:graphicFrame>
+      </p:pic>
     </p:spTree>
     <p:extLst>
       <p:ext uri="{BB962C8B-B14F-4D97-AF65-F5344CB8AC3E}">
-        <p14:creationId xmlns:p14="http://schemas.microsoft.com/office/powerpoint/2010/main" val="512476657"/>
+        <p14:creationId xmlns:p14="http://schemas.microsoft.com/office/powerpoint/2010/main" val="2559275626"/>
       </p:ext>
     </p:extLst>
   </p:cSld>
@@ -5816,7 +5638,7 @@
             <a:pPr algn="r"/>
             <a:r>
               <a:rPr lang="en-US" sz="2400" dirty="0" err="1" smtClean="0"/>
-              <a:t>Conclusiones</a:t>
+              <a:t>Resultados</a:t>
             </a:r>
             <a:endParaRPr lang="en-US" sz="2400" dirty="0" smtClean="0"/>
           </a:p>
@@ -5846,152 +5668,191 @@
           <a:p>
             <a:r>
               <a:rPr lang="es-ES" sz="2800" dirty="0" smtClean="0"/>
-              <a:t>Los resultados fueron muy buenos, </a:t>
-            </a:r>
-            <a:r>
-              <a:rPr lang="es-AR" sz="2800" dirty="0" smtClean="0"/>
-              <a:t>un </a:t>
-            </a:r>
-            <a:r>
-              <a:rPr lang="es-AR" sz="2800" dirty="0"/>
-              <a:t>70% de los resultados llegaron a la mejor solución conocida de la instancia </a:t>
-            </a:r>
-            <a:r>
-              <a:rPr lang="es-AR" sz="2800" dirty="0" smtClean="0"/>
-              <a:t>testeada.</a:t>
-            </a:r>
-          </a:p>
-          <a:p>
-            <a:r>
-              <a:rPr lang="en-US" sz="2800" dirty="0" smtClean="0"/>
-              <a:t>El restante 30% </a:t>
-            </a:r>
-            <a:r>
-              <a:rPr lang="en-US" sz="2800" dirty="0" err="1" smtClean="0"/>
-              <a:t>obtuvo</a:t>
-            </a:r>
-            <a:r>
-              <a:rPr lang="en-US" sz="2800" dirty="0" smtClean="0"/>
-              <a:t> </a:t>
-            </a:r>
-            <a:r>
-              <a:rPr lang="en-US" sz="2800" dirty="0" err="1" smtClean="0"/>
-              <a:t>valores</a:t>
-            </a:r>
-            <a:r>
-              <a:rPr lang="en-US" sz="2800" dirty="0" smtClean="0"/>
-              <a:t> </a:t>
-            </a:r>
-            <a:r>
-              <a:rPr lang="en-US" sz="2800" dirty="0" err="1" smtClean="0"/>
-              <a:t>muy</a:t>
-            </a:r>
-            <a:r>
-              <a:rPr lang="en-US" sz="2800" dirty="0" smtClean="0"/>
-              <a:t> </a:t>
-            </a:r>
-            <a:r>
-              <a:rPr lang="en-US" sz="2800" dirty="0" err="1" smtClean="0"/>
-              <a:t>competitivos</a:t>
-            </a:r>
-            <a:r>
-              <a:rPr lang="en-US" sz="2800" dirty="0" smtClean="0"/>
-              <a:t> con los </a:t>
-            </a:r>
-            <a:r>
-              <a:rPr lang="en-US" sz="2800" dirty="0" err="1" smtClean="0"/>
-              <a:t>mejores</a:t>
-            </a:r>
-            <a:r>
-              <a:rPr lang="en-US" sz="2800" dirty="0" smtClean="0"/>
-              <a:t> </a:t>
-            </a:r>
-            <a:r>
-              <a:rPr lang="en-US" sz="2800" dirty="0" err="1" smtClean="0"/>
-              <a:t>trabajos</a:t>
-            </a:r>
-            <a:r>
-              <a:rPr lang="en-US" sz="2800" dirty="0" smtClean="0"/>
-              <a:t> </a:t>
-            </a:r>
-            <a:r>
-              <a:rPr lang="en-US" sz="2800" dirty="0" err="1" smtClean="0"/>
-              <a:t>previos</a:t>
-            </a:r>
-            <a:r>
-              <a:rPr lang="en-US" sz="2800" dirty="0" smtClean="0"/>
+              <a:t>Se compararon los resultados con los siguientes trabajos previos:</a:t>
+            </a:r>
+          </a:p>
+          <a:p>
+            <a:pPr lvl="1">
+              <a:buFont typeface="Wingdings" pitchFamily="2" charset="2"/>
+              <a:buChar char="§"/>
+            </a:pPr>
+            <a:r>
+              <a:rPr lang="es-ES" sz="2000" dirty="0" smtClean="0"/>
+              <a:t>Optimización multinivel de Chao </a:t>
+            </a:r>
+            <a:r>
+              <a:rPr lang="es-ES" sz="2000" dirty="0"/>
+              <a:t>et al</a:t>
+            </a:r>
+            <a:r>
+              <a:rPr lang="es-ES" sz="2000" dirty="0" smtClean="0"/>
+              <a:t>.  (CGW)</a:t>
+            </a:r>
+          </a:p>
+          <a:p>
+            <a:pPr lvl="1">
+              <a:buFont typeface="Wingdings" pitchFamily="2" charset="2"/>
+              <a:buChar char="§"/>
+            </a:pPr>
+            <a:r>
+              <a:rPr lang="es-AR" sz="2000" dirty="0" err="1"/>
+              <a:t>Tabu</a:t>
+            </a:r>
+            <a:r>
+              <a:rPr lang="es-AR" sz="2000" dirty="0"/>
+              <a:t> </a:t>
+            </a:r>
+            <a:r>
+              <a:rPr lang="es-AR" sz="2000" dirty="0" err="1"/>
+              <a:t>Search</a:t>
+            </a:r>
+            <a:r>
+              <a:rPr lang="es-AR" sz="2000" dirty="0"/>
+              <a:t> de </a:t>
+            </a:r>
+            <a:r>
+              <a:rPr lang="es-AR" sz="2000" dirty="0" err="1"/>
+              <a:t>Tang</a:t>
+            </a:r>
+            <a:r>
+              <a:rPr lang="es-AR" sz="2000" dirty="0"/>
+              <a:t> y </a:t>
+            </a:r>
+            <a:r>
+              <a:rPr lang="es-AR" sz="2000" dirty="0" smtClean="0"/>
+              <a:t>Miller-</a:t>
+            </a:r>
+            <a:r>
+              <a:rPr lang="es-AR" sz="2000" dirty="0" err="1" smtClean="0"/>
+              <a:t>Hooks</a:t>
+            </a:r>
+            <a:r>
+              <a:rPr lang="es-AR" sz="2000" dirty="0" smtClean="0"/>
+              <a:t> (TMH)</a:t>
+            </a:r>
+            <a:endParaRPr lang="es-ES" sz="2000" dirty="0" smtClean="0"/>
+          </a:p>
+          <a:p>
+            <a:pPr lvl="1">
+              <a:buFont typeface="Wingdings" pitchFamily="2" charset="2"/>
+              <a:buChar char="§"/>
+            </a:pPr>
+            <a:r>
+              <a:rPr lang="fr-FR" sz="2000" dirty="0" err="1"/>
+              <a:t>Memetic</a:t>
+            </a:r>
+            <a:r>
+              <a:rPr lang="fr-FR" sz="2000" dirty="0"/>
+              <a:t> </a:t>
+            </a:r>
+            <a:r>
+              <a:rPr lang="fr-FR" sz="2000" dirty="0" err="1"/>
+              <a:t>Algorithm</a:t>
+            </a:r>
+            <a:r>
+              <a:rPr lang="fr-FR" sz="2000" dirty="0"/>
+              <a:t> (MA) de </a:t>
+            </a:r>
+            <a:r>
+              <a:rPr lang="fr-FR" sz="2000" dirty="0" err="1"/>
+              <a:t>Bouly</a:t>
+            </a:r>
+            <a:r>
+              <a:rPr lang="fr-FR" sz="2000" dirty="0"/>
+              <a:t> et al</a:t>
+            </a:r>
+            <a:r>
+              <a:rPr lang="fr-FR" sz="2000" dirty="0" smtClean="0"/>
               <a:t>.</a:t>
             </a:r>
           </a:p>
           <a:p>
-            <a:r>
-              <a:rPr lang="en-US" sz="2800" dirty="0" smtClean="0"/>
-              <a:t>El BRKGA </a:t>
-            </a:r>
-            <a:r>
-              <a:rPr lang="en-US" sz="2800" dirty="0" err="1" smtClean="0"/>
-              <a:t>puro</a:t>
-            </a:r>
-            <a:r>
-              <a:rPr lang="en-US" sz="2800" dirty="0" smtClean="0"/>
-              <a:t> no </a:t>
-            </a:r>
-            <a:r>
-              <a:rPr lang="en-US" sz="2800" dirty="0" err="1" smtClean="0"/>
-              <a:t>es</a:t>
-            </a:r>
-            <a:r>
-              <a:rPr lang="en-US" sz="2800" dirty="0" smtClean="0"/>
-              <a:t> </a:t>
-            </a:r>
-            <a:r>
-              <a:rPr lang="en-US" sz="2800" dirty="0" err="1" smtClean="0"/>
-              <a:t>bueno</a:t>
-            </a:r>
-            <a:r>
-              <a:rPr lang="en-US" sz="2800" dirty="0" smtClean="0"/>
-              <a:t> </a:t>
-            </a:r>
-            <a:r>
-              <a:rPr lang="en-US" sz="2800" dirty="0" err="1" smtClean="0"/>
-              <a:t>para</a:t>
-            </a:r>
-            <a:r>
-              <a:rPr lang="en-US" sz="2800" dirty="0" smtClean="0"/>
-              <a:t> </a:t>
-            </a:r>
-            <a:r>
-              <a:rPr lang="en-US" sz="2800" dirty="0" err="1" smtClean="0"/>
-              <a:t>instancias</a:t>
-            </a:r>
-            <a:r>
-              <a:rPr lang="en-US" sz="2800" dirty="0" smtClean="0"/>
-              <a:t> </a:t>
-            </a:r>
-            <a:r>
-              <a:rPr lang="en-US" sz="2800" dirty="0" err="1" smtClean="0"/>
-              <a:t>grandes</a:t>
-            </a:r>
-            <a:r>
-              <a:rPr lang="en-US" sz="2800" dirty="0" smtClean="0"/>
-              <a:t> del </a:t>
-            </a:r>
-            <a:r>
-              <a:rPr lang="en-US" sz="2800" dirty="0" err="1" smtClean="0"/>
-              <a:t>problema</a:t>
-            </a:r>
-            <a:r>
-              <a:rPr lang="en-US" sz="2800" dirty="0" smtClean="0"/>
+            <a:pPr lvl="1">
+              <a:buFont typeface="Wingdings" pitchFamily="2" charset="2"/>
+              <a:buChar char="§"/>
+            </a:pPr>
+            <a:r>
+              <a:rPr lang="fr-FR" sz="2000" dirty="0" err="1"/>
+              <a:t>Ant</a:t>
+            </a:r>
+            <a:r>
+              <a:rPr lang="fr-FR" sz="2000" dirty="0"/>
+              <a:t> </a:t>
+            </a:r>
+            <a:r>
+              <a:rPr lang="fr-FR" sz="2000" dirty="0" err="1"/>
+              <a:t>Colony</a:t>
+            </a:r>
+            <a:r>
+              <a:rPr lang="fr-FR" sz="2000" dirty="0"/>
+              <a:t> </a:t>
+            </a:r>
+            <a:r>
+              <a:rPr lang="fr-FR" sz="2000" dirty="0" err="1"/>
+              <a:t>Optimization</a:t>
+            </a:r>
+            <a:r>
+              <a:rPr lang="fr-FR" sz="2000" dirty="0"/>
+              <a:t> (</a:t>
+            </a:r>
+            <a:r>
+              <a:rPr lang="fr-FR" sz="2000" dirty="0" err="1"/>
+              <a:t>ACOseq</a:t>
+            </a:r>
+            <a:r>
+              <a:rPr lang="fr-FR" sz="2000" dirty="0"/>
+              <a:t>) de </a:t>
+            </a:r>
+            <a:r>
+              <a:rPr lang="fr-FR" sz="2000" dirty="0" err="1"/>
+              <a:t>Ke</a:t>
+            </a:r>
+            <a:r>
+              <a:rPr lang="fr-FR" sz="2000" dirty="0"/>
+              <a:t> et al</a:t>
+            </a:r>
+            <a:r>
+              <a:rPr lang="fr-FR" sz="2000" dirty="0" smtClean="0"/>
               <a:t>.</a:t>
             </a:r>
-            <a:endParaRPr lang="es-ES" sz="2800" dirty="0" smtClean="0"/>
+          </a:p>
+          <a:p>
+            <a:pPr lvl="1">
+              <a:buFont typeface="Wingdings" pitchFamily="2" charset="2"/>
+              <a:buChar char="§"/>
+            </a:pPr>
+            <a:r>
+              <a:rPr lang="en-US" sz="2000" dirty="0"/>
+              <a:t>Variable Neighborhood Search (</a:t>
+            </a:r>
+            <a:r>
+              <a:rPr lang="en-US" sz="2000" dirty="0" err="1"/>
+              <a:t>VNSslow</a:t>
+            </a:r>
+            <a:r>
+              <a:rPr lang="en-US" sz="2000" dirty="0"/>
+              <a:t>) de </a:t>
+            </a:r>
+            <a:r>
+              <a:rPr lang="en-US" sz="2000" dirty="0" err="1"/>
+              <a:t>Archetti</a:t>
+            </a:r>
+            <a:r>
+              <a:rPr lang="en-US" sz="2000" dirty="0"/>
+              <a:t> et al</a:t>
+            </a:r>
+            <a:r>
+              <a:rPr lang="en-US" sz="2000" dirty="0" smtClean="0"/>
+              <a:t>.</a:t>
+            </a:r>
+            <a:endParaRPr lang="es-ES" sz="2000" dirty="0" smtClean="0"/>
           </a:p>
         </p:txBody>
       </p:sp>
     </p:spTree>
     <p:extLst>
       <p:ext uri="{BB962C8B-B14F-4D97-AF65-F5344CB8AC3E}">
-        <p14:creationId xmlns:p14="http://schemas.microsoft.com/office/powerpoint/2010/main" val="962634165"/>
+        <p14:creationId xmlns:p14="http://schemas.microsoft.com/office/powerpoint/2010/main" val="293670459"/>
       </p:ext>
     </p:extLst>
   </p:cSld>
@@ -6419,15 +6280,7 @@
             <a:pPr algn="r"/>
             <a:r>
               <a:rPr lang="en-US" sz="2400" dirty="0" err="1" smtClean="0"/>
-              <a:t>Trabajos</a:t>
-            </a:r>
-            <a:r>
-              <a:rPr lang="en-US" sz="2400" dirty="0" smtClean="0"/>
-              <a:t> </a:t>
-            </a:r>
-            <a:r>
-              <a:rPr lang="en-US" sz="2400" dirty="0" err="1" smtClean="0"/>
-              <a:t>futuros</a:t>
+              <a:t>Resultados</a:t>
             </a:r>
             <a:endParaRPr lang="en-US" sz="2400" dirty="0" smtClean="0"/>
           </a:p>
@@ -6457,11 +6310,1335 @@
           <a:p>
             <a:r>
               <a:rPr lang="es-ES" sz="2800" dirty="0" smtClean="0"/>
-              <a:t>Seria </a:t>
+              <a:t>Resultados </a:t>
+            </a:r>
+            <a:r>
+              <a:rPr lang="es-ES" sz="2800" dirty="0" err="1" smtClean="0"/>
+              <a:t>brkga</a:t>
             </a:r>
             <a:r>
               <a:rPr lang="es-ES" sz="2800" dirty="0" smtClean="0"/>
-              <a:t>útil una herramienta para visualizar los caminos generados.</a:t>
+              <a:t> puro deco</a:t>
+            </a:r>
+            <a:r>
+              <a:rPr lang="es-ES" sz="2800" dirty="0" smtClean="0"/>
+              <a:t>dificador simple y goloso:</a:t>
+            </a:r>
+          </a:p>
+          <a:p>
+            <a:pPr marL="0" indent="0">
+              <a:buNone/>
+            </a:pPr>
+            <a:endParaRPr lang="es-ES" sz="2800" dirty="0" smtClean="0"/>
+          </a:p>
+          <a:p>
+            <a:pPr marL="0" indent="0">
+              <a:buNone/>
+            </a:pPr>
+            <a:endParaRPr lang="es-ES" sz="2000" dirty="0" smtClean="0"/>
+          </a:p>
+          <a:p>
+            <a:pPr marL="0" indent="0">
+              <a:buNone/>
+            </a:pPr>
+            <a:endParaRPr lang="es-ES" sz="2000" dirty="0" smtClean="0"/>
+          </a:p>
+        </p:txBody>
+      </p:sp>
+      <p:pic>
+        <p:nvPicPr>
+          <p:cNvPr id="10" name="Picture 9"/>
+          <p:cNvPicPr>
+            <a:picLocks noChangeAspect="1"/>
+          </p:cNvPicPr>
+          <p:nvPr/>
+        </p:nvPicPr>
+        <p:blipFill>
+          <a:blip r:embed="rId2">
+            <a:extLst>
+              <a:ext uri="{28A0092B-C50C-407E-A947-70E740481C1C}">
+                <a14:useLocalDpi xmlns:a14="http://schemas.microsoft.com/office/drawing/2010/main" val="0"/>
+              </a:ext>
+            </a:extLst>
+          </a:blip>
+          <a:stretch>
+            <a:fillRect/>
+          </a:stretch>
+        </p:blipFill>
+        <p:spPr>
+          <a:xfrm>
+            <a:off x="107504" y="3717032"/>
+            <a:ext cx="8878539" cy="1771897"/>
+          </a:xfrm>
+          <a:prstGeom prst="rect">
+            <a:avLst/>
+          </a:prstGeom>
+        </p:spPr>
+      </p:pic>
+      <p:pic>
+        <p:nvPicPr>
+          <p:cNvPr id="11" name="Picture 10"/>
+          <p:cNvPicPr>
+            <a:picLocks noChangeAspect="1"/>
+          </p:cNvPicPr>
+          <p:nvPr/>
+        </p:nvPicPr>
+        <p:blipFill>
+          <a:blip r:embed="rId3">
+            <a:extLst>
+              <a:ext uri="{28A0092B-C50C-407E-A947-70E740481C1C}">
+                <a14:useLocalDpi xmlns:a14="http://schemas.microsoft.com/office/drawing/2010/main" val="0"/>
+              </a:ext>
+            </a:extLst>
+          </a:blip>
+          <a:stretch>
+            <a:fillRect/>
+          </a:stretch>
+        </p:blipFill>
+        <p:spPr>
+          <a:xfrm>
+            <a:off x="107504" y="1628799"/>
+            <a:ext cx="8907118" cy="1810003"/>
+          </a:xfrm>
+          <a:prstGeom prst="rect">
+            <a:avLst/>
+          </a:prstGeom>
+        </p:spPr>
+      </p:pic>
+    </p:spTree>
+    <p:extLst>
+      <p:ext uri="{BB962C8B-B14F-4D97-AF65-F5344CB8AC3E}">
+        <p14:creationId xmlns:p14="http://schemas.microsoft.com/office/powerpoint/2010/main" val="512476657"/>
+      </p:ext>
+    </p:extLst>
+  </p:cSld>
+  <p:clrMapOvr>
+    <a:masterClrMapping/>
+  </p:clrMapOvr>
+</p:sld>
+</file>
+
+<file path=ppt/slides/slide21.xml><?xml version="1.0" encoding="utf-8"?>
+<p:sld xmlns:a="http://schemas.openxmlformats.org/drawingml/2006/main" xmlns:r="http://schemas.openxmlformats.org/officeDocument/2006/relationships" xmlns:p="http://schemas.openxmlformats.org/presentationml/2006/main">
+  <p:cSld>
+    <p:spTree>
+      <p:nvGrpSpPr>
+        <p:cNvPr id="1" name=""/>
+        <p:cNvGrpSpPr/>
+        <p:nvPr/>
+      </p:nvGrpSpPr>
+      <p:grpSpPr>
+        <a:xfrm>
+          <a:off x="0" y="0"/>
+          <a:ext cx="0" cy="0"/>
+          <a:chOff x="0" y="0"/>
+          <a:chExt cx="0" cy="0"/>
+        </a:xfrm>
+      </p:grpSpPr>
+      <p:sp>
+        <p:nvSpPr>
+          <p:cNvPr id="2" name="Title 1"/>
+          <p:cNvSpPr>
+            <a:spLocks noGrp="1"/>
+          </p:cNvSpPr>
+          <p:nvPr>
+            <p:ph type="title"/>
+          </p:nvPr>
+        </p:nvSpPr>
+        <p:spPr>
+          <a:xfrm>
+            <a:off x="457200" y="274638"/>
+            <a:ext cx="8229600" cy="418058"/>
+          </a:xfrm>
+        </p:spPr>
+        <p:txBody>
+          <a:bodyPr>
+            <a:normAutofit fontScale="90000"/>
+          </a:bodyPr>
+          <a:lstStyle/>
+          <a:p>
+            <a:pPr algn="r"/>
+            <a:r>
+              <a:rPr lang="en-US" sz="2400" dirty="0" err="1" smtClean="0"/>
+              <a:t>Resultados</a:t>
+            </a:r>
+            <a:endParaRPr lang="en-US" sz="2400" dirty="0" smtClean="0"/>
+          </a:p>
+        </p:txBody>
+      </p:sp>
+      <p:sp>
+        <p:nvSpPr>
+          <p:cNvPr id="3" name="Content Placeholder 2"/>
+          <p:cNvSpPr>
+            <a:spLocks noGrp="1"/>
+          </p:cNvSpPr>
+          <p:nvPr>
+            <p:ph idx="1"/>
+          </p:nvPr>
+        </p:nvSpPr>
+        <p:spPr>
+          <a:xfrm>
+            <a:off x="457200" y="908720"/>
+            <a:ext cx="8229600" cy="5217443"/>
+          </a:xfrm>
+        </p:spPr>
+        <p:txBody>
+          <a:bodyPr>
+            <a:normAutofit/>
+          </a:bodyPr>
+          <a:lstStyle/>
+          <a:p>
+            <a:r>
+              <a:rPr lang="es-ES" sz="2800" dirty="0"/>
+              <a:t>Resultados </a:t>
+            </a:r>
+            <a:r>
+              <a:rPr lang="es-ES" sz="2800" dirty="0" err="1"/>
+              <a:t>brkga</a:t>
+            </a:r>
+            <a:r>
+              <a:rPr lang="es-ES" sz="2800" dirty="0"/>
+              <a:t> con las búsquedas locales</a:t>
+            </a:r>
+            <a:r>
+              <a:rPr lang="es-ES" sz="2800" dirty="0" smtClean="0"/>
+              <a:t>:</a:t>
+            </a:r>
+          </a:p>
+          <a:p>
+            <a:pPr marL="0" indent="0">
+              <a:buNone/>
+            </a:pPr>
+            <a:endParaRPr lang="es-ES" sz="2800" dirty="0"/>
+          </a:p>
+          <a:p>
+            <a:endParaRPr lang="es-ES" sz="2800" dirty="0" smtClean="0"/>
+          </a:p>
+          <a:p>
+            <a:pPr marL="0" indent="0">
+              <a:buNone/>
+            </a:pPr>
+            <a:endParaRPr lang="es-ES" sz="2000" dirty="0" smtClean="0"/>
+          </a:p>
+        </p:txBody>
+      </p:sp>
+      <p:pic>
+        <p:nvPicPr>
+          <p:cNvPr id="6" name="Picture 5"/>
+          <p:cNvPicPr>
+            <a:picLocks noChangeAspect="1"/>
+          </p:cNvPicPr>
+          <p:nvPr/>
+        </p:nvPicPr>
+        <p:blipFill>
+          <a:blip r:embed="rId2">
+            <a:extLst>
+              <a:ext uri="{28A0092B-C50C-407E-A947-70E740481C1C}">
+                <a14:useLocalDpi xmlns:a14="http://schemas.microsoft.com/office/drawing/2010/main" val="0"/>
+              </a:ext>
+            </a:extLst>
+          </a:blip>
+          <a:stretch>
+            <a:fillRect/>
+          </a:stretch>
+        </p:blipFill>
+        <p:spPr>
+          <a:xfrm>
+            <a:off x="127967" y="2533525"/>
+            <a:ext cx="8888065" cy="1790950"/>
+          </a:xfrm>
+          <a:prstGeom prst="rect">
+            <a:avLst/>
+          </a:prstGeom>
+        </p:spPr>
+      </p:pic>
+    </p:spTree>
+    <p:extLst>
+      <p:ext uri="{BB962C8B-B14F-4D97-AF65-F5344CB8AC3E}">
+        <p14:creationId xmlns:p14="http://schemas.microsoft.com/office/powerpoint/2010/main" val="321265640"/>
+      </p:ext>
+    </p:extLst>
+  </p:cSld>
+  <p:clrMapOvr>
+    <a:masterClrMapping/>
+  </p:clrMapOvr>
+</p:sld>
+</file>
+
+<file path=ppt/slides/slide22.xml><?xml version="1.0" encoding="utf-8"?>
+<p:sld xmlns:a="http://schemas.openxmlformats.org/drawingml/2006/main" xmlns:r="http://schemas.openxmlformats.org/officeDocument/2006/relationships" xmlns:p="http://schemas.openxmlformats.org/presentationml/2006/main">
+  <p:cSld>
+    <p:spTree>
+      <p:nvGrpSpPr>
+        <p:cNvPr id="1" name=""/>
+        <p:cNvGrpSpPr/>
+        <p:nvPr/>
+      </p:nvGrpSpPr>
+      <p:grpSpPr>
+        <a:xfrm>
+          <a:off x="0" y="0"/>
+          <a:ext cx="0" cy="0"/>
+          <a:chOff x="0" y="0"/>
+          <a:chExt cx="0" cy="0"/>
+        </a:xfrm>
+      </p:grpSpPr>
+      <p:sp>
+        <p:nvSpPr>
+          <p:cNvPr id="2" name="Title 1"/>
+          <p:cNvSpPr>
+            <a:spLocks noGrp="1"/>
+          </p:cNvSpPr>
+          <p:nvPr>
+            <p:ph type="title"/>
+          </p:nvPr>
+        </p:nvSpPr>
+        <p:spPr>
+          <a:xfrm>
+            <a:off x="457200" y="274638"/>
+            <a:ext cx="8229600" cy="418058"/>
+          </a:xfrm>
+        </p:spPr>
+        <p:txBody>
+          <a:bodyPr>
+            <a:normAutofit fontScale="90000"/>
+          </a:bodyPr>
+          <a:lstStyle/>
+          <a:p>
+            <a:pPr algn="r"/>
+            <a:r>
+              <a:rPr lang="en-US" sz="2400" dirty="0" err="1" smtClean="0"/>
+              <a:t>Resultados</a:t>
+            </a:r>
+            <a:endParaRPr lang="en-US" sz="2400" dirty="0" smtClean="0"/>
+          </a:p>
+        </p:txBody>
+      </p:sp>
+      <p:sp>
+        <p:nvSpPr>
+          <p:cNvPr id="3" name="Content Placeholder 2"/>
+          <p:cNvSpPr>
+            <a:spLocks noGrp="1"/>
+          </p:cNvSpPr>
+          <p:nvPr>
+            <p:ph idx="1"/>
+          </p:nvPr>
+        </p:nvSpPr>
+        <p:spPr>
+          <a:xfrm>
+            <a:off x="457200" y="908720"/>
+            <a:ext cx="8229600" cy="5217443"/>
+          </a:xfrm>
+        </p:spPr>
+        <p:txBody>
+          <a:bodyPr>
+            <a:normAutofit/>
+          </a:bodyPr>
+          <a:lstStyle/>
+          <a:p>
+            <a:r>
+              <a:rPr lang="es-ES" sz="2800" dirty="0" smtClean="0"/>
+              <a:t>Síntesis resultados:</a:t>
+            </a:r>
+          </a:p>
+          <a:p>
+            <a:pPr marL="0" indent="0">
+              <a:buNone/>
+            </a:pPr>
+            <a:endParaRPr lang="es-ES" sz="2000" dirty="0" smtClean="0"/>
+          </a:p>
+        </p:txBody>
+      </p:sp>
+      <p:graphicFrame>
+        <p:nvGraphicFramePr>
+          <p:cNvPr id="4" name="Object 3"/>
+          <p:cNvGraphicFramePr>
+            <a:graphicFrameLocks noChangeAspect="1"/>
+          </p:cNvGraphicFramePr>
+          <p:nvPr>
+            <p:extLst>
+              <p:ext uri="{D42A27DB-BD31-4B8C-83A1-F6EECF244321}">
+                <p14:modId xmlns:p14="http://schemas.microsoft.com/office/powerpoint/2010/main" val="4148631786"/>
+              </p:ext>
+            </p:extLst>
+          </p:nvPr>
+        </p:nvGraphicFramePr>
+        <p:xfrm>
+          <a:off x="4860032" y="1609304"/>
+          <a:ext cx="2960329" cy="720080"/>
+        </p:xfrm>
+        <a:graphic>
+          <a:graphicData uri="http://schemas.openxmlformats.org/presentationml/2006/ole">
+            <mc:AlternateContent xmlns:mc="http://schemas.openxmlformats.org/markup-compatibility/2006">
+              <mc:Choice xmlns:v="urn:schemas-microsoft-com:vml" Requires="v">
+                <p:oleObj spid="_x0000_s2076" name="Equation" r:id="rId3" imgW="1409400" imgH="342720" progId="Equation.3">
+                  <p:embed/>
+                </p:oleObj>
+              </mc:Choice>
+              <mc:Fallback>
+                <p:oleObj name="Equation" r:id="rId3" imgW="1409400" imgH="342720" progId="Equation.3">
+                  <p:embed/>
+                  <p:pic>
+                    <p:nvPicPr>
+                      <p:cNvPr id="0" name=""/>
+                      <p:cNvPicPr/>
+                      <p:nvPr/>
+                    </p:nvPicPr>
+                    <p:blipFill>
+                      <a:blip r:embed="rId4"/>
+                      <a:stretch>
+                        <a:fillRect/>
+                      </a:stretch>
+                    </p:blipFill>
+                    <p:spPr>
+                      <a:xfrm>
+                        <a:off x="4860032" y="1609304"/>
+                        <a:ext cx="2960329" cy="720080"/>
+                      </a:xfrm>
+                      <a:prstGeom prst="rect">
+                        <a:avLst/>
+                      </a:prstGeom>
+                    </p:spPr>
+                  </p:pic>
+                </p:oleObj>
+              </mc:Fallback>
+            </mc:AlternateContent>
+          </a:graphicData>
+        </a:graphic>
+      </p:graphicFrame>
+      <p:graphicFrame>
+        <p:nvGraphicFramePr>
+          <p:cNvPr id="7" name="Object 6"/>
+          <p:cNvGraphicFramePr>
+            <a:graphicFrameLocks noChangeAspect="1"/>
+          </p:cNvGraphicFramePr>
+          <p:nvPr>
+            <p:extLst>
+              <p:ext uri="{D42A27DB-BD31-4B8C-83A1-F6EECF244321}">
+                <p14:modId xmlns:p14="http://schemas.microsoft.com/office/powerpoint/2010/main" val="1515382667"/>
+              </p:ext>
+            </p:extLst>
+          </p:nvPr>
+        </p:nvGraphicFramePr>
+        <p:xfrm>
+          <a:off x="4832350" y="2636838"/>
+          <a:ext cx="3014663" cy="719137"/>
+        </p:xfrm>
+        <a:graphic>
+          <a:graphicData uri="http://schemas.openxmlformats.org/presentationml/2006/ole">
+            <mc:AlternateContent xmlns:mc="http://schemas.openxmlformats.org/markup-compatibility/2006">
+              <mc:Choice xmlns:v="urn:schemas-microsoft-com:vml" Requires="v">
+                <p:oleObj spid="_x0000_s2077" name="Equation" r:id="rId5" imgW="1434960" imgH="342720" progId="Equation.3">
+                  <p:embed/>
+                </p:oleObj>
+              </mc:Choice>
+              <mc:Fallback>
+                <p:oleObj name="Equation" r:id="rId5" imgW="1434960" imgH="342720" progId="Equation.3">
+                  <p:embed/>
+                  <p:pic>
+                    <p:nvPicPr>
+                      <p:cNvPr id="0" name="Object 3"/>
+                      <p:cNvPicPr>
+                        <a:picLocks noChangeAspect="1" noChangeArrowheads="1"/>
+                      </p:cNvPicPr>
+                      <p:nvPr/>
+                    </p:nvPicPr>
+                    <p:blipFill>
+                      <a:blip r:embed="rId6"/>
+                      <a:srcRect/>
+                      <a:stretch>
+                        <a:fillRect/>
+                      </a:stretch>
+                    </p:blipFill>
+                    <p:spPr bwMode="auto">
+                      <a:xfrm>
+                        <a:off x="4832350" y="2636838"/>
+                        <a:ext cx="3014663" cy="719137"/>
+                      </a:xfrm>
+                      <a:prstGeom prst="rect">
+                        <a:avLst/>
+                      </a:prstGeom>
+                      <a:noFill/>
+                      <a:ln>
+                        <a:noFill/>
+                      </a:ln>
+                      <a:extLst>
+                        <a:ext uri="{909E8E84-426E-40DD-AFC4-6F175D3DCCD1}">
+                          <a14:hiddenFill xmlns:a14="http://schemas.microsoft.com/office/drawing/2010/main">
+                            <a:solidFill>
+                              <a:srgbClr val="FFFFFF"/>
+                            </a:solidFill>
+                          </a14:hiddenFill>
+                        </a:ext>
+                        <a:ext uri="{91240B29-F687-4F45-9708-019B960494DF}">
+                          <a14:hiddenLine xmlns:a14="http://schemas.microsoft.com/office/drawing/2010/main" w="9525">
+                            <a:solidFill>
+                              <a:srgbClr val="000000"/>
+                            </a:solidFill>
+                            <a:miter lim="800000"/>
+                            <a:headEnd/>
+                            <a:tailEnd/>
+                          </a14:hiddenLine>
+                        </a:ext>
+                      </a:extLst>
+                    </p:spPr>
+                  </p:pic>
+                </p:oleObj>
+              </mc:Fallback>
+            </mc:AlternateContent>
+          </a:graphicData>
+        </a:graphic>
+      </p:graphicFrame>
+      <p:graphicFrame>
+        <p:nvGraphicFramePr>
+          <p:cNvPr id="9" name="Object 8"/>
+          <p:cNvGraphicFramePr>
+            <a:graphicFrameLocks noChangeAspect="1"/>
+          </p:cNvGraphicFramePr>
+          <p:nvPr>
+            <p:extLst>
+              <p:ext uri="{D42A27DB-BD31-4B8C-83A1-F6EECF244321}">
+                <p14:modId xmlns:p14="http://schemas.microsoft.com/office/powerpoint/2010/main" val="482211451"/>
+              </p:ext>
+            </p:extLst>
+          </p:nvPr>
+        </p:nvGraphicFramePr>
+        <p:xfrm>
+          <a:off x="5126038" y="3751263"/>
+          <a:ext cx="2481262" cy="504825"/>
+        </p:xfrm>
+        <a:graphic>
+          <a:graphicData uri="http://schemas.openxmlformats.org/presentationml/2006/ole">
+            <mc:AlternateContent xmlns:mc="http://schemas.openxmlformats.org/markup-compatibility/2006">
+              <mc:Choice xmlns:v="urn:schemas-microsoft-com:vml" Requires="v">
+                <p:oleObj spid="_x0000_s2078" name="Equation" r:id="rId7" imgW="1180800" imgH="241200" progId="Equation.3">
+                  <p:embed/>
+                </p:oleObj>
+              </mc:Choice>
+              <mc:Fallback>
+                <p:oleObj name="Equation" r:id="rId7" imgW="1180800" imgH="241200" progId="Equation.3">
+                  <p:embed/>
+                  <p:pic>
+                    <p:nvPicPr>
+                      <p:cNvPr id="0" name="Object 6"/>
+                      <p:cNvPicPr>
+                        <a:picLocks noChangeAspect="1" noChangeArrowheads="1"/>
+                      </p:cNvPicPr>
+                      <p:nvPr/>
+                    </p:nvPicPr>
+                    <p:blipFill>
+                      <a:blip r:embed="rId8"/>
+                      <a:srcRect/>
+                      <a:stretch>
+                        <a:fillRect/>
+                      </a:stretch>
+                    </p:blipFill>
+                    <p:spPr bwMode="auto">
+                      <a:xfrm>
+                        <a:off x="5126038" y="3751263"/>
+                        <a:ext cx="2481262" cy="504825"/>
+                      </a:xfrm>
+                      <a:prstGeom prst="rect">
+                        <a:avLst/>
+                      </a:prstGeom>
+                      <a:noFill/>
+                      <a:ln>
+                        <a:noFill/>
+                      </a:ln>
+                      <a:extLst>
+                        <a:ext uri="{909E8E84-426E-40DD-AFC4-6F175D3DCCD1}">
+                          <a14:hiddenFill xmlns:a14="http://schemas.microsoft.com/office/drawing/2010/main">
+                            <a:solidFill>
+                              <a:srgbClr val="FFFFFF"/>
+                            </a:solidFill>
+                          </a14:hiddenFill>
+                        </a:ext>
+                        <a:ext uri="{91240B29-F687-4F45-9708-019B960494DF}">
+                          <a14:hiddenLine xmlns:a14="http://schemas.microsoft.com/office/drawing/2010/main" w="9525">
+                            <a:solidFill>
+                              <a:srgbClr val="000000"/>
+                            </a:solidFill>
+                            <a:miter lim="800000"/>
+                            <a:headEnd/>
+                            <a:tailEnd/>
+                          </a14:hiddenLine>
+                        </a:ext>
+                      </a:extLst>
+                    </p:spPr>
+                  </p:pic>
+                </p:oleObj>
+              </mc:Fallback>
+            </mc:AlternateContent>
+          </a:graphicData>
+        </a:graphic>
+      </p:graphicFrame>
+      <p:pic>
+        <p:nvPicPr>
+          <p:cNvPr id="11" name="Picture 10"/>
+          <p:cNvPicPr>
+            <a:picLocks noChangeAspect="1"/>
+          </p:cNvPicPr>
+          <p:nvPr/>
+        </p:nvPicPr>
+        <p:blipFill>
+          <a:blip r:embed="rId9">
+            <a:extLst>
+              <a:ext uri="{28A0092B-C50C-407E-A947-70E740481C1C}">
+                <a14:useLocalDpi xmlns:a14="http://schemas.microsoft.com/office/drawing/2010/main" val="0"/>
+              </a:ext>
+            </a:extLst>
+          </a:blip>
+          <a:stretch>
+            <a:fillRect/>
+          </a:stretch>
+        </p:blipFill>
+        <p:spPr>
+          <a:xfrm>
+            <a:off x="899592" y="1628800"/>
+            <a:ext cx="3781953" cy="2934109"/>
+          </a:xfrm>
+          <a:prstGeom prst="rect">
+            <a:avLst/>
+          </a:prstGeom>
+        </p:spPr>
+      </p:pic>
+    </p:spTree>
+    <p:extLst>
+      <p:ext uri="{BB962C8B-B14F-4D97-AF65-F5344CB8AC3E}">
+        <p14:creationId xmlns:p14="http://schemas.microsoft.com/office/powerpoint/2010/main" val="4165633388"/>
+      </p:ext>
+    </p:extLst>
+  </p:cSld>
+  <p:clrMapOvr>
+    <a:masterClrMapping/>
+  </p:clrMapOvr>
+</p:sld>
+</file>
+
+<file path=ppt/slides/slide23.xml><?xml version="1.0" encoding="utf-8"?>
+<p:sld xmlns:a="http://schemas.openxmlformats.org/drawingml/2006/main" xmlns:r="http://schemas.openxmlformats.org/officeDocument/2006/relationships" xmlns:p="http://schemas.openxmlformats.org/presentationml/2006/main">
+  <p:cSld>
+    <p:spTree>
+      <p:nvGrpSpPr>
+        <p:cNvPr id="1" name=""/>
+        <p:cNvGrpSpPr/>
+        <p:nvPr/>
+      </p:nvGrpSpPr>
+      <p:grpSpPr>
+        <a:xfrm>
+          <a:off x="0" y="0"/>
+          <a:ext cx="0" cy="0"/>
+          <a:chOff x="0" y="0"/>
+          <a:chExt cx="0" cy="0"/>
+        </a:xfrm>
+      </p:grpSpPr>
+      <p:sp>
+        <p:nvSpPr>
+          <p:cNvPr id="2" name="Title 1"/>
+          <p:cNvSpPr>
+            <a:spLocks noGrp="1"/>
+          </p:cNvSpPr>
+          <p:nvPr>
+            <p:ph type="title"/>
+          </p:nvPr>
+        </p:nvSpPr>
+        <p:spPr>
+          <a:xfrm>
+            <a:off x="457200" y="274638"/>
+            <a:ext cx="8229600" cy="418058"/>
+          </a:xfrm>
+        </p:spPr>
+        <p:txBody>
+          <a:bodyPr>
+            <a:normAutofit fontScale="90000"/>
+          </a:bodyPr>
+          <a:lstStyle/>
+          <a:p>
+            <a:pPr algn="r"/>
+            <a:r>
+              <a:rPr lang="en-US" sz="2400" dirty="0" err="1" smtClean="0"/>
+              <a:t>Conclusiones</a:t>
+            </a:r>
+            <a:endParaRPr lang="en-US" sz="2400" dirty="0" smtClean="0"/>
+          </a:p>
+        </p:txBody>
+      </p:sp>
+      <p:sp>
+        <p:nvSpPr>
+          <p:cNvPr id="3" name="Content Placeholder 2"/>
+          <p:cNvSpPr>
+            <a:spLocks noGrp="1"/>
+          </p:cNvSpPr>
+          <p:nvPr>
+            <p:ph idx="1"/>
+          </p:nvPr>
+        </p:nvSpPr>
+        <p:spPr>
+          <a:xfrm>
+            <a:off x="457200" y="908720"/>
+            <a:ext cx="8229600" cy="5217443"/>
+          </a:xfrm>
+        </p:spPr>
+        <p:txBody>
+          <a:bodyPr>
+            <a:normAutofit/>
+          </a:bodyPr>
+          <a:lstStyle/>
+          <a:p>
+            <a:r>
+              <a:rPr lang="en-US" sz="2800" dirty="0" smtClean="0"/>
+              <a:t>Un </a:t>
+            </a:r>
+            <a:r>
+              <a:rPr lang="es-AR" sz="2800" dirty="0" smtClean="0"/>
+              <a:t>70</a:t>
+            </a:r>
+            <a:r>
+              <a:rPr lang="es-AR" sz="2800" dirty="0"/>
+              <a:t>% de los resultados llegaron a la mejor solución conocida de la instancia </a:t>
+            </a:r>
+            <a:r>
+              <a:rPr lang="es-AR" sz="2800" dirty="0" smtClean="0"/>
+              <a:t>testeada.</a:t>
+            </a:r>
+          </a:p>
+          <a:p>
+            <a:r>
+              <a:rPr lang="en-US" sz="2800" dirty="0" smtClean="0"/>
+              <a:t>El restante 30% </a:t>
+            </a:r>
+            <a:r>
+              <a:rPr lang="en-US" sz="2800" dirty="0" err="1" smtClean="0"/>
+              <a:t>obtuvo</a:t>
+            </a:r>
+            <a:r>
+              <a:rPr lang="en-US" sz="2800" dirty="0" smtClean="0"/>
+              <a:t> </a:t>
+            </a:r>
+            <a:r>
+              <a:rPr lang="en-US" sz="2800" dirty="0" err="1" smtClean="0"/>
+              <a:t>valores</a:t>
+            </a:r>
+            <a:r>
+              <a:rPr lang="en-US" sz="2800" dirty="0" smtClean="0"/>
+              <a:t> </a:t>
+            </a:r>
+            <a:r>
+              <a:rPr lang="en-US" sz="2800" dirty="0" err="1" smtClean="0"/>
+              <a:t>competitivos</a:t>
+            </a:r>
+            <a:r>
+              <a:rPr lang="en-US" sz="2800" dirty="0" smtClean="0"/>
+              <a:t> </a:t>
+            </a:r>
+            <a:r>
+              <a:rPr lang="en-US" sz="2800" dirty="0" smtClean="0"/>
+              <a:t>con los </a:t>
+            </a:r>
+            <a:r>
+              <a:rPr lang="en-US" sz="2800" dirty="0" err="1" smtClean="0"/>
+              <a:t>mejores</a:t>
+            </a:r>
+            <a:r>
+              <a:rPr lang="en-US" sz="2800" dirty="0" smtClean="0"/>
+              <a:t> </a:t>
+            </a:r>
+            <a:r>
+              <a:rPr lang="en-US" sz="2800" dirty="0" err="1" smtClean="0"/>
+              <a:t>trabajos</a:t>
+            </a:r>
+            <a:r>
+              <a:rPr lang="en-US" sz="2800" dirty="0" smtClean="0"/>
+              <a:t> </a:t>
+            </a:r>
+            <a:r>
+              <a:rPr lang="en-US" sz="2800" dirty="0" err="1" smtClean="0"/>
+              <a:t>previos</a:t>
+            </a:r>
+            <a:r>
+              <a:rPr lang="en-US" sz="2800" dirty="0" smtClean="0"/>
+              <a:t>.</a:t>
+            </a:r>
+          </a:p>
+          <a:p>
+            <a:r>
+              <a:rPr lang="en-US" sz="2800" dirty="0" smtClean="0"/>
+              <a:t>El BRKGA </a:t>
+            </a:r>
+            <a:r>
+              <a:rPr lang="en-US" sz="2800" dirty="0" err="1" smtClean="0"/>
+              <a:t>puro</a:t>
+            </a:r>
+            <a:r>
+              <a:rPr lang="en-US" sz="2800" dirty="0" smtClean="0"/>
+              <a:t> no </a:t>
+            </a:r>
+            <a:r>
+              <a:rPr lang="en-US" sz="2800" dirty="0" err="1" smtClean="0"/>
+              <a:t>es</a:t>
+            </a:r>
+            <a:r>
+              <a:rPr lang="en-US" sz="2800" dirty="0" smtClean="0"/>
+              <a:t> </a:t>
+            </a:r>
+            <a:r>
+              <a:rPr lang="en-US" sz="2800" dirty="0" err="1" smtClean="0"/>
+              <a:t>bueno</a:t>
+            </a:r>
+            <a:r>
+              <a:rPr lang="en-US" sz="2800" dirty="0" smtClean="0"/>
+              <a:t> </a:t>
+            </a:r>
+            <a:r>
+              <a:rPr lang="en-US" sz="2800" dirty="0" err="1" smtClean="0"/>
+              <a:t>para</a:t>
+            </a:r>
+            <a:r>
+              <a:rPr lang="en-US" sz="2800" dirty="0" smtClean="0"/>
+              <a:t> </a:t>
+            </a:r>
+            <a:r>
+              <a:rPr lang="en-US" sz="2800" dirty="0" err="1" smtClean="0"/>
+              <a:t>instancias</a:t>
+            </a:r>
+            <a:r>
+              <a:rPr lang="en-US" sz="2800" dirty="0" smtClean="0"/>
+              <a:t> </a:t>
+            </a:r>
+            <a:r>
+              <a:rPr lang="en-US" sz="2800" dirty="0" err="1" smtClean="0"/>
+              <a:t>grandes</a:t>
+            </a:r>
+            <a:r>
+              <a:rPr lang="en-US" sz="2800" dirty="0" smtClean="0"/>
+              <a:t> del </a:t>
+            </a:r>
+            <a:r>
+              <a:rPr lang="en-US" sz="2800" dirty="0" err="1" smtClean="0"/>
+              <a:t>problema</a:t>
+            </a:r>
+            <a:r>
+              <a:rPr lang="en-US" sz="2800" dirty="0" smtClean="0"/>
+              <a:t>.</a:t>
+            </a:r>
+            <a:endParaRPr lang="es-ES" sz="2800" dirty="0" smtClean="0"/>
+          </a:p>
+        </p:txBody>
+      </p:sp>
+    </p:spTree>
+    <p:extLst>
+      <p:ext uri="{BB962C8B-B14F-4D97-AF65-F5344CB8AC3E}">
+        <p14:creationId xmlns:p14="http://schemas.microsoft.com/office/powerpoint/2010/main" val="962634165"/>
+      </p:ext>
+    </p:extLst>
+  </p:cSld>
+  <p:clrMapOvr>
+    <a:masterClrMapping/>
+  </p:clrMapOvr>
+</p:sld>
+</file>
+
+<file path=ppt/slides/slide24.xml><?xml version="1.0" encoding="utf-8"?>
+<p:sld xmlns:a="http://schemas.openxmlformats.org/drawingml/2006/main" xmlns:r="http://schemas.openxmlformats.org/officeDocument/2006/relationships" xmlns:p="http://schemas.openxmlformats.org/presentationml/2006/main">
+  <p:cSld>
+    <p:spTree>
+      <p:nvGrpSpPr>
+        <p:cNvPr id="1" name=""/>
+        <p:cNvGrpSpPr/>
+        <p:nvPr/>
+      </p:nvGrpSpPr>
+      <p:grpSpPr>
+        <a:xfrm>
+          <a:off x="0" y="0"/>
+          <a:ext cx="0" cy="0"/>
+          <a:chOff x="0" y="0"/>
+          <a:chExt cx="0" cy="0"/>
+        </a:xfrm>
+      </p:grpSpPr>
+      <p:sp>
+        <p:nvSpPr>
+          <p:cNvPr id="2" name="Title 1"/>
+          <p:cNvSpPr>
+            <a:spLocks noGrp="1"/>
+          </p:cNvSpPr>
+          <p:nvPr>
+            <p:ph type="title"/>
+          </p:nvPr>
+        </p:nvSpPr>
+        <p:spPr>
+          <a:xfrm>
+            <a:off x="457200" y="274638"/>
+            <a:ext cx="8229600" cy="418058"/>
+          </a:xfrm>
+        </p:spPr>
+        <p:txBody>
+          <a:bodyPr>
+            <a:normAutofit fontScale="90000"/>
+          </a:bodyPr>
+          <a:lstStyle/>
+          <a:p>
+            <a:pPr algn="r"/>
+            <a:r>
+              <a:rPr lang="en-US" sz="2400" dirty="0" err="1" smtClean="0"/>
+              <a:t>Conclusiones</a:t>
+            </a:r>
+            <a:endParaRPr lang="en-US" sz="2400" dirty="0" smtClean="0"/>
+          </a:p>
+        </p:txBody>
+      </p:sp>
+      <p:sp>
+        <p:nvSpPr>
+          <p:cNvPr id="3" name="Content Placeholder 2"/>
+          <p:cNvSpPr>
+            <a:spLocks noGrp="1"/>
+          </p:cNvSpPr>
+          <p:nvPr>
+            <p:ph idx="1"/>
+          </p:nvPr>
+        </p:nvSpPr>
+        <p:spPr>
+          <a:xfrm>
+            <a:off x="457200" y="908720"/>
+            <a:ext cx="8229600" cy="5217443"/>
+          </a:xfrm>
+        </p:spPr>
+        <p:txBody>
+          <a:bodyPr>
+            <a:normAutofit/>
+          </a:bodyPr>
+          <a:lstStyle/>
+          <a:p>
+            <a:r>
+              <a:rPr lang="en-US" sz="2800" dirty="0" err="1" smtClean="0"/>
+              <a:t>Aportes</a:t>
+            </a:r>
+            <a:r>
+              <a:rPr lang="en-US" sz="2800" dirty="0" smtClean="0"/>
+              <a:t> a </a:t>
+            </a:r>
+            <a:r>
+              <a:rPr lang="en-US" sz="2800" dirty="0" err="1" smtClean="0"/>
+              <a:t>futuros</a:t>
+            </a:r>
+            <a:r>
+              <a:rPr lang="en-US" sz="2800" dirty="0" smtClean="0"/>
+              <a:t> </a:t>
+            </a:r>
+            <a:r>
+              <a:rPr lang="en-US" sz="2800" dirty="0" err="1" smtClean="0"/>
+              <a:t>trabajos</a:t>
+            </a:r>
+            <a:r>
+              <a:rPr lang="en-US" sz="2800" dirty="0" smtClean="0"/>
+              <a:t> con </a:t>
+            </a:r>
+            <a:r>
+              <a:rPr lang="en-US" sz="2800" dirty="0" err="1" smtClean="0"/>
+              <a:t>brkga</a:t>
+            </a:r>
+            <a:r>
+              <a:rPr lang="en-US" sz="2800" dirty="0" smtClean="0"/>
+              <a:t>:</a:t>
+            </a:r>
+          </a:p>
+          <a:p>
+            <a:pPr lvl="1"/>
+            <a:r>
+              <a:rPr lang="en-US" sz="2400" dirty="0" smtClean="0"/>
+              <a:t>Se </a:t>
+            </a:r>
+            <a:r>
+              <a:rPr lang="en-US" sz="2400" dirty="0" err="1" smtClean="0"/>
+              <a:t>implementaron</a:t>
+            </a:r>
+            <a:r>
+              <a:rPr lang="en-US" sz="2400" dirty="0" smtClean="0"/>
+              <a:t> </a:t>
+            </a:r>
+            <a:r>
+              <a:rPr lang="en-US" sz="2400" dirty="0" err="1" smtClean="0"/>
+              <a:t>variantes</a:t>
+            </a:r>
+            <a:r>
+              <a:rPr lang="en-US" sz="2400" dirty="0" smtClean="0"/>
+              <a:t> de </a:t>
+            </a:r>
+            <a:r>
+              <a:rPr lang="en-US" sz="2400" dirty="0" err="1" smtClean="0"/>
+              <a:t>decodificadores</a:t>
+            </a:r>
+            <a:endParaRPr lang="en-US" sz="2400" dirty="0" smtClean="0"/>
+          </a:p>
+          <a:p>
+            <a:pPr lvl="1"/>
+            <a:r>
+              <a:rPr lang="en-US" sz="2400" dirty="0" smtClean="0"/>
+              <a:t>Se </a:t>
+            </a:r>
+            <a:r>
+              <a:rPr lang="en-US" sz="2400" dirty="0" err="1" smtClean="0"/>
+              <a:t>implementaron</a:t>
+            </a:r>
+            <a:r>
+              <a:rPr lang="en-US" sz="2400" dirty="0" smtClean="0"/>
+              <a:t> dos </a:t>
+            </a:r>
+            <a:r>
+              <a:rPr lang="en-US" sz="2400" dirty="0" err="1" smtClean="0"/>
+              <a:t>formas</a:t>
+            </a:r>
+            <a:r>
+              <a:rPr lang="en-US" sz="2400" dirty="0" smtClean="0"/>
+              <a:t> de </a:t>
+            </a:r>
+            <a:r>
+              <a:rPr lang="en-US" sz="2400" dirty="0" err="1" smtClean="0"/>
+              <a:t>calcular</a:t>
+            </a:r>
+            <a:r>
+              <a:rPr lang="en-US" sz="2400" dirty="0" smtClean="0"/>
+              <a:t> el hash </a:t>
+            </a:r>
+            <a:r>
+              <a:rPr lang="en-US" sz="2400" dirty="0" err="1" smtClean="0"/>
+              <a:t>para</a:t>
+            </a:r>
+            <a:r>
+              <a:rPr lang="en-US" sz="2400" dirty="0" smtClean="0"/>
+              <a:t> resolver el </a:t>
+            </a:r>
+            <a:r>
+              <a:rPr lang="en-US" sz="2400" dirty="0" err="1" smtClean="0"/>
+              <a:t>problema</a:t>
+            </a:r>
+            <a:r>
+              <a:rPr lang="en-US" sz="2400" dirty="0" smtClean="0"/>
+              <a:t> de </a:t>
+            </a:r>
+            <a:r>
+              <a:rPr lang="en-US" sz="2400" dirty="0" err="1" smtClean="0"/>
+              <a:t>individuos</a:t>
+            </a:r>
+            <a:r>
+              <a:rPr lang="en-US" sz="2400" dirty="0" smtClean="0"/>
+              <a:t> </a:t>
+            </a:r>
+            <a:r>
+              <a:rPr lang="en-US" sz="2400" dirty="0" err="1" smtClean="0"/>
+              <a:t>repetidos</a:t>
+            </a:r>
+            <a:endParaRPr lang="en-US" sz="2400" dirty="0" smtClean="0"/>
+          </a:p>
+          <a:p>
+            <a:pPr lvl="1"/>
+            <a:r>
+              <a:rPr lang="en-US" sz="2400" dirty="0" smtClean="0"/>
+              <a:t>Se </a:t>
+            </a:r>
+            <a:r>
+              <a:rPr lang="en-US" sz="2400" dirty="0" err="1" smtClean="0"/>
+              <a:t>implementaron</a:t>
+            </a:r>
+            <a:r>
+              <a:rPr lang="en-US" sz="2400" dirty="0" smtClean="0"/>
+              <a:t> </a:t>
+            </a:r>
+            <a:r>
+              <a:rPr lang="en-US" sz="2400" dirty="0" err="1" smtClean="0"/>
+              <a:t>diversas</a:t>
+            </a:r>
+            <a:r>
+              <a:rPr lang="en-US" sz="2400" dirty="0" smtClean="0"/>
+              <a:t> </a:t>
+            </a:r>
+            <a:r>
+              <a:rPr lang="en-US" sz="2400" dirty="0" err="1" smtClean="0"/>
+              <a:t>búsquedas</a:t>
+            </a:r>
+            <a:r>
+              <a:rPr lang="en-US" sz="2400" dirty="0" smtClean="0"/>
+              <a:t> locales y un </a:t>
+            </a:r>
+            <a:r>
+              <a:rPr lang="en-US" sz="2400" dirty="0" err="1" smtClean="0"/>
+              <a:t>codificador</a:t>
+            </a:r>
+            <a:r>
+              <a:rPr lang="en-US" sz="2400" dirty="0" smtClean="0"/>
+              <a:t> de </a:t>
+            </a:r>
+            <a:r>
+              <a:rPr lang="en-US" sz="2400" dirty="0" err="1" smtClean="0"/>
+              <a:t>soluciones</a:t>
+            </a:r>
+            <a:r>
+              <a:rPr lang="en-US" sz="2400" dirty="0" smtClean="0"/>
+              <a:t> </a:t>
+            </a:r>
+            <a:r>
+              <a:rPr lang="en-US" sz="2400" dirty="0" err="1" smtClean="0"/>
+              <a:t>para</a:t>
+            </a:r>
+            <a:r>
+              <a:rPr lang="en-US" sz="2400" dirty="0" smtClean="0"/>
+              <a:t> </a:t>
+            </a:r>
+            <a:r>
+              <a:rPr lang="en-US" sz="2400" dirty="0" err="1" smtClean="0"/>
+              <a:t>mantener</a:t>
+            </a:r>
+            <a:r>
+              <a:rPr lang="en-US" sz="2400" dirty="0"/>
+              <a:t> </a:t>
+            </a:r>
+            <a:r>
+              <a:rPr lang="en-US" sz="2400" dirty="0" smtClean="0"/>
+              <a:t>la </a:t>
+            </a:r>
+            <a:r>
+              <a:rPr lang="en-US" sz="2400" dirty="0" err="1" smtClean="0"/>
+              <a:t>consistencia</a:t>
+            </a:r>
+            <a:r>
+              <a:rPr lang="en-US" sz="2400" dirty="0" smtClean="0"/>
+              <a:t> entre los </a:t>
+            </a:r>
+            <a:r>
+              <a:rPr lang="en-US" sz="2400" dirty="0" err="1" smtClean="0"/>
+              <a:t>individuos</a:t>
+            </a:r>
+            <a:r>
+              <a:rPr lang="en-US" sz="2400" dirty="0" smtClean="0"/>
+              <a:t> y </a:t>
+            </a:r>
+            <a:r>
+              <a:rPr lang="en-US" sz="2400" dirty="0" err="1" smtClean="0"/>
+              <a:t>sus</a:t>
+            </a:r>
+            <a:r>
+              <a:rPr lang="en-US" sz="2400" dirty="0" smtClean="0"/>
+              <a:t> genes</a:t>
+            </a:r>
+          </a:p>
+          <a:p>
+            <a:pPr lvl="1"/>
+            <a:r>
+              <a:rPr lang="en-US" sz="2400" dirty="0" err="1" smtClean="0"/>
+              <a:t>Todos</a:t>
+            </a:r>
+            <a:r>
+              <a:rPr lang="en-US" sz="2400" dirty="0" smtClean="0"/>
+              <a:t> los </a:t>
+            </a:r>
+            <a:r>
+              <a:rPr lang="en-US" sz="2400" dirty="0" err="1" smtClean="0"/>
+              <a:t>algoritmos</a:t>
+            </a:r>
+            <a:r>
+              <a:rPr lang="en-US" sz="2400" dirty="0" smtClean="0"/>
+              <a:t> </a:t>
+            </a:r>
+            <a:r>
+              <a:rPr lang="en-US" sz="2400" dirty="0" err="1" smtClean="0"/>
+              <a:t>fueron</a:t>
+            </a:r>
+            <a:r>
+              <a:rPr lang="en-US" sz="2400" dirty="0" smtClean="0"/>
+              <a:t> </a:t>
+            </a:r>
+            <a:r>
+              <a:rPr lang="en-US" sz="2400" dirty="0" err="1" smtClean="0"/>
+              <a:t>implementados</a:t>
+            </a:r>
+            <a:r>
+              <a:rPr lang="en-US" sz="2400" dirty="0" smtClean="0"/>
+              <a:t> </a:t>
+            </a:r>
+            <a:r>
+              <a:rPr lang="en-US" sz="2400" dirty="0" err="1" smtClean="0"/>
+              <a:t>teniendo</a:t>
+            </a:r>
+            <a:r>
+              <a:rPr lang="en-US" sz="2400" dirty="0" smtClean="0"/>
+              <a:t> en </a:t>
+            </a:r>
+            <a:r>
+              <a:rPr lang="en-US" sz="2400" dirty="0" err="1" smtClean="0"/>
+              <a:t>cuenta</a:t>
+            </a:r>
+            <a:r>
+              <a:rPr lang="en-US" sz="2400" dirty="0" smtClean="0"/>
+              <a:t> los </a:t>
+            </a:r>
+            <a:r>
+              <a:rPr lang="en-US" sz="2400" dirty="0" err="1" smtClean="0"/>
+              <a:t>ordenes</a:t>
+            </a:r>
+            <a:r>
+              <a:rPr lang="en-US" sz="2400" dirty="0" smtClean="0"/>
+              <a:t> de </a:t>
+            </a:r>
+            <a:r>
+              <a:rPr lang="en-US" sz="2400" dirty="0" err="1" smtClean="0"/>
+              <a:t>complejidad</a:t>
+            </a:r>
+            <a:endParaRPr lang="en-US" sz="2400" dirty="0" smtClean="0"/>
+          </a:p>
+          <a:p>
+            <a:pPr lvl="1"/>
+            <a:r>
+              <a:rPr lang="en-US" sz="2400" dirty="0" smtClean="0"/>
+              <a:t>Se </a:t>
+            </a:r>
+            <a:r>
+              <a:rPr lang="en-US" sz="2400" dirty="0" err="1" smtClean="0"/>
+              <a:t>realizaron</a:t>
+            </a:r>
+            <a:r>
+              <a:rPr lang="en-US" sz="2400" dirty="0" smtClean="0"/>
+              <a:t> multiples </a:t>
+            </a:r>
+            <a:r>
+              <a:rPr lang="en-US" sz="2400" dirty="0" err="1" smtClean="0"/>
+              <a:t>pruebas</a:t>
+            </a:r>
+            <a:r>
+              <a:rPr lang="en-US" sz="2400" dirty="0" smtClean="0"/>
+              <a:t> de </a:t>
+            </a:r>
+            <a:r>
+              <a:rPr lang="en-US" sz="2400" dirty="0" err="1" smtClean="0"/>
+              <a:t>eficiencia</a:t>
+            </a:r>
+            <a:r>
+              <a:rPr lang="en-US" sz="2400" dirty="0" smtClean="0"/>
+              <a:t> </a:t>
+            </a:r>
+            <a:r>
+              <a:rPr lang="en-US" sz="2400" dirty="0" err="1" smtClean="0"/>
+              <a:t>variando</a:t>
+            </a:r>
+            <a:r>
+              <a:rPr lang="en-US" sz="2400" dirty="0" smtClean="0"/>
+              <a:t> </a:t>
+            </a:r>
+            <a:r>
+              <a:rPr lang="en-US" sz="2400" dirty="0" err="1" smtClean="0"/>
+              <a:t>las</a:t>
+            </a:r>
+            <a:r>
+              <a:rPr lang="en-US" sz="2400" dirty="0" smtClean="0"/>
+              <a:t> </a:t>
+            </a:r>
+            <a:r>
+              <a:rPr lang="en-US" sz="2400" dirty="0" err="1" smtClean="0"/>
+              <a:t>configuraciones</a:t>
+            </a:r>
+            <a:r>
+              <a:rPr lang="en-US" sz="2400" dirty="0" smtClean="0"/>
+              <a:t> </a:t>
+            </a:r>
+            <a:r>
+              <a:rPr lang="en-US" sz="2400" dirty="0" err="1" smtClean="0"/>
+              <a:t>generales</a:t>
+            </a:r>
+            <a:endParaRPr lang="es-ES" sz="2400" dirty="0" smtClean="0"/>
+          </a:p>
+        </p:txBody>
+      </p:sp>
+    </p:spTree>
+    <p:extLst>
+      <p:ext uri="{BB962C8B-B14F-4D97-AF65-F5344CB8AC3E}">
+        <p14:creationId xmlns:p14="http://schemas.microsoft.com/office/powerpoint/2010/main" val="2430268116"/>
+      </p:ext>
+    </p:extLst>
+  </p:cSld>
+  <p:clrMapOvr>
+    <a:masterClrMapping/>
+  </p:clrMapOvr>
+</p:sld>
+</file>
+
+<file path=ppt/slides/slide25.xml><?xml version="1.0" encoding="utf-8"?>
+<p:sld xmlns:a="http://schemas.openxmlformats.org/drawingml/2006/main" xmlns:r="http://schemas.openxmlformats.org/officeDocument/2006/relationships" xmlns:p="http://schemas.openxmlformats.org/presentationml/2006/main">
+  <p:cSld>
+    <p:spTree>
+      <p:nvGrpSpPr>
+        <p:cNvPr id="1" name=""/>
+        <p:cNvGrpSpPr/>
+        <p:nvPr/>
+      </p:nvGrpSpPr>
+      <p:grpSpPr>
+        <a:xfrm>
+          <a:off x="0" y="0"/>
+          <a:ext cx="0" cy="0"/>
+          <a:chOff x="0" y="0"/>
+          <a:chExt cx="0" cy="0"/>
+        </a:xfrm>
+      </p:grpSpPr>
+      <p:sp>
+        <p:nvSpPr>
+          <p:cNvPr id="2" name="Title 1"/>
+          <p:cNvSpPr>
+            <a:spLocks noGrp="1"/>
+          </p:cNvSpPr>
+          <p:nvPr>
+            <p:ph type="title"/>
+          </p:nvPr>
+        </p:nvSpPr>
+        <p:spPr>
+          <a:xfrm>
+            <a:off x="457200" y="274638"/>
+            <a:ext cx="8229600" cy="418058"/>
+          </a:xfrm>
+        </p:spPr>
+        <p:txBody>
+          <a:bodyPr>
+            <a:normAutofit fontScale="90000"/>
+          </a:bodyPr>
+          <a:lstStyle/>
+          <a:p>
+            <a:pPr algn="r"/>
+            <a:r>
+              <a:rPr lang="en-US" sz="2400" dirty="0" err="1" smtClean="0"/>
+              <a:t>Trabajos</a:t>
+            </a:r>
+            <a:r>
+              <a:rPr lang="en-US" sz="2400" dirty="0" smtClean="0"/>
+              <a:t> </a:t>
+            </a:r>
+            <a:r>
+              <a:rPr lang="en-US" sz="2400" dirty="0" err="1" smtClean="0"/>
+              <a:t>futuros</a:t>
+            </a:r>
+            <a:endParaRPr lang="en-US" sz="2400" dirty="0" smtClean="0"/>
+          </a:p>
+        </p:txBody>
+      </p:sp>
+      <p:sp>
+        <p:nvSpPr>
+          <p:cNvPr id="3" name="Content Placeholder 2"/>
+          <p:cNvSpPr>
+            <a:spLocks noGrp="1"/>
+          </p:cNvSpPr>
+          <p:nvPr>
+            <p:ph idx="1"/>
+          </p:nvPr>
+        </p:nvSpPr>
+        <p:spPr>
+          <a:xfrm>
+            <a:off x="457200" y="908720"/>
+            <a:ext cx="8229600" cy="5217443"/>
+          </a:xfrm>
+        </p:spPr>
+        <p:txBody>
+          <a:bodyPr>
+            <a:normAutofit/>
+          </a:bodyPr>
+          <a:lstStyle/>
+          <a:p>
+            <a:r>
+              <a:rPr lang="es-ES" sz="2800" dirty="0" smtClean="0"/>
+              <a:t>Seria útil una herramienta para visualizar los caminos generados.</a:t>
             </a:r>
           </a:p>
           <a:p>
@@ -6497,8 +7674,45 @@
             </a:pPr>
             <a:r>
               <a:rPr lang="es-ES" sz="2000" dirty="0" smtClean="0"/>
-              <a:t>Que cada alelo represente un vehículo con su ruta en vez de un cliente</a:t>
-            </a:r>
+              <a:t>Que cada alelo represente un vehículo con su ruta en vez de un </a:t>
+            </a:r>
+            <a:r>
+              <a:rPr lang="es-ES" sz="2000" dirty="0" smtClean="0"/>
+              <a:t>cliente</a:t>
+            </a:r>
+          </a:p>
+          <a:p>
+            <a:r>
+              <a:rPr lang="es-ES" sz="2800" dirty="0" smtClean="0"/>
+              <a:t>Analizar si existe alguna variante del </a:t>
+            </a:r>
+            <a:r>
+              <a:rPr lang="es-ES" sz="2800" dirty="0" err="1" smtClean="0"/>
+              <a:t>brkga</a:t>
+            </a:r>
+            <a:r>
+              <a:rPr lang="es-ES" sz="2800" dirty="0" smtClean="0"/>
+              <a:t> que genere buenos resultados sin depender de las búsquedas locales.</a:t>
+            </a:r>
+          </a:p>
+          <a:p>
+            <a:pPr lvl="1">
+              <a:buFont typeface="Wingdings" pitchFamily="2" charset="2"/>
+              <a:buChar char="§"/>
+            </a:pPr>
+            <a:r>
+              <a:rPr lang="es-ES" sz="2000" dirty="0" smtClean="0"/>
+              <a:t>Si no existe se podría decir que el </a:t>
+            </a:r>
+            <a:r>
+              <a:rPr lang="es-ES" sz="2000" dirty="0" err="1" smtClean="0"/>
+              <a:t>brkga</a:t>
+            </a:r>
+            <a:r>
+              <a:rPr lang="es-ES" sz="2000" dirty="0" smtClean="0"/>
+              <a:t> no es bueno para TOP</a:t>
+            </a:r>
+            <a:endParaRPr lang="es-ES" sz="2000" dirty="0" smtClean="0"/>
           </a:p>
           <a:p>
             <a:pPr lvl="1"/>
@@ -6519,7 +7733,7 @@
 </p:sld>
 </file>
 
-<file path=ppt/slides/slide21.xml><?xml version="1.0" encoding="utf-8"?>
+<file path=ppt/slides/slide26.xml><?xml version="1.0" encoding="utf-8"?>
 <p:sld xmlns:a="http://schemas.openxmlformats.org/drawingml/2006/main" xmlns:r="http://schemas.openxmlformats.org/officeDocument/2006/relationships" xmlns:p="http://schemas.openxmlformats.org/presentationml/2006/main">
   <p:cSld>
     <p:spTree>

--- a/TesisPaper/Defensa/Biased Random Key Genetic Algorithm.pptx
+++ b/TesisPaper/Defensa/Biased Random Key Genetic Algorithm.pptx
@@ -6670,7 +6670,7 @@
           <a:graphicData uri="http://schemas.openxmlformats.org/presentationml/2006/ole">
             <mc:AlternateContent xmlns:mc="http://schemas.openxmlformats.org/markup-compatibility/2006">
               <mc:Choice xmlns:v="urn:schemas-microsoft-com:vml" Requires="v">
-                <p:oleObj spid="_x0000_s2076" name="Equation" r:id="rId3" imgW="1409400" imgH="342720" progId="Equation.3">
+                <p:oleObj spid="_x0000_s2079" name="Equation" r:id="rId3" imgW="1409400" imgH="342720" progId="Equation.3">
                   <p:embed/>
                 </p:oleObj>
               </mc:Choice>
@@ -6727,7 +6727,7 @@
           <a:graphicData uri="http://schemas.openxmlformats.org/presentationml/2006/ole">
             <mc:AlternateContent xmlns:mc="http://schemas.openxmlformats.org/markup-compatibility/2006">
               <mc:Choice xmlns:v="urn:schemas-microsoft-com:vml" Requires="v">
-                <p:oleObj spid="_x0000_s2077" name="Equation" r:id="rId5" imgW="1434960" imgH="342720" progId="Equation.3">
+                <p:oleObj spid="_x0000_s2080" name="Equation" r:id="rId5" imgW="1434960" imgH="342720" progId="Equation.3">
                   <p:embed/>
                 </p:oleObj>
               </mc:Choice>
@@ -6810,7 +6810,7 @@
           <a:graphicData uri="http://schemas.openxmlformats.org/presentationml/2006/ole">
             <mc:AlternateContent xmlns:mc="http://schemas.openxmlformats.org/markup-compatibility/2006">
               <mc:Choice xmlns:v="urn:schemas-microsoft-com:vml" Requires="v">
-                <p:oleObj spid="_x0000_s2078" name="Equation" r:id="rId7" imgW="1180800" imgH="241200" progId="Equation.3">
+                <p:oleObj spid="_x0000_s2081" name="Equation" r:id="rId7" imgW="1180800" imgH="241200" progId="Equation.3">
                   <p:embed/>
                 </p:oleObj>
               </mc:Choice>

--- a/TesisPaper/Defensa/Biased Random Key Genetic Algorithm.pptx
+++ b/TesisPaper/Defensa/Biased Random Key Genetic Algorithm.pptx
@@ -38,92 +38,122 @@
     <a:defPPr>
       <a:defRPr lang="es-AR"/>
     </a:defPPr>
-    <a:lvl1pPr marL="0" algn="l" defTabSz="914400" rtl="0" eaLnBrk="1" latinLnBrk="0" hangingPunct="1">
-      <a:defRPr sz="1800" kern="1200">
+    <a:lvl1pPr algn="l" rtl="0" fontAlgn="base">
+      <a:spcBef>
+        <a:spcPct val="0"/>
+      </a:spcBef>
+      <a:spcAft>
+        <a:spcPct val="0"/>
+      </a:spcAft>
+      <a:defRPr kern="1200">
         <a:solidFill>
           <a:schemeClr val="tx1"/>
         </a:solidFill>
-        <a:latin typeface="+mn-lt"/>
+        <a:latin typeface="Arial" charset="0"/>
         <a:ea typeface="+mn-ea"/>
         <a:cs typeface="+mn-cs"/>
       </a:defRPr>
     </a:lvl1pPr>
-    <a:lvl2pPr marL="457200" algn="l" defTabSz="914400" rtl="0" eaLnBrk="1" latinLnBrk="0" hangingPunct="1">
-      <a:defRPr sz="1800" kern="1200">
+    <a:lvl2pPr marL="457200" algn="l" rtl="0" fontAlgn="base">
+      <a:spcBef>
+        <a:spcPct val="0"/>
+      </a:spcBef>
+      <a:spcAft>
+        <a:spcPct val="0"/>
+      </a:spcAft>
+      <a:defRPr kern="1200">
         <a:solidFill>
           <a:schemeClr val="tx1"/>
         </a:solidFill>
-        <a:latin typeface="+mn-lt"/>
+        <a:latin typeface="Arial" charset="0"/>
         <a:ea typeface="+mn-ea"/>
         <a:cs typeface="+mn-cs"/>
       </a:defRPr>
     </a:lvl2pPr>
-    <a:lvl3pPr marL="914400" algn="l" defTabSz="914400" rtl="0" eaLnBrk="1" latinLnBrk="0" hangingPunct="1">
-      <a:defRPr sz="1800" kern="1200">
+    <a:lvl3pPr marL="914400" algn="l" rtl="0" fontAlgn="base">
+      <a:spcBef>
+        <a:spcPct val="0"/>
+      </a:spcBef>
+      <a:spcAft>
+        <a:spcPct val="0"/>
+      </a:spcAft>
+      <a:defRPr kern="1200">
         <a:solidFill>
           <a:schemeClr val="tx1"/>
         </a:solidFill>
-        <a:latin typeface="+mn-lt"/>
+        <a:latin typeface="Arial" charset="0"/>
         <a:ea typeface="+mn-ea"/>
         <a:cs typeface="+mn-cs"/>
       </a:defRPr>
     </a:lvl3pPr>
-    <a:lvl4pPr marL="1371600" algn="l" defTabSz="914400" rtl="0" eaLnBrk="1" latinLnBrk="0" hangingPunct="1">
-      <a:defRPr sz="1800" kern="1200">
+    <a:lvl4pPr marL="1371600" algn="l" rtl="0" fontAlgn="base">
+      <a:spcBef>
+        <a:spcPct val="0"/>
+      </a:spcBef>
+      <a:spcAft>
+        <a:spcPct val="0"/>
+      </a:spcAft>
+      <a:defRPr kern="1200">
         <a:solidFill>
           <a:schemeClr val="tx1"/>
         </a:solidFill>
-        <a:latin typeface="+mn-lt"/>
+        <a:latin typeface="Arial" charset="0"/>
         <a:ea typeface="+mn-ea"/>
         <a:cs typeface="+mn-cs"/>
       </a:defRPr>
     </a:lvl4pPr>
-    <a:lvl5pPr marL="1828800" algn="l" defTabSz="914400" rtl="0" eaLnBrk="1" latinLnBrk="0" hangingPunct="1">
-      <a:defRPr sz="1800" kern="1200">
+    <a:lvl5pPr marL="1828800" algn="l" rtl="0" fontAlgn="base">
+      <a:spcBef>
+        <a:spcPct val="0"/>
+      </a:spcBef>
+      <a:spcAft>
+        <a:spcPct val="0"/>
+      </a:spcAft>
+      <a:defRPr kern="1200">
         <a:solidFill>
           <a:schemeClr val="tx1"/>
         </a:solidFill>
-        <a:latin typeface="+mn-lt"/>
+        <a:latin typeface="Arial" charset="0"/>
         <a:ea typeface="+mn-ea"/>
         <a:cs typeface="+mn-cs"/>
       </a:defRPr>
     </a:lvl5pPr>
     <a:lvl6pPr marL="2286000" algn="l" defTabSz="914400" rtl="0" eaLnBrk="1" latinLnBrk="0" hangingPunct="1">
-      <a:defRPr sz="1800" kern="1200">
+      <a:defRPr kern="1200">
         <a:solidFill>
           <a:schemeClr val="tx1"/>
         </a:solidFill>
-        <a:latin typeface="+mn-lt"/>
+        <a:latin typeface="Arial" charset="0"/>
         <a:ea typeface="+mn-ea"/>
         <a:cs typeface="+mn-cs"/>
       </a:defRPr>
     </a:lvl6pPr>
     <a:lvl7pPr marL="2743200" algn="l" defTabSz="914400" rtl="0" eaLnBrk="1" latinLnBrk="0" hangingPunct="1">
-      <a:defRPr sz="1800" kern="1200">
+      <a:defRPr kern="1200">
         <a:solidFill>
           <a:schemeClr val="tx1"/>
         </a:solidFill>
-        <a:latin typeface="+mn-lt"/>
+        <a:latin typeface="Arial" charset="0"/>
         <a:ea typeface="+mn-ea"/>
         <a:cs typeface="+mn-cs"/>
       </a:defRPr>
     </a:lvl7pPr>
     <a:lvl8pPr marL="3200400" algn="l" defTabSz="914400" rtl="0" eaLnBrk="1" latinLnBrk="0" hangingPunct="1">
-      <a:defRPr sz="1800" kern="1200">
+      <a:defRPr kern="1200">
         <a:solidFill>
           <a:schemeClr val="tx1"/>
         </a:solidFill>
-        <a:latin typeface="+mn-lt"/>
+        <a:latin typeface="Arial" charset="0"/>
         <a:ea typeface="+mn-ea"/>
         <a:cs typeface="+mn-cs"/>
       </a:defRPr>
     </a:lvl8pPr>
     <a:lvl9pPr marL="3657600" algn="l" defTabSz="914400" rtl="0" eaLnBrk="1" latinLnBrk="0" hangingPunct="1">
-      <a:defRPr sz="1800" kern="1200">
+      <a:defRPr kern="1200">
         <a:solidFill>
           <a:schemeClr val="tx1"/>
         </a:solidFill>
-        <a:latin typeface="+mn-lt"/>
+        <a:latin typeface="Arial" charset="0"/>
         <a:ea typeface="+mn-ea"/>
         <a:cs typeface="+mn-cs"/>
       </a:defRPr>
@@ -309,11 +339,21 @@
         <p:spPr/>
         <p:txBody>
           <a:bodyPr/>
-          <a:lstStyle/>
-          <a:p>
-            <a:fld id="{187174D4-BBC9-49E1-BF8F-684BE480328B}" type="datetimeFigureOut">
-              <a:rPr lang="es-AR" smtClean="0"/>
-              <a:t>24/5/2018</a:t>
+          <a:lstStyle>
+            <a:lvl1pPr>
+              <a:defRPr/>
+            </a:lvl1pPr>
+          </a:lstStyle>
+          <a:p>
+            <a:pPr>
+              <a:defRPr/>
+            </a:pPr>
+            <a:fld id="{10D2B2AE-A485-432A-83D8-F1AB842D2F67}" type="datetimeFigureOut">
+              <a:rPr lang="es-AR"/>
+              <a:pPr>
+                <a:defRPr/>
+              </a:pPr>
+              <a:t>24/05/2018</a:t>
             </a:fld>
             <a:endParaRPr lang="es-AR"/>
           </a:p>
@@ -332,8 +372,15 @@
         <p:spPr/>
         <p:txBody>
           <a:bodyPr/>
-          <a:lstStyle/>
-          <a:p>
+          <a:lstStyle>
+            <a:lvl1pPr>
+              <a:defRPr/>
+            </a:lvl1pPr>
+          </a:lstStyle>
+          <a:p>
+            <a:pPr>
+              <a:defRPr/>
+            </a:pPr>
             <a:endParaRPr lang="es-AR"/>
           </a:p>
         </p:txBody>
@@ -351,10 +398,20 @@
         <p:spPr/>
         <p:txBody>
           <a:bodyPr/>
-          <a:lstStyle/>
-          <a:p>
-            <a:fld id="{CDF21769-0051-4157-960D-4CF09581BF3A}" type="slidenum">
-              <a:rPr lang="es-AR" smtClean="0"/>
+          <a:lstStyle>
+            <a:lvl1pPr>
+              <a:defRPr/>
+            </a:lvl1pPr>
+          </a:lstStyle>
+          <a:p>
+            <a:pPr>
+              <a:defRPr/>
+            </a:pPr>
+            <a:fld id="{EF0DD2F2-0334-49CA-812C-B446964AEC47}" type="slidenum">
+              <a:rPr lang="es-AR"/>
+              <a:pPr>
+                <a:defRPr/>
+              </a:pPr>
               <a:t>‹#›</a:t>
             </a:fld>
             <a:endParaRPr lang="es-AR"/>
@@ -362,11 +419,6 @@
         </p:txBody>
       </p:sp>
     </p:spTree>
-    <p:extLst>
-      <p:ext uri="{BB962C8B-B14F-4D97-AF65-F5344CB8AC3E}">
-        <p14:creationId xmlns:p14="http://schemas.microsoft.com/office/powerpoint/2010/main" val="2172154627"/>
-      </p:ext>
-    </p:extLst>
   </p:cSld>
   <p:clrMapOvr>
     <a:masterClrMapping/>
@@ -479,11 +531,21 @@
         <p:spPr/>
         <p:txBody>
           <a:bodyPr/>
-          <a:lstStyle/>
-          <a:p>
-            <a:fld id="{187174D4-BBC9-49E1-BF8F-684BE480328B}" type="datetimeFigureOut">
-              <a:rPr lang="es-AR" smtClean="0"/>
-              <a:t>24/5/2018</a:t>
+          <a:lstStyle>
+            <a:lvl1pPr>
+              <a:defRPr/>
+            </a:lvl1pPr>
+          </a:lstStyle>
+          <a:p>
+            <a:pPr>
+              <a:defRPr/>
+            </a:pPr>
+            <a:fld id="{7A78698F-3B3D-4392-BC33-4BC449D3D683}" type="datetimeFigureOut">
+              <a:rPr lang="es-AR"/>
+              <a:pPr>
+                <a:defRPr/>
+              </a:pPr>
+              <a:t>24/05/2018</a:t>
             </a:fld>
             <a:endParaRPr lang="es-AR"/>
           </a:p>
@@ -502,8 +564,15 @@
         <p:spPr/>
         <p:txBody>
           <a:bodyPr/>
-          <a:lstStyle/>
-          <a:p>
+          <a:lstStyle>
+            <a:lvl1pPr>
+              <a:defRPr/>
+            </a:lvl1pPr>
+          </a:lstStyle>
+          <a:p>
+            <a:pPr>
+              <a:defRPr/>
+            </a:pPr>
             <a:endParaRPr lang="es-AR"/>
           </a:p>
         </p:txBody>
@@ -521,10 +590,20 @@
         <p:spPr/>
         <p:txBody>
           <a:bodyPr/>
-          <a:lstStyle/>
-          <a:p>
-            <a:fld id="{CDF21769-0051-4157-960D-4CF09581BF3A}" type="slidenum">
-              <a:rPr lang="es-AR" smtClean="0"/>
+          <a:lstStyle>
+            <a:lvl1pPr>
+              <a:defRPr/>
+            </a:lvl1pPr>
+          </a:lstStyle>
+          <a:p>
+            <a:pPr>
+              <a:defRPr/>
+            </a:pPr>
+            <a:fld id="{BA5FE033-F51E-4C18-89BC-80A9C15E1C6D}" type="slidenum">
+              <a:rPr lang="es-AR"/>
+              <a:pPr>
+                <a:defRPr/>
+              </a:pPr>
               <a:t>‹#›</a:t>
             </a:fld>
             <a:endParaRPr lang="es-AR"/>
@@ -532,11 +611,6 @@
         </p:txBody>
       </p:sp>
     </p:spTree>
-    <p:extLst>
-      <p:ext uri="{BB962C8B-B14F-4D97-AF65-F5344CB8AC3E}">
-        <p14:creationId xmlns:p14="http://schemas.microsoft.com/office/powerpoint/2010/main" val="534753138"/>
-      </p:ext>
-    </p:extLst>
   </p:cSld>
   <p:clrMapOvr>
     <a:masterClrMapping/>
@@ -659,11 +733,21 @@
         <p:spPr/>
         <p:txBody>
           <a:bodyPr/>
-          <a:lstStyle/>
-          <a:p>
-            <a:fld id="{187174D4-BBC9-49E1-BF8F-684BE480328B}" type="datetimeFigureOut">
-              <a:rPr lang="es-AR" smtClean="0"/>
-              <a:t>24/5/2018</a:t>
+          <a:lstStyle>
+            <a:lvl1pPr>
+              <a:defRPr/>
+            </a:lvl1pPr>
+          </a:lstStyle>
+          <a:p>
+            <a:pPr>
+              <a:defRPr/>
+            </a:pPr>
+            <a:fld id="{37722C9A-ED2D-4E60-AE4C-01E3151452F2}" type="datetimeFigureOut">
+              <a:rPr lang="es-AR"/>
+              <a:pPr>
+                <a:defRPr/>
+              </a:pPr>
+              <a:t>24/05/2018</a:t>
             </a:fld>
             <a:endParaRPr lang="es-AR"/>
           </a:p>
@@ -682,8 +766,15 @@
         <p:spPr/>
         <p:txBody>
           <a:bodyPr/>
-          <a:lstStyle/>
-          <a:p>
+          <a:lstStyle>
+            <a:lvl1pPr>
+              <a:defRPr/>
+            </a:lvl1pPr>
+          </a:lstStyle>
+          <a:p>
+            <a:pPr>
+              <a:defRPr/>
+            </a:pPr>
             <a:endParaRPr lang="es-AR"/>
           </a:p>
         </p:txBody>
@@ -701,10 +792,20 @@
         <p:spPr/>
         <p:txBody>
           <a:bodyPr/>
-          <a:lstStyle/>
-          <a:p>
-            <a:fld id="{CDF21769-0051-4157-960D-4CF09581BF3A}" type="slidenum">
-              <a:rPr lang="es-AR" smtClean="0"/>
+          <a:lstStyle>
+            <a:lvl1pPr>
+              <a:defRPr/>
+            </a:lvl1pPr>
+          </a:lstStyle>
+          <a:p>
+            <a:pPr>
+              <a:defRPr/>
+            </a:pPr>
+            <a:fld id="{D53D341E-B77D-4703-A069-530201E4D8A6}" type="slidenum">
+              <a:rPr lang="es-AR"/>
+              <a:pPr>
+                <a:defRPr/>
+              </a:pPr>
               <a:t>‹#›</a:t>
             </a:fld>
             <a:endParaRPr lang="es-AR"/>
@@ -712,11 +813,6 @@
         </p:txBody>
       </p:sp>
     </p:spTree>
-    <p:extLst>
-      <p:ext uri="{BB962C8B-B14F-4D97-AF65-F5344CB8AC3E}">
-        <p14:creationId xmlns:p14="http://schemas.microsoft.com/office/powerpoint/2010/main" val="1070999256"/>
-      </p:ext>
-    </p:extLst>
   </p:cSld>
   <p:clrMapOvr>
     <a:masterClrMapping/>
@@ -829,11 +925,21 @@
         <p:spPr/>
         <p:txBody>
           <a:bodyPr/>
-          <a:lstStyle/>
-          <a:p>
-            <a:fld id="{187174D4-BBC9-49E1-BF8F-684BE480328B}" type="datetimeFigureOut">
-              <a:rPr lang="es-AR" smtClean="0"/>
-              <a:t>24/5/2018</a:t>
+          <a:lstStyle>
+            <a:lvl1pPr>
+              <a:defRPr/>
+            </a:lvl1pPr>
+          </a:lstStyle>
+          <a:p>
+            <a:pPr>
+              <a:defRPr/>
+            </a:pPr>
+            <a:fld id="{4617D865-7901-4710-A5DF-A482D493458A}" type="datetimeFigureOut">
+              <a:rPr lang="es-AR"/>
+              <a:pPr>
+                <a:defRPr/>
+              </a:pPr>
+              <a:t>24/05/2018</a:t>
             </a:fld>
             <a:endParaRPr lang="es-AR"/>
           </a:p>
@@ -852,8 +958,15 @@
         <p:spPr/>
         <p:txBody>
           <a:bodyPr/>
-          <a:lstStyle/>
-          <a:p>
+          <a:lstStyle>
+            <a:lvl1pPr>
+              <a:defRPr/>
+            </a:lvl1pPr>
+          </a:lstStyle>
+          <a:p>
+            <a:pPr>
+              <a:defRPr/>
+            </a:pPr>
             <a:endParaRPr lang="es-AR"/>
           </a:p>
         </p:txBody>
@@ -871,10 +984,20 @@
         <p:spPr/>
         <p:txBody>
           <a:bodyPr/>
-          <a:lstStyle/>
-          <a:p>
-            <a:fld id="{CDF21769-0051-4157-960D-4CF09581BF3A}" type="slidenum">
-              <a:rPr lang="es-AR" smtClean="0"/>
+          <a:lstStyle>
+            <a:lvl1pPr>
+              <a:defRPr/>
+            </a:lvl1pPr>
+          </a:lstStyle>
+          <a:p>
+            <a:pPr>
+              <a:defRPr/>
+            </a:pPr>
+            <a:fld id="{C2C6C2CA-22DD-41B9-A096-AD0A5385C2C8}" type="slidenum">
+              <a:rPr lang="es-AR"/>
+              <a:pPr>
+                <a:defRPr/>
+              </a:pPr>
               <a:t>‹#›</a:t>
             </a:fld>
             <a:endParaRPr lang="es-AR"/>
@@ -882,11 +1005,6 @@
         </p:txBody>
       </p:sp>
     </p:spTree>
-    <p:extLst>
-      <p:ext uri="{BB962C8B-B14F-4D97-AF65-F5344CB8AC3E}">
-        <p14:creationId xmlns:p14="http://schemas.microsoft.com/office/powerpoint/2010/main" val="3474237659"/>
-      </p:ext>
-    </p:extLst>
   </p:cSld>
   <p:clrMapOvr>
     <a:masterClrMapping/>
@@ -1075,11 +1193,21 @@
         <p:spPr/>
         <p:txBody>
           <a:bodyPr/>
-          <a:lstStyle/>
-          <a:p>
-            <a:fld id="{187174D4-BBC9-49E1-BF8F-684BE480328B}" type="datetimeFigureOut">
-              <a:rPr lang="es-AR" smtClean="0"/>
-              <a:t>24/5/2018</a:t>
+          <a:lstStyle>
+            <a:lvl1pPr>
+              <a:defRPr/>
+            </a:lvl1pPr>
+          </a:lstStyle>
+          <a:p>
+            <a:pPr>
+              <a:defRPr/>
+            </a:pPr>
+            <a:fld id="{0291DBD3-DCF7-475C-A27F-8D6A479FE035}" type="datetimeFigureOut">
+              <a:rPr lang="es-AR"/>
+              <a:pPr>
+                <a:defRPr/>
+              </a:pPr>
+              <a:t>24/05/2018</a:t>
             </a:fld>
             <a:endParaRPr lang="es-AR"/>
           </a:p>
@@ -1098,8 +1226,15 @@
         <p:spPr/>
         <p:txBody>
           <a:bodyPr/>
-          <a:lstStyle/>
-          <a:p>
+          <a:lstStyle>
+            <a:lvl1pPr>
+              <a:defRPr/>
+            </a:lvl1pPr>
+          </a:lstStyle>
+          <a:p>
+            <a:pPr>
+              <a:defRPr/>
+            </a:pPr>
             <a:endParaRPr lang="es-AR"/>
           </a:p>
         </p:txBody>
@@ -1117,10 +1252,20 @@
         <p:spPr/>
         <p:txBody>
           <a:bodyPr/>
-          <a:lstStyle/>
-          <a:p>
-            <a:fld id="{CDF21769-0051-4157-960D-4CF09581BF3A}" type="slidenum">
-              <a:rPr lang="es-AR" smtClean="0"/>
+          <a:lstStyle>
+            <a:lvl1pPr>
+              <a:defRPr/>
+            </a:lvl1pPr>
+          </a:lstStyle>
+          <a:p>
+            <a:pPr>
+              <a:defRPr/>
+            </a:pPr>
+            <a:fld id="{49ADE240-8BDA-467E-9635-7F5D9F6067ED}" type="slidenum">
+              <a:rPr lang="es-AR"/>
+              <a:pPr>
+                <a:defRPr/>
+              </a:pPr>
               <a:t>‹#›</a:t>
             </a:fld>
             <a:endParaRPr lang="es-AR"/>
@@ -1128,11 +1273,6 @@
         </p:txBody>
       </p:sp>
     </p:spTree>
-    <p:extLst>
-      <p:ext uri="{BB962C8B-B14F-4D97-AF65-F5344CB8AC3E}">
-        <p14:creationId xmlns:p14="http://schemas.microsoft.com/office/powerpoint/2010/main" val="936112758"/>
-      </p:ext>
-    </p:extLst>
   </p:cSld>
   <p:clrMapOvr>
     <a:masterClrMapping/>
@@ -1352,7 +1492,7 @@
       </p:sp>
       <p:sp>
         <p:nvSpPr>
-          <p:cNvPr id="5" name="Date Placeholder 4"/>
+          <p:cNvPr id="5" name="Date Placeholder 3"/>
           <p:cNvSpPr>
             <a:spLocks noGrp="1"/>
           </p:cNvSpPr>
@@ -1363,11 +1503,21 @@
         <p:spPr/>
         <p:txBody>
           <a:bodyPr/>
-          <a:lstStyle/>
-          <a:p>
-            <a:fld id="{187174D4-BBC9-49E1-BF8F-684BE480328B}" type="datetimeFigureOut">
-              <a:rPr lang="es-AR" smtClean="0"/>
-              <a:t>24/5/2018</a:t>
+          <a:lstStyle>
+            <a:lvl1pPr>
+              <a:defRPr/>
+            </a:lvl1pPr>
+          </a:lstStyle>
+          <a:p>
+            <a:pPr>
+              <a:defRPr/>
+            </a:pPr>
+            <a:fld id="{ABF85F38-967B-49C3-97AE-FC54764715E4}" type="datetimeFigureOut">
+              <a:rPr lang="es-AR"/>
+              <a:pPr>
+                <a:defRPr/>
+              </a:pPr>
+              <a:t>24/05/2018</a:t>
             </a:fld>
             <a:endParaRPr lang="es-AR"/>
           </a:p>
@@ -1375,7 +1525,7 @@
       </p:sp>
       <p:sp>
         <p:nvSpPr>
-          <p:cNvPr id="6" name="Footer Placeholder 5"/>
+          <p:cNvPr id="6" name="Footer Placeholder 4"/>
           <p:cNvSpPr>
             <a:spLocks noGrp="1"/>
           </p:cNvSpPr>
@@ -1386,15 +1536,22 @@
         <p:spPr/>
         <p:txBody>
           <a:bodyPr/>
-          <a:lstStyle/>
-          <a:p>
+          <a:lstStyle>
+            <a:lvl1pPr>
+              <a:defRPr/>
+            </a:lvl1pPr>
+          </a:lstStyle>
+          <a:p>
+            <a:pPr>
+              <a:defRPr/>
+            </a:pPr>
             <a:endParaRPr lang="es-AR"/>
           </a:p>
         </p:txBody>
       </p:sp>
       <p:sp>
         <p:nvSpPr>
-          <p:cNvPr id="7" name="Slide Number Placeholder 6"/>
+          <p:cNvPr id="7" name="Slide Number Placeholder 5"/>
           <p:cNvSpPr>
             <a:spLocks noGrp="1"/>
           </p:cNvSpPr>
@@ -1405,10 +1562,20 @@
         <p:spPr/>
         <p:txBody>
           <a:bodyPr/>
-          <a:lstStyle/>
-          <a:p>
-            <a:fld id="{CDF21769-0051-4157-960D-4CF09581BF3A}" type="slidenum">
-              <a:rPr lang="es-AR" smtClean="0"/>
+          <a:lstStyle>
+            <a:lvl1pPr>
+              <a:defRPr/>
+            </a:lvl1pPr>
+          </a:lstStyle>
+          <a:p>
+            <a:pPr>
+              <a:defRPr/>
+            </a:pPr>
+            <a:fld id="{C1274112-C5A4-42EA-B817-60EB1DB42231}" type="slidenum">
+              <a:rPr lang="es-AR"/>
+              <a:pPr>
+                <a:defRPr/>
+              </a:pPr>
               <a:t>‹#›</a:t>
             </a:fld>
             <a:endParaRPr lang="es-AR"/>
@@ -1416,11 +1583,6 @@
         </p:txBody>
       </p:sp>
     </p:spTree>
-    <p:extLst>
-      <p:ext uri="{BB962C8B-B14F-4D97-AF65-F5344CB8AC3E}">
-        <p14:creationId xmlns:p14="http://schemas.microsoft.com/office/powerpoint/2010/main" val="2403254932"/>
-      </p:ext>
-    </p:extLst>
   </p:cSld>
   <p:clrMapOvr>
     <a:masterClrMapping/>
@@ -1774,7 +1936,7 @@
       </p:sp>
       <p:sp>
         <p:nvSpPr>
-          <p:cNvPr id="7" name="Date Placeholder 6"/>
+          <p:cNvPr id="7" name="Date Placeholder 3"/>
           <p:cNvSpPr>
             <a:spLocks noGrp="1"/>
           </p:cNvSpPr>
@@ -1785,11 +1947,21 @@
         <p:spPr/>
         <p:txBody>
           <a:bodyPr/>
-          <a:lstStyle/>
-          <a:p>
-            <a:fld id="{187174D4-BBC9-49E1-BF8F-684BE480328B}" type="datetimeFigureOut">
-              <a:rPr lang="es-AR" smtClean="0"/>
-              <a:t>24/5/2018</a:t>
+          <a:lstStyle>
+            <a:lvl1pPr>
+              <a:defRPr/>
+            </a:lvl1pPr>
+          </a:lstStyle>
+          <a:p>
+            <a:pPr>
+              <a:defRPr/>
+            </a:pPr>
+            <a:fld id="{A9F64308-9254-4E2B-B3AA-1532907BC3AC}" type="datetimeFigureOut">
+              <a:rPr lang="es-AR"/>
+              <a:pPr>
+                <a:defRPr/>
+              </a:pPr>
+              <a:t>24/05/2018</a:t>
             </a:fld>
             <a:endParaRPr lang="es-AR"/>
           </a:p>
@@ -1797,7 +1969,7 @@
       </p:sp>
       <p:sp>
         <p:nvSpPr>
-          <p:cNvPr id="8" name="Footer Placeholder 7"/>
+          <p:cNvPr id="8" name="Footer Placeholder 4"/>
           <p:cNvSpPr>
             <a:spLocks noGrp="1"/>
           </p:cNvSpPr>
@@ -1808,15 +1980,22 @@
         <p:spPr/>
         <p:txBody>
           <a:bodyPr/>
-          <a:lstStyle/>
-          <a:p>
+          <a:lstStyle>
+            <a:lvl1pPr>
+              <a:defRPr/>
+            </a:lvl1pPr>
+          </a:lstStyle>
+          <a:p>
+            <a:pPr>
+              <a:defRPr/>
+            </a:pPr>
             <a:endParaRPr lang="es-AR"/>
           </a:p>
         </p:txBody>
       </p:sp>
       <p:sp>
         <p:nvSpPr>
-          <p:cNvPr id="9" name="Slide Number Placeholder 8"/>
+          <p:cNvPr id="9" name="Slide Number Placeholder 5"/>
           <p:cNvSpPr>
             <a:spLocks noGrp="1"/>
           </p:cNvSpPr>
@@ -1827,10 +2006,20 @@
         <p:spPr/>
         <p:txBody>
           <a:bodyPr/>
-          <a:lstStyle/>
-          <a:p>
-            <a:fld id="{CDF21769-0051-4157-960D-4CF09581BF3A}" type="slidenum">
-              <a:rPr lang="es-AR" smtClean="0"/>
+          <a:lstStyle>
+            <a:lvl1pPr>
+              <a:defRPr/>
+            </a:lvl1pPr>
+          </a:lstStyle>
+          <a:p>
+            <a:pPr>
+              <a:defRPr/>
+            </a:pPr>
+            <a:fld id="{99685570-B356-4A4E-A5FD-AE790C146AB0}" type="slidenum">
+              <a:rPr lang="es-AR"/>
+              <a:pPr>
+                <a:defRPr/>
+              </a:pPr>
               <a:t>‹#›</a:t>
             </a:fld>
             <a:endParaRPr lang="es-AR"/>
@@ -1838,11 +2027,6 @@
         </p:txBody>
       </p:sp>
     </p:spTree>
-    <p:extLst>
-      <p:ext uri="{BB962C8B-B14F-4D97-AF65-F5344CB8AC3E}">
-        <p14:creationId xmlns:p14="http://schemas.microsoft.com/office/powerpoint/2010/main" val="4127397887"/>
-      </p:ext>
-    </p:extLst>
   </p:cSld>
   <p:clrMapOvr>
     <a:masterClrMapping/>
@@ -1892,7 +2076,7 @@
       </p:sp>
       <p:sp>
         <p:nvSpPr>
-          <p:cNvPr id="3" name="Date Placeholder 2"/>
+          <p:cNvPr id="3" name="Date Placeholder 3"/>
           <p:cNvSpPr>
             <a:spLocks noGrp="1"/>
           </p:cNvSpPr>
@@ -1903,11 +2087,21 @@
         <p:spPr/>
         <p:txBody>
           <a:bodyPr/>
-          <a:lstStyle/>
-          <a:p>
-            <a:fld id="{187174D4-BBC9-49E1-BF8F-684BE480328B}" type="datetimeFigureOut">
-              <a:rPr lang="es-AR" smtClean="0"/>
-              <a:t>24/5/2018</a:t>
+          <a:lstStyle>
+            <a:lvl1pPr>
+              <a:defRPr/>
+            </a:lvl1pPr>
+          </a:lstStyle>
+          <a:p>
+            <a:pPr>
+              <a:defRPr/>
+            </a:pPr>
+            <a:fld id="{85D9B35D-E7F0-4EB3-A048-7795C260635F}" type="datetimeFigureOut">
+              <a:rPr lang="es-AR"/>
+              <a:pPr>
+                <a:defRPr/>
+              </a:pPr>
+              <a:t>24/05/2018</a:t>
             </a:fld>
             <a:endParaRPr lang="es-AR"/>
           </a:p>
@@ -1915,7 +2109,7 @@
       </p:sp>
       <p:sp>
         <p:nvSpPr>
-          <p:cNvPr id="4" name="Footer Placeholder 3"/>
+          <p:cNvPr id="4" name="Footer Placeholder 4"/>
           <p:cNvSpPr>
             <a:spLocks noGrp="1"/>
           </p:cNvSpPr>
@@ -1926,15 +2120,22 @@
         <p:spPr/>
         <p:txBody>
           <a:bodyPr/>
-          <a:lstStyle/>
-          <a:p>
+          <a:lstStyle>
+            <a:lvl1pPr>
+              <a:defRPr/>
+            </a:lvl1pPr>
+          </a:lstStyle>
+          <a:p>
+            <a:pPr>
+              <a:defRPr/>
+            </a:pPr>
             <a:endParaRPr lang="es-AR"/>
           </a:p>
         </p:txBody>
       </p:sp>
       <p:sp>
         <p:nvSpPr>
-          <p:cNvPr id="5" name="Slide Number Placeholder 4"/>
+          <p:cNvPr id="5" name="Slide Number Placeholder 5"/>
           <p:cNvSpPr>
             <a:spLocks noGrp="1"/>
           </p:cNvSpPr>
@@ -1945,10 +2146,20 @@
         <p:spPr/>
         <p:txBody>
           <a:bodyPr/>
-          <a:lstStyle/>
-          <a:p>
-            <a:fld id="{CDF21769-0051-4157-960D-4CF09581BF3A}" type="slidenum">
-              <a:rPr lang="es-AR" smtClean="0"/>
+          <a:lstStyle>
+            <a:lvl1pPr>
+              <a:defRPr/>
+            </a:lvl1pPr>
+          </a:lstStyle>
+          <a:p>
+            <a:pPr>
+              <a:defRPr/>
+            </a:pPr>
+            <a:fld id="{431F9C64-37EA-4DBD-8DFC-9B4DAF449FAF}" type="slidenum">
+              <a:rPr lang="es-AR"/>
+              <a:pPr>
+                <a:defRPr/>
+              </a:pPr>
               <a:t>‹#›</a:t>
             </a:fld>
             <a:endParaRPr lang="es-AR"/>
@@ -1956,11 +2167,6 @@
         </p:txBody>
       </p:sp>
     </p:spTree>
-    <p:extLst>
-      <p:ext uri="{BB962C8B-B14F-4D97-AF65-F5344CB8AC3E}">
-        <p14:creationId xmlns:p14="http://schemas.microsoft.com/office/powerpoint/2010/main" val="1582454139"/>
-      </p:ext>
-    </p:extLst>
   </p:cSld>
   <p:clrMapOvr>
     <a:masterClrMapping/>
@@ -1987,7 +2193,7 @@
       </p:grpSpPr>
       <p:sp>
         <p:nvSpPr>
-          <p:cNvPr id="2" name="Date Placeholder 1"/>
+          <p:cNvPr id="2" name="Date Placeholder 3"/>
           <p:cNvSpPr>
             <a:spLocks noGrp="1"/>
           </p:cNvSpPr>
@@ -1998,11 +2204,21 @@
         <p:spPr/>
         <p:txBody>
           <a:bodyPr/>
-          <a:lstStyle/>
-          <a:p>
-            <a:fld id="{187174D4-BBC9-49E1-BF8F-684BE480328B}" type="datetimeFigureOut">
-              <a:rPr lang="es-AR" smtClean="0"/>
-              <a:t>24/5/2018</a:t>
+          <a:lstStyle>
+            <a:lvl1pPr>
+              <a:defRPr/>
+            </a:lvl1pPr>
+          </a:lstStyle>
+          <a:p>
+            <a:pPr>
+              <a:defRPr/>
+            </a:pPr>
+            <a:fld id="{7C998BFF-A1B7-4FC4-8DCB-ADC627BEDC74}" type="datetimeFigureOut">
+              <a:rPr lang="es-AR"/>
+              <a:pPr>
+                <a:defRPr/>
+              </a:pPr>
+              <a:t>24/05/2018</a:t>
             </a:fld>
             <a:endParaRPr lang="es-AR"/>
           </a:p>
@@ -2010,7 +2226,7 @@
       </p:sp>
       <p:sp>
         <p:nvSpPr>
-          <p:cNvPr id="3" name="Footer Placeholder 2"/>
+          <p:cNvPr id="3" name="Footer Placeholder 4"/>
           <p:cNvSpPr>
             <a:spLocks noGrp="1"/>
           </p:cNvSpPr>
@@ -2021,15 +2237,22 @@
         <p:spPr/>
         <p:txBody>
           <a:bodyPr/>
-          <a:lstStyle/>
-          <a:p>
+          <a:lstStyle>
+            <a:lvl1pPr>
+              <a:defRPr/>
+            </a:lvl1pPr>
+          </a:lstStyle>
+          <a:p>
+            <a:pPr>
+              <a:defRPr/>
+            </a:pPr>
             <a:endParaRPr lang="es-AR"/>
           </a:p>
         </p:txBody>
       </p:sp>
       <p:sp>
         <p:nvSpPr>
-          <p:cNvPr id="4" name="Slide Number Placeholder 3"/>
+          <p:cNvPr id="4" name="Slide Number Placeholder 5"/>
           <p:cNvSpPr>
             <a:spLocks noGrp="1"/>
           </p:cNvSpPr>
@@ -2040,10 +2263,20 @@
         <p:spPr/>
         <p:txBody>
           <a:bodyPr/>
-          <a:lstStyle/>
-          <a:p>
-            <a:fld id="{CDF21769-0051-4157-960D-4CF09581BF3A}" type="slidenum">
-              <a:rPr lang="es-AR" smtClean="0"/>
+          <a:lstStyle>
+            <a:lvl1pPr>
+              <a:defRPr/>
+            </a:lvl1pPr>
+          </a:lstStyle>
+          <a:p>
+            <a:pPr>
+              <a:defRPr/>
+            </a:pPr>
+            <a:fld id="{E66F0E71-920A-444D-BECC-99FEED382150}" type="slidenum">
+              <a:rPr lang="es-AR"/>
+              <a:pPr>
+                <a:defRPr/>
+              </a:pPr>
               <a:t>‹#›</a:t>
             </a:fld>
             <a:endParaRPr lang="es-AR"/>
@@ -2051,11 +2284,6 @@
         </p:txBody>
       </p:sp>
     </p:spTree>
-    <p:extLst>
-      <p:ext uri="{BB962C8B-B14F-4D97-AF65-F5344CB8AC3E}">
-        <p14:creationId xmlns:p14="http://schemas.microsoft.com/office/powerpoint/2010/main" val="2128889929"/>
-      </p:ext>
-    </p:extLst>
   </p:cSld>
   <p:clrMapOvr>
     <a:masterClrMapping/>
@@ -2264,7 +2492,7 @@
       </p:sp>
       <p:sp>
         <p:nvSpPr>
-          <p:cNvPr id="5" name="Date Placeholder 4"/>
+          <p:cNvPr id="5" name="Date Placeholder 3"/>
           <p:cNvSpPr>
             <a:spLocks noGrp="1"/>
           </p:cNvSpPr>
@@ -2275,11 +2503,21 @@
         <p:spPr/>
         <p:txBody>
           <a:bodyPr/>
-          <a:lstStyle/>
-          <a:p>
-            <a:fld id="{187174D4-BBC9-49E1-BF8F-684BE480328B}" type="datetimeFigureOut">
-              <a:rPr lang="es-AR" smtClean="0"/>
-              <a:t>24/5/2018</a:t>
+          <a:lstStyle>
+            <a:lvl1pPr>
+              <a:defRPr/>
+            </a:lvl1pPr>
+          </a:lstStyle>
+          <a:p>
+            <a:pPr>
+              <a:defRPr/>
+            </a:pPr>
+            <a:fld id="{A28072DE-5860-44D7-966D-C68918ED69ED}" type="datetimeFigureOut">
+              <a:rPr lang="es-AR"/>
+              <a:pPr>
+                <a:defRPr/>
+              </a:pPr>
+              <a:t>24/05/2018</a:t>
             </a:fld>
             <a:endParaRPr lang="es-AR"/>
           </a:p>
@@ -2287,7 +2525,7 @@
       </p:sp>
       <p:sp>
         <p:nvSpPr>
-          <p:cNvPr id="6" name="Footer Placeholder 5"/>
+          <p:cNvPr id="6" name="Footer Placeholder 4"/>
           <p:cNvSpPr>
             <a:spLocks noGrp="1"/>
           </p:cNvSpPr>
@@ -2298,15 +2536,22 @@
         <p:spPr/>
         <p:txBody>
           <a:bodyPr/>
-          <a:lstStyle/>
-          <a:p>
+          <a:lstStyle>
+            <a:lvl1pPr>
+              <a:defRPr/>
+            </a:lvl1pPr>
+          </a:lstStyle>
+          <a:p>
+            <a:pPr>
+              <a:defRPr/>
+            </a:pPr>
             <a:endParaRPr lang="es-AR"/>
           </a:p>
         </p:txBody>
       </p:sp>
       <p:sp>
         <p:nvSpPr>
-          <p:cNvPr id="7" name="Slide Number Placeholder 6"/>
+          <p:cNvPr id="7" name="Slide Number Placeholder 5"/>
           <p:cNvSpPr>
             <a:spLocks noGrp="1"/>
           </p:cNvSpPr>
@@ -2317,10 +2562,20 @@
         <p:spPr/>
         <p:txBody>
           <a:bodyPr/>
-          <a:lstStyle/>
-          <a:p>
-            <a:fld id="{CDF21769-0051-4157-960D-4CF09581BF3A}" type="slidenum">
-              <a:rPr lang="es-AR" smtClean="0"/>
+          <a:lstStyle>
+            <a:lvl1pPr>
+              <a:defRPr/>
+            </a:lvl1pPr>
+          </a:lstStyle>
+          <a:p>
+            <a:pPr>
+              <a:defRPr/>
+            </a:pPr>
+            <a:fld id="{AFD3D3E3-1966-46F5-89EE-D6CB29620B43}" type="slidenum">
+              <a:rPr lang="es-AR"/>
+              <a:pPr>
+                <a:defRPr/>
+              </a:pPr>
               <a:t>‹#›</a:t>
             </a:fld>
             <a:endParaRPr lang="es-AR"/>
@@ -2328,11 +2583,6 @@
         </p:txBody>
       </p:sp>
     </p:spTree>
-    <p:extLst>
-      <p:ext uri="{BB962C8B-B14F-4D97-AF65-F5344CB8AC3E}">
-        <p14:creationId xmlns:p14="http://schemas.microsoft.com/office/powerpoint/2010/main" val="3767462173"/>
-      </p:ext>
-    </p:extLst>
   </p:cSld>
   <p:clrMapOvr>
     <a:masterClrMapping/>
@@ -2406,71 +2656,74 @@
           </a:xfrm>
         </p:spPr>
         <p:txBody>
+          <a:bodyPr rtlCol="0">
+            <a:normAutofit/>
+          </a:bodyPr>
+          <a:lstStyle>
+            <a:lvl1pPr marL="0" indent="0">
+              <a:buNone/>
+              <a:defRPr sz="3200"/>
+            </a:lvl1pPr>
+            <a:lvl2pPr marL="457200" indent="0">
+              <a:buNone/>
+              <a:defRPr sz="2800"/>
+            </a:lvl2pPr>
+            <a:lvl3pPr marL="914400" indent="0">
+              <a:buNone/>
+              <a:defRPr sz="2400"/>
+            </a:lvl3pPr>
+            <a:lvl4pPr marL="1371600" indent="0">
+              <a:buNone/>
+              <a:defRPr sz="2000"/>
+            </a:lvl4pPr>
+            <a:lvl5pPr marL="1828800" indent="0">
+              <a:buNone/>
+              <a:defRPr sz="2000"/>
+            </a:lvl5pPr>
+            <a:lvl6pPr marL="2286000" indent="0">
+              <a:buNone/>
+              <a:defRPr sz="2000"/>
+            </a:lvl6pPr>
+            <a:lvl7pPr marL="2743200" indent="0">
+              <a:buNone/>
+              <a:defRPr sz="2000"/>
+            </a:lvl7pPr>
+            <a:lvl8pPr marL="3200400" indent="0">
+              <a:buNone/>
+              <a:defRPr sz="2000"/>
+            </a:lvl8pPr>
+            <a:lvl9pPr marL="3657600" indent="0">
+              <a:buNone/>
+              <a:defRPr sz="2000"/>
+            </a:lvl9pPr>
+          </a:lstStyle>
+          <a:p>
+            <a:pPr lvl="0"/>
+            <a:endParaRPr lang="es-AR" noProof="0"/>
+          </a:p>
+        </p:txBody>
+      </p:sp>
+      <p:sp>
+        <p:nvSpPr>
+          <p:cNvPr id="4" name="Text Placeholder 3"/>
+          <p:cNvSpPr>
+            <a:spLocks noGrp="1"/>
+          </p:cNvSpPr>
+          <p:nvPr>
+            <p:ph type="body" sz="half" idx="2"/>
+          </p:nvPr>
+        </p:nvSpPr>
+        <p:spPr>
+          <a:xfrm>
+            <a:off x="1792288" y="5367338"/>
+            <a:ext cx="5486400" cy="804862"/>
+          </a:xfrm>
+        </p:spPr>
+        <p:txBody>
           <a:bodyPr/>
           <a:lstStyle>
             <a:lvl1pPr marL="0" indent="0">
               <a:buNone/>
-              <a:defRPr sz="3200"/>
-            </a:lvl1pPr>
-            <a:lvl2pPr marL="457200" indent="0">
-              <a:buNone/>
-              <a:defRPr sz="2800"/>
-            </a:lvl2pPr>
-            <a:lvl3pPr marL="914400" indent="0">
-              <a:buNone/>
-              <a:defRPr sz="2400"/>
-            </a:lvl3pPr>
-            <a:lvl4pPr marL="1371600" indent="0">
-              <a:buNone/>
-              <a:defRPr sz="2000"/>
-            </a:lvl4pPr>
-            <a:lvl5pPr marL="1828800" indent="0">
-              <a:buNone/>
-              <a:defRPr sz="2000"/>
-            </a:lvl5pPr>
-            <a:lvl6pPr marL="2286000" indent="0">
-              <a:buNone/>
-              <a:defRPr sz="2000"/>
-            </a:lvl6pPr>
-            <a:lvl7pPr marL="2743200" indent="0">
-              <a:buNone/>
-              <a:defRPr sz="2000"/>
-            </a:lvl7pPr>
-            <a:lvl8pPr marL="3200400" indent="0">
-              <a:buNone/>
-              <a:defRPr sz="2000"/>
-            </a:lvl8pPr>
-            <a:lvl9pPr marL="3657600" indent="0">
-              <a:buNone/>
-              <a:defRPr sz="2000"/>
-            </a:lvl9pPr>
-          </a:lstStyle>
-          <a:p>
-            <a:endParaRPr lang="es-AR"/>
-          </a:p>
-        </p:txBody>
-      </p:sp>
-      <p:sp>
-        <p:nvSpPr>
-          <p:cNvPr id="4" name="Text Placeholder 3"/>
-          <p:cNvSpPr>
-            <a:spLocks noGrp="1"/>
-          </p:cNvSpPr>
-          <p:nvPr>
-            <p:ph type="body" sz="half" idx="2"/>
-          </p:nvPr>
-        </p:nvSpPr>
-        <p:spPr>
-          <a:xfrm>
-            <a:off x="1792288" y="5367338"/>
-            <a:ext cx="5486400" cy="804862"/>
-          </a:xfrm>
-        </p:spPr>
-        <p:txBody>
-          <a:bodyPr/>
-          <a:lstStyle>
-            <a:lvl1pPr marL="0" indent="0">
-              <a:buNone/>
               <a:defRPr sz="1400"/>
             </a:lvl1pPr>
             <a:lvl2pPr marL="457200" indent="0">
@@ -2517,7 +2770,7 @@
       </p:sp>
       <p:sp>
         <p:nvSpPr>
-          <p:cNvPr id="5" name="Date Placeholder 4"/>
+          <p:cNvPr id="5" name="Date Placeholder 3"/>
           <p:cNvSpPr>
             <a:spLocks noGrp="1"/>
           </p:cNvSpPr>
@@ -2528,11 +2781,21 @@
         <p:spPr/>
         <p:txBody>
           <a:bodyPr/>
-          <a:lstStyle/>
-          <a:p>
-            <a:fld id="{187174D4-BBC9-49E1-BF8F-684BE480328B}" type="datetimeFigureOut">
-              <a:rPr lang="es-AR" smtClean="0"/>
-              <a:t>24/5/2018</a:t>
+          <a:lstStyle>
+            <a:lvl1pPr>
+              <a:defRPr/>
+            </a:lvl1pPr>
+          </a:lstStyle>
+          <a:p>
+            <a:pPr>
+              <a:defRPr/>
+            </a:pPr>
+            <a:fld id="{A558899F-9504-402A-AC17-B223039E7FD4}" type="datetimeFigureOut">
+              <a:rPr lang="es-AR"/>
+              <a:pPr>
+                <a:defRPr/>
+              </a:pPr>
+              <a:t>24/05/2018</a:t>
             </a:fld>
             <a:endParaRPr lang="es-AR"/>
           </a:p>
@@ -2540,7 +2803,7 @@
       </p:sp>
       <p:sp>
         <p:nvSpPr>
-          <p:cNvPr id="6" name="Footer Placeholder 5"/>
+          <p:cNvPr id="6" name="Footer Placeholder 4"/>
           <p:cNvSpPr>
             <a:spLocks noGrp="1"/>
           </p:cNvSpPr>
@@ -2551,15 +2814,22 @@
         <p:spPr/>
         <p:txBody>
           <a:bodyPr/>
-          <a:lstStyle/>
-          <a:p>
+          <a:lstStyle>
+            <a:lvl1pPr>
+              <a:defRPr/>
+            </a:lvl1pPr>
+          </a:lstStyle>
+          <a:p>
+            <a:pPr>
+              <a:defRPr/>
+            </a:pPr>
             <a:endParaRPr lang="es-AR"/>
           </a:p>
         </p:txBody>
       </p:sp>
       <p:sp>
         <p:nvSpPr>
-          <p:cNvPr id="7" name="Slide Number Placeholder 6"/>
+          <p:cNvPr id="7" name="Slide Number Placeholder 5"/>
           <p:cNvSpPr>
             <a:spLocks noGrp="1"/>
           </p:cNvSpPr>
@@ -2570,10 +2840,20 @@
         <p:spPr/>
         <p:txBody>
           <a:bodyPr/>
-          <a:lstStyle/>
-          <a:p>
-            <a:fld id="{CDF21769-0051-4157-960D-4CF09581BF3A}" type="slidenum">
-              <a:rPr lang="es-AR" smtClean="0"/>
+          <a:lstStyle>
+            <a:lvl1pPr>
+              <a:defRPr/>
+            </a:lvl1pPr>
+          </a:lstStyle>
+          <a:p>
+            <a:pPr>
+              <a:defRPr/>
+            </a:pPr>
+            <a:fld id="{0241DAC7-C1B4-4BE8-9855-3E32A22C618B}" type="slidenum">
+              <a:rPr lang="es-AR"/>
+              <a:pPr>
+                <a:defRPr/>
+              </a:pPr>
               <a:t>‹#›</a:t>
             </a:fld>
             <a:endParaRPr lang="es-AR"/>
@@ -2581,11 +2861,6 @@
         </p:txBody>
       </p:sp>
     </p:spTree>
-    <p:extLst>
-      <p:ext uri="{BB962C8B-B14F-4D97-AF65-F5344CB8AC3E}">
-        <p14:creationId xmlns:p14="http://schemas.microsoft.com/office/powerpoint/2010/main" val="2540278845"/>
-      </p:ext>
-    </p:extLst>
   </p:cSld>
   <p:clrMapOvr>
     <a:masterClrMapping/>
@@ -2617,7 +2892,7 @@
       </p:grpSpPr>
       <p:sp>
         <p:nvSpPr>
-          <p:cNvPr id="2" name="Title Placeholder 1"/>
+          <p:cNvPr id="1026" name="Title Placeholder 1"/>
           <p:cNvSpPr>
             <a:spLocks noGrp="1"/>
           </p:cNvSpPr>
@@ -2625,7 +2900,7 @@
             <p:ph type="title"/>
           </p:nvPr>
         </p:nvSpPr>
-        <p:spPr>
+        <p:spPr bwMode="auto">
           <a:xfrm>
             <a:off x="457200" y="274638"/>
             <a:ext cx="8229600" cy="1143000"/>
@@ -2633,24 +2908,34 @@
           <a:prstGeom prst="rect">
             <a:avLst/>
           </a:prstGeom>
-        </p:spPr>
-        <p:txBody>
-          <a:bodyPr vert="horz" lIns="91440" tIns="45720" rIns="91440" bIns="45720" rtlCol="0" anchor="ctr">
-            <a:normAutofit/>
+          <a:noFill/>
+          <a:ln w="9525">
+            <a:noFill/>
+            <a:miter lim="800000"/>
+            <a:headEnd/>
+            <a:tailEnd/>
+          </a:ln>
+        </p:spPr>
+        <p:txBody>
+          <a:bodyPr vert="horz" wrap="square" lIns="91440" tIns="45720" rIns="91440" bIns="45720" numCol="1" anchor="ctr" anchorCtr="0" compatLnSpc="1">
+            <a:prstTxWarp prst="textNoShape">
+              <a:avLst/>
+            </a:prstTxWarp>
           </a:bodyPr>
           <a:lstStyle/>
           <a:p>
+            <a:pPr lvl="0"/>
             <a:r>
               <a:rPr lang="en-US" smtClean="0"/>
               <a:t>Click to edit Master title style</a:t>
             </a:r>
-            <a:endParaRPr lang="es-AR"/>
-          </a:p>
-        </p:txBody>
-      </p:sp>
-      <p:sp>
-        <p:nvSpPr>
-          <p:cNvPr id="3" name="Text Placeholder 2"/>
+            <a:endParaRPr lang="es-AR" smtClean="0"/>
+          </a:p>
+        </p:txBody>
+      </p:sp>
+      <p:sp>
+        <p:nvSpPr>
+          <p:cNvPr id="1027" name="Text Placeholder 2"/>
           <p:cNvSpPr>
             <a:spLocks noGrp="1"/>
           </p:cNvSpPr>
@@ -2658,7 +2943,7 @@
             <p:ph type="body" idx="1"/>
           </p:nvPr>
         </p:nvSpPr>
-        <p:spPr>
+        <p:spPr bwMode="auto">
           <a:xfrm>
             <a:off x="457200" y="1600200"/>
             <a:ext cx="8229600" cy="4525963"/>
@@ -2666,10 +2951,19 @@
           <a:prstGeom prst="rect">
             <a:avLst/>
           </a:prstGeom>
-        </p:spPr>
-        <p:txBody>
-          <a:bodyPr vert="horz" lIns="91440" tIns="45720" rIns="91440" bIns="45720" rtlCol="0">
-            <a:normAutofit/>
+          <a:noFill/>
+          <a:ln w="9525">
+            <a:noFill/>
+            <a:miter lim="800000"/>
+            <a:headEnd/>
+            <a:tailEnd/>
+          </a:ln>
+        </p:spPr>
+        <p:txBody>
+          <a:bodyPr vert="horz" wrap="square" lIns="91440" tIns="45720" rIns="91440" bIns="45720" numCol="1" anchor="t" anchorCtr="0" compatLnSpc="1">
+            <a:prstTxWarp prst="textNoShape">
+              <a:avLst/>
+            </a:prstTxWarp>
           </a:bodyPr>
           <a:lstStyle/>
           <a:p>
@@ -2706,7 +3000,7 @@
               <a:rPr lang="en-US" smtClean="0"/>
               <a:t>Fifth level</a:t>
             </a:r>
-            <a:endParaRPr lang="es-AR"/>
+            <a:endParaRPr lang="es-AR" smtClean="0"/>
           </a:p>
         </p:txBody>
       </p:sp>
@@ -2732,39 +3026,99 @@
         <p:txBody>
           <a:bodyPr vert="horz" lIns="91440" tIns="45720" rIns="91440" bIns="45720" rtlCol="0" anchor="ctr"/>
           <a:lstStyle>
-            <a:lvl1pPr algn="l">
+            <a:lvl1pPr algn="l" fontAlgn="auto">
+              <a:spcBef>
+                <a:spcPts val="0"/>
+              </a:spcBef>
+              <a:spcAft>
+                <a:spcPts val="0"/>
+              </a:spcAft>
+              <a:defRPr sz="1200" smtClean="0">
+                <a:solidFill>
+                  <a:schemeClr val="tx1">
+                    <a:tint val="75000"/>
+                  </a:schemeClr>
+                </a:solidFill>
+                <a:latin typeface="+mn-lt"/>
+              </a:defRPr>
+            </a:lvl1pPr>
+          </a:lstStyle>
+          <a:p>
+            <a:pPr>
+              <a:defRPr/>
+            </a:pPr>
+            <a:fld id="{E36472A9-E4FA-4D34-8CA5-6338F19183A2}" type="datetimeFigureOut">
+              <a:rPr lang="es-AR"/>
+              <a:pPr>
+                <a:defRPr/>
+              </a:pPr>
+              <a:t>24/05/2018</a:t>
+            </a:fld>
+            <a:endParaRPr lang="es-AR"/>
+          </a:p>
+        </p:txBody>
+      </p:sp>
+      <p:sp>
+        <p:nvSpPr>
+          <p:cNvPr id="5" name="Footer Placeholder 4"/>
+          <p:cNvSpPr>
+            <a:spLocks noGrp="1"/>
+          </p:cNvSpPr>
+          <p:nvPr>
+            <p:ph type="ftr" sz="quarter" idx="3"/>
+          </p:nvPr>
+        </p:nvSpPr>
+        <p:spPr>
+          <a:xfrm>
+            <a:off x="3124200" y="6356350"/>
+            <a:ext cx="2895600" cy="365125"/>
+          </a:xfrm>
+          <a:prstGeom prst="rect">
+            <a:avLst/>
+          </a:prstGeom>
+        </p:spPr>
+        <p:txBody>
+          <a:bodyPr vert="horz" lIns="91440" tIns="45720" rIns="91440" bIns="45720" rtlCol="0" anchor="ctr"/>
+          <a:lstStyle>
+            <a:lvl1pPr algn="ctr" fontAlgn="auto">
+              <a:spcBef>
+                <a:spcPts val="0"/>
+              </a:spcBef>
+              <a:spcAft>
+                <a:spcPts val="0"/>
+              </a:spcAft>
               <a:defRPr sz="1200">
                 <a:solidFill>
                   <a:schemeClr val="tx1">
                     <a:tint val="75000"/>
                   </a:schemeClr>
                 </a:solidFill>
+                <a:latin typeface="+mn-lt"/>
               </a:defRPr>
             </a:lvl1pPr>
           </a:lstStyle>
           <a:p>
-            <a:fld id="{187174D4-BBC9-49E1-BF8F-684BE480328B}" type="datetimeFigureOut">
-              <a:rPr lang="es-AR" smtClean="0"/>
-              <a:t>24/5/2018</a:t>
-            </a:fld>
+            <a:pPr>
+              <a:defRPr/>
+            </a:pPr>
             <a:endParaRPr lang="es-AR"/>
           </a:p>
         </p:txBody>
       </p:sp>
       <p:sp>
         <p:nvSpPr>
-          <p:cNvPr id="5" name="Footer Placeholder 4"/>
-          <p:cNvSpPr>
-            <a:spLocks noGrp="1"/>
-          </p:cNvSpPr>
-          <p:nvPr>
-            <p:ph type="ftr" sz="quarter" idx="3"/>
+          <p:cNvPr id="6" name="Slide Number Placeholder 5"/>
+          <p:cNvSpPr>
+            <a:spLocks noGrp="1"/>
+          </p:cNvSpPr>
+          <p:nvPr>
+            <p:ph type="sldNum" sz="quarter" idx="4"/>
           </p:nvPr>
         </p:nvSpPr>
         <p:spPr>
           <a:xfrm>
-            <a:off x="3124200" y="6356350"/>
-            <a:ext cx="2895600" cy="365125"/>
+            <a:off x="6553200" y="6356350"/>
+            <a:ext cx="2133600" cy="365125"/>
           </a:xfrm>
           <a:prstGeom prst="rect">
             <a:avLst/>
@@ -2773,56 +3127,32 @@
         <p:txBody>
           <a:bodyPr vert="horz" lIns="91440" tIns="45720" rIns="91440" bIns="45720" rtlCol="0" anchor="ctr"/>
           <a:lstStyle>
-            <a:lvl1pPr algn="ctr">
-              <a:defRPr sz="1200">
+            <a:lvl1pPr algn="r" fontAlgn="auto">
+              <a:spcBef>
+                <a:spcPts val="0"/>
+              </a:spcBef>
+              <a:spcAft>
+                <a:spcPts val="0"/>
+              </a:spcAft>
+              <a:defRPr sz="1200" smtClean="0">
                 <a:solidFill>
                   <a:schemeClr val="tx1">
                     <a:tint val="75000"/>
                   </a:schemeClr>
                 </a:solidFill>
+                <a:latin typeface="+mn-lt"/>
               </a:defRPr>
             </a:lvl1pPr>
           </a:lstStyle>
           <a:p>
-            <a:endParaRPr lang="es-AR"/>
-          </a:p>
-        </p:txBody>
-      </p:sp>
-      <p:sp>
-        <p:nvSpPr>
-          <p:cNvPr id="6" name="Slide Number Placeholder 5"/>
-          <p:cNvSpPr>
-            <a:spLocks noGrp="1"/>
-          </p:cNvSpPr>
-          <p:nvPr>
-            <p:ph type="sldNum" sz="quarter" idx="4"/>
-          </p:nvPr>
-        </p:nvSpPr>
-        <p:spPr>
-          <a:xfrm>
-            <a:off x="6553200" y="6356350"/>
-            <a:ext cx="2133600" cy="365125"/>
-          </a:xfrm>
-          <a:prstGeom prst="rect">
-            <a:avLst/>
-          </a:prstGeom>
-        </p:spPr>
-        <p:txBody>
-          <a:bodyPr vert="horz" lIns="91440" tIns="45720" rIns="91440" bIns="45720" rtlCol="0" anchor="ctr"/>
-          <a:lstStyle>
-            <a:lvl1pPr algn="r">
-              <a:defRPr sz="1200">
-                <a:solidFill>
-                  <a:schemeClr val="tx1">
-                    <a:tint val="75000"/>
-                  </a:schemeClr>
-                </a:solidFill>
-              </a:defRPr>
-            </a:lvl1pPr>
-          </a:lstStyle>
-          <a:p>
-            <a:fld id="{CDF21769-0051-4157-960D-4CF09581BF3A}" type="slidenum">
-              <a:rPr lang="es-AR" smtClean="0"/>
+            <a:pPr>
+              <a:defRPr/>
+            </a:pPr>
+            <a:fld id="{E5974CD9-F80A-4523-803B-10770D88507B}" type="slidenum">
+              <a:rPr lang="es-AR"/>
+              <a:pPr>
+                <a:defRPr/>
+              </a:pPr>
               <a:t>‹#›</a:t>
             </a:fld>
             <a:endParaRPr lang="es-AR"/>
@@ -2830,33 +3160,30 @@
         </p:txBody>
       </p:sp>
     </p:spTree>
-    <p:extLst>
-      <p:ext uri="{BB962C8B-B14F-4D97-AF65-F5344CB8AC3E}">
-        <p14:creationId xmlns:p14="http://schemas.microsoft.com/office/powerpoint/2010/main" val="111743558"/>
-      </p:ext>
-    </p:extLst>
   </p:cSld>
   <p:clrMap bg1="lt1" tx1="dk1" bg2="lt2" tx2="dk2" accent1="accent1" accent2="accent2" accent3="accent3" accent4="accent4" accent5="accent5" accent6="accent6" hlink="hlink" folHlink="folHlink"/>
   <p:sldLayoutIdLst>
-    <p:sldLayoutId id="2147483793" r:id="rId1"/>
-    <p:sldLayoutId id="2147483794" r:id="rId2"/>
-    <p:sldLayoutId id="2147483795" r:id="rId3"/>
-    <p:sldLayoutId id="2147483796" r:id="rId4"/>
-    <p:sldLayoutId id="2147483797" r:id="rId5"/>
+    <p:sldLayoutId id="2147483803" r:id="rId1"/>
+    <p:sldLayoutId id="2147483802" r:id="rId2"/>
+    <p:sldLayoutId id="2147483801" r:id="rId3"/>
+    <p:sldLayoutId id="2147483800" r:id="rId4"/>
+    <p:sldLayoutId id="2147483799" r:id="rId5"/>
     <p:sldLayoutId id="2147483798" r:id="rId6"/>
-    <p:sldLayoutId id="2147483799" r:id="rId7"/>
-    <p:sldLayoutId id="2147483800" r:id="rId8"/>
-    <p:sldLayoutId id="2147483801" r:id="rId9"/>
-    <p:sldLayoutId id="2147483802" r:id="rId10"/>
-    <p:sldLayoutId id="2147483803" r:id="rId11"/>
+    <p:sldLayoutId id="2147483797" r:id="rId7"/>
+    <p:sldLayoutId id="2147483796" r:id="rId8"/>
+    <p:sldLayoutId id="2147483795" r:id="rId9"/>
+    <p:sldLayoutId id="2147483794" r:id="rId10"/>
+    <p:sldLayoutId id="2147483793" r:id="rId11"/>
   </p:sldLayoutIdLst>
   <p:txStyles>
     <p:titleStyle>
-      <a:lvl1pPr algn="ctr" defTabSz="914400" rtl="0" eaLnBrk="1" latinLnBrk="0" hangingPunct="1">
+      <a:lvl1pPr algn="ctr" rtl="0" fontAlgn="base">
         <a:spcBef>
           <a:spcPct val="0"/>
         </a:spcBef>
-        <a:buNone/>
+        <a:spcAft>
+          <a:spcPct val="0"/>
+        </a:spcAft>
         <a:defRPr sz="4400" kern="1200">
           <a:solidFill>
             <a:schemeClr val="tx1"/>
@@ -2866,13 +3193,128 @@
           <a:cs typeface="+mj-cs"/>
         </a:defRPr>
       </a:lvl1pPr>
+      <a:lvl2pPr algn="ctr" rtl="0" fontAlgn="base">
+        <a:spcBef>
+          <a:spcPct val="0"/>
+        </a:spcBef>
+        <a:spcAft>
+          <a:spcPct val="0"/>
+        </a:spcAft>
+        <a:defRPr sz="4400">
+          <a:solidFill>
+            <a:schemeClr val="tx1"/>
+          </a:solidFill>
+          <a:latin typeface="Calibri" pitchFamily="34" charset="0"/>
+        </a:defRPr>
+      </a:lvl2pPr>
+      <a:lvl3pPr algn="ctr" rtl="0" fontAlgn="base">
+        <a:spcBef>
+          <a:spcPct val="0"/>
+        </a:spcBef>
+        <a:spcAft>
+          <a:spcPct val="0"/>
+        </a:spcAft>
+        <a:defRPr sz="4400">
+          <a:solidFill>
+            <a:schemeClr val="tx1"/>
+          </a:solidFill>
+          <a:latin typeface="Calibri" pitchFamily="34" charset="0"/>
+        </a:defRPr>
+      </a:lvl3pPr>
+      <a:lvl4pPr algn="ctr" rtl="0" fontAlgn="base">
+        <a:spcBef>
+          <a:spcPct val="0"/>
+        </a:spcBef>
+        <a:spcAft>
+          <a:spcPct val="0"/>
+        </a:spcAft>
+        <a:defRPr sz="4400">
+          <a:solidFill>
+            <a:schemeClr val="tx1"/>
+          </a:solidFill>
+          <a:latin typeface="Calibri" pitchFamily="34" charset="0"/>
+        </a:defRPr>
+      </a:lvl4pPr>
+      <a:lvl5pPr algn="ctr" rtl="0" fontAlgn="base">
+        <a:spcBef>
+          <a:spcPct val="0"/>
+        </a:spcBef>
+        <a:spcAft>
+          <a:spcPct val="0"/>
+        </a:spcAft>
+        <a:defRPr sz="4400">
+          <a:solidFill>
+            <a:schemeClr val="tx1"/>
+          </a:solidFill>
+          <a:latin typeface="Calibri" pitchFamily="34" charset="0"/>
+        </a:defRPr>
+      </a:lvl5pPr>
+      <a:lvl6pPr marL="457200" algn="ctr" rtl="0" fontAlgn="base">
+        <a:spcBef>
+          <a:spcPct val="0"/>
+        </a:spcBef>
+        <a:spcAft>
+          <a:spcPct val="0"/>
+        </a:spcAft>
+        <a:defRPr sz="4400">
+          <a:solidFill>
+            <a:schemeClr val="tx1"/>
+          </a:solidFill>
+          <a:latin typeface="Calibri" pitchFamily="34" charset="0"/>
+        </a:defRPr>
+      </a:lvl6pPr>
+      <a:lvl7pPr marL="914400" algn="ctr" rtl="0" fontAlgn="base">
+        <a:spcBef>
+          <a:spcPct val="0"/>
+        </a:spcBef>
+        <a:spcAft>
+          <a:spcPct val="0"/>
+        </a:spcAft>
+        <a:defRPr sz="4400">
+          <a:solidFill>
+            <a:schemeClr val="tx1"/>
+          </a:solidFill>
+          <a:latin typeface="Calibri" pitchFamily="34" charset="0"/>
+        </a:defRPr>
+      </a:lvl7pPr>
+      <a:lvl8pPr marL="1371600" algn="ctr" rtl="0" fontAlgn="base">
+        <a:spcBef>
+          <a:spcPct val="0"/>
+        </a:spcBef>
+        <a:spcAft>
+          <a:spcPct val="0"/>
+        </a:spcAft>
+        <a:defRPr sz="4400">
+          <a:solidFill>
+            <a:schemeClr val="tx1"/>
+          </a:solidFill>
+          <a:latin typeface="Calibri" pitchFamily="34" charset="0"/>
+        </a:defRPr>
+      </a:lvl8pPr>
+      <a:lvl9pPr marL="1828800" algn="ctr" rtl="0" fontAlgn="base">
+        <a:spcBef>
+          <a:spcPct val="0"/>
+        </a:spcBef>
+        <a:spcAft>
+          <a:spcPct val="0"/>
+        </a:spcAft>
+        <a:defRPr sz="4400">
+          <a:solidFill>
+            <a:schemeClr val="tx1"/>
+          </a:solidFill>
+          <a:latin typeface="Calibri" pitchFamily="34" charset="0"/>
+        </a:defRPr>
+      </a:lvl9pPr>
     </p:titleStyle>
     <p:bodyStyle>
-      <a:lvl1pPr marL="342900" indent="-342900" algn="l" defTabSz="914400" rtl="0" eaLnBrk="1" latinLnBrk="0" hangingPunct="1">
+      <a:lvl1pPr marL="342900" indent="-342900" algn="l" rtl="0" fontAlgn="base">
         <a:spcBef>
           <a:spcPct val="20000"/>
         </a:spcBef>
-        <a:buFont typeface="Arial" pitchFamily="34" charset="0"/>
+        <a:spcAft>
+          <a:spcPct val="0"/>
+        </a:spcAft>
+        <a:buFont typeface="Arial" charset="0"/>
         <a:buChar char="•"/>
         <a:defRPr sz="3200" kern="1200">
           <a:solidFill>
@@ -2883,11 +3325,14 @@
           <a:cs typeface="+mn-cs"/>
         </a:defRPr>
       </a:lvl1pPr>
-      <a:lvl2pPr marL="742950" indent="-285750" algn="l" defTabSz="914400" rtl="0" eaLnBrk="1" latinLnBrk="0" hangingPunct="1">
+      <a:lvl2pPr marL="742950" indent="-285750" algn="l" rtl="0" fontAlgn="base">
         <a:spcBef>
           <a:spcPct val="20000"/>
         </a:spcBef>
-        <a:buFont typeface="Arial" pitchFamily="34" charset="0"/>
+        <a:spcAft>
+          <a:spcPct val="0"/>
+        </a:spcAft>
+        <a:buFont typeface="Arial" charset="0"/>
         <a:buChar char="–"/>
         <a:defRPr sz="2800" kern="1200">
           <a:solidFill>
@@ -2898,11 +3343,14 @@
           <a:cs typeface="+mn-cs"/>
         </a:defRPr>
       </a:lvl2pPr>
-      <a:lvl3pPr marL="1143000" indent="-228600" algn="l" defTabSz="914400" rtl="0" eaLnBrk="1" latinLnBrk="0" hangingPunct="1">
+      <a:lvl3pPr marL="1143000" indent="-228600" algn="l" rtl="0" fontAlgn="base">
         <a:spcBef>
           <a:spcPct val="20000"/>
         </a:spcBef>
-        <a:buFont typeface="Arial" pitchFamily="34" charset="0"/>
+        <a:spcAft>
+          <a:spcPct val="0"/>
+        </a:spcAft>
+        <a:buFont typeface="Arial" charset="0"/>
         <a:buChar char="•"/>
         <a:defRPr sz="2400" kern="1200">
           <a:solidFill>
@@ -2913,11 +3361,14 @@
           <a:cs typeface="+mn-cs"/>
         </a:defRPr>
       </a:lvl3pPr>
-      <a:lvl4pPr marL="1600200" indent="-228600" algn="l" defTabSz="914400" rtl="0" eaLnBrk="1" latinLnBrk="0" hangingPunct="1">
+      <a:lvl4pPr marL="1600200" indent="-228600" algn="l" rtl="0" fontAlgn="base">
         <a:spcBef>
           <a:spcPct val="20000"/>
         </a:spcBef>
-        <a:buFont typeface="Arial" pitchFamily="34" charset="0"/>
+        <a:spcAft>
+          <a:spcPct val="0"/>
+        </a:spcAft>
+        <a:buFont typeface="Arial" charset="0"/>
         <a:buChar char="–"/>
         <a:defRPr sz="2000" kern="1200">
           <a:solidFill>
@@ -2928,11 +3379,14 @@
           <a:cs typeface="+mn-cs"/>
         </a:defRPr>
       </a:lvl4pPr>
-      <a:lvl5pPr marL="2057400" indent="-228600" algn="l" defTabSz="914400" rtl="0" eaLnBrk="1" latinLnBrk="0" hangingPunct="1">
+      <a:lvl5pPr marL="2057400" indent="-228600" algn="l" rtl="0" fontAlgn="base">
         <a:spcBef>
           <a:spcPct val="20000"/>
         </a:spcBef>
-        <a:buFont typeface="Arial" pitchFamily="34" charset="0"/>
+        <a:spcAft>
+          <a:spcPct val="0"/>
+        </a:spcAft>
+        <a:buFont typeface="Arial" charset="0"/>
         <a:buChar char="»"/>
         <a:defRPr sz="2000" kern="1200">
           <a:solidFill>
@@ -3122,7 +3576,7 @@
       </p:grpSpPr>
       <p:sp>
         <p:nvSpPr>
-          <p:cNvPr id="2" name="Title 1"/>
+          <p:cNvPr id="13313" name="Title 1"/>
           <p:cNvSpPr>
             <a:spLocks noGrp="1"/>
           </p:cNvSpPr>
@@ -3132,59 +3586,32 @@
         </p:nvSpPr>
         <p:spPr>
           <a:xfrm>
-            <a:off x="755576" y="1196752"/>
+            <a:off x="755650" y="1196975"/>
             <a:ext cx="7772400" cy="1470025"/>
           </a:xfrm>
         </p:spPr>
         <p:txBody>
-          <a:bodyPr>
-            <a:noAutofit/>
-          </a:bodyPr>
+          <a:bodyPr/>
           <a:lstStyle/>
           <a:p>
             <a:r>
-              <a:rPr lang="en-US" sz="3600" dirty="0"/>
+              <a:rPr lang="en-US" sz="3600" smtClean="0"/>
               <a:t>Biased Random Key Genetic Algorithm</a:t>
             </a:r>
             <a:br>
-              <a:rPr lang="en-US" sz="3600" dirty="0"/>
+              <a:rPr lang="en-US" sz="3600" smtClean="0"/>
             </a:br>
             <a:r>
-              <a:rPr lang="es-AR" sz="3600" dirty="0"/>
-              <a:t>con </a:t>
-            </a:r>
-            <a:r>
-              <a:rPr lang="es-AR" sz="3600" dirty="0" smtClean="0"/>
-              <a:t>Búsqueda </a:t>
-            </a:r>
-            <a:r>
-              <a:rPr lang="es-AR" sz="3600" dirty="0"/>
-              <a:t>Local para el </a:t>
-            </a:r>
-            <a:r>
-              <a:rPr lang="es-AR" sz="3600" dirty="0" err="1"/>
-              <a:t>Team</a:t>
-            </a:r>
-            <a:r>
-              <a:rPr lang="es-AR" sz="3600" dirty="0"/>
-              <a:t/>
+              <a:rPr lang="es-AR" sz="3600" smtClean="0"/>
+              <a:t>con Búsqueda Local para el Team</a:t>
             </a:r>
             <a:br>
-              <a:rPr lang="es-AR" sz="3600" dirty="0"/>
+              <a:rPr lang="es-AR" sz="3600" smtClean="0"/>
             </a:br>
             <a:r>
-              <a:rPr lang="es-AR" sz="3600" dirty="0" err="1"/>
-              <a:t>Orienteering</a:t>
-            </a:r>
-            <a:r>
-              <a:rPr lang="es-AR" sz="3600" dirty="0"/>
-              <a:t> </a:t>
-            </a:r>
-            <a:r>
-              <a:rPr lang="es-AR" sz="3600" dirty="0" err="1"/>
-              <a:t>Problem</a:t>
-            </a:r>
-            <a:endParaRPr lang="es-AR" sz="3600" dirty="0"/>
+              <a:rPr lang="es-AR" sz="3600" smtClean="0"/>
+              <a:t>Orienteering Problem</a:t>
+            </a:r>
           </a:p>
         </p:txBody>
       </p:sp>
@@ -3200,11 +3627,19 @@
         </p:nvSpPr>
         <p:spPr/>
         <p:txBody>
-          <a:bodyPr>
+          <a:bodyPr rtlCol="0">
             <a:normAutofit/>
           </a:bodyPr>
           <a:lstStyle/>
           <a:p>
+            <a:pPr fontAlgn="auto">
+              <a:spcAft>
+                <a:spcPts val="0"/>
+              </a:spcAft>
+              <a:buFont typeface="Arial" pitchFamily="34" charset="0"/>
+              <a:buNone/>
+              <a:defRPr/>
+            </a:pPr>
             <a:r>
               <a:rPr lang="en-US" dirty="0" smtClean="0"/>
               <a:t>Alejandro Lix Klett</a:t>
@@ -3229,15 +3664,17 @@
         </p:txBody>
       </p:sp>
     </p:spTree>
-    <p:extLst>
-      <p:ext uri="{BB962C8B-B14F-4D97-AF65-F5344CB8AC3E}">
-        <p14:creationId xmlns:p14="http://schemas.microsoft.com/office/powerpoint/2010/main" val="338735492"/>
-      </p:ext>
-    </p:extLst>
   </p:cSld>
   <p:clrMapOvr>
     <a:masterClrMapping/>
   </p:clrMapOvr>
+  <p:timing>
+    <p:tnLst>
+      <p:par>
+        <p:cTn id="1" dur="indefinite" restart="never" nodeType="tmRoot"/>
+      </p:par>
+    </p:tnLst>
+  </p:timing>
 </p:sld>
 </file>
 
@@ -3271,16 +3708,21 @@
         <p:spPr>
           <a:xfrm>
             <a:off x="457200" y="274638"/>
-            <a:ext cx="8229600" cy="418058"/>
-          </a:xfrm>
-        </p:spPr>
-        <p:txBody>
-          <a:bodyPr>
+            <a:ext cx="8229600" cy="417512"/>
+          </a:xfrm>
+        </p:spPr>
+        <p:txBody>
+          <a:bodyPr rtlCol="0">
             <a:normAutofit fontScale="90000"/>
           </a:bodyPr>
           <a:lstStyle/>
           <a:p>
-            <a:pPr algn="r"/>
+            <a:pPr algn="r" fontAlgn="auto">
+              <a:spcAft>
+                <a:spcPts val="0"/>
+              </a:spcAft>
+              <a:defRPr/>
+            </a:pPr>
             <a:r>
               <a:rPr lang="en-US" sz="2400" dirty="0" err="1" smtClean="0"/>
               <a:t>Algoritmo</a:t>
@@ -3299,7 +3741,7 @@
       </p:sp>
       <p:pic>
         <p:nvPicPr>
-          <p:cNvPr id="8" name="Content Placeholder 7"/>
+          <p:cNvPr id="22530" name="Content Placeholder 7"/>
           <p:cNvPicPr>
             <a:picLocks noGrp="1" noChangeAspect="1"/>
           </p:cNvPicPr>
@@ -3308,34 +3750,31 @@
           </p:nvPr>
         </p:nvPicPr>
         <p:blipFill>
-          <a:blip r:embed="rId2" cstate="print">
-            <a:extLst>
-              <a:ext uri="{28A0092B-C50C-407E-A947-70E740481C1C}">
-                <a14:useLocalDpi xmlns:a14="http://schemas.microsoft.com/office/drawing/2010/main" val="0"/>
-              </a:ext>
-            </a:extLst>
-          </a:blip>
+          <a:blip r:embed="rId2"/>
+          <a:srcRect/>
           <a:stretch>
             <a:fillRect/>
           </a:stretch>
         </p:blipFill>
         <p:spPr>
           <a:xfrm>
-            <a:off x="1331640" y="764704"/>
-            <a:ext cx="6662973" cy="5953253"/>
+            <a:off x="1331913" y="765175"/>
+            <a:ext cx="6662737" cy="5953125"/>
           </a:xfrm>
         </p:spPr>
       </p:pic>
     </p:spTree>
-    <p:extLst>
-      <p:ext uri="{BB962C8B-B14F-4D97-AF65-F5344CB8AC3E}">
-        <p14:creationId xmlns:p14="http://schemas.microsoft.com/office/powerpoint/2010/main" val="3867251395"/>
-      </p:ext>
-    </p:extLst>
   </p:cSld>
   <p:clrMapOvr>
     <a:masterClrMapping/>
   </p:clrMapOvr>
+  <p:timing>
+    <p:tnLst>
+      <p:par>
+        <p:cTn id="1" dur="indefinite" restart="never" nodeType="tmRoot"/>
+      </p:par>
+    </p:tnLst>
+  </p:timing>
 </p:sld>
 </file>
 
@@ -3369,16 +3808,21 @@
         <p:spPr>
           <a:xfrm>
             <a:off x="457200" y="274638"/>
-            <a:ext cx="8229600" cy="418058"/>
-          </a:xfrm>
-        </p:spPr>
-        <p:txBody>
-          <a:bodyPr>
+            <a:ext cx="8229600" cy="417512"/>
+          </a:xfrm>
+        </p:spPr>
+        <p:txBody>
+          <a:bodyPr rtlCol="0">
             <a:normAutofit fontScale="90000"/>
           </a:bodyPr>
           <a:lstStyle/>
           <a:p>
-            <a:pPr algn="r"/>
+            <a:pPr algn="r" fontAlgn="auto">
+              <a:spcAft>
+                <a:spcPts val="0"/>
+              </a:spcAft>
+              <a:defRPr/>
+            </a:pPr>
             <a:r>
               <a:rPr lang="en-US" sz="2400" dirty="0" err="1" smtClean="0"/>
               <a:t>Algoritmo</a:t>
@@ -3397,7 +3841,7 @@
       </p:sp>
       <p:sp>
         <p:nvSpPr>
-          <p:cNvPr id="3" name="Content Placeholder 2"/>
+          <p:cNvPr id="23554" name="Content Placeholder 2"/>
           <p:cNvSpPr>
             <a:spLocks noGrp="1"/>
           </p:cNvSpPr>
@@ -3407,37 +3851,18 @@
         </p:nvSpPr>
         <p:spPr>
           <a:xfrm>
-            <a:off x="457200" y="908720"/>
-            <a:ext cx="8229600" cy="5217443"/>
-          </a:xfrm>
-        </p:spPr>
-        <p:txBody>
-          <a:bodyPr>
-            <a:normAutofit/>
-          </a:bodyPr>
+            <a:off x="457200" y="908050"/>
+            <a:ext cx="8229600" cy="5218113"/>
+          </a:xfrm>
+        </p:spPr>
+        <p:txBody>
+          <a:bodyPr/>
           <a:lstStyle/>
           <a:p>
             <a:r>
-              <a:rPr lang="en-US" sz="2800" dirty="0" err="1" smtClean="0"/>
-              <a:t>Generación</a:t>
-            </a:r>
-            <a:r>
-              <a:rPr lang="en-US" sz="2800" dirty="0" smtClean="0"/>
-              <a:t> de la </a:t>
-            </a:r>
-            <a:r>
-              <a:rPr lang="en-US" sz="2800" dirty="0" err="1" smtClean="0"/>
-              <a:t>población</a:t>
-            </a:r>
-            <a:r>
-              <a:rPr lang="en-US" sz="2800" dirty="0" smtClean="0"/>
-              <a:t> </a:t>
-            </a:r>
-            <a:r>
-              <a:rPr lang="en-US" sz="2800" dirty="0" err="1" smtClean="0"/>
-              <a:t>inicial</a:t>
-            </a:r>
-            <a:endParaRPr lang="en-US" sz="2800" dirty="0" smtClean="0"/>
+              <a:rPr lang="en-US" sz="2800" smtClean="0"/>
+              <a:t>Generación de la población inicial</a:t>
+            </a:r>
           </a:p>
           <a:p>
             <a:pPr lvl="1">
@@ -3445,125 +3870,16 @@
               <a:buChar char="§"/>
             </a:pPr>
             <a:r>
-              <a:rPr lang="en-US" sz="2000" dirty="0" smtClean="0"/>
-              <a:t>Se </a:t>
-            </a:r>
-            <a:r>
-              <a:rPr lang="en-US" sz="2000" dirty="0" err="1" smtClean="0"/>
-              <a:t>crea</a:t>
-            </a:r>
-            <a:r>
-              <a:rPr lang="en-US" sz="2000" dirty="0" smtClean="0"/>
-              <a:t> </a:t>
-            </a:r>
-            <a:r>
-              <a:rPr lang="en-US" sz="2000" dirty="0" err="1" smtClean="0"/>
-              <a:t>una</a:t>
-            </a:r>
-            <a:r>
-              <a:rPr lang="en-US" sz="2000" dirty="0" smtClean="0"/>
-              <a:t> </a:t>
-            </a:r>
-            <a:r>
-              <a:rPr lang="en-US" sz="2000" dirty="0" err="1" smtClean="0"/>
-              <a:t>cantidad</a:t>
-            </a:r>
-            <a:r>
-              <a:rPr lang="en-US" sz="2000" dirty="0" smtClean="0"/>
-              <a:t> de </a:t>
-            </a:r>
-            <a:r>
-              <a:rPr lang="en-US" sz="2000" dirty="0" err="1" smtClean="0"/>
-              <a:t>vectores</a:t>
-            </a:r>
-            <a:r>
-              <a:rPr lang="en-US" sz="2000" dirty="0" smtClean="0"/>
-              <a:t> de </a:t>
-            </a:r>
-            <a:r>
-              <a:rPr lang="en-US" sz="2000" dirty="0" err="1" smtClean="0"/>
-              <a:t>enteros</a:t>
-            </a:r>
-            <a:r>
-              <a:rPr lang="en-US" sz="2000" dirty="0" smtClean="0"/>
-              <a:t> </a:t>
-            </a:r>
-            <a:r>
-              <a:rPr lang="en-US" sz="2000" dirty="0" err="1" smtClean="0"/>
-              <a:t>aleatorios</a:t>
-            </a:r>
-            <a:r>
-              <a:rPr lang="en-US" sz="2000" dirty="0" smtClean="0"/>
-              <a:t> </a:t>
-            </a:r>
-            <a:r>
-              <a:rPr lang="en-US" sz="2000" dirty="0" err="1" smtClean="0"/>
-              <a:t>igual</a:t>
-            </a:r>
-            <a:r>
-              <a:rPr lang="en-US" sz="2000" dirty="0" smtClean="0"/>
-              <a:t> a la </a:t>
-            </a:r>
-            <a:r>
-              <a:rPr lang="en-US" sz="2000" dirty="0" err="1" smtClean="0"/>
-              <a:t>cantidad</a:t>
-            </a:r>
-            <a:r>
-              <a:rPr lang="en-US" sz="2000" dirty="0" smtClean="0"/>
-              <a:t> de  </a:t>
-            </a:r>
-            <a:r>
-              <a:rPr lang="en-US" sz="2000" dirty="0" err="1" smtClean="0"/>
-              <a:t>soluciones</a:t>
-            </a:r>
-            <a:r>
-              <a:rPr lang="en-US" sz="2000" dirty="0" smtClean="0"/>
-              <a:t> </a:t>
-            </a:r>
-            <a:r>
-              <a:rPr lang="en-US" sz="2000" dirty="0" err="1" smtClean="0"/>
-              <a:t>por</a:t>
-            </a:r>
-            <a:r>
-              <a:rPr lang="en-US" sz="2000" dirty="0" smtClean="0"/>
-              <a:t> </a:t>
-            </a:r>
-            <a:r>
-              <a:rPr lang="en-US" sz="2000" dirty="0" err="1" smtClean="0"/>
-              <a:t>generacion</a:t>
-            </a:r>
-            <a:r>
-              <a:rPr lang="en-US" sz="2000" dirty="0" smtClean="0"/>
-              <a:t> </a:t>
-            </a:r>
-            <a:r>
-              <a:rPr lang="en-US" sz="2000" dirty="0" err="1" smtClean="0"/>
-              <a:t>que</a:t>
-            </a:r>
-            <a:r>
-              <a:rPr lang="en-US" sz="2000" dirty="0" smtClean="0"/>
-              <a:t> se </a:t>
-            </a:r>
-            <a:r>
-              <a:rPr lang="en-US" sz="2000" dirty="0" err="1" smtClean="0"/>
-              <a:t>desea</a:t>
-            </a:r>
-            <a:endParaRPr lang="en-US" sz="2400" dirty="0" smtClean="0"/>
-          </a:p>
-          <a:p>
-            <a:r>
-              <a:rPr lang="en-US" sz="2800" dirty="0" err="1" smtClean="0"/>
-              <a:t>Decodificación</a:t>
-            </a:r>
-            <a:r>
-              <a:rPr lang="en-US" sz="2800" dirty="0" smtClean="0"/>
-              <a:t> de la </a:t>
-            </a:r>
-            <a:r>
-              <a:rPr lang="en-US" sz="2800" dirty="0" err="1" smtClean="0"/>
-              <a:t>población</a:t>
-            </a:r>
-            <a:endParaRPr lang="en-US" sz="2800" dirty="0" smtClean="0"/>
+              <a:rPr lang="en-US" sz="2000" smtClean="0"/>
+              <a:t>Se crea una cantidad de vectores de enteros aleatorios igual a la cantidad de  soluciones por generación que se desea</a:t>
+            </a:r>
+            <a:endParaRPr lang="en-US" sz="2400" smtClean="0"/>
+          </a:p>
+          <a:p>
+            <a:r>
+              <a:rPr lang="en-US" sz="2800" smtClean="0"/>
+              <a:t>Decodificación de la población</a:t>
+            </a:r>
           </a:p>
           <a:p>
             <a:pPr lvl="1">
@@ -3571,34 +3887,9 @@
               <a:buChar char="§"/>
             </a:pPr>
             <a:r>
-              <a:rPr lang="en-US" sz="2000" dirty="0" err="1" smtClean="0"/>
-              <a:t>Orden</a:t>
-            </a:r>
-            <a:r>
-              <a:rPr lang="en-US" sz="2000" dirty="0" smtClean="0"/>
-              <a:t> en </a:t>
-            </a:r>
-            <a:r>
-              <a:rPr lang="en-US" sz="2000" dirty="0" err="1" smtClean="0"/>
-              <a:t>que</a:t>
-            </a:r>
-            <a:r>
-              <a:rPr lang="en-US" sz="2000" dirty="0" smtClean="0"/>
-              <a:t> se </a:t>
-            </a:r>
-            <a:r>
-              <a:rPr lang="en-US" sz="2000" dirty="0" err="1" smtClean="0"/>
-              <a:t>seleccionan</a:t>
-            </a:r>
-            <a:r>
-              <a:rPr lang="en-US" sz="2000" dirty="0" smtClean="0"/>
-              <a:t> los </a:t>
-            </a:r>
-            <a:r>
-              <a:rPr lang="en-US" sz="2000" dirty="0" err="1" smtClean="0"/>
-              <a:t>clientes</a:t>
-            </a:r>
-            <a:endParaRPr lang="en-US" sz="2000" dirty="0" smtClean="0"/>
+              <a:rPr lang="en-US" sz="2000" smtClean="0"/>
+              <a:t>Orden en que se seleccionan los clientes</a:t>
+            </a:r>
           </a:p>
           <a:p>
             <a:pPr lvl="1">
@@ -3606,12 +3897,8 @@
               <a:buChar char="§"/>
             </a:pPr>
             <a:r>
-              <a:rPr lang="en-US" sz="2000" dirty="0" err="1" smtClean="0"/>
-              <a:t>Decodificador</a:t>
-            </a:r>
-            <a:r>
-              <a:rPr lang="en-US" sz="2000" dirty="0" smtClean="0"/>
-              <a:t> Simple</a:t>
+              <a:rPr lang="en-US" sz="2000" smtClean="0"/>
+              <a:t>Decodificador Simple</a:t>
             </a:r>
           </a:p>
           <a:p>
@@ -3620,18 +3907,9 @@
               <a:buChar char="§"/>
             </a:pPr>
             <a:r>
-              <a:rPr lang="en-US" sz="2000" dirty="0" err="1" smtClean="0"/>
-              <a:t>Decodificador</a:t>
-            </a:r>
-            <a:r>
-              <a:rPr lang="en-US" sz="2000" dirty="0" smtClean="0"/>
-              <a:t> </a:t>
-            </a:r>
-            <a:r>
-              <a:rPr lang="en-US" sz="2000" dirty="0" err="1" smtClean="0"/>
-              <a:t>Goloso</a:t>
-            </a:r>
-            <a:endParaRPr lang="en-US" sz="2000" dirty="0" smtClean="0"/>
+              <a:rPr lang="en-US" sz="2000" smtClean="0"/>
+              <a:t>Decodificador Goloso</a:t>
+            </a:r>
           </a:p>
           <a:p>
             <a:pPr lvl="1">
@@ -3639,97 +3917,46 @@
               <a:buChar char="§"/>
             </a:pPr>
             <a:r>
-              <a:rPr lang="en-US" sz="2000" dirty="0" err="1" smtClean="0"/>
-              <a:t>Cada</a:t>
-            </a:r>
-            <a:r>
-              <a:rPr lang="en-US" sz="2000" dirty="0" smtClean="0"/>
-              <a:t> vector de </a:t>
-            </a:r>
-            <a:r>
-              <a:rPr lang="en-US" sz="2000" dirty="0" err="1" smtClean="0"/>
-              <a:t>enteros</a:t>
-            </a:r>
-            <a:r>
-              <a:rPr lang="en-US" sz="2000" dirty="0" smtClean="0"/>
-              <a:t> se </a:t>
-            </a:r>
-            <a:r>
-              <a:rPr lang="en-US" sz="2000" dirty="0" err="1" smtClean="0"/>
-              <a:t>decodifica</a:t>
-            </a:r>
-            <a:r>
-              <a:rPr lang="en-US" sz="2000" dirty="0" smtClean="0"/>
-              <a:t> en </a:t>
-            </a:r>
-            <a:r>
-              <a:rPr lang="en-US" sz="2000" dirty="0" err="1" smtClean="0"/>
-              <a:t>una</a:t>
-            </a:r>
-            <a:r>
-              <a:rPr lang="en-US" sz="2000" dirty="0" smtClean="0"/>
-              <a:t> </a:t>
-            </a:r>
-            <a:r>
-              <a:rPr lang="en-US" sz="2000" dirty="0" err="1" smtClean="0"/>
-              <a:t>solución</a:t>
-            </a:r>
-            <a:r>
-              <a:rPr lang="en-US" sz="2000" dirty="0" smtClean="0"/>
-              <a:t> </a:t>
-            </a:r>
-            <a:r>
-              <a:rPr lang="en-US" sz="2000" dirty="0" err="1" smtClean="0"/>
-              <a:t>válida</a:t>
-            </a:r>
-            <a:r>
-              <a:rPr lang="en-US" sz="2000" dirty="0" smtClean="0"/>
-              <a:t> del </a:t>
-            </a:r>
-            <a:r>
-              <a:rPr lang="en-US" sz="2000" dirty="0" err="1" smtClean="0"/>
-              <a:t>problema</a:t>
-            </a:r>
-            <a:endParaRPr lang="es-AR" sz="2000" dirty="0"/>
+              <a:rPr lang="en-US" sz="2000" smtClean="0"/>
+              <a:t>Cada vector de enteros se decodifica en una solución válida del problema</a:t>
+            </a:r>
+            <a:endParaRPr lang="es-AR" sz="2000" smtClean="0"/>
           </a:p>
         </p:txBody>
       </p:sp>
       <p:pic>
         <p:nvPicPr>
-          <p:cNvPr id="4" name="Picture 3"/>
+          <p:cNvPr id="23555" name="Picture 3"/>
           <p:cNvPicPr>
             <a:picLocks noChangeAspect="1"/>
           </p:cNvPicPr>
           <p:nvPr/>
         </p:nvPicPr>
         <p:blipFill>
-          <a:blip r:embed="rId2">
-            <a:extLst>
-              <a:ext uri="{28A0092B-C50C-407E-A947-70E740481C1C}">
-                <a14:useLocalDpi xmlns:a14="http://schemas.microsoft.com/office/drawing/2010/main" val="0"/>
-              </a:ext>
-            </a:extLst>
-          </a:blip>
+          <a:blip r:embed="rId2"/>
+          <a:srcRect/>
           <a:stretch>
             <a:fillRect/>
           </a:stretch>
         </p:blipFill>
-        <p:spPr>
-          <a:xfrm>
-            <a:off x="0" y="4293096"/>
-            <a:ext cx="9144000" cy="2310938"/>
+        <p:spPr bwMode="auto">
+          <a:xfrm>
+            <a:off x="0" y="4292600"/>
+            <a:ext cx="9144000" cy="2311400"/>
           </a:xfrm>
           <a:prstGeom prst="rect">
             <a:avLst/>
           </a:prstGeom>
+          <a:noFill/>
+          <a:ln w="9525">
+            <a:noFill/>
+            <a:miter lim="800000"/>
+            <a:headEnd/>
+            <a:tailEnd/>
+          </a:ln>
         </p:spPr>
       </p:pic>
     </p:spTree>
-    <p:extLst>
-      <p:ext uri="{BB962C8B-B14F-4D97-AF65-F5344CB8AC3E}">
-        <p14:creationId xmlns:p14="http://schemas.microsoft.com/office/powerpoint/2010/main" val="604376514"/>
-      </p:ext>
-    </p:extLst>
   </p:cSld>
   <p:clrMapOvr>
     <a:masterClrMapping/>
@@ -3767,16 +3994,21 @@
         <p:spPr>
           <a:xfrm>
             <a:off x="457200" y="274638"/>
-            <a:ext cx="8229600" cy="418058"/>
-          </a:xfrm>
-        </p:spPr>
-        <p:txBody>
-          <a:bodyPr>
+            <a:ext cx="8229600" cy="417512"/>
+          </a:xfrm>
+        </p:spPr>
+        <p:txBody>
+          <a:bodyPr rtlCol="0">
             <a:normAutofit fontScale="90000"/>
           </a:bodyPr>
           <a:lstStyle/>
           <a:p>
-            <a:pPr algn="r"/>
+            <a:pPr algn="r" fontAlgn="auto">
+              <a:spcAft>
+                <a:spcPts val="0"/>
+              </a:spcAft>
+              <a:defRPr/>
+            </a:pPr>
             <a:r>
               <a:rPr lang="en-US" sz="2400" dirty="0" err="1" smtClean="0"/>
               <a:t>Algoritmo</a:t>
@@ -3805,269 +4037,178 @@
         </p:nvSpPr>
         <p:spPr>
           <a:xfrm>
-            <a:off x="457200" y="908720"/>
-            <a:ext cx="8229600" cy="5217443"/>
+            <a:off x="457200" y="908050"/>
+            <a:ext cx="8229600" cy="5218113"/>
           </a:xfrm>
         </p:spPr>
         <p:txBody>
           <a:bodyPr>
-            <a:normAutofit lnSpcReduction="10000"/>
+            <a:normAutofit/>
           </a:bodyPr>
           <a:lstStyle/>
           <a:p>
-            <a:endParaRPr lang="en-US" sz="2800" dirty="0" smtClean="0"/>
-          </a:p>
-          <a:p>
-            <a:endParaRPr lang="en-US" sz="2800" dirty="0"/>
-          </a:p>
-          <a:p>
-            <a:endParaRPr lang="en-US" sz="2800" dirty="0" smtClean="0"/>
-          </a:p>
-          <a:p>
-            <a:endParaRPr lang="en-US" sz="2800" dirty="0"/>
-          </a:p>
-          <a:p>
-            <a:r>
-              <a:rPr lang="en-US" sz="2800" dirty="0" err="1" smtClean="0"/>
-              <a:t>Evolución</a:t>
-            </a:r>
-            <a:r>
-              <a:rPr lang="en-US" sz="2800" dirty="0" smtClean="0"/>
-              <a:t> </a:t>
-            </a:r>
-            <a:r>
-              <a:rPr lang="en-US" sz="2800" dirty="0"/>
-              <a:t>de </a:t>
-            </a:r>
-            <a:r>
-              <a:rPr lang="en-US" sz="2800" dirty="0" err="1"/>
-              <a:t>población</a:t>
-            </a:r>
-            <a:endParaRPr lang="en-US" sz="2800" dirty="0"/>
+            <a:pPr>
+              <a:lnSpc>
+                <a:spcPct val="90000"/>
+              </a:lnSpc>
+            </a:pPr>
+            <a:endParaRPr lang="en-US" sz="2800" smtClean="0"/>
+          </a:p>
+          <a:p>
+            <a:pPr>
+              <a:lnSpc>
+                <a:spcPct val="90000"/>
+              </a:lnSpc>
+            </a:pPr>
+            <a:endParaRPr lang="en-US" sz="2800" smtClean="0"/>
+          </a:p>
+          <a:p>
+            <a:pPr>
+              <a:lnSpc>
+                <a:spcPct val="90000"/>
+              </a:lnSpc>
+            </a:pPr>
+            <a:endParaRPr lang="en-US" sz="2800" smtClean="0"/>
+          </a:p>
+          <a:p>
+            <a:pPr>
+              <a:lnSpc>
+                <a:spcPct val="90000"/>
+              </a:lnSpc>
+            </a:pPr>
+            <a:endParaRPr lang="en-US" sz="2800" smtClean="0"/>
+          </a:p>
+          <a:p>
+            <a:pPr>
+              <a:lnSpc>
+                <a:spcPct val="90000"/>
+              </a:lnSpc>
+            </a:pPr>
+            <a:r>
+              <a:rPr lang="en-US" sz="2800" smtClean="0"/>
+              <a:t>Evolución de la población</a:t>
+            </a:r>
           </a:p>
           <a:p>
             <a:pPr lvl="1">
+              <a:lnSpc>
+                <a:spcPct val="90000"/>
+              </a:lnSpc>
               <a:buFont typeface="Wingdings" pitchFamily="2" charset="2"/>
               <a:buChar char="§"/>
             </a:pPr>
             <a:r>
-              <a:rPr lang="en-US" sz="2000" dirty="0" err="1"/>
-              <a:t>Ordenamiento</a:t>
-            </a:r>
-            <a:r>
-              <a:rPr lang="en-US" sz="2000" dirty="0"/>
-              <a:t> de </a:t>
-            </a:r>
-            <a:r>
-              <a:rPr lang="en-US" sz="2000" dirty="0" err="1"/>
-              <a:t>las</a:t>
-            </a:r>
-            <a:r>
-              <a:rPr lang="en-US" sz="2000" dirty="0"/>
-              <a:t> </a:t>
-            </a:r>
-            <a:r>
-              <a:rPr lang="en-US" sz="2000" dirty="0" err="1"/>
-              <a:t>soluciones</a:t>
-            </a:r>
-            <a:r>
-              <a:rPr lang="en-US" sz="2000" dirty="0"/>
-              <a:t> </a:t>
-            </a:r>
-            <a:r>
-              <a:rPr lang="en-US" sz="2000" dirty="0" err="1"/>
-              <a:t>por</a:t>
-            </a:r>
-            <a:r>
-              <a:rPr lang="en-US" sz="2000" dirty="0"/>
-              <a:t> </a:t>
-            </a:r>
-            <a:r>
-              <a:rPr lang="en-US" sz="2000" dirty="0" err="1"/>
-              <a:t>aptitud</a:t>
-            </a:r>
-            <a:r>
-              <a:rPr lang="en-US" sz="2000" dirty="0"/>
-              <a:t> </a:t>
-            </a:r>
-            <a:r>
-              <a:rPr lang="en-US" sz="2000" dirty="0" err="1"/>
-              <a:t>física</a:t>
-            </a:r>
-            <a:endParaRPr lang="en-US" sz="2000" dirty="0"/>
+              <a:rPr lang="en-US" sz="2000" smtClean="0"/>
+              <a:t>Ordenamiento de las soluciones por aptitud física</a:t>
+            </a:r>
           </a:p>
           <a:p>
             <a:pPr lvl="1">
+              <a:lnSpc>
+                <a:spcPct val="90000"/>
+              </a:lnSpc>
               <a:buFont typeface="Wingdings" pitchFamily="2" charset="2"/>
               <a:buChar char="§"/>
             </a:pPr>
             <a:r>
-              <a:rPr lang="es-AR" sz="2000" dirty="0"/>
+              <a:rPr lang="es-AR" sz="2000" smtClean="0"/>
               <a:t>Clasificación de las soluciones en elite o no-elite</a:t>
             </a:r>
-            <a:endParaRPr lang="en-US" sz="2000" dirty="0"/>
+            <a:endParaRPr lang="en-US" sz="2000" smtClean="0"/>
           </a:p>
           <a:p>
             <a:pPr lvl="1">
+              <a:lnSpc>
+                <a:spcPct val="90000"/>
+              </a:lnSpc>
               <a:buFont typeface="Wingdings" pitchFamily="2" charset="2"/>
               <a:buChar char="§"/>
             </a:pPr>
             <a:r>
-              <a:rPr lang="es-AR" sz="2000" dirty="0"/>
-              <a:t>Soluciones de elite pasan directamente a la siguiente generación</a:t>
-            </a:r>
-            <a:endParaRPr lang="en-US" sz="2000" dirty="0"/>
+              <a:rPr lang="es-AR" sz="2000" smtClean="0"/>
+              <a:t>Las soluciones  elite pasan directamente a la siguiente generación</a:t>
+            </a:r>
+            <a:endParaRPr lang="en-US" sz="2000" smtClean="0"/>
           </a:p>
           <a:p>
             <a:pPr lvl="1">
+              <a:lnSpc>
+                <a:spcPct val="90000"/>
+              </a:lnSpc>
               <a:buFont typeface="Wingdings" pitchFamily="2" charset="2"/>
               <a:buChar char="§"/>
             </a:pPr>
             <a:r>
-              <a:rPr lang="es-AR" sz="2000" dirty="0"/>
+              <a:rPr lang="es-AR" sz="2000" smtClean="0"/>
               <a:t>Generación de soluciones hijos utilizando el método de </a:t>
             </a:r>
             <a:r>
-              <a:rPr lang="es-AR" sz="2000" i="1" dirty="0"/>
+              <a:rPr lang="es-AR" sz="2000" i="1" smtClean="0"/>
               <a:t>crossover</a:t>
             </a:r>
           </a:p>
           <a:p>
             <a:pPr lvl="1">
+              <a:lnSpc>
+                <a:spcPct val="90000"/>
+              </a:lnSpc>
               <a:buFont typeface="Wingdings" pitchFamily="2" charset="2"/>
               <a:buChar char="§"/>
             </a:pPr>
             <a:r>
-              <a:rPr lang="en-US" sz="2000" dirty="0" smtClean="0"/>
-              <a:t>No se </a:t>
-            </a:r>
-            <a:r>
-              <a:rPr lang="en-US" sz="2000" dirty="0" err="1" smtClean="0"/>
-              <a:t>permiten</a:t>
-            </a:r>
-            <a:r>
-              <a:rPr lang="en-US" sz="2000" dirty="0" smtClean="0"/>
-              <a:t> </a:t>
-            </a:r>
-            <a:r>
-              <a:rPr lang="en-US" sz="2000" dirty="0" err="1" smtClean="0"/>
-              <a:t>soluciones</a:t>
-            </a:r>
-            <a:r>
-              <a:rPr lang="en-US" sz="2000" dirty="0" smtClean="0"/>
-              <a:t> </a:t>
-            </a:r>
-            <a:r>
-              <a:rPr lang="en-US" sz="2000" dirty="0" err="1" smtClean="0"/>
-              <a:t>repetidas</a:t>
-            </a:r>
-            <a:r>
-              <a:rPr lang="en-US" sz="2000" dirty="0" smtClean="0"/>
-              <a:t>, se </a:t>
-            </a:r>
-            <a:r>
-              <a:rPr lang="en-US" sz="2000" dirty="0" err="1" smtClean="0"/>
-              <a:t>utiliza</a:t>
-            </a:r>
-            <a:r>
-              <a:rPr lang="en-US" sz="2000" dirty="0" smtClean="0"/>
-              <a:t> el hash </a:t>
-            </a:r>
-            <a:r>
-              <a:rPr lang="en-US" sz="2000" dirty="0" err="1" smtClean="0"/>
-              <a:t>para</a:t>
-            </a:r>
-            <a:r>
-              <a:rPr lang="en-US" sz="2000" dirty="0" smtClean="0"/>
-              <a:t> </a:t>
-            </a:r>
-            <a:r>
-              <a:rPr lang="en-US" sz="2000" dirty="0" err="1" smtClean="0"/>
-              <a:t>determinar</a:t>
-            </a:r>
-            <a:r>
-              <a:rPr lang="en-US" sz="2000" dirty="0" smtClean="0"/>
-              <a:t> </a:t>
-            </a:r>
-            <a:r>
-              <a:rPr lang="en-US" sz="2000" dirty="0" err="1" smtClean="0"/>
-              <a:t>si</a:t>
-            </a:r>
-            <a:r>
-              <a:rPr lang="en-US" sz="2000" dirty="0" smtClean="0"/>
-              <a:t> dos </a:t>
-            </a:r>
-            <a:r>
-              <a:rPr lang="en-US" sz="2000" dirty="0" err="1" smtClean="0"/>
-              <a:t>soluciones</a:t>
-            </a:r>
-            <a:r>
-              <a:rPr lang="en-US" sz="2000" dirty="0" smtClean="0"/>
-              <a:t> son </a:t>
-            </a:r>
-            <a:r>
-              <a:rPr lang="en-US" sz="2000" dirty="0" err="1" smtClean="0"/>
-              <a:t>iguales</a:t>
-            </a:r>
-            <a:endParaRPr lang="es-AR" sz="2000" dirty="0" smtClean="0"/>
+              <a:rPr lang="en-US" sz="2000" smtClean="0"/>
+              <a:t>No se permiten soluciones repetidas, se utiliza el hash para determinar si dos soluciones son iguales</a:t>
+            </a:r>
+            <a:endParaRPr lang="es-AR" sz="2000" smtClean="0"/>
           </a:p>
           <a:p>
             <a:pPr lvl="1">
+              <a:lnSpc>
+                <a:spcPct val="90000"/>
+              </a:lnSpc>
               <a:buFont typeface="Wingdings" pitchFamily="2" charset="2"/>
               <a:buChar char="§"/>
             </a:pPr>
             <a:r>
-              <a:rPr lang="es-AR" sz="2000" dirty="0" smtClean="0"/>
-              <a:t>Se </a:t>
-            </a:r>
-            <a:r>
-              <a:rPr lang="es-AR" sz="2000" dirty="0"/>
-              <a:t>completa la nueva generación con soluciones mutantes, soluciones aleatorias para escapar de los mínimos </a:t>
-            </a:r>
-            <a:r>
-              <a:rPr lang="es-AR" sz="2000" dirty="0" smtClean="0"/>
-              <a:t>locales</a:t>
-            </a:r>
-            <a:endParaRPr lang="es-AR" sz="2000" dirty="0"/>
+              <a:rPr lang="es-AR" sz="2000" smtClean="0"/>
+              <a:t>Se completa la nueva generación con soluciones mutantes, soluciones aleatorias para escapar de los mínimos locales</a:t>
+            </a:r>
           </a:p>
         </p:txBody>
       </p:sp>
       <p:pic>
         <p:nvPicPr>
-          <p:cNvPr id="5" name="Picture 4"/>
+          <p:cNvPr id="24579" name="Picture 4"/>
           <p:cNvPicPr>
             <a:picLocks noChangeAspect="1"/>
           </p:cNvPicPr>
           <p:nvPr/>
         </p:nvPicPr>
         <p:blipFill>
-          <a:blip r:embed="rId2">
-            <a:extLst>
-              <a:ext uri="{28A0092B-C50C-407E-A947-70E740481C1C}">
-                <a14:useLocalDpi xmlns:a14="http://schemas.microsoft.com/office/drawing/2010/main" val="0"/>
-              </a:ext>
-            </a:extLst>
-          </a:blip>
+          <a:blip r:embed="rId2"/>
+          <a:srcRect/>
           <a:stretch>
             <a:fillRect/>
           </a:stretch>
         </p:blipFill>
-        <p:spPr>
-          <a:xfrm>
-            <a:off x="0" y="548680"/>
-            <a:ext cx="9144000" cy="2310938"/>
+        <p:spPr bwMode="auto">
+          <a:xfrm>
+            <a:off x="0" y="549275"/>
+            <a:ext cx="9144000" cy="2309813"/>
           </a:xfrm>
           <a:prstGeom prst="rect">
             <a:avLst/>
           </a:prstGeom>
+          <a:noFill/>
+          <a:ln w="9525">
+            <a:noFill/>
+            <a:miter lim="800000"/>
+            <a:headEnd/>
+            <a:tailEnd/>
+          </a:ln>
         </p:spPr>
       </p:pic>
     </p:spTree>
-    <p:extLst>
-      <p:ext uri="{BB962C8B-B14F-4D97-AF65-F5344CB8AC3E}">
-        <p14:creationId xmlns:p14="http://schemas.microsoft.com/office/powerpoint/2010/main" val="2391434657"/>
-      </p:ext>
-    </p:extLst>
   </p:cSld>
   <p:clrMapOvr>
     <a:masterClrMapping/>
@@ -4105,16 +4246,21 @@
         <p:spPr>
           <a:xfrm>
             <a:off x="457200" y="274638"/>
-            <a:ext cx="8229600" cy="418058"/>
-          </a:xfrm>
-        </p:spPr>
-        <p:txBody>
-          <a:bodyPr>
+            <a:ext cx="8229600" cy="417512"/>
+          </a:xfrm>
+        </p:spPr>
+        <p:txBody>
+          <a:bodyPr rtlCol="0">
             <a:normAutofit fontScale="90000"/>
           </a:bodyPr>
           <a:lstStyle/>
           <a:p>
-            <a:pPr algn="r"/>
+            <a:pPr algn="r" fontAlgn="auto">
+              <a:spcAft>
+                <a:spcPts val="0"/>
+              </a:spcAft>
+              <a:defRPr/>
+            </a:pPr>
             <a:r>
               <a:rPr lang="en-US" sz="2400" dirty="0" err="1" smtClean="0"/>
               <a:t>Algoritmo</a:t>
@@ -4133,7 +4279,7 @@
       </p:sp>
       <p:sp>
         <p:nvSpPr>
-          <p:cNvPr id="3" name="Content Placeholder 2"/>
+          <p:cNvPr id="25602" name="Content Placeholder 2"/>
           <p:cNvSpPr>
             <a:spLocks noGrp="1"/>
           </p:cNvSpPr>
@@ -4143,37 +4289,29 @@
         </p:nvSpPr>
         <p:spPr>
           <a:xfrm>
-            <a:off x="457200" y="908720"/>
-            <a:ext cx="8229600" cy="5217443"/>
-          </a:xfrm>
-        </p:spPr>
-        <p:txBody>
-          <a:bodyPr>
-            <a:normAutofit/>
-          </a:bodyPr>
+            <a:off x="457200" y="908050"/>
+            <a:ext cx="8229600" cy="5218113"/>
+          </a:xfrm>
+        </p:spPr>
+        <p:txBody>
+          <a:bodyPr/>
           <a:lstStyle/>
           <a:p>
-            <a:r>
-              <a:rPr lang="en-US" sz="2800" dirty="0" err="1" smtClean="0"/>
-              <a:t>Evaluación</a:t>
-            </a:r>
-            <a:r>
-              <a:rPr lang="en-US" sz="2800" dirty="0" smtClean="0"/>
-              <a:t> de la </a:t>
-            </a:r>
-            <a:r>
-              <a:rPr lang="en-US" sz="2800" dirty="0" err="1" smtClean="0"/>
-              <a:t>condición</a:t>
-            </a:r>
-            <a:r>
-              <a:rPr lang="en-US" sz="2800" dirty="0" smtClean="0"/>
-              <a:t> de </a:t>
-            </a:r>
-            <a:r>
-              <a:rPr lang="en-US" sz="2800" dirty="0" err="1" smtClean="0"/>
-              <a:t>parada</a:t>
-            </a:r>
-            <a:endParaRPr lang="en-US" sz="2800" dirty="0" smtClean="0"/>
+            <a:pPr>
+              <a:buFont typeface="Arial" charset="0"/>
+              <a:buNone/>
+            </a:pPr>
+            <a:r>
+              <a:rPr lang="es-ES_tradnl" sz="2800" smtClean="0"/>
+              <a:t>C</a:t>
+            </a:r>
+            <a:r>
+              <a:rPr lang="en-US" sz="2800" smtClean="0"/>
+              <a:t>ondiciones de parada</a:t>
+            </a:r>
+          </a:p>
+          <a:p>
+            <a:endParaRPr lang="en-US" sz="2800" smtClean="0"/>
           </a:p>
           <a:p>
             <a:pPr lvl="1">
@@ -4181,26 +4319,9 @@
               <a:buChar char="§"/>
             </a:pPr>
             <a:r>
-              <a:rPr lang="en-US" sz="2000" dirty="0" err="1" smtClean="0"/>
-              <a:t>Mínima</a:t>
-            </a:r>
-            <a:r>
-              <a:rPr lang="en-US" sz="2000" dirty="0" smtClean="0"/>
-              <a:t> </a:t>
-            </a:r>
-            <a:r>
-              <a:rPr lang="en-US" sz="2000" dirty="0" err="1" smtClean="0"/>
-              <a:t>cantidad</a:t>
-            </a:r>
-            <a:r>
-              <a:rPr lang="en-US" sz="2000" dirty="0" smtClean="0"/>
-              <a:t> de </a:t>
-            </a:r>
-            <a:r>
-              <a:rPr lang="en-US" sz="2000" dirty="0" err="1" smtClean="0"/>
-              <a:t>generaciones</a:t>
-            </a:r>
-            <a:endParaRPr lang="en-US" sz="2000" dirty="0" smtClean="0"/>
+              <a:rPr lang="en-US" sz="2000" smtClean="0"/>
+              <a:t>Cantidad de generaciones</a:t>
+            </a:r>
           </a:p>
           <a:p>
             <a:pPr lvl="1">
@@ -4208,66 +4329,9 @@
               <a:buChar char="§"/>
             </a:pPr>
             <a:r>
-              <a:rPr lang="en-US" sz="2000" dirty="0" err="1" smtClean="0"/>
-              <a:t>Ultimas</a:t>
-            </a:r>
-            <a:r>
-              <a:rPr lang="en-US" sz="2000" dirty="0" smtClean="0"/>
-              <a:t> X </a:t>
-            </a:r>
-            <a:r>
-              <a:rPr lang="en-US" sz="2000" dirty="0" err="1" smtClean="0"/>
-              <a:t>generaciónes</a:t>
-            </a:r>
-            <a:r>
-              <a:rPr lang="en-US" sz="2000" dirty="0" smtClean="0"/>
-              <a:t> sin </a:t>
-            </a:r>
-            <a:r>
-              <a:rPr lang="en-US" sz="2000" dirty="0" err="1" smtClean="0"/>
-              <a:t>que</a:t>
-            </a:r>
-            <a:r>
-              <a:rPr lang="en-US" sz="2000" dirty="0" smtClean="0"/>
-              <a:t> </a:t>
-            </a:r>
-            <a:r>
-              <a:rPr lang="en-US" sz="2000" dirty="0" err="1" smtClean="0"/>
-              <a:t>haya</a:t>
-            </a:r>
-            <a:r>
-              <a:rPr lang="en-US" sz="2000" dirty="0" smtClean="0"/>
-              <a:t> </a:t>
-            </a:r>
-            <a:r>
-              <a:rPr lang="en-US" sz="2000" dirty="0" err="1" smtClean="0"/>
-              <a:t>mejorado</a:t>
-            </a:r>
-            <a:r>
-              <a:rPr lang="en-US" sz="2000" dirty="0" smtClean="0"/>
-              <a:t> el </a:t>
-            </a:r>
-            <a:r>
-              <a:rPr lang="en-US" sz="2000" dirty="0" err="1" smtClean="0"/>
-              <a:t>beneficio</a:t>
-            </a:r>
-            <a:r>
-              <a:rPr lang="en-US" sz="2000" dirty="0" smtClean="0"/>
-              <a:t> de la </a:t>
-            </a:r>
-            <a:r>
-              <a:rPr lang="en-US" sz="2000" dirty="0" err="1" smtClean="0"/>
-              <a:t>mejor</a:t>
-            </a:r>
-            <a:r>
-              <a:rPr lang="en-US" sz="2000" dirty="0" smtClean="0"/>
-              <a:t> </a:t>
-            </a:r>
-            <a:r>
-              <a:rPr lang="en-US" sz="2000" dirty="0" err="1" smtClean="0"/>
-              <a:t>solución</a:t>
-            </a:r>
-            <a:endParaRPr lang="en-US" sz="2000" dirty="0" smtClean="0"/>
+              <a:rPr lang="en-US" sz="2000" smtClean="0"/>
+              <a:t>Ultimas X generaciónes sin que haya mejorado el beneficio de la mejor solución</a:t>
+            </a:r>
           </a:p>
           <a:p>
             <a:pPr lvl="1">
@@ -4275,70 +4339,9 @@
               <a:buChar char="§"/>
             </a:pPr>
             <a:r>
-              <a:rPr lang="en-US" sz="2000" dirty="0" smtClean="0"/>
-              <a:t>Si no se </a:t>
-            </a:r>
-            <a:r>
-              <a:rPr lang="en-US" sz="2000" dirty="0" err="1" smtClean="0"/>
-              <a:t>cumplen</a:t>
-            </a:r>
-            <a:r>
-              <a:rPr lang="en-US" sz="2000" dirty="0" smtClean="0"/>
-              <a:t> </a:t>
-            </a:r>
-            <a:r>
-              <a:rPr lang="en-US" sz="2000" dirty="0" err="1" smtClean="0"/>
-              <a:t>las</a:t>
-            </a:r>
-            <a:r>
-              <a:rPr lang="en-US" sz="2000" dirty="0" smtClean="0"/>
-              <a:t> </a:t>
-            </a:r>
-            <a:r>
-              <a:rPr lang="en-US" sz="2000" dirty="0" err="1" smtClean="0"/>
-              <a:t>condiciones</a:t>
-            </a:r>
-            <a:r>
-              <a:rPr lang="en-US" sz="2000" dirty="0" smtClean="0"/>
-              <a:t>, </a:t>
-            </a:r>
-            <a:r>
-              <a:rPr lang="en-US" sz="2000" dirty="0" err="1" smtClean="0"/>
-              <a:t>comienza</a:t>
-            </a:r>
-            <a:r>
-              <a:rPr lang="en-US" sz="2000" dirty="0" smtClean="0"/>
-              <a:t> un </a:t>
-            </a:r>
-            <a:r>
-              <a:rPr lang="en-US" sz="2000" dirty="0" err="1" smtClean="0"/>
-              <a:t>nuevo</a:t>
-            </a:r>
-            <a:r>
-              <a:rPr lang="en-US" sz="2000" dirty="0" smtClean="0"/>
-              <a:t> </a:t>
-            </a:r>
-            <a:r>
-              <a:rPr lang="en-US" sz="2000" dirty="0" err="1" smtClean="0"/>
-              <a:t>ciclo</a:t>
-            </a:r>
-            <a:r>
-              <a:rPr lang="en-US" sz="2000" dirty="0" smtClean="0"/>
-              <a:t> </a:t>
-            </a:r>
-            <a:r>
-              <a:rPr lang="en-US" sz="2000" dirty="0" err="1" smtClean="0"/>
-              <a:t>evolucionando</a:t>
-            </a:r>
-            <a:r>
-              <a:rPr lang="en-US" sz="2000" dirty="0" smtClean="0"/>
-              <a:t> la </a:t>
-            </a:r>
-            <a:r>
-              <a:rPr lang="en-US" sz="2000" dirty="0" err="1" smtClean="0"/>
-              <a:t>población</a:t>
-            </a:r>
-            <a:endParaRPr lang="en-US" sz="2000" dirty="0" smtClean="0"/>
+              <a:rPr lang="en-US" sz="2000" smtClean="0"/>
+              <a:t>Si no se cumplen las condiciones, comienza un nuevo ciclo evolucionando la población</a:t>
+            </a:r>
           </a:p>
           <a:p>
             <a:pPr lvl="1">
@@ -4346,47 +4349,14 @@
               <a:buChar char="§"/>
             </a:pPr>
             <a:r>
-              <a:rPr lang="en-US" sz="2000" dirty="0" smtClean="0"/>
-              <a:t>Si se </a:t>
-            </a:r>
-            <a:r>
-              <a:rPr lang="en-US" sz="2000" dirty="0" err="1" smtClean="0"/>
-              <a:t>cumplen</a:t>
-            </a:r>
-            <a:r>
-              <a:rPr lang="en-US" sz="2000" dirty="0" smtClean="0"/>
-              <a:t>, </a:t>
-            </a:r>
-            <a:r>
-              <a:rPr lang="en-US" sz="2000" dirty="0" err="1" smtClean="0"/>
-              <a:t>retorna</a:t>
-            </a:r>
-            <a:r>
-              <a:rPr lang="en-US" sz="2000" dirty="0" smtClean="0"/>
-              <a:t> la </a:t>
-            </a:r>
-            <a:r>
-              <a:rPr lang="en-US" sz="2000" dirty="0" err="1" smtClean="0"/>
-              <a:t>mejor</a:t>
-            </a:r>
-            <a:r>
-              <a:rPr lang="en-US" sz="2000" dirty="0" smtClean="0"/>
-              <a:t> </a:t>
-            </a:r>
-            <a:r>
-              <a:rPr lang="en-US" sz="2000" dirty="0" err="1" smtClean="0"/>
-              <a:t>solución</a:t>
-            </a:r>
-            <a:endParaRPr lang="es-AR" sz="2000" dirty="0"/>
+              <a:rPr lang="en-US" sz="2000" smtClean="0"/>
+              <a:t>Si se cumplen, retorna la mejor solución</a:t>
+            </a:r>
+            <a:endParaRPr lang="es-AR" sz="2000" smtClean="0"/>
           </a:p>
         </p:txBody>
       </p:sp>
     </p:spTree>
-    <p:extLst>
-      <p:ext uri="{BB962C8B-B14F-4D97-AF65-F5344CB8AC3E}">
-        <p14:creationId xmlns:p14="http://schemas.microsoft.com/office/powerpoint/2010/main" val="2559275626"/>
-      </p:ext>
-    </p:extLst>
   </p:cSld>
   <p:clrMapOvr>
     <a:masterClrMapping/>
@@ -4424,16 +4394,21 @@
         <p:spPr>
           <a:xfrm>
             <a:off x="457200" y="274638"/>
-            <a:ext cx="8229600" cy="418058"/>
-          </a:xfrm>
-        </p:spPr>
-        <p:txBody>
-          <a:bodyPr>
+            <a:ext cx="8229600" cy="417512"/>
+          </a:xfrm>
+        </p:spPr>
+        <p:txBody>
+          <a:bodyPr rtlCol="0">
             <a:normAutofit fontScale="90000"/>
           </a:bodyPr>
           <a:lstStyle/>
           <a:p>
-            <a:pPr algn="r"/>
+            <a:pPr algn="r" fontAlgn="auto">
+              <a:spcAft>
+                <a:spcPts val="0"/>
+              </a:spcAft>
+              <a:defRPr/>
+            </a:pPr>
             <a:r>
               <a:rPr lang="en-US" sz="2400" dirty="0" err="1" smtClean="0"/>
               <a:t>Algoritmo</a:t>
@@ -4452,7 +4427,7 @@
       </p:sp>
       <p:sp>
         <p:nvSpPr>
-          <p:cNvPr id="3" name="Content Placeholder 2"/>
+          <p:cNvPr id="26626" name="Content Placeholder 2"/>
           <p:cNvSpPr>
             <a:spLocks noGrp="1"/>
           </p:cNvSpPr>
@@ -4462,25 +4437,25 @@
         </p:nvSpPr>
         <p:spPr>
           <a:xfrm>
-            <a:off x="457200" y="908720"/>
-            <a:ext cx="8229600" cy="5217443"/>
-          </a:xfrm>
-        </p:spPr>
-        <p:txBody>
-          <a:bodyPr>
-            <a:normAutofit/>
-          </a:bodyPr>
+            <a:off x="457200" y="908050"/>
+            <a:ext cx="8229600" cy="5218113"/>
+          </a:xfrm>
+        </p:spPr>
+        <p:txBody>
+          <a:bodyPr/>
           <a:lstStyle/>
           <a:p>
-            <a:r>
-              <a:rPr lang="en-US" sz="2800" dirty="0" smtClean="0"/>
-              <a:t>Hash de un </a:t>
-            </a:r>
-            <a:r>
-              <a:rPr lang="en-US" sz="2800" dirty="0" err="1" smtClean="0"/>
-              <a:t>individuo</a:t>
-            </a:r>
-            <a:endParaRPr lang="en-US" sz="2800" dirty="0" smtClean="0"/>
+            <a:pPr>
+              <a:buFont typeface="Arial" charset="0"/>
+              <a:buNone/>
+            </a:pPr>
+            <a:r>
+              <a:rPr lang="en-US" sz="2800" smtClean="0"/>
+              <a:t>Hash de un individuo</a:t>
+            </a:r>
+          </a:p>
+          <a:p>
+            <a:endParaRPr lang="en-US" sz="2800" smtClean="0"/>
           </a:p>
           <a:p>
             <a:pPr lvl="1">
@@ -4488,22 +4463,9 @@
               <a:buChar char="§"/>
             </a:pPr>
             <a:r>
-              <a:rPr lang="en-US" sz="2000" dirty="0" smtClean="0"/>
-              <a:t>Se </a:t>
-            </a:r>
-            <a:r>
-              <a:rPr lang="en-US" sz="2000" dirty="0" err="1" smtClean="0"/>
-              <a:t>evaluaron</a:t>
-            </a:r>
-            <a:r>
-              <a:rPr lang="en-US" sz="2000" dirty="0" smtClean="0"/>
-              <a:t> dos </a:t>
-            </a:r>
-            <a:r>
-              <a:rPr lang="en-US" sz="2000" dirty="0" err="1" smtClean="0"/>
-              <a:t>opciones</a:t>
-            </a:r>
-            <a:endParaRPr lang="en-US" sz="2000" dirty="0" smtClean="0"/>
+              <a:rPr lang="en-US" sz="2000" smtClean="0"/>
+              <a:t>Se evaluaron dos opciones</a:t>
+            </a:r>
           </a:p>
           <a:p>
             <a:pPr lvl="1">
@@ -4511,12 +4473,8 @@
               <a:buChar char="§"/>
             </a:pPr>
             <a:r>
-              <a:rPr lang="en-US" sz="2000" dirty="0" err="1" smtClean="0"/>
-              <a:t>Opción</a:t>
-            </a:r>
-            <a:r>
-              <a:rPr lang="en-US" sz="2000" dirty="0" smtClean="0"/>
-              <a:t> 1: 6@2@5@1@4@8@3@7</a:t>
+              <a:rPr lang="en-US" sz="2000" smtClean="0"/>
+              <a:t>Opción 1: 6@2@5@1@4@8@3@7</a:t>
             </a:r>
           </a:p>
           <a:p>
@@ -4525,53 +4483,46 @@
               <a:buChar char="§"/>
             </a:pPr>
             <a:r>
-              <a:rPr lang="en-US" sz="2000" dirty="0" err="1" smtClean="0"/>
-              <a:t>Opción</a:t>
-            </a:r>
-            <a:r>
-              <a:rPr lang="en-US" sz="2000" dirty="0" smtClean="0"/>
-              <a:t> 2: 5@1@3#6@2@8@</a:t>
-            </a:r>
-            <a:endParaRPr lang="es-AR" sz="2000" dirty="0"/>
+              <a:rPr lang="en-US" sz="2000" smtClean="0"/>
+              <a:t>Opción 2: 5@1@3#6@2@8@</a:t>
+            </a:r>
+            <a:endParaRPr lang="es-AR" sz="2000" smtClean="0"/>
           </a:p>
         </p:txBody>
       </p:sp>
       <p:pic>
         <p:nvPicPr>
-          <p:cNvPr id="4" name="Picture 3"/>
+          <p:cNvPr id="26627" name="Picture 3"/>
           <p:cNvPicPr>
             <a:picLocks noChangeAspect="1"/>
           </p:cNvPicPr>
           <p:nvPr/>
         </p:nvPicPr>
         <p:blipFill>
-          <a:blip r:embed="rId2">
-            <a:extLst>
-              <a:ext uri="{28A0092B-C50C-407E-A947-70E740481C1C}">
-                <a14:useLocalDpi xmlns:a14="http://schemas.microsoft.com/office/drawing/2010/main" val="0"/>
-              </a:ext>
-            </a:extLst>
-          </a:blip>
+          <a:blip r:embed="rId2"/>
+          <a:srcRect/>
           <a:stretch>
             <a:fillRect/>
           </a:stretch>
         </p:blipFill>
-        <p:spPr>
-          <a:xfrm>
-            <a:off x="0" y="3212976"/>
-            <a:ext cx="9144000" cy="2310938"/>
+        <p:spPr bwMode="auto">
+          <a:xfrm>
+            <a:off x="0" y="3213100"/>
+            <a:ext cx="9144000" cy="2311400"/>
           </a:xfrm>
           <a:prstGeom prst="rect">
             <a:avLst/>
           </a:prstGeom>
+          <a:noFill/>
+          <a:ln w="9525">
+            <a:noFill/>
+            <a:miter lim="800000"/>
+            <a:headEnd/>
+            <a:tailEnd/>
+          </a:ln>
         </p:spPr>
       </p:pic>
     </p:spTree>
-    <p:extLst>
-      <p:ext uri="{BB962C8B-B14F-4D97-AF65-F5344CB8AC3E}">
-        <p14:creationId xmlns:p14="http://schemas.microsoft.com/office/powerpoint/2010/main" val="3410467042"/>
-      </p:ext>
-    </p:extLst>
   </p:cSld>
   <p:clrMapOvr>
     <a:masterClrMapping/>
@@ -4609,16 +4560,21 @@
         <p:spPr>
           <a:xfrm>
             <a:off x="457200" y="274638"/>
-            <a:ext cx="8229600" cy="418058"/>
-          </a:xfrm>
-        </p:spPr>
-        <p:txBody>
-          <a:bodyPr>
+            <a:ext cx="8229600" cy="417512"/>
+          </a:xfrm>
+        </p:spPr>
+        <p:txBody>
+          <a:bodyPr rtlCol="0">
             <a:normAutofit fontScale="90000"/>
           </a:bodyPr>
           <a:lstStyle/>
           <a:p>
-            <a:pPr algn="r"/>
+            <a:pPr algn="r" fontAlgn="auto">
+              <a:spcAft>
+                <a:spcPts val="0"/>
+              </a:spcAft>
+              <a:defRPr/>
+            </a:pPr>
             <a:r>
               <a:rPr lang="en-US" sz="2400" dirty="0" err="1" smtClean="0"/>
               <a:t>Algoritmo</a:t>
@@ -4637,7 +4593,7 @@
       </p:sp>
       <p:sp>
         <p:nvSpPr>
-          <p:cNvPr id="3" name="Content Placeholder 2"/>
+          <p:cNvPr id="27650" name="Content Placeholder 2"/>
           <p:cNvSpPr>
             <a:spLocks noGrp="1"/>
           </p:cNvSpPr>
@@ -4647,45 +4603,21 @@
         </p:nvSpPr>
         <p:spPr>
           <a:xfrm>
-            <a:off x="457200" y="908720"/>
-            <a:ext cx="8229600" cy="5217443"/>
-          </a:xfrm>
-        </p:spPr>
-        <p:txBody>
-          <a:bodyPr>
-            <a:normAutofit/>
-          </a:bodyPr>
+            <a:off x="457200" y="908050"/>
+            <a:ext cx="8229600" cy="5218113"/>
+          </a:xfrm>
+        </p:spPr>
+        <p:txBody>
+          <a:bodyPr/>
           <a:lstStyle/>
           <a:p>
             <a:r>
-              <a:rPr lang="en-US" sz="2800" dirty="0" err="1" smtClean="0"/>
-              <a:t>Búsquedas</a:t>
-            </a:r>
-            <a:r>
-              <a:rPr lang="en-US" sz="2800" dirty="0" smtClean="0"/>
-              <a:t> locales a </a:t>
-            </a:r>
-            <a:r>
-              <a:rPr lang="en-US" sz="2800" dirty="0" err="1" smtClean="0"/>
-              <a:t>las</a:t>
-            </a:r>
-            <a:r>
-              <a:rPr lang="en-US" sz="2800" dirty="0" smtClean="0"/>
-              <a:t> </a:t>
-            </a:r>
-            <a:r>
-              <a:rPr lang="en-US" sz="2800" dirty="0" err="1" smtClean="0"/>
-              <a:t>mejores</a:t>
-            </a:r>
-            <a:r>
-              <a:rPr lang="en-US" sz="2800" dirty="0" smtClean="0"/>
-              <a:t> N </a:t>
-            </a:r>
-            <a:r>
-              <a:rPr lang="en-US" sz="2800" dirty="0" err="1" smtClean="0"/>
-              <a:t>soluciones</a:t>
-            </a:r>
-            <a:endParaRPr lang="en-US" sz="2800" dirty="0" smtClean="0"/>
+              <a:rPr lang="en-US" sz="2800" smtClean="0"/>
+              <a:t>Búsqueda local a las mejores N soluciones</a:t>
+            </a:r>
+          </a:p>
+          <a:p>
+            <a:endParaRPr lang="en-US" sz="2800" smtClean="0"/>
           </a:p>
           <a:p>
             <a:pPr lvl="1">
@@ -4693,70 +4625,9 @@
               <a:buChar char="§"/>
             </a:pPr>
             <a:r>
-              <a:rPr lang="en-US" sz="2200" dirty="0" smtClean="0"/>
-              <a:t>Se </a:t>
-            </a:r>
-            <a:r>
-              <a:rPr lang="en-US" sz="2200" dirty="0" err="1" smtClean="0"/>
-              <a:t>aplica</a:t>
-            </a:r>
-            <a:r>
-              <a:rPr lang="en-US" sz="2200" dirty="0" smtClean="0"/>
-              <a:t> </a:t>
-            </a:r>
-            <a:r>
-              <a:rPr lang="en-US" sz="2200" dirty="0" err="1" smtClean="0"/>
-              <a:t>una</a:t>
-            </a:r>
-            <a:r>
-              <a:rPr lang="en-US" sz="2200" dirty="0" smtClean="0"/>
-              <a:t> </a:t>
-            </a:r>
-            <a:r>
-              <a:rPr lang="en-US" sz="2200" dirty="0" err="1" smtClean="0"/>
-              <a:t>secuencia</a:t>
-            </a:r>
-            <a:r>
-              <a:rPr lang="en-US" sz="2200" dirty="0" smtClean="0"/>
-              <a:t> de BL a </a:t>
-            </a:r>
-            <a:r>
-              <a:rPr lang="en-US" sz="2200" dirty="0" err="1" smtClean="0"/>
-              <a:t>las</a:t>
-            </a:r>
-            <a:r>
-              <a:rPr lang="en-US" sz="2200" dirty="0" smtClean="0"/>
-              <a:t> </a:t>
-            </a:r>
-            <a:r>
-              <a:rPr lang="en-US" sz="2200" dirty="0" err="1" smtClean="0"/>
-              <a:t>mejores</a:t>
-            </a:r>
-            <a:r>
-              <a:rPr lang="en-US" sz="2200" dirty="0" smtClean="0"/>
-              <a:t> N </a:t>
-            </a:r>
-            <a:r>
-              <a:rPr lang="en-US" sz="2200" dirty="0" err="1" smtClean="0"/>
-              <a:t>soluciones</a:t>
-            </a:r>
-            <a:r>
-              <a:rPr lang="en-US" sz="2200" dirty="0" smtClean="0"/>
-              <a:t> en </a:t>
-            </a:r>
-            <a:r>
-              <a:rPr lang="en-US" sz="2200" dirty="0" err="1" smtClean="0"/>
-              <a:t>cada</a:t>
-            </a:r>
-            <a:r>
-              <a:rPr lang="en-US" sz="2200" dirty="0" smtClean="0"/>
-              <a:t> </a:t>
-            </a:r>
-            <a:r>
-              <a:rPr lang="en-US" sz="2200" dirty="0" err="1" smtClean="0"/>
-              <a:t>generacion</a:t>
-            </a:r>
-            <a:endParaRPr lang="en-US" sz="2200" dirty="0" smtClean="0"/>
+              <a:rPr lang="en-US" sz="2200" smtClean="0"/>
+              <a:t>Se aplica una secuencia de BL a las mejores N soluciones en cada generacion</a:t>
+            </a:r>
           </a:p>
           <a:p>
             <a:pPr lvl="1">
@@ -4764,42 +4635,13 @@
               <a:buChar char="§"/>
             </a:pPr>
             <a:r>
-              <a:rPr lang="en-US" sz="2200" b="1" dirty="0" smtClean="0"/>
+              <a:rPr lang="en-US" sz="2200" b="1" smtClean="0"/>
               <a:t>Swap</a:t>
             </a:r>
             <a:r>
-              <a:rPr lang="en-US" sz="2200" dirty="0" smtClean="0"/>
-              <a:t>: </a:t>
-            </a:r>
-            <a:r>
-              <a:rPr lang="en-US" sz="2200" dirty="0" err="1" smtClean="0"/>
-              <a:t>Intercambio</a:t>
-            </a:r>
-            <a:r>
-              <a:rPr lang="en-US" sz="2200" dirty="0" smtClean="0"/>
-              <a:t> de </a:t>
-            </a:r>
-            <a:r>
-              <a:rPr lang="en-US" sz="2200" dirty="0" err="1" smtClean="0"/>
-              <a:t>clientes</a:t>
-            </a:r>
-            <a:r>
-              <a:rPr lang="en-US" sz="2200" dirty="0" smtClean="0"/>
-              <a:t> entre </a:t>
-            </a:r>
-            <a:r>
-              <a:rPr lang="en-US" sz="2200" dirty="0" err="1" smtClean="0"/>
-              <a:t>distintos</a:t>
-            </a:r>
-            <a:r>
-              <a:rPr lang="en-US" sz="2200" dirty="0" smtClean="0"/>
-              <a:t> </a:t>
-            </a:r>
-            <a:r>
-              <a:rPr lang="en-US" sz="2200" dirty="0" err="1" smtClean="0"/>
-              <a:t>vehículos</a:t>
-            </a:r>
-            <a:endParaRPr lang="en-US" sz="2200" dirty="0" smtClean="0"/>
+              <a:rPr lang="en-US" sz="2200" smtClean="0"/>
+              <a:t>: Intercambio de clientes entre distintos vehículos</a:t>
+            </a:r>
           </a:p>
           <a:p>
             <a:pPr lvl="1">
@@ -4807,50 +4649,13 @@
               <a:buChar char="§"/>
             </a:pPr>
             <a:r>
-              <a:rPr lang="en-US" sz="2200" b="1" dirty="0" smtClean="0"/>
+              <a:rPr lang="en-US" sz="2200" b="1" smtClean="0"/>
               <a:t>2-Opt</a:t>
             </a:r>
             <a:r>
-              <a:rPr lang="en-US" sz="2200" dirty="0"/>
-              <a:t>: </a:t>
-            </a:r>
-            <a:r>
-              <a:rPr lang="en-US" sz="2200" dirty="0" err="1"/>
-              <a:t>Reordenamiento</a:t>
-            </a:r>
-            <a:r>
-              <a:rPr lang="en-US" sz="2200" dirty="0"/>
-              <a:t> de </a:t>
-            </a:r>
-            <a:r>
-              <a:rPr lang="en-US" sz="2200" dirty="0" err="1"/>
-              <a:t>clientes</a:t>
-            </a:r>
-            <a:r>
-              <a:rPr lang="en-US" sz="2200" dirty="0"/>
-              <a:t> a </a:t>
-            </a:r>
-            <a:r>
-              <a:rPr lang="en-US" sz="2200" dirty="0" err="1"/>
-              <a:t>visitar</a:t>
-            </a:r>
-            <a:r>
-              <a:rPr lang="en-US" sz="2200" dirty="0"/>
-              <a:t> </a:t>
-            </a:r>
-            <a:r>
-              <a:rPr lang="en-US" sz="2200" dirty="0" err="1"/>
-              <a:t>para</a:t>
-            </a:r>
-            <a:r>
-              <a:rPr lang="en-US" sz="2200" dirty="0"/>
-              <a:t> un </a:t>
-            </a:r>
-            <a:r>
-              <a:rPr lang="en-US" sz="2200" dirty="0" err="1"/>
-              <a:t>vehículo</a:t>
-            </a:r>
-            <a:endParaRPr lang="en-US" sz="2200" dirty="0"/>
+              <a:rPr lang="en-US" sz="2200" smtClean="0"/>
+              <a:t>: Reordenamiento de clientes a visitar para un vehículo</a:t>
+            </a:r>
           </a:p>
           <a:p>
             <a:pPr lvl="1">
@@ -4858,50 +4663,13 @@
               <a:buChar char="§"/>
             </a:pPr>
             <a:r>
-              <a:rPr lang="en-US" sz="2200" b="1" dirty="0"/>
+              <a:rPr lang="en-US" sz="2200" b="1" smtClean="0"/>
               <a:t>Insert</a:t>
             </a:r>
             <a:r>
-              <a:rPr lang="en-US" sz="2200" dirty="0"/>
-              <a:t>: </a:t>
-            </a:r>
-            <a:r>
-              <a:rPr lang="en-US" sz="2200" dirty="0" err="1"/>
-              <a:t>Insertar</a:t>
-            </a:r>
-            <a:r>
-              <a:rPr lang="en-US" sz="2200" dirty="0"/>
-              <a:t> </a:t>
-            </a:r>
-            <a:r>
-              <a:rPr lang="en-US" sz="2200" dirty="0" err="1"/>
-              <a:t>cliente</a:t>
-            </a:r>
-            <a:r>
-              <a:rPr lang="en-US" sz="2200" dirty="0"/>
-              <a:t> no </a:t>
-            </a:r>
-            <a:r>
-              <a:rPr lang="en-US" sz="2200" dirty="0" err="1"/>
-              <a:t>visitado</a:t>
-            </a:r>
-            <a:r>
-              <a:rPr lang="en-US" sz="2200" dirty="0"/>
-              <a:t> en </a:t>
-            </a:r>
-            <a:r>
-              <a:rPr lang="en-US" sz="2200" dirty="0" err="1"/>
-              <a:t>alguna</a:t>
-            </a:r>
-            <a:r>
-              <a:rPr lang="en-US" sz="2200" dirty="0"/>
-              <a:t> </a:t>
-            </a:r>
-            <a:r>
-              <a:rPr lang="en-US" sz="2200" dirty="0" err="1"/>
-              <a:t>ruta</a:t>
-            </a:r>
-            <a:endParaRPr lang="en-US" sz="2200" dirty="0"/>
+              <a:rPr lang="en-US" sz="2200" smtClean="0"/>
+              <a:t>: Insertar cliente no visitado en alguna ruta</a:t>
+            </a:r>
           </a:p>
           <a:p>
             <a:pPr lvl="1">
@@ -4909,74 +4677,13 @@
               <a:buChar char="§"/>
             </a:pPr>
             <a:r>
-              <a:rPr lang="en-US" sz="2200" b="1" dirty="0"/>
+              <a:rPr lang="en-US" sz="2200" b="1" smtClean="0"/>
               <a:t>Replace Simple</a:t>
             </a:r>
             <a:r>
-              <a:rPr lang="en-US" sz="2200" dirty="0"/>
-              <a:t>: </a:t>
-            </a:r>
-            <a:r>
-              <a:rPr lang="en-US" sz="2200" dirty="0" err="1"/>
-              <a:t>Insertar</a:t>
-            </a:r>
-            <a:r>
-              <a:rPr lang="en-US" sz="2200" dirty="0"/>
-              <a:t> un </a:t>
-            </a:r>
-            <a:r>
-              <a:rPr lang="en-US" sz="2200" dirty="0" err="1"/>
-              <a:t>cliente</a:t>
-            </a:r>
-            <a:r>
-              <a:rPr lang="en-US" sz="2200" dirty="0"/>
-              <a:t> no </a:t>
-            </a:r>
-            <a:r>
-              <a:rPr lang="en-US" sz="2200" dirty="0" err="1"/>
-              <a:t>visitado</a:t>
-            </a:r>
-            <a:r>
-              <a:rPr lang="en-US" sz="2200" dirty="0"/>
-              <a:t> </a:t>
-            </a:r>
-            <a:r>
-              <a:rPr lang="en-US" sz="2200" dirty="0" err="1"/>
-              <a:t>por</a:t>
-            </a:r>
-            <a:r>
-              <a:rPr lang="en-US" sz="2200" dirty="0"/>
-              <a:t> </a:t>
-            </a:r>
-            <a:r>
-              <a:rPr lang="en-US" sz="2200" dirty="0" err="1"/>
-              <a:t>uno</a:t>
-            </a:r>
-            <a:r>
-              <a:rPr lang="en-US" sz="2200" dirty="0"/>
-              <a:t> </a:t>
-            </a:r>
-            <a:r>
-              <a:rPr lang="en-US" sz="2200" dirty="0" err="1"/>
-              <a:t>visitado</a:t>
-            </a:r>
-            <a:r>
-              <a:rPr lang="en-US" sz="2200" dirty="0"/>
-              <a:t> en </a:t>
-            </a:r>
-            <a:r>
-              <a:rPr lang="en-US" sz="2200" dirty="0" err="1"/>
-              <a:t>alguna</a:t>
-            </a:r>
-            <a:r>
-              <a:rPr lang="en-US" sz="2200" dirty="0"/>
-              <a:t> </a:t>
-            </a:r>
-            <a:r>
-              <a:rPr lang="en-US" sz="2200" dirty="0" err="1"/>
-              <a:t>ruta</a:t>
-            </a:r>
-            <a:endParaRPr lang="en-US" sz="2200" dirty="0"/>
+              <a:rPr lang="en-US" sz="2200" smtClean="0"/>
+              <a:t>: Insertar un cliente no visitado por uno visitado en alguna ruta</a:t>
+            </a:r>
           </a:p>
           <a:p>
             <a:pPr lvl="1">
@@ -4984,74 +4691,13 @@
               <a:buChar char="§"/>
             </a:pPr>
             <a:r>
-              <a:rPr lang="en-US" sz="2200" b="1" dirty="0"/>
+              <a:rPr lang="en-US" sz="2200" b="1" smtClean="0"/>
               <a:t>Replace Multiple</a:t>
             </a:r>
             <a:r>
-              <a:rPr lang="en-US" sz="2200" dirty="0"/>
-              <a:t>: </a:t>
-            </a:r>
-            <a:r>
-              <a:rPr lang="en-US" sz="2200" dirty="0" err="1"/>
-              <a:t>Insertar</a:t>
-            </a:r>
-            <a:r>
-              <a:rPr lang="en-US" sz="2200" dirty="0"/>
-              <a:t> un </a:t>
-            </a:r>
-            <a:r>
-              <a:rPr lang="en-US" sz="2200" dirty="0" err="1"/>
-              <a:t>cliente</a:t>
-            </a:r>
-            <a:r>
-              <a:rPr lang="en-US" sz="2200" dirty="0"/>
-              <a:t> no </a:t>
-            </a:r>
-            <a:r>
-              <a:rPr lang="en-US" sz="2200" dirty="0" err="1"/>
-              <a:t>visitado</a:t>
-            </a:r>
-            <a:r>
-              <a:rPr lang="en-US" sz="2200" dirty="0"/>
-              <a:t> </a:t>
-            </a:r>
-            <a:r>
-              <a:rPr lang="en-US" sz="2200" dirty="0" err="1"/>
-              <a:t>por</a:t>
-            </a:r>
-            <a:r>
-              <a:rPr lang="en-US" sz="2200" dirty="0"/>
-              <a:t> </a:t>
-            </a:r>
-            <a:r>
-              <a:rPr lang="en-US" sz="2200" dirty="0" err="1"/>
-              <a:t>uno</a:t>
-            </a:r>
-            <a:r>
-              <a:rPr lang="en-US" sz="2200" dirty="0"/>
-              <a:t> a </a:t>
-            </a:r>
-            <a:r>
-              <a:rPr lang="en-US" sz="2200" dirty="0" err="1"/>
-              <a:t>varios</a:t>
-            </a:r>
-            <a:r>
-              <a:rPr lang="en-US" sz="2200" dirty="0"/>
-              <a:t> en </a:t>
-            </a:r>
-            <a:r>
-              <a:rPr lang="en-US" sz="2200" dirty="0" err="1"/>
-              <a:t>alguna</a:t>
-            </a:r>
-            <a:r>
-              <a:rPr lang="en-US" sz="2200" dirty="0"/>
-              <a:t> </a:t>
-            </a:r>
-            <a:r>
-              <a:rPr lang="en-US" sz="2200" dirty="0" err="1" smtClean="0"/>
-              <a:t>ruta</a:t>
-            </a:r>
-            <a:endParaRPr lang="en-US" sz="2200" dirty="0" smtClean="0"/>
+              <a:rPr lang="en-US" sz="2200" smtClean="0"/>
+              <a:t>: Insertar un cliente no visitado por uno a varios en alguna ruta</a:t>
+            </a:r>
           </a:p>
           <a:p>
             <a:pPr lvl="1">
@@ -5059,79 +4705,14 @@
               <a:buChar char="§"/>
             </a:pPr>
             <a:r>
-              <a:rPr lang="en-US" sz="2200" dirty="0"/>
-              <a:t>Se </a:t>
-            </a:r>
-            <a:r>
-              <a:rPr lang="en-US" sz="2200" dirty="0" err="1"/>
-              <a:t>activa</a:t>
-            </a:r>
-            <a:r>
-              <a:rPr lang="en-US" sz="2200" dirty="0"/>
-              <a:t> el </a:t>
-            </a:r>
-            <a:r>
-              <a:rPr lang="en-US" sz="2200" dirty="0" err="1"/>
-              <a:t>cálculo</a:t>
-            </a:r>
-            <a:r>
-              <a:rPr lang="en-US" sz="2200" dirty="0"/>
-              <a:t> del COG </a:t>
-            </a:r>
-            <a:r>
-              <a:rPr lang="en-US" sz="2200" dirty="0" err="1"/>
-              <a:t>para</a:t>
-            </a:r>
-            <a:r>
-              <a:rPr lang="en-US" sz="2200" dirty="0"/>
-              <a:t> Insert y Replace. A </a:t>
-            </a:r>
-            <a:r>
-              <a:rPr lang="en-US" sz="2200" dirty="0" err="1"/>
-              <a:t>cada</a:t>
-            </a:r>
-            <a:r>
-              <a:rPr lang="en-US" sz="2200" dirty="0"/>
-              <a:t> </a:t>
-            </a:r>
-            <a:r>
-              <a:rPr lang="en-US" sz="2200" dirty="0" err="1"/>
-              <a:t>cambio</a:t>
-            </a:r>
-            <a:r>
-              <a:rPr lang="en-US" sz="2200" dirty="0"/>
-              <a:t> en la </a:t>
-            </a:r>
-            <a:r>
-              <a:rPr lang="en-US" sz="2200" dirty="0" err="1"/>
-              <a:t>ruta</a:t>
-            </a:r>
-            <a:r>
-              <a:rPr lang="en-US" sz="2200" dirty="0"/>
-              <a:t> del </a:t>
-            </a:r>
-            <a:r>
-              <a:rPr lang="en-US" sz="2200" dirty="0" err="1"/>
-              <a:t>vehículo</a:t>
-            </a:r>
-            <a:r>
-              <a:rPr lang="en-US" sz="2200" dirty="0"/>
-              <a:t> el COG se </a:t>
-            </a:r>
-            <a:r>
-              <a:rPr lang="en-US" sz="2200" dirty="0" err="1" smtClean="0"/>
-              <a:t>actualiza</a:t>
-            </a:r>
-            <a:endParaRPr lang="es-AR" sz="1600" dirty="0"/>
+              <a:rPr lang="en-US" sz="2200" smtClean="0"/>
+              <a:t>Se activa el cálculo del COG para Insert y Replace. A cada cambio en la ruta del vehículo el COG se actualiza</a:t>
+            </a:r>
+            <a:endParaRPr lang="es-AR" sz="1600" smtClean="0"/>
           </a:p>
         </p:txBody>
       </p:sp>
     </p:spTree>
-    <p:extLst>
-      <p:ext uri="{BB962C8B-B14F-4D97-AF65-F5344CB8AC3E}">
-        <p14:creationId xmlns:p14="http://schemas.microsoft.com/office/powerpoint/2010/main" val="2038407458"/>
-      </p:ext>
-    </p:extLst>
   </p:cSld>
   <p:clrMapOvr>
     <a:masterClrMapping/>
@@ -5169,16 +4750,21 @@
         <p:spPr>
           <a:xfrm>
             <a:off x="457200" y="274638"/>
-            <a:ext cx="8229600" cy="418058"/>
-          </a:xfrm>
-        </p:spPr>
-        <p:txBody>
-          <a:bodyPr>
+            <a:ext cx="8229600" cy="417512"/>
+          </a:xfrm>
+        </p:spPr>
+        <p:txBody>
+          <a:bodyPr rtlCol="0">
             <a:normAutofit fontScale="90000"/>
           </a:bodyPr>
           <a:lstStyle/>
           <a:p>
-            <a:pPr algn="r"/>
+            <a:pPr algn="r" fontAlgn="auto">
+              <a:spcAft>
+                <a:spcPts val="0"/>
+              </a:spcAft>
+              <a:defRPr/>
+            </a:pPr>
             <a:r>
               <a:rPr lang="en-US" sz="2400" dirty="0" err="1" smtClean="0"/>
               <a:t>Algoritmo</a:t>
@@ -5197,7 +4783,7 @@
       </p:sp>
       <p:sp>
         <p:nvSpPr>
-          <p:cNvPr id="3" name="Content Placeholder 2"/>
+          <p:cNvPr id="28674" name="Content Placeholder 2"/>
           <p:cNvSpPr>
             <a:spLocks noGrp="1"/>
           </p:cNvSpPr>
@@ -5207,27 +4793,17 @@
         </p:nvSpPr>
         <p:spPr>
           <a:xfrm>
-            <a:off x="457200" y="908720"/>
-            <a:ext cx="8229600" cy="5217443"/>
-          </a:xfrm>
-        </p:spPr>
-        <p:txBody>
-          <a:bodyPr>
-            <a:normAutofit/>
-          </a:bodyPr>
+            <a:off x="457200" y="908050"/>
+            <a:ext cx="8229600" cy="5218113"/>
+          </a:xfrm>
+        </p:spPr>
+        <p:txBody>
+          <a:bodyPr/>
           <a:lstStyle/>
           <a:p>
             <a:r>
-              <a:rPr lang="en-US" sz="2800" dirty="0" smtClean="0"/>
-              <a:t>Centro de </a:t>
-            </a:r>
-            <a:r>
-              <a:rPr lang="en-US" sz="2800" dirty="0" err="1" smtClean="0"/>
-              <a:t>Gravedad</a:t>
-            </a:r>
-            <a:r>
-              <a:rPr lang="en-US" sz="2800" dirty="0" smtClean="0"/>
-              <a:t> (COG)</a:t>
+              <a:rPr lang="en-US" sz="2800" smtClean="0"/>
+              <a:t>Centro de Gravedad (COG)</a:t>
             </a:r>
           </a:p>
           <a:p>
@@ -5236,61 +4812,46 @@
               <a:buChar char="§"/>
             </a:pPr>
             <a:r>
-              <a:rPr lang="en-US" sz="2000" dirty="0" err="1" smtClean="0"/>
-              <a:t>Orden</a:t>
-            </a:r>
-            <a:r>
-              <a:rPr lang="en-US" sz="2000" dirty="0" smtClean="0"/>
-              <a:t> </a:t>
-            </a:r>
-            <a:r>
-              <a:rPr lang="en-US" sz="2000" dirty="0" err="1" smtClean="0"/>
-              <a:t>respecto</a:t>
-            </a:r>
-            <a:r>
-              <a:rPr lang="en-US" sz="2000" dirty="0" smtClean="0"/>
-              <a:t> del COG: C7, C5, C8 y C6</a:t>
-            </a:r>
-            <a:endParaRPr lang="es-AR" sz="2000" dirty="0"/>
+              <a:rPr lang="en-US" sz="2000" smtClean="0"/>
+              <a:t>Orden respecto del COG: C7, C5, C8 y C6</a:t>
+            </a:r>
+            <a:endParaRPr lang="es-AR" sz="2000" smtClean="0"/>
           </a:p>
         </p:txBody>
       </p:sp>
       <p:pic>
         <p:nvPicPr>
-          <p:cNvPr id="4" name="Picture 3"/>
+          <p:cNvPr id="28675" name="Picture 3"/>
           <p:cNvPicPr>
             <a:picLocks noChangeAspect="1"/>
           </p:cNvPicPr>
           <p:nvPr/>
         </p:nvPicPr>
         <p:blipFill>
-          <a:blip r:embed="rId2">
-            <a:extLst>
-              <a:ext uri="{28A0092B-C50C-407E-A947-70E740481C1C}">
-                <a14:useLocalDpi xmlns:a14="http://schemas.microsoft.com/office/drawing/2010/main" val="0"/>
-              </a:ext>
-            </a:extLst>
-          </a:blip>
+          <a:blip r:embed="rId2"/>
+          <a:srcRect/>
           <a:stretch>
             <a:fillRect/>
           </a:stretch>
         </p:blipFill>
-        <p:spPr>
-          <a:xfrm>
-            <a:off x="954297" y="1844824"/>
-            <a:ext cx="6984776" cy="4742431"/>
+        <p:spPr bwMode="auto">
+          <a:xfrm>
+            <a:off x="954088" y="1844675"/>
+            <a:ext cx="6985000" cy="4741863"/>
           </a:xfrm>
           <a:prstGeom prst="rect">
             <a:avLst/>
           </a:prstGeom>
+          <a:noFill/>
+          <a:ln w="9525">
+            <a:noFill/>
+            <a:miter lim="800000"/>
+            <a:headEnd/>
+            <a:tailEnd/>
+          </a:ln>
         </p:spPr>
       </p:pic>
     </p:spTree>
-    <p:extLst>
-      <p:ext uri="{BB962C8B-B14F-4D97-AF65-F5344CB8AC3E}">
-        <p14:creationId xmlns:p14="http://schemas.microsoft.com/office/powerpoint/2010/main" val="2330373657"/>
-      </p:ext>
-    </p:extLst>
   </p:cSld>
   <p:clrMapOvr>
     <a:masterClrMapping/>
@@ -5328,16 +4889,21 @@
         <p:spPr>
           <a:xfrm>
             <a:off x="457200" y="274638"/>
-            <a:ext cx="8229600" cy="418058"/>
-          </a:xfrm>
-        </p:spPr>
-        <p:txBody>
-          <a:bodyPr>
+            <a:ext cx="8229600" cy="417512"/>
+          </a:xfrm>
+        </p:spPr>
+        <p:txBody>
+          <a:bodyPr rtlCol="0">
             <a:normAutofit fontScale="90000"/>
           </a:bodyPr>
           <a:lstStyle/>
           <a:p>
-            <a:pPr algn="r"/>
+            <a:pPr algn="r" fontAlgn="auto">
+              <a:spcAft>
+                <a:spcPts val="0"/>
+              </a:spcAft>
+              <a:defRPr/>
+            </a:pPr>
             <a:r>
               <a:rPr lang="en-US" sz="2400" dirty="0" err="1" smtClean="0"/>
               <a:t>Algoritmo</a:t>
@@ -5356,7 +4922,7 @@
       </p:sp>
       <p:sp>
         <p:nvSpPr>
-          <p:cNvPr id="3" name="Content Placeholder 2"/>
+          <p:cNvPr id="29698" name="Content Placeholder 2"/>
           <p:cNvSpPr>
             <a:spLocks noGrp="1"/>
           </p:cNvSpPr>
@@ -5366,45 +4932,22 @@
         </p:nvSpPr>
         <p:spPr>
           <a:xfrm>
-            <a:off x="457200" y="908720"/>
-            <a:ext cx="8229600" cy="5217443"/>
-          </a:xfrm>
-        </p:spPr>
-        <p:txBody>
-          <a:bodyPr>
-            <a:normAutofit/>
-          </a:bodyPr>
+            <a:off x="457200" y="908050"/>
+            <a:ext cx="8229600" cy="5218113"/>
+          </a:xfrm>
+        </p:spPr>
+        <p:txBody>
+          <a:bodyPr/>
           <a:lstStyle/>
           <a:p>
-            <a:r>
-              <a:rPr lang="en-US" sz="2800" dirty="0" err="1" smtClean="0"/>
-              <a:t>Codificación</a:t>
-            </a:r>
-            <a:r>
-              <a:rPr lang="en-US" sz="2800" dirty="0" smtClean="0"/>
-              <a:t> de </a:t>
-            </a:r>
-            <a:r>
-              <a:rPr lang="en-US" sz="2800" dirty="0" err="1" smtClean="0"/>
-              <a:t>las</a:t>
-            </a:r>
-            <a:r>
-              <a:rPr lang="en-US" sz="2800" dirty="0" smtClean="0"/>
-              <a:t> </a:t>
-            </a:r>
-            <a:r>
-              <a:rPr lang="en-US" sz="2800" dirty="0" err="1" smtClean="0"/>
-              <a:t>soluciones</a:t>
-            </a:r>
-            <a:r>
-              <a:rPr lang="en-US" sz="2800" dirty="0" smtClean="0"/>
-              <a:t> </a:t>
-            </a:r>
-            <a:r>
-              <a:rPr lang="en-US" sz="2800" dirty="0" err="1" smtClean="0"/>
-              <a:t>mejoradas</a:t>
-            </a:r>
-            <a:endParaRPr lang="en-US" sz="2800" dirty="0" smtClean="0"/>
+            <a:pPr>
+              <a:buFont typeface="Arial" charset="0"/>
+              <a:buNone/>
+            </a:pPr>
+            <a:r>
+              <a:rPr lang="en-US" sz="2800" smtClean="0"/>
+              <a:t>Codificación de las soluciones mejoradas</a:t>
+            </a:r>
           </a:p>
           <a:p>
             <a:pPr lvl="1">
@@ -5412,85 +4955,46 @@
               <a:buChar char="§"/>
             </a:pPr>
             <a:r>
-              <a:rPr lang="en-US" sz="2000" dirty="0" err="1" smtClean="0"/>
-              <a:t>Actualización</a:t>
-            </a:r>
-            <a:r>
-              <a:rPr lang="en-US" sz="2000" dirty="0" smtClean="0"/>
-              <a:t> </a:t>
-            </a:r>
-            <a:r>
-              <a:rPr lang="en-US" sz="2000" dirty="0"/>
-              <a:t>del </a:t>
-            </a:r>
-            <a:r>
-              <a:rPr lang="en-US" sz="2000" dirty="0" err="1" smtClean="0"/>
-              <a:t>código</a:t>
-            </a:r>
-            <a:r>
-              <a:rPr lang="en-US" sz="2000" dirty="0" smtClean="0"/>
-              <a:t> </a:t>
-            </a:r>
-            <a:r>
-              <a:rPr lang="en-US" sz="2000" dirty="0" err="1" smtClean="0"/>
-              <a:t>genético</a:t>
-            </a:r>
-            <a:r>
-              <a:rPr lang="en-US" sz="2000" dirty="0" smtClean="0"/>
-              <a:t> </a:t>
-            </a:r>
-            <a:r>
-              <a:rPr lang="en-US" sz="2000" dirty="0"/>
-              <a:t>post </a:t>
-            </a:r>
-            <a:r>
-              <a:rPr lang="en-US" sz="2000" dirty="0" err="1" smtClean="0"/>
-              <a:t>búsqueda</a:t>
-            </a:r>
-            <a:r>
-              <a:rPr lang="en-US" sz="2000" dirty="0" smtClean="0"/>
-              <a:t> local</a:t>
-            </a:r>
-            <a:endParaRPr lang="es-AR" sz="1600" dirty="0"/>
+              <a:rPr lang="en-US" sz="2000" smtClean="0"/>
+              <a:t>Actualización del código genético post búsqueda local</a:t>
+            </a:r>
+            <a:endParaRPr lang="es-AR" sz="1600" smtClean="0"/>
           </a:p>
         </p:txBody>
       </p:sp>
       <p:pic>
         <p:nvPicPr>
-          <p:cNvPr id="5" name="Picture 4"/>
+          <p:cNvPr id="29699" name="Picture 4"/>
           <p:cNvPicPr>
             <a:picLocks noChangeAspect="1"/>
           </p:cNvPicPr>
           <p:nvPr/>
         </p:nvPicPr>
         <p:blipFill>
-          <a:blip r:embed="rId2">
-            <a:extLst>
-              <a:ext uri="{28A0092B-C50C-407E-A947-70E740481C1C}">
-                <a14:useLocalDpi xmlns:a14="http://schemas.microsoft.com/office/drawing/2010/main" val="0"/>
-              </a:ext>
-            </a:extLst>
-          </a:blip>
+          <a:blip r:embed="rId2"/>
+          <a:srcRect/>
           <a:stretch>
             <a:fillRect/>
           </a:stretch>
         </p:blipFill>
-        <p:spPr>
-          <a:xfrm>
-            <a:off x="235287" y="1771349"/>
-            <a:ext cx="8657193" cy="4906470"/>
+        <p:spPr bwMode="auto">
+          <a:xfrm>
+            <a:off x="234950" y="1771650"/>
+            <a:ext cx="8658225" cy="4906963"/>
           </a:xfrm>
           <a:prstGeom prst="rect">
             <a:avLst/>
           </a:prstGeom>
+          <a:noFill/>
+          <a:ln w="9525">
+            <a:noFill/>
+            <a:miter lim="800000"/>
+            <a:headEnd/>
+            <a:tailEnd/>
+          </a:ln>
         </p:spPr>
       </p:pic>
     </p:spTree>
-    <p:extLst>
-      <p:ext uri="{BB962C8B-B14F-4D97-AF65-F5344CB8AC3E}">
-        <p14:creationId xmlns:p14="http://schemas.microsoft.com/office/powerpoint/2010/main" val="3984026809"/>
-      </p:ext>
-    </p:extLst>
   </p:cSld>
   <p:clrMapOvr>
     <a:masterClrMapping/>
@@ -5528,16 +5032,21 @@
         <p:spPr>
           <a:xfrm>
             <a:off x="457200" y="274638"/>
-            <a:ext cx="8229600" cy="418058"/>
-          </a:xfrm>
-        </p:spPr>
-        <p:txBody>
-          <a:bodyPr>
+            <a:ext cx="8229600" cy="417512"/>
+          </a:xfrm>
+        </p:spPr>
+        <p:txBody>
+          <a:bodyPr rtlCol="0">
             <a:normAutofit fontScale="90000"/>
           </a:bodyPr>
           <a:lstStyle/>
           <a:p>
-            <a:pPr algn="r"/>
+            <a:pPr algn="r" fontAlgn="auto">
+              <a:spcAft>
+                <a:spcPts val="0"/>
+              </a:spcAft>
+              <a:defRPr/>
+            </a:pPr>
             <a:r>
               <a:rPr lang="en-US" sz="2400" dirty="0" err="1" smtClean="0"/>
               <a:t>Algoritmo</a:t>
@@ -5556,7 +5065,7 @@
       </p:sp>
       <p:pic>
         <p:nvPicPr>
-          <p:cNvPr id="5" name="Content Placeholder 4"/>
+          <p:cNvPr id="30722" name="Content Placeholder 4"/>
           <p:cNvPicPr>
             <a:picLocks noGrp="1" noChangeAspect="1"/>
           </p:cNvPicPr>
@@ -5565,30 +5074,20 @@
           </p:nvPr>
         </p:nvPicPr>
         <p:blipFill>
-          <a:blip r:embed="rId2">
-            <a:extLst>
-              <a:ext uri="{28A0092B-C50C-407E-A947-70E740481C1C}">
-                <a14:useLocalDpi xmlns:a14="http://schemas.microsoft.com/office/drawing/2010/main" val="0"/>
-              </a:ext>
-            </a:extLst>
-          </a:blip>
+          <a:blip r:embed="rId2"/>
+          <a:srcRect/>
           <a:stretch>
             <a:fillRect/>
           </a:stretch>
         </p:blipFill>
         <p:spPr>
           <a:xfrm>
-            <a:off x="539552" y="1124744"/>
-            <a:ext cx="8346619" cy="5040560"/>
+            <a:off x="539750" y="1125538"/>
+            <a:ext cx="8347075" cy="5040312"/>
           </a:xfrm>
         </p:spPr>
       </p:pic>
     </p:spTree>
-    <p:extLst>
-      <p:ext uri="{BB962C8B-B14F-4D97-AF65-F5344CB8AC3E}">
-        <p14:creationId xmlns:p14="http://schemas.microsoft.com/office/powerpoint/2010/main" val="2559275626"/>
-      </p:ext>
-    </p:extLst>
   </p:cSld>
   <p:clrMapOvr>
     <a:masterClrMapping/>
@@ -5626,16 +5125,21 @@
         <p:spPr>
           <a:xfrm>
             <a:off x="457200" y="274638"/>
-            <a:ext cx="8229600" cy="418058"/>
-          </a:xfrm>
-        </p:spPr>
-        <p:txBody>
-          <a:bodyPr>
+            <a:ext cx="8229600" cy="417512"/>
+          </a:xfrm>
+        </p:spPr>
+        <p:txBody>
+          <a:bodyPr rtlCol="0">
             <a:normAutofit fontScale="90000"/>
           </a:bodyPr>
           <a:lstStyle/>
           <a:p>
-            <a:pPr algn="r"/>
+            <a:pPr algn="r" fontAlgn="auto">
+              <a:spcAft>
+                <a:spcPts val="0"/>
+              </a:spcAft>
+              <a:defRPr/>
+            </a:pPr>
             <a:r>
               <a:rPr lang="en-US" sz="2400" dirty="0" err="1" smtClean="0"/>
               <a:t>Resultados</a:t>
@@ -5646,7 +5150,7 @@
       </p:sp>
       <p:sp>
         <p:nvSpPr>
-          <p:cNvPr id="3" name="Content Placeholder 2"/>
+          <p:cNvPr id="31746" name="Content Placeholder 2"/>
           <p:cNvSpPr>
             <a:spLocks noGrp="1"/>
           </p:cNvSpPr>
@@ -5656,20 +5160,25 @@
         </p:nvSpPr>
         <p:spPr>
           <a:xfrm>
-            <a:off x="457200" y="908720"/>
-            <a:ext cx="8229600" cy="5217443"/>
-          </a:xfrm>
-        </p:spPr>
-        <p:txBody>
-          <a:bodyPr>
-            <a:normAutofit/>
-          </a:bodyPr>
+            <a:off x="457200" y="908050"/>
+            <a:ext cx="8229600" cy="5218113"/>
+          </a:xfrm>
+        </p:spPr>
+        <p:txBody>
+          <a:bodyPr/>
           <a:lstStyle/>
           <a:p>
-            <a:r>
-              <a:rPr lang="es-ES" sz="2800" dirty="0" smtClean="0"/>
-              <a:t>Se compararon los resultados con los siguientes trabajos previos:</a:t>
-            </a:r>
+            <a:pPr>
+              <a:buFont typeface="Arial" charset="0"/>
+              <a:buNone/>
+            </a:pPr>
+            <a:r>
+              <a:rPr lang="es-ES" sz="2800" smtClean="0"/>
+              <a:t>Se compararon los resultados con los de los siguientes trabajos:</a:t>
+            </a:r>
+          </a:p>
+          <a:p>
+            <a:endParaRPr lang="es-ES" sz="2800" smtClean="0"/>
           </a:p>
           <a:p>
             <a:pPr lvl="1">
@@ -5677,16 +5186,8 @@
               <a:buChar char="§"/>
             </a:pPr>
             <a:r>
-              <a:rPr lang="es-ES" sz="2000" dirty="0" smtClean="0"/>
-              <a:t>Optimización multinivel de Chao </a:t>
-            </a:r>
-            <a:r>
-              <a:rPr lang="es-ES" sz="2000" dirty="0"/>
-              <a:t>et al</a:t>
-            </a:r>
-            <a:r>
-              <a:rPr lang="es-ES" sz="2000" dirty="0" smtClean="0"/>
-              <a:t>.  (CGW)</a:t>
+              <a:rPr lang="es-ES" sz="2000" smtClean="0"/>
+              <a:t>Optimización multinivel de Chao et al.  (CGW)</a:t>
             </a:r>
           </a:p>
           <a:p>
@@ -5695,42 +5196,10 @@
               <a:buChar char="§"/>
             </a:pPr>
             <a:r>
-              <a:rPr lang="es-AR" sz="2000" dirty="0" err="1"/>
-              <a:t>Tabu</a:t>
-            </a:r>
-            <a:r>
-              <a:rPr lang="es-AR" sz="2000" dirty="0"/>
-              <a:t> </a:t>
-            </a:r>
-            <a:r>
-              <a:rPr lang="es-AR" sz="2000" dirty="0" err="1"/>
-              <a:t>Search</a:t>
-            </a:r>
-            <a:r>
-              <a:rPr lang="es-AR" sz="2000" dirty="0"/>
-              <a:t> de </a:t>
-            </a:r>
-            <a:r>
-              <a:rPr lang="es-AR" sz="2000" dirty="0" err="1"/>
-              <a:t>Tang</a:t>
-            </a:r>
-            <a:r>
-              <a:rPr lang="es-AR" sz="2000" dirty="0"/>
-              <a:t> y </a:t>
-            </a:r>
-            <a:r>
-              <a:rPr lang="es-AR" sz="2000" dirty="0" smtClean="0"/>
-              <a:t>Miller-</a:t>
-            </a:r>
-            <a:r>
-              <a:rPr lang="es-AR" sz="2000" dirty="0" err="1" smtClean="0"/>
-              <a:t>Hooks</a:t>
-            </a:r>
-            <a:r>
-              <a:rPr lang="es-AR" sz="2000" dirty="0" smtClean="0"/>
-              <a:t> (TMH)</a:t>
-            </a:r>
-            <a:endParaRPr lang="es-ES" sz="2000" dirty="0" smtClean="0"/>
+              <a:rPr lang="es-AR" sz="2000" smtClean="0"/>
+              <a:t>Tabu Search de Tang y Miller-Hooks (TMH)</a:t>
+            </a:r>
+            <a:endParaRPr lang="es-ES" sz="2000" smtClean="0"/>
           </a:p>
           <a:p>
             <a:pPr lvl="1">
@@ -5738,32 +5207,8 @@
               <a:buChar char="§"/>
             </a:pPr>
             <a:r>
-              <a:rPr lang="fr-FR" sz="2000" dirty="0" err="1"/>
-              <a:t>Memetic</a:t>
-            </a:r>
-            <a:r>
-              <a:rPr lang="fr-FR" sz="2000" dirty="0"/>
-              <a:t> </a:t>
-            </a:r>
-            <a:r>
-              <a:rPr lang="fr-FR" sz="2000" dirty="0" err="1"/>
-              <a:t>Algorithm</a:t>
-            </a:r>
-            <a:r>
-              <a:rPr lang="fr-FR" sz="2000" dirty="0"/>
-              <a:t> (MA) de </a:t>
-            </a:r>
-            <a:r>
-              <a:rPr lang="fr-FR" sz="2000" dirty="0" err="1"/>
-              <a:t>Bouly</a:t>
-            </a:r>
-            <a:r>
-              <a:rPr lang="fr-FR" sz="2000" dirty="0"/>
-              <a:t> et al</a:t>
-            </a:r>
-            <a:r>
-              <a:rPr lang="fr-FR" sz="2000" dirty="0" smtClean="0"/>
-              <a:t>.</a:t>
+              <a:rPr lang="fr-FR" sz="2000" smtClean="0"/>
+              <a:t>Memetic Algorithm (MA) de Bouly et al.</a:t>
             </a:r>
           </a:p>
           <a:p>
@@ -5772,48 +5217,8 @@
               <a:buChar char="§"/>
             </a:pPr>
             <a:r>
-              <a:rPr lang="fr-FR" sz="2000" dirty="0" err="1"/>
-              <a:t>Ant</a:t>
-            </a:r>
-            <a:r>
-              <a:rPr lang="fr-FR" sz="2000" dirty="0"/>
-              <a:t> </a:t>
-            </a:r>
-            <a:r>
-              <a:rPr lang="fr-FR" sz="2000" dirty="0" err="1"/>
-              <a:t>Colony</a:t>
-            </a:r>
-            <a:r>
-              <a:rPr lang="fr-FR" sz="2000" dirty="0"/>
-              <a:t> </a:t>
-            </a:r>
-            <a:r>
-              <a:rPr lang="fr-FR" sz="2000" dirty="0" err="1"/>
-              <a:t>Optimization</a:t>
-            </a:r>
-            <a:r>
-              <a:rPr lang="fr-FR" sz="2000" dirty="0"/>
-              <a:t> (</a:t>
-            </a:r>
-            <a:r>
-              <a:rPr lang="fr-FR" sz="2000" dirty="0" err="1"/>
-              <a:t>ACOseq</a:t>
-            </a:r>
-            <a:r>
-              <a:rPr lang="fr-FR" sz="2000" dirty="0"/>
-              <a:t>) de </a:t>
-            </a:r>
-            <a:r>
-              <a:rPr lang="fr-FR" sz="2000" dirty="0" err="1"/>
-              <a:t>Ke</a:t>
-            </a:r>
-            <a:r>
-              <a:rPr lang="fr-FR" sz="2000" dirty="0"/>
-              <a:t> et al</a:t>
-            </a:r>
-            <a:r>
-              <a:rPr lang="fr-FR" sz="2000" dirty="0" smtClean="0"/>
-              <a:t>.</a:t>
+              <a:rPr lang="fr-FR" sz="2000" smtClean="0"/>
+              <a:t>Ant Colony Optimization (ACOseq) de Ke et al.</a:t>
             </a:r>
           </a:p>
           <a:p>
@@ -5822,39 +5227,41 @@
               <a:buChar char="§"/>
             </a:pPr>
             <a:r>
-              <a:rPr lang="en-US" sz="2000" dirty="0"/>
-              <a:t>Variable Neighborhood Search (</a:t>
-            </a:r>
-            <a:r>
-              <a:rPr lang="en-US" sz="2000" dirty="0" err="1"/>
-              <a:t>VNSslow</a:t>
-            </a:r>
-            <a:r>
-              <a:rPr lang="en-US" sz="2000" dirty="0"/>
-              <a:t>) de </a:t>
-            </a:r>
-            <a:r>
-              <a:rPr lang="en-US" sz="2000" dirty="0" err="1"/>
-              <a:t>Archetti</a:t>
-            </a:r>
-            <a:r>
-              <a:rPr lang="en-US" sz="2000" dirty="0"/>
-              <a:t> et al</a:t>
-            </a:r>
-            <a:r>
-              <a:rPr lang="en-US" sz="2000" dirty="0" smtClean="0"/>
-              <a:t>.</a:t>
-            </a:r>
-            <a:endParaRPr lang="es-ES" sz="2000" dirty="0" smtClean="0"/>
+              <a:rPr lang="en-US" sz="2000" smtClean="0"/>
+              <a:t>Variable Neighborhood Search (VNSslow) de Archetti et al.</a:t>
+            </a:r>
+          </a:p>
+          <a:p>
+            <a:pPr lvl="1">
+              <a:buFont typeface="Wingdings" pitchFamily="2" charset="2"/>
+              <a:buChar char="§"/>
+            </a:pPr>
+            <a:endParaRPr lang="en-US" sz="2000" smtClean="0"/>
+          </a:p>
+          <a:p>
+            <a:pPr lvl="1">
+              <a:buFont typeface="Wingdings" pitchFamily="2" charset="2"/>
+              <a:buNone/>
+            </a:pPr>
+            <a:r>
+              <a:rPr lang="es-ES_tradnl" sz="2000" smtClean="0"/>
+              <a:t>Instancias ??</a:t>
+            </a:r>
+          </a:p>
+          <a:p>
+            <a:pPr lvl="1">
+              <a:buFont typeface="Wingdings" pitchFamily="2" charset="2"/>
+              <a:buNone/>
+            </a:pPr>
+            <a:r>
+              <a:rPr lang="es-ES_tradnl" sz="2000" smtClean="0"/>
+              <a:t>Explicar columnas</a:t>
+            </a:r>
+            <a:endParaRPr lang="es-ES" sz="2000" smtClean="0"/>
           </a:p>
         </p:txBody>
       </p:sp>
     </p:spTree>
-    <p:extLst>
-      <p:ext uri="{BB962C8B-B14F-4D97-AF65-F5344CB8AC3E}">
-        <p14:creationId xmlns:p14="http://schemas.microsoft.com/office/powerpoint/2010/main" val="293670459"/>
-      </p:ext>
-    </p:extLst>
   </p:cSld>
   <p:clrMapOvr>
     <a:masterClrMapping/>
@@ -5881,7 +5288,7 @@
       </p:grpSpPr>
       <p:sp>
         <p:nvSpPr>
-          <p:cNvPr id="2" name="Title 1"/>
+          <p:cNvPr id="14337" name="Title 1"/>
           <p:cNvSpPr>
             <a:spLocks noGrp="1"/>
           </p:cNvSpPr>
@@ -5895,10 +5302,10 @@
           <a:lstStyle/>
           <a:p>
             <a:r>
-              <a:rPr lang="en-US" dirty="0" err="1" smtClean="0"/>
+              <a:rPr lang="en-US" smtClean="0"/>
               <a:t>Contenido</a:t>
             </a:r>
-            <a:endParaRPr lang="es-AR" dirty="0"/>
+            <a:endParaRPr lang="es-AR" smtClean="0"/>
           </a:p>
         </p:txBody>
       </p:sp>
@@ -5919,11 +5326,19 @@
           </a:xfrm>
         </p:spPr>
         <p:txBody>
-          <a:bodyPr numCol="2">
+          <a:bodyPr numCol="2" rtlCol="0">
             <a:normAutofit lnSpcReduction="10000"/>
           </a:bodyPr>
           <a:lstStyle/>
           <a:p>
+            <a:pPr fontAlgn="auto">
+              <a:spcAft>
+                <a:spcPts val="0"/>
+              </a:spcAft>
+              <a:buFont typeface="Arial" pitchFamily="34" charset="0"/>
+              <a:buChar char="•"/>
+              <a:defRPr/>
+            </a:pPr>
             <a:r>
               <a:rPr lang="es-AR" sz="2400" dirty="0" err="1" smtClean="0"/>
               <a:t>Team</a:t>
@@ -5947,9 +5362,13 @@
             <a:endParaRPr lang="es-AR" sz="2400" dirty="0" smtClean="0"/>
           </a:p>
           <a:p>
-            <a:pPr lvl="1">
+            <a:pPr lvl="1" fontAlgn="auto">
+              <a:spcAft>
+                <a:spcPts val="0"/>
+              </a:spcAft>
               <a:buFont typeface="Wingdings" pitchFamily="2" charset="2"/>
               <a:buChar char="§"/>
+              <a:defRPr/>
             </a:pPr>
             <a:r>
               <a:rPr lang="en-US" sz="2000" dirty="0" smtClean="0"/>
@@ -5957,9 +5376,13 @@
             </a:r>
           </a:p>
           <a:p>
-            <a:pPr lvl="1">
+            <a:pPr lvl="1" fontAlgn="auto">
+              <a:spcAft>
+                <a:spcPts val="0"/>
+              </a:spcAft>
               <a:buFont typeface="Wingdings" pitchFamily="2" charset="2"/>
               <a:buChar char="§"/>
+              <a:defRPr/>
             </a:pPr>
             <a:r>
               <a:rPr lang="en-US" sz="2000" dirty="0" err="1" smtClean="0"/>
@@ -5968,9 +5391,13 @@
             <a:endParaRPr lang="en-US" sz="2000" dirty="0" smtClean="0"/>
           </a:p>
           <a:p>
-            <a:pPr lvl="1">
+            <a:pPr lvl="1" fontAlgn="auto">
+              <a:spcAft>
+                <a:spcPts val="0"/>
+              </a:spcAft>
               <a:buFont typeface="Wingdings" pitchFamily="2" charset="2"/>
               <a:buChar char="§"/>
+              <a:defRPr/>
             </a:pPr>
             <a:r>
               <a:rPr lang="en-US" sz="2000" dirty="0" err="1" smtClean="0"/>
@@ -5987,6 +5414,14 @@
             <a:endParaRPr lang="es-AR" sz="2000" dirty="0" smtClean="0"/>
           </a:p>
           <a:p>
+            <a:pPr fontAlgn="auto">
+              <a:spcAft>
+                <a:spcPts val="0"/>
+              </a:spcAft>
+              <a:buFont typeface="Arial" pitchFamily="34" charset="0"/>
+              <a:buChar char="•"/>
+              <a:defRPr/>
+            </a:pPr>
             <a:r>
               <a:rPr lang="en-US" sz="2400" dirty="0"/>
               <a:t>Biased Random Key Genetic </a:t>
@@ -5997,9 +5432,13 @@
             </a:r>
           </a:p>
           <a:p>
-            <a:pPr lvl="1">
+            <a:pPr lvl="1" fontAlgn="auto">
+              <a:spcAft>
+                <a:spcPts val="0"/>
+              </a:spcAft>
               <a:buFont typeface="Wingdings" pitchFamily="2" charset="2"/>
               <a:buChar char="§"/>
+              <a:defRPr/>
             </a:pPr>
             <a:r>
               <a:rPr lang="en-US" sz="2000" dirty="0" err="1" smtClean="0"/>
@@ -6016,9 +5455,13 @@
             <a:endParaRPr lang="en-US" sz="2000" dirty="0" smtClean="0"/>
           </a:p>
           <a:p>
-            <a:pPr lvl="1">
+            <a:pPr lvl="1" fontAlgn="auto">
+              <a:spcAft>
+                <a:spcPts val="0"/>
+              </a:spcAft>
               <a:buFont typeface="Wingdings" pitchFamily="2" charset="2"/>
               <a:buChar char="§"/>
+              <a:defRPr/>
             </a:pPr>
             <a:r>
               <a:rPr lang="en-US" sz="2000" dirty="0" smtClean="0"/>
@@ -6026,9 +5469,13 @@
             </a:r>
           </a:p>
           <a:p>
-            <a:pPr lvl="1">
+            <a:pPr lvl="1" fontAlgn="auto">
+              <a:spcAft>
+                <a:spcPts val="0"/>
+              </a:spcAft>
               <a:buFont typeface="Wingdings" pitchFamily="2" charset="2"/>
               <a:buChar char="§"/>
+              <a:defRPr/>
             </a:pPr>
             <a:r>
               <a:rPr lang="en-US" sz="2000" dirty="0" smtClean="0"/>
@@ -6037,24 +5484,47 @@
             <a:endParaRPr lang="en-US" sz="2400" dirty="0"/>
           </a:p>
           <a:p>
-            <a:pPr marL="0" indent="0">
-              <a:buNone/>
+            <a:pPr marL="0" indent="0" fontAlgn="auto">
+              <a:spcAft>
+                <a:spcPts val="0"/>
+              </a:spcAft>
+              <a:buFont typeface="Arial" pitchFamily="34" charset="0"/>
+              <a:buNone/>
+              <a:defRPr/>
             </a:pPr>
             <a:endParaRPr lang="en-US" sz="2400" dirty="0" smtClean="0"/>
           </a:p>
           <a:p>
-            <a:pPr marL="0" indent="0">
-              <a:buNone/>
+            <a:pPr marL="0" indent="0" fontAlgn="auto">
+              <a:spcAft>
+                <a:spcPts val="0"/>
+              </a:spcAft>
+              <a:buFont typeface="Arial" pitchFamily="34" charset="0"/>
+              <a:buNone/>
+              <a:defRPr/>
             </a:pPr>
             <a:endParaRPr lang="en-US" sz="2400" dirty="0" smtClean="0"/>
           </a:p>
           <a:p>
-            <a:pPr marL="0" indent="0">
-              <a:buNone/>
+            <a:pPr marL="0" indent="0" fontAlgn="auto">
+              <a:spcAft>
+                <a:spcPts val="0"/>
+              </a:spcAft>
+              <a:buFont typeface="Arial" pitchFamily="34" charset="0"/>
+              <a:buNone/>
+              <a:defRPr/>
             </a:pPr>
             <a:endParaRPr lang="en-US" sz="2400" dirty="0" smtClean="0"/>
           </a:p>
           <a:p>
+            <a:pPr fontAlgn="auto">
+              <a:spcAft>
+                <a:spcPts val="0"/>
+              </a:spcAft>
+              <a:buFont typeface="Arial" pitchFamily="34" charset="0"/>
+              <a:buChar char="•"/>
+              <a:defRPr/>
+            </a:pPr>
             <a:r>
               <a:rPr lang="en-US" sz="2400" dirty="0" err="1" smtClean="0"/>
               <a:t>Algoritmo</a:t>
@@ -6070,9 +5540,13 @@
             <a:endParaRPr lang="en-US" sz="2400" dirty="0" smtClean="0"/>
           </a:p>
           <a:p>
-            <a:pPr lvl="1">
+            <a:pPr lvl="1" fontAlgn="auto">
+              <a:spcAft>
+                <a:spcPts val="0"/>
+              </a:spcAft>
               <a:buFont typeface="Wingdings" pitchFamily="2" charset="2"/>
               <a:buChar char="§"/>
+              <a:defRPr/>
             </a:pPr>
             <a:r>
               <a:rPr lang="en-US" sz="2000" dirty="0" smtClean="0"/>
@@ -6080,9 +5554,13 @@
             </a:r>
           </a:p>
           <a:p>
-            <a:pPr lvl="2">
+            <a:pPr lvl="2" fontAlgn="auto">
+              <a:spcAft>
+                <a:spcPts val="0"/>
+              </a:spcAft>
               <a:buFont typeface="Wingdings" pitchFamily="2" charset="2"/>
               <a:buChar char="§"/>
+              <a:defRPr/>
             </a:pPr>
             <a:r>
               <a:rPr lang="en-US" sz="2000" dirty="0" err="1" smtClean="0"/>
@@ -6091,9 +5569,13 @@
             <a:endParaRPr lang="en-US" sz="2000" dirty="0" smtClean="0"/>
           </a:p>
           <a:p>
-            <a:pPr lvl="2">
+            <a:pPr lvl="2" fontAlgn="auto">
+              <a:spcAft>
+                <a:spcPts val="0"/>
+              </a:spcAft>
               <a:buFont typeface="Wingdings" pitchFamily="2" charset="2"/>
               <a:buChar char="§"/>
+              <a:defRPr/>
             </a:pPr>
             <a:r>
               <a:rPr lang="en-US" sz="2000" dirty="0" err="1" smtClean="0"/>
@@ -6105,9 +5587,13 @@
             </a:r>
           </a:p>
           <a:p>
-            <a:pPr lvl="1">
+            <a:pPr lvl="1" fontAlgn="auto">
+              <a:spcAft>
+                <a:spcPts val="0"/>
+              </a:spcAft>
               <a:buFont typeface="Wingdings" pitchFamily="2" charset="2"/>
               <a:buChar char="§"/>
+              <a:defRPr/>
             </a:pPr>
             <a:r>
               <a:rPr lang="en-US" sz="2000" dirty="0" err="1" smtClean="0"/>
@@ -6119,6 +5605,14 @@
             </a:r>
           </a:p>
           <a:p>
+            <a:pPr fontAlgn="auto">
+              <a:spcAft>
+                <a:spcPts val="0"/>
+              </a:spcAft>
+              <a:buFont typeface="Arial" pitchFamily="34" charset="0"/>
+              <a:buChar char="•"/>
+              <a:defRPr/>
+            </a:pPr>
             <a:r>
               <a:rPr lang="en-US" sz="2400" dirty="0" err="1" smtClean="0"/>
               <a:t>Resultados</a:t>
@@ -6126,9 +5620,13 @@
             <a:endParaRPr lang="en-US" sz="2400" dirty="0" smtClean="0"/>
           </a:p>
           <a:p>
-            <a:pPr lvl="1">
+            <a:pPr lvl="1" fontAlgn="auto">
+              <a:spcAft>
+                <a:spcPts val="0"/>
+              </a:spcAft>
               <a:buFont typeface="Wingdings" pitchFamily="2" charset="2"/>
               <a:buChar char="§"/>
+              <a:defRPr/>
             </a:pPr>
             <a:r>
               <a:rPr lang="en-US" sz="2000" dirty="0" err="1" smtClean="0"/>
@@ -6145,9 +5643,13 @@
             <a:endParaRPr lang="en-US" sz="2000" dirty="0" smtClean="0"/>
           </a:p>
           <a:p>
-            <a:pPr lvl="1">
+            <a:pPr lvl="1" fontAlgn="auto">
+              <a:spcAft>
+                <a:spcPts val="0"/>
+              </a:spcAft>
               <a:buFont typeface="Wingdings" pitchFamily="2" charset="2"/>
               <a:buChar char="§"/>
+              <a:defRPr/>
             </a:pPr>
             <a:r>
               <a:rPr lang="en-US" sz="2000" dirty="0" err="1" smtClean="0"/>
@@ -6164,9 +5666,13 @@
             <a:endParaRPr lang="en-US" sz="2000" dirty="0" smtClean="0"/>
           </a:p>
           <a:p>
-            <a:pPr lvl="1">
+            <a:pPr lvl="1" fontAlgn="auto">
+              <a:spcAft>
+                <a:spcPts val="0"/>
+              </a:spcAft>
               <a:buFont typeface="Wingdings" pitchFamily="2" charset="2"/>
               <a:buChar char="§"/>
+              <a:defRPr/>
             </a:pPr>
             <a:r>
               <a:rPr lang="en-US" sz="2000" dirty="0" err="1" smtClean="0"/>
@@ -6183,9 +5689,13 @@
             <a:endParaRPr lang="en-US" sz="2000" dirty="0" smtClean="0"/>
           </a:p>
           <a:p>
-            <a:pPr lvl="1">
+            <a:pPr lvl="1" fontAlgn="auto">
+              <a:spcAft>
+                <a:spcPts val="0"/>
+              </a:spcAft>
               <a:buFont typeface="Wingdings" pitchFamily="2" charset="2"/>
               <a:buChar char="§"/>
+              <a:defRPr/>
             </a:pPr>
             <a:r>
               <a:rPr lang="en-US" sz="2000" dirty="0" err="1" smtClean="0"/>
@@ -6202,6 +5712,14 @@
             <a:endParaRPr lang="en-US" sz="2000" dirty="0" smtClean="0"/>
           </a:p>
           <a:p>
+            <a:pPr fontAlgn="auto">
+              <a:spcAft>
+                <a:spcPts val="0"/>
+              </a:spcAft>
+              <a:buFont typeface="Arial" pitchFamily="34" charset="0"/>
+              <a:buChar char="•"/>
+              <a:defRPr/>
+            </a:pPr>
             <a:r>
               <a:rPr lang="en-US" sz="2400" dirty="0" err="1" smtClean="0"/>
               <a:t>Concluciones</a:t>
@@ -6209,6 +5727,14 @@
             <a:endParaRPr lang="en-US" sz="2400" dirty="0" smtClean="0"/>
           </a:p>
           <a:p>
+            <a:pPr fontAlgn="auto">
+              <a:spcAft>
+                <a:spcPts val="0"/>
+              </a:spcAft>
+              <a:buFont typeface="Arial" pitchFamily="34" charset="0"/>
+              <a:buChar char="•"/>
+              <a:defRPr/>
+            </a:pPr>
             <a:r>
               <a:rPr lang="en-US" sz="2400" dirty="0" err="1" smtClean="0"/>
               <a:t>Trabajos</a:t>
@@ -6226,15 +5752,17 @@
         </p:txBody>
       </p:sp>
     </p:spTree>
-    <p:extLst>
-      <p:ext uri="{BB962C8B-B14F-4D97-AF65-F5344CB8AC3E}">
-        <p14:creationId xmlns:p14="http://schemas.microsoft.com/office/powerpoint/2010/main" val="2182434005"/>
-      </p:ext>
-    </p:extLst>
   </p:cSld>
   <p:clrMapOvr>
     <a:masterClrMapping/>
   </p:clrMapOvr>
+  <p:timing>
+    <p:tnLst>
+      <p:par>
+        <p:cTn id="1" dur="indefinite" restart="never" nodeType="tmRoot"/>
+      </p:par>
+    </p:tnLst>
+  </p:timing>
 </p:sld>
 </file>
 
@@ -6268,16 +5796,21 @@
         <p:spPr>
           <a:xfrm>
             <a:off x="457200" y="274638"/>
-            <a:ext cx="8229600" cy="418058"/>
-          </a:xfrm>
-        </p:spPr>
-        <p:txBody>
-          <a:bodyPr>
+            <a:ext cx="8229600" cy="417512"/>
+          </a:xfrm>
+        </p:spPr>
+        <p:txBody>
+          <a:bodyPr rtlCol="0">
             <a:normAutofit fontScale="90000"/>
           </a:bodyPr>
           <a:lstStyle/>
           <a:p>
-            <a:pPr algn="r"/>
+            <a:pPr algn="r" fontAlgn="auto">
+              <a:spcAft>
+                <a:spcPts val="0"/>
+              </a:spcAft>
+              <a:defRPr/>
+            </a:pPr>
             <a:r>
               <a:rPr lang="en-US" sz="2400" dirty="0" err="1" smtClean="0"/>
               <a:t>Resultados</a:t>
@@ -6298,8 +5831,8 @@
         </p:nvSpPr>
         <p:spPr>
           <a:xfrm>
-            <a:off x="457200" y="908720"/>
-            <a:ext cx="8229600" cy="5217443"/>
+            <a:off x="457200" y="908050"/>
+            <a:ext cx="8229600" cy="5218113"/>
           </a:xfrm>
         </p:spPr>
         <p:txBody>
@@ -6309,108 +5842,98 @@
           <a:lstStyle/>
           <a:p>
             <a:r>
-              <a:rPr lang="es-ES" sz="2800" dirty="0" smtClean="0"/>
-              <a:t>Resultados </a:t>
-            </a:r>
-            <a:r>
-              <a:rPr lang="es-ES" sz="2800" dirty="0" err="1" smtClean="0"/>
-              <a:t>brkga</a:t>
-            </a:r>
-            <a:r>
-              <a:rPr lang="es-ES" sz="2800" dirty="0" smtClean="0"/>
-              <a:t> puro deco</a:t>
-            </a:r>
-            <a:r>
-              <a:rPr lang="es-ES" sz="2800" dirty="0" smtClean="0"/>
-              <a:t>dificador simple y goloso:</a:t>
-            </a:r>
-          </a:p>
-          <a:p>
-            <a:pPr marL="0" indent="0">
-              <a:buNone/>
-            </a:pPr>
-            <a:endParaRPr lang="es-ES" sz="2800" dirty="0" smtClean="0"/>
-          </a:p>
-          <a:p>
-            <a:pPr marL="0" indent="0">
-              <a:buNone/>
-            </a:pPr>
-            <a:endParaRPr lang="es-ES" sz="2000" dirty="0" smtClean="0"/>
-          </a:p>
-          <a:p>
-            <a:pPr marL="0" indent="0">
-              <a:buNone/>
-            </a:pPr>
-            <a:endParaRPr lang="es-ES" sz="2000" dirty="0" smtClean="0"/>
+              <a:rPr lang="es-ES" sz="2800" smtClean="0"/>
+              <a:t>Resultados BRKGA puro decodificador simple y goloso:</a:t>
+            </a:r>
+          </a:p>
+          <a:p>
+            <a:pPr>
+              <a:buFont typeface="Arial" charset="0"/>
+              <a:buNone/>
+            </a:pPr>
+            <a:endParaRPr lang="es-ES" sz="2800" smtClean="0"/>
+          </a:p>
+          <a:p>
+            <a:pPr>
+              <a:buFont typeface="Arial" charset="0"/>
+              <a:buNone/>
+            </a:pPr>
+            <a:endParaRPr lang="es-ES" sz="2000" smtClean="0"/>
+          </a:p>
+          <a:p>
+            <a:pPr>
+              <a:buFont typeface="Arial" charset="0"/>
+              <a:buNone/>
+            </a:pPr>
+            <a:endParaRPr lang="es-ES" sz="2000" smtClean="0"/>
           </a:p>
         </p:txBody>
       </p:sp>
       <p:pic>
         <p:nvPicPr>
-          <p:cNvPr id="10" name="Picture 9"/>
+          <p:cNvPr id="32771" name="Picture 9"/>
           <p:cNvPicPr>
             <a:picLocks noChangeAspect="1"/>
           </p:cNvPicPr>
           <p:nvPr/>
         </p:nvPicPr>
         <p:blipFill>
-          <a:blip r:embed="rId2">
-            <a:extLst>
-              <a:ext uri="{28A0092B-C50C-407E-A947-70E740481C1C}">
-                <a14:useLocalDpi xmlns:a14="http://schemas.microsoft.com/office/drawing/2010/main" val="0"/>
-              </a:ext>
-            </a:extLst>
-          </a:blip>
+          <a:blip r:embed="rId2"/>
+          <a:srcRect/>
           <a:stretch>
             <a:fillRect/>
           </a:stretch>
         </p:blipFill>
-        <p:spPr>
-          <a:xfrm>
-            <a:off x="107504" y="3717032"/>
-            <a:ext cx="8878539" cy="1771897"/>
+        <p:spPr bwMode="auto">
+          <a:xfrm>
+            <a:off x="107950" y="3716338"/>
+            <a:ext cx="8877300" cy="1773237"/>
           </a:xfrm>
           <a:prstGeom prst="rect">
             <a:avLst/>
           </a:prstGeom>
+          <a:noFill/>
+          <a:ln w="9525">
+            <a:noFill/>
+            <a:miter lim="800000"/>
+            <a:headEnd/>
+            <a:tailEnd/>
+          </a:ln>
         </p:spPr>
       </p:pic>
       <p:pic>
         <p:nvPicPr>
-          <p:cNvPr id="11" name="Picture 10"/>
+          <p:cNvPr id="32772" name="Picture 10"/>
           <p:cNvPicPr>
             <a:picLocks noChangeAspect="1"/>
           </p:cNvPicPr>
           <p:nvPr/>
         </p:nvPicPr>
         <p:blipFill>
-          <a:blip r:embed="rId3">
-            <a:extLst>
-              <a:ext uri="{28A0092B-C50C-407E-A947-70E740481C1C}">
-                <a14:useLocalDpi xmlns:a14="http://schemas.microsoft.com/office/drawing/2010/main" val="0"/>
-              </a:ext>
-            </a:extLst>
-          </a:blip>
+          <a:blip r:embed="rId3"/>
+          <a:srcRect/>
           <a:stretch>
             <a:fillRect/>
           </a:stretch>
         </p:blipFill>
-        <p:spPr>
-          <a:xfrm>
-            <a:off x="107504" y="1628799"/>
-            <a:ext cx="8907118" cy="1810003"/>
+        <p:spPr bwMode="auto">
+          <a:xfrm>
+            <a:off x="107950" y="1628775"/>
+            <a:ext cx="8907463" cy="1809750"/>
           </a:xfrm>
           <a:prstGeom prst="rect">
             <a:avLst/>
           </a:prstGeom>
+          <a:noFill/>
+          <a:ln w="9525">
+            <a:noFill/>
+            <a:miter lim="800000"/>
+            <a:headEnd/>
+            <a:tailEnd/>
+          </a:ln>
         </p:spPr>
       </p:pic>
     </p:spTree>
-    <p:extLst>
-      <p:ext uri="{BB962C8B-B14F-4D97-AF65-F5344CB8AC3E}">
-        <p14:creationId xmlns:p14="http://schemas.microsoft.com/office/powerpoint/2010/main" val="512476657"/>
-      </p:ext>
-    </p:extLst>
   </p:cSld>
   <p:clrMapOvr>
     <a:masterClrMapping/>
@@ -6448,16 +5971,21 @@
         <p:spPr>
           <a:xfrm>
             <a:off x="457200" y="274638"/>
-            <a:ext cx="8229600" cy="418058"/>
-          </a:xfrm>
-        </p:spPr>
-        <p:txBody>
-          <a:bodyPr>
+            <a:ext cx="8229600" cy="417512"/>
+          </a:xfrm>
+        </p:spPr>
+        <p:txBody>
+          <a:bodyPr rtlCol="0">
             <a:normAutofit fontScale="90000"/>
           </a:bodyPr>
           <a:lstStyle/>
           <a:p>
-            <a:pPr algn="r"/>
+            <a:pPr algn="r" fontAlgn="auto">
+              <a:spcAft>
+                <a:spcPts val="0"/>
+              </a:spcAft>
+              <a:defRPr/>
+            </a:pPr>
             <a:r>
               <a:rPr lang="en-US" sz="2400" dirty="0" err="1" smtClean="0"/>
               <a:t>Resultados</a:t>
@@ -6478,8 +6006,8 @@
         </p:nvSpPr>
         <p:spPr>
           <a:xfrm>
-            <a:off x="457200" y="908720"/>
-            <a:ext cx="8229600" cy="5217443"/>
+            <a:off x="457200" y="908050"/>
+            <a:ext cx="8229600" cy="5218113"/>
           </a:xfrm>
         </p:spPr>
         <p:txBody>
@@ -6489,75 +6017,62 @@
           <a:lstStyle/>
           <a:p>
             <a:r>
-              <a:rPr lang="es-ES" sz="2800" dirty="0"/>
-              <a:t>Resultados </a:t>
-            </a:r>
-            <a:r>
-              <a:rPr lang="es-ES" sz="2800" dirty="0" err="1"/>
-              <a:t>brkga</a:t>
-            </a:r>
-            <a:r>
-              <a:rPr lang="es-ES" sz="2800" dirty="0"/>
-              <a:t> con las búsquedas locales</a:t>
-            </a:r>
-            <a:r>
-              <a:rPr lang="es-ES" sz="2800" dirty="0" smtClean="0"/>
-              <a:t>:</a:t>
-            </a:r>
-          </a:p>
-          <a:p>
-            <a:pPr marL="0" indent="0">
-              <a:buNone/>
-            </a:pPr>
-            <a:endParaRPr lang="es-ES" sz="2800" dirty="0"/>
-          </a:p>
-          <a:p>
-            <a:endParaRPr lang="es-ES" sz="2800" dirty="0" smtClean="0"/>
-          </a:p>
-          <a:p>
-            <a:pPr marL="0" indent="0">
-              <a:buNone/>
-            </a:pPr>
-            <a:endParaRPr lang="es-ES" sz="2000" dirty="0" smtClean="0"/>
+              <a:rPr lang="es-ES" sz="2800" smtClean="0"/>
+              <a:t>Resultados BRKGA con las búsquedas locales:</a:t>
+            </a:r>
+          </a:p>
+          <a:p>
+            <a:pPr>
+              <a:buFont typeface="Arial" charset="0"/>
+              <a:buNone/>
+            </a:pPr>
+            <a:endParaRPr lang="es-ES" sz="2800" smtClean="0"/>
+          </a:p>
+          <a:p>
+            <a:endParaRPr lang="es-ES" sz="2800" smtClean="0"/>
+          </a:p>
+          <a:p>
+            <a:pPr>
+              <a:buFont typeface="Arial" charset="0"/>
+              <a:buNone/>
+            </a:pPr>
+            <a:endParaRPr lang="es-ES" sz="2000" smtClean="0"/>
           </a:p>
         </p:txBody>
       </p:sp>
       <p:pic>
         <p:nvPicPr>
-          <p:cNvPr id="6" name="Picture 5"/>
+          <p:cNvPr id="33795" name="Picture 5"/>
           <p:cNvPicPr>
             <a:picLocks noChangeAspect="1"/>
           </p:cNvPicPr>
           <p:nvPr/>
         </p:nvPicPr>
         <p:blipFill>
-          <a:blip r:embed="rId2">
-            <a:extLst>
-              <a:ext uri="{28A0092B-C50C-407E-A947-70E740481C1C}">
-                <a14:useLocalDpi xmlns:a14="http://schemas.microsoft.com/office/drawing/2010/main" val="0"/>
-              </a:ext>
-            </a:extLst>
-          </a:blip>
+          <a:blip r:embed="rId2"/>
+          <a:srcRect/>
           <a:stretch>
             <a:fillRect/>
           </a:stretch>
         </p:blipFill>
-        <p:spPr>
-          <a:xfrm>
-            <a:off x="127967" y="2533525"/>
-            <a:ext cx="8888065" cy="1790950"/>
+        <p:spPr bwMode="auto">
+          <a:xfrm>
+            <a:off x="128588" y="2533650"/>
+            <a:ext cx="8886825" cy="1790700"/>
           </a:xfrm>
           <a:prstGeom prst="rect">
             <a:avLst/>
           </a:prstGeom>
+          <a:noFill/>
+          <a:ln w="9525">
+            <a:noFill/>
+            <a:miter lim="800000"/>
+            <a:headEnd/>
+            <a:tailEnd/>
+          </a:ln>
         </p:spPr>
       </p:pic>
     </p:spTree>
-    <p:extLst>
-      <p:ext uri="{BB962C8B-B14F-4D97-AF65-F5344CB8AC3E}">
-        <p14:creationId xmlns:p14="http://schemas.microsoft.com/office/powerpoint/2010/main" val="321265640"/>
-      </p:ext>
-    </p:extLst>
   </p:cSld>
   <p:clrMapOvr>
     <a:masterClrMapping/>
@@ -6595,16 +6110,21 @@
         <p:spPr>
           <a:xfrm>
             <a:off x="457200" y="274638"/>
-            <a:ext cx="8229600" cy="418058"/>
-          </a:xfrm>
-        </p:spPr>
-        <p:txBody>
-          <a:bodyPr>
+            <a:ext cx="8229600" cy="417512"/>
+          </a:xfrm>
+        </p:spPr>
+        <p:txBody>
+          <a:bodyPr rtlCol="0">
             <a:normAutofit fontScale="90000"/>
           </a:bodyPr>
           <a:lstStyle/>
           <a:p>
-            <a:pPr algn="r"/>
+            <a:pPr algn="r" fontAlgn="auto">
+              <a:spcAft>
+                <a:spcPts val="0"/>
+              </a:spcAft>
+              <a:defRPr/>
+            </a:pPr>
             <a:r>
               <a:rPr lang="en-US" sz="2400" dirty="0" err="1" smtClean="0"/>
               <a:t>Resultados</a:t>
@@ -6625,24 +6145,37 @@
         </p:nvSpPr>
         <p:spPr>
           <a:xfrm>
-            <a:off x="457200" y="908720"/>
-            <a:ext cx="8229600" cy="5217443"/>
-          </a:xfrm>
-        </p:spPr>
-        <p:txBody>
-          <a:bodyPr>
+            <a:off x="457200" y="908050"/>
+            <a:ext cx="8229600" cy="5218113"/>
+          </a:xfrm>
+        </p:spPr>
+        <p:txBody>
+          <a:bodyPr rtlCol="0">
             <a:normAutofit/>
           </a:bodyPr>
           <a:lstStyle/>
           <a:p>
+            <a:pPr fontAlgn="auto">
+              <a:spcAft>
+                <a:spcPts val="0"/>
+              </a:spcAft>
+              <a:buFont typeface="Arial" pitchFamily="34" charset="0"/>
+              <a:buChar char="•"/>
+              <a:defRPr/>
+            </a:pPr>
             <a:r>
               <a:rPr lang="es-ES" sz="2800" dirty="0" smtClean="0"/>
               <a:t>Síntesis resultados:</a:t>
             </a:r>
           </a:p>
           <a:p>
-            <a:pPr marL="0" indent="0">
-              <a:buNone/>
+            <a:pPr marL="0" indent="0" fontAlgn="auto">
+              <a:spcAft>
+                <a:spcPts val="0"/>
+              </a:spcAft>
+              <a:buFont typeface="Arial" pitchFamily="34" charset="0"/>
+              <a:buNone/>
+              <a:defRPr/>
             </a:pPr>
             <a:endParaRPr lang="es-ES" sz="2000" dirty="0" smtClean="0"/>
           </a:p>
@@ -6650,74 +6183,31 @@
       </p:sp>
       <p:graphicFrame>
         <p:nvGraphicFramePr>
-          <p:cNvPr id="4" name="Object 3"/>
+          <p:cNvPr id="2082" name="Object 34"/>
           <p:cNvGraphicFramePr>
             <a:graphicFrameLocks noChangeAspect="1"/>
           </p:cNvGraphicFramePr>
-          <p:nvPr>
-            <p:extLst>
-              <p:ext uri="{D42A27DB-BD31-4B8C-83A1-F6EECF244321}">
-                <p14:modId xmlns:p14="http://schemas.microsoft.com/office/powerpoint/2010/main" val="4148631786"/>
-              </p:ext>
-            </p:extLst>
-          </p:nvPr>
+          <p:nvPr/>
         </p:nvGraphicFramePr>
         <p:xfrm>
-          <a:off x="4860032" y="1609304"/>
-          <a:ext cx="2960329" cy="720080"/>
+          <a:off x="4859338" y="1609725"/>
+          <a:ext cx="2960687" cy="719138"/>
         </p:xfrm>
         <a:graphic>
           <a:graphicData uri="http://schemas.openxmlformats.org/presentationml/2006/ole">
-            <mc:AlternateContent xmlns:mc="http://schemas.openxmlformats.org/markup-compatibility/2006">
-              <mc:Choice xmlns:v="urn:schemas-microsoft-com:vml" Requires="v">
-                <p:oleObj spid="_x0000_s2079" name="Equation" r:id="rId3" imgW="1409400" imgH="342720" progId="Equation.3">
-                  <p:embed/>
-                </p:oleObj>
-              </mc:Choice>
-              <mc:Fallback>
-                <p:oleObj name="Equation" r:id="rId3" imgW="1409400" imgH="342720" progId="Equation.3">
-                  <p:embed/>
-                  <p:pic>
-                    <p:nvPicPr>
-                      <p:cNvPr id="0" name=""/>
-                      <p:cNvPicPr/>
-                      <p:nvPr/>
-                    </p:nvPicPr>
-                    <p:blipFill>
-                      <a:blip r:embed="rId4"/>
-                      <a:stretch>
-                        <a:fillRect/>
-                      </a:stretch>
-                    </p:blipFill>
-                    <p:spPr>
-                      <a:xfrm>
-                        <a:off x="4860032" y="1609304"/>
-                        <a:ext cx="2960329" cy="720080"/>
-                      </a:xfrm>
-                      <a:prstGeom prst="rect">
-                        <a:avLst/>
-                      </a:prstGeom>
-                    </p:spPr>
-                  </p:pic>
-                </p:oleObj>
-              </mc:Fallback>
-            </mc:AlternateContent>
+            <p:oleObj spid="_x0000_s2082" name="Equation" r:id="rId3" imgW="1409400" imgH="342720" progId="Equation.3">
+              <p:embed/>
+            </p:oleObj>
           </a:graphicData>
         </a:graphic>
       </p:graphicFrame>
       <p:graphicFrame>
         <p:nvGraphicFramePr>
-          <p:cNvPr id="7" name="Object 6"/>
+          <p:cNvPr id="2083" name="Object 35"/>
           <p:cNvGraphicFramePr>
             <a:graphicFrameLocks noChangeAspect="1"/>
           </p:cNvGraphicFramePr>
-          <p:nvPr>
-            <p:extLst>
-              <p:ext uri="{D42A27DB-BD31-4B8C-83A1-F6EECF244321}">
-                <p14:modId xmlns:p14="http://schemas.microsoft.com/office/powerpoint/2010/main" val="1515382667"/>
-              </p:ext>
-            </p:extLst>
-          </p:nvPr>
+          <p:nvPr/>
         </p:nvGraphicFramePr>
         <p:xfrm>
           <a:off x="4832350" y="2636838"/>
@@ -6725,82 +6215,19 @@
         </p:xfrm>
         <a:graphic>
           <a:graphicData uri="http://schemas.openxmlformats.org/presentationml/2006/ole">
-            <mc:AlternateContent xmlns:mc="http://schemas.openxmlformats.org/markup-compatibility/2006">
-              <mc:Choice xmlns:v="urn:schemas-microsoft-com:vml" Requires="v">
-                <p:oleObj spid="_x0000_s2080" name="Equation" r:id="rId5" imgW="1434960" imgH="342720" progId="Equation.3">
-                  <p:embed/>
-                </p:oleObj>
-              </mc:Choice>
-              <mc:Fallback>
-                <p:oleObj name="Equation" r:id="rId5" imgW="1434960" imgH="342720" progId="Equation.3">
-                  <p:embed/>
-                  <p:pic>
-                    <p:nvPicPr>
-                      <p:cNvPr id="0" name="Object 3"/>
-                      <p:cNvPicPr>
-                        <a:picLocks noChangeAspect="1" noChangeArrowheads="1"/>
-                      </p:cNvPicPr>
-                      <p:nvPr/>
-                    </p:nvPicPr>
-                    <p:blipFill>
-                      <a:blip r:embed="rId6"/>
-                      <a:srcRect/>
-                      <a:stretch>
-                        <a:fillRect/>
-                      </a:stretch>
-                    </p:blipFill>
-                    <p:spPr bwMode="auto">
-                      <a:xfrm>
-                        <a:off x="4832350" y="2636838"/>
-                        <a:ext cx="3014663" cy="719137"/>
-                      </a:xfrm>
-                      <a:prstGeom prst="rect">
-                        <a:avLst/>
-                      </a:prstGeom>
-                      <a:noFill/>
-                      <a:ln>
-                        <a:noFill/>
-                      </a:ln>
-                      <a:extLst>
-                        <a:ext uri="{909E8E84-426E-40DD-AFC4-6F175D3DCCD1}">
-                          <a14:hiddenFill xmlns:a14="http://schemas.microsoft.com/office/drawing/2010/main">
-                            <a:solidFill>
-                              <a:srgbClr val="FFFFFF"/>
-                            </a:solidFill>
-                          </a14:hiddenFill>
-                        </a:ext>
-                        <a:ext uri="{91240B29-F687-4F45-9708-019B960494DF}">
-                          <a14:hiddenLine xmlns:a14="http://schemas.microsoft.com/office/drawing/2010/main" w="9525">
-                            <a:solidFill>
-                              <a:srgbClr val="000000"/>
-                            </a:solidFill>
-                            <a:miter lim="800000"/>
-                            <a:headEnd/>
-                            <a:tailEnd/>
-                          </a14:hiddenLine>
-                        </a:ext>
-                      </a:extLst>
-                    </p:spPr>
-                  </p:pic>
-                </p:oleObj>
-              </mc:Fallback>
-            </mc:AlternateContent>
+            <p:oleObj spid="_x0000_s2083" name="Equation" r:id="rId4" imgW="1434960" imgH="342720" progId="Equation.3">
+              <p:embed/>
+            </p:oleObj>
           </a:graphicData>
         </a:graphic>
       </p:graphicFrame>
       <p:graphicFrame>
         <p:nvGraphicFramePr>
-          <p:cNvPr id="9" name="Object 8"/>
+          <p:cNvPr id="2084" name="Object 36"/>
           <p:cNvGraphicFramePr>
             <a:graphicFrameLocks noChangeAspect="1"/>
           </p:cNvGraphicFramePr>
-          <p:nvPr>
-            <p:extLst>
-              <p:ext uri="{D42A27DB-BD31-4B8C-83A1-F6EECF244321}">
-                <p14:modId xmlns:p14="http://schemas.microsoft.com/office/powerpoint/2010/main" val="482211451"/>
-              </p:ext>
-            </p:extLst>
-          </p:nvPr>
+          <p:nvPr/>
         </p:nvGraphicFramePr>
         <p:xfrm>
           <a:off x="5126038" y="3751263"/>
@@ -6808,105 +6235,45 @@
         </p:xfrm>
         <a:graphic>
           <a:graphicData uri="http://schemas.openxmlformats.org/presentationml/2006/ole">
-            <mc:AlternateContent xmlns:mc="http://schemas.openxmlformats.org/markup-compatibility/2006">
-              <mc:Choice xmlns:v="urn:schemas-microsoft-com:vml" Requires="v">
-                <p:oleObj spid="_x0000_s2081" name="Equation" r:id="rId7" imgW="1180800" imgH="241200" progId="Equation.3">
-                  <p:embed/>
-                </p:oleObj>
-              </mc:Choice>
-              <mc:Fallback>
-                <p:oleObj name="Equation" r:id="rId7" imgW="1180800" imgH="241200" progId="Equation.3">
-                  <p:embed/>
-                  <p:pic>
-                    <p:nvPicPr>
-                      <p:cNvPr id="0" name="Object 6"/>
-                      <p:cNvPicPr>
-                        <a:picLocks noChangeAspect="1" noChangeArrowheads="1"/>
-                      </p:cNvPicPr>
-                      <p:nvPr/>
-                    </p:nvPicPr>
-                    <p:blipFill>
-                      <a:blip r:embed="rId8"/>
-                      <a:srcRect/>
-                      <a:stretch>
-                        <a:fillRect/>
-                      </a:stretch>
-                    </p:blipFill>
-                    <p:spPr bwMode="auto">
-                      <a:xfrm>
-                        <a:off x="5126038" y="3751263"/>
-                        <a:ext cx="2481262" cy="504825"/>
-                      </a:xfrm>
-                      <a:prstGeom prst="rect">
-                        <a:avLst/>
-                      </a:prstGeom>
-                      <a:noFill/>
-                      <a:ln>
-                        <a:noFill/>
-                      </a:ln>
-                      <a:extLst>
-                        <a:ext uri="{909E8E84-426E-40DD-AFC4-6F175D3DCCD1}">
-                          <a14:hiddenFill xmlns:a14="http://schemas.microsoft.com/office/drawing/2010/main">
-                            <a:solidFill>
-                              <a:srgbClr val="FFFFFF"/>
-                            </a:solidFill>
-                          </a14:hiddenFill>
-                        </a:ext>
-                        <a:ext uri="{91240B29-F687-4F45-9708-019B960494DF}">
-                          <a14:hiddenLine xmlns:a14="http://schemas.microsoft.com/office/drawing/2010/main" w="9525">
-                            <a:solidFill>
-                              <a:srgbClr val="000000"/>
-                            </a:solidFill>
-                            <a:miter lim="800000"/>
-                            <a:headEnd/>
-                            <a:tailEnd/>
-                          </a14:hiddenLine>
-                        </a:ext>
-                      </a:extLst>
-                    </p:spPr>
-                  </p:pic>
-                </p:oleObj>
-              </mc:Fallback>
-            </mc:AlternateContent>
+            <p:oleObj spid="_x0000_s2084" name="Equation" r:id="rId5" imgW="1180800" imgH="241200" progId="Equation.3">
+              <p:embed/>
+            </p:oleObj>
           </a:graphicData>
         </a:graphic>
       </p:graphicFrame>
       <p:pic>
         <p:nvPicPr>
-          <p:cNvPr id="11" name="Picture 10"/>
+          <p:cNvPr id="2087" name="Picture 10"/>
           <p:cNvPicPr>
             <a:picLocks noChangeAspect="1"/>
           </p:cNvPicPr>
           <p:nvPr/>
         </p:nvPicPr>
         <p:blipFill>
-          <a:blip r:embed="rId9">
-            <a:extLst>
-              <a:ext uri="{28A0092B-C50C-407E-A947-70E740481C1C}">
-                <a14:useLocalDpi xmlns:a14="http://schemas.microsoft.com/office/drawing/2010/main" val="0"/>
-              </a:ext>
-            </a:extLst>
-          </a:blip>
+          <a:blip r:embed="rId6"/>
+          <a:srcRect/>
           <a:stretch>
             <a:fillRect/>
           </a:stretch>
         </p:blipFill>
-        <p:spPr>
-          <a:xfrm>
-            <a:off x="899592" y="1628800"/>
-            <a:ext cx="3781953" cy="2934109"/>
+        <p:spPr bwMode="auto">
+          <a:xfrm>
+            <a:off x="900113" y="1628775"/>
+            <a:ext cx="3781425" cy="2933700"/>
           </a:xfrm>
           <a:prstGeom prst="rect">
             <a:avLst/>
           </a:prstGeom>
+          <a:noFill/>
+          <a:ln w="9525">
+            <a:noFill/>
+            <a:miter lim="800000"/>
+            <a:headEnd/>
+            <a:tailEnd/>
+          </a:ln>
         </p:spPr>
       </p:pic>
     </p:spTree>
-    <p:extLst>
-      <p:ext uri="{BB962C8B-B14F-4D97-AF65-F5344CB8AC3E}">
-        <p14:creationId xmlns:p14="http://schemas.microsoft.com/office/powerpoint/2010/main" val="4165633388"/>
-      </p:ext>
-    </p:extLst>
   </p:cSld>
   <p:clrMapOvr>
     <a:masterClrMapping/>
@@ -6944,16 +6311,21 @@
         <p:spPr>
           <a:xfrm>
             <a:off x="457200" y="274638"/>
-            <a:ext cx="8229600" cy="418058"/>
-          </a:xfrm>
-        </p:spPr>
-        <p:txBody>
-          <a:bodyPr>
+            <a:ext cx="8229600" cy="417512"/>
+          </a:xfrm>
+        </p:spPr>
+        <p:txBody>
+          <a:bodyPr rtlCol="0">
             <a:normAutofit fontScale="90000"/>
           </a:bodyPr>
           <a:lstStyle/>
           <a:p>
-            <a:pPr algn="r"/>
+            <a:pPr algn="r" fontAlgn="auto">
+              <a:spcAft>
+                <a:spcPts val="0"/>
+              </a:spcAft>
+              <a:defRPr/>
+            </a:pPr>
             <a:r>
               <a:rPr lang="en-US" sz="2400" dirty="0" err="1" smtClean="0"/>
               <a:t>Conclusiones</a:t>
@@ -6964,7 +6336,7 @@
       </p:sp>
       <p:sp>
         <p:nvSpPr>
-          <p:cNvPr id="3" name="Content Placeholder 2"/>
+          <p:cNvPr id="36866" name="Content Placeholder 2"/>
           <p:cNvSpPr>
             <a:spLocks noGrp="1"/>
           </p:cNvSpPr>
@@ -6974,162 +6346,45 @@
         </p:nvSpPr>
         <p:spPr>
           <a:xfrm>
-            <a:off x="457200" y="908720"/>
-            <a:ext cx="8229600" cy="5217443"/>
-          </a:xfrm>
-        </p:spPr>
-        <p:txBody>
-          <a:bodyPr>
-            <a:normAutofit/>
-          </a:bodyPr>
+            <a:off x="457200" y="908050"/>
+            <a:ext cx="8229600" cy="5218113"/>
+          </a:xfrm>
+        </p:spPr>
+        <p:txBody>
+          <a:bodyPr/>
           <a:lstStyle/>
           <a:p>
-            <a:r>
-              <a:rPr lang="en-US" sz="2800" dirty="0" smtClean="0"/>
+            <a:endParaRPr lang="en-US" sz="2800" smtClean="0"/>
+          </a:p>
+          <a:p>
+            <a:endParaRPr lang="en-US" sz="2800" smtClean="0"/>
+          </a:p>
+          <a:p>
+            <a:r>
+              <a:rPr lang="en-US" sz="2800" smtClean="0"/>
               <a:t>Un </a:t>
             </a:r>
             <a:r>
-              <a:rPr lang="es-AR" sz="2800" dirty="0" smtClean="0"/>
-              <a:t>70</a:t>
-            </a:r>
-            <a:r>
-              <a:rPr lang="es-AR" sz="2800" dirty="0"/>
-              <a:t>% de los resultados llegaron a la mejor solución conocida de la instancia </a:t>
-            </a:r>
-            <a:r>
-              <a:rPr lang="es-AR" sz="2800" dirty="0" smtClean="0"/>
-              <a:t>testeada.</a:t>
-            </a:r>
-          </a:p>
-          <a:p>
-            <a:r>
-              <a:rPr lang="en-US" sz="2800" dirty="0" smtClean="0"/>
-              <a:t>El restante 30% </a:t>
-            </a:r>
-            <a:r>
-              <a:rPr lang="en-US" sz="2800" dirty="0" err="1" smtClean="0"/>
-              <a:t>obtuvo</a:t>
-            </a:r>
-            <a:r>
-              <a:rPr lang="en-US" sz="2800" dirty="0" smtClean="0"/>
-              <a:t> </a:t>
-            </a:r>
-            <a:r>
-              <a:rPr lang="en-US" sz="2800" dirty="0" err="1" smtClean="0"/>
-              <a:t>valores</a:t>
-            </a:r>
-            <a:r>
-              <a:rPr lang="en-US" sz="2800" dirty="0" smtClean="0"/>
-              <a:t> </a:t>
-            </a:r>
-            <a:r>
-              <a:rPr lang="en-US" sz="2800" dirty="0" err="1" smtClean="0"/>
-              <a:t>competitivos</a:t>
-            </a:r>
-            <a:r>
-              <a:rPr lang="en-US" sz="2800" dirty="0" smtClean="0"/>
-              <a:t> </a:t>
-            </a:r>
-            <a:r>
-              <a:rPr lang="en-US" sz="2800" dirty="0" smtClean="0"/>
-              <a:t>con los </a:t>
-            </a:r>
-            <a:r>
-              <a:rPr lang="en-US" sz="2800" dirty="0" err="1" smtClean="0"/>
-              <a:t>mejores</a:t>
-            </a:r>
-            <a:r>
-              <a:rPr lang="en-US" sz="2800" dirty="0" smtClean="0"/>
-              <a:t> </a:t>
-            </a:r>
-            <a:r>
-              <a:rPr lang="en-US" sz="2800" dirty="0" err="1" smtClean="0"/>
-              <a:t>trabajos</a:t>
-            </a:r>
-            <a:r>
-              <a:rPr lang="en-US" sz="2800" dirty="0" smtClean="0"/>
-              <a:t> </a:t>
-            </a:r>
-            <a:r>
-              <a:rPr lang="en-US" sz="2800" dirty="0" err="1" smtClean="0"/>
-              <a:t>previos</a:t>
-            </a:r>
-            <a:r>
-              <a:rPr lang="en-US" sz="2800" dirty="0" smtClean="0"/>
-              <a:t>.</a:t>
-            </a:r>
-          </a:p>
-          <a:p>
-            <a:r>
-              <a:rPr lang="en-US" sz="2800" dirty="0" smtClean="0"/>
-              <a:t>El BRKGA </a:t>
-            </a:r>
-            <a:r>
-              <a:rPr lang="en-US" sz="2800" dirty="0" err="1" smtClean="0"/>
-              <a:t>puro</a:t>
-            </a:r>
-            <a:r>
-              <a:rPr lang="en-US" sz="2800" dirty="0" smtClean="0"/>
-              <a:t> no </a:t>
-            </a:r>
-            <a:r>
-              <a:rPr lang="en-US" sz="2800" dirty="0" err="1" smtClean="0"/>
-              <a:t>es</a:t>
-            </a:r>
-            <a:r>
-              <a:rPr lang="en-US" sz="2800" dirty="0" smtClean="0"/>
-              <a:t> </a:t>
-            </a:r>
-            <a:r>
-              <a:rPr lang="en-US" sz="2800" dirty="0" err="1" smtClean="0"/>
-              <a:t>bueno</a:t>
-            </a:r>
-            <a:r>
-              <a:rPr lang="en-US" sz="2800" dirty="0" smtClean="0"/>
-              <a:t> </a:t>
-            </a:r>
-            <a:r>
-              <a:rPr lang="en-US" sz="2800" dirty="0" err="1" smtClean="0"/>
-              <a:t>para</a:t>
-            </a:r>
-            <a:r>
-              <a:rPr lang="en-US" sz="2800" dirty="0" smtClean="0"/>
-              <a:t> </a:t>
-            </a:r>
-            <a:r>
-              <a:rPr lang="en-US" sz="2800" dirty="0" err="1" smtClean="0"/>
-              <a:t>instancias</a:t>
-            </a:r>
-            <a:r>
-              <a:rPr lang="en-US" sz="2800" dirty="0" smtClean="0"/>
-              <a:t> </a:t>
-            </a:r>
-            <a:r>
-              <a:rPr lang="en-US" sz="2800" dirty="0" err="1" smtClean="0"/>
-              <a:t>grandes</a:t>
-            </a:r>
-            <a:r>
-              <a:rPr lang="en-US" sz="2800" dirty="0" smtClean="0"/>
-              <a:t> del </a:t>
-            </a:r>
-            <a:r>
-              <a:rPr lang="en-US" sz="2800" dirty="0" err="1" smtClean="0"/>
-              <a:t>problema</a:t>
-            </a:r>
-            <a:r>
-              <a:rPr lang="en-US" sz="2800" dirty="0" smtClean="0"/>
-              <a:t>.</a:t>
-            </a:r>
-            <a:endParaRPr lang="es-ES" sz="2800" dirty="0" smtClean="0"/>
+              <a:rPr lang="es-AR" sz="2800" smtClean="0"/>
+              <a:t>70% de los resultados llegaron a la mejor solución conocida de la instancia testeada.</a:t>
+            </a:r>
+          </a:p>
+          <a:p>
+            <a:r>
+              <a:rPr lang="en-US" sz="2800" smtClean="0"/>
+              <a:t>El restante 30% obtuvo valores competitivos con los mejores trabajos previos.</a:t>
+            </a:r>
+          </a:p>
+          <a:p>
+            <a:r>
+              <a:rPr lang="en-US" sz="2800" smtClean="0"/>
+              <a:t>El BRKGA sin búsqueda local no dió buenos resultados para instancias grandes del problema.</a:t>
+            </a:r>
+            <a:endParaRPr lang="es-ES" sz="2800" smtClean="0"/>
           </a:p>
         </p:txBody>
       </p:sp>
     </p:spTree>
-    <p:extLst>
-      <p:ext uri="{BB962C8B-B14F-4D97-AF65-F5344CB8AC3E}">
-        <p14:creationId xmlns:p14="http://schemas.microsoft.com/office/powerpoint/2010/main" val="962634165"/>
-      </p:ext>
-    </p:extLst>
   </p:cSld>
   <p:clrMapOvr>
     <a:masterClrMapping/>
@@ -7167,16 +6422,21 @@
         <p:spPr>
           <a:xfrm>
             <a:off x="457200" y="274638"/>
-            <a:ext cx="8229600" cy="418058"/>
-          </a:xfrm>
-        </p:spPr>
-        <p:txBody>
-          <a:bodyPr>
+            <a:ext cx="8229600" cy="417512"/>
+          </a:xfrm>
+        </p:spPr>
+        <p:txBody>
+          <a:bodyPr rtlCol="0">
             <a:normAutofit fontScale="90000"/>
           </a:bodyPr>
           <a:lstStyle/>
           <a:p>
-            <a:pPr algn="r"/>
+            <a:pPr algn="r" fontAlgn="auto">
+              <a:spcAft>
+                <a:spcPts val="0"/>
+              </a:spcAft>
+              <a:defRPr/>
+            </a:pPr>
             <a:r>
               <a:rPr lang="en-US" sz="2400" dirty="0" err="1" smtClean="0"/>
               <a:t>Conclusiones</a:t>
@@ -7187,7 +6447,7 @@
       </p:sp>
       <p:sp>
         <p:nvSpPr>
-          <p:cNvPr id="3" name="Content Placeholder 2"/>
+          <p:cNvPr id="37890" name="Content Placeholder 2"/>
           <p:cNvSpPr>
             <a:spLocks noGrp="1"/>
           </p:cNvSpPr>
@@ -7197,360 +6457,69 @@
         </p:nvSpPr>
         <p:spPr>
           <a:xfrm>
-            <a:off x="457200" y="908720"/>
-            <a:ext cx="8229600" cy="5217443"/>
-          </a:xfrm>
-        </p:spPr>
-        <p:txBody>
-          <a:bodyPr>
-            <a:normAutofit/>
-          </a:bodyPr>
+            <a:off x="457200" y="908050"/>
+            <a:ext cx="8229600" cy="5218113"/>
+          </a:xfrm>
+        </p:spPr>
+        <p:txBody>
+          <a:bodyPr/>
           <a:lstStyle/>
           <a:p>
-            <a:r>
-              <a:rPr lang="en-US" sz="2800" dirty="0" err="1" smtClean="0"/>
-              <a:t>Aportes</a:t>
-            </a:r>
-            <a:r>
-              <a:rPr lang="en-US" sz="2800" dirty="0" smtClean="0"/>
-              <a:t> a </a:t>
-            </a:r>
-            <a:r>
-              <a:rPr lang="en-US" sz="2800" dirty="0" err="1" smtClean="0"/>
-              <a:t>futuros</a:t>
-            </a:r>
-            <a:r>
-              <a:rPr lang="en-US" sz="2800" dirty="0" smtClean="0"/>
-              <a:t> </a:t>
-            </a:r>
-            <a:r>
-              <a:rPr lang="en-US" sz="2800" dirty="0" err="1" smtClean="0"/>
-              <a:t>trabajos</a:t>
-            </a:r>
-            <a:r>
-              <a:rPr lang="en-US" sz="2800" dirty="0" smtClean="0"/>
-              <a:t> con </a:t>
-            </a:r>
-            <a:r>
-              <a:rPr lang="en-US" sz="2800" dirty="0" err="1" smtClean="0"/>
-              <a:t>brkga</a:t>
-            </a:r>
-            <a:r>
-              <a:rPr lang="en-US" sz="2800" dirty="0" smtClean="0"/>
-              <a:t>:</a:t>
-            </a:r>
+            <a:pPr>
+              <a:buFont typeface="Arial" charset="0"/>
+              <a:buNone/>
+            </a:pPr>
+            <a:r>
+              <a:rPr lang="en-US" sz="2800" b="1" smtClean="0"/>
+              <a:t>Conclusiones</a:t>
+            </a:r>
+          </a:p>
+          <a:p>
+            <a:endParaRPr lang="en-US" sz="2800" smtClean="0"/>
           </a:p>
           <a:p>
             <a:pPr lvl="1"/>
             <a:r>
-              <a:rPr lang="en-US" sz="2400" dirty="0" smtClean="0"/>
-              <a:t>Se </a:t>
-            </a:r>
-            <a:r>
-              <a:rPr lang="en-US" sz="2400" dirty="0" err="1" smtClean="0"/>
-              <a:t>implementaron</a:t>
-            </a:r>
-            <a:r>
-              <a:rPr lang="en-US" sz="2400" dirty="0" smtClean="0"/>
-              <a:t> </a:t>
-            </a:r>
-            <a:r>
-              <a:rPr lang="en-US" sz="2400" dirty="0" err="1" smtClean="0"/>
-              <a:t>variantes</a:t>
-            </a:r>
-            <a:r>
-              <a:rPr lang="en-US" sz="2400" dirty="0" smtClean="0"/>
-              <a:t> de </a:t>
-            </a:r>
-            <a:r>
-              <a:rPr lang="en-US" sz="2400" dirty="0" err="1" smtClean="0"/>
-              <a:t>decodificadores</a:t>
-            </a:r>
-            <a:endParaRPr lang="en-US" sz="2400" dirty="0" smtClean="0"/>
+              <a:rPr lang="en-US" sz="2400" smtClean="0"/>
+              <a:t>Se implementaron variantes de decodificadores</a:t>
+            </a:r>
           </a:p>
           <a:p>
             <a:pPr lvl="1"/>
             <a:r>
-              <a:rPr lang="en-US" sz="2400" dirty="0" smtClean="0"/>
-              <a:t>Se </a:t>
-            </a:r>
-            <a:r>
-              <a:rPr lang="en-US" sz="2400" dirty="0" err="1" smtClean="0"/>
-              <a:t>implementaron</a:t>
-            </a:r>
-            <a:r>
-              <a:rPr lang="en-US" sz="2400" dirty="0" smtClean="0"/>
-              <a:t> dos </a:t>
-            </a:r>
-            <a:r>
-              <a:rPr lang="en-US" sz="2400" dirty="0" err="1" smtClean="0"/>
-              <a:t>formas</a:t>
-            </a:r>
-            <a:r>
-              <a:rPr lang="en-US" sz="2400" dirty="0" smtClean="0"/>
-              <a:t> de </a:t>
-            </a:r>
-            <a:r>
-              <a:rPr lang="en-US" sz="2400" dirty="0" err="1" smtClean="0"/>
-              <a:t>calcular</a:t>
-            </a:r>
-            <a:r>
-              <a:rPr lang="en-US" sz="2400" dirty="0" smtClean="0"/>
-              <a:t> el hash </a:t>
-            </a:r>
-            <a:r>
-              <a:rPr lang="en-US" sz="2400" dirty="0" err="1" smtClean="0"/>
-              <a:t>para</a:t>
-            </a:r>
-            <a:r>
-              <a:rPr lang="en-US" sz="2400" dirty="0" smtClean="0"/>
-              <a:t> resolver el </a:t>
-            </a:r>
-            <a:r>
-              <a:rPr lang="en-US" sz="2400" dirty="0" err="1" smtClean="0"/>
-              <a:t>problema</a:t>
-            </a:r>
-            <a:r>
-              <a:rPr lang="en-US" sz="2400" dirty="0" smtClean="0"/>
-              <a:t> de </a:t>
-            </a:r>
-            <a:r>
-              <a:rPr lang="en-US" sz="2400" dirty="0" err="1" smtClean="0"/>
-              <a:t>individuos</a:t>
-            </a:r>
-            <a:r>
-              <a:rPr lang="en-US" sz="2400" dirty="0" smtClean="0"/>
-              <a:t> </a:t>
-            </a:r>
-            <a:r>
-              <a:rPr lang="en-US" sz="2400" dirty="0" err="1" smtClean="0"/>
-              <a:t>repetidos</a:t>
-            </a:r>
-            <a:endParaRPr lang="en-US" sz="2400" dirty="0" smtClean="0"/>
+              <a:rPr lang="en-US" sz="2400" smtClean="0"/>
+              <a:t>Se implementaron dos formas de calcular el hash para resolver el problema de individuos repetidos</a:t>
+            </a:r>
           </a:p>
           <a:p>
             <a:pPr lvl="1"/>
             <a:r>
-              <a:rPr lang="en-US" sz="2400" dirty="0" smtClean="0"/>
-              <a:t>Se </a:t>
-            </a:r>
-            <a:r>
-              <a:rPr lang="en-US" sz="2400" dirty="0" err="1" smtClean="0"/>
-              <a:t>implementaron</a:t>
-            </a:r>
-            <a:r>
-              <a:rPr lang="en-US" sz="2400" dirty="0" smtClean="0"/>
-              <a:t> </a:t>
-            </a:r>
-            <a:r>
-              <a:rPr lang="en-US" sz="2400" dirty="0" err="1" smtClean="0"/>
-              <a:t>diversas</a:t>
-            </a:r>
-            <a:r>
-              <a:rPr lang="en-US" sz="2400" dirty="0" smtClean="0"/>
-              <a:t> </a:t>
-            </a:r>
-            <a:r>
-              <a:rPr lang="en-US" sz="2400" dirty="0" err="1" smtClean="0"/>
-              <a:t>búsquedas</a:t>
-            </a:r>
-            <a:r>
-              <a:rPr lang="en-US" sz="2400" dirty="0" smtClean="0"/>
-              <a:t> locales y un </a:t>
-            </a:r>
-            <a:r>
-              <a:rPr lang="en-US" sz="2400" dirty="0" err="1" smtClean="0"/>
-              <a:t>codificador</a:t>
-            </a:r>
-            <a:r>
-              <a:rPr lang="en-US" sz="2400" dirty="0" smtClean="0"/>
-              <a:t> de </a:t>
-            </a:r>
-            <a:r>
-              <a:rPr lang="en-US" sz="2400" dirty="0" err="1" smtClean="0"/>
-              <a:t>soluciones</a:t>
-            </a:r>
-            <a:r>
-              <a:rPr lang="en-US" sz="2400" dirty="0" smtClean="0"/>
-              <a:t> </a:t>
-            </a:r>
-            <a:r>
-              <a:rPr lang="en-US" sz="2400" dirty="0" err="1" smtClean="0"/>
-              <a:t>para</a:t>
-            </a:r>
-            <a:r>
-              <a:rPr lang="en-US" sz="2400" dirty="0" smtClean="0"/>
-              <a:t> </a:t>
-            </a:r>
-            <a:r>
-              <a:rPr lang="en-US" sz="2400" dirty="0" err="1" smtClean="0"/>
-              <a:t>mantener</a:t>
-            </a:r>
-            <a:r>
-              <a:rPr lang="en-US" sz="2400" dirty="0"/>
-              <a:t> </a:t>
-            </a:r>
-            <a:r>
-              <a:rPr lang="en-US" sz="2400" dirty="0" smtClean="0"/>
-              <a:t>la </a:t>
-            </a:r>
-            <a:r>
-              <a:rPr lang="en-US" sz="2400" dirty="0" err="1" smtClean="0"/>
-              <a:t>consistencia</a:t>
-            </a:r>
-            <a:r>
-              <a:rPr lang="en-US" sz="2400" dirty="0" smtClean="0"/>
-              <a:t> entre los </a:t>
-            </a:r>
-            <a:r>
-              <a:rPr lang="en-US" sz="2400" dirty="0" err="1" smtClean="0"/>
-              <a:t>individuos</a:t>
-            </a:r>
-            <a:r>
-              <a:rPr lang="en-US" sz="2400" dirty="0" smtClean="0"/>
-              <a:t> y </a:t>
-            </a:r>
-            <a:r>
-              <a:rPr lang="en-US" sz="2400" dirty="0" err="1" smtClean="0"/>
-              <a:t>sus</a:t>
-            </a:r>
-            <a:r>
-              <a:rPr lang="en-US" sz="2400" dirty="0" smtClean="0"/>
-              <a:t> genes</a:t>
+              <a:rPr lang="en-US" sz="2400" smtClean="0"/>
+              <a:t>Se implementaron diversas búsquedas locales y un codificador de soluciones para mantener la consistencia entre los individuos y sus genes</a:t>
             </a:r>
           </a:p>
           <a:p>
             <a:pPr lvl="1"/>
             <a:r>
-              <a:rPr lang="en-US" sz="2400" dirty="0" err="1" smtClean="0"/>
-              <a:t>Todos</a:t>
-            </a:r>
-            <a:r>
-              <a:rPr lang="en-US" sz="2400" dirty="0" smtClean="0"/>
-              <a:t> los </a:t>
-            </a:r>
-            <a:r>
-              <a:rPr lang="en-US" sz="2400" dirty="0" err="1" smtClean="0"/>
-              <a:t>algoritmos</a:t>
-            </a:r>
-            <a:r>
-              <a:rPr lang="en-US" sz="2400" dirty="0" smtClean="0"/>
-              <a:t> </a:t>
-            </a:r>
-            <a:r>
-              <a:rPr lang="en-US" sz="2400" dirty="0" err="1" smtClean="0"/>
-              <a:t>fueron</a:t>
-            </a:r>
-            <a:r>
-              <a:rPr lang="en-US" sz="2400" dirty="0" smtClean="0"/>
-              <a:t> </a:t>
-            </a:r>
-            <a:r>
-              <a:rPr lang="en-US" sz="2400" dirty="0" err="1" smtClean="0"/>
-              <a:t>implementados</a:t>
-            </a:r>
-            <a:r>
-              <a:rPr lang="en-US" sz="2400" dirty="0" smtClean="0"/>
-              <a:t> </a:t>
-            </a:r>
-            <a:r>
-              <a:rPr lang="en-US" sz="2400" dirty="0" err="1" smtClean="0"/>
-              <a:t>teniendo</a:t>
-            </a:r>
-            <a:r>
-              <a:rPr lang="en-US" sz="2400" dirty="0" smtClean="0"/>
-              <a:t> en </a:t>
-            </a:r>
-            <a:r>
-              <a:rPr lang="en-US" sz="2400" dirty="0" err="1" smtClean="0"/>
-              <a:t>cuenta</a:t>
-            </a:r>
-            <a:r>
-              <a:rPr lang="en-US" sz="2400" dirty="0" smtClean="0"/>
-              <a:t> los </a:t>
-            </a:r>
-            <a:r>
-              <a:rPr lang="en-US" sz="2400" dirty="0" err="1" smtClean="0"/>
-              <a:t>ordenes</a:t>
-            </a:r>
-            <a:r>
-              <a:rPr lang="en-US" sz="2400" dirty="0" smtClean="0"/>
-              <a:t> de </a:t>
-            </a:r>
-            <a:r>
-              <a:rPr lang="en-US" sz="2400" dirty="0" err="1" smtClean="0"/>
-              <a:t>complejidad</a:t>
-            </a:r>
-            <a:endParaRPr lang="en-US" sz="2400" dirty="0" smtClean="0"/>
+              <a:rPr lang="en-US" sz="2400" smtClean="0">
+                <a:solidFill>
+                  <a:schemeClr val="folHlink"/>
+                </a:solidFill>
+              </a:rPr>
+              <a:t>Todos los algoritmos fueron implementados teniendo en cuenta los ordenes de complejidad</a:t>
+            </a:r>
           </a:p>
           <a:p>
             <a:pPr lvl="1"/>
             <a:r>
-              <a:rPr lang="en-US" sz="2400" dirty="0" smtClean="0"/>
-              <a:t>Se </a:t>
-            </a:r>
-            <a:r>
-              <a:rPr lang="en-US" sz="2400" dirty="0" err="1" smtClean="0"/>
-              <a:t>realizaron</a:t>
-            </a:r>
-            <a:r>
-              <a:rPr lang="en-US" sz="2400" dirty="0" smtClean="0"/>
-              <a:t> multiples </a:t>
-            </a:r>
-            <a:r>
-              <a:rPr lang="en-US" sz="2400" dirty="0" err="1" smtClean="0"/>
-              <a:t>pruebas</a:t>
-            </a:r>
-            <a:r>
-              <a:rPr lang="en-US" sz="2400" dirty="0" smtClean="0"/>
-              <a:t> de </a:t>
-            </a:r>
-            <a:r>
-              <a:rPr lang="en-US" sz="2400" dirty="0" err="1" smtClean="0"/>
-              <a:t>eficiencia</a:t>
-            </a:r>
-            <a:r>
-              <a:rPr lang="en-US" sz="2400" dirty="0" smtClean="0"/>
-              <a:t> </a:t>
-            </a:r>
-            <a:r>
-              <a:rPr lang="en-US" sz="2400" dirty="0" err="1" smtClean="0"/>
-              <a:t>variando</a:t>
-            </a:r>
-            <a:r>
-              <a:rPr lang="en-US" sz="2400" dirty="0" smtClean="0"/>
-              <a:t> </a:t>
-            </a:r>
-            <a:r>
-              <a:rPr lang="en-US" sz="2400" dirty="0" err="1" smtClean="0"/>
-              <a:t>las</a:t>
-            </a:r>
-            <a:r>
-              <a:rPr lang="en-US" sz="2400" dirty="0" smtClean="0"/>
-              <a:t> </a:t>
-            </a:r>
-            <a:r>
-              <a:rPr lang="en-US" sz="2400" dirty="0" err="1" smtClean="0"/>
-              <a:t>configuraciones</a:t>
-            </a:r>
-            <a:r>
-              <a:rPr lang="en-US" sz="2400" dirty="0" smtClean="0"/>
-              <a:t> </a:t>
-            </a:r>
-            <a:r>
-              <a:rPr lang="en-US" sz="2400" dirty="0" err="1" smtClean="0"/>
-              <a:t>generales</a:t>
-            </a:r>
-            <a:endParaRPr lang="es-ES" sz="2400" dirty="0" smtClean="0"/>
+              <a:rPr lang="en-US" sz="2400" smtClean="0"/>
+              <a:t>Se realizaron multiples pruebas de eficiencia variando las configuraciones generales</a:t>
+            </a:r>
+            <a:endParaRPr lang="es-ES" sz="2400" smtClean="0"/>
           </a:p>
         </p:txBody>
       </p:sp>
     </p:spTree>
-    <p:extLst>
-      <p:ext uri="{BB962C8B-B14F-4D97-AF65-F5344CB8AC3E}">
-        <p14:creationId xmlns:p14="http://schemas.microsoft.com/office/powerpoint/2010/main" val="2430268116"/>
-      </p:ext>
-    </p:extLst>
   </p:cSld>
   <p:clrMapOvr>
     <a:masterClrMapping/>
@@ -7588,16 +6557,21 @@
         <p:spPr>
           <a:xfrm>
             <a:off x="457200" y="274638"/>
-            <a:ext cx="8229600" cy="418058"/>
-          </a:xfrm>
-        </p:spPr>
-        <p:txBody>
-          <a:bodyPr>
+            <a:ext cx="8229600" cy="417512"/>
+          </a:xfrm>
+        </p:spPr>
+        <p:txBody>
+          <a:bodyPr rtlCol="0">
             <a:normAutofit fontScale="90000"/>
           </a:bodyPr>
           <a:lstStyle/>
           <a:p>
-            <a:pPr algn="r"/>
+            <a:pPr algn="r" fontAlgn="auto">
+              <a:spcAft>
+                <a:spcPts val="0"/>
+              </a:spcAft>
+              <a:defRPr/>
+            </a:pPr>
             <a:r>
               <a:rPr lang="en-US" sz="2400" dirty="0" err="1" smtClean="0"/>
               <a:t>Trabajos</a:t>
@@ -7616,7 +6590,7 @@
       </p:sp>
       <p:sp>
         <p:nvSpPr>
-          <p:cNvPr id="3" name="Content Placeholder 2"/>
+          <p:cNvPr id="38914" name="Content Placeholder 2"/>
           <p:cNvSpPr>
             <a:spLocks noGrp="1"/>
           </p:cNvSpPr>
@@ -7626,25 +6600,23 @@
         </p:nvSpPr>
         <p:spPr>
           <a:xfrm>
-            <a:off x="457200" y="908720"/>
-            <a:ext cx="8229600" cy="5217443"/>
-          </a:xfrm>
-        </p:spPr>
-        <p:txBody>
-          <a:bodyPr>
-            <a:normAutofit/>
-          </a:bodyPr>
+            <a:off x="457200" y="908050"/>
+            <a:ext cx="8229600" cy="5218113"/>
+          </a:xfrm>
+        </p:spPr>
+        <p:txBody>
+          <a:bodyPr/>
           <a:lstStyle/>
           <a:p>
             <a:r>
-              <a:rPr lang="es-ES" sz="2800" dirty="0" smtClean="0"/>
+              <a:rPr lang="es-ES" sz="2800" smtClean="0"/>
               <a:t>Seria útil una herramienta para visualizar los caminos generados.</a:t>
             </a:r>
           </a:p>
           <a:p>
             <a:r>
-              <a:rPr lang="es-ES" sz="2800" dirty="0" smtClean="0"/>
-              <a:t>Investigar otras variantes de decodificadores</a:t>
+              <a:rPr lang="es-ES" sz="2800" smtClean="0"/>
+              <a:t>Investigar otras variantes de decodificadores:</a:t>
             </a:r>
           </a:p>
           <a:p>
@@ -7653,17 +6625,13 @@
               <a:buChar char="§"/>
             </a:pPr>
             <a:r>
-              <a:rPr lang="es-ES" sz="2000" dirty="0" err="1" smtClean="0"/>
-              <a:t>Particionar</a:t>
-            </a:r>
-            <a:r>
-              <a:rPr lang="es-ES" sz="2000" dirty="0" smtClean="0"/>
-              <a:t> los clientes según su centro de gravedad, asigna vehículo a cada centro y asignar desde ahí</a:t>
-            </a:r>
-          </a:p>
-          <a:p>
-            <a:r>
-              <a:rPr lang="es-ES" sz="2800" dirty="0" smtClean="0"/>
+              <a:rPr lang="es-ES" sz="2000" i="1" smtClean="0"/>
+              <a:t>Particionar los clientes según su centro de gravedad, asigna vehículo a cada centro y asignar desde ahí</a:t>
+            </a:r>
+          </a:p>
+          <a:p>
+            <a:r>
+              <a:rPr lang="es-ES" sz="2800" smtClean="0"/>
               <a:t>Investigar otros métodos de crossover</a:t>
             </a:r>
           </a:p>
@@ -7673,59 +6641,19 @@
               <a:buChar char="§"/>
             </a:pPr>
             <a:r>
-              <a:rPr lang="es-ES" sz="2000" dirty="0" smtClean="0"/>
-              <a:t>Que cada alelo represente un vehículo con su ruta en vez de un </a:t>
-            </a:r>
-            <a:r>
-              <a:rPr lang="es-ES" sz="2000" dirty="0" smtClean="0"/>
-              <a:t>cliente</a:t>
-            </a:r>
-          </a:p>
-          <a:p>
-            <a:r>
-              <a:rPr lang="es-ES" sz="2800" dirty="0" smtClean="0"/>
-              <a:t>Analizar si existe alguna variante del </a:t>
-            </a:r>
-            <a:r>
-              <a:rPr lang="es-ES" sz="2800" dirty="0" err="1" smtClean="0"/>
-              <a:t>brkga</a:t>
-            </a:r>
-            <a:r>
-              <a:rPr lang="es-ES" sz="2800" dirty="0" smtClean="0"/>
-              <a:t> que genere buenos resultados sin depender de las búsquedas locales.</a:t>
-            </a:r>
-          </a:p>
-          <a:p>
-            <a:pPr lvl="1">
-              <a:buFont typeface="Wingdings" pitchFamily="2" charset="2"/>
-              <a:buChar char="§"/>
-            </a:pPr>
-            <a:r>
-              <a:rPr lang="es-ES" sz="2000" dirty="0" smtClean="0"/>
-              <a:t>Si no existe se podría decir que el </a:t>
-            </a:r>
-            <a:r>
-              <a:rPr lang="es-ES" sz="2000" dirty="0" err="1" smtClean="0"/>
-              <a:t>brkga</a:t>
-            </a:r>
-            <a:r>
-              <a:rPr lang="es-ES" sz="2000" dirty="0" smtClean="0"/>
-              <a:t> no es bueno para TOP</a:t>
-            </a:r>
-            <a:endParaRPr lang="es-ES" sz="2000" dirty="0" smtClean="0"/>
-          </a:p>
-          <a:p>
-            <a:pPr lvl="1"/>
-            <a:endParaRPr lang="es-ES" sz="1600" dirty="0" smtClean="0"/>
+              <a:rPr lang="es-ES" sz="2000" i="1" smtClean="0"/>
+              <a:t>Que cada alelo represente un vehículo con su ruta en vez de un cliente</a:t>
+            </a:r>
+          </a:p>
+          <a:p>
+            <a:r>
+              <a:rPr lang="es-ES" sz="2800" smtClean="0"/>
+              <a:t>Analizar si existe alguna otra variante del BRKGA que genere buenos resultados sin depender de las búsquedas locales.</a:t>
+            </a:r>
           </a:p>
         </p:txBody>
       </p:sp>
     </p:spTree>
-    <p:extLst>
-      <p:ext uri="{BB962C8B-B14F-4D97-AF65-F5344CB8AC3E}">
-        <p14:creationId xmlns:p14="http://schemas.microsoft.com/office/powerpoint/2010/main" val="635685772"/>
-      </p:ext>
-    </p:extLst>
   </p:cSld>
   <p:clrMapOvr>
     <a:masterClrMapping/>
@@ -7752,7 +6680,7 @@
       </p:grpSpPr>
       <p:sp>
         <p:nvSpPr>
-          <p:cNvPr id="3" name="Content Placeholder 2"/>
+          <p:cNvPr id="39937" name="Content Placeholder 2"/>
           <p:cNvSpPr>
             <a:spLocks noGrp="1"/>
           </p:cNvSpPr>
@@ -7762,81 +6690,83 @@
         </p:nvSpPr>
         <p:spPr>
           <a:xfrm>
-            <a:off x="457200" y="908720"/>
-            <a:ext cx="8229600" cy="5217443"/>
-          </a:xfrm>
-        </p:spPr>
-        <p:txBody>
-          <a:bodyPr>
-            <a:normAutofit/>
-          </a:bodyPr>
+            <a:off x="457200" y="908050"/>
+            <a:ext cx="8229600" cy="5218113"/>
+          </a:xfrm>
+        </p:spPr>
+        <p:txBody>
+          <a:bodyPr/>
           <a:lstStyle/>
           <a:p>
             <a:pPr marL="0" indent="0" algn="ctr">
-              <a:buNone/>
-            </a:pPr>
-            <a:endParaRPr lang="es-ES" sz="1600" dirty="0" smtClean="0"/>
+              <a:buFont typeface="Arial" charset="0"/>
+              <a:buNone/>
+            </a:pPr>
+            <a:endParaRPr lang="es-ES" sz="1600" smtClean="0"/>
           </a:p>
           <a:p>
             <a:pPr marL="0" indent="0" algn="ctr">
-              <a:buNone/>
-            </a:pPr>
-            <a:endParaRPr lang="es-ES" sz="1600" dirty="0"/>
+              <a:buFont typeface="Arial" charset="0"/>
+              <a:buNone/>
+            </a:pPr>
+            <a:endParaRPr lang="es-ES" sz="1600" smtClean="0"/>
           </a:p>
           <a:p>
             <a:pPr marL="0" indent="0" algn="ctr">
-              <a:buNone/>
-            </a:pPr>
-            <a:endParaRPr lang="es-ES" sz="1600" dirty="0" smtClean="0"/>
+              <a:buFont typeface="Arial" charset="0"/>
+              <a:buNone/>
+            </a:pPr>
+            <a:endParaRPr lang="es-ES" sz="1600" smtClean="0"/>
           </a:p>
           <a:p>
             <a:pPr marL="0" indent="0" algn="ctr">
-              <a:buNone/>
-            </a:pPr>
-            <a:endParaRPr lang="es-ES" sz="1600" dirty="0"/>
+              <a:buFont typeface="Arial" charset="0"/>
+              <a:buNone/>
+            </a:pPr>
+            <a:endParaRPr lang="es-ES" sz="1600" smtClean="0"/>
           </a:p>
           <a:p>
             <a:pPr marL="0" indent="0" algn="ctr">
-              <a:buNone/>
-            </a:pPr>
-            <a:endParaRPr lang="es-ES" sz="1600" dirty="0" smtClean="0"/>
+              <a:buFont typeface="Arial" charset="0"/>
+              <a:buNone/>
+            </a:pPr>
+            <a:endParaRPr lang="es-ES" sz="1600" smtClean="0"/>
           </a:p>
           <a:p>
             <a:pPr marL="0" indent="0" algn="ctr">
-              <a:buNone/>
-            </a:pPr>
-            <a:endParaRPr lang="es-ES" sz="1600" dirty="0"/>
+              <a:buFont typeface="Arial" charset="0"/>
+              <a:buNone/>
+            </a:pPr>
+            <a:endParaRPr lang="es-ES" sz="1600" smtClean="0"/>
           </a:p>
           <a:p>
             <a:pPr marL="0" indent="0" algn="ctr">
-              <a:buNone/>
-            </a:pPr>
-            <a:endParaRPr lang="es-ES" sz="1600" dirty="0" smtClean="0"/>
+              <a:buFont typeface="Arial" charset="0"/>
+              <a:buNone/>
+            </a:pPr>
+            <a:endParaRPr lang="es-ES" sz="1600" smtClean="0"/>
           </a:p>
           <a:p>
             <a:pPr marL="0" indent="0" algn="ctr">
-              <a:buNone/>
-            </a:pPr>
-            <a:endParaRPr lang="es-ES" sz="1600" dirty="0"/>
+              <a:buFont typeface="Arial" charset="0"/>
+              <a:buNone/>
+            </a:pPr>
+            <a:endParaRPr lang="es-ES" sz="1600" smtClean="0"/>
           </a:p>
           <a:p>
             <a:pPr marL="0" indent="0" algn="ctr">
-              <a:buNone/>
-            </a:pPr>
-            <a:r>
-              <a:rPr lang="es-ES" sz="4000" dirty="0" smtClean="0"/>
+              <a:buFont typeface="Arial" charset="0"/>
+              <a:buNone/>
+            </a:pPr>
+            <a:r>
+              <a:rPr lang="es-ES" sz="4000" smtClean="0"/>
               <a:t>Gracias!</a:t>
             </a:r>
-            <a:endParaRPr lang="en-US" sz="4000" dirty="0" smtClean="0"/>
+            <a:endParaRPr lang="en-US" sz="4000" smtClean="0"/>
           </a:p>
         </p:txBody>
       </p:sp>
     </p:spTree>
-    <p:extLst>
-      <p:ext uri="{BB962C8B-B14F-4D97-AF65-F5344CB8AC3E}">
-        <p14:creationId xmlns:p14="http://schemas.microsoft.com/office/powerpoint/2010/main" val="1529632411"/>
-      </p:ext>
-    </p:extLst>
   </p:cSld>
   <p:clrMapOvr>
     <a:masterClrMapping/>
@@ -7845,7 +6775,7 @@
 </file>
 
 <file path=ppt/slides/slide3.xml><?xml version="1.0" encoding="utf-8"?>
-<p:sld xmlns:a="http://schemas.openxmlformats.org/drawingml/2006/main" xmlns:r="http://schemas.openxmlformats.org/officeDocument/2006/relationships" xmlns:p="http://schemas.openxmlformats.org/presentationml/2006/main">
+<p:sld xmlns:a="http://schemas.openxmlformats.org/drawingml/2006/main" xmlns:r="http://schemas.openxmlformats.org/officeDocument/2006/relationships" xmlns:p="http://schemas.openxmlformats.org/presentationml/2006/main" showMasterPhAnim="0">
   <p:cSld>
     <p:spTree>
       <p:nvGrpSpPr>
@@ -7874,16 +6804,21 @@
         <p:spPr>
           <a:xfrm>
             <a:off x="457200" y="274638"/>
-            <a:ext cx="8229600" cy="418058"/>
-          </a:xfrm>
-        </p:spPr>
-        <p:txBody>
-          <a:bodyPr>
+            <a:ext cx="8229600" cy="417512"/>
+          </a:xfrm>
+        </p:spPr>
+        <p:txBody>
+          <a:bodyPr rtlCol="0">
             <a:normAutofit fontScale="90000"/>
           </a:bodyPr>
           <a:lstStyle/>
           <a:p>
-            <a:pPr algn="r"/>
+            <a:pPr algn="r" fontAlgn="auto">
+              <a:spcAft>
+                <a:spcPts val="0"/>
+              </a:spcAft>
+              <a:defRPr/>
+            </a:pPr>
             <a:r>
               <a:rPr lang="es-AR" sz="2400" dirty="0" err="1" smtClean="0"/>
               <a:t>Team</a:t>
@@ -7910,7 +6845,7 @@
       </p:sp>
       <p:sp>
         <p:nvSpPr>
-          <p:cNvPr id="3" name="Content Placeholder 2"/>
+          <p:cNvPr id="15362" name="Content Placeholder 2"/>
           <p:cNvSpPr>
             <a:spLocks noGrp="1"/>
           </p:cNvSpPr>
@@ -7920,27 +6855,17 @@
         </p:nvSpPr>
         <p:spPr>
           <a:xfrm>
-            <a:off x="457200" y="908720"/>
-            <a:ext cx="8229600" cy="5217443"/>
-          </a:xfrm>
-        </p:spPr>
-        <p:txBody>
-          <a:bodyPr>
-            <a:normAutofit/>
-          </a:bodyPr>
+            <a:off x="457200" y="908050"/>
+            <a:ext cx="8229600" cy="5218113"/>
+          </a:xfrm>
+        </p:spPr>
+        <p:txBody>
+          <a:bodyPr/>
           <a:lstStyle/>
           <a:p>
             <a:r>
-              <a:rPr lang="es-AR" sz="2800" dirty="0" smtClean="0"/>
-              <a:t>Orientación, un </a:t>
-            </a:r>
-            <a:r>
-              <a:rPr lang="es-AR" sz="2800" dirty="0"/>
-              <a:t>deporte originario de </a:t>
-            </a:r>
-            <a:r>
-              <a:rPr lang="es-AR" sz="2800" dirty="0" smtClean="0"/>
-              <a:t>Escandinavia</a:t>
+              <a:rPr lang="es-AR" sz="2800" smtClean="0"/>
+              <a:t>Orientación, un deporte originario de Escandinavia</a:t>
             </a:r>
           </a:p>
           <a:p>
@@ -7949,188 +6874,8 @@
               <a:buChar char="§"/>
             </a:pPr>
             <a:r>
-              <a:rPr lang="en-US" sz="2000" dirty="0" err="1" smtClean="0"/>
-              <a:t>Cada</a:t>
-            </a:r>
-            <a:r>
-              <a:rPr lang="en-US" sz="2000" dirty="0" smtClean="0"/>
-              <a:t> </a:t>
-            </a:r>
-            <a:r>
-              <a:rPr lang="en-US" sz="2000" dirty="0" err="1" smtClean="0"/>
-              <a:t>jugador</a:t>
-            </a:r>
-            <a:r>
-              <a:rPr lang="en-US" sz="2000" dirty="0" smtClean="0"/>
-              <a:t> </a:t>
-            </a:r>
-            <a:r>
-              <a:rPr lang="en-US" sz="2000" dirty="0" err="1" smtClean="0"/>
-              <a:t>comienza</a:t>
-            </a:r>
-            <a:r>
-              <a:rPr lang="en-US" sz="2000" dirty="0" smtClean="0"/>
-              <a:t> en un </a:t>
-            </a:r>
-            <a:r>
-              <a:rPr lang="en-US" sz="2000" dirty="0" err="1" smtClean="0"/>
-              <a:t>punto</a:t>
-            </a:r>
-            <a:r>
-              <a:rPr lang="en-US" sz="2000" dirty="0" smtClean="0"/>
-              <a:t> de control y </a:t>
-            </a:r>
-            <a:r>
-              <a:rPr lang="en-US" sz="2000" dirty="0" err="1" smtClean="0"/>
-              <a:t>debe</a:t>
-            </a:r>
-            <a:r>
-              <a:rPr lang="en-US" sz="2000" dirty="0" smtClean="0"/>
-              <a:t> </a:t>
-            </a:r>
-            <a:r>
-              <a:rPr lang="en-US" sz="2000" dirty="0" err="1" smtClean="0"/>
-              <a:t>visitar</a:t>
-            </a:r>
-            <a:r>
-              <a:rPr lang="en-US" sz="2000" dirty="0" smtClean="0"/>
-              <a:t> </a:t>
-            </a:r>
-            <a:r>
-              <a:rPr lang="en-US" sz="2000" dirty="0" err="1" smtClean="0"/>
-              <a:t>tantos</a:t>
-            </a:r>
-            <a:r>
-              <a:rPr lang="en-US" sz="2000" dirty="0" smtClean="0"/>
-              <a:t> </a:t>
-            </a:r>
-            <a:r>
-              <a:rPr lang="en-US" sz="2000" dirty="0" err="1" smtClean="0"/>
-              <a:t>otros</a:t>
-            </a:r>
-            <a:r>
-              <a:rPr lang="en-US" sz="2000" dirty="0" smtClean="0"/>
-              <a:t> </a:t>
-            </a:r>
-            <a:r>
-              <a:rPr lang="en-US" sz="2000" dirty="0" err="1" smtClean="0"/>
-              <a:t>puntos</a:t>
-            </a:r>
-            <a:r>
-              <a:rPr lang="en-US" sz="2000" dirty="0" smtClean="0"/>
-              <a:t> de control </a:t>
-            </a:r>
-            <a:r>
-              <a:rPr lang="en-US" sz="2000" dirty="0" err="1" smtClean="0"/>
-              <a:t>como</a:t>
-            </a:r>
-            <a:r>
-              <a:rPr lang="en-US" sz="2000" dirty="0" smtClean="0"/>
-              <a:t> le sea </a:t>
-            </a:r>
-            <a:r>
-              <a:rPr lang="en-US" sz="2000" dirty="0" err="1" smtClean="0"/>
-              <a:t>posible</a:t>
-            </a:r>
-            <a:r>
-              <a:rPr lang="en-US" sz="2000" dirty="0" smtClean="0"/>
-              <a:t> </a:t>
-            </a:r>
-            <a:r>
-              <a:rPr lang="en-US" sz="2000" dirty="0" err="1" smtClean="0"/>
-              <a:t>dentro</a:t>
-            </a:r>
-            <a:r>
-              <a:rPr lang="en-US" sz="2000" dirty="0" smtClean="0"/>
-              <a:t> de un </a:t>
-            </a:r>
-            <a:r>
-              <a:rPr lang="en-US" sz="2000" dirty="0" err="1" smtClean="0"/>
-              <a:t>tiempo</a:t>
-            </a:r>
-            <a:r>
-              <a:rPr lang="en-US" sz="2000" dirty="0" smtClean="0"/>
-              <a:t> </a:t>
-            </a:r>
-            <a:r>
-              <a:rPr lang="en-US" sz="2000" dirty="0" err="1" smtClean="0"/>
-              <a:t>limite</a:t>
-            </a:r>
-            <a:r>
-              <a:rPr lang="en-US" sz="2000" dirty="0" smtClean="0"/>
-              <a:t> </a:t>
-            </a:r>
-            <a:r>
-              <a:rPr lang="en-US" sz="2000" dirty="0" err="1" smtClean="0"/>
-              <a:t>preespecificado</a:t>
-            </a:r>
-            <a:r>
-              <a:rPr lang="en-US" sz="2000" dirty="0" smtClean="0"/>
-              <a:t>. </a:t>
-            </a:r>
-            <a:r>
-              <a:rPr lang="en-US" sz="2000" dirty="0" err="1" smtClean="0"/>
-              <a:t>Cada</a:t>
-            </a:r>
-            <a:r>
-              <a:rPr lang="en-US" sz="2000" dirty="0" smtClean="0"/>
-              <a:t> </a:t>
-            </a:r>
-            <a:r>
-              <a:rPr lang="en-US" sz="2000" dirty="0" err="1" smtClean="0"/>
-              <a:t>punto</a:t>
-            </a:r>
-            <a:r>
-              <a:rPr lang="en-US" sz="2000" dirty="0" smtClean="0"/>
-              <a:t> de control </a:t>
-            </a:r>
-            <a:r>
-              <a:rPr lang="en-US" sz="2000" dirty="0" err="1" smtClean="0"/>
-              <a:t>tiene</a:t>
-            </a:r>
-            <a:r>
-              <a:rPr lang="en-US" sz="2000" dirty="0" smtClean="0"/>
-              <a:t> un </a:t>
-            </a:r>
-            <a:r>
-              <a:rPr lang="en-US" sz="2000" dirty="0" err="1" smtClean="0"/>
-              <a:t>puntaje</a:t>
-            </a:r>
-            <a:r>
-              <a:rPr lang="en-US" sz="2000" dirty="0" smtClean="0"/>
-              <a:t>. El </a:t>
-            </a:r>
-            <a:r>
-              <a:rPr lang="en-US" sz="2000" dirty="0" err="1" smtClean="0"/>
-              <a:t>objetivo</a:t>
-            </a:r>
-            <a:r>
-              <a:rPr lang="en-US" sz="2000" dirty="0" smtClean="0"/>
-              <a:t> </a:t>
-            </a:r>
-            <a:r>
-              <a:rPr lang="en-US" sz="2000" dirty="0" err="1" smtClean="0"/>
-              <a:t>es</a:t>
-            </a:r>
-            <a:r>
-              <a:rPr lang="en-US" sz="2000" dirty="0" smtClean="0"/>
-              <a:t> </a:t>
-            </a:r>
-            <a:r>
-              <a:rPr lang="en-US" sz="2000" dirty="0" err="1" smtClean="0"/>
-              <a:t>maximizar</a:t>
-            </a:r>
-            <a:r>
-              <a:rPr lang="en-US" sz="2000" dirty="0" smtClean="0"/>
-              <a:t> el </a:t>
-            </a:r>
-            <a:r>
-              <a:rPr lang="en-US" sz="2000" dirty="0" err="1" smtClean="0"/>
-              <a:t>puntaje</a:t>
-            </a:r>
-            <a:r>
-              <a:rPr lang="en-US" sz="2000" dirty="0" smtClean="0"/>
-              <a:t> total.</a:t>
+              <a:rPr lang="en-US" sz="2000" smtClean="0"/>
+              <a:t>Cada jugador comienza en un punto de control y debe visitar tantos otros puntos de control como le sea posible dentro de un tiempo limite preespecificado. Cada punto de control tiene un puntaje. El objetivo es maximizar el puntaje total.</a:t>
             </a:r>
           </a:p>
           <a:p>
@@ -8139,51 +6884,8 @@
               <a:buChar char="§"/>
             </a:pPr>
             <a:r>
-              <a:rPr lang="es-AR" sz="2000" dirty="0" smtClean="0"/>
-              <a:t>Este problema se conoce como </a:t>
-            </a:r>
-            <a:r>
-              <a:rPr lang="es-AR" sz="2000" dirty="0" err="1" smtClean="0"/>
-              <a:t>Orienteering</a:t>
-            </a:r>
-            <a:r>
-              <a:rPr lang="es-AR" sz="2000" dirty="0" smtClean="0"/>
-              <a:t> </a:t>
-            </a:r>
-            <a:r>
-              <a:rPr lang="es-AR" sz="2000" dirty="0" err="1" smtClean="0"/>
-              <a:t>Problem</a:t>
-            </a:r>
-            <a:r>
-              <a:rPr lang="es-AR" sz="2000" dirty="0" smtClean="0"/>
-              <a:t> (OP). El </a:t>
-            </a:r>
-            <a:r>
-              <a:rPr lang="es-AR" sz="2000" dirty="0"/>
-              <a:t>OP es NP-Completo como demostraron Golden, </a:t>
-            </a:r>
-            <a:r>
-              <a:rPr lang="es-AR" sz="2000" dirty="0" smtClean="0"/>
-              <a:t>Levy </a:t>
-            </a:r>
-            <a:r>
-              <a:rPr lang="es-AR" sz="2000" dirty="0"/>
-              <a:t>y </a:t>
-            </a:r>
-            <a:r>
-              <a:rPr lang="es-AR" sz="2000" dirty="0" err="1" smtClean="0"/>
-              <a:t>Vohra</a:t>
-            </a:r>
-            <a:r>
-              <a:rPr lang="es-AR" sz="2000" dirty="0" smtClean="0"/>
-              <a:t>.</a:t>
-            </a:r>
-            <a:endParaRPr lang="en-US" sz="2000" dirty="0" smtClean="0"/>
-          </a:p>
-          <a:p>
-            <a:r>
-              <a:rPr lang="en-US" sz="2800" dirty="0" smtClean="0"/>
-              <a:t>Team Orienteering Problem (TOP)</a:t>
+              <a:rPr lang="es-AR" sz="2000" smtClean="0"/>
+              <a:t>Este problema se conoce como Orienteering Problem (OP). El OP es NP-Hard como demostraron Golden, Levy y Vohra.</a:t>
             </a:r>
           </a:p>
           <a:p>
@@ -8191,179 +6893,38 @@
               <a:buFont typeface="Wingdings" pitchFamily="2" charset="2"/>
               <a:buChar char="§"/>
             </a:pPr>
-            <a:r>
-              <a:rPr lang="en-US" sz="2000" dirty="0" err="1" smtClean="0"/>
-              <a:t>Extiende</a:t>
-            </a:r>
-            <a:r>
-              <a:rPr lang="en-US" sz="2000" dirty="0" smtClean="0"/>
-              <a:t> a OP, </a:t>
-            </a:r>
-            <a:r>
-              <a:rPr lang="en-US" sz="2000" dirty="0" err="1" smtClean="0"/>
-              <a:t>como</a:t>
-            </a:r>
-            <a:r>
-              <a:rPr lang="en-US" sz="2000" dirty="0" smtClean="0"/>
-              <a:t> lo </a:t>
-            </a:r>
-            <a:r>
-              <a:rPr lang="en-US" sz="2000" dirty="0" err="1" smtClean="0"/>
-              <a:t>contiene</a:t>
-            </a:r>
-            <a:r>
-              <a:rPr lang="en-US" sz="2000" dirty="0" smtClean="0"/>
-              <a:t>, </a:t>
-            </a:r>
-            <a:r>
-              <a:rPr lang="en-US" sz="2000" dirty="0" err="1" smtClean="0"/>
-              <a:t>es</a:t>
-            </a:r>
-            <a:r>
-              <a:rPr lang="en-US" sz="2000" dirty="0" smtClean="0"/>
-              <a:t> al </a:t>
-            </a:r>
-            <a:r>
-              <a:rPr lang="en-US" sz="2000" dirty="0" err="1" smtClean="0"/>
-              <a:t>menos</a:t>
-            </a:r>
-            <a:r>
-              <a:rPr lang="en-US" sz="2000" dirty="0" smtClean="0"/>
-              <a:t> tan </a:t>
-            </a:r>
-            <a:r>
-              <a:rPr lang="en-US" sz="2000" dirty="0" err="1" smtClean="0"/>
-              <a:t>dificil</a:t>
-            </a:r>
-            <a:r>
-              <a:rPr lang="en-US" sz="2000" dirty="0" smtClean="0"/>
-              <a:t>. Hay multiples </a:t>
-            </a:r>
-            <a:r>
-              <a:rPr lang="en-US" sz="2000" dirty="0" err="1" smtClean="0"/>
-              <a:t>vehiculos</a:t>
-            </a:r>
-            <a:r>
-              <a:rPr lang="en-US" sz="2000" dirty="0" smtClean="0"/>
-              <a:t> y no </a:t>
-            </a:r>
-            <a:r>
-              <a:rPr lang="en-US" sz="2000" dirty="0" err="1" smtClean="0"/>
-              <a:t>deben</a:t>
-            </a:r>
-            <a:r>
-              <a:rPr lang="en-US" sz="2000" dirty="0" smtClean="0"/>
-              <a:t> </a:t>
-            </a:r>
-            <a:r>
-              <a:rPr lang="en-US" sz="2000" dirty="0" err="1" smtClean="0"/>
-              <a:t>visitar</a:t>
-            </a:r>
-            <a:r>
-              <a:rPr lang="en-US" sz="2000" dirty="0" smtClean="0"/>
-              <a:t> los </a:t>
-            </a:r>
-            <a:r>
-              <a:rPr lang="en-US" sz="2000" dirty="0" err="1" smtClean="0"/>
-              <a:t>mismos</a:t>
-            </a:r>
-            <a:r>
-              <a:rPr lang="en-US" sz="2000" dirty="0" smtClean="0"/>
-              <a:t> </a:t>
-            </a:r>
-            <a:r>
-              <a:rPr lang="en-US" sz="2000" dirty="0" err="1" smtClean="0"/>
-              <a:t>clientes</a:t>
-            </a:r>
-            <a:r>
-              <a:rPr lang="en-US" sz="2000" dirty="0" smtClean="0"/>
-              <a:t> </a:t>
-            </a:r>
-            <a:r>
-              <a:rPr lang="en-US" sz="2000" dirty="0" err="1" smtClean="0"/>
-              <a:t>ya</a:t>
-            </a:r>
-            <a:r>
-              <a:rPr lang="en-US" sz="2000" dirty="0" smtClean="0"/>
-              <a:t> </a:t>
-            </a:r>
-            <a:r>
-              <a:rPr lang="en-US" sz="2000" dirty="0" err="1" smtClean="0"/>
-              <a:t>que</a:t>
-            </a:r>
-            <a:r>
-              <a:rPr lang="en-US" sz="2000" dirty="0" smtClean="0"/>
-              <a:t> </a:t>
-            </a:r>
-            <a:r>
-              <a:rPr lang="en-US" sz="2000" dirty="0" err="1" smtClean="0"/>
-              <a:t>su</a:t>
-            </a:r>
-            <a:r>
-              <a:rPr lang="en-US" sz="2000" dirty="0" smtClean="0"/>
-              <a:t> </a:t>
-            </a:r>
-            <a:r>
-              <a:rPr lang="en-US" sz="2000" dirty="0" err="1" smtClean="0"/>
-              <a:t>beneficio</a:t>
-            </a:r>
-            <a:r>
-              <a:rPr lang="en-US" sz="2000" dirty="0" smtClean="0"/>
-              <a:t> solo </a:t>
-            </a:r>
-            <a:r>
-              <a:rPr lang="en-US" sz="2000" dirty="0" err="1" smtClean="0"/>
-              <a:t>puede</a:t>
-            </a:r>
-            <a:r>
-              <a:rPr lang="en-US" sz="2000" dirty="0" smtClean="0"/>
-              <a:t> </a:t>
-            </a:r>
-            <a:r>
-              <a:rPr lang="en-US" sz="2000" dirty="0" err="1" smtClean="0"/>
-              <a:t>ser</a:t>
-            </a:r>
-            <a:r>
-              <a:rPr lang="en-US" sz="2000" dirty="0" smtClean="0"/>
-              <a:t> </a:t>
-            </a:r>
-            <a:r>
-              <a:rPr lang="en-US" sz="2000" dirty="0" err="1" smtClean="0"/>
-              <a:t>recolectado</a:t>
-            </a:r>
-            <a:r>
-              <a:rPr lang="en-US" sz="2000" dirty="0" smtClean="0"/>
-              <a:t> </a:t>
-            </a:r>
-            <a:r>
-              <a:rPr lang="en-US" sz="2000" dirty="0" err="1" smtClean="0"/>
-              <a:t>una</a:t>
-            </a:r>
-            <a:r>
-              <a:rPr lang="en-US" sz="2000" dirty="0" smtClean="0"/>
-              <a:t> sola </a:t>
-            </a:r>
-            <a:r>
-              <a:rPr lang="en-US" sz="2000" dirty="0" err="1" smtClean="0"/>
-              <a:t>vez</a:t>
-            </a:r>
-            <a:r>
-              <a:rPr lang="en-US" sz="2000" dirty="0" smtClean="0"/>
-              <a:t>.</a:t>
+            <a:endParaRPr lang="en-US" sz="2000" smtClean="0"/>
+          </a:p>
+          <a:p>
+            <a:r>
+              <a:rPr lang="en-US" sz="2800" smtClean="0"/>
+              <a:t>Team Orienteering Problem (TOP)</a:t>
+            </a:r>
+          </a:p>
+          <a:p>
+            <a:pPr lvl="1">
+              <a:buFont typeface="Wingdings" pitchFamily="2" charset="2"/>
+              <a:buChar char="§"/>
+            </a:pPr>
+            <a:r>
+              <a:rPr lang="en-US" sz="2000" smtClean="0"/>
+              <a:t>Extiende a OP, como lo contiene, es al menos tan dificil. Hay multiples vehiculos y no deben visitar los mismos clientes ya que su beneficio solo puede ser recolectado una sola vez.</a:t>
             </a:r>
           </a:p>
         </p:txBody>
       </p:sp>
     </p:spTree>
-    <p:extLst>
-      <p:ext uri="{BB962C8B-B14F-4D97-AF65-F5344CB8AC3E}">
-        <p14:creationId xmlns:p14="http://schemas.microsoft.com/office/powerpoint/2010/main" val="1548407013"/>
-      </p:ext>
-    </p:extLst>
   </p:cSld>
   <p:clrMapOvr>
     <a:masterClrMapping/>
   </p:clrMapOvr>
+  <p:timing>
+    <p:tnLst>
+      <p:par>
+        <p:cTn id="1" dur="indefinite" restart="never" nodeType="tmRoot"/>
+      </p:par>
+    </p:tnLst>
+  </p:timing>
 </p:sld>
 </file>
 
@@ -8397,16 +6958,21 @@
         <p:spPr>
           <a:xfrm>
             <a:off x="457200" y="274638"/>
-            <a:ext cx="8229600" cy="418058"/>
-          </a:xfrm>
-        </p:spPr>
-        <p:txBody>
-          <a:bodyPr>
+            <a:ext cx="8229600" cy="417512"/>
+          </a:xfrm>
+        </p:spPr>
+        <p:txBody>
+          <a:bodyPr rtlCol="0">
             <a:normAutofit fontScale="90000"/>
           </a:bodyPr>
           <a:lstStyle/>
           <a:p>
-            <a:pPr algn="r"/>
+            <a:pPr algn="r" fontAlgn="auto">
+              <a:spcAft>
+                <a:spcPts val="0"/>
+              </a:spcAft>
+              <a:defRPr/>
+            </a:pPr>
             <a:r>
               <a:rPr lang="es-AR" sz="2400" dirty="0" err="1" smtClean="0"/>
               <a:t>Team</a:t>
@@ -8433,7 +6999,7 @@
       </p:sp>
       <p:sp>
         <p:nvSpPr>
-          <p:cNvPr id="3" name="Content Placeholder 2"/>
+          <p:cNvPr id="16386" name="Content Placeholder 2"/>
           <p:cNvSpPr>
             <a:spLocks noGrp="1"/>
           </p:cNvSpPr>
@@ -8443,23 +7009,17 @@
         </p:nvSpPr>
         <p:spPr>
           <a:xfrm>
-            <a:off x="457200" y="908720"/>
-            <a:ext cx="8229600" cy="5217443"/>
-          </a:xfrm>
-        </p:spPr>
-        <p:txBody>
-          <a:bodyPr>
-            <a:normAutofit/>
-          </a:bodyPr>
+            <a:off x="457200" y="908050"/>
+            <a:ext cx="8229600" cy="5218113"/>
+          </a:xfrm>
+        </p:spPr>
+        <p:txBody>
+          <a:bodyPr/>
           <a:lstStyle/>
           <a:p>
             <a:r>
-              <a:rPr lang="en-US" sz="2800" dirty="0" err="1"/>
-              <a:t>Definición</a:t>
-            </a:r>
-            <a:r>
-              <a:rPr lang="en-US" sz="2800" dirty="0"/>
-              <a:t> informal:</a:t>
+              <a:rPr lang="en-US" sz="2800" smtClean="0"/>
+              <a:t>Definición informal:</a:t>
             </a:r>
           </a:p>
           <a:p>
@@ -8468,18 +7028,9 @@
               <a:buChar char="§"/>
             </a:pPr>
             <a:r>
-              <a:rPr lang="en-US" sz="2000" dirty="0" err="1"/>
-              <a:t>Existen</a:t>
-            </a:r>
-            <a:r>
-              <a:rPr lang="en-US" sz="2000" dirty="0"/>
-              <a:t> N </a:t>
-            </a:r>
-            <a:r>
-              <a:rPr lang="en-US" sz="2000" dirty="0" err="1"/>
-              <a:t>vehículos</a:t>
-            </a:r>
-            <a:endParaRPr lang="en-US" sz="2000" dirty="0"/>
+              <a:rPr lang="en-US" sz="2000" smtClean="0"/>
+              <a:t>Hay  N vehículos.</a:t>
+            </a:r>
           </a:p>
           <a:p>
             <a:pPr lvl="1">
@@ -8487,122 +7038,9 @@
               <a:buChar char="§"/>
             </a:pPr>
             <a:r>
-              <a:rPr lang="en-US" sz="2000" dirty="0" err="1"/>
-              <a:t>Todos</a:t>
-            </a:r>
-            <a:r>
-              <a:rPr lang="en-US" sz="2000" dirty="0"/>
-              <a:t> los </a:t>
-            </a:r>
-            <a:r>
-              <a:rPr lang="en-US" sz="2000" dirty="0" err="1"/>
-              <a:t>vehículos</a:t>
-            </a:r>
-            <a:r>
-              <a:rPr lang="en-US" sz="2000" dirty="0"/>
-              <a:t> </a:t>
-            </a:r>
-            <a:r>
-              <a:rPr lang="en-US" sz="2000" dirty="0" err="1"/>
-              <a:t>salen</a:t>
-            </a:r>
-            <a:r>
-              <a:rPr lang="en-US" sz="2000" dirty="0"/>
-              <a:t> de un </a:t>
-            </a:r>
-            <a:r>
-              <a:rPr lang="en-US" sz="2000" dirty="0" err="1"/>
-              <a:t>punto</a:t>
-            </a:r>
-            <a:r>
-              <a:rPr lang="en-US" sz="2000" dirty="0"/>
-              <a:t> de </a:t>
-            </a:r>
-            <a:r>
-              <a:rPr lang="en-US" sz="2000" dirty="0" err="1"/>
-              <a:t>salida</a:t>
-            </a:r>
-            <a:r>
-              <a:rPr lang="en-US" sz="2000" dirty="0"/>
-              <a:t> y </a:t>
-            </a:r>
-            <a:r>
-              <a:rPr lang="en-US" sz="2000" dirty="0" err="1"/>
-              <a:t>deben</a:t>
-            </a:r>
-            <a:r>
-              <a:rPr lang="en-US" sz="2000" dirty="0"/>
-              <a:t> </a:t>
-            </a:r>
-            <a:r>
-              <a:rPr lang="en-US" sz="2000" dirty="0" err="1"/>
-              <a:t>llegar</a:t>
-            </a:r>
-            <a:r>
-              <a:rPr lang="en-US" sz="2000" dirty="0"/>
-              <a:t> al </a:t>
-            </a:r>
-            <a:r>
-              <a:rPr lang="en-US" sz="2000" dirty="0" err="1"/>
-              <a:t>punto</a:t>
-            </a:r>
-            <a:r>
-              <a:rPr lang="en-US" sz="2000" dirty="0"/>
-              <a:t> de </a:t>
-            </a:r>
-            <a:r>
-              <a:rPr lang="en-US" sz="2000" dirty="0" err="1"/>
-              <a:t>llegada</a:t>
-            </a:r>
-            <a:r>
-              <a:rPr lang="en-US" sz="2000" dirty="0"/>
-              <a:t> </a:t>
-            </a:r>
-            <a:r>
-              <a:rPr lang="en-US" sz="2000" dirty="0" err="1"/>
-              <a:t>habiendo</a:t>
-            </a:r>
-            <a:r>
-              <a:rPr lang="en-US" sz="2000" dirty="0"/>
-              <a:t> </a:t>
-            </a:r>
-            <a:r>
-              <a:rPr lang="en-US" sz="2000" dirty="0" err="1"/>
-              <a:t>recorrido</a:t>
-            </a:r>
-            <a:r>
-              <a:rPr lang="en-US" sz="2000" dirty="0"/>
-              <a:t> </a:t>
-            </a:r>
-            <a:r>
-              <a:rPr lang="en-US" sz="2000" dirty="0" err="1"/>
-              <a:t>una</a:t>
-            </a:r>
-            <a:r>
-              <a:rPr lang="en-US" sz="2000" dirty="0"/>
-              <a:t> </a:t>
-            </a:r>
-            <a:r>
-              <a:rPr lang="en-US" sz="2000" dirty="0" err="1"/>
-              <a:t>distancia</a:t>
-            </a:r>
-            <a:r>
-              <a:rPr lang="en-US" sz="2000" dirty="0"/>
-              <a:t> </a:t>
-            </a:r>
-            <a:r>
-              <a:rPr lang="en-US" sz="2000" dirty="0" err="1"/>
-              <a:t>menor</a:t>
-            </a:r>
-            <a:r>
-              <a:rPr lang="en-US" sz="2000" dirty="0"/>
-              <a:t> a </a:t>
-            </a:r>
-            <a:r>
-              <a:rPr lang="en-US" sz="2000" dirty="0" err="1"/>
-              <a:t>dmax</a:t>
-            </a:r>
-            <a:endParaRPr lang="en-US" sz="2000" dirty="0"/>
+              <a:rPr lang="en-US" sz="2000" smtClean="0"/>
+              <a:t>Todos los vehículos salen de un mismo punto  y finalizan su recorrido en el mismo punto de llegada habiendo recorrido una distancia menor a dmax.  (distancia euclidiana).</a:t>
+            </a:r>
           </a:p>
           <a:p>
             <a:pPr lvl="1">
@@ -8610,74 +7048,9 @@
               <a:buChar char="§"/>
             </a:pPr>
             <a:r>
-              <a:rPr lang="en-US" sz="2000" dirty="0" err="1"/>
-              <a:t>Existen</a:t>
-            </a:r>
-            <a:r>
-              <a:rPr lang="en-US" sz="2000" dirty="0"/>
-              <a:t> M </a:t>
-            </a:r>
-            <a:r>
-              <a:rPr lang="en-US" sz="2000" dirty="0" err="1"/>
-              <a:t>clientes</a:t>
-            </a:r>
-            <a:r>
-              <a:rPr lang="en-US" sz="2000" dirty="0"/>
-              <a:t>, </a:t>
-            </a:r>
-            <a:r>
-              <a:rPr lang="en-US" sz="2000" dirty="0" err="1"/>
-              <a:t>cada</a:t>
-            </a:r>
-            <a:r>
-              <a:rPr lang="en-US" sz="2000" dirty="0"/>
-              <a:t> </a:t>
-            </a:r>
-            <a:r>
-              <a:rPr lang="en-US" sz="2000" dirty="0" err="1"/>
-              <a:t>uno</a:t>
-            </a:r>
-            <a:r>
-              <a:rPr lang="en-US" sz="2000" dirty="0"/>
-              <a:t> </a:t>
-            </a:r>
-            <a:r>
-              <a:rPr lang="en-US" sz="2000" dirty="0" err="1"/>
-              <a:t>tiene</a:t>
-            </a:r>
-            <a:r>
-              <a:rPr lang="en-US" sz="2000" dirty="0"/>
-              <a:t> un </a:t>
-            </a:r>
-            <a:r>
-              <a:rPr lang="en-US" sz="2000" dirty="0" err="1"/>
-              <a:t>beneficio</a:t>
-            </a:r>
-            <a:r>
-              <a:rPr lang="en-US" sz="2000" dirty="0"/>
-              <a:t> bi y </a:t>
-            </a:r>
-            <a:r>
-              <a:rPr lang="en-US" sz="2000" dirty="0" err="1"/>
-              <a:t>una</a:t>
-            </a:r>
-            <a:r>
-              <a:rPr lang="en-US" sz="2000" dirty="0"/>
-              <a:t> </a:t>
-            </a:r>
-            <a:r>
-              <a:rPr lang="en-US" sz="2000" dirty="0" err="1"/>
-              <a:t>coordena</a:t>
-            </a:r>
-            <a:r>
-              <a:rPr lang="en-US" sz="2000" dirty="0"/>
-              <a:t> en el </a:t>
-            </a:r>
-            <a:r>
-              <a:rPr lang="en-US" sz="2000" dirty="0" err="1"/>
-              <a:t>plano</a:t>
-            </a:r>
-            <a:endParaRPr lang="en-US" sz="2000" dirty="0"/>
+              <a:rPr lang="en-US" sz="2000" smtClean="0"/>
+              <a:t>Hay M clientes, cada uno tiene un beneficio bi y una coordenada en el plano.</a:t>
+            </a:r>
           </a:p>
           <a:p>
             <a:pPr lvl="1">
@@ -8685,48 +7058,8 @@
               <a:buChar char="§"/>
             </a:pPr>
             <a:r>
-              <a:rPr lang="en-US" sz="2000" dirty="0"/>
-              <a:t>Los </a:t>
-            </a:r>
-            <a:r>
-              <a:rPr lang="en-US" sz="2000" dirty="0" err="1"/>
-              <a:t>puntos</a:t>
-            </a:r>
-            <a:r>
-              <a:rPr lang="en-US" sz="2000" dirty="0"/>
-              <a:t> de </a:t>
-            </a:r>
-            <a:r>
-              <a:rPr lang="en-US" sz="2000" dirty="0" err="1"/>
-              <a:t>salida</a:t>
-            </a:r>
-            <a:r>
-              <a:rPr lang="en-US" sz="2000" dirty="0"/>
-              <a:t> y </a:t>
-            </a:r>
-            <a:r>
-              <a:rPr lang="en-US" sz="2000" dirty="0" err="1"/>
-              <a:t>llegada</a:t>
-            </a:r>
-            <a:r>
-              <a:rPr lang="en-US" sz="2000" dirty="0"/>
-              <a:t> </a:t>
-            </a:r>
-            <a:r>
-              <a:rPr lang="en-US" sz="2000" dirty="0" err="1"/>
-              <a:t>tienen</a:t>
-            </a:r>
-            <a:r>
-              <a:rPr lang="en-US" sz="2000" dirty="0"/>
-              <a:t> un </a:t>
-            </a:r>
-            <a:r>
-              <a:rPr lang="en-US" sz="2000" dirty="0" err="1"/>
-              <a:t>beneficio</a:t>
-            </a:r>
-            <a:r>
-              <a:rPr lang="en-US" sz="2000" dirty="0"/>
-              <a:t> de cero</a:t>
+              <a:rPr lang="en-US" sz="2000" smtClean="0"/>
+              <a:t>Los puntos de salida y llegada tienen beneficio  cero.</a:t>
             </a:r>
           </a:p>
           <a:p>
@@ -8735,108 +7068,22 @@
               <a:buChar char="§"/>
             </a:pPr>
             <a:r>
-              <a:rPr lang="en-US" sz="2000" dirty="0"/>
-              <a:t>El </a:t>
-            </a:r>
-            <a:r>
-              <a:rPr lang="en-US" sz="2000" dirty="0" err="1"/>
-              <a:t>beneficio</a:t>
-            </a:r>
-            <a:r>
-              <a:rPr lang="en-US" sz="2000" dirty="0"/>
-              <a:t> de los </a:t>
-            </a:r>
-            <a:r>
-              <a:rPr lang="en-US" sz="2000" dirty="0" err="1"/>
-              <a:t>clientes</a:t>
-            </a:r>
-            <a:r>
-              <a:rPr lang="en-US" sz="2000" dirty="0"/>
-              <a:t> solo </a:t>
-            </a:r>
-            <a:r>
-              <a:rPr lang="en-US" sz="2000" dirty="0" err="1"/>
-              <a:t>puede</a:t>
-            </a:r>
-            <a:r>
-              <a:rPr lang="en-US" sz="2000" dirty="0"/>
-              <a:t> </a:t>
-            </a:r>
-            <a:r>
-              <a:rPr lang="en-US" sz="2000" dirty="0" err="1"/>
-              <a:t>ser</a:t>
-            </a:r>
-            <a:r>
-              <a:rPr lang="en-US" sz="2000" dirty="0"/>
-              <a:t> </a:t>
-            </a:r>
-            <a:r>
-              <a:rPr lang="en-US" sz="2000" dirty="0" err="1"/>
-              <a:t>recolectado</a:t>
-            </a:r>
-            <a:r>
-              <a:rPr lang="en-US" sz="2000" dirty="0"/>
-              <a:t> </a:t>
-            </a:r>
-            <a:r>
-              <a:rPr lang="en-US" sz="2000" dirty="0" err="1"/>
-              <a:t>una</a:t>
-            </a:r>
-            <a:r>
-              <a:rPr lang="en-US" sz="2000" dirty="0"/>
-              <a:t> </a:t>
-            </a:r>
-            <a:r>
-              <a:rPr lang="en-US" sz="2000" dirty="0" err="1"/>
-              <a:t>vez</a:t>
-            </a:r>
-            <a:endParaRPr lang="en-US" sz="2000" dirty="0"/>
+              <a:rPr lang="en-US" sz="2000" smtClean="0"/>
+              <a:t>El beneficio de los clientes solo puede ser recolectado una vez.</a:t>
+            </a:r>
           </a:p>
           <a:p>
             <a:pPr lvl="1">
               <a:buFont typeface="Wingdings" pitchFamily="2" charset="2"/>
               <a:buChar char="§"/>
             </a:pPr>
-            <a:r>
-              <a:rPr lang="en-US" sz="2000" dirty="0"/>
-              <a:t>Se </a:t>
-            </a:r>
-            <a:r>
-              <a:rPr lang="en-US" sz="2000" dirty="0" err="1"/>
-              <a:t>utiliza</a:t>
-            </a:r>
-            <a:r>
-              <a:rPr lang="en-US" sz="2000" dirty="0"/>
-              <a:t> la </a:t>
-            </a:r>
-            <a:r>
-              <a:rPr lang="en-US" sz="2000" dirty="0" err="1"/>
-              <a:t>distancia</a:t>
-            </a:r>
-            <a:r>
-              <a:rPr lang="en-US" sz="2000" dirty="0"/>
-              <a:t> </a:t>
-            </a:r>
-            <a:r>
-              <a:rPr lang="en-US" sz="2000" dirty="0" err="1" smtClean="0"/>
-              <a:t>euclidiana</a:t>
-            </a:r>
-            <a:endParaRPr lang="en-US" sz="2000" dirty="0" smtClean="0"/>
-          </a:p>
-          <a:p>
-            <a:r>
-              <a:rPr lang="en-US" sz="2800" dirty="0" err="1" smtClean="0"/>
-              <a:t>Función</a:t>
-            </a:r>
-            <a:r>
-              <a:rPr lang="en-US" sz="2800" dirty="0" smtClean="0"/>
-              <a:t> </a:t>
-            </a:r>
-            <a:r>
-              <a:rPr lang="en-US" sz="2800" dirty="0" err="1" smtClean="0"/>
-              <a:t>Objetivo</a:t>
-            </a:r>
-            <a:endParaRPr lang="en-US" sz="2800" dirty="0"/>
+            <a:endParaRPr lang="en-US" sz="2000" smtClean="0"/>
+          </a:p>
+          <a:p>
+            <a:r>
+              <a:rPr lang="en-US" sz="2800" smtClean="0"/>
+              <a:t>Función Objetivo</a:t>
+            </a:r>
           </a:p>
           <a:p>
             <a:pPr lvl="1">
@@ -8844,68 +7091,30 @@
               <a:buChar char="§"/>
             </a:pPr>
             <a:r>
-              <a:rPr lang="en-US" sz="2000" dirty="0" err="1" smtClean="0"/>
-              <a:t>Maximizar</a:t>
-            </a:r>
-            <a:r>
-              <a:rPr lang="en-US" sz="2000" dirty="0" smtClean="0"/>
-              <a:t> la </a:t>
-            </a:r>
-            <a:r>
-              <a:rPr lang="en-US" sz="2000" dirty="0" err="1" smtClean="0"/>
-              <a:t>sumatoria</a:t>
-            </a:r>
-            <a:r>
-              <a:rPr lang="en-US" sz="2000" dirty="0" smtClean="0"/>
-              <a:t> de los </a:t>
-            </a:r>
-            <a:r>
-              <a:rPr lang="en-US" sz="2000" dirty="0" err="1" smtClean="0"/>
-              <a:t>beneficios</a:t>
-            </a:r>
-            <a:r>
-              <a:rPr lang="en-US" sz="2000" dirty="0" smtClean="0"/>
-              <a:t> </a:t>
-            </a:r>
-            <a:r>
-              <a:rPr lang="en-US" sz="2000" dirty="0" err="1" smtClean="0"/>
-              <a:t>recolectados</a:t>
-            </a:r>
-            <a:r>
-              <a:rPr lang="en-US" sz="2000" dirty="0" smtClean="0"/>
-              <a:t> de </a:t>
-            </a:r>
-            <a:r>
-              <a:rPr lang="en-US" sz="2000" dirty="0" err="1" smtClean="0"/>
-              <a:t>todos</a:t>
-            </a:r>
-            <a:r>
-              <a:rPr lang="en-US" sz="2000" dirty="0" smtClean="0"/>
-              <a:t> los </a:t>
-            </a:r>
-            <a:r>
-              <a:rPr lang="en-US" sz="2000" dirty="0" err="1" smtClean="0"/>
-              <a:t>vehículos</a:t>
-            </a:r>
-            <a:endParaRPr lang="es-AR" sz="2000" dirty="0"/>
+              <a:rPr lang="en-US" sz="2000" smtClean="0"/>
+              <a:t>Maximizar la sumatoria de los beneficios recolectados de todos los vehículos</a:t>
+            </a:r>
+            <a:endParaRPr lang="es-AR" sz="2000" smtClean="0"/>
           </a:p>
         </p:txBody>
       </p:sp>
     </p:spTree>
-    <p:extLst>
-      <p:ext uri="{BB962C8B-B14F-4D97-AF65-F5344CB8AC3E}">
-        <p14:creationId xmlns:p14="http://schemas.microsoft.com/office/powerpoint/2010/main" val="2402765309"/>
-      </p:ext>
-    </p:extLst>
   </p:cSld>
   <p:clrMapOvr>
     <a:masterClrMapping/>
   </p:clrMapOvr>
+  <p:timing>
+    <p:tnLst>
+      <p:par>
+        <p:cTn id="1" dur="indefinite" restart="never" nodeType="tmRoot"/>
+      </p:par>
+    </p:tnLst>
+  </p:timing>
 </p:sld>
 </file>
 
 <file path=ppt/slides/slide5.xml><?xml version="1.0" encoding="utf-8"?>
-<p:sld xmlns:a="http://schemas.openxmlformats.org/drawingml/2006/main" xmlns:r="http://schemas.openxmlformats.org/officeDocument/2006/relationships" xmlns:p="http://schemas.openxmlformats.org/presentationml/2006/main">
+<p:sld xmlns:a="http://schemas.openxmlformats.org/drawingml/2006/main" xmlns:r="http://schemas.openxmlformats.org/officeDocument/2006/relationships" xmlns:p="http://schemas.openxmlformats.org/presentationml/2006/main" showMasterPhAnim="0">
   <p:cSld>
     <p:spTree>
       <p:nvGrpSpPr>
@@ -8934,16 +7143,21 @@
         <p:spPr>
           <a:xfrm>
             <a:off x="457200" y="274638"/>
-            <a:ext cx="8229600" cy="418058"/>
-          </a:xfrm>
-        </p:spPr>
-        <p:txBody>
-          <a:bodyPr>
+            <a:ext cx="8229600" cy="417512"/>
+          </a:xfrm>
+        </p:spPr>
+        <p:txBody>
+          <a:bodyPr rtlCol="0">
             <a:normAutofit fontScale="90000"/>
           </a:bodyPr>
           <a:lstStyle/>
           <a:p>
-            <a:pPr algn="r"/>
+            <a:pPr algn="r" fontAlgn="auto">
+              <a:spcAft>
+                <a:spcPts val="0"/>
+              </a:spcAft>
+              <a:defRPr/>
+            </a:pPr>
             <a:r>
               <a:rPr lang="es-AR" sz="2400" dirty="0" err="1" smtClean="0"/>
               <a:t>Team</a:t>
@@ -8970,7 +7184,7 @@
       </p:sp>
       <p:pic>
         <p:nvPicPr>
-          <p:cNvPr id="4" name="Content Placeholder 3"/>
+          <p:cNvPr id="17410" name="Content Placeholder 3"/>
           <p:cNvPicPr>
             <a:picLocks noGrp="1" noChangeAspect="1"/>
           </p:cNvPicPr>
@@ -8979,153 +7193,78 @@
           </p:nvPr>
         </p:nvPicPr>
         <p:blipFill>
-          <a:blip r:embed="rId2">
-            <a:extLst>
-              <a:ext uri="{28A0092B-C50C-407E-A947-70E740481C1C}">
-                <a14:useLocalDpi xmlns:a14="http://schemas.microsoft.com/office/drawing/2010/main" val="0"/>
-              </a:ext>
-            </a:extLst>
-          </a:blip>
+          <a:blip r:embed="rId2"/>
+          <a:srcRect/>
           <a:stretch>
             <a:fillRect/>
           </a:stretch>
         </p:blipFill>
         <p:spPr>
           <a:xfrm>
-            <a:off x="2627784" y="1628800"/>
-            <a:ext cx="5472608" cy="4806174"/>
+            <a:off x="2627313" y="1628775"/>
+            <a:ext cx="5473700" cy="4806950"/>
           </a:xfrm>
         </p:spPr>
       </p:pic>
       <p:sp>
         <p:nvSpPr>
-          <p:cNvPr id="5" name="TextBox 4"/>
-          <p:cNvSpPr txBox="1"/>
+          <p:cNvPr id="17411" name="TextBox 4"/>
+          <p:cNvSpPr txBox="1">
+            <a:spLocks noChangeArrowheads="1"/>
+          </p:cNvSpPr>
           <p:nvPr/>
         </p:nvSpPr>
-        <p:spPr>
-          <a:xfrm>
-            <a:off x="1115616" y="836712"/>
-            <a:ext cx="7128792" cy="1015663"/>
+        <p:spPr bwMode="auto">
+          <a:xfrm>
+            <a:off x="1116013" y="836613"/>
+            <a:ext cx="7127875" cy="1006475"/>
           </a:xfrm>
           <a:prstGeom prst="rect">
             <a:avLst/>
           </a:prstGeom>
           <a:noFill/>
-        </p:spPr>
-        <p:txBody>
-          <a:bodyPr wrap="square" rtlCol="0">
+          <a:ln w="9525">
+            <a:noFill/>
+            <a:miter lim="800000"/>
+            <a:headEnd/>
+            <a:tailEnd/>
+          </a:ln>
+        </p:spPr>
+        <p:txBody>
+          <a:bodyPr>
             <a:spAutoFit/>
           </a:bodyPr>
           <a:lstStyle/>
           <a:p>
             <a:r>
-              <a:rPr lang="en-US" sz="2000" dirty="0" err="1" smtClean="0"/>
-              <a:t>Instancia</a:t>
-            </a:r>
-            <a:r>
-              <a:rPr lang="en-US" sz="2000" dirty="0"/>
-              <a:t> </a:t>
-            </a:r>
-            <a:r>
-              <a:rPr lang="en-US" sz="2000" dirty="0" smtClean="0"/>
-              <a:t>p2.2.k del benchmark, author </a:t>
-            </a:r>
-            <a:r>
-              <a:rPr lang="en-US" sz="2000" dirty="0" err="1" smtClean="0"/>
-              <a:t>Tsiligirides</a:t>
-            </a:r>
-            <a:r>
-              <a:rPr lang="en-US" sz="2000" dirty="0" smtClean="0"/>
-              <a:t>. </a:t>
-            </a:r>
-            <a:r>
-              <a:rPr lang="en-US" sz="2000" dirty="0" err="1" smtClean="0"/>
-              <a:t>Tiene</a:t>
-            </a:r>
-            <a:r>
-              <a:rPr lang="en-US" sz="2000" dirty="0" smtClean="0"/>
-              <a:t> dos </a:t>
-            </a:r>
-            <a:r>
-              <a:rPr lang="en-US" sz="2000" dirty="0" err="1" smtClean="0"/>
-              <a:t>vehículos</a:t>
-            </a:r>
-            <a:r>
-              <a:rPr lang="en-US" sz="2000" dirty="0" smtClean="0"/>
-              <a:t> con un </a:t>
-            </a:r>
-            <a:r>
-              <a:rPr lang="en-US" sz="2000" dirty="0" err="1" smtClean="0"/>
-              <a:t>dmax</a:t>
-            </a:r>
-            <a:r>
-              <a:rPr lang="en-US" sz="2000" dirty="0"/>
-              <a:t> = </a:t>
-            </a:r>
-            <a:r>
-              <a:rPr lang="en-US" sz="2000" dirty="0" smtClean="0"/>
-              <a:t>22,50. </a:t>
-            </a:r>
-            <a:r>
-              <a:rPr lang="en-US" sz="2000" dirty="0" err="1" smtClean="0"/>
-              <a:t>Una</a:t>
-            </a:r>
-            <a:r>
-              <a:rPr lang="en-US" sz="2000" dirty="0" smtClean="0"/>
-              <a:t> </a:t>
-            </a:r>
-            <a:r>
-              <a:rPr lang="en-US" sz="2000" dirty="0" err="1" smtClean="0"/>
-              <a:t>posible</a:t>
-            </a:r>
-            <a:r>
-              <a:rPr lang="en-US" sz="2000" dirty="0" smtClean="0"/>
-              <a:t> </a:t>
-            </a:r>
-            <a:r>
-              <a:rPr lang="en-US" sz="2000" dirty="0" err="1" smtClean="0"/>
-              <a:t>solución</a:t>
-            </a:r>
-            <a:r>
-              <a:rPr lang="en-US" sz="2000" dirty="0" smtClean="0"/>
-              <a:t> optima </a:t>
-            </a:r>
-            <a:r>
-              <a:rPr lang="en-US" sz="2000" dirty="0" err="1" smtClean="0"/>
-              <a:t>para</a:t>
-            </a:r>
-            <a:r>
-              <a:rPr lang="en-US" sz="2000" dirty="0" smtClean="0"/>
-              <a:t> el </a:t>
-            </a:r>
-            <a:r>
-              <a:rPr lang="en-US" sz="2000" dirty="0" err="1" smtClean="0"/>
-              <a:t>problema</a:t>
-            </a:r>
-            <a:r>
-              <a:rPr lang="en-US" sz="2000" dirty="0" smtClean="0"/>
-              <a:t>:</a:t>
-            </a:r>
-            <a:endParaRPr lang="es-AR" sz="2000" dirty="0"/>
+              <a:rPr lang="en-US" sz="2000">
+                <a:latin typeface="Calibri" pitchFamily="34" charset="0"/>
+              </a:rPr>
+              <a:t>Instancia p2.2.k del benchmark de Tsiligirides. Tiene dos vehículos con un dmax = 22,50. Una posible solución optima para el problema:</a:t>
+            </a:r>
+            <a:endParaRPr lang="es-AR" sz="2000">
+              <a:latin typeface="Calibri" pitchFamily="34" charset="0"/>
+            </a:endParaRPr>
           </a:p>
         </p:txBody>
       </p:sp>
     </p:spTree>
-    <p:extLst>
-      <p:ext uri="{BB962C8B-B14F-4D97-AF65-F5344CB8AC3E}">
-        <p14:creationId xmlns:p14="http://schemas.microsoft.com/office/powerpoint/2010/main" val="286827332"/>
-      </p:ext>
-    </p:extLst>
   </p:cSld>
   <p:clrMapOvr>
     <a:masterClrMapping/>
   </p:clrMapOvr>
+  <p:timing>
+    <p:tnLst>
+      <p:par>
+        <p:cTn id="1" dur="indefinite" restart="never" nodeType="tmRoot"/>
+      </p:par>
+    </p:tnLst>
+  </p:timing>
 </p:sld>
 </file>
 
 <file path=ppt/slides/slide6.xml><?xml version="1.0" encoding="utf-8"?>
-<p:sld xmlns:a="http://schemas.openxmlformats.org/drawingml/2006/main" xmlns:r="http://schemas.openxmlformats.org/officeDocument/2006/relationships" xmlns:p="http://schemas.openxmlformats.org/presentationml/2006/main">
+<p:sld xmlns:a="http://schemas.openxmlformats.org/drawingml/2006/main" xmlns:r="http://schemas.openxmlformats.org/officeDocument/2006/relationships" xmlns:p="http://schemas.openxmlformats.org/presentationml/2006/main" showMasterPhAnim="0">
   <p:cSld>
     <p:spTree>
       <p:nvGrpSpPr>
@@ -9153,17 +7292,22 @@
         </p:nvSpPr>
         <p:spPr>
           <a:xfrm>
-            <a:off x="3995936" y="274638"/>
-            <a:ext cx="4690864" cy="418058"/>
-          </a:xfrm>
-        </p:spPr>
-        <p:txBody>
-          <a:bodyPr>
+            <a:off x="3995738" y="274638"/>
+            <a:ext cx="4691062" cy="417512"/>
+          </a:xfrm>
+        </p:spPr>
+        <p:txBody>
+          <a:bodyPr rtlCol="0">
             <a:normAutofit fontScale="90000"/>
           </a:bodyPr>
           <a:lstStyle/>
           <a:p>
-            <a:pPr algn="r"/>
+            <a:pPr algn="r" fontAlgn="auto">
+              <a:spcAft>
+                <a:spcPts val="0"/>
+              </a:spcAft>
+              <a:defRPr/>
+            </a:pPr>
             <a:r>
               <a:rPr lang="en-US" sz="2400" dirty="0" smtClean="0"/>
               <a:t>Biased Random Key Genetic Algorithm</a:t>
@@ -9173,7 +7317,7 @@
       </p:sp>
       <p:sp>
         <p:nvSpPr>
-          <p:cNvPr id="3" name="Content Placeholder 2"/>
+          <p:cNvPr id="18434" name="Content Placeholder 2"/>
           <p:cNvSpPr>
             <a:spLocks noGrp="1"/>
           </p:cNvSpPr>
@@ -9183,32 +7327,25 @@
         </p:nvSpPr>
         <p:spPr>
           <a:xfrm>
-            <a:off x="457200" y="908720"/>
-            <a:ext cx="8229600" cy="5217443"/>
-          </a:xfrm>
-        </p:spPr>
-        <p:txBody>
-          <a:bodyPr>
-            <a:normAutofit/>
-          </a:bodyPr>
+            <a:off x="457200" y="908050"/>
+            <a:ext cx="8229600" cy="5218113"/>
+          </a:xfrm>
+        </p:spPr>
+        <p:txBody>
+          <a:bodyPr/>
           <a:lstStyle/>
           <a:p>
-            <a:r>
-              <a:rPr lang="en-US" sz="2800" dirty="0" err="1" smtClean="0"/>
-              <a:t>Algoritmos</a:t>
-            </a:r>
-            <a:r>
-              <a:rPr lang="en-US" sz="2800" dirty="0" smtClean="0"/>
-              <a:t> </a:t>
-            </a:r>
-            <a:r>
-              <a:rPr lang="en-US" sz="2800" dirty="0" err="1" smtClean="0"/>
-              <a:t>Genéticos</a:t>
-            </a:r>
-            <a:r>
-              <a:rPr lang="en-US" sz="2800" dirty="0" smtClean="0"/>
-              <a:t> (GA)</a:t>
-            </a:r>
+            <a:pPr>
+              <a:buFont typeface="Arial" charset="0"/>
+              <a:buNone/>
+            </a:pPr>
+            <a:r>
+              <a:rPr lang="en-US" sz="2800" smtClean="0"/>
+              <a:t>Algoritmos Genéticos (GA)</a:t>
+            </a:r>
+          </a:p>
+          <a:p>
+            <a:endParaRPr lang="en-US" sz="2800" smtClean="0"/>
           </a:p>
           <a:p>
             <a:pPr lvl="1">
@@ -9216,7 +7353,7 @@
               <a:buChar char="§"/>
             </a:pPr>
             <a:r>
-              <a:rPr lang="es-AR" sz="2000" dirty="0" smtClean="0"/>
+              <a:rPr lang="es-AR" sz="2000" smtClean="0"/>
               <a:t>Motivados en el concepto de supervivencia del más apto</a:t>
             </a:r>
           </a:p>
@@ -9226,7 +7363,7 @@
               <a:buChar char="§"/>
             </a:pPr>
             <a:r>
-              <a:rPr lang="es-AR" sz="2000" dirty="0" smtClean="0"/>
+              <a:rPr lang="es-AR" sz="2000" smtClean="0"/>
               <a:t>Los algoritmos genéticos manejan un conjunto de individuos</a:t>
             </a:r>
           </a:p>
@@ -9236,7 +7373,7 @@
               <a:buChar char="§"/>
             </a:pPr>
             <a:r>
-              <a:rPr lang="es-AR" sz="2000" dirty="0" smtClean="0"/>
+              <a:rPr lang="es-AR" sz="2000" smtClean="0"/>
               <a:t>Cada individuo es un cromosoma que codifica una solución</a:t>
             </a:r>
           </a:p>
@@ -9246,7 +7383,7 @@
               <a:buChar char="§"/>
             </a:pPr>
             <a:r>
-              <a:rPr lang="es-AR" sz="2000" dirty="0" smtClean="0"/>
+              <a:rPr lang="es-AR" sz="2000" smtClean="0"/>
               <a:t>Cada cromosoma tienen asociado un nivel de condición física que está correlacionado con el correspondiente valor de la función objetivo de la solución que codifica</a:t>
             </a:r>
           </a:p>
@@ -9256,31 +7393,33 @@
               <a:buChar char="§"/>
             </a:pPr>
             <a:r>
-              <a:rPr lang="es-AR" sz="2000" dirty="0" smtClean="0"/>
+              <a:rPr lang="es-AR" sz="2000" smtClean="0"/>
               <a:t>En cada generación se crea una nueva población con individuos provenientes de tres fuentes distintas: crossover, elites y mutantes.</a:t>
             </a:r>
           </a:p>
           <a:p>
             <a:pPr lvl="1"/>
-            <a:endParaRPr lang="es-AR" sz="1600" dirty="0"/>
+            <a:endParaRPr lang="es-AR" sz="1600" smtClean="0"/>
           </a:p>
         </p:txBody>
       </p:sp>
     </p:spTree>
-    <p:extLst>
-      <p:ext uri="{BB962C8B-B14F-4D97-AF65-F5344CB8AC3E}">
-        <p14:creationId xmlns:p14="http://schemas.microsoft.com/office/powerpoint/2010/main" val="4175451358"/>
-      </p:ext>
-    </p:extLst>
   </p:cSld>
   <p:clrMapOvr>
     <a:masterClrMapping/>
   </p:clrMapOvr>
+  <p:timing>
+    <p:tnLst>
+      <p:par>
+        <p:cTn id="1" dur="indefinite" restart="never" nodeType="tmRoot"/>
+      </p:par>
+    </p:tnLst>
+  </p:timing>
 </p:sld>
 </file>
 
 <file path=ppt/slides/slide7.xml><?xml version="1.0" encoding="utf-8"?>
-<p:sld xmlns:a="http://schemas.openxmlformats.org/drawingml/2006/main" xmlns:r="http://schemas.openxmlformats.org/officeDocument/2006/relationships" xmlns:p="http://schemas.openxmlformats.org/presentationml/2006/main">
+<p:sld xmlns:a="http://schemas.openxmlformats.org/drawingml/2006/main" xmlns:r="http://schemas.openxmlformats.org/officeDocument/2006/relationships" xmlns:p="http://schemas.openxmlformats.org/presentationml/2006/main" showMasterPhAnim="0">
   <p:cSld>
     <p:spTree>
       <p:nvGrpSpPr>
@@ -9309,16 +7448,21 @@
         <p:spPr>
           <a:xfrm>
             <a:off x="457200" y="274638"/>
-            <a:ext cx="8229600" cy="418058"/>
-          </a:xfrm>
-        </p:spPr>
-        <p:txBody>
-          <a:bodyPr>
+            <a:ext cx="8229600" cy="417512"/>
+          </a:xfrm>
+        </p:spPr>
+        <p:txBody>
+          <a:bodyPr rtlCol="0">
             <a:normAutofit fontScale="90000"/>
           </a:bodyPr>
           <a:lstStyle/>
           <a:p>
-            <a:pPr algn="r"/>
+            <a:pPr algn="r" fontAlgn="auto">
+              <a:spcAft>
+                <a:spcPts val="0"/>
+              </a:spcAft>
+              <a:defRPr/>
+            </a:pPr>
             <a:r>
               <a:rPr lang="en-US" sz="2400" dirty="0" smtClean="0"/>
               <a:t>Biased Random Key Genetic Algorithm</a:t>
@@ -9328,7 +7472,7 @@
       </p:sp>
       <p:sp>
         <p:nvSpPr>
-          <p:cNvPr id="3" name="Content Placeholder 2"/>
+          <p:cNvPr id="19458" name="Content Placeholder 2"/>
           <p:cNvSpPr>
             <a:spLocks noGrp="1"/>
           </p:cNvSpPr>
@@ -9338,40 +7482,21 @@
         </p:nvSpPr>
         <p:spPr>
           <a:xfrm>
-            <a:off x="457200" y="908720"/>
-            <a:ext cx="8229600" cy="5217443"/>
-          </a:xfrm>
-        </p:spPr>
-        <p:txBody>
-          <a:bodyPr>
-            <a:normAutofit/>
-          </a:bodyPr>
+            <a:off x="457200" y="908050"/>
+            <a:ext cx="8229600" cy="5218113"/>
+          </a:xfrm>
+        </p:spPr>
+        <p:txBody>
+          <a:bodyPr/>
           <a:lstStyle/>
           <a:p>
             <a:r>
-              <a:rPr lang="es-AR" sz="2800" dirty="0" err="1"/>
-              <a:t>Random</a:t>
-            </a:r>
-            <a:r>
-              <a:rPr lang="es-AR" sz="2800" dirty="0"/>
-              <a:t> Key </a:t>
-            </a:r>
-            <a:r>
-              <a:rPr lang="es-AR" sz="2800" dirty="0" err="1"/>
-              <a:t>Genetic</a:t>
-            </a:r>
-            <a:r>
-              <a:rPr lang="es-AR" sz="2800" dirty="0"/>
-              <a:t> </a:t>
-            </a:r>
-            <a:r>
-              <a:rPr lang="es-AR" sz="2800" dirty="0" err="1"/>
-              <a:t>Algorithm</a:t>
-            </a:r>
-            <a:r>
-              <a:rPr lang="es-AR" sz="2800" dirty="0"/>
-              <a:t> (RKGA)</a:t>
-            </a:r>
+              <a:rPr lang="es-AR" sz="2800" smtClean="0"/>
+              <a:t>Random Key Genetic Algorithm (RKGA)</a:t>
+            </a:r>
+          </a:p>
+          <a:p>
+            <a:endParaRPr lang="es-AR" sz="2800" smtClean="0"/>
           </a:p>
           <a:p>
             <a:pPr lvl="1">
@@ -9379,7 +7504,7 @@
               <a:buChar char="§"/>
             </a:pPr>
             <a:r>
-              <a:rPr lang="es-AR" sz="2000" dirty="0"/>
+              <a:rPr lang="es-AR" sz="2000" smtClean="0"/>
               <a:t>Los individuos son representados por un vector de números reales en el intervalo [0, 1]</a:t>
             </a:r>
           </a:p>
@@ -9389,46 +7514,10 @@
               <a:buChar char="§"/>
             </a:pPr>
             <a:r>
-              <a:rPr lang="en-US" sz="2000" dirty="0"/>
-              <a:t>La </a:t>
-            </a:r>
-            <a:r>
-              <a:rPr lang="en-US" sz="2000" dirty="0" err="1"/>
-              <a:t>poblacion</a:t>
-            </a:r>
-            <a:r>
-              <a:rPr lang="en-US" sz="2000" dirty="0"/>
-              <a:t> </a:t>
-            </a:r>
-            <a:r>
-              <a:rPr lang="en-US" sz="2000" dirty="0" err="1"/>
-              <a:t>inicial</a:t>
-            </a:r>
-            <a:r>
-              <a:rPr lang="en-US" sz="2000" dirty="0"/>
-              <a:t> </a:t>
-            </a:r>
-            <a:r>
-              <a:rPr lang="en-US" sz="2000" dirty="0" err="1"/>
-              <a:t>es</a:t>
-            </a:r>
-            <a:r>
-              <a:rPr lang="en-US" sz="2000" dirty="0"/>
-              <a:t> </a:t>
-            </a:r>
-            <a:r>
-              <a:rPr lang="en-US" sz="2000" dirty="0" err="1"/>
-              <a:t>generada</a:t>
-            </a:r>
-            <a:r>
-              <a:rPr lang="en-US" sz="2000" dirty="0"/>
-              <a:t> al </a:t>
-            </a:r>
-            <a:r>
-              <a:rPr lang="en-US" sz="2000" dirty="0" err="1"/>
-              <a:t>azar</a:t>
-            </a:r>
-            <a:endParaRPr lang="es-AR" sz="2000" dirty="0"/>
+              <a:rPr lang="en-US" sz="2000" smtClean="0"/>
+              <a:t>La población inicial es generada al azar</a:t>
+            </a:r>
+            <a:endParaRPr lang="es-AR" sz="2000" smtClean="0"/>
           </a:p>
           <a:p>
             <a:pPr lvl="1">
@@ -9436,7 +7525,7 @@
               <a:buChar char="§"/>
             </a:pPr>
             <a:r>
-              <a:rPr lang="es-AR" sz="2000" dirty="0"/>
+              <a:rPr lang="es-AR" sz="2000" smtClean="0"/>
               <a:t>El decodificador es el responsable de convertir un cromosoma en una solución válida del problema</a:t>
             </a:r>
           </a:p>
@@ -9446,80 +7535,8 @@
               <a:buChar char="§"/>
             </a:pPr>
             <a:r>
-              <a:rPr lang="en-US" sz="2000" dirty="0"/>
-              <a:t>En </a:t>
-            </a:r>
-            <a:r>
-              <a:rPr lang="en-US" sz="2000" dirty="0" err="1"/>
-              <a:t>cada</a:t>
-            </a:r>
-            <a:r>
-              <a:rPr lang="en-US" sz="2000" dirty="0"/>
-              <a:t> </a:t>
-            </a:r>
-            <a:r>
-              <a:rPr lang="en-US" sz="2000" dirty="0" err="1"/>
-              <a:t>iteración</a:t>
-            </a:r>
-            <a:r>
-              <a:rPr lang="en-US" sz="2000" dirty="0"/>
-              <a:t> se </a:t>
-            </a:r>
-            <a:r>
-              <a:rPr lang="en-US" sz="2000" dirty="0" err="1"/>
-              <a:t>toman</a:t>
-            </a:r>
-            <a:r>
-              <a:rPr lang="en-US" sz="2000" dirty="0"/>
-              <a:t> los </a:t>
-            </a:r>
-            <a:r>
-              <a:rPr lang="en-US" sz="2000" dirty="0" err="1"/>
-              <a:t>mejores</a:t>
-            </a:r>
-            <a:r>
-              <a:rPr lang="en-US" sz="2000" dirty="0"/>
-              <a:t> </a:t>
-            </a:r>
-            <a:r>
-              <a:rPr lang="en-US" sz="2000" dirty="0" err="1"/>
-              <a:t>individuos</a:t>
-            </a:r>
-            <a:r>
-              <a:rPr lang="en-US" sz="2000" dirty="0"/>
-              <a:t> y </a:t>
-            </a:r>
-            <a:r>
-              <a:rPr lang="en-US" sz="2000" dirty="0" err="1"/>
-              <a:t>pasan</a:t>
-            </a:r>
-            <a:r>
-              <a:rPr lang="en-US" sz="2000" dirty="0"/>
-              <a:t> </a:t>
-            </a:r>
-            <a:r>
-              <a:rPr lang="en-US" sz="2000" dirty="0" err="1"/>
-              <a:t>directamente</a:t>
-            </a:r>
-            <a:r>
-              <a:rPr lang="en-US" sz="2000" dirty="0"/>
-              <a:t> a la </a:t>
-            </a:r>
-            <a:r>
-              <a:rPr lang="en-US" sz="2000" dirty="0" err="1"/>
-              <a:t>siguiente</a:t>
-            </a:r>
-            <a:r>
-              <a:rPr lang="en-US" sz="2000" dirty="0"/>
-              <a:t> </a:t>
-            </a:r>
-            <a:r>
-              <a:rPr lang="en-US" sz="2000" dirty="0" err="1"/>
-              <a:t>generación</a:t>
-            </a:r>
-            <a:r>
-              <a:rPr lang="en-US" sz="2000" dirty="0"/>
-              <a:t> (elites)</a:t>
+              <a:rPr lang="en-US" sz="2000" smtClean="0"/>
+              <a:t>En cada iteración se toman los mejores individuos y pasan directamente a la siguiente generación (elites)</a:t>
             </a:r>
           </a:p>
           <a:p>
@@ -9528,72 +7545,8 @@
               <a:buChar char="§"/>
             </a:pPr>
             <a:r>
-              <a:rPr lang="en-US" sz="2000" dirty="0"/>
-              <a:t>La </a:t>
-            </a:r>
-            <a:r>
-              <a:rPr lang="en-US" sz="2000" dirty="0" err="1"/>
-              <a:t>mayoria</a:t>
-            </a:r>
-            <a:r>
-              <a:rPr lang="en-US" sz="2000" dirty="0"/>
-              <a:t> de los </a:t>
-            </a:r>
-            <a:r>
-              <a:rPr lang="en-US" sz="2000" dirty="0" err="1"/>
-              <a:t>individuos</a:t>
-            </a:r>
-            <a:r>
-              <a:rPr lang="en-US" sz="2000" dirty="0"/>
-              <a:t> de la </a:t>
-            </a:r>
-            <a:r>
-              <a:rPr lang="en-US" sz="2000" dirty="0" err="1"/>
-              <a:t>nueva</a:t>
-            </a:r>
-            <a:r>
-              <a:rPr lang="en-US" sz="2000" dirty="0"/>
-              <a:t> </a:t>
-            </a:r>
-            <a:r>
-              <a:rPr lang="en-US" sz="2000" dirty="0" err="1"/>
-              <a:t>generacion</a:t>
-            </a:r>
-            <a:r>
-              <a:rPr lang="en-US" sz="2000" dirty="0"/>
-              <a:t> se </a:t>
-            </a:r>
-            <a:r>
-              <a:rPr lang="en-US" sz="2000" dirty="0" err="1"/>
-              <a:t>generan</a:t>
-            </a:r>
-            <a:r>
-              <a:rPr lang="en-US" sz="2000" dirty="0"/>
-              <a:t> </a:t>
-            </a:r>
-            <a:r>
-              <a:rPr lang="en-US" sz="2000" dirty="0" err="1"/>
-              <a:t>crusando</a:t>
-            </a:r>
-            <a:r>
-              <a:rPr lang="en-US" sz="2000" dirty="0"/>
-              <a:t> dos </a:t>
-            </a:r>
-            <a:r>
-              <a:rPr lang="en-US" sz="2000" dirty="0" err="1"/>
-              <a:t>individuos</a:t>
-            </a:r>
-            <a:r>
-              <a:rPr lang="en-US" sz="2000" dirty="0"/>
-              <a:t> de la </a:t>
-            </a:r>
-            <a:r>
-              <a:rPr lang="en-US" sz="2000" dirty="0" err="1"/>
-              <a:t>generacion</a:t>
-            </a:r>
-            <a:r>
-              <a:rPr lang="en-US" sz="2000" dirty="0"/>
-              <a:t> actual (crossover)</a:t>
+              <a:rPr lang="en-US" sz="2000" smtClean="0"/>
+              <a:t>La mayoría de los individuos de la nueva generación se genera cruzando dos individuos de la generación actual (crossover)</a:t>
             </a:r>
           </a:p>
           <a:p>
@@ -9602,111 +7555,29 @@
               <a:buChar char="§"/>
             </a:pPr>
             <a:r>
-              <a:rPr lang="en-US" sz="2000" dirty="0" err="1"/>
-              <a:t>Por</a:t>
-            </a:r>
-            <a:r>
-              <a:rPr lang="en-US" sz="2000" dirty="0"/>
-              <a:t> </a:t>
-            </a:r>
-            <a:r>
-              <a:rPr lang="en-US" sz="2000" dirty="0" err="1"/>
-              <a:t>último</a:t>
-            </a:r>
-            <a:r>
-              <a:rPr lang="en-US" sz="2000" dirty="0"/>
-              <a:t> un </a:t>
-            </a:r>
-            <a:r>
-              <a:rPr lang="en-US" sz="2000" dirty="0" err="1"/>
-              <a:t>porcentaje</a:t>
-            </a:r>
-            <a:r>
-              <a:rPr lang="en-US" sz="2000" dirty="0"/>
-              <a:t> </a:t>
-            </a:r>
-            <a:r>
-              <a:rPr lang="en-US" sz="2000" dirty="0" err="1"/>
-              <a:t>muy</a:t>
-            </a:r>
-            <a:r>
-              <a:rPr lang="en-US" sz="2000" dirty="0"/>
-              <a:t> </a:t>
-            </a:r>
-            <a:r>
-              <a:rPr lang="en-US" sz="2000" dirty="0" err="1"/>
-              <a:t>bajo</a:t>
-            </a:r>
-            <a:r>
-              <a:rPr lang="en-US" sz="2000" dirty="0"/>
-              <a:t> son </a:t>
-            </a:r>
-            <a:r>
-              <a:rPr lang="en-US" sz="2000" dirty="0" err="1"/>
-              <a:t>generados</a:t>
-            </a:r>
-            <a:r>
-              <a:rPr lang="en-US" sz="2000" dirty="0"/>
-              <a:t> al </a:t>
-            </a:r>
-            <a:r>
-              <a:rPr lang="en-US" sz="2000" dirty="0" err="1"/>
-              <a:t>azar</a:t>
-            </a:r>
-            <a:r>
-              <a:rPr lang="en-US" sz="2000" dirty="0"/>
-              <a:t>, </a:t>
-            </a:r>
-            <a:r>
-              <a:rPr lang="en-US" sz="2000" dirty="0" err="1"/>
-              <a:t>para</a:t>
-            </a:r>
-            <a:r>
-              <a:rPr lang="en-US" sz="2000" dirty="0"/>
-              <a:t> </a:t>
-            </a:r>
-            <a:r>
-              <a:rPr lang="en-US" sz="2000" dirty="0" err="1"/>
-              <a:t>escapar</a:t>
-            </a:r>
-            <a:r>
-              <a:rPr lang="en-US" sz="2000" dirty="0"/>
-              <a:t> de </a:t>
-            </a:r>
-            <a:r>
-              <a:rPr lang="en-US" sz="2000" dirty="0" err="1"/>
-              <a:t>mínimos</a:t>
-            </a:r>
-            <a:r>
-              <a:rPr lang="en-US" sz="2000" dirty="0"/>
-              <a:t> locales (</a:t>
-            </a:r>
-            <a:r>
-              <a:rPr lang="en-US" sz="2000" dirty="0" err="1"/>
-              <a:t>mutantes</a:t>
-            </a:r>
-            <a:r>
-              <a:rPr lang="en-US" sz="2000" dirty="0"/>
-              <a:t>)</a:t>
-            </a:r>
-            <a:endParaRPr lang="es-AR" sz="2000" dirty="0"/>
+              <a:rPr lang="en-US" sz="2000" smtClean="0"/>
+              <a:t>Un porcentaje muy bajo de los nuevos individuos es generado al azar, para escapar de mínimos locales (mutantes)</a:t>
+            </a:r>
+            <a:endParaRPr lang="es-AR" sz="2000" smtClean="0"/>
           </a:p>
           <a:p>
             <a:pPr lvl="1"/>
-            <a:endParaRPr lang="es-AR" sz="1600" dirty="0"/>
+            <a:endParaRPr lang="es-AR" sz="1600" smtClean="0"/>
           </a:p>
         </p:txBody>
       </p:sp>
     </p:spTree>
-    <p:extLst>
-      <p:ext uri="{BB962C8B-B14F-4D97-AF65-F5344CB8AC3E}">
-        <p14:creationId xmlns:p14="http://schemas.microsoft.com/office/powerpoint/2010/main" val="2522726087"/>
-      </p:ext>
-    </p:extLst>
   </p:cSld>
   <p:clrMapOvr>
     <a:masterClrMapping/>
   </p:clrMapOvr>
+  <p:timing>
+    <p:tnLst>
+      <p:par>
+        <p:cTn id="1" dur="indefinite" restart="never" nodeType="tmRoot"/>
+      </p:par>
+    </p:tnLst>
+  </p:timing>
 </p:sld>
 </file>
 
@@ -9740,16 +7611,21 @@
         <p:spPr>
           <a:xfrm>
             <a:off x="457200" y="274638"/>
-            <a:ext cx="8229600" cy="418058"/>
-          </a:xfrm>
-        </p:spPr>
-        <p:txBody>
-          <a:bodyPr>
+            <a:ext cx="8229600" cy="417512"/>
+          </a:xfrm>
+        </p:spPr>
+        <p:txBody>
+          <a:bodyPr rtlCol="0">
             <a:normAutofit fontScale="90000"/>
           </a:bodyPr>
           <a:lstStyle/>
           <a:p>
-            <a:pPr algn="r"/>
+            <a:pPr algn="r" fontAlgn="auto">
+              <a:spcAft>
+                <a:spcPts val="0"/>
+              </a:spcAft>
+              <a:defRPr/>
+            </a:pPr>
             <a:r>
               <a:rPr lang="en-US" sz="2400" dirty="0" smtClean="0"/>
               <a:t>Biased Random Key Genetic Algorithm</a:t>
@@ -9759,7 +7635,7 @@
       </p:sp>
       <p:sp>
         <p:nvSpPr>
-          <p:cNvPr id="3" name="Content Placeholder 2"/>
+          <p:cNvPr id="20482" name="Content Placeholder 2"/>
           <p:cNvSpPr>
             <a:spLocks noGrp="1"/>
           </p:cNvSpPr>
@@ -9769,149 +7645,87 @@
         </p:nvSpPr>
         <p:spPr>
           <a:xfrm>
-            <a:off x="457200" y="908720"/>
-            <a:ext cx="8229600" cy="5217443"/>
-          </a:xfrm>
-        </p:spPr>
-        <p:txBody>
-          <a:bodyPr>
-            <a:normAutofit/>
-          </a:bodyPr>
+            <a:off x="457200" y="908050"/>
+            <a:ext cx="8229600" cy="5218113"/>
+          </a:xfrm>
+        </p:spPr>
+        <p:txBody>
+          <a:bodyPr/>
           <a:lstStyle/>
           <a:p>
             <a:r>
-              <a:rPr lang="es-AR" sz="2800" dirty="0" err="1" smtClean="0"/>
-              <a:t>Biased</a:t>
-            </a:r>
-            <a:r>
-              <a:rPr lang="es-AR" sz="2800" dirty="0" smtClean="0"/>
-              <a:t> </a:t>
-            </a:r>
-            <a:r>
-              <a:rPr lang="es-AR" sz="2800" dirty="0" err="1" smtClean="0"/>
-              <a:t>Random</a:t>
-            </a:r>
-            <a:r>
-              <a:rPr lang="es-AR" sz="2800" dirty="0" smtClean="0"/>
-              <a:t> Key </a:t>
-            </a:r>
-            <a:r>
-              <a:rPr lang="es-AR" sz="2800" dirty="0" err="1" smtClean="0"/>
-              <a:t>Genetic</a:t>
-            </a:r>
-            <a:r>
-              <a:rPr lang="es-AR" sz="2800" dirty="0" smtClean="0"/>
-              <a:t> </a:t>
-            </a:r>
-            <a:r>
-              <a:rPr lang="es-AR" sz="2800" dirty="0" err="1" smtClean="0"/>
-              <a:t>Algorithm</a:t>
-            </a:r>
-            <a:r>
-              <a:rPr lang="es-AR" sz="2800" dirty="0" smtClean="0"/>
-              <a:t> (BRKGA)</a:t>
+              <a:rPr lang="es-AR" sz="2800" smtClean="0"/>
+              <a:t>Biased Random Key Genetic Algorithm (BRKGA)</a:t>
             </a:r>
           </a:p>
           <a:p>
             <a:pPr lvl="1"/>
             <a:r>
-              <a:rPr lang="en-US" sz="2000" dirty="0" err="1" smtClean="0"/>
-              <a:t>Cada</a:t>
-            </a:r>
-            <a:r>
-              <a:rPr lang="en-US" sz="2000" dirty="0" smtClean="0"/>
-              <a:t> </a:t>
-            </a:r>
-            <a:r>
-              <a:rPr lang="en-US" sz="2000" dirty="0" err="1" smtClean="0"/>
-              <a:t>individuo</a:t>
-            </a:r>
-            <a:r>
-              <a:rPr lang="en-US" sz="2000" dirty="0"/>
-              <a:t> </a:t>
-            </a:r>
-            <a:r>
-              <a:rPr lang="es-AR" sz="2000" dirty="0" smtClean="0"/>
+              <a:rPr lang="en-US" sz="2000" smtClean="0"/>
+              <a:t>Cada individuo </a:t>
+            </a:r>
+            <a:r>
+              <a:rPr lang="es-AR" sz="2000" smtClean="0"/>
               <a:t>se genera combinando un elemento seleccionado al azar del conjunto de elite y el otro de la conjunto no-elite.</a:t>
             </a:r>
           </a:p>
           <a:p>
             <a:pPr lvl="1"/>
             <a:r>
-              <a:rPr lang="es-AR" sz="2000" dirty="0" err="1"/>
-              <a:t>P</a:t>
-            </a:r>
-            <a:r>
-              <a:rPr lang="es-AR" sz="2000" dirty="0" err="1" smtClean="0"/>
-              <a:t>arameterized</a:t>
-            </a:r>
-            <a:r>
-              <a:rPr lang="es-AR" sz="2000" dirty="0" smtClean="0"/>
-              <a:t> </a:t>
-            </a:r>
-            <a:r>
-              <a:rPr lang="es-AR" sz="2000" dirty="0" err="1" smtClean="0"/>
-              <a:t>Uniform</a:t>
-            </a:r>
-            <a:r>
-              <a:rPr lang="es-AR" sz="2000" dirty="0" smtClean="0"/>
-              <a:t> Crossover. La probabilidad de que se trasmita el alelo del padre de elite es mayor que la del padre de no-</a:t>
-            </a:r>
-            <a:r>
-              <a:rPr lang="es-AR" sz="2000" dirty="0" err="1" smtClean="0"/>
-              <a:t>elte</a:t>
-            </a:r>
-            <a:r>
-              <a:rPr lang="es-AR" sz="2000" dirty="0" smtClean="0"/>
-              <a:t>.</a:t>
+              <a:rPr lang="es-AR" sz="2000" smtClean="0"/>
+              <a:t>Parameterized Uniform Crossover. La probabilidad de que se trasmita el alelo del padre de elite es mayor que la del padre de no-elte.</a:t>
             </a:r>
           </a:p>
           <a:p>
             <a:pPr lvl="1"/>
-            <a:endParaRPr lang="es-AR" sz="1600" dirty="0"/>
+            <a:endParaRPr lang="es-AR" sz="1600" smtClean="0"/>
           </a:p>
         </p:txBody>
       </p:sp>
       <p:pic>
         <p:nvPicPr>
-          <p:cNvPr id="4" name="Picture 3"/>
+          <p:cNvPr id="20483" name="Picture 3"/>
           <p:cNvPicPr>
             <a:picLocks noChangeAspect="1"/>
           </p:cNvPicPr>
           <p:nvPr/>
         </p:nvPicPr>
         <p:blipFill>
-          <a:blip r:embed="rId2" cstate="print">
-            <a:extLst>
-              <a:ext uri="{28A0092B-C50C-407E-A947-70E740481C1C}">
-                <a14:useLocalDpi xmlns:a14="http://schemas.microsoft.com/office/drawing/2010/main" val="0"/>
-              </a:ext>
-            </a:extLst>
-          </a:blip>
+          <a:blip r:embed="rId2"/>
+          <a:srcRect/>
           <a:stretch>
             <a:fillRect/>
           </a:stretch>
         </p:blipFill>
-        <p:spPr>
-          <a:xfrm>
-            <a:off x="1475656" y="2618050"/>
-            <a:ext cx="6090414" cy="4263290"/>
+        <p:spPr bwMode="auto">
+          <a:xfrm>
+            <a:off x="1476375" y="2617788"/>
+            <a:ext cx="6089650" cy="4264025"/>
           </a:xfrm>
           <a:prstGeom prst="rect">
             <a:avLst/>
           </a:prstGeom>
+          <a:noFill/>
+          <a:ln w="9525">
+            <a:noFill/>
+            <a:miter lim="800000"/>
+            <a:headEnd/>
+            <a:tailEnd/>
+          </a:ln>
         </p:spPr>
       </p:pic>
     </p:spTree>
-    <p:extLst>
-      <p:ext uri="{BB962C8B-B14F-4D97-AF65-F5344CB8AC3E}">
-        <p14:creationId xmlns:p14="http://schemas.microsoft.com/office/powerpoint/2010/main" val="1252345408"/>
-      </p:ext>
-    </p:extLst>
   </p:cSld>
   <p:clrMapOvr>
     <a:masterClrMapping/>
   </p:clrMapOvr>
+  <p:timing>
+    <p:tnLst>
+      <p:par>
+        <p:cTn id="1" dur="indefinite" restart="never" nodeType="tmRoot"/>
+      </p:par>
+    </p:tnLst>
+  </p:timing>
 </p:sld>
 </file>
 
@@ -9945,16 +7759,21 @@
         <p:spPr>
           <a:xfrm>
             <a:off x="457200" y="274638"/>
-            <a:ext cx="8229600" cy="418058"/>
-          </a:xfrm>
-        </p:spPr>
-        <p:txBody>
-          <a:bodyPr>
+            <a:ext cx="8229600" cy="417512"/>
+          </a:xfrm>
+        </p:spPr>
+        <p:txBody>
+          <a:bodyPr rtlCol="0">
             <a:normAutofit fontScale="90000"/>
           </a:bodyPr>
           <a:lstStyle/>
           <a:p>
-            <a:pPr algn="r"/>
+            <a:pPr algn="r" fontAlgn="auto">
+              <a:spcAft>
+                <a:spcPts val="0"/>
+              </a:spcAft>
+              <a:defRPr/>
+            </a:pPr>
             <a:r>
               <a:rPr lang="en-US" sz="2400" dirty="0"/>
               <a:t>Biased Random Key Genetic Algorithm</a:t>
@@ -9965,7 +7784,7 @@
       </p:sp>
       <p:pic>
         <p:nvPicPr>
-          <p:cNvPr id="7" name="Content Placeholder 6"/>
+          <p:cNvPr id="21506" name="Content Placeholder 6"/>
           <p:cNvPicPr>
             <a:picLocks noGrp="1" noChangeAspect="1"/>
           </p:cNvPicPr>
@@ -9974,34 +7793,31 @@
           </p:nvPr>
         </p:nvPicPr>
         <p:blipFill>
-          <a:blip r:embed="rId2">
-            <a:extLst>
-              <a:ext uri="{28A0092B-C50C-407E-A947-70E740481C1C}">
-                <a14:useLocalDpi xmlns:a14="http://schemas.microsoft.com/office/drawing/2010/main" val="0"/>
-              </a:ext>
-            </a:extLst>
-          </a:blip>
+          <a:blip r:embed="rId2"/>
+          <a:srcRect/>
           <a:stretch>
             <a:fillRect/>
           </a:stretch>
         </p:blipFill>
         <p:spPr>
           <a:xfrm>
-            <a:off x="395536" y="764704"/>
-            <a:ext cx="8443399" cy="5760293"/>
+            <a:off x="395288" y="765175"/>
+            <a:ext cx="8443912" cy="5759450"/>
           </a:xfrm>
         </p:spPr>
       </p:pic>
     </p:spTree>
-    <p:extLst>
-      <p:ext uri="{BB962C8B-B14F-4D97-AF65-F5344CB8AC3E}">
-        <p14:creationId xmlns:p14="http://schemas.microsoft.com/office/powerpoint/2010/main" val="3139650440"/>
-      </p:ext>
-    </p:extLst>
   </p:cSld>
   <p:clrMapOvr>
     <a:masterClrMapping/>
   </p:clrMapOvr>
+  <p:timing>
+    <p:tnLst>
+      <p:par>
+        <p:cTn id="1" dur="indefinite" restart="never" nodeType="tmRoot"/>
+      </p:par>
+    </p:tnLst>
+  </p:timing>
 </p:sld>
 </file>
 
